--- a/JDBC/JDBC_Presentation.pptx
+++ b/JDBC/JDBC_Presentation.pptx
@@ -5,12 +5,15 @@
     <p:sldMasterId id="2147483684" r:id="rId1"/>
   </p:sldMasterIdLst>
   <p:notesMasterIdLst>
-    <p:notesMasterId r:id="rId5"/>
+    <p:notesMasterId r:id="rId8"/>
   </p:notesMasterIdLst>
   <p:sldIdLst>
     <p:sldId id="257" r:id="rId2"/>
     <p:sldId id="258" r:id="rId3"/>
     <p:sldId id="259" r:id="rId4"/>
+    <p:sldId id="260" r:id="rId5"/>
+    <p:sldId id="261" r:id="rId6"/>
+    <p:sldId id="262" r:id="rId7"/>
   </p:sldIdLst>
   <p:sldSz cx="12192000" cy="6858000"/>
   <p:notesSz cx="6858000" cy="9144000"/>
@@ -199,7 +202,7 @@
           <a:p>
             <a:fld id="{F988C94B-7918-458B-9AF1-0DBDD7FC850F}" type="datetimeFigureOut">
               <a:rPr lang="en-US" smtClean="0"/>
-              <a:t>2022-07-27</a:t>
+              <a:t>2022-07-28</a:t>
             </a:fld>
             <a:endParaRPr lang="en-US"/>
           </a:p>
@@ -597,7 +600,7 @@
           <a:p>
             <a:fld id="{0A968979-5CB5-4E5D-B82F-DAC09775BD7D}" type="datetimeFigureOut">
               <a:rPr lang="en-US" smtClean="0"/>
-              <a:t>2022-07-27</a:t>
+              <a:t>2022-07-28</a:t>
             </a:fld>
             <a:endParaRPr lang="en-US"/>
           </a:p>
@@ -767,7 +770,7 @@
           <a:p>
             <a:fld id="{0A968979-5CB5-4E5D-B82F-DAC09775BD7D}" type="datetimeFigureOut">
               <a:rPr lang="en-US" smtClean="0"/>
-              <a:t>2022-07-27</a:t>
+              <a:t>2022-07-28</a:t>
             </a:fld>
             <a:endParaRPr lang="en-US"/>
           </a:p>
@@ -947,7 +950,7 @@
           <a:p>
             <a:fld id="{0A968979-5CB5-4E5D-B82F-DAC09775BD7D}" type="datetimeFigureOut">
               <a:rPr lang="en-US" smtClean="0"/>
-              <a:t>2022-07-27</a:t>
+              <a:t>2022-07-28</a:t>
             </a:fld>
             <a:endParaRPr lang="en-US"/>
           </a:p>
@@ -1117,7 +1120,7 @@
           <a:p>
             <a:fld id="{0A968979-5CB5-4E5D-B82F-DAC09775BD7D}" type="datetimeFigureOut">
               <a:rPr lang="en-US" smtClean="0"/>
-              <a:t>2022-07-27</a:t>
+              <a:t>2022-07-28</a:t>
             </a:fld>
             <a:endParaRPr lang="en-US"/>
           </a:p>
@@ -1363,7 +1366,7 @@
           <a:p>
             <a:fld id="{0A968979-5CB5-4E5D-B82F-DAC09775BD7D}" type="datetimeFigureOut">
               <a:rPr lang="en-US" smtClean="0"/>
-              <a:t>2022-07-27</a:t>
+              <a:t>2022-07-28</a:t>
             </a:fld>
             <a:endParaRPr lang="en-US"/>
           </a:p>
@@ -1595,7 +1598,7 @@
           <a:p>
             <a:fld id="{0A968979-5CB5-4E5D-B82F-DAC09775BD7D}" type="datetimeFigureOut">
               <a:rPr lang="en-US" smtClean="0"/>
-              <a:t>2022-07-27</a:t>
+              <a:t>2022-07-28</a:t>
             </a:fld>
             <a:endParaRPr lang="en-US"/>
           </a:p>
@@ -1962,7 +1965,7 @@
           <a:p>
             <a:fld id="{0A968979-5CB5-4E5D-B82F-DAC09775BD7D}" type="datetimeFigureOut">
               <a:rPr lang="en-US" smtClean="0"/>
-              <a:t>2022-07-27</a:t>
+              <a:t>2022-07-28</a:t>
             </a:fld>
             <a:endParaRPr lang="en-US"/>
           </a:p>
@@ -2080,7 +2083,7 @@
           <a:p>
             <a:fld id="{0A968979-5CB5-4E5D-B82F-DAC09775BD7D}" type="datetimeFigureOut">
               <a:rPr lang="en-US" smtClean="0"/>
-              <a:t>2022-07-27</a:t>
+              <a:t>2022-07-28</a:t>
             </a:fld>
             <a:endParaRPr lang="en-US"/>
           </a:p>
@@ -2175,7 +2178,7 @@
           <a:p>
             <a:fld id="{0A968979-5CB5-4E5D-B82F-DAC09775BD7D}" type="datetimeFigureOut">
               <a:rPr lang="en-US" smtClean="0"/>
-              <a:t>2022-07-27</a:t>
+              <a:t>2022-07-28</a:t>
             </a:fld>
             <a:endParaRPr lang="en-US"/>
           </a:p>
@@ -2452,7 +2455,7 @@
           <a:p>
             <a:fld id="{0A968979-5CB5-4E5D-B82F-DAC09775BD7D}" type="datetimeFigureOut">
               <a:rPr lang="en-US" smtClean="0"/>
-              <a:t>2022-07-27</a:t>
+              <a:t>2022-07-28</a:t>
             </a:fld>
             <a:endParaRPr lang="en-US"/>
           </a:p>
@@ -2709,7 +2712,7 @@
           <a:p>
             <a:fld id="{0A968979-5CB5-4E5D-B82F-DAC09775BD7D}" type="datetimeFigureOut">
               <a:rPr lang="en-US" smtClean="0"/>
-              <a:t>2022-07-27</a:t>
+              <a:t>2022-07-28</a:t>
             </a:fld>
             <a:endParaRPr lang="en-US"/>
           </a:p>
@@ -2922,7 +2925,7 @@
           <a:p>
             <a:fld id="{0A968979-5CB5-4E5D-B82F-DAC09775BD7D}" type="datetimeFigureOut">
               <a:rPr lang="en-US" smtClean="0"/>
-              <a:t>2022-07-27</a:t>
+              <a:t>2022-07-28</a:t>
             </a:fld>
             <a:endParaRPr lang="en-US"/>
           </a:p>
@@ -3405,10 +3408,10 @@
       </p:cxnSp>
       <p:pic>
         <p:nvPicPr>
-          <p:cNvPr id="12" name="Content Placeholder 11">
+          <p:cNvPr id="6" name="Content Placeholder 5">
             <a:extLst>
               <a:ext uri="{FF2B5EF4-FFF2-40B4-BE49-F238E27FC236}">
-                <a16:creationId xmlns:a16="http://schemas.microsoft.com/office/drawing/2014/main" id="{7A4543AF-B7AE-4628-915D-851B9E3D0DA9}"/>
+                <a16:creationId xmlns:a16="http://schemas.microsoft.com/office/drawing/2014/main" id="{07F59C3E-E521-4DDB-8063-AB677DFD4100}"/>
               </a:ext>
             </a:extLst>
           </p:cNvPr>
@@ -3433,8 +3436,8 @@
         </p:blipFill>
         <p:spPr>
           <a:xfrm>
-            <a:off x="4389943" y="1525822"/>
-            <a:ext cx="3412114" cy="4748610"/>
+            <a:off x="1514283" y="1540812"/>
+            <a:ext cx="9163434" cy="4448638"/>
           </a:xfrm>
         </p:spPr>
       </p:pic>
@@ -3805,6 +3808,1038 @@
     <p:extLst>
       <p:ext uri="{BB962C8B-B14F-4D97-AF65-F5344CB8AC3E}">
         <p14:creationId xmlns:p14="http://schemas.microsoft.com/office/powerpoint/2010/main" val="1168783351"/>
+      </p:ext>
+    </p:extLst>
+  </p:cSld>
+  <p:clrMapOvr>
+    <a:masterClrMapping/>
+  </p:clrMapOvr>
+</p:sld>
+</file>
+
+<file path=ppt/slides/slide4.xml><?xml version="1.0" encoding="utf-8"?>
+<p:sld xmlns:a="http://schemas.openxmlformats.org/drawingml/2006/main" xmlns:r="http://schemas.openxmlformats.org/officeDocument/2006/relationships" xmlns:p="http://schemas.openxmlformats.org/presentationml/2006/main">
+  <p:cSld>
+    <p:spTree>
+      <p:nvGrpSpPr>
+        <p:cNvPr id="1" name=""/>
+        <p:cNvGrpSpPr/>
+        <p:nvPr/>
+      </p:nvGrpSpPr>
+      <p:grpSpPr>
+        <a:xfrm>
+          <a:off x="0" y="0"/>
+          <a:ext cx="0" cy="0"/>
+          <a:chOff x="0" y="0"/>
+          <a:chExt cx="0" cy="0"/>
+        </a:xfrm>
+      </p:grpSpPr>
+      <p:sp>
+        <p:nvSpPr>
+          <p:cNvPr id="2" name="Title 1">
+            <a:extLst>
+              <a:ext uri="{FF2B5EF4-FFF2-40B4-BE49-F238E27FC236}">
+                <a16:creationId xmlns:a16="http://schemas.microsoft.com/office/drawing/2014/main" id="{993B0208-F476-4C72-94C0-A2F1639782F0}"/>
+              </a:ext>
+            </a:extLst>
+          </p:cNvPr>
+          <p:cNvSpPr>
+            <a:spLocks noGrp="1"/>
+          </p:cNvSpPr>
+          <p:nvPr>
+            <p:ph type="title"/>
+          </p:nvPr>
+        </p:nvSpPr>
+        <p:spPr>
+          <a:xfrm>
+            <a:off x="838200" y="0"/>
+            <a:ext cx="10515600" cy="1325563"/>
+          </a:xfrm>
+        </p:spPr>
+        <p:txBody>
+          <a:bodyPr/>
+          <a:lstStyle/>
+          <a:p>
+            <a:pPr algn="ctr"/>
+            <a:r>
+              <a:rPr lang="en-US" dirty="0">
+                <a:latin typeface="Sylfaen" panose="010A0502050306030303" pitchFamily="18" charset="0"/>
+              </a:rPr>
+              <a:t>Java Database Connectivity Steps</a:t>
+            </a:r>
+          </a:p>
+        </p:txBody>
+      </p:sp>
+      <p:cxnSp>
+        <p:nvCxnSpPr>
+          <p:cNvPr id="4" name="Straight Connector 3">
+            <a:extLst>
+              <a:ext uri="{FF2B5EF4-FFF2-40B4-BE49-F238E27FC236}">
+                <a16:creationId xmlns:a16="http://schemas.microsoft.com/office/drawing/2014/main" id="{A1A7F60D-0DDC-4C88-85D0-BF4AB2D18B51}"/>
+              </a:ext>
+            </a:extLst>
+          </p:cNvPr>
+          <p:cNvCxnSpPr>
+            <a:cxnSpLocks/>
+          </p:cNvCxnSpPr>
+          <p:nvPr/>
+        </p:nvCxnSpPr>
+        <p:spPr>
+          <a:xfrm>
+            <a:off x="569235" y="1216117"/>
+            <a:ext cx="11053530" cy="0"/>
+          </a:xfrm>
+          <a:prstGeom prst="line">
+            <a:avLst/>
+          </a:prstGeom>
+        </p:spPr>
+        <p:style>
+          <a:lnRef idx="3">
+            <a:schemeClr val="accent1"/>
+          </a:lnRef>
+          <a:fillRef idx="0">
+            <a:schemeClr val="accent1"/>
+          </a:fillRef>
+          <a:effectRef idx="2">
+            <a:schemeClr val="accent1"/>
+          </a:effectRef>
+          <a:fontRef idx="minor">
+            <a:schemeClr val="tx1"/>
+          </a:fontRef>
+        </p:style>
+      </p:cxnSp>
+      <p:pic>
+        <p:nvPicPr>
+          <p:cNvPr id="14" name="Content Placeholder 13">
+            <a:extLst>
+              <a:ext uri="{FF2B5EF4-FFF2-40B4-BE49-F238E27FC236}">
+                <a16:creationId xmlns:a16="http://schemas.microsoft.com/office/drawing/2014/main" id="{CE7A464F-4D8C-490B-8AA0-3958647CC381}"/>
+              </a:ext>
+            </a:extLst>
+          </p:cNvPr>
+          <p:cNvPicPr>
+            <a:picLocks noGrp="1" noChangeAspect="1"/>
+          </p:cNvPicPr>
+          <p:nvPr>
+            <p:ph idx="1"/>
+          </p:nvPr>
+        </p:nvPicPr>
+        <p:blipFill>
+          <a:blip r:embed="rId2">
+            <a:extLst>
+              <a:ext uri="{28A0092B-C50C-407E-A947-70E740481C1C}">
+                <a14:useLocalDpi xmlns:a14="http://schemas.microsoft.com/office/drawing/2010/main" val="0"/>
+              </a:ext>
+            </a:extLst>
+          </a:blip>
+          <a:stretch>
+            <a:fillRect/>
+          </a:stretch>
+        </p:blipFill>
+        <p:spPr>
+          <a:xfrm>
+            <a:off x="174096" y="2085176"/>
+            <a:ext cx="11843807" cy="1519231"/>
+          </a:xfrm>
+        </p:spPr>
+      </p:pic>
+      <p:sp>
+        <p:nvSpPr>
+          <p:cNvPr id="16" name="Content Placeholder 2">
+            <a:extLst>
+              <a:ext uri="{FF2B5EF4-FFF2-40B4-BE49-F238E27FC236}">
+                <a16:creationId xmlns:a16="http://schemas.microsoft.com/office/drawing/2014/main" id="{4634CA63-5579-49BA-8B34-B7A859C0634F}"/>
+              </a:ext>
+            </a:extLst>
+          </p:cNvPr>
+          <p:cNvSpPr txBox="1">
+            <a:spLocks/>
+          </p:cNvSpPr>
+          <p:nvPr/>
+        </p:nvSpPr>
+        <p:spPr>
+          <a:xfrm>
+            <a:off x="3074854" y="2669228"/>
+            <a:ext cx="6042285" cy="3930598"/>
+          </a:xfrm>
+          <a:prstGeom prst="rect">
+            <a:avLst/>
+          </a:prstGeom>
+        </p:spPr>
+        <p:txBody>
+          <a:bodyPr vert="horz" lIns="91440" tIns="45720" rIns="91440" bIns="45720" rtlCol="0">
+            <a:normAutofit/>
+          </a:bodyPr>
+          <a:lstStyle>
+            <a:lvl1pPr marL="228600" indent="-228600" algn="l" defTabSz="914400" rtl="0" eaLnBrk="1" latinLnBrk="0" hangingPunct="1">
+              <a:lnSpc>
+                <a:spcPct val="90000"/>
+              </a:lnSpc>
+              <a:spcBef>
+                <a:spcPts val="1000"/>
+              </a:spcBef>
+              <a:buFont typeface="Arial" panose="020B0604020202020204" pitchFamily="34" charset="0"/>
+              <a:buChar char="•"/>
+              <a:defRPr sz="2800" kern="1200">
+                <a:solidFill>
+                  <a:schemeClr val="tx1"/>
+                </a:solidFill>
+                <a:latin typeface="+mn-lt"/>
+                <a:ea typeface="+mn-ea"/>
+                <a:cs typeface="+mn-cs"/>
+              </a:defRPr>
+            </a:lvl1pPr>
+            <a:lvl2pPr marL="685800" indent="-228600" algn="l" defTabSz="914400" rtl="0" eaLnBrk="1" latinLnBrk="0" hangingPunct="1">
+              <a:lnSpc>
+                <a:spcPct val="90000"/>
+              </a:lnSpc>
+              <a:spcBef>
+                <a:spcPts val="500"/>
+              </a:spcBef>
+              <a:buFont typeface="Arial" panose="020B0604020202020204" pitchFamily="34" charset="0"/>
+              <a:buChar char="•"/>
+              <a:defRPr sz="2400" kern="1200">
+                <a:solidFill>
+                  <a:schemeClr val="tx1"/>
+                </a:solidFill>
+                <a:latin typeface="+mn-lt"/>
+                <a:ea typeface="+mn-ea"/>
+                <a:cs typeface="+mn-cs"/>
+              </a:defRPr>
+            </a:lvl2pPr>
+            <a:lvl3pPr marL="1143000" indent="-228600" algn="l" defTabSz="914400" rtl="0" eaLnBrk="1" latinLnBrk="0" hangingPunct="1">
+              <a:lnSpc>
+                <a:spcPct val="90000"/>
+              </a:lnSpc>
+              <a:spcBef>
+                <a:spcPts val="500"/>
+              </a:spcBef>
+              <a:buFont typeface="Arial" panose="020B0604020202020204" pitchFamily="34" charset="0"/>
+              <a:buChar char="•"/>
+              <a:defRPr sz="2000" kern="1200">
+                <a:solidFill>
+                  <a:schemeClr val="tx1"/>
+                </a:solidFill>
+                <a:latin typeface="+mn-lt"/>
+                <a:ea typeface="+mn-ea"/>
+                <a:cs typeface="+mn-cs"/>
+              </a:defRPr>
+            </a:lvl3pPr>
+            <a:lvl4pPr marL="1600200" indent="-228600" algn="l" defTabSz="914400" rtl="0" eaLnBrk="1" latinLnBrk="0" hangingPunct="1">
+              <a:lnSpc>
+                <a:spcPct val="90000"/>
+              </a:lnSpc>
+              <a:spcBef>
+                <a:spcPts val="500"/>
+              </a:spcBef>
+              <a:buFont typeface="Arial" panose="020B0604020202020204" pitchFamily="34" charset="0"/>
+              <a:buChar char="•"/>
+              <a:defRPr sz="1800" kern="1200">
+                <a:solidFill>
+                  <a:schemeClr val="tx1"/>
+                </a:solidFill>
+                <a:latin typeface="+mn-lt"/>
+                <a:ea typeface="+mn-ea"/>
+                <a:cs typeface="+mn-cs"/>
+              </a:defRPr>
+            </a:lvl4pPr>
+            <a:lvl5pPr marL="2057400" indent="-228600" algn="l" defTabSz="914400" rtl="0" eaLnBrk="1" latinLnBrk="0" hangingPunct="1">
+              <a:lnSpc>
+                <a:spcPct val="90000"/>
+              </a:lnSpc>
+              <a:spcBef>
+                <a:spcPts val="500"/>
+              </a:spcBef>
+              <a:buFont typeface="Arial" panose="020B0604020202020204" pitchFamily="34" charset="0"/>
+              <a:buChar char="•"/>
+              <a:defRPr sz="1800" kern="1200">
+                <a:solidFill>
+                  <a:schemeClr val="tx1"/>
+                </a:solidFill>
+                <a:latin typeface="+mn-lt"/>
+                <a:ea typeface="+mn-ea"/>
+                <a:cs typeface="+mn-cs"/>
+              </a:defRPr>
+            </a:lvl5pPr>
+            <a:lvl6pPr marL="2514600" indent="-228600" algn="l" defTabSz="914400" rtl="0" eaLnBrk="1" latinLnBrk="0" hangingPunct="1">
+              <a:lnSpc>
+                <a:spcPct val="90000"/>
+              </a:lnSpc>
+              <a:spcBef>
+                <a:spcPts val="500"/>
+              </a:spcBef>
+              <a:buFont typeface="Arial" panose="020B0604020202020204" pitchFamily="34" charset="0"/>
+              <a:buChar char="•"/>
+              <a:defRPr sz="1800" kern="1200">
+                <a:solidFill>
+                  <a:schemeClr val="tx1"/>
+                </a:solidFill>
+                <a:latin typeface="+mn-lt"/>
+                <a:ea typeface="+mn-ea"/>
+                <a:cs typeface="+mn-cs"/>
+              </a:defRPr>
+            </a:lvl6pPr>
+            <a:lvl7pPr marL="2971800" indent="-228600" algn="l" defTabSz="914400" rtl="0" eaLnBrk="1" latinLnBrk="0" hangingPunct="1">
+              <a:lnSpc>
+                <a:spcPct val="90000"/>
+              </a:lnSpc>
+              <a:spcBef>
+                <a:spcPts val="500"/>
+              </a:spcBef>
+              <a:buFont typeface="Arial" panose="020B0604020202020204" pitchFamily="34" charset="0"/>
+              <a:buChar char="•"/>
+              <a:defRPr sz="1800" kern="1200">
+                <a:solidFill>
+                  <a:schemeClr val="tx1"/>
+                </a:solidFill>
+                <a:latin typeface="+mn-lt"/>
+                <a:ea typeface="+mn-ea"/>
+                <a:cs typeface="+mn-cs"/>
+              </a:defRPr>
+            </a:lvl7pPr>
+            <a:lvl8pPr marL="3429000" indent="-228600" algn="l" defTabSz="914400" rtl="0" eaLnBrk="1" latinLnBrk="0" hangingPunct="1">
+              <a:lnSpc>
+                <a:spcPct val="90000"/>
+              </a:lnSpc>
+              <a:spcBef>
+                <a:spcPts val="500"/>
+              </a:spcBef>
+              <a:buFont typeface="Arial" panose="020B0604020202020204" pitchFamily="34" charset="0"/>
+              <a:buChar char="•"/>
+              <a:defRPr sz="1800" kern="1200">
+                <a:solidFill>
+                  <a:schemeClr val="tx1"/>
+                </a:solidFill>
+                <a:latin typeface="+mn-lt"/>
+                <a:ea typeface="+mn-ea"/>
+                <a:cs typeface="+mn-cs"/>
+              </a:defRPr>
+            </a:lvl8pPr>
+            <a:lvl9pPr marL="3886200" indent="-228600" algn="l" defTabSz="914400" rtl="0" eaLnBrk="1" latinLnBrk="0" hangingPunct="1">
+              <a:lnSpc>
+                <a:spcPct val="90000"/>
+              </a:lnSpc>
+              <a:spcBef>
+                <a:spcPts val="500"/>
+              </a:spcBef>
+              <a:buFont typeface="Arial" panose="020B0604020202020204" pitchFamily="34" charset="0"/>
+              <a:buChar char="•"/>
+              <a:defRPr sz="1800" kern="1200">
+                <a:solidFill>
+                  <a:schemeClr val="tx1"/>
+                </a:solidFill>
+                <a:latin typeface="+mn-lt"/>
+                <a:ea typeface="+mn-ea"/>
+                <a:cs typeface="+mn-cs"/>
+              </a:defRPr>
+            </a:lvl9pPr>
+          </a:lstStyle>
+          <a:p>
+            <a:pPr marL="0" indent="0">
+              <a:lnSpc>
+                <a:spcPct val="150000"/>
+              </a:lnSpc>
+              <a:buNone/>
+            </a:pPr>
+            <a:endParaRPr lang="en-US" sz="3600" dirty="0">
+              <a:effectLst>
+                <a:outerShdw blurRad="38100" dist="38100" dir="2700000" algn="tl">
+                  <a:srgbClr val="000000">
+                    <a:alpha val="43137"/>
+                  </a:srgbClr>
+                </a:outerShdw>
+              </a:effectLst>
+              <a:latin typeface="Sylfaen" panose="010A0502050306030303" pitchFamily="18" charset="0"/>
+            </a:endParaRPr>
+          </a:p>
+        </p:txBody>
+      </p:sp>
+    </p:spTree>
+    <p:extLst>
+      <p:ext uri="{BB962C8B-B14F-4D97-AF65-F5344CB8AC3E}">
+        <p14:creationId xmlns:p14="http://schemas.microsoft.com/office/powerpoint/2010/main" val="3898030232"/>
+      </p:ext>
+    </p:extLst>
+  </p:cSld>
+  <p:clrMapOvr>
+    <a:masterClrMapping/>
+  </p:clrMapOvr>
+</p:sld>
+</file>
+
+<file path=ppt/slides/slide5.xml><?xml version="1.0" encoding="utf-8"?>
+<p:sld xmlns:a="http://schemas.openxmlformats.org/drawingml/2006/main" xmlns:r="http://schemas.openxmlformats.org/officeDocument/2006/relationships" xmlns:p="http://schemas.openxmlformats.org/presentationml/2006/main">
+  <p:cSld>
+    <p:spTree>
+      <p:nvGrpSpPr>
+        <p:cNvPr id="1" name=""/>
+        <p:cNvGrpSpPr/>
+        <p:nvPr/>
+      </p:nvGrpSpPr>
+      <p:grpSpPr>
+        <a:xfrm>
+          <a:off x="0" y="0"/>
+          <a:ext cx="0" cy="0"/>
+          <a:chOff x="0" y="0"/>
+          <a:chExt cx="0" cy="0"/>
+        </a:xfrm>
+      </p:grpSpPr>
+      <p:sp>
+        <p:nvSpPr>
+          <p:cNvPr id="2" name="Title 1">
+            <a:extLst>
+              <a:ext uri="{FF2B5EF4-FFF2-40B4-BE49-F238E27FC236}">
+                <a16:creationId xmlns:a16="http://schemas.microsoft.com/office/drawing/2014/main" id="{CE25D3E3-C61C-42EF-B106-01B223499C0F}"/>
+              </a:ext>
+            </a:extLst>
+          </p:cNvPr>
+          <p:cNvSpPr>
+            <a:spLocks noGrp="1"/>
+          </p:cNvSpPr>
+          <p:nvPr>
+            <p:ph type="title"/>
+          </p:nvPr>
+        </p:nvSpPr>
+        <p:spPr>
+          <a:xfrm>
+            <a:off x="838200" y="0"/>
+            <a:ext cx="10515600" cy="1325563"/>
+          </a:xfrm>
+        </p:spPr>
+        <p:txBody>
+          <a:bodyPr/>
+          <a:lstStyle/>
+          <a:p>
+            <a:pPr algn="ctr"/>
+            <a:r>
+              <a:rPr lang="en-US" dirty="0" err="1">
+                <a:latin typeface="Sylfaen" panose="010A0502050306030303" pitchFamily="18" charset="0"/>
+              </a:rPr>
+              <a:t>DriverManager</a:t>
+            </a:r>
+            <a:r>
+              <a:rPr lang="en-US" dirty="0">
+                <a:latin typeface="Sylfaen" panose="010A0502050306030303" pitchFamily="18" charset="0"/>
+              </a:rPr>
+              <a:t> class</a:t>
+            </a:r>
+          </a:p>
+        </p:txBody>
+      </p:sp>
+      <p:sp>
+        <p:nvSpPr>
+          <p:cNvPr id="3" name="Content Placeholder 2">
+            <a:extLst>
+              <a:ext uri="{FF2B5EF4-FFF2-40B4-BE49-F238E27FC236}">
+                <a16:creationId xmlns:a16="http://schemas.microsoft.com/office/drawing/2014/main" id="{104C4EE2-7009-407F-A5EC-3418B75AE0BD}"/>
+              </a:ext>
+            </a:extLst>
+          </p:cNvPr>
+          <p:cNvSpPr>
+            <a:spLocks noGrp="1"/>
+          </p:cNvSpPr>
+          <p:nvPr>
+            <p:ph idx="1"/>
+          </p:nvPr>
+        </p:nvSpPr>
+        <p:spPr>
+          <a:xfrm>
+            <a:off x="769257" y="1767569"/>
+            <a:ext cx="10653485" cy="4351338"/>
+          </a:xfrm>
+        </p:spPr>
+        <p:txBody>
+          <a:bodyPr>
+            <a:normAutofit lnSpcReduction="10000"/>
+          </a:bodyPr>
+          <a:lstStyle/>
+          <a:p>
+            <a:pPr marL="0" indent="0">
+              <a:buNone/>
+            </a:pPr>
+            <a:r>
+              <a:rPr lang="en-US" sz="3000" dirty="0">
+                <a:effectLst>
+                  <a:outerShdw blurRad="38100" dist="38100" dir="2700000" algn="tl">
+                    <a:srgbClr val="000000">
+                      <a:alpha val="43137"/>
+                    </a:srgbClr>
+                  </a:outerShdw>
+                </a:effectLst>
+                <a:latin typeface="Sylfaen" panose="010A0502050306030303" pitchFamily="18" charset="0"/>
+              </a:rPr>
+              <a:t>public static synchronized void </a:t>
+            </a:r>
+            <a:r>
+              <a:rPr lang="en-US" sz="3000" dirty="0" err="1">
+                <a:effectLst>
+                  <a:outerShdw blurRad="38100" dist="38100" dir="2700000" algn="tl">
+                    <a:srgbClr val="000000">
+                      <a:alpha val="43137"/>
+                    </a:srgbClr>
+                  </a:outerShdw>
+                </a:effectLst>
+                <a:latin typeface="Sylfaen" panose="010A0502050306030303" pitchFamily="18" charset="0"/>
+              </a:rPr>
+              <a:t>registerDriver</a:t>
+            </a:r>
+            <a:r>
+              <a:rPr lang="en-US" sz="3000" dirty="0">
+                <a:effectLst>
+                  <a:outerShdw blurRad="38100" dist="38100" dir="2700000" algn="tl">
+                    <a:srgbClr val="000000">
+                      <a:alpha val="43137"/>
+                    </a:srgbClr>
+                  </a:outerShdw>
+                </a:effectLst>
+                <a:latin typeface="Sylfaen" panose="010A0502050306030303" pitchFamily="18" charset="0"/>
+              </a:rPr>
+              <a:t>(Driver driver)</a:t>
+            </a:r>
+          </a:p>
+          <a:p>
+            <a:pPr marL="0" indent="0">
+              <a:buNone/>
+            </a:pPr>
+            <a:r>
+              <a:rPr lang="en-US" sz="3000" dirty="0">
+                <a:effectLst>
+                  <a:outerShdw blurRad="38100" dist="38100" dir="2700000" algn="tl">
+                    <a:srgbClr val="000000">
+                      <a:alpha val="43137"/>
+                    </a:srgbClr>
+                  </a:outerShdw>
+                </a:effectLst>
+                <a:latin typeface="Sylfaen" panose="010A0502050306030303" pitchFamily="18" charset="0"/>
+              </a:rPr>
+              <a:t>public static synchronized void </a:t>
+            </a:r>
+            <a:r>
+              <a:rPr lang="en-US" sz="3000" dirty="0" err="1">
+                <a:effectLst>
+                  <a:outerShdw blurRad="38100" dist="38100" dir="2700000" algn="tl">
+                    <a:srgbClr val="000000">
+                      <a:alpha val="43137"/>
+                    </a:srgbClr>
+                  </a:outerShdw>
+                </a:effectLst>
+                <a:latin typeface="Sylfaen" panose="010A0502050306030303" pitchFamily="18" charset="0"/>
+              </a:rPr>
+              <a:t>deRegisterDriver</a:t>
+            </a:r>
+            <a:r>
+              <a:rPr lang="en-US" sz="3000" dirty="0">
+                <a:effectLst>
+                  <a:outerShdw blurRad="38100" dist="38100" dir="2700000" algn="tl">
+                    <a:srgbClr val="000000">
+                      <a:alpha val="43137"/>
+                    </a:srgbClr>
+                  </a:outerShdw>
+                </a:effectLst>
+                <a:latin typeface="Sylfaen" panose="010A0502050306030303" pitchFamily="18" charset="0"/>
+              </a:rPr>
+              <a:t>(Driver driver)</a:t>
+            </a:r>
+          </a:p>
+          <a:p>
+            <a:pPr marL="0" indent="0">
+              <a:buNone/>
+            </a:pPr>
+            <a:r>
+              <a:rPr lang="en-US" sz="3000" dirty="0">
+                <a:effectLst>
+                  <a:outerShdw blurRad="38100" dist="38100" dir="2700000" algn="tl">
+                    <a:srgbClr val="000000">
+                      <a:alpha val="43137"/>
+                    </a:srgbClr>
+                  </a:outerShdw>
+                </a:effectLst>
+                <a:latin typeface="Sylfaen" panose="010A0502050306030303" pitchFamily="18" charset="0"/>
+              </a:rPr>
+              <a:t>public static Connection </a:t>
+            </a:r>
+            <a:r>
+              <a:rPr lang="en-US" sz="3000" dirty="0" err="1">
+                <a:effectLst>
+                  <a:outerShdw blurRad="38100" dist="38100" dir="2700000" algn="tl">
+                    <a:srgbClr val="000000">
+                      <a:alpha val="43137"/>
+                    </a:srgbClr>
+                  </a:outerShdw>
+                </a:effectLst>
+                <a:latin typeface="Sylfaen" panose="010A0502050306030303" pitchFamily="18" charset="0"/>
+              </a:rPr>
+              <a:t>getConnection</a:t>
+            </a:r>
+            <a:r>
+              <a:rPr lang="en-US" sz="3000" dirty="0">
+                <a:effectLst>
+                  <a:outerShdw blurRad="38100" dist="38100" dir="2700000" algn="tl">
+                    <a:srgbClr val="000000">
+                      <a:alpha val="43137"/>
+                    </a:srgbClr>
+                  </a:outerShdw>
+                </a:effectLst>
+                <a:latin typeface="Sylfaen" panose="010A0502050306030303" pitchFamily="18" charset="0"/>
+              </a:rPr>
+              <a:t>(String </a:t>
+            </a:r>
+            <a:r>
+              <a:rPr lang="en-US" sz="3000" dirty="0" err="1">
+                <a:effectLst>
+                  <a:outerShdw blurRad="38100" dist="38100" dir="2700000" algn="tl">
+                    <a:srgbClr val="000000">
+                      <a:alpha val="43137"/>
+                    </a:srgbClr>
+                  </a:outerShdw>
+                </a:effectLst>
+                <a:latin typeface="Sylfaen" panose="010A0502050306030303" pitchFamily="18" charset="0"/>
+              </a:rPr>
+              <a:t>url</a:t>
+            </a:r>
+            <a:r>
+              <a:rPr lang="en-US" sz="3000" dirty="0">
+                <a:effectLst>
+                  <a:outerShdw blurRad="38100" dist="38100" dir="2700000" algn="tl">
+                    <a:srgbClr val="000000">
+                      <a:alpha val="43137"/>
+                    </a:srgbClr>
+                  </a:outerShdw>
+                </a:effectLst>
+                <a:latin typeface="Sylfaen" panose="010A0502050306030303" pitchFamily="18" charset="0"/>
+              </a:rPr>
+              <a:t>)</a:t>
+            </a:r>
+          </a:p>
+          <a:p>
+            <a:pPr marL="0" indent="0">
+              <a:buNone/>
+            </a:pPr>
+            <a:r>
+              <a:rPr lang="en-US" sz="3000" dirty="0">
+                <a:effectLst>
+                  <a:outerShdw blurRad="38100" dist="38100" dir="2700000" algn="tl">
+                    <a:srgbClr val="000000">
+                      <a:alpha val="43137"/>
+                    </a:srgbClr>
+                  </a:outerShdw>
+                </a:effectLst>
+                <a:latin typeface="Sylfaen" panose="010A0502050306030303" pitchFamily="18" charset="0"/>
+              </a:rPr>
+              <a:t>public static Connection </a:t>
+            </a:r>
+            <a:r>
+              <a:rPr lang="en-US" sz="3000" dirty="0" err="1">
+                <a:effectLst>
+                  <a:outerShdw blurRad="38100" dist="38100" dir="2700000" algn="tl">
+                    <a:srgbClr val="000000">
+                      <a:alpha val="43137"/>
+                    </a:srgbClr>
+                  </a:outerShdw>
+                </a:effectLst>
+                <a:latin typeface="Sylfaen" panose="010A0502050306030303" pitchFamily="18" charset="0"/>
+              </a:rPr>
+              <a:t>getConnection</a:t>
+            </a:r>
+            <a:r>
+              <a:rPr lang="en-US" sz="3000" dirty="0">
+                <a:effectLst>
+                  <a:outerShdw blurRad="38100" dist="38100" dir="2700000" algn="tl">
+                    <a:srgbClr val="000000">
+                      <a:alpha val="43137"/>
+                    </a:srgbClr>
+                  </a:outerShdw>
+                </a:effectLst>
+                <a:latin typeface="Sylfaen" panose="010A0502050306030303" pitchFamily="18" charset="0"/>
+              </a:rPr>
+              <a:t>(</a:t>
+            </a:r>
+            <a:r>
+              <a:rPr lang="en-US" sz="3000" dirty="0" err="1">
+                <a:effectLst>
+                  <a:outerShdw blurRad="38100" dist="38100" dir="2700000" algn="tl">
+                    <a:srgbClr val="000000">
+                      <a:alpha val="43137"/>
+                    </a:srgbClr>
+                  </a:outerShdw>
+                </a:effectLst>
+                <a:latin typeface="Sylfaen" panose="010A0502050306030303" pitchFamily="18" charset="0"/>
+              </a:rPr>
+              <a:t>url</a:t>
+            </a:r>
+            <a:r>
+              <a:rPr lang="en-US" sz="3000" dirty="0">
+                <a:effectLst>
+                  <a:outerShdw blurRad="38100" dist="38100" dir="2700000" algn="tl">
+                    <a:srgbClr val="000000">
+                      <a:alpha val="43137"/>
+                    </a:srgbClr>
+                  </a:outerShdw>
+                </a:effectLst>
+                <a:latin typeface="Sylfaen" panose="010A0502050306030303" pitchFamily="18" charset="0"/>
+              </a:rPr>
+              <a:t>, user, password)</a:t>
+            </a:r>
+          </a:p>
+          <a:p>
+            <a:pPr marL="0" indent="0">
+              <a:buNone/>
+            </a:pPr>
+            <a:r>
+              <a:rPr lang="en-US" sz="3000" dirty="0">
+                <a:effectLst>
+                  <a:outerShdw blurRad="38100" dist="38100" dir="2700000" algn="tl">
+                    <a:srgbClr val="000000">
+                      <a:alpha val="43137"/>
+                    </a:srgbClr>
+                  </a:outerShdw>
+                </a:effectLst>
+                <a:latin typeface="Sylfaen" panose="010A0502050306030303" pitchFamily="18" charset="0"/>
+              </a:rPr>
+              <a:t>public static Driver </a:t>
+            </a:r>
+            <a:r>
+              <a:rPr lang="en-US" sz="3000" dirty="0" err="1">
+                <a:effectLst>
+                  <a:outerShdw blurRad="38100" dist="38100" dir="2700000" algn="tl">
+                    <a:srgbClr val="000000">
+                      <a:alpha val="43137"/>
+                    </a:srgbClr>
+                  </a:outerShdw>
+                </a:effectLst>
+                <a:latin typeface="Sylfaen" panose="010A0502050306030303" pitchFamily="18" charset="0"/>
+              </a:rPr>
+              <a:t>getDriver</a:t>
+            </a:r>
+            <a:r>
+              <a:rPr lang="en-US" sz="3000" dirty="0">
+                <a:effectLst>
+                  <a:outerShdw blurRad="38100" dist="38100" dir="2700000" algn="tl">
+                    <a:srgbClr val="000000">
+                      <a:alpha val="43137"/>
+                    </a:srgbClr>
+                  </a:outerShdw>
+                </a:effectLst>
+                <a:latin typeface="Sylfaen" panose="010A0502050306030303" pitchFamily="18" charset="0"/>
+              </a:rPr>
+              <a:t>(String </a:t>
+            </a:r>
+            <a:r>
+              <a:rPr lang="en-US" sz="3000" dirty="0" err="1">
+                <a:effectLst>
+                  <a:outerShdw blurRad="38100" dist="38100" dir="2700000" algn="tl">
+                    <a:srgbClr val="000000">
+                      <a:alpha val="43137"/>
+                    </a:srgbClr>
+                  </a:outerShdw>
+                </a:effectLst>
+                <a:latin typeface="Sylfaen" panose="010A0502050306030303" pitchFamily="18" charset="0"/>
+              </a:rPr>
+              <a:t>url</a:t>
+            </a:r>
+            <a:r>
+              <a:rPr lang="en-US" sz="3000" dirty="0">
+                <a:effectLst>
+                  <a:outerShdw blurRad="38100" dist="38100" dir="2700000" algn="tl">
+                    <a:srgbClr val="000000">
+                      <a:alpha val="43137"/>
+                    </a:srgbClr>
+                  </a:outerShdw>
+                </a:effectLst>
+                <a:latin typeface="Sylfaen" panose="010A0502050306030303" pitchFamily="18" charset="0"/>
+              </a:rPr>
+              <a:t>)</a:t>
+            </a:r>
+          </a:p>
+          <a:p>
+            <a:pPr marL="0" indent="0">
+              <a:buNone/>
+            </a:pPr>
+            <a:r>
+              <a:rPr lang="en-US" sz="3000" dirty="0">
+                <a:effectLst>
+                  <a:outerShdw blurRad="38100" dist="38100" dir="2700000" algn="tl">
+                    <a:srgbClr val="000000">
+                      <a:alpha val="43137"/>
+                    </a:srgbClr>
+                  </a:outerShdw>
+                </a:effectLst>
+                <a:latin typeface="Sylfaen" panose="010A0502050306030303" pitchFamily="18" charset="0"/>
+              </a:rPr>
+              <a:t>pubic static int </a:t>
+            </a:r>
+            <a:r>
+              <a:rPr lang="en-US" sz="3000" dirty="0" err="1">
+                <a:effectLst>
+                  <a:outerShdw blurRad="38100" dist="38100" dir="2700000" algn="tl">
+                    <a:srgbClr val="000000">
+                      <a:alpha val="43137"/>
+                    </a:srgbClr>
+                  </a:outerShdw>
+                </a:effectLst>
+                <a:latin typeface="Sylfaen" panose="010A0502050306030303" pitchFamily="18" charset="0"/>
+              </a:rPr>
+              <a:t>getLoginTimeout</a:t>
+            </a:r>
+            <a:r>
+              <a:rPr lang="en-US" sz="3000" dirty="0">
+                <a:effectLst>
+                  <a:outerShdw blurRad="38100" dist="38100" dir="2700000" algn="tl">
+                    <a:srgbClr val="000000">
+                      <a:alpha val="43137"/>
+                    </a:srgbClr>
+                  </a:outerShdw>
+                </a:effectLst>
+                <a:latin typeface="Sylfaen" panose="010A0502050306030303" pitchFamily="18" charset="0"/>
+              </a:rPr>
+              <a:t>()</a:t>
+            </a:r>
+          </a:p>
+          <a:p>
+            <a:pPr marL="0" indent="0">
+              <a:buNone/>
+            </a:pPr>
+            <a:r>
+              <a:rPr lang="en-US" sz="3000" dirty="0">
+                <a:effectLst>
+                  <a:outerShdw blurRad="38100" dist="38100" dir="2700000" algn="tl">
+                    <a:srgbClr val="000000">
+                      <a:alpha val="43137"/>
+                    </a:srgbClr>
+                  </a:outerShdw>
+                </a:effectLst>
+                <a:latin typeface="Sylfaen" panose="010A0502050306030303" pitchFamily="18" charset="0"/>
+              </a:rPr>
+              <a:t>pubic static void </a:t>
+            </a:r>
+            <a:r>
+              <a:rPr lang="en-US" sz="3000" dirty="0" err="1">
+                <a:effectLst>
+                  <a:outerShdw blurRad="38100" dist="38100" dir="2700000" algn="tl">
+                    <a:srgbClr val="000000">
+                      <a:alpha val="43137"/>
+                    </a:srgbClr>
+                  </a:outerShdw>
+                </a:effectLst>
+                <a:latin typeface="Sylfaen" panose="010A0502050306030303" pitchFamily="18" charset="0"/>
+              </a:rPr>
+              <a:t>setLoginTimeout</a:t>
+            </a:r>
+            <a:r>
+              <a:rPr lang="en-US" sz="3000" dirty="0">
+                <a:effectLst>
+                  <a:outerShdw blurRad="38100" dist="38100" dir="2700000" algn="tl">
+                    <a:srgbClr val="000000">
+                      <a:alpha val="43137"/>
+                    </a:srgbClr>
+                  </a:outerShdw>
+                </a:effectLst>
+                <a:latin typeface="Sylfaen" panose="010A0502050306030303" pitchFamily="18" charset="0"/>
+              </a:rPr>
+              <a:t>(int sec)</a:t>
+            </a:r>
+          </a:p>
+          <a:p>
+            <a:pPr marL="0" indent="0">
+              <a:buNone/>
+            </a:pPr>
+            <a:r>
+              <a:rPr lang="en-US" sz="3000" dirty="0">
+                <a:effectLst>
+                  <a:outerShdw blurRad="38100" dist="38100" dir="2700000" algn="tl">
+                    <a:srgbClr val="000000">
+                      <a:alpha val="43137"/>
+                    </a:srgbClr>
+                  </a:outerShdw>
+                </a:effectLst>
+                <a:latin typeface="Sylfaen" panose="010A0502050306030303" pitchFamily="18" charset="0"/>
+              </a:rPr>
+              <a:t>public static Connection </a:t>
+            </a:r>
+            <a:r>
+              <a:rPr lang="en-US" sz="3000" dirty="0" err="1">
+                <a:effectLst>
+                  <a:outerShdw blurRad="38100" dist="38100" dir="2700000" algn="tl">
+                    <a:srgbClr val="000000">
+                      <a:alpha val="43137"/>
+                    </a:srgbClr>
+                  </a:outerShdw>
+                </a:effectLst>
+                <a:latin typeface="Sylfaen" panose="010A0502050306030303" pitchFamily="18" charset="0"/>
+              </a:rPr>
+              <a:t>getConnection</a:t>
+            </a:r>
+            <a:r>
+              <a:rPr lang="en-US" sz="3000" dirty="0">
+                <a:effectLst>
+                  <a:outerShdw blurRad="38100" dist="38100" dir="2700000" algn="tl">
+                    <a:srgbClr val="000000">
+                      <a:alpha val="43137"/>
+                    </a:srgbClr>
+                  </a:outerShdw>
+                </a:effectLst>
+                <a:latin typeface="Sylfaen" panose="010A0502050306030303" pitchFamily="18" charset="0"/>
+              </a:rPr>
+              <a:t>(String URL, Properties prop) throws </a:t>
+            </a:r>
+            <a:r>
+              <a:rPr lang="en-US" sz="3000" dirty="0" err="1">
+                <a:effectLst>
+                  <a:outerShdw blurRad="38100" dist="38100" dir="2700000" algn="tl">
+                    <a:srgbClr val="000000">
+                      <a:alpha val="43137"/>
+                    </a:srgbClr>
+                  </a:outerShdw>
+                </a:effectLst>
+                <a:latin typeface="Sylfaen" panose="010A0502050306030303" pitchFamily="18" charset="0"/>
+              </a:rPr>
+              <a:t>SQLException</a:t>
+            </a:r>
+            <a:endParaRPr lang="en-US" sz="3000" dirty="0">
+              <a:effectLst>
+                <a:outerShdw blurRad="38100" dist="38100" dir="2700000" algn="tl">
+                  <a:srgbClr val="000000">
+                    <a:alpha val="43137"/>
+                  </a:srgbClr>
+                </a:outerShdw>
+              </a:effectLst>
+              <a:latin typeface="Sylfaen" panose="010A0502050306030303" pitchFamily="18" charset="0"/>
+            </a:endParaRPr>
+          </a:p>
+        </p:txBody>
+      </p:sp>
+      <p:cxnSp>
+        <p:nvCxnSpPr>
+          <p:cNvPr id="4" name="Straight Connector 3">
+            <a:extLst>
+              <a:ext uri="{FF2B5EF4-FFF2-40B4-BE49-F238E27FC236}">
+                <a16:creationId xmlns:a16="http://schemas.microsoft.com/office/drawing/2014/main" id="{411CA433-F41F-46D4-8B2B-0418D9C6D8B7}"/>
+              </a:ext>
+            </a:extLst>
+          </p:cNvPr>
+          <p:cNvCxnSpPr>
+            <a:cxnSpLocks/>
+          </p:cNvCxnSpPr>
+          <p:nvPr/>
+        </p:nvCxnSpPr>
+        <p:spPr>
+          <a:xfrm>
+            <a:off x="569235" y="1216117"/>
+            <a:ext cx="11053530" cy="0"/>
+          </a:xfrm>
+          <a:prstGeom prst="line">
+            <a:avLst/>
+          </a:prstGeom>
+        </p:spPr>
+        <p:style>
+          <a:lnRef idx="3">
+            <a:schemeClr val="accent1"/>
+          </a:lnRef>
+          <a:fillRef idx="0">
+            <a:schemeClr val="accent1"/>
+          </a:fillRef>
+          <a:effectRef idx="2">
+            <a:schemeClr val="accent1"/>
+          </a:effectRef>
+          <a:fontRef idx="minor">
+            <a:schemeClr val="tx1"/>
+          </a:fontRef>
+        </p:style>
+      </p:cxnSp>
+    </p:spTree>
+    <p:extLst>
+      <p:ext uri="{BB962C8B-B14F-4D97-AF65-F5344CB8AC3E}">
+        <p14:creationId xmlns:p14="http://schemas.microsoft.com/office/powerpoint/2010/main" val="1966849526"/>
+      </p:ext>
+    </p:extLst>
+  </p:cSld>
+  <p:clrMapOvr>
+    <a:masterClrMapping/>
+  </p:clrMapOvr>
+</p:sld>
+</file>
+
+<file path=ppt/slides/slide6.xml><?xml version="1.0" encoding="utf-8"?>
+<p:sld xmlns:a="http://schemas.openxmlformats.org/drawingml/2006/main" xmlns:r="http://schemas.openxmlformats.org/officeDocument/2006/relationships" xmlns:p="http://schemas.openxmlformats.org/presentationml/2006/main">
+  <p:cSld>
+    <p:spTree>
+      <p:nvGrpSpPr>
+        <p:cNvPr id="1" name=""/>
+        <p:cNvGrpSpPr/>
+        <p:nvPr/>
+      </p:nvGrpSpPr>
+      <p:grpSpPr>
+        <a:xfrm>
+          <a:off x="0" y="0"/>
+          <a:ext cx="0" cy="0"/>
+          <a:chOff x="0" y="0"/>
+          <a:chExt cx="0" cy="0"/>
+        </a:xfrm>
+      </p:grpSpPr>
+      <p:sp>
+        <p:nvSpPr>
+          <p:cNvPr id="2" name="Title 1">
+            <a:extLst>
+              <a:ext uri="{FF2B5EF4-FFF2-40B4-BE49-F238E27FC236}">
+                <a16:creationId xmlns:a16="http://schemas.microsoft.com/office/drawing/2014/main" id="{D8973326-02B2-44DF-B042-81F8F9CCDB09}"/>
+              </a:ext>
+            </a:extLst>
+          </p:cNvPr>
+          <p:cNvSpPr>
+            <a:spLocks noGrp="1"/>
+          </p:cNvSpPr>
+          <p:nvPr>
+            <p:ph type="title"/>
+          </p:nvPr>
+        </p:nvSpPr>
+        <p:spPr/>
+        <p:txBody>
+          <a:bodyPr/>
+          <a:lstStyle/>
+          <a:p>
+            <a:pPr algn="ctr"/>
+            <a:r>
+              <a:rPr lang="en-US" dirty="0">
+                <a:latin typeface="Sylfaen" panose="010A0502050306030303" pitchFamily="18" charset="0"/>
+              </a:rPr>
+              <a:t>Connection interface</a:t>
+            </a:r>
+            <a:endParaRPr lang="en-US" dirty="0"/>
+          </a:p>
+        </p:txBody>
+      </p:sp>
+      <p:sp>
+        <p:nvSpPr>
+          <p:cNvPr id="3" name="Content Placeholder 2">
+            <a:extLst>
+              <a:ext uri="{FF2B5EF4-FFF2-40B4-BE49-F238E27FC236}">
+                <a16:creationId xmlns:a16="http://schemas.microsoft.com/office/drawing/2014/main" id="{94CD8FFE-7B5C-4C9E-AF64-78FCF7408135}"/>
+              </a:ext>
+            </a:extLst>
+          </p:cNvPr>
+          <p:cNvSpPr>
+            <a:spLocks noGrp="1"/>
+          </p:cNvSpPr>
+          <p:nvPr>
+            <p:ph idx="1"/>
+          </p:nvPr>
+        </p:nvSpPr>
+        <p:spPr/>
+        <p:txBody>
+          <a:bodyPr/>
+          <a:lstStyle/>
+          <a:p>
+            <a:pPr marL="0" indent="0">
+              <a:buNone/>
+            </a:pPr>
+            <a:endParaRPr lang="en-US" dirty="0"/>
+          </a:p>
+        </p:txBody>
+      </p:sp>
+    </p:spTree>
+    <p:extLst>
+      <p:ext uri="{BB962C8B-B14F-4D97-AF65-F5344CB8AC3E}">
+        <p14:creationId xmlns:p14="http://schemas.microsoft.com/office/powerpoint/2010/main" val="4165581378"/>
       </p:ext>
     </p:extLst>
   </p:cSld>

--- a/JDBC/JDBC_Presentation.pptx
+++ b/JDBC/JDBC_Presentation.pptx
@@ -5,7 +5,7 @@
     <p:sldMasterId id="2147483684" r:id="rId1"/>
   </p:sldMasterIdLst>
   <p:notesMasterIdLst>
-    <p:notesMasterId r:id="rId8"/>
+    <p:notesMasterId r:id="rId12"/>
   </p:notesMasterIdLst>
   <p:sldIdLst>
     <p:sldId id="257" r:id="rId2"/>
@@ -14,6 +14,10 @@
     <p:sldId id="260" r:id="rId5"/>
     <p:sldId id="261" r:id="rId6"/>
     <p:sldId id="262" r:id="rId7"/>
+    <p:sldId id="264" r:id="rId8"/>
+    <p:sldId id="265" r:id="rId9"/>
+    <p:sldId id="266" r:id="rId10"/>
+    <p:sldId id="267" r:id="rId11"/>
   </p:sldIdLst>
   <p:sldSz cx="12192000" cy="6858000"/>
   <p:notesSz cx="6858000" cy="9144000"/>
@@ -202,7 +206,7 @@
           <a:p>
             <a:fld id="{F988C94B-7918-458B-9AF1-0DBDD7FC850F}" type="datetimeFigureOut">
               <a:rPr lang="en-US" smtClean="0"/>
-              <a:t>2022-07-28</a:t>
+              <a:t>2022-07-29</a:t>
             </a:fld>
             <a:endParaRPr lang="en-US"/>
           </a:p>
@@ -600,7 +604,7 @@
           <a:p>
             <a:fld id="{0A968979-5CB5-4E5D-B82F-DAC09775BD7D}" type="datetimeFigureOut">
               <a:rPr lang="en-US" smtClean="0"/>
-              <a:t>2022-07-28</a:t>
+              <a:t>2022-07-29</a:t>
             </a:fld>
             <a:endParaRPr lang="en-US"/>
           </a:p>
@@ -770,7 +774,7 @@
           <a:p>
             <a:fld id="{0A968979-5CB5-4E5D-B82F-DAC09775BD7D}" type="datetimeFigureOut">
               <a:rPr lang="en-US" smtClean="0"/>
-              <a:t>2022-07-28</a:t>
+              <a:t>2022-07-29</a:t>
             </a:fld>
             <a:endParaRPr lang="en-US"/>
           </a:p>
@@ -950,7 +954,7 @@
           <a:p>
             <a:fld id="{0A968979-5CB5-4E5D-B82F-DAC09775BD7D}" type="datetimeFigureOut">
               <a:rPr lang="en-US" smtClean="0"/>
-              <a:t>2022-07-28</a:t>
+              <a:t>2022-07-29</a:t>
             </a:fld>
             <a:endParaRPr lang="en-US"/>
           </a:p>
@@ -1120,7 +1124,7 @@
           <a:p>
             <a:fld id="{0A968979-5CB5-4E5D-B82F-DAC09775BD7D}" type="datetimeFigureOut">
               <a:rPr lang="en-US" smtClean="0"/>
-              <a:t>2022-07-28</a:t>
+              <a:t>2022-07-29</a:t>
             </a:fld>
             <a:endParaRPr lang="en-US"/>
           </a:p>
@@ -1366,7 +1370,7 @@
           <a:p>
             <a:fld id="{0A968979-5CB5-4E5D-B82F-DAC09775BD7D}" type="datetimeFigureOut">
               <a:rPr lang="en-US" smtClean="0"/>
-              <a:t>2022-07-28</a:t>
+              <a:t>2022-07-29</a:t>
             </a:fld>
             <a:endParaRPr lang="en-US"/>
           </a:p>
@@ -1598,7 +1602,7 @@
           <a:p>
             <a:fld id="{0A968979-5CB5-4E5D-B82F-DAC09775BD7D}" type="datetimeFigureOut">
               <a:rPr lang="en-US" smtClean="0"/>
-              <a:t>2022-07-28</a:t>
+              <a:t>2022-07-29</a:t>
             </a:fld>
             <a:endParaRPr lang="en-US"/>
           </a:p>
@@ -1965,7 +1969,7 @@
           <a:p>
             <a:fld id="{0A968979-5CB5-4E5D-B82F-DAC09775BD7D}" type="datetimeFigureOut">
               <a:rPr lang="en-US" smtClean="0"/>
-              <a:t>2022-07-28</a:t>
+              <a:t>2022-07-29</a:t>
             </a:fld>
             <a:endParaRPr lang="en-US"/>
           </a:p>
@@ -2083,7 +2087,7 @@
           <a:p>
             <a:fld id="{0A968979-5CB5-4E5D-B82F-DAC09775BD7D}" type="datetimeFigureOut">
               <a:rPr lang="en-US" smtClean="0"/>
-              <a:t>2022-07-28</a:t>
+              <a:t>2022-07-29</a:t>
             </a:fld>
             <a:endParaRPr lang="en-US"/>
           </a:p>
@@ -2178,7 +2182,7 @@
           <a:p>
             <a:fld id="{0A968979-5CB5-4E5D-B82F-DAC09775BD7D}" type="datetimeFigureOut">
               <a:rPr lang="en-US" smtClean="0"/>
-              <a:t>2022-07-28</a:t>
+              <a:t>2022-07-29</a:t>
             </a:fld>
             <a:endParaRPr lang="en-US"/>
           </a:p>
@@ -2455,7 +2459,7 @@
           <a:p>
             <a:fld id="{0A968979-5CB5-4E5D-B82F-DAC09775BD7D}" type="datetimeFigureOut">
               <a:rPr lang="en-US" smtClean="0"/>
-              <a:t>2022-07-28</a:t>
+              <a:t>2022-07-29</a:t>
             </a:fld>
             <a:endParaRPr lang="en-US"/>
           </a:p>
@@ -2712,7 +2716,7 @@
           <a:p>
             <a:fld id="{0A968979-5CB5-4E5D-B82F-DAC09775BD7D}" type="datetimeFigureOut">
               <a:rPr lang="en-US" smtClean="0"/>
-              <a:t>2022-07-28</a:t>
+              <a:t>2022-07-29</a:t>
             </a:fld>
             <a:endParaRPr lang="en-US"/>
           </a:p>
@@ -2925,7 +2929,7 @@
           <a:p>
             <a:fld id="{0A968979-5CB5-4E5D-B82F-DAC09775BD7D}" type="datetimeFigureOut">
               <a:rPr lang="en-US" smtClean="0"/>
-              <a:t>2022-07-28</a:t>
+              <a:t>2022-07-29</a:t>
             </a:fld>
             <a:endParaRPr lang="en-US"/>
           </a:p>
@@ -3454,6 +3458,424 @@
 </p:sld>
 </file>
 
+<file path=ppt/slides/slide10.xml><?xml version="1.0" encoding="utf-8"?>
+<p:sld xmlns:a="http://schemas.openxmlformats.org/drawingml/2006/main" xmlns:r="http://schemas.openxmlformats.org/officeDocument/2006/relationships" xmlns:p="http://schemas.openxmlformats.org/presentationml/2006/main">
+  <p:cSld>
+    <p:spTree>
+      <p:nvGrpSpPr>
+        <p:cNvPr id="1" name=""/>
+        <p:cNvGrpSpPr/>
+        <p:nvPr/>
+      </p:nvGrpSpPr>
+      <p:grpSpPr>
+        <a:xfrm>
+          <a:off x="0" y="0"/>
+          <a:ext cx="0" cy="0"/>
+          <a:chOff x="0" y="0"/>
+          <a:chExt cx="0" cy="0"/>
+        </a:xfrm>
+      </p:grpSpPr>
+      <p:sp>
+        <p:nvSpPr>
+          <p:cNvPr id="2" name="Title 1">
+            <a:extLst>
+              <a:ext uri="{FF2B5EF4-FFF2-40B4-BE49-F238E27FC236}">
+                <a16:creationId xmlns:a16="http://schemas.microsoft.com/office/drawing/2014/main" id="{EE710966-B40C-4532-B8E4-EFF6B9CD1BAC}"/>
+              </a:ext>
+            </a:extLst>
+          </p:cNvPr>
+          <p:cNvSpPr>
+            <a:spLocks noGrp="1"/>
+          </p:cNvSpPr>
+          <p:nvPr>
+            <p:ph type="title"/>
+          </p:nvPr>
+        </p:nvSpPr>
+        <p:spPr>
+          <a:xfrm>
+            <a:off x="838200" y="0"/>
+            <a:ext cx="10515600" cy="1325563"/>
+          </a:xfrm>
+        </p:spPr>
+        <p:txBody>
+          <a:bodyPr/>
+          <a:lstStyle/>
+          <a:p>
+            <a:pPr algn="ctr"/>
+            <a:r>
+              <a:rPr lang="en-US" dirty="0" err="1">
+                <a:latin typeface="Sylfaen" panose="010A0502050306030303" pitchFamily="18" charset="0"/>
+              </a:rPr>
+              <a:t>RsultSetMetadata</a:t>
+            </a:r>
+            <a:r>
+              <a:rPr lang="en-US" dirty="0">
+                <a:latin typeface="Sylfaen" panose="010A0502050306030303" pitchFamily="18" charset="0"/>
+              </a:rPr>
+              <a:t> interface</a:t>
+            </a:r>
+            <a:endParaRPr lang="en-US" dirty="0"/>
+          </a:p>
+        </p:txBody>
+      </p:sp>
+      <p:sp>
+        <p:nvSpPr>
+          <p:cNvPr id="3" name="Content Placeholder 2">
+            <a:extLst>
+              <a:ext uri="{FF2B5EF4-FFF2-40B4-BE49-F238E27FC236}">
+                <a16:creationId xmlns:a16="http://schemas.microsoft.com/office/drawing/2014/main" id="{2E0DD23A-0A37-4BF8-BE46-CDC3438B10A4}"/>
+              </a:ext>
+            </a:extLst>
+          </p:cNvPr>
+          <p:cNvSpPr>
+            <a:spLocks noGrp="1"/>
+          </p:cNvSpPr>
+          <p:nvPr>
+            <p:ph idx="1"/>
+          </p:nvPr>
+        </p:nvSpPr>
+        <p:spPr>
+          <a:xfrm>
+            <a:off x="569235" y="1735683"/>
+            <a:ext cx="11243872" cy="3675765"/>
+          </a:xfrm>
+        </p:spPr>
+        <p:txBody>
+          <a:bodyPr/>
+          <a:lstStyle/>
+          <a:p>
+            <a:pPr marL="0" indent="0">
+              <a:lnSpc>
+                <a:spcPct val="150000"/>
+              </a:lnSpc>
+              <a:buNone/>
+            </a:pPr>
+            <a:r>
+              <a:rPr lang="en-US" sz="3000" dirty="0">
+                <a:effectLst>
+                  <a:outerShdw blurRad="38100" dist="38100" dir="2700000" algn="tl">
+                    <a:srgbClr val="000000">
+                      <a:alpha val="43137"/>
+                    </a:srgbClr>
+                  </a:outerShdw>
+                </a:effectLst>
+                <a:latin typeface="Sylfaen" panose="010A0502050306030303" pitchFamily="18" charset="0"/>
+              </a:rPr>
+              <a:t>public int </a:t>
+            </a:r>
+            <a:r>
+              <a:rPr lang="en-US" sz="3000" dirty="0" err="1">
+                <a:effectLst>
+                  <a:outerShdw blurRad="38100" dist="38100" dir="2700000" algn="tl">
+                    <a:srgbClr val="000000">
+                      <a:alpha val="43137"/>
+                    </a:srgbClr>
+                  </a:outerShdw>
+                </a:effectLst>
+                <a:latin typeface="Sylfaen" panose="010A0502050306030303" pitchFamily="18" charset="0"/>
+              </a:rPr>
+              <a:t>getColumnCount</a:t>
+            </a:r>
+            <a:r>
+              <a:rPr lang="en-US" sz="3000" dirty="0">
+                <a:effectLst>
+                  <a:outerShdw blurRad="38100" dist="38100" dir="2700000" algn="tl">
+                    <a:srgbClr val="000000">
+                      <a:alpha val="43137"/>
+                    </a:srgbClr>
+                  </a:outerShdw>
+                </a:effectLst>
+                <a:latin typeface="Sylfaen" panose="010A0502050306030303" pitchFamily="18" charset="0"/>
+              </a:rPr>
+              <a:t>()throws </a:t>
+            </a:r>
+            <a:r>
+              <a:rPr lang="en-US" sz="3000" dirty="0" err="1">
+                <a:effectLst>
+                  <a:outerShdw blurRad="38100" dist="38100" dir="2700000" algn="tl">
+                    <a:srgbClr val="000000">
+                      <a:alpha val="43137"/>
+                    </a:srgbClr>
+                  </a:outerShdw>
+                </a:effectLst>
+                <a:latin typeface="Sylfaen" panose="010A0502050306030303" pitchFamily="18" charset="0"/>
+              </a:rPr>
+              <a:t>SQLException</a:t>
+            </a:r>
+            <a:endParaRPr lang="en-US" sz="3000" dirty="0">
+              <a:effectLst>
+                <a:outerShdw blurRad="38100" dist="38100" dir="2700000" algn="tl">
+                  <a:srgbClr val="000000">
+                    <a:alpha val="43137"/>
+                  </a:srgbClr>
+                </a:outerShdw>
+              </a:effectLst>
+              <a:latin typeface="Sylfaen" panose="010A0502050306030303" pitchFamily="18" charset="0"/>
+            </a:endParaRPr>
+          </a:p>
+          <a:p>
+            <a:pPr marL="0" indent="0">
+              <a:lnSpc>
+                <a:spcPct val="150000"/>
+              </a:lnSpc>
+              <a:buNone/>
+            </a:pPr>
+            <a:r>
+              <a:rPr lang="en-US" sz="3000" dirty="0">
+                <a:effectLst>
+                  <a:outerShdw blurRad="38100" dist="38100" dir="2700000" algn="tl">
+                    <a:srgbClr val="000000">
+                      <a:alpha val="43137"/>
+                    </a:srgbClr>
+                  </a:outerShdw>
+                </a:effectLst>
+                <a:latin typeface="Sylfaen" panose="010A0502050306030303" pitchFamily="18" charset="0"/>
+              </a:rPr>
+              <a:t>public String </a:t>
+            </a:r>
+            <a:r>
+              <a:rPr lang="en-US" sz="3000" dirty="0" err="1">
+                <a:effectLst>
+                  <a:outerShdw blurRad="38100" dist="38100" dir="2700000" algn="tl">
+                    <a:srgbClr val="000000">
+                      <a:alpha val="43137"/>
+                    </a:srgbClr>
+                  </a:outerShdw>
+                </a:effectLst>
+                <a:latin typeface="Sylfaen" panose="010A0502050306030303" pitchFamily="18" charset="0"/>
+              </a:rPr>
+              <a:t>getColumnName</a:t>
+            </a:r>
+            <a:r>
+              <a:rPr lang="en-US" sz="3000" dirty="0">
+                <a:effectLst>
+                  <a:outerShdw blurRad="38100" dist="38100" dir="2700000" algn="tl">
+                    <a:srgbClr val="000000">
+                      <a:alpha val="43137"/>
+                    </a:srgbClr>
+                  </a:outerShdw>
+                </a:effectLst>
+                <a:latin typeface="Sylfaen" panose="010A0502050306030303" pitchFamily="18" charset="0"/>
+              </a:rPr>
+              <a:t>(int index)throws </a:t>
+            </a:r>
+            <a:r>
+              <a:rPr lang="en-US" sz="3000" dirty="0" err="1">
+                <a:effectLst>
+                  <a:outerShdw blurRad="38100" dist="38100" dir="2700000" algn="tl">
+                    <a:srgbClr val="000000">
+                      <a:alpha val="43137"/>
+                    </a:srgbClr>
+                  </a:outerShdw>
+                </a:effectLst>
+                <a:latin typeface="Sylfaen" panose="010A0502050306030303" pitchFamily="18" charset="0"/>
+              </a:rPr>
+              <a:t>SQLException</a:t>
+            </a:r>
+            <a:endParaRPr lang="en-US" sz="3000" dirty="0">
+              <a:effectLst>
+                <a:outerShdw blurRad="38100" dist="38100" dir="2700000" algn="tl">
+                  <a:srgbClr val="000000">
+                    <a:alpha val="43137"/>
+                  </a:srgbClr>
+                </a:outerShdw>
+              </a:effectLst>
+              <a:latin typeface="Sylfaen" panose="010A0502050306030303" pitchFamily="18" charset="0"/>
+            </a:endParaRPr>
+          </a:p>
+          <a:p>
+            <a:pPr marL="0" indent="0">
+              <a:lnSpc>
+                <a:spcPct val="150000"/>
+              </a:lnSpc>
+              <a:buNone/>
+            </a:pPr>
+            <a:r>
+              <a:rPr lang="en-US" sz="3000" dirty="0">
+                <a:effectLst>
+                  <a:outerShdw blurRad="38100" dist="38100" dir="2700000" algn="tl">
+                    <a:srgbClr val="000000">
+                      <a:alpha val="43137"/>
+                    </a:srgbClr>
+                  </a:outerShdw>
+                </a:effectLst>
+                <a:latin typeface="Sylfaen" panose="010A0502050306030303" pitchFamily="18" charset="0"/>
+              </a:rPr>
+              <a:t>public String </a:t>
+            </a:r>
+            <a:r>
+              <a:rPr lang="en-US" sz="3000" dirty="0" err="1">
+                <a:effectLst>
+                  <a:outerShdw blurRad="38100" dist="38100" dir="2700000" algn="tl">
+                    <a:srgbClr val="000000">
+                      <a:alpha val="43137"/>
+                    </a:srgbClr>
+                  </a:outerShdw>
+                </a:effectLst>
+                <a:latin typeface="Sylfaen" panose="010A0502050306030303" pitchFamily="18" charset="0"/>
+              </a:rPr>
+              <a:t>getColumnTypeName</a:t>
+            </a:r>
+            <a:r>
+              <a:rPr lang="en-US" sz="3000" dirty="0">
+                <a:effectLst>
+                  <a:outerShdw blurRad="38100" dist="38100" dir="2700000" algn="tl">
+                    <a:srgbClr val="000000">
+                      <a:alpha val="43137"/>
+                    </a:srgbClr>
+                  </a:outerShdw>
+                </a:effectLst>
+                <a:latin typeface="Sylfaen" panose="010A0502050306030303" pitchFamily="18" charset="0"/>
+              </a:rPr>
+              <a:t>(int index)throws </a:t>
+            </a:r>
+            <a:r>
+              <a:rPr lang="en-US" sz="3000" dirty="0" err="1">
+                <a:effectLst>
+                  <a:outerShdw blurRad="38100" dist="38100" dir="2700000" algn="tl">
+                    <a:srgbClr val="000000">
+                      <a:alpha val="43137"/>
+                    </a:srgbClr>
+                  </a:outerShdw>
+                </a:effectLst>
+                <a:latin typeface="Sylfaen" panose="010A0502050306030303" pitchFamily="18" charset="0"/>
+              </a:rPr>
+              <a:t>SQLException</a:t>
+            </a:r>
+            <a:endParaRPr lang="en-US" sz="3000" dirty="0">
+              <a:effectLst>
+                <a:outerShdw blurRad="38100" dist="38100" dir="2700000" algn="tl">
+                  <a:srgbClr val="000000">
+                    <a:alpha val="43137"/>
+                  </a:srgbClr>
+                </a:outerShdw>
+              </a:effectLst>
+              <a:latin typeface="Sylfaen" panose="010A0502050306030303" pitchFamily="18" charset="0"/>
+            </a:endParaRPr>
+          </a:p>
+          <a:p>
+            <a:pPr marL="0" indent="0">
+              <a:lnSpc>
+                <a:spcPct val="150000"/>
+              </a:lnSpc>
+              <a:buNone/>
+            </a:pPr>
+            <a:r>
+              <a:rPr lang="en-US" sz="3000" dirty="0">
+                <a:effectLst>
+                  <a:outerShdw blurRad="38100" dist="38100" dir="2700000" algn="tl">
+                    <a:srgbClr val="000000">
+                      <a:alpha val="43137"/>
+                    </a:srgbClr>
+                  </a:outerShdw>
+                </a:effectLst>
+                <a:latin typeface="Sylfaen" panose="010A0502050306030303" pitchFamily="18" charset="0"/>
+              </a:rPr>
+              <a:t>public String </a:t>
+            </a:r>
+            <a:r>
+              <a:rPr lang="en-US" sz="3000" dirty="0" err="1">
+                <a:effectLst>
+                  <a:outerShdw blurRad="38100" dist="38100" dir="2700000" algn="tl">
+                    <a:srgbClr val="000000">
+                      <a:alpha val="43137"/>
+                    </a:srgbClr>
+                  </a:outerShdw>
+                </a:effectLst>
+                <a:latin typeface="Sylfaen" panose="010A0502050306030303" pitchFamily="18" charset="0"/>
+              </a:rPr>
+              <a:t>getTableName</a:t>
+            </a:r>
+            <a:r>
+              <a:rPr lang="en-US" sz="3000" dirty="0">
+                <a:effectLst>
+                  <a:outerShdw blurRad="38100" dist="38100" dir="2700000" algn="tl">
+                    <a:srgbClr val="000000">
+                      <a:alpha val="43137"/>
+                    </a:srgbClr>
+                  </a:outerShdw>
+                </a:effectLst>
+                <a:latin typeface="Sylfaen" panose="010A0502050306030303" pitchFamily="18" charset="0"/>
+              </a:rPr>
+              <a:t>(int index)throws </a:t>
+            </a:r>
+            <a:r>
+              <a:rPr lang="en-US" sz="3000" dirty="0" err="1">
+                <a:effectLst>
+                  <a:outerShdw blurRad="38100" dist="38100" dir="2700000" algn="tl">
+                    <a:srgbClr val="000000">
+                      <a:alpha val="43137"/>
+                    </a:srgbClr>
+                  </a:outerShdw>
+                </a:effectLst>
+                <a:latin typeface="Sylfaen" panose="010A0502050306030303" pitchFamily="18" charset="0"/>
+              </a:rPr>
+              <a:t>SQLException</a:t>
+            </a:r>
+            <a:endParaRPr lang="en-US" sz="3000" dirty="0">
+              <a:effectLst>
+                <a:outerShdw blurRad="38100" dist="38100" dir="2700000" algn="tl">
+                  <a:srgbClr val="000000">
+                    <a:alpha val="43137"/>
+                  </a:srgbClr>
+                </a:outerShdw>
+              </a:effectLst>
+              <a:latin typeface="Sylfaen" panose="010A0502050306030303" pitchFamily="18" charset="0"/>
+            </a:endParaRPr>
+          </a:p>
+        </p:txBody>
+      </p:sp>
+      <p:cxnSp>
+        <p:nvCxnSpPr>
+          <p:cNvPr id="4" name="Straight Connector 3">
+            <a:extLst>
+              <a:ext uri="{FF2B5EF4-FFF2-40B4-BE49-F238E27FC236}">
+                <a16:creationId xmlns:a16="http://schemas.microsoft.com/office/drawing/2014/main" id="{67A7835C-5AB8-474C-8E4B-64A70382823F}"/>
+              </a:ext>
+            </a:extLst>
+          </p:cNvPr>
+          <p:cNvCxnSpPr>
+            <a:cxnSpLocks/>
+          </p:cNvCxnSpPr>
+          <p:nvPr/>
+        </p:nvCxnSpPr>
+        <p:spPr>
+          <a:xfrm>
+            <a:off x="569235" y="1216117"/>
+            <a:ext cx="11053530" cy="0"/>
+          </a:xfrm>
+          <a:prstGeom prst="line">
+            <a:avLst/>
+          </a:prstGeom>
+        </p:spPr>
+        <p:style>
+          <a:lnRef idx="3">
+            <a:schemeClr val="accent1"/>
+          </a:lnRef>
+          <a:fillRef idx="0">
+            <a:schemeClr val="accent1"/>
+          </a:fillRef>
+          <a:effectRef idx="2">
+            <a:schemeClr val="accent1"/>
+          </a:effectRef>
+          <a:fontRef idx="minor">
+            <a:schemeClr val="tx1"/>
+          </a:fontRef>
+        </p:style>
+      </p:cxnSp>
+    </p:spTree>
+    <p:extLst>
+      <p:ext uri="{BB962C8B-B14F-4D97-AF65-F5344CB8AC3E}">
+        <p14:creationId xmlns:p14="http://schemas.microsoft.com/office/powerpoint/2010/main" val="2514389091"/>
+      </p:ext>
+    </p:extLst>
+  </p:cSld>
+  <p:clrMapOvr>
+    <a:masterClrMapping/>
+  </p:clrMapOvr>
+</p:sld>
+</file>
+
 <file path=ppt/slides/slide2.xml><?xml version="1.0" encoding="utf-8"?>
 <p:sld xmlns:a="http://schemas.openxmlformats.org/drawingml/2006/main" xmlns:r="http://schemas.openxmlformats.org/officeDocument/2006/relationships" xmlns:p="http://schemas.openxmlformats.org/presentationml/2006/main">
   <p:cSld>
@@ -3908,41 +4330,6 @@
           </a:fontRef>
         </p:style>
       </p:cxnSp>
-      <p:pic>
-        <p:nvPicPr>
-          <p:cNvPr id="14" name="Content Placeholder 13">
-            <a:extLst>
-              <a:ext uri="{FF2B5EF4-FFF2-40B4-BE49-F238E27FC236}">
-                <a16:creationId xmlns:a16="http://schemas.microsoft.com/office/drawing/2014/main" id="{CE7A464F-4D8C-490B-8AA0-3958647CC381}"/>
-              </a:ext>
-            </a:extLst>
-          </p:cNvPr>
-          <p:cNvPicPr>
-            <a:picLocks noGrp="1" noChangeAspect="1"/>
-          </p:cNvPicPr>
-          <p:nvPr>
-            <p:ph idx="1"/>
-          </p:nvPr>
-        </p:nvPicPr>
-        <p:blipFill>
-          <a:blip r:embed="rId2">
-            <a:extLst>
-              <a:ext uri="{28A0092B-C50C-407E-A947-70E740481C1C}">
-                <a14:useLocalDpi xmlns:a14="http://schemas.microsoft.com/office/drawing/2010/main" val="0"/>
-              </a:ext>
-            </a:extLst>
-          </a:blip>
-          <a:stretch>
-            <a:fillRect/>
-          </a:stretch>
-        </p:blipFill>
-        <p:spPr>
-          <a:xfrm>
-            <a:off x="174096" y="2085176"/>
-            <a:ext cx="11843807" cy="1519231"/>
-          </a:xfrm>
-        </p:spPr>
-      </p:pic>
       <p:sp>
         <p:nvSpPr>
           <p:cNvPr id="16" name="Content Placeholder 2">
@@ -4154,6 +4541,145 @@
           </a:p>
         </p:txBody>
       </p:sp>
+      <p:sp>
+        <p:nvSpPr>
+          <p:cNvPr id="5" name="Content Placeholder 4">
+            <a:extLst>
+              <a:ext uri="{FF2B5EF4-FFF2-40B4-BE49-F238E27FC236}">
+                <a16:creationId xmlns:a16="http://schemas.microsoft.com/office/drawing/2014/main" id="{12683AD8-C6E6-441F-AA78-8E295EF74727}"/>
+              </a:ext>
+            </a:extLst>
+          </p:cNvPr>
+          <p:cNvSpPr>
+            <a:spLocks noGrp="1"/>
+          </p:cNvSpPr>
+          <p:nvPr>
+            <p:ph idx="1"/>
+          </p:nvPr>
+        </p:nvSpPr>
+        <p:spPr>
+          <a:xfrm>
+            <a:off x="3674460" y="1567451"/>
+            <a:ext cx="4843072" cy="5032375"/>
+          </a:xfrm>
+        </p:spPr>
+        <p:txBody>
+          <a:bodyPr>
+            <a:normAutofit/>
+          </a:bodyPr>
+          <a:lstStyle/>
+          <a:p>
+            <a:pPr marL="514350" indent="-514350">
+              <a:lnSpc>
+                <a:spcPct val="150000"/>
+              </a:lnSpc>
+              <a:buFont typeface="+mj-lt"/>
+              <a:buAutoNum type="arabicPeriod"/>
+            </a:pPr>
+            <a:r>
+              <a:rPr lang="en-US" sz="3600" dirty="0">
+                <a:effectLst>
+                  <a:outerShdw blurRad="38100" dist="38100" dir="2700000" algn="tl">
+                    <a:srgbClr val="000000">
+                      <a:alpha val="43137"/>
+                    </a:srgbClr>
+                  </a:outerShdw>
+                </a:effectLst>
+                <a:latin typeface="Sylfaen" panose="010A0502050306030303" pitchFamily="18" charset="0"/>
+              </a:rPr>
+              <a:t> Driver registration</a:t>
+            </a:r>
+          </a:p>
+          <a:p>
+            <a:pPr marL="514350" indent="-514350">
+              <a:lnSpc>
+                <a:spcPct val="150000"/>
+              </a:lnSpc>
+              <a:buFont typeface="+mj-lt"/>
+              <a:buAutoNum type="arabicPeriod"/>
+            </a:pPr>
+            <a:r>
+              <a:rPr lang="en-US" sz="3600" dirty="0">
+                <a:effectLst>
+                  <a:outerShdw blurRad="38100" dist="38100" dir="2700000" algn="tl">
+                    <a:srgbClr val="000000">
+                      <a:alpha val="43137"/>
+                    </a:srgbClr>
+                  </a:outerShdw>
+                </a:effectLst>
+                <a:latin typeface="Sylfaen" panose="010A0502050306030303" pitchFamily="18" charset="0"/>
+              </a:rPr>
+              <a:t> Get connectivity</a:t>
+            </a:r>
+          </a:p>
+          <a:p>
+            <a:pPr marL="514350" indent="-514350">
+              <a:lnSpc>
+                <a:spcPct val="150000"/>
+              </a:lnSpc>
+              <a:buFont typeface="+mj-lt"/>
+              <a:buAutoNum type="arabicPeriod"/>
+            </a:pPr>
+            <a:r>
+              <a:rPr lang="en-US" sz="3600" dirty="0">
+                <a:effectLst>
+                  <a:outerShdw blurRad="38100" dist="38100" dir="2700000" algn="tl">
+                    <a:srgbClr val="000000">
+                      <a:alpha val="43137"/>
+                    </a:srgbClr>
+                  </a:outerShdw>
+                </a:effectLst>
+                <a:latin typeface="Sylfaen" panose="010A0502050306030303" pitchFamily="18" charset="0"/>
+              </a:rPr>
+              <a:t> Statement creation</a:t>
+            </a:r>
+          </a:p>
+          <a:p>
+            <a:pPr marL="514350" indent="-514350">
+              <a:lnSpc>
+                <a:spcPct val="150000"/>
+              </a:lnSpc>
+              <a:buFont typeface="+mj-lt"/>
+              <a:buAutoNum type="arabicPeriod"/>
+            </a:pPr>
+            <a:r>
+              <a:rPr lang="en-US" sz="3600" dirty="0">
+                <a:effectLst>
+                  <a:outerShdw blurRad="38100" dist="38100" dir="2700000" algn="tl">
+                    <a:srgbClr val="000000">
+                      <a:alpha val="43137"/>
+                    </a:srgbClr>
+                  </a:outerShdw>
+                </a:effectLst>
+                <a:latin typeface="Sylfaen" panose="010A0502050306030303" pitchFamily="18" charset="0"/>
+              </a:rPr>
+              <a:t> Query execution</a:t>
+            </a:r>
+          </a:p>
+          <a:p>
+            <a:pPr marL="514350" indent="-514350">
+              <a:lnSpc>
+                <a:spcPct val="150000"/>
+              </a:lnSpc>
+              <a:buFont typeface="+mj-lt"/>
+              <a:buAutoNum type="arabicPeriod"/>
+            </a:pPr>
+            <a:r>
+              <a:rPr lang="en-US" sz="3600" dirty="0">
+                <a:effectLst>
+                  <a:outerShdw blurRad="38100" dist="38100" dir="2700000" algn="tl">
+                    <a:srgbClr val="000000">
+                      <a:alpha val="43137"/>
+                    </a:srgbClr>
+                  </a:outerShdw>
+                </a:effectLst>
+                <a:latin typeface="Sylfaen" panose="010A0502050306030303" pitchFamily="18" charset="0"/>
+              </a:rPr>
+              <a:t> Close connection</a:t>
+            </a:r>
+          </a:p>
+        </p:txBody>
+      </p:sp>
     </p:spTree>
     <p:extLst>
       <p:ext uri="{BB962C8B-B14F-4D97-AF65-F5344CB8AC3E}">
@@ -4244,7 +4770,7 @@
         </p:nvSpPr>
         <p:spPr>
           <a:xfrm>
-            <a:off x="769257" y="1767569"/>
+            <a:off x="700315" y="1677628"/>
             <a:ext cx="10653485" cy="4351338"/>
           </a:xfrm>
         </p:spPr>
@@ -4792,7 +5318,12 @@
             <p:ph type="title"/>
           </p:nvPr>
         </p:nvSpPr>
-        <p:spPr/>
+        <p:spPr>
+          <a:xfrm>
+            <a:off x="838200" y="0"/>
+            <a:ext cx="10515600" cy="1325563"/>
+          </a:xfrm>
+        </p:spPr>
         <p:txBody>
           <a:bodyPr/>
           <a:lstStyle/>
@@ -4832,14 +5363,1795 @@
             <a:pPr marL="0" indent="0">
               <a:buNone/>
             </a:pPr>
-            <a:endParaRPr lang="en-US" dirty="0"/>
-          </a:p>
-        </p:txBody>
-      </p:sp>
+            <a:r>
+              <a:rPr lang="en-US" dirty="0"/>
+              <a:t>public Statement </a:t>
+            </a:r>
+            <a:r>
+              <a:rPr lang="en-US" dirty="0" err="1"/>
+              <a:t>createStatement</a:t>
+            </a:r>
+            <a:r>
+              <a:rPr lang="en-US" dirty="0"/>
+              <a:t>()</a:t>
+            </a:r>
+          </a:p>
+        </p:txBody>
+      </p:sp>
+      <p:cxnSp>
+        <p:nvCxnSpPr>
+          <p:cNvPr id="4" name="Straight Connector 3">
+            <a:extLst>
+              <a:ext uri="{FF2B5EF4-FFF2-40B4-BE49-F238E27FC236}">
+                <a16:creationId xmlns:a16="http://schemas.microsoft.com/office/drawing/2014/main" id="{5213D62F-83F1-4BF3-AADE-925C69779698}"/>
+              </a:ext>
+            </a:extLst>
+          </p:cNvPr>
+          <p:cNvCxnSpPr>
+            <a:cxnSpLocks/>
+          </p:cNvCxnSpPr>
+          <p:nvPr/>
+        </p:nvCxnSpPr>
+        <p:spPr>
+          <a:xfrm>
+            <a:off x="569235" y="1216117"/>
+            <a:ext cx="11053530" cy="0"/>
+          </a:xfrm>
+          <a:prstGeom prst="line">
+            <a:avLst/>
+          </a:prstGeom>
+        </p:spPr>
+        <p:style>
+          <a:lnRef idx="3">
+            <a:schemeClr val="accent1"/>
+          </a:lnRef>
+          <a:fillRef idx="0">
+            <a:schemeClr val="accent1"/>
+          </a:fillRef>
+          <a:effectRef idx="2">
+            <a:schemeClr val="accent1"/>
+          </a:effectRef>
+          <a:fontRef idx="minor">
+            <a:schemeClr val="tx1"/>
+          </a:fontRef>
+        </p:style>
+      </p:cxnSp>
     </p:spTree>
     <p:extLst>
       <p:ext uri="{BB962C8B-B14F-4D97-AF65-F5344CB8AC3E}">
         <p14:creationId xmlns:p14="http://schemas.microsoft.com/office/powerpoint/2010/main" val="4165581378"/>
+      </p:ext>
+    </p:extLst>
+  </p:cSld>
+  <p:clrMapOvr>
+    <a:masterClrMapping/>
+  </p:clrMapOvr>
+</p:sld>
+</file>
+
+<file path=ppt/slides/slide7.xml><?xml version="1.0" encoding="utf-8"?>
+<p:sld xmlns:a="http://schemas.openxmlformats.org/drawingml/2006/main" xmlns:r="http://schemas.openxmlformats.org/officeDocument/2006/relationships" xmlns:p="http://schemas.openxmlformats.org/presentationml/2006/main">
+  <p:cSld>
+    <p:spTree>
+      <p:nvGrpSpPr>
+        <p:cNvPr id="1" name=""/>
+        <p:cNvGrpSpPr/>
+        <p:nvPr/>
+      </p:nvGrpSpPr>
+      <p:grpSpPr>
+        <a:xfrm>
+          <a:off x="0" y="0"/>
+          <a:ext cx="0" cy="0"/>
+          <a:chOff x="0" y="0"/>
+          <a:chExt cx="0" cy="0"/>
+        </a:xfrm>
+      </p:grpSpPr>
+      <p:sp>
+        <p:nvSpPr>
+          <p:cNvPr id="2" name="Title 1">
+            <a:extLst>
+              <a:ext uri="{FF2B5EF4-FFF2-40B4-BE49-F238E27FC236}">
+                <a16:creationId xmlns:a16="http://schemas.microsoft.com/office/drawing/2014/main" id="{1FA923CC-B0A5-498D-9781-BF141270ACDA}"/>
+              </a:ext>
+            </a:extLst>
+          </p:cNvPr>
+          <p:cNvSpPr>
+            <a:spLocks noGrp="1"/>
+          </p:cNvSpPr>
+          <p:nvPr>
+            <p:ph type="title"/>
+          </p:nvPr>
+        </p:nvSpPr>
+        <p:spPr>
+          <a:xfrm>
+            <a:off x="838200" y="0"/>
+            <a:ext cx="10515600" cy="1325563"/>
+          </a:xfrm>
+        </p:spPr>
+        <p:txBody>
+          <a:bodyPr/>
+          <a:lstStyle/>
+          <a:p>
+            <a:pPr algn="ctr"/>
+            <a:r>
+              <a:rPr lang="en-US" dirty="0">
+                <a:latin typeface="Sylfaen" panose="010A0502050306030303" pitchFamily="18" charset="0"/>
+              </a:rPr>
+              <a:t>Statement interface</a:t>
+            </a:r>
+            <a:endParaRPr lang="en-US" dirty="0"/>
+          </a:p>
+        </p:txBody>
+      </p:sp>
+      <p:sp>
+        <p:nvSpPr>
+          <p:cNvPr id="3" name="Content Placeholder 2">
+            <a:extLst>
+              <a:ext uri="{FF2B5EF4-FFF2-40B4-BE49-F238E27FC236}">
+                <a16:creationId xmlns:a16="http://schemas.microsoft.com/office/drawing/2014/main" id="{2DF550AD-11E1-4643-BB5A-CA6C5E4EEF00}"/>
+              </a:ext>
+            </a:extLst>
+          </p:cNvPr>
+          <p:cNvSpPr>
+            <a:spLocks noGrp="1"/>
+          </p:cNvSpPr>
+          <p:nvPr>
+            <p:ph idx="1"/>
+          </p:nvPr>
+        </p:nvSpPr>
+        <p:spPr>
+          <a:xfrm>
+            <a:off x="2667936" y="2065468"/>
+            <a:ext cx="6856127" cy="3405942"/>
+          </a:xfrm>
+        </p:spPr>
+        <p:txBody>
+          <a:bodyPr/>
+          <a:lstStyle/>
+          <a:p>
+            <a:pPr marL="0" marR="0" lvl="0" indent="0" algn="just" defTabSz="914400" rtl="0" eaLnBrk="1" fontAlgn="auto" latinLnBrk="0" hangingPunct="1">
+              <a:lnSpc>
+                <a:spcPct val="150000"/>
+              </a:lnSpc>
+              <a:spcBef>
+                <a:spcPts val="0"/>
+              </a:spcBef>
+              <a:spcAft>
+                <a:spcPts val="0"/>
+              </a:spcAft>
+              <a:buClrTx/>
+              <a:buSzTx/>
+              <a:buFontTx/>
+              <a:buNone/>
+              <a:tabLst/>
+              <a:defRPr/>
+            </a:pPr>
+            <a:r>
+              <a:rPr lang="en-US" sz="3000" kern="1200" dirty="0">
+                <a:solidFill>
+                  <a:schemeClr val="tx1"/>
+                </a:solidFill>
+                <a:effectLst>
+                  <a:outerShdw blurRad="38100" dist="38100" dir="2700000" algn="tl">
+                    <a:srgbClr val="000000">
+                      <a:alpha val="43137"/>
+                    </a:srgbClr>
+                  </a:outerShdw>
+                </a:effectLst>
+                <a:latin typeface="Sylfaen" panose="010A0502050306030303" pitchFamily="18" charset="0"/>
+                <a:ea typeface="+mn-ea"/>
+                <a:cs typeface="+mn-cs"/>
+              </a:rPr>
+              <a:t>public </a:t>
+            </a:r>
+            <a:r>
+              <a:rPr lang="en-US" sz="3000" kern="1200" dirty="0" err="1">
+                <a:solidFill>
+                  <a:schemeClr val="tx1"/>
+                </a:solidFill>
+                <a:effectLst>
+                  <a:outerShdw blurRad="38100" dist="38100" dir="2700000" algn="tl">
+                    <a:srgbClr val="000000">
+                      <a:alpha val="43137"/>
+                    </a:srgbClr>
+                  </a:outerShdw>
+                </a:effectLst>
+                <a:latin typeface="Sylfaen" panose="010A0502050306030303" pitchFamily="18" charset="0"/>
+                <a:ea typeface="+mn-ea"/>
+                <a:cs typeface="+mn-cs"/>
+              </a:rPr>
+              <a:t>ResultSet</a:t>
+            </a:r>
+            <a:r>
+              <a:rPr lang="en-US" sz="3000" kern="1200" dirty="0">
+                <a:solidFill>
+                  <a:schemeClr val="tx1"/>
+                </a:solidFill>
+                <a:effectLst>
+                  <a:outerShdw blurRad="38100" dist="38100" dir="2700000" algn="tl">
+                    <a:srgbClr val="000000">
+                      <a:alpha val="43137"/>
+                    </a:srgbClr>
+                  </a:outerShdw>
+                </a:effectLst>
+                <a:latin typeface="Sylfaen" panose="010A0502050306030303" pitchFamily="18" charset="0"/>
+                <a:ea typeface="+mn-ea"/>
+                <a:cs typeface="+mn-cs"/>
+              </a:rPr>
+              <a:t> </a:t>
+            </a:r>
+            <a:r>
+              <a:rPr lang="en-US" sz="3000" kern="1200" dirty="0" err="1">
+                <a:solidFill>
+                  <a:schemeClr val="tx1"/>
+                </a:solidFill>
+                <a:effectLst>
+                  <a:outerShdw blurRad="38100" dist="38100" dir="2700000" algn="tl">
+                    <a:srgbClr val="000000">
+                      <a:alpha val="43137"/>
+                    </a:srgbClr>
+                  </a:outerShdw>
+                </a:effectLst>
+                <a:latin typeface="Sylfaen" panose="010A0502050306030303" pitchFamily="18" charset="0"/>
+                <a:ea typeface="+mn-ea"/>
+                <a:cs typeface="+mn-cs"/>
+              </a:rPr>
+              <a:t>executeQuery</a:t>
+            </a:r>
+            <a:r>
+              <a:rPr lang="en-US" sz="3000" kern="1200" dirty="0">
+                <a:solidFill>
+                  <a:schemeClr val="tx1"/>
+                </a:solidFill>
+                <a:effectLst>
+                  <a:outerShdw blurRad="38100" dist="38100" dir="2700000" algn="tl">
+                    <a:srgbClr val="000000">
+                      <a:alpha val="43137"/>
+                    </a:srgbClr>
+                  </a:outerShdw>
+                </a:effectLst>
+                <a:latin typeface="Sylfaen" panose="010A0502050306030303" pitchFamily="18" charset="0"/>
+                <a:ea typeface="+mn-ea"/>
+                <a:cs typeface="+mn-cs"/>
+              </a:rPr>
+              <a:t>(String </a:t>
+            </a:r>
+            <a:r>
+              <a:rPr lang="en-US" sz="3000" kern="1200" dirty="0" err="1">
+                <a:solidFill>
+                  <a:schemeClr val="tx1"/>
+                </a:solidFill>
+                <a:effectLst>
+                  <a:outerShdw blurRad="38100" dist="38100" dir="2700000" algn="tl">
+                    <a:srgbClr val="000000">
+                      <a:alpha val="43137"/>
+                    </a:srgbClr>
+                  </a:outerShdw>
+                </a:effectLst>
+                <a:latin typeface="Sylfaen" panose="010A0502050306030303" pitchFamily="18" charset="0"/>
+                <a:ea typeface="+mn-ea"/>
+                <a:cs typeface="+mn-cs"/>
+              </a:rPr>
+              <a:t>sql</a:t>
+            </a:r>
+            <a:r>
+              <a:rPr lang="en-US" sz="3000" kern="1200" dirty="0">
+                <a:solidFill>
+                  <a:schemeClr val="tx1"/>
+                </a:solidFill>
+                <a:effectLst>
+                  <a:outerShdw blurRad="38100" dist="38100" dir="2700000" algn="tl">
+                    <a:srgbClr val="000000">
+                      <a:alpha val="43137"/>
+                    </a:srgbClr>
+                  </a:outerShdw>
+                </a:effectLst>
+                <a:latin typeface="Sylfaen" panose="010A0502050306030303" pitchFamily="18" charset="0"/>
+                <a:ea typeface="+mn-ea"/>
+                <a:cs typeface="+mn-cs"/>
+              </a:rPr>
+              <a:t>)</a:t>
+            </a:r>
+          </a:p>
+          <a:p>
+            <a:pPr marL="0" marR="0" lvl="0" indent="0" algn="just" defTabSz="914400" rtl="0" eaLnBrk="1" fontAlgn="auto" latinLnBrk="0" hangingPunct="1">
+              <a:lnSpc>
+                <a:spcPct val="150000"/>
+              </a:lnSpc>
+              <a:spcBef>
+                <a:spcPts val="0"/>
+              </a:spcBef>
+              <a:spcAft>
+                <a:spcPts val="0"/>
+              </a:spcAft>
+              <a:buClrTx/>
+              <a:buSzTx/>
+              <a:buFontTx/>
+              <a:buNone/>
+              <a:tabLst/>
+              <a:defRPr/>
+            </a:pPr>
+            <a:r>
+              <a:rPr lang="en-US" sz="3000" kern="1200" dirty="0">
+                <a:solidFill>
+                  <a:schemeClr val="tx1"/>
+                </a:solidFill>
+                <a:effectLst>
+                  <a:outerShdw blurRad="38100" dist="38100" dir="2700000" algn="tl">
+                    <a:srgbClr val="000000">
+                      <a:alpha val="43137"/>
+                    </a:srgbClr>
+                  </a:outerShdw>
+                </a:effectLst>
+                <a:latin typeface="Sylfaen" panose="010A0502050306030303" pitchFamily="18" charset="0"/>
+                <a:ea typeface="+mn-ea"/>
+                <a:cs typeface="+mn-cs"/>
+              </a:rPr>
+              <a:t>public int </a:t>
+            </a:r>
+            <a:r>
+              <a:rPr lang="en-US" sz="3000" kern="1200" dirty="0" err="1">
+                <a:solidFill>
+                  <a:schemeClr val="tx1"/>
+                </a:solidFill>
+                <a:effectLst>
+                  <a:outerShdw blurRad="38100" dist="38100" dir="2700000" algn="tl">
+                    <a:srgbClr val="000000">
+                      <a:alpha val="43137"/>
+                    </a:srgbClr>
+                  </a:outerShdw>
+                </a:effectLst>
+                <a:latin typeface="Sylfaen" panose="010A0502050306030303" pitchFamily="18" charset="0"/>
+                <a:ea typeface="+mn-ea"/>
+                <a:cs typeface="+mn-cs"/>
+              </a:rPr>
+              <a:t>executeUpdate</a:t>
+            </a:r>
+            <a:r>
+              <a:rPr lang="en-US" sz="3000" kern="1200" dirty="0">
+                <a:solidFill>
+                  <a:schemeClr val="tx1"/>
+                </a:solidFill>
+                <a:effectLst>
+                  <a:outerShdw blurRad="38100" dist="38100" dir="2700000" algn="tl">
+                    <a:srgbClr val="000000">
+                      <a:alpha val="43137"/>
+                    </a:srgbClr>
+                  </a:outerShdw>
+                </a:effectLst>
+                <a:latin typeface="Sylfaen" panose="010A0502050306030303" pitchFamily="18" charset="0"/>
+                <a:ea typeface="+mn-ea"/>
+                <a:cs typeface="+mn-cs"/>
+              </a:rPr>
+              <a:t>(String </a:t>
+            </a:r>
+            <a:r>
+              <a:rPr lang="en-US" sz="3000" kern="1200" dirty="0" err="1">
+                <a:solidFill>
+                  <a:schemeClr val="tx1"/>
+                </a:solidFill>
+                <a:effectLst>
+                  <a:outerShdw blurRad="38100" dist="38100" dir="2700000" algn="tl">
+                    <a:srgbClr val="000000">
+                      <a:alpha val="43137"/>
+                    </a:srgbClr>
+                  </a:outerShdw>
+                </a:effectLst>
+                <a:latin typeface="Sylfaen" panose="010A0502050306030303" pitchFamily="18" charset="0"/>
+                <a:ea typeface="+mn-ea"/>
+                <a:cs typeface="+mn-cs"/>
+              </a:rPr>
+              <a:t>sql</a:t>
+            </a:r>
+            <a:r>
+              <a:rPr lang="en-US" sz="3000" kern="1200" dirty="0">
+                <a:solidFill>
+                  <a:schemeClr val="tx1"/>
+                </a:solidFill>
+                <a:effectLst>
+                  <a:outerShdw blurRad="38100" dist="38100" dir="2700000" algn="tl">
+                    <a:srgbClr val="000000">
+                      <a:alpha val="43137"/>
+                    </a:srgbClr>
+                  </a:outerShdw>
+                </a:effectLst>
+                <a:latin typeface="Sylfaen" panose="010A0502050306030303" pitchFamily="18" charset="0"/>
+                <a:ea typeface="+mn-ea"/>
+                <a:cs typeface="+mn-cs"/>
+              </a:rPr>
+              <a:t>)</a:t>
+            </a:r>
+          </a:p>
+          <a:p>
+            <a:pPr marL="0" marR="0" lvl="0" indent="0" algn="just" defTabSz="914400" rtl="0" eaLnBrk="1" fontAlgn="auto" latinLnBrk="0" hangingPunct="1">
+              <a:lnSpc>
+                <a:spcPct val="150000"/>
+              </a:lnSpc>
+              <a:spcBef>
+                <a:spcPts val="0"/>
+              </a:spcBef>
+              <a:spcAft>
+                <a:spcPts val="0"/>
+              </a:spcAft>
+              <a:buClrTx/>
+              <a:buSzTx/>
+              <a:buFontTx/>
+              <a:buNone/>
+              <a:tabLst/>
+              <a:defRPr/>
+            </a:pPr>
+            <a:r>
+              <a:rPr lang="en-US" sz="3000" kern="1200" dirty="0">
+                <a:solidFill>
+                  <a:schemeClr val="tx1"/>
+                </a:solidFill>
+                <a:effectLst>
+                  <a:outerShdw blurRad="38100" dist="38100" dir="2700000" algn="tl">
+                    <a:srgbClr val="000000">
+                      <a:alpha val="43137"/>
+                    </a:srgbClr>
+                  </a:outerShdw>
+                </a:effectLst>
+                <a:latin typeface="Sylfaen" panose="010A0502050306030303" pitchFamily="18" charset="0"/>
+                <a:ea typeface="+mn-ea"/>
+                <a:cs typeface="+mn-cs"/>
+              </a:rPr>
+              <a:t>public </a:t>
+            </a:r>
+            <a:r>
+              <a:rPr lang="en-US" sz="3000" kern="1200" dirty="0" err="1">
+                <a:solidFill>
+                  <a:schemeClr val="tx1"/>
+                </a:solidFill>
+                <a:effectLst>
+                  <a:outerShdw blurRad="38100" dist="38100" dir="2700000" algn="tl">
+                    <a:srgbClr val="000000">
+                      <a:alpha val="43137"/>
+                    </a:srgbClr>
+                  </a:outerShdw>
+                </a:effectLst>
+                <a:latin typeface="Sylfaen" panose="010A0502050306030303" pitchFamily="18" charset="0"/>
+                <a:ea typeface="+mn-ea"/>
+                <a:cs typeface="+mn-cs"/>
+              </a:rPr>
+              <a:t>boolean</a:t>
+            </a:r>
+            <a:r>
+              <a:rPr lang="en-US" sz="3000" kern="1200" dirty="0">
+                <a:solidFill>
+                  <a:schemeClr val="tx1"/>
+                </a:solidFill>
+                <a:effectLst>
+                  <a:outerShdw blurRad="38100" dist="38100" dir="2700000" algn="tl">
+                    <a:srgbClr val="000000">
+                      <a:alpha val="43137"/>
+                    </a:srgbClr>
+                  </a:outerShdw>
+                </a:effectLst>
+                <a:latin typeface="Sylfaen" panose="010A0502050306030303" pitchFamily="18" charset="0"/>
+                <a:ea typeface="+mn-ea"/>
+                <a:cs typeface="+mn-cs"/>
+              </a:rPr>
+              <a:t> execute(String </a:t>
+            </a:r>
+            <a:r>
+              <a:rPr lang="en-US" sz="3000" kern="1200" dirty="0" err="1">
+                <a:solidFill>
+                  <a:schemeClr val="tx1"/>
+                </a:solidFill>
+                <a:effectLst>
+                  <a:outerShdw blurRad="38100" dist="38100" dir="2700000" algn="tl">
+                    <a:srgbClr val="000000">
+                      <a:alpha val="43137"/>
+                    </a:srgbClr>
+                  </a:outerShdw>
+                </a:effectLst>
+                <a:latin typeface="Sylfaen" panose="010A0502050306030303" pitchFamily="18" charset="0"/>
+                <a:ea typeface="+mn-ea"/>
+                <a:cs typeface="+mn-cs"/>
+              </a:rPr>
+              <a:t>sql</a:t>
+            </a:r>
+            <a:r>
+              <a:rPr lang="en-US" sz="3000" kern="1200" dirty="0">
+                <a:solidFill>
+                  <a:schemeClr val="tx1"/>
+                </a:solidFill>
+                <a:effectLst>
+                  <a:outerShdw blurRad="38100" dist="38100" dir="2700000" algn="tl">
+                    <a:srgbClr val="000000">
+                      <a:alpha val="43137"/>
+                    </a:srgbClr>
+                  </a:outerShdw>
+                </a:effectLst>
+                <a:latin typeface="Sylfaen" panose="010A0502050306030303" pitchFamily="18" charset="0"/>
+                <a:ea typeface="+mn-ea"/>
+                <a:cs typeface="+mn-cs"/>
+              </a:rPr>
+              <a:t>)</a:t>
+            </a:r>
+            <a:endParaRPr lang="en-US" dirty="0"/>
+          </a:p>
+        </p:txBody>
+      </p:sp>
+      <p:cxnSp>
+        <p:nvCxnSpPr>
+          <p:cNvPr id="4" name="Straight Connector 3">
+            <a:extLst>
+              <a:ext uri="{FF2B5EF4-FFF2-40B4-BE49-F238E27FC236}">
+                <a16:creationId xmlns:a16="http://schemas.microsoft.com/office/drawing/2014/main" id="{CCCDB7C9-D7AC-4DE2-B3A9-62257585ECE6}"/>
+              </a:ext>
+            </a:extLst>
+          </p:cNvPr>
+          <p:cNvCxnSpPr>
+            <a:cxnSpLocks/>
+          </p:cNvCxnSpPr>
+          <p:nvPr/>
+        </p:nvCxnSpPr>
+        <p:spPr>
+          <a:xfrm>
+            <a:off x="569235" y="1216117"/>
+            <a:ext cx="11053530" cy="0"/>
+          </a:xfrm>
+          <a:prstGeom prst="line">
+            <a:avLst/>
+          </a:prstGeom>
+        </p:spPr>
+        <p:style>
+          <a:lnRef idx="3">
+            <a:schemeClr val="accent1"/>
+          </a:lnRef>
+          <a:fillRef idx="0">
+            <a:schemeClr val="accent1"/>
+          </a:fillRef>
+          <a:effectRef idx="2">
+            <a:schemeClr val="accent1"/>
+          </a:effectRef>
+          <a:fontRef idx="minor">
+            <a:schemeClr val="tx1"/>
+          </a:fontRef>
+        </p:style>
+      </p:cxnSp>
+    </p:spTree>
+    <p:extLst>
+      <p:ext uri="{BB962C8B-B14F-4D97-AF65-F5344CB8AC3E}">
+        <p14:creationId xmlns:p14="http://schemas.microsoft.com/office/powerpoint/2010/main" val="2274721119"/>
+      </p:ext>
+    </p:extLst>
+  </p:cSld>
+  <p:clrMapOvr>
+    <a:masterClrMapping/>
+  </p:clrMapOvr>
+</p:sld>
+</file>
+
+<file path=ppt/slides/slide8.xml><?xml version="1.0" encoding="utf-8"?>
+<p:sld xmlns:a="http://schemas.openxmlformats.org/drawingml/2006/main" xmlns:r="http://schemas.openxmlformats.org/officeDocument/2006/relationships" xmlns:p="http://schemas.openxmlformats.org/presentationml/2006/main">
+  <p:cSld>
+    <p:spTree>
+      <p:nvGrpSpPr>
+        <p:cNvPr id="1" name=""/>
+        <p:cNvGrpSpPr/>
+        <p:nvPr/>
+      </p:nvGrpSpPr>
+      <p:grpSpPr>
+        <a:xfrm>
+          <a:off x="0" y="0"/>
+          <a:ext cx="0" cy="0"/>
+          <a:chOff x="0" y="0"/>
+          <a:chExt cx="0" cy="0"/>
+        </a:xfrm>
+      </p:grpSpPr>
+      <p:sp>
+        <p:nvSpPr>
+          <p:cNvPr id="2" name="Title 1">
+            <a:extLst>
+              <a:ext uri="{FF2B5EF4-FFF2-40B4-BE49-F238E27FC236}">
+                <a16:creationId xmlns:a16="http://schemas.microsoft.com/office/drawing/2014/main" id="{F1B71809-5C8F-45AE-B95F-69E556197291}"/>
+              </a:ext>
+            </a:extLst>
+          </p:cNvPr>
+          <p:cNvSpPr>
+            <a:spLocks noGrp="1"/>
+          </p:cNvSpPr>
+          <p:nvPr>
+            <p:ph type="title"/>
+          </p:nvPr>
+        </p:nvSpPr>
+        <p:spPr>
+          <a:xfrm>
+            <a:off x="838200" y="18256"/>
+            <a:ext cx="10515600" cy="1077940"/>
+          </a:xfrm>
+        </p:spPr>
+        <p:txBody>
+          <a:bodyPr/>
+          <a:lstStyle/>
+          <a:p>
+            <a:pPr algn="ctr"/>
+            <a:r>
+              <a:rPr lang="en-US" dirty="0" err="1">
+                <a:latin typeface="Sylfaen" panose="010A0502050306030303" pitchFamily="18" charset="0"/>
+              </a:rPr>
+              <a:t>ResultSet</a:t>
+            </a:r>
+            <a:r>
+              <a:rPr lang="en-US" dirty="0">
+                <a:latin typeface="Sylfaen" panose="010A0502050306030303" pitchFamily="18" charset="0"/>
+              </a:rPr>
+              <a:t> interface</a:t>
+            </a:r>
+            <a:endParaRPr lang="en-US" dirty="0"/>
+          </a:p>
+        </p:txBody>
+      </p:sp>
+      <p:sp>
+        <p:nvSpPr>
+          <p:cNvPr id="3" name="Content Placeholder 2">
+            <a:extLst>
+              <a:ext uri="{FF2B5EF4-FFF2-40B4-BE49-F238E27FC236}">
+                <a16:creationId xmlns:a16="http://schemas.microsoft.com/office/drawing/2014/main" id="{E93664F2-922D-4425-8FDD-2CB98A233AF0}"/>
+              </a:ext>
+            </a:extLst>
+          </p:cNvPr>
+          <p:cNvSpPr>
+            <a:spLocks noGrp="1"/>
+          </p:cNvSpPr>
+          <p:nvPr>
+            <p:ph idx="1"/>
+          </p:nvPr>
+        </p:nvSpPr>
+        <p:spPr>
+          <a:xfrm>
+            <a:off x="838200" y="1343820"/>
+            <a:ext cx="7316449" cy="5495924"/>
+          </a:xfrm>
+        </p:spPr>
+        <p:txBody>
+          <a:bodyPr>
+            <a:normAutofit/>
+          </a:bodyPr>
+          <a:lstStyle/>
+          <a:p>
+            <a:pPr marL="0" indent="0">
+              <a:buNone/>
+            </a:pPr>
+            <a:r>
+              <a:rPr lang="en-US" sz="3000" dirty="0">
+                <a:effectLst>
+                  <a:outerShdw blurRad="38100" dist="38100" dir="2700000" algn="tl">
+                    <a:srgbClr val="000000">
+                      <a:alpha val="43137"/>
+                    </a:srgbClr>
+                  </a:outerShdw>
+                </a:effectLst>
+                <a:latin typeface="Sylfaen" panose="010A0502050306030303" pitchFamily="18" charset="0"/>
+              </a:rPr>
+              <a:t>public </a:t>
+            </a:r>
+            <a:r>
+              <a:rPr lang="en-US" sz="3000" dirty="0" err="1">
+                <a:effectLst>
+                  <a:outerShdw blurRad="38100" dist="38100" dir="2700000" algn="tl">
+                    <a:srgbClr val="000000">
+                      <a:alpha val="43137"/>
+                    </a:srgbClr>
+                  </a:outerShdw>
+                </a:effectLst>
+                <a:latin typeface="Sylfaen" panose="010A0502050306030303" pitchFamily="18" charset="0"/>
+              </a:rPr>
+              <a:t>boolean</a:t>
+            </a:r>
+            <a:r>
+              <a:rPr lang="en-US" sz="3000" dirty="0">
+                <a:effectLst>
+                  <a:outerShdw blurRad="38100" dist="38100" dir="2700000" algn="tl">
+                    <a:srgbClr val="000000">
+                      <a:alpha val="43137"/>
+                    </a:srgbClr>
+                  </a:outerShdw>
+                </a:effectLst>
+                <a:latin typeface="Sylfaen" panose="010A0502050306030303" pitchFamily="18" charset="0"/>
+              </a:rPr>
+              <a:t> next ()</a:t>
+            </a:r>
+          </a:p>
+          <a:p>
+            <a:pPr marL="0" indent="0">
+              <a:buNone/>
+            </a:pPr>
+            <a:r>
+              <a:rPr lang="en-US" sz="3000" dirty="0">
+                <a:effectLst>
+                  <a:outerShdw blurRad="38100" dist="38100" dir="2700000" algn="tl">
+                    <a:srgbClr val="000000">
+                      <a:alpha val="43137"/>
+                    </a:srgbClr>
+                  </a:outerShdw>
+                </a:effectLst>
+                <a:latin typeface="Sylfaen" panose="010A0502050306030303" pitchFamily="18" charset="0"/>
+              </a:rPr>
+              <a:t>public </a:t>
+            </a:r>
+            <a:r>
+              <a:rPr lang="en-US" sz="3000" dirty="0" err="1">
+                <a:effectLst>
+                  <a:outerShdw blurRad="38100" dist="38100" dir="2700000" algn="tl">
+                    <a:srgbClr val="000000">
+                      <a:alpha val="43137"/>
+                    </a:srgbClr>
+                  </a:outerShdw>
+                </a:effectLst>
+                <a:latin typeface="Sylfaen" panose="010A0502050306030303" pitchFamily="18" charset="0"/>
+              </a:rPr>
+              <a:t>boolean</a:t>
+            </a:r>
+            <a:r>
+              <a:rPr lang="en-US" sz="3000" dirty="0">
+                <a:effectLst>
+                  <a:outerShdw blurRad="38100" dist="38100" dir="2700000" algn="tl">
+                    <a:srgbClr val="000000">
+                      <a:alpha val="43137"/>
+                    </a:srgbClr>
+                  </a:outerShdw>
+                </a:effectLst>
+                <a:latin typeface="Sylfaen" panose="010A0502050306030303" pitchFamily="18" charset="0"/>
+              </a:rPr>
+              <a:t> previous ():</a:t>
+            </a:r>
+          </a:p>
+          <a:p>
+            <a:pPr marL="0" indent="0">
+              <a:buNone/>
+            </a:pPr>
+            <a:r>
+              <a:rPr lang="en-US" sz="3000" dirty="0">
+                <a:effectLst>
+                  <a:outerShdw blurRad="38100" dist="38100" dir="2700000" algn="tl">
+                    <a:srgbClr val="000000">
+                      <a:alpha val="43137"/>
+                    </a:srgbClr>
+                  </a:outerShdw>
+                </a:effectLst>
+                <a:latin typeface="Sylfaen" panose="010A0502050306030303" pitchFamily="18" charset="0"/>
+              </a:rPr>
+              <a:t>public </a:t>
+            </a:r>
+            <a:r>
+              <a:rPr lang="en-US" sz="3000" dirty="0" err="1">
+                <a:effectLst>
+                  <a:outerShdw blurRad="38100" dist="38100" dir="2700000" algn="tl">
+                    <a:srgbClr val="000000">
+                      <a:alpha val="43137"/>
+                    </a:srgbClr>
+                  </a:outerShdw>
+                </a:effectLst>
+                <a:latin typeface="Sylfaen" panose="010A0502050306030303" pitchFamily="18" charset="0"/>
+              </a:rPr>
+              <a:t>boolean</a:t>
+            </a:r>
+            <a:r>
+              <a:rPr lang="en-US" sz="3000" dirty="0">
+                <a:effectLst>
+                  <a:outerShdw blurRad="38100" dist="38100" dir="2700000" algn="tl">
+                    <a:srgbClr val="000000">
+                      <a:alpha val="43137"/>
+                    </a:srgbClr>
+                  </a:outerShdw>
+                </a:effectLst>
+                <a:latin typeface="Sylfaen" panose="010A0502050306030303" pitchFamily="18" charset="0"/>
+              </a:rPr>
+              <a:t> first ()</a:t>
+            </a:r>
+          </a:p>
+          <a:p>
+            <a:pPr marL="0" indent="0">
+              <a:buNone/>
+            </a:pPr>
+            <a:r>
+              <a:rPr lang="en-US" sz="3000" dirty="0">
+                <a:effectLst>
+                  <a:outerShdw blurRad="38100" dist="38100" dir="2700000" algn="tl">
+                    <a:srgbClr val="000000">
+                      <a:alpha val="43137"/>
+                    </a:srgbClr>
+                  </a:outerShdw>
+                </a:effectLst>
+                <a:latin typeface="Sylfaen" panose="010A0502050306030303" pitchFamily="18" charset="0"/>
+              </a:rPr>
+              <a:t>public </a:t>
+            </a:r>
+            <a:r>
+              <a:rPr lang="en-US" sz="3000" dirty="0" err="1">
+                <a:effectLst>
+                  <a:outerShdw blurRad="38100" dist="38100" dir="2700000" algn="tl">
+                    <a:srgbClr val="000000">
+                      <a:alpha val="43137"/>
+                    </a:srgbClr>
+                  </a:outerShdw>
+                </a:effectLst>
+                <a:latin typeface="Sylfaen" panose="010A0502050306030303" pitchFamily="18" charset="0"/>
+              </a:rPr>
+              <a:t>boolean</a:t>
+            </a:r>
+            <a:r>
+              <a:rPr lang="en-US" sz="3000" dirty="0">
+                <a:effectLst>
+                  <a:outerShdw blurRad="38100" dist="38100" dir="2700000" algn="tl">
+                    <a:srgbClr val="000000">
+                      <a:alpha val="43137"/>
+                    </a:srgbClr>
+                  </a:outerShdw>
+                </a:effectLst>
+                <a:latin typeface="Sylfaen" panose="010A0502050306030303" pitchFamily="18" charset="0"/>
+              </a:rPr>
+              <a:t> last ()</a:t>
+            </a:r>
+          </a:p>
+          <a:p>
+            <a:pPr marL="0" indent="0">
+              <a:buNone/>
+            </a:pPr>
+            <a:r>
+              <a:rPr lang="en-US" sz="3000" dirty="0">
+                <a:effectLst>
+                  <a:outerShdw blurRad="38100" dist="38100" dir="2700000" algn="tl">
+                    <a:srgbClr val="000000">
+                      <a:alpha val="43137"/>
+                    </a:srgbClr>
+                  </a:outerShdw>
+                </a:effectLst>
+                <a:latin typeface="Sylfaen" panose="010A0502050306030303" pitchFamily="18" charset="0"/>
+              </a:rPr>
+              <a:t>public </a:t>
+            </a:r>
+            <a:r>
+              <a:rPr lang="en-US" sz="3000" dirty="0" err="1">
+                <a:effectLst>
+                  <a:outerShdw blurRad="38100" dist="38100" dir="2700000" algn="tl">
+                    <a:srgbClr val="000000">
+                      <a:alpha val="43137"/>
+                    </a:srgbClr>
+                  </a:outerShdw>
+                </a:effectLst>
+                <a:latin typeface="Sylfaen" panose="010A0502050306030303" pitchFamily="18" charset="0"/>
+              </a:rPr>
+              <a:t>boolean</a:t>
+            </a:r>
+            <a:r>
+              <a:rPr lang="en-US" sz="3000" dirty="0">
+                <a:effectLst>
+                  <a:outerShdw blurRad="38100" dist="38100" dir="2700000" algn="tl">
+                    <a:srgbClr val="000000">
+                      <a:alpha val="43137"/>
+                    </a:srgbClr>
+                  </a:outerShdw>
+                </a:effectLst>
+                <a:latin typeface="Sylfaen" panose="010A0502050306030303" pitchFamily="18" charset="0"/>
+              </a:rPr>
+              <a:t> absolute (int row)</a:t>
+            </a:r>
+          </a:p>
+          <a:p>
+            <a:pPr marL="0" indent="0">
+              <a:buNone/>
+            </a:pPr>
+            <a:r>
+              <a:rPr lang="en-US" sz="3000" dirty="0">
+                <a:effectLst>
+                  <a:outerShdw blurRad="38100" dist="38100" dir="2700000" algn="tl">
+                    <a:srgbClr val="000000">
+                      <a:alpha val="43137"/>
+                    </a:srgbClr>
+                  </a:outerShdw>
+                </a:effectLst>
+                <a:latin typeface="Sylfaen" panose="010A0502050306030303" pitchFamily="18" charset="0"/>
+              </a:rPr>
+              <a:t>public </a:t>
+            </a:r>
+            <a:r>
+              <a:rPr lang="en-US" sz="3000" dirty="0" err="1">
+                <a:effectLst>
+                  <a:outerShdw blurRad="38100" dist="38100" dir="2700000" algn="tl">
+                    <a:srgbClr val="000000">
+                      <a:alpha val="43137"/>
+                    </a:srgbClr>
+                  </a:outerShdw>
+                </a:effectLst>
+                <a:latin typeface="Sylfaen" panose="010A0502050306030303" pitchFamily="18" charset="0"/>
+              </a:rPr>
+              <a:t>boolean</a:t>
+            </a:r>
+            <a:r>
+              <a:rPr lang="en-US" sz="3000" dirty="0">
+                <a:effectLst>
+                  <a:outerShdw blurRad="38100" dist="38100" dir="2700000" algn="tl">
+                    <a:srgbClr val="000000">
+                      <a:alpha val="43137"/>
+                    </a:srgbClr>
+                  </a:outerShdw>
+                </a:effectLst>
+                <a:latin typeface="Sylfaen" panose="010A0502050306030303" pitchFamily="18" charset="0"/>
+              </a:rPr>
+              <a:t> relative (int row)</a:t>
+            </a:r>
+          </a:p>
+          <a:p>
+            <a:pPr marL="0" indent="0">
+              <a:buNone/>
+            </a:pPr>
+            <a:r>
+              <a:rPr lang="en-US" sz="3000" dirty="0">
+                <a:effectLst>
+                  <a:outerShdw blurRad="38100" dist="38100" dir="2700000" algn="tl">
+                    <a:srgbClr val="000000">
+                      <a:alpha val="43137"/>
+                    </a:srgbClr>
+                  </a:outerShdw>
+                </a:effectLst>
+                <a:latin typeface="Sylfaen" panose="010A0502050306030303" pitchFamily="18" charset="0"/>
+              </a:rPr>
+              <a:t>public int </a:t>
+            </a:r>
+            <a:r>
+              <a:rPr lang="en-US" sz="3000" dirty="0" err="1">
+                <a:effectLst>
+                  <a:outerShdw blurRad="38100" dist="38100" dir="2700000" algn="tl">
+                    <a:srgbClr val="000000">
+                      <a:alpha val="43137"/>
+                    </a:srgbClr>
+                  </a:outerShdw>
+                </a:effectLst>
+                <a:latin typeface="Sylfaen" panose="010A0502050306030303" pitchFamily="18" charset="0"/>
+              </a:rPr>
+              <a:t>getInt</a:t>
+            </a:r>
+            <a:r>
+              <a:rPr lang="en-US" sz="3000" dirty="0">
+                <a:effectLst>
+                  <a:outerShdw blurRad="38100" dist="38100" dir="2700000" algn="tl">
+                    <a:srgbClr val="000000">
+                      <a:alpha val="43137"/>
+                    </a:srgbClr>
+                  </a:outerShdw>
+                </a:effectLst>
+                <a:latin typeface="Sylfaen" panose="010A0502050306030303" pitchFamily="18" charset="0"/>
+              </a:rPr>
+              <a:t> (int </a:t>
+            </a:r>
+            <a:r>
+              <a:rPr lang="en-US" sz="3000" dirty="0" err="1">
+                <a:effectLst>
+                  <a:outerShdw blurRad="38100" dist="38100" dir="2700000" algn="tl">
+                    <a:srgbClr val="000000">
+                      <a:alpha val="43137"/>
+                    </a:srgbClr>
+                  </a:outerShdw>
+                </a:effectLst>
+                <a:latin typeface="Sylfaen" panose="010A0502050306030303" pitchFamily="18" charset="0"/>
+              </a:rPr>
+              <a:t>columnIndex</a:t>
+            </a:r>
+            <a:r>
+              <a:rPr lang="en-US" sz="3000" dirty="0">
+                <a:effectLst>
+                  <a:outerShdw blurRad="38100" dist="38100" dir="2700000" algn="tl">
+                    <a:srgbClr val="000000">
+                      <a:alpha val="43137"/>
+                    </a:srgbClr>
+                  </a:outerShdw>
+                </a:effectLst>
+                <a:latin typeface="Sylfaen" panose="010A0502050306030303" pitchFamily="18" charset="0"/>
+              </a:rPr>
+              <a:t>)</a:t>
+            </a:r>
+          </a:p>
+          <a:p>
+            <a:pPr marL="0" indent="0">
+              <a:buNone/>
+            </a:pPr>
+            <a:r>
+              <a:rPr lang="en-US" sz="3000" dirty="0">
+                <a:effectLst>
+                  <a:outerShdw blurRad="38100" dist="38100" dir="2700000" algn="tl">
+                    <a:srgbClr val="000000">
+                      <a:alpha val="43137"/>
+                    </a:srgbClr>
+                  </a:outerShdw>
+                </a:effectLst>
+                <a:latin typeface="Sylfaen" panose="010A0502050306030303" pitchFamily="18" charset="0"/>
+              </a:rPr>
+              <a:t>public int </a:t>
+            </a:r>
+            <a:r>
+              <a:rPr lang="en-US" sz="3000" dirty="0" err="1">
+                <a:effectLst>
+                  <a:outerShdw blurRad="38100" dist="38100" dir="2700000" algn="tl">
+                    <a:srgbClr val="000000">
+                      <a:alpha val="43137"/>
+                    </a:srgbClr>
+                  </a:outerShdw>
+                </a:effectLst>
+                <a:latin typeface="Sylfaen" panose="010A0502050306030303" pitchFamily="18" charset="0"/>
+              </a:rPr>
+              <a:t>getInt</a:t>
+            </a:r>
+            <a:r>
+              <a:rPr lang="en-US" sz="3000" dirty="0">
+                <a:effectLst>
+                  <a:outerShdw blurRad="38100" dist="38100" dir="2700000" algn="tl">
+                    <a:srgbClr val="000000">
+                      <a:alpha val="43137"/>
+                    </a:srgbClr>
+                  </a:outerShdw>
+                </a:effectLst>
+                <a:latin typeface="Sylfaen" panose="010A0502050306030303" pitchFamily="18" charset="0"/>
+              </a:rPr>
+              <a:t> (String </a:t>
+            </a:r>
+            <a:r>
+              <a:rPr lang="en-US" sz="3000" dirty="0" err="1">
+                <a:effectLst>
+                  <a:outerShdw blurRad="38100" dist="38100" dir="2700000" algn="tl">
+                    <a:srgbClr val="000000">
+                      <a:alpha val="43137"/>
+                    </a:srgbClr>
+                  </a:outerShdw>
+                </a:effectLst>
+                <a:latin typeface="Sylfaen" panose="010A0502050306030303" pitchFamily="18" charset="0"/>
+              </a:rPr>
+              <a:t>columnName</a:t>
+            </a:r>
+            <a:r>
+              <a:rPr lang="en-US" sz="3000" dirty="0">
+                <a:effectLst>
+                  <a:outerShdw blurRad="38100" dist="38100" dir="2700000" algn="tl">
+                    <a:srgbClr val="000000">
+                      <a:alpha val="43137"/>
+                    </a:srgbClr>
+                  </a:outerShdw>
+                </a:effectLst>
+                <a:latin typeface="Sylfaen" panose="010A0502050306030303" pitchFamily="18" charset="0"/>
+              </a:rPr>
+              <a:t>)</a:t>
+            </a:r>
+          </a:p>
+          <a:p>
+            <a:pPr marL="0" indent="0">
+              <a:buNone/>
+            </a:pPr>
+            <a:r>
+              <a:rPr lang="en-US" sz="3000" dirty="0">
+                <a:effectLst>
+                  <a:outerShdw blurRad="38100" dist="38100" dir="2700000" algn="tl">
+                    <a:srgbClr val="000000">
+                      <a:alpha val="43137"/>
+                    </a:srgbClr>
+                  </a:outerShdw>
+                </a:effectLst>
+                <a:latin typeface="Sylfaen" panose="010A0502050306030303" pitchFamily="18" charset="0"/>
+              </a:rPr>
+              <a:t>public String </a:t>
+            </a:r>
+            <a:r>
+              <a:rPr lang="en-US" sz="3000" dirty="0" err="1">
+                <a:effectLst>
+                  <a:outerShdw blurRad="38100" dist="38100" dir="2700000" algn="tl">
+                    <a:srgbClr val="000000">
+                      <a:alpha val="43137"/>
+                    </a:srgbClr>
+                  </a:outerShdw>
+                </a:effectLst>
+                <a:latin typeface="Sylfaen" panose="010A0502050306030303" pitchFamily="18" charset="0"/>
+              </a:rPr>
+              <a:t>getString</a:t>
+            </a:r>
+            <a:r>
+              <a:rPr lang="en-US" sz="3000" dirty="0">
+                <a:effectLst>
+                  <a:outerShdw blurRad="38100" dist="38100" dir="2700000" algn="tl">
+                    <a:srgbClr val="000000">
+                      <a:alpha val="43137"/>
+                    </a:srgbClr>
+                  </a:outerShdw>
+                </a:effectLst>
+                <a:latin typeface="Sylfaen" panose="010A0502050306030303" pitchFamily="18" charset="0"/>
+              </a:rPr>
+              <a:t> (int </a:t>
+            </a:r>
+            <a:r>
+              <a:rPr lang="en-US" sz="3000" dirty="0" err="1">
+                <a:effectLst>
+                  <a:outerShdw blurRad="38100" dist="38100" dir="2700000" algn="tl">
+                    <a:srgbClr val="000000">
+                      <a:alpha val="43137"/>
+                    </a:srgbClr>
+                  </a:outerShdw>
+                </a:effectLst>
+                <a:latin typeface="Sylfaen" panose="010A0502050306030303" pitchFamily="18" charset="0"/>
+              </a:rPr>
+              <a:t>columnIndex</a:t>
+            </a:r>
+            <a:r>
+              <a:rPr lang="en-US" sz="3000" dirty="0">
+                <a:effectLst>
+                  <a:outerShdw blurRad="38100" dist="38100" dir="2700000" algn="tl">
+                    <a:srgbClr val="000000">
+                      <a:alpha val="43137"/>
+                    </a:srgbClr>
+                  </a:outerShdw>
+                </a:effectLst>
+                <a:latin typeface="Sylfaen" panose="010A0502050306030303" pitchFamily="18" charset="0"/>
+              </a:rPr>
+              <a:t>)</a:t>
+            </a:r>
+          </a:p>
+          <a:p>
+            <a:pPr marL="0" indent="0">
+              <a:buNone/>
+            </a:pPr>
+            <a:r>
+              <a:rPr lang="en-US" sz="3000" dirty="0">
+                <a:effectLst>
+                  <a:outerShdw blurRad="38100" dist="38100" dir="2700000" algn="tl">
+                    <a:srgbClr val="000000">
+                      <a:alpha val="43137"/>
+                    </a:srgbClr>
+                  </a:outerShdw>
+                </a:effectLst>
+                <a:latin typeface="Sylfaen" panose="010A0502050306030303" pitchFamily="18" charset="0"/>
+              </a:rPr>
+              <a:t>public String </a:t>
+            </a:r>
+            <a:r>
+              <a:rPr lang="en-US" sz="3000" dirty="0" err="1">
+                <a:effectLst>
+                  <a:outerShdw blurRad="38100" dist="38100" dir="2700000" algn="tl">
+                    <a:srgbClr val="000000">
+                      <a:alpha val="43137"/>
+                    </a:srgbClr>
+                  </a:outerShdw>
+                </a:effectLst>
+                <a:latin typeface="Sylfaen" panose="010A0502050306030303" pitchFamily="18" charset="0"/>
+              </a:rPr>
+              <a:t>getString</a:t>
+            </a:r>
+            <a:r>
+              <a:rPr lang="en-US" sz="3000" dirty="0">
+                <a:effectLst>
+                  <a:outerShdw blurRad="38100" dist="38100" dir="2700000" algn="tl">
+                    <a:srgbClr val="000000">
+                      <a:alpha val="43137"/>
+                    </a:srgbClr>
+                  </a:outerShdw>
+                </a:effectLst>
+                <a:latin typeface="Sylfaen" panose="010A0502050306030303" pitchFamily="18" charset="0"/>
+              </a:rPr>
+              <a:t> (String </a:t>
+            </a:r>
+            <a:r>
+              <a:rPr lang="en-US" sz="3000" dirty="0" err="1">
+                <a:effectLst>
+                  <a:outerShdw blurRad="38100" dist="38100" dir="2700000" algn="tl">
+                    <a:srgbClr val="000000">
+                      <a:alpha val="43137"/>
+                    </a:srgbClr>
+                  </a:outerShdw>
+                </a:effectLst>
+                <a:latin typeface="Sylfaen" panose="010A0502050306030303" pitchFamily="18" charset="0"/>
+              </a:rPr>
+              <a:t>columnName</a:t>
+            </a:r>
+            <a:r>
+              <a:rPr lang="en-US" sz="3000" dirty="0">
+                <a:effectLst>
+                  <a:outerShdw blurRad="38100" dist="38100" dir="2700000" algn="tl">
+                    <a:srgbClr val="000000">
+                      <a:alpha val="43137"/>
+                    </a:srgbClr>
+                  </a:outerShdw>
+                </a:effectLst>
+                <a:latin typeface="Sylfaen" panose="010A0502050306030303" pitchFamily="18" charset="0"/>
+              </a:rPr>
+              <a:t>)</a:t>
+            </a:r>
+          </a:p>
+        </p:txBody>
+      </p:sp>
+      <p:cxnSp>
+        <p:nvCxnSpPr>
+          <p:cNvPr id="4" name="Straight Connector 3">
+            <a:extLst>
+              <a:ext uri="{FF2B5EF4-FFF2-40B4-BE49-F238E27FC236}">
+                <a16:creationId xmlns:a16="http://schemas.microsoft.com/office/drawing/2014/main" id="{F3339B3C-A34C-42CE-B52C-8071BF205776}"/>
+              </a:ext>
+            </a:extLst>
+          </p:cNvPr>
+          <p:cNvCxnSpPr>
+            <a:cxnSpLocks/>
+          </p:cNvCxnSpPr>
+          <p:nvPr/>
+        </p:nvCxnSpPr>
+        <p:spPr>
+          <a:xfrm>
+            <a:off x="569235" y="1096196"/>
+            <a:ext cx="11053530" cy="0"/>
+          </a:xfrm>
+          <a:prstGeom prst="line">
+            <a:avLst/>
+          </a:prstGeom>
+        </p:spPr>
+        <p:style>
+          <a:lnRef idx="3">
+            <a:schemeClr val="accent1"/>
+          </a:lnRef>
+          <a:fillRef idx="0">
+            <a:schemeClr val="accent1"/>
+          </a:fillRef>
+          <a:effectRef idx="2">
+            <a:schemeClr val="accent1"/>
+          </a:effectRef>
+          <a:fontRef idx="minor">
+            <a:schemeClr val="tx1"/>
+          </a:fontRef>
+        </p:style>
+      </p:cxnSp>
+    </p:spTree>
+    <p:extLst>
+      <p:ext uri="{BB962C8B-B14F-4D97-AF65-F5344CB8AC3E}">
+        <p14:creationId xmlns:p14="http://schemas.microsoft.com/office/powerpoint/2010/main" val="3419287248"/>
+      </p:ext>
+    </p:extLst>
+  </p:cSld>
+  <p:clrMapOvr>
+    <a:masterClrMapping/>
+  </p:clrMapOvr>
+</p:sld>
+</file>
+
+<file path=ppt/slides/slide9.xml><?xml version="1.0" encoding="utf-8"?>
+<p:sld xmlns:a="http://schemas.openxmlformats.org/drawingml/2006/main" xmlns:r="http://schemas.openxmlformats.org/officeDocument/2006/relationships" xmlns:p="http://schemas.openxmlformats.org/presentationml/2006/main">
+  <p:cSld>
+    <p:spTree>
+      <p:nvGrpSpPr>
+        <p:cNvPr id="1" name=""/>
+        <p:cNvGrpSpPr/>
+        <p:nvPr/>
+      </p:nvGrpSpPr>
+      <p:grpSpPr>
+        <a:xfrm>
+          <a:off x="0" y="0"/>
+          <a:ext cx="0" cy="0"/>
+          <a:chOff x="0" y="0"/>
+          <a:chExt cx="0" cy="0"/>
+        </a:xfrm>
+      </p:grpSpPr>
+      <p:sp>
+        <p:nvSpPr>
+          <p:cNvPr id="2" name="Title 1">
+            <a:extLst>
+              <a:ext uri="{FF2B5EF4-FFF2-40B4-BE49-F238E27FC236}">
+                <a16:creationId xmlns:a16="http://schemas.microsoft.com/office/drawing/2014/main" id="{01EEE7D7-6934-40A0-A6EA-4300B8AF3E80}"/>
+              </a:ext>
+            </a:extLst>
+          </p:cNvPr>
+          <p:cNvSpPr>
+            <a:spLocks noGrp="1"/>
+          </p:cNvSpPr>
+          <p:nvPr>
+            <p:ph type="title"/>
+          </p:nvPr>
+        </p:nvSpPr>
+        <p:spPr>
+          <a:xfrm>
+            <a:off x="838200" y="18255"/>
+            <a:ext cx="10515600" cy="1325563"/>
+          </a:xfrm>
+        </p:spPr>
+        <p:txBody>
+          <a:bodyPr/>
+          <a:lstStyle/>
+          <a:p>
+            <a:pPr algn="ctr"/>
+            <a:r>
+              <a:rPr lang="en-US" dirty="0" err="1">
+                <a:latin typeface="Sylfaen" panose="010A0502050306030303" pitchFamily="18" charset="0"/>
+              </a:rPr>
+              <a:t>PreparedStatement</a:t>
+            </a:r>
+            <a:r>
+              <a:rPr lang="en-US" dirty="0">
+                <a:latin typeface="Sylfaen" panose="010A0502050306030303" pitchFamily="18" charset="0"/>
+              </a:rPr>
+              <a:t> interface</a:t>
+            </a:r>
+            <a:endParaRPr lang="en-US" dirty="0"/>
+          </a:p>
+        </p:txBody>
+      </p:sp>
+      <p:sp>
+        <p:nvSpPr>
+          <p:cNvPr id="3" name="Content Placeholder 2">
+            <a:extLst>
+              <a:ext uri="{FF2B5EF4-FFF2-40B4-BE49-F238E27FC236}">
+                <a16:creationId xmlns:a16="http://schemas.microsoft.com/office/drawing/2014/main" id="{61885F84-5C21-4B45-AFC4-043EDF7698F4}"/>
+              </a:ext>
+            </a:extLst>
+          </p:cNvPr>
+          <p:cNvSpPr>
+            <a:spLocks noGrp="1"/>
+          </p:cNvSpPr>
+          <p:nvPr>
+            <p:ph idx="1"/>
+          </p:nvPr>
+        </p:nvSpPr>
+        <p:spPr>
+          <a:xfrm>
+            <a:off x="838199" y="1343817"/>
+            <a:ext cx="10784566" cy="5027004"/>
+          </a:xfrm>
+        </p:spPr>
+        <p:txBody>
+          <a:bodyPr>
+            <a:normAutofit/>
+          </a:bodyPr>
+          <a:lstStyle/>
+          <a:p>
+            <a:pPr marL="0" indent="0">
+              <a:lnSpc>
+                <a:spcPct val="150000"/>
+              </a:lnSpc>
+              <a:buNone/>
+            </a:pPr>
+            <a:r>
+              <a:rPr lang="en-US" sz="3000" dirty="0">
+                <a:effectLst>
+                  <a:outerShdw blurRad="38100" dist="38100" dir="2700000" algn="tl">
+                    <a:srgbClr val="000000">
+                      <a:alpha val="43137"/>
+                    </a:srgbClr>
+                  </a:outerShdw>
+                </a:effectLst>
+                <a:latin typeface="Sylfaen" panose="010A0502050306030303" pitchFamily="18" charset="0"/>
+              </a:rPr>
+              <a:t>public void </a:t>
+            </a:r>
+            <a:r>
+              <a:rPr lang="en-US" sz="3000" dirty="0" err="1">
+                <a:effectLst>
+                  <a:outerShdw blurRad="38100" dist="38100" dir="2700000" algn="tl">
+                    <a:srgbClr val="000000">
+                      <a:alpha val="43137"/>
+                    </a:srgbClr>
+                  </a:outerShdw>
+                </a:effectLst>
+                <a:latin typeface="Sylfaen" panose="010A0502050306030303" pitchFamily="18" charset="0"/>
+              </a:rPr>
+              <a:t>setInt</a:t>
+            </a:r>
+            <a:r>
+              <a:rPr lang="en-US" sz="3000" dirty="0">
+                <a:effectLst>
+                  <a:outerShdw blurRad="38100" dist="38100" dir="2700000" algn="tl">
+                    <a:srgbClr val="000000">
+                      <a:alpha val="43137"/>
+                    </a:srgbClr>
+                  </a:outerShdw>
+                </a:effectLst>
+                <a:latin typeface="Sylfaen" panose="010A0502050306030303" pitchFamily="18" charset="0"/>
+              </a:rPr>
+              <a:t>(int </a:t>
+            </a:r>
+            <a:r>
+              <a:rPr lang="en-US" sz="3000" dirty="0" err="1">
+                <a:effectLst>
+                  <a:outerShdw blurRad="38100" dist="38100" dir="2700000" algn="tl">
+                    <a:srgbClr val="000000">
+                      <a:alpha val="43137"/>
+                    </a:srgbClr>
+                  </a:outerShdw>
+                </a:effectLst>
+                <a:latin typeface="Sylfaen" panose="010A0502050306030303" pitchFamily="18" charset="0"/>
+              </a:rPr>
+              <a:t>paramIndex</a:t>
+            </a:r>
+            <a:r>
+              <a:rPr lang="en-US" sz="3000" dirty="0">
+                <a:effectLst>
+                  <a:outerShdw blurRad="38100" dist="38100" dir="2700000" algn="tl">
+                    <a:srgbClr val="000000">
+                      <a:alpha val="43137"/>
+                    </a:srgbClr>
+                  </a:outerShdw>
+                </a:effectLst>
+                <a:latin typeface="Sylfaen" panose="010A0502050306030303" pitchFamily="18" charset="0"/>
+              </a:rPr>
+              <a:t>, int value)</a:t>
+            </a:r>
+          </a:p>
+          <a:p>
+            <a:pPr marL="0" indent="0">
+              <a:lnSpc>
+                <a:spcPct val="150000"/>
+              </a:lnSpc>
+              <a:buNone/>
+            </a:pPr>
+            <a:r>
+              <a:rPr lang="en-US" sz="3000" dirty="0">
+                <a:effectLst>
+                  <a:outerShdw blurRad="38100" dist="38100" dir="2700000" algn="tl">
+                    <a:srgbClr val="000000">
+                      <a:alpha val="43137"/>
+                    </a:srgbClr>
+                  </a:outerShdw>
+                </a:effectLst>
+                <a:latin typeface="Sylfaen" panose="010A0502050306030303" pitchFamily="18" charset="0"/>
+              </a:rPr>
+              <a:t>public void </a:t>
+            </a:r>
+            <a:r>
+              <a:rPr lang="en-US" sz="3000" dirty="0" err="1">
+                <a:effectLst>
+                  <a:outerShdw blurRad="38100" dist="38100" dir="2700000" algn="tl">
+                    <a:srgbClr val="000000">
+                      <a:alpha val="43137"/>
+                    </a:srgbClr>
+                  </a:outerShdw>
+                </a:effectLst>
+                <a:latin typeface="Sylfaen" panose="010A0502050306030303" pitchFamily="18" charset="0"/>
+              </a:rPr>
+              <a:t>setString</a:t>
+            </a:r>
+            <a:r>
+              <a:rPr lang="en-US" sz="3000" dirty="0">
+                <a:effectLst>
+                  <a:outerShdw blurRad="38100" dist="38100" dir="2700000" algn="tl">
+                    <a:srgbClr val="000000">
+                      <a:alpha val="43137"/>
+                    </a:srgbClr>
+                  </a:outerShdw>
+                </a:effectLst>
+                <a:latin typeface="Sylfaen" panose="010A0502050306030303" pitchFamily="18" charset="0"/>
+              </a:rPr>
+              <a:t>(int </a:t>
+            </a:r>
+            <a:r>
+              <a:rPr lang="en-US" sz="3000" dirty="0" err="1">
+                <a:effectLst>
+                  <a:outerShdw blurRad="38100" dist="38100" dir="2700000" algn="tl">
+                    <a:srgbClr val="000000">
+                      <a:alpha val="43137"/>
+                    </a:srgbClr>
+                  </a:outerShdw>
+                </a:effectLst>
+                <a:latin typeface="Sylfaen" panose="010A0502050306030303" pitchFamily="18" charset="0"/>
+              </a:rPr>
+              <a:t>paramIndex</a:t>
+            </a:r>
+            <a:r>
+              <a:rPr lang="en-US" sz="3000" dirty="0">
+                <a:effectLst>
+                  <a:outerShdw blurRad="38100" dist="38100" dir="2700000" algn="tl">
+                    <a:srgbClr val="000000">
+                      <a:alpha val="43137"/>
+                    </a:srgbClr>
+                  </a:outerShdw>
+                </a:effectLst>
+                <a:latin typeface="Sylfaen" panose="010A0502050306030303" pitchFamily="18" charset="0"/>
+              </a:rPr>
+              <a:t>, String value)</a:t>
+            </a:r>
+          </a:p>
+          <a:p>
+            <a:pPr marL="0" indent="0">
+              <a:lnSpc>
+                <a:spcPct val="150000"/>
+              </a:lnSpc>
+              <a:buNone/>
+            </a:pPr>
+            <a:r>
+              <a:rPr lang="en-US" sz="3000" dirty="0">
+                <a:effectLst>
+                  <a:outerShdw blurRad="38100" dist="38100" dir="2700000" algn="tl">
+                    <a:srgbClr val="000000">
+                      <a:alpha val="43137"/>
+                    </a:srgbClr>
+                  </a:outerShdw>
+                </a:effectLst>
+                <a:latin typeface="Sylfaen" panose="010A0502050306030303" pitchFamily="18" charset="0"/>
+              </a:rPr>
+              <a:t>public void </a:t>
+            </a:r>
+            <a:r>
+              <a:rPr lang="en-US" sz="3000" dirty="0" err="1">
+                <a:effectLst>
+                  <a:outerShdw blurRad="38100" dist="38100" dir="2700000" algn="tl">
+                    <a:srgbClr val="000000">
+                      <a:alpha val="43137"/>
+                    </a:srgbClr>
+                  </a:outerShdw>
+                </a:effectLst>
+                <a:latin typeface="Sylfaen" panose="010A0502050306030303" pitchFamily="18" charset="0"/>
+              </a:rPr>
+              <a:t>setFloat</a:t>
+            </a:r>
+            <a:r>
+              <a:rPr lang="en-US" sz="3000" dirty="0">
+                <a:effectLst>
+                  <a:outerShdw blurRad="38100" dist="38100" dir="2700000" algn="tl">
+                    <a:srgbClr val="000000">
+                      <a:alpha val="43137"/>
+                    </a:srgbClr>
+                  </a:outerShdw>
+                </a:effectLst>
+                <a:latin typeface="Sylfaen" panose="010A0502050306030303" pitchFamily="18" charset="0"/>
+              </a:rPr>
+              <a:t>(int </a:t>
+            </a:r>
+            <a:r>
+              <a:rPr lang="en-US" sz="3000" dirty="0" err="1">
+                <a:effectLst>
+                  <a:outerShdw blurRad="38100" dist="38100" dir="2700000" algn="tl">
+                    <a:srgbClr val="000000">
+                      <a:alpha val="43137"/>
+                    </a:srgbClr>
+                  </a:outerShdw>
+                </a:effectLst>
+                <a:latin typeface="Sylfaen" panose="010A0502050306030303" pitchFamily="18" charset="0"/>
+              </a:rPr>
+              <a:t>paramIndex</a:t>
+            </a:r>
+            <a:r>
+              <a:rPr lang="en-US" sz="3000" dirty="0">
+                <a:effectLst>
+                  <a:outerShdw blurRad="38100" dist="38100" dir="2700000" algn="tl">
+                    <a:srgbClr val="000000">
+                      <a:alpha val="43137"/>
+                    </a:srgbClr>
+                  </a:outerShdw>
+                </a:effectLst>
+                <a:latin typeface="Sylfaen" panose="010A0502050306030303" pitchFamily="18" charset="0"/>
+              </a:rPr>
+              <a:t>, float value)</a:t>
+            </a:r>
+          </a:p>
+          <a:p>
+            <a:pPr marL="0" indent="0">
+              <a:lnSpc>
+                <a:spcPct val="150000"/>
+              </a:lnSpc>
+              <a:buNone/>
+            </a:pPr>
+            <a:r>
+              <a:rPr lang="en-US" sz="3000" dirty="0">
+                <a:effectLst>
+                  <a:outerShdw blurRad="38100" dist="38100" dir="2700000" algn="tl">
+                    <a:srgbClr val="000000">
+                      <a:alpha val="43137"/>
+                    </a:srgbClr>
+                  </a:outerShdw>
+                </a:effectLst>
+                <a:latin typeface="Sylfaen" panose="010A0502050306030303" pitchFamily="18" charset="0"/>
+              </a:rPr>
+              <a:t>public void </a:t>
+            </a:r>
+            <a:r>
+              <a:rPr lang="en-US" sz="3000" dirty="0" err="1">
+                <a:effectLst>
+                  <a:outerShdw blurRad="38100" dist="38100" dir="2700000" algn="tl">
+                    <a:srgbClr val="000000">
+                      <a:alpha val="43137"/>
+                    </a:srgbClr>
+                  </a:outerShdw>
+                </a:effectLst>
+                <a:latin typeface="Sylfaen" panose="010A0502050306030303" pitchFamily="18" charset="0"/>
+              </a:rPr>
+              <a:t>setDouble</a:t>
+            </a:r>
+            <a:r>
+              <a:rPr lang="en-US" sz="3000" dirty="0">
+                <a:effectLst>
+                  <a:outerShdw blurRad="38100" dist="38100" dir="2700000" algn="tl">
+                    <a:srgbClr val="000000">
+                      <a:alpha val="43137"/>
+                    </a:srgbClr>
+                  </a:outerShdw>
+                </a:effectLst>
+                <a:latin typeface="Sylfaen" panose="010A0502050306030303" pitchFamily="18" charset="0"/>
+              </a:rPr>
+              <a:t>(int </a:t>
+            </a:r>
+            <a:r>
+              <a:rPr lang="en-US" sz="3000" dirty="0" err="1">
+                <a:effectLst>
+                  <a:outerShdw blurRad="38100" dist="38100" dir="2700000" algn="tl">
+                    <a:srgbClr val="000000">
+                      <a:alpha val="43137"/>
+                    </a:srgbClr>
+                  </a:outerShdw>
+                </a:effectLst>
+                <a:latin typeface="Sylfaen" panose="010A0502050306030303" pitchFamily="18" charset="0"/>
+              </a:rPr>
+              <a:t>paramIndex</a:t>
+            </a:r>
+            <a:r>
+              <a:rPr lang="en-US" sz="3000" dirty="0">
+                <a:effectLst>
+                  <a:outerShdw blurRad="38100" dist="38100" dir="2700000" algn="tl">
+                    <a:srgbClr val="000000">
+                      <a:alpha val="43137"/>
+                    </a:srgbClr>
+                  </a:outerShdw>
+                </a:effectLst>
+                <a:latin typeface="Sylfaen" panose="010A0502050306030303" pitchFamily="18" charset="0"/>
+              </a:rPr>
+              <a:t>, double value)</a:t>
+            </a:r>
+          </a:p>
+          <a:p>
+            <a:pPr marL="0" indent="0">
+              <a:lnSpc>
+                <a:spcPct val="150000"/>
+              </a:lnSpc>
+              <a:buNone/>
+            </a:pPr>
+            <a:r>
+              <a:rPr lang="en-US" sz="3000" dirty="0">
+                <a:effectLst>
+                  <a:outerShdw blurRad="38100" dist="38100" dir="2700000" algn="tl">
+                    <a:srgbClr val="000000">
+                      <a:alpha val="43137"/>
+                    </a:srgbClr>
+                  </a:outerShdw>
+                </a:effectLst>
+                <a:latin typeface="Sylfaen" panose="010A0502050306030303" pitchFamily="18" charset="0"/>
+              </a:rPr>
+              <a:t>public int </a:t>
+            </a:r>
+            <a:r>
+              <a:rPr lang="en-US" sz="3000" dirty="0" err="1">
+                <a:effectLst>
+                  <a:outerShdw blurRad="38100" dist="38100" dir="2700000" algn="tl">
+                    <a:srgbClr val="000000">
+                      <a:alpha val="43137"/>
+                    </a:srgbClr>
+                  </a:outerShdw>
+                </a:effectLst>
+                <a:latin typeface="Sylfaen" panose="010A0502050306030303" pitchFamily="18" charset="0"/>
+              </a:rPr>
+              <a:t>executeUpdate</a:t>
+            </a:r>
+            <a:r>
+              <a:rPr lang="en-US" sz="3000" dirty="0">
+                <a:effectLst>
+                  <a:outerShdw blurRad="38100" dist="38100" dir="2700000" algn="tl">
+                    <a:srgbClr val="000000">
+                      <a:alpha val="43137"/>
+                    </a:srgbClr>
+                  </a:outerShdw>
+                </a:effectLst>
+                <a:latin typeface="Sylfaen" panose="010A0502050306030303" pitchFamily="18" charset="0"/>
+              </a:rPr>
+              <a:t>()</a:t>
+            </a:r>
+          </a:p>
+          <a:p>
+            <a:pPr marL="0" indent="0">
+              <a:lnSpc>
+                <a:spcPct val="150000"/>
+              </a:lnSpc>
+              <a:buNone/>
+            </a:pPr>
+            <a:r>
+              <a:rPr lang="en-US" sz="3000" dirty="0">
+                <a:effectLst>
+                  <a:outerShdw blurRad="38100" dist="38100" dir="2700000" algn="tl">
+                    <a:srgbClr val="000000">
+                      <a:alpha val="43137"/>
+                    </a:srgbClr>
+                  </a:outerShdw>
+                </a:effectLst>
+                <a:latin typeface="Sylfaen" panose="010A0502050306030303" pitchFamily="18" charset="0"/>
+              </a:rPr>
+              <a:t>public </a:t>
+            </a:r>
+            <a:r>
+              <a:rPr lang="en-US" sz="3000" dirty="0" err="1">
+                <a:effectLst>
+                  <a:outerShdw blurRad="38100" dist="38100" dir="2700000" algn="tl">
+                    <a:srgbClr val="000000">
+                      <a:alpha val="43137"/>
+                    </a:srgbClr>
+                  </a:outerShdw>
+                </a:effectLst>
+                <a:latin typeface="Sylfaen" panose="010A0502050306030303" pitchFamily="18" charset="0"/>
+              </a:rPr>
+              <a:t>ResultSet</a:t>
+            </a:r>
+            <a:r>
+              <a:rPr lang="en-US" sz="3000" dirty="0">
+                <a:effectLst>
+                  <a:outerShdw blurRad="38100" dist="38100" dir="2700000" algn="tl">
+                    <a:srgbClr val="000000">
+                      <a:alpha val="43137"/>
+                    </a:srgbClr>
+                  </a:outerShdw>
+                </a:effectLst>
+                <a:latin typeface="Sylfaen" panose="010A0502050306030303" pitchFamily="18" charset="0"/>
+              </a:rPr>
+              <a:t> </a:t>
+            </a:r>
+            <a:r>
+              <a:rPr lang="en-US" sz="3000" dirty="0" err="1">
+                <a:effectLst>
+                  <a:outerShdw blurRad="38100" dist="38100" dir="2700000" algn="tl">
+                    <a:srgbClr val="000000">
+                      <a:alpha val="43137"/>
+                    </a:srgbClr>
+                  </a:outerShdw>
+                </a:effectLst>
+                <a:latin typeface="Sylfaen" panose="010A0502050306030303" pitchFamily="18" charset="0"/>
+              </a:rPr>
+              <a:t>executeQuery</a:t>
+            </a:r>
+            <a:r>
+              <a:rPr lang="en-US" sz="3000" dirty="0">
+                <a:effectLst>
+                  <a:outerShdw blurRad="38100" dist="38100" dir="2700000" algn="tl">
+                    <a:srgbClr val="000000">
+                      <a:alpha val="43137"/>
+                    </a:srgbClr>
+                  </a:outerShdw>
+                </a:effectLst>
+                <a:latin typeface="Sylfaen" panose="010A0502050306030303" pitchFamily="18" charset="0"/>
+              </a:rPr>
+              <a:t>()</a:t>
+            </a:r>
+          </a:p>
+        </p:txBody>
+      </p:sp>
+      <p:cxnSp>
+        <p:nvCxnSpPr>
+          <p:cNvPr id="4" name="Straight Connector 3">
+            <a:extLst>
+              <a:ext uri="{FF2B5EF4-FFF2-40B4-BE49-F238E27FC236}">
+                <a16:creationId xmlns:a16="http://schemas.microsoft.com/office/drawing/2014/main" id="{64BEDF21-2142-4A0D-AF6B-ECC5A512655F}"/>
+              </a:ext>
+            </a:extLst>
+          </p:cNvPr>
+          <p:cNvCxnSpPr>
+            <a:cxnSpLocks/>
+          </p:cNvCxnSpPr>
+          <p:nvPr/>
+        </p:nvCxnSpPr>
+        <p:spPr>
+          <a:xfrm>
+            <a:off x="569235" y="1156156"/>
+            <a:ext cx="11053530" cy="0"/>
+          </a:xfrm>
+          <a:prstGeom prst="line">
+            <a:avLst/>
+          </a:prstGeom>
+        </p:spPr>
+        <p:style>
+          <a:lnRef idx="3">
+            <a:schemeClr val="accent1"/>
+          </a:lnRef>
+          <a:fillRef idx="0">
+            <a:schemeClr val="accent1"/>
+          </a:fillRef>
+          <a:effectRef idx="2">
+            <a:schemeClr val="accent1"/>
+          </a:effectRef>
+          <a:fontRef idx="minor">
+            <a:schemeClr val="tx1"/>
+          </a:fontRef>
+        </p:style>
+      </p:cxnSp>
+    </p:spTree>
+    <p:extLst>
+      <p:ext uri="{BB962C8B-B14F-4D97-AF65-F5344CB8AC3E}">
+        <p14:creationId xmlns:p14="http://schemas.microsoft.com/office/powerpoint/2010/main" val="2164032351"/>
       </p:ext>
     </p:extLst>
   </p:cSld>

--- a/JDBC/JDBC_Presentation.pptx
+++ b/JDBC/JDBC_Presentation.pptx
@@ -206,7 +206,7 @@
           <a:p>
             <a:fld id="{F988C94B-7918-458B-9AF1-0DBDD7FC850F}" type="datetimeFigureOut">
               <a:rPr lang="en-US" smtClean="0"/>
-              <a:t>2022-07-29</a:t>
+              <a:t>2022-08-11</a:t>
             </a:fld>
             <a:endParaRPr lang="en-US"/>
           </a:p>
@@ -604,7 +604,7 @@
           <a:p>
             <a:fld id="{0A968979-5CB5-4E5D-B82F-DAC09775BD7D}" type="datetimeFigureOut">
               <a:rPr lang="en-US" smtClean="0"/>
-              <a:t>2022-07-29</a:t>
+              <a:t>2022-08-11</a:t>
             </a:fld>
             <a:endParaRPr lang="en-US"/>
           </a:p>
@@ -774,7 +774,7 @@
           <a:p>
             <a:fld id="{0A968979-5CB5-4E5D-B82F-DAC09775BD7D}" type="datetimeFigureOut">
               <a:rPr lang="en-US" smtClean="0"/>
-              <a:t>2022-07-29</a:t>
+              <a:t>2022-08-11</a:t>
             </a:fld>
             <a:endParaRPr lang="en-US"/>
           </a:p>
@@ -954,7 +954,7 @@
           <a:p>
             <a:fld id="{0A968979-5CB5-4E5D-B82F-DAC09775BD7D}" type="datetimeFigureOut">
               <a:rPr lang="en-US" smtClean="0"/>
-              <a:t>2022-07-29</a:t>
+              <a:t>2022-08-11</a:t>
             </a:fld>
             <a:endParaRPr lang="en-US"/>
           </a:p>
@@ -1124,7 +1124,7 @@
           <a:p>
             <a:fld id="{0A968979-5CB5-4E5D-B82F-DAC09775BD7D}" type="datetimeFigureOut">
               <a:rPr lang="en-US" smtClean="0"/>
-              <a:t>2022-07-29</a:t>
+              <a:t>2022-08-11</a:t>
             </a:fld>
             <a:endParaRPr lang="en-US"/>
           </a:p>
@@ -1370,7 +1370,7 @@
           <a:p>
             <a:fld id="{0A968979-5CB5-4E5D-B82F-DAC09775BD7D}" type="datetimeFigureOut">
               <a:rPr lang="en-US" smtClean="0"/>
-              <a:t>2022-07-29</a:t>
+              <a:t>2022-08-11</a:t>
             </a:fld>
             <a:endParaRPr lang="en-US"/>
           </a:p>
@@ -1602,7 +1602,7 @@
           <a:p>
             <a:fld id="{0A968979-5CB5-4E5D-B82F-DAC09775BD7D}" type="datetimeFigureOut">
               <a:rPr lang="en-US" smtClean="0"/>
-              <a:t>2022-07-29</a:t>
+              <a:t>2022-08-11</a:t>
             </a:fld>
             <a:endParaRPr lang="en-US"/>
           </a:p>
@@ -1969,7 +1969,7 @@
           <a:p>
             <a:fld id="{0A968979-5CB5-4E5D-B82F-DAC09775BD7D}" type="datetimeFigureOut">
               <a:rPr lang="en-US" smtClean="0"/>
-              <a:t>2022-07-29</a:t>
+              <a:t>2022-08-11</a:t>
             </a:fld>
             <a:endParaRPr lang="en-US"/>
           </a:p>
@@ -2087,7 +2087,7 @@
           <a:p>
             <a:fld id="{0A968979-5CB5-4E5D-B82F-DAC09775BD7D}" type="datetimeFigureOut">
               <a:rPr lang="en-US" smtClean="0"/>
-              <a:t>2022-07-29</a:t>
+              <a:t>2022-08-11</a:t>
             </a:fld>
             <a:endParaRPr lang="en-US"/>
           </a:p>
@@ -2182,7 +2182,7 @@
           <a:p>
             <a:fld id="{0A968979-5CB5-4E5D-B82F-DAC09775BD7D}" type="datetimeFigureOut">
               <a:rPr lang="en-US" smtClean="0"/>
-              <a:t>2022-07-29</a:t>
+              <a:t>2022-08-11</a:t>
             </a:fld>
             <a:endParaRPr lang="en-US"/>
           </a:p>
@@ -2459,7 +2459,7 @@
           <a:p>
             <a:fld id="{0A968979-5CB5-4E5D-B82F-DAC09775BD7D}" type="datetimeFigureOut">
               <a:rPr lang="en-US" smtClean="0"/>
-              <a:t>2022-07-29</a:t>
+              <a:t>2022-08-11</a:t>
             </a:fld>
             <a:endParaRPr lang="en-US"/>
           </a:p>
@@ -2716,7 +2716,7 @@
           <a:p>
             <a:fld id="{0A968979-5CB5-4E5D-B82F-DAC09775BD7D}" type="datetimeFigureOut">
               <a:rPr lang="en-US" smtClean="0"/>
-              <a:t>2022-07-29</a:t>
+              <a:t>2022-08-11</a:t>
             </a:fld>
             <a:endParaRPr lang="en-US"/>
           </a:p>
@@ -2929,7 +2929,7 @@
           <a:p>
             <a:fld id="{0A968979-5CB5-4E5D-B82F-DAC09775BD7D}" type="datetimeFigureOut">
               <a:rPr lang="en-US" smtClean="0"/>
-              <a:t>2022-07-29</a:t>
+              <a:t>2022-08-11</a:t>
             </a:fld>
             <a:endParaRPr lang="en-US"/>
           </a:p>
@@ -3352,7 +3352,7 @@
         </p:nvSpPr>
         <p:spPr>
           <a:xfrm>
-            <a:off x="838200" y="71737"/>
+            <a:off x="838200" y="0"/>
             <a:ext cx="10515600" cy="1325563"/>
           </a:xfrm>
         </p:spPr>
@@ -3536,7 +3536,7 @@
         </p:nvSpPr>
         <p:spPr>
           <a:xfrm>
-            <a:off x="569235" y="1735683"/>
+            <a:off x="569235" y="1966118"/>
             <a:ext cx="11243872" cy="3675765"/>
           </a:xfrm>
         </p:spPr>

--- a/JDBC/JDBC_Presentation.pptx
+++ b/JDBC/JDBC_Presentation.pptx
@@ -206,7 +206,7 @@
           <a:p>
             <a:fld id="{F988C94B-7918-458B-9AF1-0DBDD7FC850F}" type="datetimeFigureOut">
               <a:rPr lang="en-US" smtClean="0"/>
-              <a:t>2022-08-11</a:t>
+              <a:t>2022-08-17</a:t>
             </a:fld>
             <a:endParaRPr lang="en-US"/>
           </a:p>
@@ -604,7 +604,7 @@
           <a:p>
             <a:fld id="{0A968979-5CB5-4E5D-B82F-DAC09775BD7D}" type="datetimeFigureOut">
               <a:rPr lang="en-US" smtClean="0"/>
-              <a:t>2022-08-11</a:t>
+              <a:t>2022-08-17</a:t>
             </a:fld>
             <a:endParaRPr lang="en-US"/>
           </a:p>
@@ -774,7 +774,7 @@
           <a:p>
             <a:fld id="{0A968979-5CB5-4E5D-B82F-DAC09775BD7D}" type="datetimeFigureOut">
               <a:rPr lang="en-US" smtClean="0"/>
-              <a:t>2022-08-11</a:t>
+              <a:t>2022-08-17</a:t>
             </a:fld>
             <a:endParaRPr lang="en-US"/>
           </a:p>
@@ -954,7 +954,7 @@
           <a:p>
             <a:fld id="{0A968979-5CB5-4E5D-B82F-DAC09775BD7D}" type="datetimeFigureOut">
               <a:rPr lang="en-US" smtClean="0"/>
-              <a:t>2022-08-11</a:t>
+              <a:t>2022-08-17</a:t>
             </a:fld>
             <a:endParaRPr lang="en-US"/>
           </a:p>
@@ -1124,7 +1124,7 @@
           <a:p>
             <a:fld id="{0A968979-5CB5-4E5D-B82F-DAC09775BD7D}" type="datetimeFigureOut">
               <a:rPr lang="en-US" smtClean="0"/>
-              <a:t>2022-08-11</a:t>
+              <a:t>2022-08-17</a:t>
             </a:fld>
             <a:endParaRPr lang="en-US"/>
           </a:p>
@@ -1370,7 +1370,7 @@
           <a:p>
             <a:fld id="{0A968979-5CB5-4E5D-B82F-DAC09775BD7D}" type="datetimeFigureOut">
               <a:rPr lang="en-US" smtClean="0"/>
-              <a:t>2022-08-11</a:t>
+              <a:t>2022-08-17</a:t>
             </a:fld>
             <a:endParaRPr lang="en-US"/>
           </a:p>
@@ -1602,7 +1602,7 @@
           <a:p>
             <a:fld id="{0A968979-5CB5-4E5D-B82F-DAC09775BD7D}" type="datetimeFigureOut">
               <a:rPr lang="en-US" smtClean="0"/>
-              <a:t>2022-08-11</a:t>
+              <a:t>2022-08-17</a:t>
             </a:fld>
             <a:endParaRPr lang="en-US"/>
           </a:p>
@@ -1969,7 +1969,7 @@
           <a:p>
             <a:fld id="{0A968979-5CB5-4E5D-B82F-DAC09775BD7D}" type="datetimeFigureOut">
               <a:rPr lang="en-US" smtClean="0"/>
-              <a:t>2022-08-11</a:t>
+              <a:t>2022-08-17</a:t>
             </a:fld>
             <a:endParaRPr lang="en-US"/>
           </a:p>
@@ -2087,7 +2087,7 @@
           <a:p>
             <a:fld id="{0A968979-5CB5-4E5D-B82F-DAC09775BD7D}" type="datetimeFigureOut">
               <a:rPr lang="en-US" smtClean="0"/>
-              <a:t>2022-08-11</a:t>
+              <a:t>2022-08-17</a:t>
             </a:fld>
             <a:endParaRPr lang="en-US"/>
           </a:p>
@@ -2182,7 +2182,7 @@
           <a:p>
             <a:fld id="{0A968979-5CB5-4E5D-B82F-DAC09775BD7D}" type="datetimeFigureOut">
               <a:rPr lang="en-US" smtClean="0"/>
-              <a:t>2022-08-11</a:t>
+              <a:t>2022-08-17</a:t>
             </a:fld>
             <a:endParaRPr lang="en-US"/>
           </a:p>
@@ -2459,7 +2459,7 @@
           <a:p>
             <a:fld id="{0A968979-5CB5-4E5D-B82F-DAC09775BD7D}" type="datetimeFigureOut">
               <a:rPr lang="en-US" smtClean="0"/>
-              <a:t>2022-08-11</a:t>
+              <a:t>2022-08-17</a:t>
             </a:fld>
             <a:endParaRPr lang="en-US"/>
           </a:p>
@@ -2716,7 +2716,7 @@
           <a:p>
             <a:fld id="{0A968979-5CB5-4E5D-B82F-DAC09775BD7D}" type="datetimeFigureOut">
               <a:rPr lang="en-US" smtClean="0"/>
-              <a:t>2022-08-11</a:t>
+              <a:t>2022-08-17</a:t>
             </a:fld>
             <a:endParaRPr lang="en-US"/>
           </a:p>
@@ -2929,7 +2929,7 @@
           <a:p>
             <a:fld id="{0A968979-5CB5-4E5D-B82F-DAC09775BD7D}" type="datetimeFigureOut">
               <a:rPr lang="en-US" smtClean="0"/>
-              <a:t>2022-08-11</a:t>
+              <a:t>2022-08-17</a:t>
             </a:fld>
             <a:endParaRPr lang="en-US"/>
           </a:p>
@@ -6003,8 +6003,8 @@
         </p:nvSpPr>
         <p:spPr>
           <a:xfrm>
-            <a:off x="838200" y="1343820"/>
-            <a:ext cx="7316449" cy="5495924"/>
+            <a:off x="838200" y="1182389"/>
+            <a:ext cx="7841105" cy="5495924"/>
           </a:xfrm>
         </p:spPr>
         <p:txBody>

--- a/JDBC/JDBC_Presentation.pptx
+++ b/JDBC/JDBC_Presentation.pptx
@@ -5,7 +5,7 @@
     <p:sldMasterId id="2147483684" r:id="rId1"/>
   </p:sldMasterIdLst>
   <p:notesMasterIdLst>
-    <p:notesMasterId r:id="rId12"/>
+    <p:notesMasterId r:id="rId13"/>
   </p:notesMasterIdLst>
   <p:sldIdLst>
     <p:sldId id="257" r:id="rId2"/>
@@ -18,6 +18,7 @@
     <p:sldId id="265" r:id="rId9"/>
     <p:sldId id="266" r:id="rId10"/>
     <p:sldId id="267" r:id="rId11"/>
+    <p:sldId id="268" r:id="rId12"/>
   </p:sldIdLst>
   <p:sldSz cx="12192000" cy="6858000"/>
   <p:notesSz cx="6858000" cy="9144000"/>
@@ -206,7 +207,7 @@
           <a:p>
             <a:fld id="{F988C94B-7918-458B-9AF1-0DBDD7FC850F}" type="datetimeFigureOut">
               <a:rPr lang="en-US" smtClean="0"/>
-              <a:t>2022-08-17</a:t>
+              <a:t>2022-08-18</a:t>
             </a:fld>
             <a:endParaRPr lang="en-US"/>
           </a:p>
@@ -604,7 +605,7 @@
           <a:p>
             <a:fld id="{0A968979-5CB5-4E5D-B82F-DAC09775BD7D}" type="datetimeFigureOut">
               <a:rPr lang="en-US" smtClean="0"/>
-              <a:t>2022-08-17</a:t>
+              <a:t>2022-08-18</a:t>
             </a:fld>
             <a:endParaRPr lang="en-US"/>
           </a:p>
@@ -774,7 +775,7 @@
           <a:p>
             <a:fld id="{0A968979-5CB5-4E5D-B82F-DAC09775BD7D}" type="datetimeFigureOut">
               <a:rPr lang="en-US" smtClean="0"/>
-              <a:t>2022-08-17</a:t>
+              <a:t>2022-08-18</a:t>
             </a:fld>
             <a:endParaRPr lang="en-US"/>
           </a:p>
@@ -954,7 +955,7 @@
           <a:p>
             <a:fld id="{0A968979-5CB5-4E5D-B82F-DAC09775BD7D}" type="datetimeFigureOut">
               <a:rPr lang="en-US" smtClean="0"/>
-              <a:t>2022-08-17</a:t>
+              <a:t>2022-08-18</a:t>
             </a:fld>
             <a:endParaRPr lang="en-US"/>
           </a:p>
@@ -1124,7 +1125,7 @@
           <a:p>
             <a:fld id="{0A968979-5CB5-4E5D-B82F-DAC09775BD7D}" type="datetimeFigureOut">
               <a:rPr lang="en-US" smtClean="0"/>
-              <a:t>2022-08-17</a:t>
+              <a:t>2022-08-18</a:t>
             </a:fld>
             <a:endParaRPr lang="en-US"/>
           </a:p>
@@ -1370,7 +1371,7 @@
           <a:p>
             <a:fld id="{0A968979-5CB5-4E5D-B82F-DAC09775BD7D}" type="datetimeFigureOut">
               <a:rPr lang="en-US" smtClean="0"/>
-              <a:t>2022-08-17</a:t>
+              <a:t>2022-08-18</a:t>
             </a:fld>
             <a:endParaRPr lang="en-US"/>
           </a:p>
@@ -1602,7 +1603,7 @@
           <a:p>
             <a:fld id="{0A968979-5CB5-4E5D-B82F-DAC09775BD7D}" type="datetimeFigureOut">
               <a:rPr lang="en-US" smtClean="0"/>
-              <a:t>2022-08-17</a:t>
+              <a:t>2022-08-18</a:t>
             </a:fld>
             <a:endParaRPr lang="en-US"/>
           </a:p>
@@ -1969,7 +1970,7 @@
           <a:p>
             <a:fld id="{0A968979-5CB5-4E5D-B82F-DAC09775BD7D}" type="datetimeFigureOut">
               <a:rPr lang="en-US" smtClean="0"/>
-              <a:t>2022-08-17</a:t>
+              <a:t>2022-08-18</a:t>
             </a:fld>
             <a:endParaRPr lang="en-US"/>
           </a:p>
@@ -2087,7 +2088,7 @@
           <a:p>
             <a:fld id="{0A968979-5CB5-4E5D-B82F-DAC09775BD7D}" type="datetimeFigureOut">
               <a:rPr lang="en-US" smtClean="0"/>
-              <a:t>2022-08-17</a:t>
+              <a:t>2022-08-18</a:t>
             </a:fld>
             <a:endParaRPr lang="en-US"/>
           </a:p>
@@ -2182,7 +2183,7 @@
           <a:p>
             <a:fld id="{0A968979-5CB5-4E5D-B82F-DAC09775BD7D}" type="datetimeFigureOut">
               <a:rPr lang="en-US" smtClean="0"/>
-              <a:t>2022-08-17</a:t>
+              <a:t>2022-08-18</a:t>
             </a:fld>
             <a:endParaRPr lang="en-US"/>
           </a:p>
@@ -2459,7 +2460,7 @@
           <a:p>
             <a:fld id="{0A968979-5CB5-4E5D-B82F-DAC09775BD7D}" type="datetimeFigureOut">
               <a:rPr lang="en-US" smtClean="0"/>
-              <a:t>2022-08-17</a:t>
+              <a:t>2022-08-18</a:t>
             </a:fld>
             <a:endParaRPr lang="en-US"/>
           </a:p>
@@ -2716,7 +2717,7 @@
           <a:p>
             <a:fld id="{0A968979-5CB5-4E5D-B82F-DAC09775BD7D}" type="datetimeFigureOut">
               <a:rPr lang="en-US" smtClean="0"/>
-              <a:t>2022-08-17</a:t>
+              <a:t>2022-08-18</a:t>
             </a:fld>
             <a:endParaRPr lang="en-US"/>
           </a:p>
@@ -2929,7 +2930,7 @@
           <a:p>
             <a:fld id="{0A968979-5CB5-4E5D-B82F-DAC09775BD7D}" type="datetimeFigureOut">
               <a:rPr lang="en-US" smtClean="0"/>
-              <a:t>2022-08-17</a:t>
+              <a:t>2022-08-18</a:t>
             </a:fld>
             <a:endParaRPr lang="en-US"/>
           </a:p>
@@ -3867,6 +3868,316 @@
     <p:extLst>
       <p:ext uri="{BB962C8B-B14F-4D97-AF65-F5344CB8AC3E}">
         <p14:creationId xmlns:p14="http://schemas.microsoft.com/office/powerpoint/2010/main" val="2514389091"/>
+      </p:ext>
+    </p:extLst>
+  </p:cSld>
+  <p:clrMapOvr>
+    <a:masterClrMapping/>
+  </p:clrMapOvr>
+</p:sld>
+</file>
+
+<file path=ppt/slides/slide11.xml><?xml version="1.0" encoding="utf-8"?>
+<p:sld xmlns:a="http://schemas.openxmlformats.org/drawingml/2006/main" xmlns:r="http://schemas.openxmlformats.org/officeDocument/2006/relationships" xmlns:p="http://schemas.openxmlformats.org/presentationml/2006/main">
+  <p:cSld>
+    <p:spTree>
+      <p:nvGrpSpPr>
+        <p:cNvPr id="1" name=""/>
+        <p:cNvGrpSpPr/>
+        <p:nvPr/>
+      </p:nvGrpSpPr>
+      <p:grpSpPr>
+        <a:xfrm>
+          <a:off x="0" y="0"/>
+          <a:ext cx="0" cy="0"/>
+          <a:chOff x="0" y="0"/>
+          <a:chExt cx="0" cy="0"/>
+        </a:xfrm>
+      </p:grpSpPr>
+      <p:sp>
+        <p:nvSpPr>
+          <p:cNvPr id="2" name="Title 1">
+            <a:extLst>
+              <a:ext uri="{FF2B5EF4-FFF2-40B4-BE49-F238E27FC236}">
+                <a16:creationId xmlns:a16="http://schemas.microsoft.com/office/drawing/2014/main" id="{EF1CB363-AE19-4CCD-8875-55481AB82B37}"/>
+              </a:ext>
+            </a:extLst>
+          </p:cNvPr>
+          <p:cNvSpPr>
+            <a:spLocks noGrp="1"/>
+          </p:cNvSpPr>
+          <p:nvPr>
+            <p:ph type="title"/>
+          </p:nvPr>
+        </p:nvSpPr>
+        <p:spPr>
+          <a:xfrm>
+            <a:off x="838200" y="18255"/>
+            <a:ext cx="10515600" cy="1325563"/>
+          </a:xfrm>
+        </p:spPr>
+        <p:txBody>
+          <a:bodyPr/>
+          <a:lstStyle/>
+          <a:p>
+            <a:pPr algn="ctr"/>
+            <a:r>
+              <a:rPr lang="en-US" dirty="0" err="1">
+                <a:latin typeface="Sylfaen" panose="010A0502050306030303" pitchFamily="18" charset="0"/>
+              </a:rPr>
+              <a:t>RsultSetMetadata</a:t>
+            </a:r>
+            <a:r>
+              <a:rPr lang="en-US" dirty="0">
+                <a:latin typeface="Sylfaen" panose="010A0502050306030303" pitchFamily="18" charset="0"/>
+              </a:rPr>
+              <a:t> interface</a:t>
+            </a:r>
+            <a:endParaRPr lang="en-US" dirty="0"/>
+          </a:p>
+        </p:txBody>
+      </p:sp>
+      <p:sp>
+        <p:nvSpPr>
+          <p:cNvPr id="3" name="Content Placeholder 2">
+            <a:extLst>
+              <a:ext uri="{FF2B5EF4-FFF2-40B4-BE49-F238E27FC236}">
+                <a16:creationId xmlns:a16="http://schemas.microsoft.com/office/drawing/2014/main" id="{37A7FA35-B525-4743-9B99-6CDC34157324}"/>
+              </a:ext>
+            </a:extLst>
+          </p:cNvPr>
+          <p:cNvSpPr>
+            <a:spLocks noGrp="1"/>
+          </p:cNvSpPr>
+          <p:nvPr>
+            <p:ph idx="1"/>
+          </p:nvPr>
+        </p:nvSpPr>
+        <p:spPr/>
+        <p:txBody>
+          <a:bodyPr/>
+          <a:lstStyle/>
+          <a:p>
+            <a:pPr marL="0" indent="0">
+              <a:buNone/>
+            </a:pPr>
+            <a:r>
+              <a:rPr lang="en-US" sz="3000" dirty="0" err="1">
+                <a:effectLst>
+                  <a:outerShdw blurRad="38100" dist="38100" dir="2700000" algn="tl">
+                    <a:srgbClr val="000000">
+                      <a:alpha val="43137"/>
+                    </a:srgbClr>
+                  </a:outerShdw>
+                </a:effectLst>
+                <a:latin typeface="Sylfaen" panose="010A0502050306030303" pitchFamily="18" charset="0"/>
+              </a:rPr>
+              <a:t>PreparedStatement</a:t>
+            </a:r>
+            <a:r>
+              <a:rPr lang="en-US" sz="3000" dirty="0">
+                <a:effectLst>
+                  <a:outerShdw blurRad="38100" dist="38100" dir="2700000" algn="tl">
+                    <a:srgbClr val="000000">
+                      <a:alpha val="43137"/>
+                    </a:srgbClr>
+                  </a:outerShdw>
+                </a:effectLst>
+                <a:latin typeface="Sylfaen" panose="010A0502050306030303" pitchFamily="18" charset="0"/>
+              </a:rPr>
+              <a:t> </a:t>
+            </a:r>
+          </a:p>
+          <a:p>
+            <a:pPr marL="0" indent="0">
+              <a:buNone/>
+            </a:pPr>
+            <a:r>
+              <a:rPr lang="en-US" sz="3000" dirty="0" err="1">
+                <a:effectLst>
+                  <a:outerShdw blurRad="38100" dist="38100" dir="2700000" algn="tl">
+                    <a:srgbClr val="000000">
+                      <a:alpha val="43137"/>
+                    </a:srgbClr>
+                  </a:outerShdw>
+                </a:effectLst>
+                <a:latin typeface="Sylfaen" panose="010A0502050306030303" pitchFamily="18" charset="0"/>
+              </a:rPr>
+              <a:t>setBinaryStream</a:t>
+            </a:r>
+            <a:r>
+              <a:rPr lang="en-US" sz="3000" dirty="0">
+                <a:effectLst>
+                  <a:outerShdw blurRad="38100" dist="38100" dir="2700000" algn="tl">
+                    <a:srgbClr val="000000">
+                      <a:alpha val="43137"/>
+                    </a:srgbClr>
+                  </a:outerShdw>
+                </a:effectLst>
+                <a:latin typeface="Sylfaen" panose="010A0502050306030303" pitchFamily="18" charset="0"/>
+              </a:rPr>
+              <a:t>(int  </a:t>
+            </a:r>
+            <a:r>
+              <a:rPr lang="en-US" sz="3000" dirty="0" err="1">
+                <a:effectLst>
+                  <a:outerShdw blurRad="38100" dist="38100" dir="2700000" algn="tl">
+                    <a:srgbClr val="000000">
+                      <a:alpha val="43137"/>
+                    </a:srgbClr>
+                  </a:outerShdw>
+                </a:effectLst>
+                <a:latin typeface="Sylfaen" panose="010A0502050306030303" pitchFamily="18" charset="0"/>
+              </a:rPr>
+              <a:t>paramIndex</a:t>
+            </a:r>
+            <a:r>
+              <a:rPr lang="en-US" sz="3000" dirty="0">
+                <a:effectLst>
+                  <a:outerShdw blurRad="38100" dist="38100" dir="2700000" algn="tl">
+                    <a:srgbClr val="000000">
+                      <a:alpha val="43137"/>
+                    </a:srgbClr>
+                  </a:outerShdw>
+                </a:effectLst>
+                <a:latin typeface="Sylfaen" panose="010A0502050306030303" pitchFamily="18" charset="0"/>
+              </a:rPr>
+              <a:t>, </a:t>
+            </a:r>
+            <a:r>
+              <a:rPr lang="en-US" sz="3000" dirty="0" err="1">
+                <a:effectLst>
+                  <a:outerShdw blurRad="38100" dist="38100" dir="2700000" algn="tl">
+                    <a:srgbClr val="000000">
+                      <a:alpha val="43137"/>
+                    </a:srgbClr>
+                  </a:outerShdw>
+                </a:effectLst>
+                <a:latin typeface="Sylfaen" panose="010A0502050306030303" pitchFamily="18" charset="0"/>
+              </a:rPr>
+              <a:t>InputStream</a:t>
+            </a:r>
+            <a:r>
+              <a:rPr lang="ru-RU" sz="3000" dirty="0">
+                <a:effectLst>
+                  <a:outerShdw blurRad="38100" dist="38100" dir="2700000" algn="tl">
+                    <a:srgbClr val="000000">
+                      <a:alpha val="43137"/>
+                    </a:srgbClr>
+                  </a:outerShdw>
+                </a:effectLst>
+                <a:latin typeface="Sylfaen" panose="010A0502050306030303" pitchFamily="18" charset="0"/>
+              </a:rPr>
+              <a:t> </a:t>
+            </a:r>
+            <a:r>
+              <a:rPr lang="en-US" sz="3000" dirty="0">
+                <a:effectLst>
+                  <a:outerShdw blurRad="38100" dist="38100" dir="2700000" algn="tl">
+                    <a:srgbClr val="000000">
+                      <a:alpha val="43137"/>
+                    </a:srgbClr>
+                  </a:outerShdw>
+                </a:effectLst>
+                <a:latin typeface="Sylfaen" panose="010A0502050306030303" pitchFamily="18" charset="0"/>
+              </a:rPr>
+              <a:t>stream)</a:t>
+            </a:r>
+          </a:p>
+          <a:p>
+            <a:pPr marL="0" indent="0">
+              <a:buNone/>
+            </a:pPr>
+            <a:r>
+              <a:rPr lang="en-US" sz="3000" dirty="0">
+                <a:effectLst>
+                  <a:outerShdw blurRad="38100" dist="38100" dir="2700000" algn="tl">
+                    <a:srgbClr val="000000">
+                      <a:alpha val="43137"/>
+                    </a:srgbClr>
+                  </a:outerShdw>
+                </a:effectLst>
+                <a:latin typeface="Sylfaen" panose="010A0502050306030303" pitchFamily="18" charset="0"/>
+              </a:rPr>
+              <a:t>BLOB  (binary large object)</a:t>
+            </a:r>
+          </a:p>
+          <a:p>
+            <a:pPr marL="0" indent="0">
+              <a:buNone/>
+            </a:pPr>
+            <a:endParaRPr lang="en-US" sz="3000" dirty="0">
+              <a:effectLst>
+                <a:outerShdw blurRad="38100" dist="38100" dir="2700000" algn="tl">
+                  <a:srgbClr val="000000">
+                    <a:alpha val="43137"/>
+                  </a:srgbClr>
+                </a:outerShdw>
+              </a:effectLst>
+              <a:latin typeface="Sylfaen" panose="010A0502050306030303" pitchFamily="18" charset="0"/>
+            </a:endParaRPr>
+          </a:p>
+          <a:p>
+            <a:pPr marL="0" indent="0">
+              <a:buNone/>
+            </a:pPr>
+            <a:r>
+              <a:rPr lang="en-US" sz="2000" b="1" i="0" dirty="0">
+                <a:solidFill>
+                  <a:srgbClr val="006699"/>
+                </a:solidFill>
+                <a:effectLst/>
+                <a:latin typeface="inter-regular"/>
+              </a:rPr>
+              <a:t>public</a:t>
+            </a:r>
+            <a:r>
+              <a:rPr lang="en-US" sz="2000" b="0" i="0" dirty="0">
+                <a:solidFill>
+                  <a:srgbClr val="000000"/>
+                </a:solidFill>
+                <a:effectLst/>
+                <a:latin typeface="inter-regular"/>
+              </a:rPr>
+              <a:t> Blob </a:t>
+            </a:r>
+            <a:r>
+              <a:rPr lang="en-US" sz="2000" b="0" i="0" dirty="0" err="1">
+                <a:solidFill>
+                  <a:srgbClr val="000000"/>
+                </a:solidFill>
+                <a:effectLst/>
+                <a:latin typeface="inter-regular"/>
+              </a:rPr>
+              <a:t>getBlob</a:t>
+            </a:r>
+            <a:r>
+              <a:rPr lang="en-US" sz="2000" b="0" i="0" dirty="0">
+                <a:solidFill>
+                  <a:srgbClr val="000000"/>
+                </a:solidFill>
+                <a:effectLst/>
+                <a:latin typeface="inter-regular"/>
+              </a:rPr>
+              <a:t>()</a:t>
+            </a:r>
+            <a:endParaRPr lang="en-US" sz="3000" dirty="0">
+              <a:effectLst>
+                <a:outerShdw blurRad="38100" dist="38100" dir="2700000" algn="tl">
+                  <a:srgbClr val="000000">
+                    <a:alpha val="43137"/>
+                  </a:srgbClr>
+                </a:outerShdw>
+              </a:effectLst>
+              <a:latin typeface="Sylfaen" panose="010A0502050306030303" pitchFamily="18" charset="0"/>
+            </a:endParaRPr>
+          </a:p>
+        </p:txBody>
+      </p:sp>
+    </p:spTree>
+    <p:extLst>
+      <p:ext uri="{BB962C8B-B14F-4D97-AF65-F5344CB8AC3E}">
+        <p14:creationId xmlns:p14="http://schemas.microsoft.com/office/powerpoint/2010/main" val="3433665099"/>
       </p:ext>
     </p:extLst>
   </p:cSld>

--- a/JDBC/JDBC_Presentation.pptx
+++ b/JDBC/JDBC_Presentation.pptx
@@ -5,7 +5,7 @@
     <p:sldMasterId id="2147483684" r:id="rId1"/>
   </p:sldMasterIdLst>
   <p:notesMasterIdLst>
-    <p:notesMasterId r:id="rId13"/>
+    <p:notesMasterId r:id="rId18"/>
   </p:notesMasterIdLst>
   <p:sldIdLst>
     <p:sldId id="257" r:id="rId2"/>
@@ -18,7 +18,12 @@
     <p:sldId id="265" r:id="rId9"/>
     <p:sldId id="266" r:id="rId10"/>
     <p:sldId id="267" r:id="rId11"/>
-    <p:sldId id="268" r:id="rId12"/>
+    <p:sldId id="269" r:id="rId12"/>
+    <p:sldId id="268" r:id="rId13"/>
+    <p:sldId id="270" r:id="rId14"/>
+    <p:sldId id="271" r:id="rId15"/>
+    <p:sldId id="272" r:id="rId16"/>
+    <p:sldId id="273" r:id="rId17"/>
   </p:sldIdLst>
   <p:sldSz cx="12192000" cy="6858000"/>
   <p:notesSz cx="6858000" cy="9144000"/>
@@ -207,7 +212,7 @@
           <a:p>
             <a:fld id="{F988C94B-7918-458B-9AF1-0DBDD7FC850F}" type="datetimeFigureOut">
               <a:rPr lang="en-US" smtClean="0"/>
-              <a:t>2022-08-18</a:t>
+              <a:t>2022-08-19</a:t>
             </a:fld>
             <a:endParaRPr lang="en-US"/>
           </a:p>
@@ -605,7 +610,7 @@
           <a:p>
             <a:fld id="{0A968979-5CB5-4E5D-B82F-DAC09775BD7D}" type="datetimeFigureOut">
               <a:rPr lang="en-US" smtClean="0"/>
-              <a:t>2022-08-18</a:t>
+              <a:t>2022-08-19</a:t>
             </a:fld>
             <a:endParaRPr lang="en-US"/>
           </a:p>
@@ -775,7 +780,7 @@
           <a:p>
             <a:fld id="{0A968979-5CB5-4E5D-B82F-DAC09775BD7D}" type="datetimeFigureOut">
               <a:rPr lang="en-US" smtClean="0"/>
-              <a:t>2022-08-18</a:t>
+              <a:t>2022-08-19</a:t>
             </a:fld>
             <a:endParaRPr lang="en-US"/>
           </a:p>
@@ -955,7 +960,7 @@
           <a:p>
             <a:fld id="{0A968979-5CB5-4E5D-B82F-DAC09775BD7D}" type="datetimeFigureOut">
               <a:rPr lang="en-US" smtClean="0"/>
-              <a:t>2022-08-18</a:t>
+              <a:t>2022-08-19</a:t>
             </a:fld>
             <a:endParaRPr lang="en-US"/>
           </a:p>
@@ -1125,7 +1130,7 @@
           <a:p>
             <a:fld id="{0A968979-5CB5-4E5D-B82F-DAC09775BD7D}" type="datetimeFigureOut">
               <a:rPr lang="en-US" smtClean="0"/>
-              <a:t>2022-08-18</a:t>
+              <a:t>2022-08-19</a:t>
             </a:fld>
             <a:endParaRPr lang="en-US"/>
           </a:p>
@@ -1371,7 +1376,7 @@
           <a:p>
             <a:fld id="{0A968979-5CB5-4E5D-B82F-DAC09775BD7D}" type="datetimeFigureOut">
               <a:rPr lang="en-US" smtClean="0"/>
-              <a:t>2022-08-18</a:t>
+              <a:t>2022-08-19</a:t>
             </a:fld>
             <a:endParaRPr lang="en-US"/>
           </a:p>
@@ -1603,7 +1608,7 @@
           <a:p>
             <a:fld id="{0A968979-5CB5-4E5D-B82F-DAC09775BD7D}" type="datetimeFigureOut">
               <a:rPr lang="en-US" smtClean="0"/>
-              <a:t>2022-08-18</a:t>
+              <a:t>2022-08-19</a:t>
             </a:fld>
             <a:endParaRPr lang="en-US"/>
           </a:p>
@@ -1970,7 +1975,7 @@
           <a:p>
             <a:fld id="{0A968979-5CB5-4E5D-B82F-DAC09775BD7D}" type="datetimeFigureOut">
               <a:rPr lang="en-US" smtClean="0"/>
-              <a:t>2022-08-18</a:t>
+              <a:t>2022-08-19</a:t>
             </a:fld>
             <a:endParaRPr lang="en-US"/>
           </a:p>
@@ -2088,7 +2093,7 @@
           <a:p>
             <a:fld id="{0A968979-5CB5-4E5D-B82F-DAC09775BD7D}" type="datetimeFigureOut">
               <a:rPr lang="en-US" smtClean="0"/>
-              <a:t>2022-08-18</a:t>
+              <a:t>2022-08-19</a:t>
             </a:fld>
             <a:endParaRPr lang="en-US"/>
           </a:p>
@@ -2183,7 +2188,7 @@
           <a:p>
             <a:fld id="{0A968979-5CB5-4E5D-B82F-DAC09775BD7D}" type="datetimeFigureOut">
               <a:rPr lang="en-US" smtClean="0"/>
-              <a:t>2022-08-18</a:t>
+              <a:t>2022-08-19</a:t>
             </a:fld>
             <a:endParaRPr lang="en-US"/>
           </a:p>
@@ -2460,7 +2465,7 @@
           <a:p>
             <a:fld id="{0A968979-5CB5-4E5D-B82F-DAC09775BD7D}" type="datetimeFigureOut">
               <a:rPr lang="en-US" smtClean="0"/>
-              <a:t>2022-08-18</a:t>
+              <a:t>2022-08-19</a:t>
             </a:fld>
             <a:endParaRPr lang="en-US"/>
           </a:p>
@@ -2717,7 +2722,7 @@
           <a:p>
             <a:fld id="{0A968979-5CB5-4E5D-B82F-DAC09775BD7D}" type="datetimeFigureOut">
               <a:rPr lang="en-US" smtClean="0"/>
-              <a:t>2022-08-18</a:t>
+              <a:t>2022-08-19</a:t>
             </a:fld>
             <a:endParaRPr lang="en-US"/>
           </a:p>
@@ -2930,7 +2935,7 @@
           <a:p>
             <a:fld id="{0A968979-5CB5-4E5D-B82F-DAC09775BD7D}" type="datetimeFigureOut">
               <a:rPr lang="en-US" smtClean="0"/>
-              <a:t>2022-08-18</a:t>
+              <a:t>2022-08-19</a:t>
             </a:fld>
             <a:endParaRPr lang="en-US"/>
           </a:p>
@@ -3537,17 +3542,19 @@
         </p:nvSpPr>
         <p:spPr>
           <a:xfrm>
-            <a:off x="569235" y="1966118"/>
-            <a:ext cx="11243872" cy="3675765"/>
+            <a:off x="759577" y="1577811"/>
+            <a:ext cx="11243872" cy="4522364"/>
           </a:xfrm>
         </p:spPr>
         <p:txBody>
-          <a:bodyPr/>
+          <a:bodyPr>
+            <a:normAutofit/>
+          </a:bodyPr>
           <a:lstStyle/>
           <a:p>
             <a:pPr marL="0" indent="0">
               <a:lnSpc>
-                <a:spcPct val="150000"/>
+                <a:spcPct val="200000"/>
               </a:lnSpc>
               <a:buNone/>
             </a:pPr>
@@ -3588,36 +3595,13 @@
                 </a:effectLst>
                 <a:latin typeface="Sylfaen" panose="010A0502050306030303" pitchFamily="18" charset="0"/>
               </a:rPr>
-              <a:t>()throws </a:t>
-            </a:r>
-            <a:r>
-              <a:rPr lang="en-US" sz="3000" dirty="0" err="1">
-                <a:effectLst>
-                  <a:outerShdw blurRad="38100" dist="38100" dir="2700000" algn="tl">
-                    <a:srgbClr val="000000">
-                      <a:alpha val="43137"/>
-                    </a:srgbClr>
-                  </a:outerShdw>
-                </a:effectLst>
-                <a:latin typeface="Sylfaen" panose="010A0502050306030303" pitchFamily="18" charset="0"/>
-              </a:rPr>
-              <a:t>SQLException</a:t>
-            </a:r>
-            <a:endParaRPr lang="en-US" sz="3000" dirty="0">
-              <a:effectLst>
-                <a:outerShdw blurRad="38100" dist="38100" dir="2700000" algn="tl">
-                  <a:srgbClr val="000000">
-                    <a:alpha val="43137"/>
-                  </a:srgbClr>
-                </a:outerShdw>
-              </a:effectLst>
-              <a:latin typeface="Sylfaen" panose="010A0502050306030303" pitchFamily="18" charset="0"/>
-            </a:endParaRPr>
+              <a:t>() </a:t>
+            </a:r>
           </a:p>
           <a:p>
             <a:pPr marL="0" indent="0">
               <a:lnSpc>
-                <a:spcPct val="150000"/>
+                <a:spcPct val="200000"/>
               </a:lnSpc>
               <a:buNone/>
             </a:pPr>
@@ -3658,36 +3642,13 @@
                 </a:effectLst>
                 <a:latin typeface="Sylfaen" panose="010A0502050306030303" pitchFamily="18" charset="0"/>
               </a:rPr>
-              <a:t>(int index)throws </a:t>
-            </a:r>
-            <a:r>
-              <a:rPr lang="en-US" sz="3000" dirty="0" err="1">
-                <a:effectLst>
-                  <a:outerShdw blurRad="38100" dist="38100" dir="2700000" algn="tl">
-                    <a:srgbClr val="000000">
-                      <a:alpha val="43137"/>
-                    </a:srgbClr>
-                  </a:outerShdw>
-                </a:effectLst>
-                <a:latin typeface="Sylfaen" panose="010A0502050306030303" pitchFamily="18" charset="0"/>
-              </a:rPr>
-              <a:t>SQLException</a:t>
-            </a:r>
-            <a:endParaRPr lang="en-US" sz="3000" dirty="0">
-              <a:effectLst>
-                <a:outerShdw blurRad="38100" dist="38100" dir="2700000" algn="tl">
-                  <a:srgbClr val="000000">
-                    <a:alpha val="43137"/>
-                  </a:srgbClr>
-                </a:outerShdw>
-              </a:effectLst>
-              <a:latin typeface="Sylfaen" panose="010A0502050306030303" pitchFamily="18" charset="0"/>
-            </a:endParaRPr>
+              <a:t>(int index) </a:t>
+            </a:r>
           </a:p>
           <a:p>
             <a:pPr marL="0" indent="0">
               <a:lnSpc>
-                <a:spcPct val="150000"/>
+                <a:spcPct val="200000"/>
               </a:lnSpc>
               <a:buNone/>
             </a:pPr>
@@ -3728,36 +3689,13 @@
                 </a:effectLst>
                 <a:latin typeface="Sylfaen" panose="010A0502050306030303" pitchFamily="18" charset="0"/>
               </a:rPr>
-              <a:t>(int index)throws </a:t>
-            </a:r>
-            <a:r>
-              <a:rPr lang="en-US" sz="3000" dirty="0" err="1">
-                <a:effectLst>
-                  <a:outerShdw blurRad="38100" dist="38100" dir="2700000" algn="tl">
-                    <a:srgbClr val="000000">
-                      <a:alpha val="43137"/>
-                    </a:srgbClr>
-                  </a:outerShdw>
-                </a:effectLst>
-                <a:latin typeface="Sylfaen" panose="010A0502050306030303" pitchFamily="18" charset="0"/>
-              </a:rPr>
-              <a:t>SQLException</a:t>
-            </a:r>
-            <a:endParaRPr lang="en-US" sz="3000" dirty="0">
-              <a:effectLst>
-                <a:outerShdw blurRad="38100" dist="38100" dir="2700000" algn="tl">
-                  <a:srgbClr val="000000">
-                    <a:alpha val="43137"/>
-                  </a:srgbClr>
-                </a:outerShdw>
-              </a:effectLst>
-              <a:latin typeface="Sylfaen" panose="010A0502050306030303" pitchFamily="18" charset="0"/>
-            </a:endParaRPr>
+              <a:t>(int index) </a:t>
+            </a:r>
           </a:p>
           <a:p>
             <a:pPr marL="0" indent="0">
               <a:lnSpc>
-                <a:spcPct val="150000"/>
+                <a:spcPct val="200000"/>
               </a:lnSpc>
               <a:buNone/>
             </a:pPr>
@@ -3798,31 +3736,8 @@
                 </a:effectLst>
                 <a:latin typeface="Sylfaen" panose="010A0502050306030303" pitchFamily="18" charset="0"/>
               </a:rPr>
-              <a:t>(int index)throws </a:t>
-            </a:r>
-            <a:r>
-              <a:rPr lang="en-US" sz="3000" dirty="0" err="1">
-                <a:effectLst>
-                  <a:outerShdw blurRad="38100" dist="38100" dir="2700000" algn="tl">
-                    <a:srgbClr val="000000">
-                      <a:alpha val="43137"/>
-                    </a:srgbClr>
-                  </a:outerShdw>
-                </a:effectLst>
-                <a:latin typeface="Sylfaen" panose="010A0502050306030303" pitchFamily="18" charset="0"/>
-              </a:rPr>
-              <a:t>SQLException</a:t>
-            </a:r>
-            <a:endParaRPr lang="en-US" sz="3000" dirty="0">
-              <a:effectLst>
-                <a:outerShdw blurRad="38100" dist="38100" dir="2700000" algn="tl">
-                  <a:srgbClr val="000000">
-                    <a:alpha val="43137"/>
-                  </a:srgbClr>
-                </a:outerShdw>
-              </a:effectLst>
-              <a:latin typeface="Sylfaen" panose="010A0502050306030303" pitchFamily="18" charset="0"/>
-            </a:endParaRPr>
+              <a:t>(int index)</a:t>
+            </a:r>
           </a:p>
         </p:txBody>
       </p:sp>
@@ -3899,6 +3814,382 @@
           <p:cNvPr id="2" name="Title 1">
             <a:extLst>
               <a:ext uri="{FF2B5EF4-FFF2-40B4-BE49-F238E27FC236}">
+                <a16:creationId xmlns:a16="http://schemas.microsoft.com/office/drawing/2014/main" id="{F84EE927-0566-4FCA-9E3A-802A72E11B02}"/>
+              </a:ext>
+            </a:extLst>
+          </p:cNvPr>
+          <p:cNvSpPr>
+            <a:spLocks noGrp="1"/>
+          </p:cNvSpPr>
+          <p:nvPr>
+            <p:ph type="title"/>
+          </p:nvPr>
+        </p:nvSpPr>
+        <p:spPr>
+          <a:xfrm>
+            <a:off x="838200" y="18255"/>
+            <a:ext cx="10515600" cy="1325563"/>
+          </a:xfrm>
+        </p:spPr>
+        <p:txBody>
+          <a:bodyPr/>
+          <a:lstStyle/>
+          <a:p>
+            <a:pPr algn="ctr"/>
+            <a:r>
+              <a:rPr lang="en-US" dirty="0" err="1">
+                <a:latin typeface="Sylfaen" panose="010A0502050306030303" pitchFamily="18" charset="0"/>
+              </a:rPr>
+              <a:t>DatabaseMetadata</a:t>
+            </a:r>
+            <a:r>
+              <a:rPr lang="en-US" dirty="0">
+                <a:latin typeface="Sylfaen" panose="010A0502050306030303" pitchFamily="18" charset="0"/>
+              </a:rPr>
+              <a:t> interface</a:t>
+            </a:r>
+            <a:endParaRPr lang="en-US" dirty="0"/>
+          </a:p>
+        </p:txBody>
+      </p:sp>
+      <p:sp>
+        <p:nvSpPr>
+          <p:cNvPr id="3" name="Content Placeholder 2">
+            <a:extLst>
+              <a:ext uri="{FF2B5EF4-FFF2-40B4-BE49-F238E27FC236}">
+                <a16:creationId xmlns:a16="http://schemas.microsoft.com/office/drawing/2014/main" id="{96215539-561B-4B71-974B-6EF9D5189AEF}"/>
+              </a:ext>
+            </a:extLst>
+          </p:cNvPr>
+          <p:cNvSpPr>
+            <a:spLocks noGrp="1"/>
+          </p:cNvSpPr>
+          <p:nvPr>
+            <p:ph idx="1"/>
+          </p:nvPr>
+        </p:nvSpPr>
+        <p:spPr>
+          <a:xfrm>
+            <a:off x="1163877" y="1216117"/>
+            <a:ext cx="9069887" cy="5297413"/>
+          </a:xfrm>
+        </p:spPr>
+        <p:txBody>
+          <a:bodyPr>
+            <a:normAutofit/>
+          </a:bodyPr>
+          <a:lstStyle/>
+          <a:p>
+            <a:pPr marL="0" indent="0" algn="just">
+              <a:lnSpc>
+                <a:spcPct val="200000"/>
+              </a:lnSpc>
+              <a:buNone/>
+            </a:pPr>
+            <a:r>
+              <a:rPr lang="en-US" sz="3000" dirty="0">
+                <a:effectLst>
+                  <a:outerShdw blurRad="38100" dist="38100" dir="2700000" algn="tl">
+                    <a:srgbClr val="000000">
+                      <a:alpha val="43137"/>
+                    </a:srgbClr>
+                  </a:outerShdw>
+                </a:effectLst>
+                <a:latin typeface="Sylfaen" panose="010A0502050306030303" pitchFamily="18" charset="0"/>
+              </a:rPr>
+              <a:t>public String </a:t>
+            </a:r>
+            <a:r>
+              <a:rPr lang="en-US" sz="3000" dirty="0" err="1">
+                <a:effectLst>
+                  <a:outerShdw blurRad="38100" dist="38100" dir="2700000" algn="tl">
+                    <a:srgbClr val="000000">
+                      <a:alpha val="43137"/>
+                    </a:srgbClr>
+                  </a:outerShdw>
+                </a:effectLst>
+                <a:latin typeface="Sylfaen" panose="010A0502050306030303" pitchFamily="18" charset="0"/>
+              </a:rPr>
+              <a:t>getDriverName</a:t>
+            </a:r>
+            <a:r>
+              <a:rPr lang="en-US" sz="3000" dirty="0">
+                <a:effectLst>
+                  <a:outerShdw blurRad="38100" dist="38100" dir="2700000" algn="tl">
+                    <a:srgbClr val="000000">
+                      <a:alpha val="43137"/>
+                    </a:srgbClr>
+                  </a:outerShdw>
+                </a:effectLst>
+                <a:latin typeface="Sylfaen" panose="010A0502050306030303" pitchFamily="18" charset="0"/>
+              </a:rPr>
+              <a:t>() </a:t>
+            </a:r>
+          </a:p>
+          <a:p>
+            <a:pPr marL="0" indent="0" algn="just">
+              <a:lnSpc>
+                <a:spcPct val="200000"/>
+              </a:lnSpc>
+              <a:buNone/>
+            </a:pPr>
+            <a:r>
+              <a:rPr lang="en-US" sz="3000" dirty="0">
+                <a:effectLst>
+                  <a:outerShdw blurRad="38100" dist="38100" dir="2700000" algn="tl">
+                    <a:srgbClr val="000000">
+                      <a:alpha val="43137"/>
+                    </a:srgbClr>
+                  </a:outerShdw>
+                </a:effectLst>
+                <a:latin typeface="Sylfaen" panose="010A0502050306030303" pitchFamily="18" charset="0"/>
+              </a:rPr>
+              <a:t>public String </a:t>
+            </a:r>
+            <a:r>
+              <a:rPr lang="en-US" sz="3000" dirty="0" err="1">
+                <a:effectLst>
+                  <a:outerShdw blurRad="38100" dist="38100" dir="2700000" algn="tl">
+                    <a:srgbClr val="000000">
+                      <a:alpha val="43137"/>
+                    </a:srgbClr>
+                  </a:outerShdw>
+                </a:effectLst>
+                <a:latin typeface="Sylfaen" panose="010A0502050306030303" pitchFamily="18" charset="0"/>
+              </a:rPr>
+              <a:t>getDriverVersion</a:t>
+            </a:r>
+            <a:r>
+              <a:rPr lang="en-US" sz="3000" dirty="0">
+                <a:effectLst>
+                  <a:outerShdw blurRad="38100" dist="38100" dir="2700000" algn="tl">
+                    <a:srgbClr val="000000">
+                      <a:alpha val="43137"/>
+                    </a:srgbClr>
+                  </a:outerShdw>
+                </a:effectLst>
+                <a:latin typeface="Sylfaen" panose="010A0502050306030303" pitchFamily="18" charset="0"/>
+              </a:rPr>
+              <a:t>() </a:t>
+            </a:r>
+          </a:p>
+          <a:p>
+            <a:pPr marL="0" indent="0" algn="just">
+              <a:lnSpc>
+                <a:spcPct val="200000"/>
+              </a:lnSpc>
+              <a:buNone/>
+            </a:pPr>
+            <a:r>
+              <a:rPr lang="en-US" sz="3000" dirty="0">
+                <a:effectLst>
+                  <a:outerShdw blurRad="38100" dist="38100" dir="2700000" algn="tl">
+                    <a:srgbClr val="000000">
+                      <a:alpha val="43137"/>
+                    </a:srgbClr>
+                  </a:outerShdw>
+                </a:effectLst>
+                <a:latin typeface="Sylfaen" panose="010A0502050306030303" pitchFamily="18" charset="0"/>
+              </a:rPr>
+              <a:t>public String </a:t>
+            </a:r>
+            <a:r>
+              <a:rPr lang="en-US" sz="3000" dirty="0" err="1">
+                <a:effectLst>
+                  <a:outerShdw blurRad="38100" dist="38100" dir="2700000" algn="tl">
+                    <a:srgbClr val="000000">
+                      <a:alpha val="43137"/>
+                    </a:srgbClr>
+                  </a:outerShdw>
+                </a:effectLst>
+                <a:latin typeface="Sylfaen" panose="010A0502050306030303" pitchFamily="18" charset="0"/>
+              </a:rPr>
+              <a:t>getUserName</a:t>
+            </a:r>
+            <a:r>
+              <a:rPr lang="en-US" sz="3000" dirty="0">
+                <a:effectLst>
+                  <a:outerShdw blurRad="38100" dist="38100" dir="2700000" algn="tl">
+                    <a:srgbClr val="000000">
+                      <a:alpha val="43137"/>
+                    </a:srgbClr>
+                  </a:outerShdw>
+                </a:effectLst>
+                <a:latin typeface="Sylfaen" panose="010A0502050306030303" pitchFamily="18" charset="0"/>
+              </a:rPr>
+              <a:t>() </a:t>
+            </a:r>
+          </a:p>
+          <a:p>
+            <a:pPr marL="0" indent="0" algn="just">
+              <a:lnSpc>
+                <a:spcPct val="200000"/>
+              </a:lnSpc>
+              <a:buNone/>
+            </a:pPr>
+            <a:r>
+              <a:rPr lang="en-US" sz="3000" dirty="0">
+                <a:effectLst>
+                  <a:outerShdw blurRad="38100" dist="38100" dir="2700000" algn="tl">
+                    <a:srgbClr val="000000">
+                      <a:alpha val="43137"/>
+                    </a:srgbClr>
+                  </a:outerShdw>
+                </a:effectLst>
+                <a:latin typeface="Sylfaen" panose="010A0502050306030303" pitchFamily="18" charset="0"/>
+              </a:rPr>
+              <a:t>public String </a:t>
+            </a:r>
+            <a:r>
+              <a:rPr lang="en-US" sz="3000" dirty="0" err="1">
+                <a:effectLst>
+                  <a:outerShdw blurRad="38100" dist="38100" dir="2700000" algn="tl">
+                    <a:srgbClr val="000000">
+                      <a:alpha val="43137"/>
+                    </a:srgbClr>
+                  </a:outerShdw>
+                </a:effectLst>
+                <a:latin typeface="Sylfaen" panose="010A0502050306030303" pitchFamily="18" charset="0"/>
+              </a:rPr>
+              <a:t>getDatabaseProductName</a:t>
+            </a:r>
+            <a:r>
+              <a:rPr lang="en-US" sz="3000" dirty="0">
+                <a:effectLst>
+                  <a:outerShdw blurRad="38100" dist="38100" dir="2700000" algn="tl">
+                    <a:srgbClr val="000000">
+                      <a:alpha val="43137"/>
+                    </a:srgbClr>
+                  </a:outerShdw>
+                </a:effectLst>
+                <a:latin typeface="Sylfaen" panose="010A0502050306030303" pitchFamily="18" charset="0"/>
+              </a:rPr>
+              <a:t>() </a:t>
+            </a:r>
+          </a:p>
+          <a:p>
+            <a:pPr marL="0" indent="0" algn="just">
+              <a:lnSpc>
+                <a:spcPct val="200000"/>
+              </a:lnSpc>
+              <a:buNone/>
+            </a:pPr>
+            <a:r>
+              <a:rPr lang="en-US" sz="3000" dirty="0">
+                <a:effectLst>
+                  <a:outerShdw blurRad="38100" dist="38100" dir="2700000" algn="tl">
+                    <a:srgbClr val="000000">
+                      <a:alpha val="43137"/>
+                    </a:srgbClr>
+                  </a:outerShdw>
+                </a:effectLst>
+                <a:latin typeface="Sylfaen" panose="010A0502050306030303" pitchFamily="18" charset="0"/>
+              </a:rPr>
+              <a:t>public String </a:t>
+            </a:r>
+            <a:r>
+              <a:rPr lang="en-US" sz="3000" dirty="0" err="1">
+                <a:effectLst>
+                  <a:outerShdw blurRad="38100" dist="38100" dir="2700000" algn="tl">
+                    <a:srgbClr val="000000">
+                      <a:alpha val="43137"/>
+                    </a:srgbClr>
+                  </a:outerShdw>
+                </a:effectLst>
+                <a:latin typeface="Sylfaen" panose="010A0502050306030303" pitchFamily="18" charset="0"/>
+              </a:rPr>
+              <a:t>getDatabaseProductVersion</a:t>
+            </a:r>
+            <a:r>
+              <a:rPr lang="en-US" sz="3000" dirty="0">
+                <a:effectLst>
+                  <a:outerShdw blurRad="38100" dist="38100" dir="2700000" algn="tl">
+                    <a:srgbClr val="000000">
+                      <a:alpha val="43137"/>
+                    </a:srgbClr>
+                  </a:outerShdw>
+                </a:effectLst>
+                <a:latin typeface="Sylfaen" panose="010A0502050306030303" pitchFamily="18" charset="0"/>
+              </a:rPr>
+              <a:t>()</a:t>
+            </a:r>
+            <a:endParaRPr lang="en-US" dirty="0"/>
+          </a:p>
+        </p:txBody>
+      </p:sp>
+      <p:cxnSp>
+        <p:nvCxnSpPr>
+          <p:cNvPr id="4" name="Straight Connector 3">
+            <a:extLst>
+              <a:ext uri="{FF2B5EF4-FFF2-40B4-BE49-F238E27FC236}">
+                <a16:creationId xmlns:a16="http://schemas.microsoft.com/office/drawing/2014/main" id="{A9B24864-64A4-4C5B-B68E-2C9AE543BD89}"/>
+              </a:ext>
+            </a:extLst>
+          </p:cNvPr>
+          <p:cNvCxnSpPr>
+            <a:cxnSpLocks/>
+          </p:cNvCxnSpPr>
+          <p:nvPr/>
+        </p:nvCxnSpPr>
+        <p:spPr>
+          <a:xfrm>
+            <a:off x="569235" y="1216117"/>
+            <a:ext cx="11053530" cy="0"/>
+          </a:xfrm>
+          <a:prstGeom prst="line">
+            <a:avLst/>
+          </a:prstGeom>
+        </p:spPr>
+        <p:style>
+          <a:lnRef idx="3">
+            <a:schemeClr val="accent1"/>
+          </a:lnRef>
+          <a:fillRef idx="0">
+            <a:schemeClr val="accent1"/>
+          </a:fillRef>
+          <a:effectRef idx="2">
+            <a:schemeClr val="accent1"/>
+          </a:effectRef>
+          <a:fontRef idx="minor">
+            <a:schemeClr val="tx1"/>
+          </a:fontRef>
+        </p:style>
+      </p:cxnSp>
+    </p:spTree>
+    <p:extLst>
+      <p:ext uri="{BB962C8B-B14F-4D97-AF65-F5344CB8AC3E}">
+        <p14:creationId xmlns:p14="http://schemas.microsoft.com/office/powerpoint/2010/main" val="1171172755"/>
+      </p:ext>
+    </p:extLst>
+  </p:cSld>
+  <p:clrMapOvr>
+    <a:masterClrMapping/>
+  </p:clrMapOvr>
+</p:sld>
+</file>
+
+<file path=ppt/slides/slide12.xml><?xml version="1.0" encoding="utf-8"?>
+<p:sld xmlns:a="http://schemas.openxmlformats.org/drawingml/2006/main" xmlns:r="http://schemas.openxmlformats.org/officeDocument/2006/relationships" xmlns:p="http://schemas.openxmlformats.org/presentationml/2006/main">
+  <p:cSld>
+    <p:spTree>
+      <p:nvGrpSpPr>
+        <p:cNvPr id="1" name=""/>
+        <p:cNvGrpSpPr/>
+        <p:nvPr/>
+      </p:nvGrpSpPr>
+      <p:grpSpPr>
+        <a:xfrm>
+          <a:off x="0" y="0"/>
+          <a:ext cx="0" cy="0"/>
+          <a:chOff x="0" y="0"/>
+          <a:chExt cx="0" cy="0"/>
+        </a:xfrm>
+      </p:grpSpPr>
+      <p:sp>
+        <p:nvSpPr>
+          <p:cNvPr id="2" name="Title 1">
+            <a:extLst>
+              <a:ext uri="{FF2B5EF4-FFF2-40B4-BE49-F238E27FC236}">
                 <a16:creationId xmlns:a16="http://schemas.microsoft.com/office/drawing/2014/main" id="{EF1CB363-AE19-4CCD-8875-55481AB82B37}"/>
               </a:ext>
             </a:extLst>
@@ -3922,16 +4213,10 @@
           <a:p>
             <a:pPr algn="ctr"/>
             <a:r>
-              <a:rPr lang="en-US" dirty="0" err="1">
-                <a:latin typeface="Sylfaen" panose="010A0502050306030303" pitchFamily="18" charset="0"/>
-              </a:rPr>
-              <a:t>RsultSetMetadata</a:t>
-            </a:r>
-            <a:r>
               <a:rPr lang="en-US" dirty="0">
                 <a:latin typeface="Sylfaen" panose="010A0502050306030303" pitchFamily="18" charset="0"/>
               </a:rPr>
-              <a:t> interface</a:t>
+              <a:t>Binary information store and retrieve</a:t>
             </a:r>
             <a:endParaRPr lang="en-US" dirty="0"/>
           </a:p>
@@ -3953,12 +4238,22 @@
             <p:ph idx="1"/>
           </p:nvPr>
         </p:nvSpPr>
-        <p:spPr/>
+        <p:spPr>
+          <a:xfrm>
+            <a:off x="414752" y="1153486"/>
+            <a:ext cx="11362496" cy="5481774"/>
+          </a:xfrm>
+        </p:spPr>
         <p:txBody>
-          <a:bodyPr/>
+          <a:bodyPr>
+            <a:normAutofit/>
+          </a:bodyPr>
           <a:lstStyle/>
           <a:p>
             <a:pPr marL="0" indent="0">
+              <a:lnSpc>
+                <a:spcPct val="150000"/>
+              </a:lnSpc>
               <a:buNone/>
             </a:pPr>
             <a:r>
@@ -3990,6 +4285,9 @@
           </a:p>
           <a:p>
             <a:pPr marL="0" indent="0">
+              <a:lnSpc>
+                <a:spcPct val="150000"/>
+              </a:lnSpc>
               <a:buNone/>
             </a:pPr>
             <a:r>
@@ -4016,7 +4314,7 @@
                 </a:effectLst>
                 <a:latin typeface="Sylfaen" panose="010A0502050306030303" pitchFamily="18" charset="0"/>
               </a:rPr>
-              <a:t>(int  </a:t>
+              <a:t>(int </a:t>
             </a:r>
             <a:r>
               <a:rPr lang="en-US" sz="3000" dirty="0" err="1">
@@ -4081,25 +4379,93 @@
                 </a:effectLst>
                 <a:latin typeface="Sylfaen" panose="010A0502050306030303" pitchFamily="18" charset="0"/>
               </a:rPr>
-              <a:t>stream)</a:t>
+              <a:t>stream);</a:t>
             </a:r>
           </a:p>
           <a:p>
             <a:pPr marL="0" indent="0">
+              <a:lnSpc>
+                <a:spcPct val="150000"/>
+              </a:lnSpc>
               <a:buNone/>
             </a:pPr>
             <a:r>
-              <a:rPr lang="en-US" sz="3000" dirty="0">
-                <a:effectLst>
-                  <a:outerShdw blurRad="38100" dist="38100" dir="2700000" algn="tl">
-                    <a:srgbClr val="000000">
-                      <a:alpha val="43137"/>
-                    </a:srgbClr>
-                  </a:outerShdw>
-                </a:effectLst>
-                <a:latin typeface="Sylfaen" panose="010A0502050306030303" pitchFamily="18" charset="0"/>
-              </a:rPr>
-              <a:t>BLOB  (binary large object)</a:t>
+              <a:rPr lang="en-US" sz="3000" dirty="0" err="1">
+                <a:effectLst>
+                  <a:outerShdw blurRad="38100" dist="38100" dir="2700000" algn="tl">
+                    <a:srgbClr val="000000">
+                      <a:alpha val="43137"/>
+                    </a:srgbClr>
+                  </a:outerShdw>
+                </a:effectLst>
+                <a:latin typeface="Sylfaen" panose="010A0502050306030303" pitchFamily="18" charset="0"/>
+              </a:rPr>
+              <a:t>preparedStatement.setBinaryStream</a:t>
+            </a:r>
+            <a:r>
+              <a:rPr lang="en-US" sz="3000" dirty="0">
+                <a:effectLst>
+                  <a:outerShdw blurRad="38100" dist="38100" dir="2700000" algn="tl">
+                    <a:srgbClr val="000000">
+                      <a:alpha val="43137"/>
+                    </a:srgbClr>
+                  </a:outerShdw>
+                </a:effectLst>
+                <a:latin typeface="Sylfaen" panose="010A0502050306030303" pitchFamily="18" charset="0"/>
+              </a:rPr>
+              <a:t>(1, new </a:t>
+            </a:r>
+            <a:r>
+              <a:rPr lang="en-US" sz="3000" dirty="0" err="1">
+                <a:effectLst>
+                  <a:outerShdw blurRad="38100" dist="38100" dir="2700000" algn="tl">
+                    <a:srgbClr val="000000">
+                      <a:alpha val="43137"/>
+                    </a:srgbClr>
+                  </a:outerShdw>
+                </a:effectLst>
+                <a:latin typeface="Sylfaen" panose="010A0502050306030303" pitchFamily="18" charset="0"/>
+              </a:rPr>
+              <a:t>FileInpuStream</a:t>
+            </a:r>
+            <a:r>
+              <a:rPr lang="en-US" sz="3000" dirty="0">
+                <a:effectLst>
+                  <a:outerShdw blurRad="38100" dist="38100" dir="2700000" algn="tl">
+                    <a:srgbClr val="000000">
+                      <a:alpha val="43137"/>
+                    </a:srgbClr>
+                  </a:outerShdw>
+                </a:effectLst>
+                <a:latin typeface="Sylfaen" panose="010A0502050306030303" pitchFamily="18" charset="0"/>
+              </a:rPr>
+              <a:t>(</a:t>
+            </a:r>
+            <a:r>
+              <a:rPr lang="en-US" sz="3000" dirty="0" err="1">
+                <a:effectLst>
+                  <a:outerShdw blurRad="38100" dist="38100" dir="2700000" algn="tl">
+                    <a:srgbClr val="000000">
+                      <a:alpha val="43137"/>
+                    </a:srgbClr>
+                  </a:outerShdw>
+                </a:effectLst>
+                <a:latin typeface="Sylfaen" panose="010A0502050306030303" pitchFamily="18" charset="0"/>
+              </a:rPr>
+              <a:t>filePath</a:t>
+            </a:r>
+            <a:r>
+              <a:rPr lang="en-US" sz="3000" dirty="0">
+                <a:effectLst>
+                  <a:outerShdw blurRad="38100" dist="38100" dir="2700000" algn="tl">
+                    <a:srgbClr val="000000">
+                      <a:alpha val="43137"/>
+                    </a:srgbClr>
+                  </a:outerShdw>
+                </a:effectLst>
+                <a:latin typeface="Sylfaen" panose="010A0502050306030303" pitchFamily="18" charset="0"/>
+              </a:rPr>
+              <a:t>);</a:t>
             </a:r>
           </a:p>
           <a:p>
@@ -4119,48 +4485,257 @@
           </a:p>
           <a:p>
             <a:pPr marL="0" indent="0">
+              <a:lnSpc>
+                <a:spcPct val="150000"/>
+              </a:lnSpc>
               <a:buNone/>
             </a:pPr>
             <a:r>
-              <a:rPr lang="en-US" sz="2000" b="1" i="0" dirty="0">
+              <a:rPr lang="en-US" sz="3000" dirty="0">
+                <a:effectLst>
+                  <a:outerShdw blurRad="38100" dist="38100" dir="2700000" algn="tl">
+                    <a:srgbClr val="000000">
+                      <a:alpha val="43137"/>
+                    </a:srgbClr>
+                  </a:outerShdw>
+                </a:effectLst>
+                <a:latin typeface="Sylfaen" panose="010A0502050306030303" pitchFamily="18" charset="0"/>
+              </a:rPr>
+              <a:t>Blob </a:t>
+            </a:r>
+            <a:r>
+              <a:rPr lang="en-US" sz="3000" dirty="0" err="1">
+                <a:effectLst>
+                  <a:outerShdw blurRad="38100" dist="38100" dir="2700000" algn="tl">
+                    <a:srgbClr val="000000">
+                      <a:alpha val="43137"/>
+                    </a:srgbClr>
+                  </a:outerShdw>
+                </a:effectLst>
+                <a:latin typeface="Sylfaen" panose="010A0502050306030303" pitchFamily="18" charset="0"/>
+              </a:rPr>
+              <a:t>blob</a:t>
+            </a:r>
+            <a:r>
+              <a:rPr lang="en-US" sz="3000" dirty="0">
+                <a:effectLst>
+                  <a:outerShdw blurRad="38100" dist="38100" dir="2700000" algn="tl">
+                    <a:srgbClr val="000000">
+                      <a:alpha val="43137"/>
+                    </a:srgbClr>
+                  </a:outerShdw>
+                </a:effectLst>
+                <a:latin typeface="Sylfaen" panose="010A0502050306030303" pitchFamily="18" charset="0"/>
+              </a:rPr>
+              <a:t> = </a:t>
+            </a:r>
+            <a:r>
+              <a:rPr lang="en-US" sz="3000" dirty="0" err="1">
+                <a:effectLst>
+                  <a:outerShdw blurRad="38100" dist="38100" dir="2700000" algn="tl">
+                    <a:srgbClr val="000000">
+                      <a:alpha val="43137"/>
+                    </a:srgbClr>
+                  </a:outerShdw>
+                </a:effectLst>
+                <a:latin typeface="Sylfaen" panose="010A0502050306030303" pitchFamily="18" charset="0"/>
+              </a:rPr>
+              <a:t>resultSet.getBlob</a:t>
+            </a:r>
+            <a:r>
+              <a:rPr lang="en-US" sz="3000" dirty="0">
+                <a:effectLst>
+                  <a:outerShdw blurRad="38100" dist="38100" dir="2700000" algn="tl">
+                    <a:srgbClr val="000000">
+                      <a:alpha val="43137"/>
+                    </a:srgbClr>
+                  </a:outerShdw>
+                </a:effectLst>
+                <a:latin typeface="Sylfaen" panose="010A0502050306030303" pitchFamily="18" charset="0"/>
+              </a:rPr>
+              <a:t>(2);</a:t>
+            </a:r>
+          </a:p>
+          <a:p>
+            <a:pPr marL="0" indent="0">
+              <a:lnSpc>
+                <a:spcPct val="150000"/>
+              </a:lnSpc>
+              <a:buNone/>
+            </a:pPr>
+            <a:r>
+              <a:rPr lang="en-US" sz="3000" dirty="0">
                 <a:solidFill>
-                  <a:srgbClr val="006699"/>
+                  <a:srgbClr val="FF0000"/>
                 </a:solidFill>
-                <a:effectLst/>
-                <a:latin typeface="inter-regular"/>
-              </a:rPr>
-              <a:t>public</a:t>
-            </a:r>
-            <a:r>
-              <a:rPr lang="en-US" sz="2000" b="0" i="0" dirty="0">
+                <a:effectLst>
+                  <a:outerShdw blurRad="38100" dist="38100" dir="2700000" algn="tl">
+                    <a:srgbClr val="000000">
+                      <a:alpha val="43137"/>
+                    </a:srgbClr>
+                  </a:outerShdw>
+                </a:effectLst>
+                <a:latin typeface="Sylfaen" panose="010A0502050306030303" pitchFamily="18" charset="0"/>
+              </a:rPr>
+              <a:t>Byte [] bytes = </a:t>
+            </a:r>
+            <a:r>
+              <a:rPr lang="en-US" sz="3000" dirty="0" err="1">
                 <a:solidFill>
-                  <a:srgbClr val="000000"/>
+                  <a:srgbClr val="FF0000"/>
                 </a:solidFill>
-                <a:effectLst/>
-                <a:latin typeface="inter-regular"/>
-              </a:rPr>
-              <a:t> Blob </a:t>
-            </a:r>
-            <a:r>
-              <a:rPr lang="en-US" sz="2000" b="0" i="0" dirty="0" err="1">
+                <a:effectLst>
+                  <a:outerShdw blurRad="38100" dist="38100" dir="2700000" algn="tl">
+                    <a:srgbClr val="000000">
+                      <a:alpha val="43137"/>
+                    </a:srgbClr>
+                  </a:outerShdw>
+                </a:effectLst>
+                <a:latin typeface="Sylfaen" panose="010A0502050306030303" pitchFamily="18" charset="0"/>
+              </a:rPr>
+              <a:t>blob.getBytes</a:t>
+            </a:r>
+            <a:r>
+              <a:rPr lang="en-US" sz="3000" dirty="0">
                 <a:solidFill>
-                  <a:srgbClr val="000000"/>
+                  <a:srgbClr val="FF0000"/>
                 </a:solidFill>
-                <a:effectLst/>
-                <a:latin typeface="inter-regular"/>
-              </a:rPr>
-              <a:t>getBlob</a:t>
-            </a:r>
-            <a:r>
-              <a:rPr lang="en-US" sz="2000" b="0" i="0" dirty="0">
+                <a:effectLst>
+                  <a:outerShdw blurRad="38100" dist="38100" dir="2700000" algn="tl">
+                    <a:srgbClr val="000000">
+                      <a:alpha val="43137"/>
+                    </a:srgbClr>
+                  </a:outerShdw>
+                </a:effectLst>
+                <a:latin typeface="Sylfaen" panose="010A0502050306030303" pitchFamily="18" charset="0"/>
+              </a:rPr>
+              <a:t>(1, </a:t>
+            </a:r>
+            <a:r>
+              <a:rPr lang="en-US" sz="3000" dirty="0" err="1">
                 <a:solidFill>
-                  <a:srgbClr val="000000"/>
+                  <a:srgbClr val="FF0000"/>
                 </a:solidFill>
-                <a:effectLst/>
-                <a:latin typeface="inter-regular"/>
-              </a:rPr>
-              <a:t>()</a:t>
-            </a:r>
+                <a:effectLst>
+                  <a:outerShdw blurRad="38100" dist="38100" dir="2700000" algn="tl">
+                    <a:srgbClr val="000000">
+                      <a:alpha val="43137"/>
+                    </a:srgbClr>
+                  </a:outerShdw>
+                </a:effectLst>
+                <a:latin typeface="Sylfaen" panose="010A0502050306030303" pitchFamily="18" charset="0"/>
+              </a:rPr>
+              <a:t>blob.length</a:t>
+            </a:r>
+            <a:r>
+              <a:rPr lang="en-US" sz="3000" dirty="0">
+                <a:solidFill>
+                  <a:srgbClr val="FF0000"/>
+                </a:solidFill>
+                <a:effectLst>
+                  <a:outerShdw blurRad="38100" dist="38100" dir="2700000" algn="tl">
+                    <a:srgbClr val="000000">
+                      <a:alpha val="43137"/>
+                    </a:srgbClr>
+                  </a:outerShdw>
+                </a:effectLst>
+                <a:latin typeface="Sylfaen" panose="010A0502050306030303" pitchFamily="18" charset="0"/>
+              </a:rPr>
+              <a:t>());</a:t>
+            </a:r>
+          </a:p>
+          <a:p>
+            <a:pPr marL="0" indent="0">
+              <a:lnSpc>
+                <a:spcPct val="150000"/>
+              </a:lnSpc>
+              <a:buNone/>
+            </a:pPr>
+            <a:r>
+              <a:rPr lang="en-US" sz="3000" dirty="0">
+                <a:solidFill>
+                  <a:srgbClr val="FF0000"/>
+                </a:solidFill>
+                <a:effectLst>
+                  <a:outerShdw blurRad="38100" dist="38100" dir="2700000" algn="tl">
+                    <a:srgbClr val="000000">
+                      <a:alpha val="43137"/>
+                    </a:srgbClr>
+                  </a:outerShdw>
+                </a:effectLst>
+                <a:latin typeface="Sylfaen" panose="010A0502050306030303" pitchFamily="18" charset="0"/>
+              </a:rPr>
+              <a:t>new </a:t>
+            </a:r>
+            <a:r>
+              <a:rPr lang="en-US" sz="3000" dirty="0" err="1">
+                <a:solidFill>
+                  <a:srgbClr val="FF0000"/>
+                </a:solidFill>
+                <a:effectLst>
+                  <a:outerShdw blurRad="38100" dist="38100" dir="2700000" algn="tl">
+                    <a:srgbClr val="000000">
+                      <a:alpha val="43137"/>
+                    </a:srgbClr>
+                  </a:outerShdw>
+                </a:effectLst>
+                <a:latin typeface="Sylfaen" panose="010A0502050306030303" pitchFamily="18" charset="0"/>
+              </a:rPr>
+              <a:t>FileOutputStream</a:t>
+            </a:r>
+            <a:r>
+              <a:rPr lang="en-US" sz="3000" dirty="0">
+                <a:solidFill>
+                  <a:srgbClr val="FF0000"/>
+                </a:solidFill>
+                <a:effectLst>
+                  <a:outerShdw blurRad="38100" dist="38100" dir="2700000" algn="tl">
+                    <a:srgbClr val="000000">
+                      <a:alpha val="43137"/>
+                    </a:srgbClr>
+                  </a:outerShdw>
+                </a:effectLst>
+                <a:latin typeface="Sylfaen" panose="010A0502050306030303" pitchFamily="18" charset="0"/>
+              </a:rPr>
+              <a:t>(</a:t>
+            </a:r>
+            <a:r>
+              <a:rPr lang="en-US" sz="3000" dirty="0" err="1">
+                <a:solidFill>
+                  <a:srgbClr val="FF0000"/>
+                </a:solidFill>
+                <a:effectLst>
+                  <a:outerShdw blurRad="38100" dist="38100" dir="2700000" algn="tl">
+                    <a:srgbClr val="000000">
+                      <a:alpha val="43137"/>
+                    </a:srgbClr>
+                  </a:outerShdw>
+                </a:effectLst>
+                <a:latin typeface="Sylfaen" panose="010A0502050306030303" pitchFamily="18" charset="0"/>
+              </a:rPr>
+              <a:t>filePath</a:t>
+            </a:r>
+            <a:r>
+              <a:rPr lang="en-US" sz="3000" dirty="0">
+                <a:solidFill>
+                  <a:srgbClr val="FF0000"/>
+                </a:solidFill>
+                <a:effectLst>
+                  <a:outerShdw blurRad="38100" dist="38100" dir="2700000" algn="tl">
+                    <a:srgbClr val="000000">
+                      <a:alpha val="43137"/>
+                    </a:srgbClr>
+                  </a:outerShdw>
+                </a:effectLst>
+                <a:latin typeface="Sylfaen" panose="010A0502050306030303" pitchFamily="18" charset="0"/>
+              </a:rPr>
+              <a:t>).write(bytes);</a:t>
+            </a:r>
+          </a:p>
+          <a:p>
+            <a:pPr marL="0" indent="0">
+              <a:buNone/>
+            </a:pPr>
             <a:endParaRPr lang="en-US" sz="3000" dirty="0">
               <a:effectLst>
                 <a:outerShdw blurRad="38100" dist="38100" dir="2700000" algn="tl">
@@ -4172,12 +4747,1519 @@
               <a:latin typeface="Sylfaen" panose="010A0502050306030303" pitchFamily="18" charset="0"/>
             </a:endParaRPr>
           </a:p>
+          <a:p>
+            <a:pPr marL="0" indent="0">
+              <a:buNone/>
+            </a:pPr>
+            <a:endParaRPr lang="en-US" sz="3000" dirty="0">
+              <a:effectLst>
+                <a:outerShdw blurRad="38100" dist="38100" dir="2700000" algn="tl">
+                  <a:srgbClr val="000000">
+                    <a:alpha val="43137"/>
+                  </a:srgbClr>
+                </a:outerShdw>
+              </a:effectLst>
+              <a:latin typeface="Sylfaen" panose="010A0502050306030303" pitchFamily="18" charset="0"/>
+            </a:endParaRPr>
+          </a:p>
+          <a:p>
+            <a:pPr marL="0" indent="0">
+              <a:buNone/>
+            </a:pPr>
+            <a:endParaRPr lang="en-US" sz="3000" dirty="0">
+              <a:effectLst>
+                <a:outerShdw blurRad="38100" dist="38100" dir="2700000" algn="tl">
+                  <a:srgbClr val="000000">
+                    <a:alpha val="43137"/>
+                  </a:srgbClr>
+                </a:outerShdw>
+              </a:effectLst>
+              <a:latin typeface="Sylfaen" panose="010A0502050306030303" pitchFamily="18" charset="0"/>
+            </a:endParaRPr>
+          </a:p>
         </p:txBody>
       </p:sp>
+      <p:cxnSp>
+        <p:nvCxnSpPr>
+          <p:cNvPr id="4" name="Straight Connector 3">
+            <a:extLst>
+              <a:ext uri="{FF2B5EF4-FFF2-40B4-BE49-F238E27FC236}">
+                <a16:creationId xmlns:a16="http://schemas.microsoft.com/office/drawing/2014/main" id="{A4092EAC-35C3-4D14-AFCA-D5B718855F1F}"/>
+              </a:ext>
+            </a:extLst>
+          </p:cNvPr>
+          <p:cNvCxnSpPr>
+            <a:cxnSpLocks/>
+          </p:cNvCxnSpPr>
+          <p:nvPr/>
+        </p:nvCxnSpPr>
+        <p:spPr>
+          <a:xfrm>
+            <a:off x="569235" y="1153486"/>
+            <a:ext cx="11053530" cy="0"/>
+          </a:xfrm>
+          <a:prstGeom prst="line">
+            <a:avLst/>
+          </a:prstGeom>
+        </p:spPr>
+        <p:style>
+          <a:lnRef idx="3">
+            <a:schemeClr val="accent1"/>
+          </a:lnRef>
+          <a:fillRef idx="0">
+            <a:schemeClr val="accent1"/>
+          </a:fillRef>
+          <a:effectRef idx="2">
+            <a:schemeClr val="accent1"/>
+          </a:effectRef>
+          <a:fontRef idx="minor">
+            <a:schemeClr val="tx1"/>
+          </a:fontRef>
+        </p:style>
+      </p:cxnSp>
     </p:spTree>
     <p:extLst>
       <p:ext uri="{BB962C8B-B14F-4D97-AF65-F5344CB8AC3E}">
         <p14:creationId xmlns:p14="http://schemas.microsoft.com/office/powerpoint/2010/main" val="3433665099"/>
+      </p:ext>
+    </p:extLst>
+  </p:cSld>
+  <p:clrMapOvr>
+    <a:masterClrMapping/>
+  </p:clrMapOvr>
+</p:sld>
+</file>
+
+<file path=ppt/slides/slide13.xml><?xml version="1.0" encoding="utf-8"?>
+<p:sld xmlns:a="http://schemas.openxmlformats.org/drawingml/2006/main" xmlns:r="http://schemas.openxmlformats.org/officeDocument/2006/relationships" xmlns:p="http://schemas.openxmlformats.org/presentationml/2006/main">
+  <p:cSld>
+    <p:spTree>
+      <p:nvGrpSpPr>
+        <p:cNvPr id="1" name=""/>
+        <p:cNvGrpSpPr/>
+        <p:nvPr/>
+      </p:nvGrpSpPr>
+      <p:grpSpPr>
+        <a:xfrm>
+          <a:off x="0" y="0"/>
+          <a:ext cx="0" cy="0"/>
+          <a:chOff x="0" y="0"/>
+          <a:chExt cx="0" cy="0"/>
+        </a:xfrm>
+      </p:grpSpPr>
+      <p:sp>
+        <p:nvSpPr>
+          <p:cNvPr id="2" name="Title 1">
+            <a:extLst>
+              <a:ext uri="{FF2B5EF4-FFF2-40B4-BE49-F238E27FC236}">
+                <a16:creationId xmlns:a16="http://schemas.microsoft.com/office/drawing/2014/main" id="{EE29D03F-DB8F-48E6-8360-F3DF90B336BB}"/>
+              </a:ext>
+            </a:extLst>
+          </p:cNvPr>
+          <p:cNvSpPr>
+            <a:spLocks noGrp="1"/>
+          </p:cNvSpPr>
+          <p:nvPr>
+            <p:ph type="title"/>
+          </p:nvPr>
+        </p:nvSpPr>
+        <p:spPr>
+          <a:xfrm>
+            <a:off x="838200" y="-98338"/>
+            <a:ext cx="10515600" cy="1325563"/>
+          </a:xfrm>
+        </p:spPr>
+        <p:txBody>
+          <a:bodyPr/>
+          <a:lstStyle/>
+          <a:p>
+            <a:pPr algn="ctr"/>
+            <a:r>
+              <a:rPr lang="en-US" dirty="0">
+                <a:latin typeface="Sylfaen" panose="010A0502050306030303" pitchFamily="18" charset="0"/>
+              </a:rPr>
+              <a:t>File store and retrieve</a:t>
+            </a:r>
+            <a:endParaRPr lang="en-US" dirty="0"/>
+          </a:p>
+        </p:txBody>
+      </p:sp>
+      <p:sp>
+        <p:nvSpPr>
+          <p:cNvPr id="3" name="Content Placeholder 2">
+            <a:extLst>
+              <a:ext uri="{FF2B5EF4-FFF2-40B4-BE49-F238E27FC236}">
+                <a16:creationId xmlns:a16="http://schemas.microsoft.com/office/drawing/2014/main" id="{5319786D-F613-4361-AD5C-A660A781C4DA}"/>
+              </a:ext>
+            </a:extLst>
+          </p:cNvPr>
+          <p:cNvSpPr>
+            <a:spLocks noGrp="1"/>
+          </p:cNvSpPr>
+          <p:nvPr>
+            <p:ph idx="1"/>
+          </p:nvPr>
+        </p:nvSpPr>
+        <p:spPr>
+          <a:xfrm>
+            <a:off x="569235" y="1227224"/>
+            <a:ext cx="11330491" cy="5399035"/>
+          </a:xfrm>
+        </p:spPr>
+        <p:txBody>
+          <a:bodyPr>
+            <a:normAutofit/>
+          </a:bodyPr>
+          <a:lstStyle/>
+          <a:p>
+            <a:pPr marL="0" indent="0">
+              <a:lnSpc>
+                <a:spcPct val="150000"/>
+              </a:lnSpc>
+              <a:buNone/>
+            </a:pPr>
+            <a:r>
+              <a:rPr lang="en-US" sz="3000" dirty="0" err="1">
+                <a:effectLst>
+                  <a:outerShdw blurRad="38100" dist="38100" dir="2700000" algn="tl">
+                    <a:srgbClr val="000000">
+                      <a:alpha val="43137"/>
+                    </a:srgbClr>
+                  </a:outerShdw>
+                </a:effectLst>
+                <a:latin typeface="Sylfaen" panose="010A0502050306030303" pitchFamily="18" charset="0"/>
+              </a:rPr>
+              <a:t>PreparedStatement</a:t>
+            </a:r>
+            <a:r>
+              <a:rPr lang="en-US" sz="3000" dirty="0">
+                <a:effectLst>
+                  <a:outerShdw blurRad="38100" dist="38100" dir="2700000" algn="tl">
+                    <a:srgbClr val="000000">
+                      <a:alpha val="43137"/>
+                    </a:srgbClr>
+                  </a:outerShdw>
+                </a:effectLst>
+                <a:latin typeface="Sylfaen" panose="010A0502050306030303" pitchFamily="18" charset="0"/>
+              </a:rPr>
+              <a:t> </a:t>
+            </a:r>
+          </a:p>
+          <a:p>
+            <a:pPr marL="0" indent="0">
+              <a:lnSpc>
+                <a:spcPct val="150000"/>
+              </a:lnSpc>
+              <a:buNone/>
+            </a:pPr>
+            <a:r>
+              <a:rPr lang="en-US" sz="3000" dirty="0" err="1">
+                <a:effectLst>
+                  <a:outerShdw blurRad="38100" dist="38100" dir="2700000" algn="tl">
+                    <a:srgbClr val="000000">
+                      <a:alpha val="43137"/>
+                    </a:srgbClr>
+                  </a:outerShdw>
+                </a:effectLst>
+                <a:latin typeface="Sylfaen" panose="010A0502050306030303" pitchFamily="18" charset="0"/>
+              </a:rPr>
+              <a:t>setCharacterStream</a:t>
+            </a:r>
+            <a:r>
+              <a:rPr lang="en-US" sz="3000" dirty="0">
+                <a:effectLst>
+                  <a:outerShdw blurRad="38100" dist="38100" dir="2700000" algn="tl">
+                    <a:srgbClr val="000000">
+                      <a:alpha val="43137"/>
+                    </a:srgbClr>
+                  </a:outerShdw>
+                </a:effectLst>
+                <a:latin typeface="Sylfaen" panose="010A0502050306030303" pitchFamily="18" charset="0"/>
+              </a:rPr>
+              <a:t>(int </a:t>
+            </a:r>
+            <a:r>
+              <a:rPr lang="en-US" sz="3000" dirty="0" err="1">
+                <a:effectLst>
+                  <a:outerShdw blurRad="38100" dist="38100" dir="2700000" algn="tl">
+                    <a:srgbClr val="000000">
+                      <a:alpha val="43137"/>
+                    </a:srgbClr>
+                  </a:outerShdw>
+                </a:effectLst>
+                <a:latin typeface="Sylfaen" panose="010A0502050306030303" pitchFamily="18" charset="0"/>
+              </a:rPr>
+              <a:t>paramIndex</a:t>
+            </a:r>
+            <a:r>
+              <a:rPr lang="en-US" sz="3000" dirty="0">
+                <a:effectLst>
+                  <a:outerShdw blurRad="38100" dist="38100" dir="2700000" algn="tl">
+                    <a:srgbClr val="000000">
+                      <a:alpha val="43137"/>
+                    </a:srgbClr>
+                  </a:outerShdw>
+                </a:effectLst>
+                <a:latin typeface="Sylfaen" panose="010A0502050306030303" pitchFamily="18" charset="0"/>
+              </a:rPr>
+              <a:t>, </a:t>
+            </a:r>
+            <a:r>
+              <a:rPr lang="en-US" sz="3000" dirty="0" err="1">
+                <a:effectLst>
+                  <a:outerShdw blurRad="38100" dist="38100" dir="2700000" algn="tl">
+                    <a:srgbClr val="000000">
+                      <a:alpha val="43137"/>
+                    </a:srgbClr>
+                  </a:outerShdw>
+                </a:effectLst>
+                <a:latin typeface="Sylfaen" panose="010A0502050306030303" pitchFamily="18" charset="0"/>
+              </a:rPr>
+              <a:t>InputStream</a:t>
+            </a:r>
+            <a:r>
+              <a:rPr lang="ru-RU" sz="3000" dirty="0">
+                <a:effectLst>
+                  <a:outerShdw blurRad="38100" dist="38100" dir="2700000" algn="tl">
+                    <a:srgbClr val="000000">
+                      <a:alpha val="43137"/>
+                    </a:srgbClr>
+                  </a:outerShdw>
+                </a:effectLst>
+                <a:latin typeface="Sylfaen" panose="010A0502050306030303" pitchFamily="18" charset="0"/>
+              </a:rPr>
+              <a:t> </a:t>
+            </a:r>
+            <a:r>
+              <a:rPr lang="en-US" sz="3000" dirty="0">
+                <a:effectLst>
+                  <a:outerShdw blurRad="38100" dist="38100" dir="2700000" algn="tl">
+                    <a:srgbClr val="000000">
+                      <a:alpha val="43137"/>
+                    </a:srgbClr>
+                  </a:outerShdw>
+                </a:effectLst>
+                <a:latin typeface="Sylfaen" panose="010A0502050306030303" pitchFamily="18" charset="0"/>
+              </a:rPr>
+              <a:t>stream);</a:t>
+            </a:r>
+          </a:p>
+          <a:p>
+            <a:pPr marL="0" indent="0">
+              <a:lnSpc>
+                <a:spcPct val="150000"/>
+              </a:lnSpc>
+              <a:buNone/>
+            </a:pPr>
+            <a:r>
+              <a:rPr lang="en-US" sz="3000" dirty="0" err="1">
+                <a:effectLst>
+                  <a:outerShdw blurRad="38100" dist="38100" dir="2700000" algn="tl">
+                    <a:srgbClr val="000000">
+                      <a:alpha val="43137"/>
+                    </a:srgbClr>
+                  </a:outerShdw>
+                </a:effectLst>
+                <a:latin typeface="Sylfaen" panose="010A0502050306030303" pitchFamily="18" charset="0"/>
+              </a:rPr>
+              <a:t>FileReader</a:t>
+            </a:r>
+            <a:r>
+              <a:rPr lang="en-US" sz="3000" dirty="0">
+                <a:effectLst>
+                  <a:outerShdw blurRad="38100" dist="38100" dir="2700000" algn="tl">
+                    <a:srgbClr val="000000">
+                      <a:alpha val="43137"/>
+                    </a:srgbClr>
+                  </a:outerShdw>
+                </a:effectLst>
+                <a:latin typeface="Sylfaen" panose="010A0502050306030303" pitchFamily="18" charset="0"/>
+              </a:rPr>
+              <a:t> </a:t>
+            </a:r>
+            <a:r>
+              <a:rPr lang="en-US" sz="3000" dirty="0" err="1">
+                <a:effectLst>
+                  <a:outerShdw blurRad="38100" dist="38100" dir="2700000" algn="tl">
+                    <a:srgbClr val="000000">
+                      <a:alpha val="43137"/>
+                    </a:srgbClr>
+                  </a:outerShdw>
+                </a:effectLst>
+                <a:latin typeface="Sylfaen" panose="010A0502050306030303" pitchFamily="18" charset="0"/>
+              </a:rPr>
+              <a:t>fileReader</a:t>
+            </a:r>
+            <a:r>
+              <a:rPr lang="en-US" sz="3000" dirty="0">
+                <a:effectLst>
+                  <a:outerShdw blurRad="38100" dist="38100" dir="2700000" algn="tl">
+                    <a:srgbClr val="000000">
+                      <a:alpha val="43137"/>
+                    </a:srgbClr>
+                  </a:outerShdw>
+                </a:effectLst>
+                <a:latin typeface="Sylfaen" panose="010A0502050306030303" pitchFamily="18" charset="0"/>
+              </a:rPr>
+              <a:t> = new </a:t>
+            </a:r>
+            <a:r>
+              <a:rPr lang="en-US" sz="3000" dirty="0" err="1">
+                <a:effectLst>
+                  <a:outerShdw blurRad="38100" dist="38100" dir="2700000" algn="tl">
+                    <a:srgbClr val="000000">
+                      <a:alpha val="43137"/>
+                    </a:srgbClr>
+                  </a:outerShdw>
+                </a:effectLst>
+                <a:latin typeface="Sylfaen" panose="010A0502050306030303" pitchFamily="18" charset="0"/>
+              </a:rPr>
+              <a:t>FileReader</a:t>
+            </a:r>
+            <a:r>
+              <a:rPr lang="en-US" sz="3000" dirty="0">
+                <a:effectLst>
+                  <a:outerShdw blurRad="38100" dist="38100" dir="2700000" algn="tl">
+                    <a:srgbClr val="000000">
+                      <a:alpha val="43137"/>
+                    </a:srgbClr>
+                  </a:outerShdw>
+                </a:effectLst>
+                <a:latin typeface="Sylfaen" panose="010A0502050306030303" pitchFamily="18" charset="0"/>
+              </a:rPr>
+              <a:t>(new File(</a:t>
+            </a:r>
+            <a:r>
+              <a:rPr lang="en-US" sz="3000" dirty="0" err="1">
+                <a:effectLst>
+                  <a:outerShdw blurRad="38100" dist="38100" dir="2700000" algn="tl">
+                    <a:srgbClr val="000000">
+                      <a:alpha val="43137"/>
+                    </a:srgbClr>
+                  </a:outerShdw>
+                </a:effectLst>
+                <a:latin typeface="Sylfaen" panose="010A0502050306030303" pitchFamily="18" charset="0"/>
+              </a:rPr>
+              <a:t>filePath</a:t>
+            </a:r>
+            <a:r>
+              <a:rPr lang="en-US" sz="3000" dirty="0">
+                <a:effectLst>
+                  <a:outerShdw blurRad="38100" dist="38100" dir="2700000" algn="tl">
+                    <a:srgbClr val="000000">
+                      <a:alpha val="43137"/>
+                    </a:srgbClr>
+                  </a:outerShdw>
+                </a:effectLst>
+                <a:latin typeface="Sylfaen" panose="010A0502050306030303" pitchFamily="18" charset="0"/>
+              </a:rPr>
+              <a:t>))</a:t>
+            </a:r>
+          </a:p>
+          <a:p>
+            <a:pPr marL="0" indent="0">
+              <a:lnSpc>
+                <a:spcPct val="150000"/>
+              </a:lnSpc>
+              <a:buNone/>
+            </a:pPr>
+            <a:r>
+              <a:rPr lang="en-US" sz="3000" dirty="0" err="1">
+                <a:effectLst>
+                  <a:outerShdw blurRad="38100" dist="38100" dir="2700000" algn="tl">
+                    <a:srgbClr val="000000">
+                      <a:alpha val="43137"/>
+                    </a:srgbClr>
+                  </a:outerShdw>
+                </a:effectLst>
+                <a:latin typeface="Sylfaen" panose="010A0502050306030303" pitchFamily="18" charset="0"/>
+              </a:rPr>
+              <a:t>preparedStatement</a:t>
+            </a:r>
+            <a:r>
+              <a:rPr lang="en-US" sz="3000" dirty="0">
+                <a:effectLst>
+                  <a:outerShdw blurRad="38100" dist="38100" dir="2700000" algn="tl">
+                    <a:srgbClr val="000000">
+                      <a:alpha val="43137"/>
+                    </a:srgbClr>
+                  </a:outerShdw>
+                </a:effectLst>
+                <a:latin typeface="Sylfaen" panose="010A0502050306030303" pitchFamily="18" charset="0"/>
+              </a:rPr>
+              <a:t>. </a:t>
+            </a:r>
+            <a:r>
+              <a:rPr lang="en-US" sz="3000" dirty="0" err="1">
+                <a:effectLst>
+                  <a:outerShdw blurRad="38100" dist="38100" dir="2700000" algn="tl">
+                    <a:srgbClr val="000000">
+                      <a:alpha val="43137"/>
+                    </a:srgbClr>
+                  </a:outerShdw>
+                </a:effectLst>
+                <a:latin typeface="Sylfaen" panose="010A0502050306030303" pitchFamily="18" charset="0"/>
+              </a:rPr>
+              <a:t>setCharacterStream</a:t>
+            </a:r>
+            <a:r>
+              <a:rPr lang="en-US" sz="3000" dirty="0">
+                <a:effectLst>
+                  <a:outerShdw blurRad="38100" dist="38100" dir="2700000" algn="tl">
+                    <a:srgbClr val="000000">
+                      <a:alpha val="43137"/>
+                    </a:srgbClr>
+                  </a:outerShdw>
+                </a:effectLst>
+                <a:latin typeface="Sylfaen" panose="010A0502050306030303" pitchFamily="18" charset="0"/>
+              </a:rPr>
+              <a:t>(1, </a:t>
+            </a:r>
+            <a:r>
+              <a:rPr lang="en-US" sz="3000" dirty="0" err="1">
+                <a:effectLst>
+                  <a:outerShdw blurRad="38100" dist="38100" dir="2700000" algn="tl">
+                    <a:srgbClr val="000000">
+                      <a:alpha val="43137"/>
+                    </a:srgbClr>
+                  </a:outerShdw>
+                </a:effectLst>
+                <a:latin typeface="Sylfaen" panose="010A0502050306030303" pitchFamily="18" charset="0"/>
+              </a:rPr>
+              <a:t>fileReader</a:t>
+            </a:r>
+            <a:r>
+              <a:rPr lang="en-US" sz="3000" dirty="0">
+                <a:effectLst>
+                  <a:outerShdw blurRad="38100" dist="38100" dir="2700000" algn="tl">
+                    <a:srgbClr val="000000">
+                      <a:alpha val="43137"/>
+                    </a:srgbClr>
+                  </a:outerShdw>
+                </a:effectLst>
+                <a:latin typeface="Sylfaen" panose="010A0502050306030303" pitchFamily="18" charset="0"/>
+              </a:rPr>
+              <a:t>);</a:t>
+            </a:r>
+          </a:p>
+          <a:p>
+            <a:pPr marL="0" indent="0">
+              <a:buNone/>
+            </a:pPr>
+            <a:endParaRPr lang="en-US" dirty="0"/>
+          </a:p>
+          <a:p>
+            <a:pPr marL="0" indent="0">
+              <a:lnSpc>
+                <a:spcPct val="150000"/>
+              </a:lnSpc>
+              <a:buNone/>
+            </a:pPr>
+            <a:r>
+              <a:rPr lang="en-US" sz="2800" dirty="0" err="1">
+                <a:effectLst>
+                  <a:outerShdw blurRad="38100" dist="38100" dir="2700000" algn="tl">
+                    <a:srgbClr val="000000">
+                      <a:alpha val="43137"/>
+                    </a:srgbClr>
+                  </a:outerShdw>
+                </a:effectLst>
+                <a:latin typeface="Sylfaen" panose="010A0502050306030303" pitchFamily="18" charset="0"/>
+              </a:rPr>
+              <a:t>Clob</a:t>
+            </a:r>
+            <a:r>
+              <a:rPr lang="en-US" sz="2800" dirty="0">
+                <a:effectLst>
+                  <a:outerShdw blurRad="38100" dist="38100" dir="2700000" algn="tl">
+                    <a:srgbClr val="000000">
+                      <a:alpha val="43137"/>
+                    </a:srgbClr>
+                  </a:outerShdw>
+                </a:effectLst>
+                <a:latin typeface="Sylfaen" panose="010A0502050306030303" pitchFamily="18" charset="0"/>
+              </a:rPr>
+              <a:t> blob = </a:t>
+            </a:r>
+            <a:r>
+              <a:rPr lang="en-US" sz="2800" dirty="0" err="1">
+                <a:effectLst>
+                  <a:outerShdw blurRad="38100" dist="38100" dir="2700000" algn="tl">
+                    <a:srgbClr val="000000">
+                      <a:alpha val="43137"/>
+                    </a:srgbClr>
+                  </a:outerShdw>
+                </a:effectLst>
+                <a:latin typeface="Sylfaen" panose="010A0502050306030303" pitchFamily="18" charset="0"/>
+              </a:rPr>
+              <a:t>resultSet.getClob</a:t>
+            </a:r>
+            <a:r>
+              <a:rPr lang="en-US" sz="2800" dirty="0">
+                <a:effectLst>
+                  <a:outerShdw blurRad="38100" dist="38100" dir="2700000" algn="tl">
+                    <a:srgbClr val="000000">
+                      <a:alpha val="43137"/>
+                    </a:srgbClr>
+                  </a:outerShdw>
+                </a:effectLst>
+                <a:latin typeface="Sylfaen" panose="010A0502050306030303" pitchFamily="18" charset="0"/>
+              </a:rPr>
+              <a:t>(1);</a:t>
+            </a:r>
+          </a:p>
+          <a:p>
+            <a:pPr marL="0" indent="0">
+              <a:buNone/>
+            </a:pPr>
+            <a:endParaRPr lang="en-US" dirty="0"/>
+          </a:p>
+        </p:txBody>
+      </p:sp>
+      <p:cxnSp>
+        <p:nvCxnSpPr>
+          <p:cNvPr id="4" name="Straight Connector 3">
+            <a:extLst>
+              <a:ext uri="{FF2B5EF4-FFF2-40B4-BE49-F238E27FC236}">
+                <a16:creationId xmlns:a16="http://schemas.microsoft.com/office/drawing/2014/main" id="{F285F5E4-042A-4626-B21E-3E0411D7D8DE}"/>
+              </a:ext>
+            </a:extLst>
+          </p:cNvPr>
+          <p:cNvCxnSpPr>
+            <a:cxnSpLocks/>
+          </p:cNvCxnSpPr>
+          <p:nvPr/>
+        </p:nvCxnSpPr>
+        <p:spPr>
+          <a:xfrm>
+            <a:off x="569235" y="1003173"/>
+            <a:ext cx="11053530" cy="0"/>
+          </a:xfrm>
+          <a:prstGeom prst="line">
+            <a:avLst/>
+          </a:prstGeom>
+        </p:spPr>
+        <p:style>
+          <a:lnRef idx="3">
+            <a:schemeClr val="accent1"/>
+          </a:lnRef>
+          <a:fillRef idx="0">
+            <a:schemeClr val="accent1"/>
+          </a:fillRef>
+          <a:effectRef idx="2">
+            <a:schemeClr val="accent1"/>
+          </a:effectRef>
+          <a:fontRef idx="minor">
+            <a:schemeClr val="tx1"/>
+          </a:fontRef>
+        </p:style>
+      </p:cxnSp>
+    </p:spTree>
+    <p:extLst>
+      <p:ext uri="{BB962C8B-B14F-4D97-AF65-F5344CB8AC3E}">
+        <p14:creationId xmlns:p14="http://schemas.microsoft.com/office/powerpoint/2010/main" val="365092726"/>
+      </p:ext>
+    </p:extLst>
+  </p:cSld>
+  <p:clrMapOvr>
+    <a:masterClrMapping/>
+  </p:clrMapOvr>
+</p:sld>
+</file>
+
+<file path=ppt/slides/slide14.xml><?xml version="1.0" encoding="utf-8"?>
+<p:sld xmlns:a="http://schemas.openxmlformats.org/drawingml/2006/main" xmlns:r="http://schemas.openxmlformats.org/officeDocument/2006/relationships" xmlns:p="http://schemas.openxmlformats.org/presentationml/2006/main">
+  <p:cSld>
+    <p:spTree>
+      <p:nvGrpSpPr>
+        <p:cNvPr id="1" name=""/>
+        <p:cNvGrpSpPr/>
+        <p:nvPr/>
+      </p:nvGrpSpPr>
+      <p:grpSpPr>
+        <a:xfrm>
+          <a:off x="0" y="0"/>
+          <a:ext cx="0" cy="0"/>
+          <a:chOff x="0" y="0"/>
+          <a:chExt cx="0" cy="0"/>
+        </a:xfrm>
+      </p:grpSpPr>
+      <p:sp>
+        <p:nvSpPr>
+          <p:cNvPr id="2" name="Title 1">
+            <a:extLst>
+              <a:ext uri="{FF2B5EF4-FFF2-40B4-BE49-F238E27FC236}">
+                <a16:creationId xmlns:a16="http://schemas.microsoft.com/office/drawing/2014/main" id="{74249900-1920-4AF8-8B84-C93E763B7D97}"/>
+              </a:ext>
+            </a:extLst>
+          </p:cNvPr>
+          <p:cNvSpPr>
+            <a:spLocks noGrp="1"/>
+          </p:cNvSpPr>
+          <p:nvPr>
+            <p:ph type="title"/>
+          </p:nvPr>
+        </p:nvSpPr>
+        <p:spPr>
+          <a:xfrm>
+            <a:off x="838200" y="0"/>
+            <a:ext cx="10515600" cy="1325563"/>
+          </a:xfrm>
+        </p:spPr>
+        <p:txBody>
+          <a:bodyPr/>
+          <a:lstStyle/>
+          <a:p>
+            <a:pPr algn="ctr"/>
+            <a:r>
+              <a:rPr lang="en-US" dirty="0" err="1">
+                <a:latin typeface="Sylfaen" panose="010A0502050306030303" pitchFamily="18" charset="0"/>
+              </a:rPr>
+              <a:t>CallableStatement</a:t>
+            </a:r>
+            <a:r>
+              <a:rPr lang="en-US" dirty="0">
+                <a:latin typeface="Sylfaen" panose="010A0502050306030303" pitchFamily="18" charset="0"/>
+              </a:rPr>
+              <a:t> interface</a:t>
+            </a:r>
+            <a:endParaRPr lang="en-US" dirty="0"/>
+          </a:p>
+        </p:txBody>
+      </p:sp>
+      <p:sp>
+        <p:nvSpPr>
+          <p:cNvPr id="3" name="Content Placeholder 2">
+            <a:extLst>
+              <a:ext uri="{FF2B5EF4-FFF2-40B4-BE49-F238E27FC236}">
+                <a16:creationId xmlns:a16="http://schemas.microsoft.com/office/drawing/2014/main" id="{532E1536-2791-441C-8B89-5A380898D184}"/>
+              </a:ext>
+            </a:extLst>
+          </p:cNvPr>
+          <p:cNvSpPr>
+            <a:spLocks noGrp="1"/>
+          </p:cNvSpPr>
+          <p:nvPr>
+            <p:ph idx="1"/>
+          </p:nvPr>
+        </p:nvSpPr>
+        <p:spPr>
+          <a:xfrm>
+            <a:off x="838200" y="1825625"/>
+            <a:ext cx="10961318" cy="4351338"/>
+          </a:xfrm>
+        </p:spPr>
+        <p:txBody>
+          <a:bodyPr/>
+          <a:lstStyle/>
+          <a:p>
+            <a:pPr marL="0" indent="0">
+              <a:buNone/>
+            </a:pPr>
+            <a:r>
+              <a:rPr lang="en-US" sz="3000" dirty="0">
+                <a:effectLst>
+                  <a:outerShdw blurRad="38100" dist="38100" dir="2700000" algn="tl">
+                    <a:srgbClr val="000000">
+                      <a:alpha val="43137"/>
+                    </a:srgbClr>
+                  </a:outerShdw>
+                </a:effectLst>
+                <a:latin typeface="Sylfaen" panose="010A0502050306030303" pitchFamily="18" charset="0"/>
+              </a:rPr>
+              <a:t>public </a:t>
+            </a:r>
+            <a:r>
+              <a:rPr lang="en-US" sz="3000" dirty="0" err="1">
+                <a:effectLst>
+                  <a:outerShdw blurRad="38100" dist="38100" dir="2700000" algn="tl">
+                    <a:srgbClr val="000000">
+                      <a:alpha val="43137"/>
+                    </a:srgbClr>
+                  </a:outerShdw>
+                </a:effectLst>
+                <a:latin typeface="Sylfaen" panose="010A0502050306030303" pitchFamily="18" charset="0"/>
+              </a:rPr>
+              <a:t>CallableStatement</a:t>
+            </a:r>
+            <a:r>
+              <a:rPr lang="en-US" sz="3000" dirty="0">
+                <a:effectLst>
+                  <a:outerShdw blurRad="38100" dist="38100" dir="2700000" algn="tl">
+                    <a:srgbClr val="000000">
+                      <a:alpha val="43137"/>
+                    </a:srgbClr>
+                  </a:outerShdw>
+                </a:effectLst>
+                <a:latin typeface="Sylfaen" panose="010A0502050306030303" pitchFamily="18" charset="0"/>
+              </a:rPr>
+              <a:t> </a:t>
+            </a:r>
+            <a:r>
+              <a:rPr lang="en-US" sz="3000" dirty="0" err="1">
+                <a:effectLst>
+                  <a:outerShdw blurRad="38100" dist="38100" dir="2700000" algn="tl">
+                    <a:srgbClr val="000000">
+                      <a:alpha val="43137"/>
+                    </a:srgbClr>
+                  </a:outerShdw>
+                </a:effectLst>
+                <a:latin typeface="Sylfaen" panose="010A0502050306030303" pitchFamily="18" charset="0"/>
+              </a:rPr>
+              <a:t>prepareCall</a:t>
+            </a:r>
+            <a:r>
+              <a:rPr lang="en-US" sz="3000" dirty="0">
+                <a:effectLst>
+                  <a:outerShdw blurRad="38100" dist="38100" dir="2700000" algn="tl">
+                    <a:srgbClr val="000000">
+                      <a:alpha val="43137"/>
+                    </a:srgbClr>
+                  </a:outerShdw>
+                </a:effectLst>
+                <a:latin typeface="Sylfaen" panose="010A0502050306030303" pitchFamily="18" charset="0"/>
+              </a:rPr>
+              <a:t>("{ call </a:t>
+            </a:r>
+            <a:r>
+              <a:rPr lang="en-US" sz="3000" dirty="0" err="1">
+                <a:effectLst>
+                  <a:outerShdw blurRad="38100" dist="38100" dir="2700000" algn="tl">
+                    <a:srgbClr val="000000">
+                      <a:alpha val="43137"/>
+                    </a:srgbClr>
+                  </a:outerShdw>
+                </a:effectLst>
+                <a:latin typeface="Sylfaen" panose="010A0502050306030303" pitchFamily="18" charset="0"/>
+              </a:rPr>
+              <a:t>procedurename</a:t>
+            </a:r>
+            <a:r>
+              <a:rPr lang="en-US" sz="3000" dirty="0">
+                <a:effectLst>
+                  <a:outerShdw blurRad="38100" dist="38100" dir="2700000" algn="tl">
+                    <a:srgbClr val="000000">
+                      <a:alpha val="43137"/>
+                    </a:srgbClr>
+                  </a:outerShdw>
+                </a:effectLst>
+                <a:latin typeface="Sylfaen" panose="010A0502050306030303" pitchFamily="18" charset="0"/>
+              </a:rPr>
+              <a:t>(?,?)}");</a:t>
+            </a:r>
+          </a:p>
+          <a:p>
+            <a:pPr marL="0" indent="0">
+              <a:buNone/>
+            </a:pPr>
+            <a:endParaRPr lang="en-US" sz="3000" dirty="0">
+              <a:effectLst>
+                <a:outerShdw blurRad="38100" dist="38100" dir="2700000" algn="tl">
+                  <a:srgbClr val="000000">
+                    <a:alpha val="43137"/>
+                  </a:srgbClr>
+                </a:outerShdw>
+              </a:effectLst>
+              <a:latin typeface="Sylfaen" panose="010A0502050306030303" pitchFamily="18" charset="0"/>
+            </a:endParaRPr>
+          </a:p>
+          <a:p>
+            <a:pPr marL="0" indent="0">
+              <a:buNone/>
+            </a:pPr>
+            <a:r>
+              <a:rPr lang="en-US" sz="3000" dirty="0" err="1">
+                <a:effectLst>
+                  <a:outerShdw blurRad="38100" dist="38100" dir="2700000" algn="tl">
+                    <a:srgbClr val="000000">
+                      <a:alpha val="43137"/>
+                    </a:srgbClr>
+                  </a:outerShdw>
+                </a:effectLst>
+                <a:latin typeface="Sylfaen" panose="010A0502050306030303" pitchFamily="18" charset="0"/>
+              </a:rPr>
+              <a:t>callableStatement.setInt</a:t>
+            </a:r>
+            <a:r>
+              <a:rPr lang="en-US" sz="3000" dirty="0">
+                <a:effectLst>
+                  <a:outerShdw blurRad="38100" dist="38100" dir="2700000" algn="tl">
+                    <a:srgbClr val="000000">
+                      <a:alpha val="43137"/>
+                    </a:srgbClr>
+                  </a:outerShdw>
+                </a:effectLst>
+                <a:latin typeface="Sylfaen" panose="010A0502050306030303" pitchFamily="18" charset="0"/>
+              </a:rPr>
+              <a:t>(1, 25);</a:t>
+            </a:r>
+          </a:p>
+          <a:p>
+            <a:pPr marL="0" indent="0">
+              <a:buNone/>
+            </a:pPr>
+            <a:endParaRPr lang="en-US" sz="3000" dirty="0">
+              <a:effectLst>
+                <a:outerShdw blurRad="38100" dist="38100" dir="2700000" algn="tl">
+                  <a:srgbClr val="000000">
+                    <a:alpha val="43137"/>
+                  </a:srgbClr>
+                </a:outerShdw>
+              </a:effectLst>
+              <a:latin typeface="Sylfaen" panose="010A0502050306030303" pitchFamily="18" charset="0"/>
+            </a:endParaRPr>
+          </a:p>
+          <a:p>
+            <a:pPr marL="0" indent="0">
+              <a:buNone/>
+            </a:pPr>
+            <a:r>
+              <a:rPr lang="en-US" sz="3000" dirty="0" err="1">
+                <a:effectLst>
+                  <a:outerShdw blurRad="38100" dist="38100" dir="2700000" algn="tl">
+                    <a:srgbClr val="000000">
+                      <a:alpha val="43137"/>
+                    </a:srgbClr>
+                  </a:outerShdw>
+                </a:effectLst>
+                <a:latin typeface="Sylfaen" panose="010A0502050306030303" pitchFamily="18" charset="0"/>
+              </a:rPr>
+              <a:t>callableStatement.setString</a:t>
+            </a:r>
+            <a:r>
+              <a:rPr lang="en-US" sz="3000" dirty="0">
+                <a:effectLst>
+                  <a:outerShdw blurRad="38100" dist="38100" dir="2700000" algn="tl">
+                    <a:srgbClr val="000000">
+                      <a:alpha val="43137"/>
+                    </a:srgbClr>
+                  </a:outerShdw>
+                </a:effectLst>
+                <a:latin typeface="Sylfaen" panose="010A0502050306030303" pitchFamily="18" charset="0"/>
+              </a:rPr>
+              <a:t>(2, “value”);</a:t>
+            </a:r>
+          </a:p>
+          <a:p>
+            <a:pPr marL="0" indent="0">
+              <a:buNone/>
+            </a:pPr>
+            <a:endParaRPr lang="en-US" sz="3000" dirty="0">
+              <a:effectLst>
+                <a:outerShdw blurRad="38100" dist="38100" dir="2700000" algn="tl">
+                  <a:srgbClr val="000000">
+                    <a:alpha val="43137"/>
+                  </a:srgbClr>
+                </a:outerShdw>
+              </a:effectLst>
+              <a:latin typeface="Sylfaen" panose="010A0502050306030303" pitchFamily="18" charset="0"/>
+            </a:endParaRPr>
+          </a:p>
+          <a:p>
+            <a:pPr marL="0" indent="0">
+              <a:buNone/>
+            </a:pPr>
+            <a:r>
+              <a:rPr lang="en-US" sz="3000" dirty="0" err="1">
+                <a:effectLst>
+                  <a:outerShdw blurRad="38100" dist="38100" dir="2700000" algn="tl">
+                    <a:srgbClr val="000000">
+                      <a:alpha val="43137"/>
+                    </a:srgbClr>
+                  </a:outerShdw>
+                </a:effectLst>
+                <a:latin typeface="Sylfaen" panose="010A0502050306030303" pitchFamily="18" charset="0"/>
+              </a:rPr>
+              <a:t>callableStatement.execute</a:t>
+            </a:r>
+            <a:r>
+              <a:rPr lang="en-US" sz="3000" dirty="0">
+                <a:effectLst>
+                  <a:outerShdw blurRad="38100" dist="38100" dir="2700000" algn="tl">
+                    <a:srgbClr val="000000">
+                      <a:alpha val="43137"/>
+                    </a:srgbClr>
+                  </a:outerShdw>
+                </a:effectLst>
+                <a:latin typeface="Sylfaen" panose="010A0502050306030303" pitchFamily="18" charset="0"/>
+              </a:rPr>
+              <a:t>();</a:t>
+            </a:r>
+          </a:p>
+          <a:p>
+            <a:pPr marL="0" indent="0">
+              <a:buNone/>
+            </a:pPr>
+            <a:endParaRPr lang="en-US" sz="3000" dirty="0">
+              <a:effectLst>
+                <a:outerShdw blurRad="38100" dist="38100" dir="2700000" algn="tl">
+                  <a:srgbClr val="000000">
+                    <a:alpha val="43137"/>
+                  </a:srgbClr>
+                </a:outerShdw>
+              </a:effectLst>
+              <a:latin typeface="Sylfaen" panose="010A0502050306030303" pitchFamily="18" charset="0"/>
+            </a:endParaRPr>
+          </a:p>
+        </p:txBody>
+      </p:sp>
+      <p:cxnSp>
+        <p:nvCxnSpPr>
+          <p:cNvPr id="4" name="Straight Connector 3">
+            <a:extLst>
+              <a:ext uri="{FF2B5EF4-FFF2-40B4-BE49-F238E27FC236}">
+                <a16:creationId xmlns:a16="http://schemas.microsoft.com/office/drawing/2014/main" id="{86C621EA-922B-477C-9A35-5D42487406E5}"/>
+              </a:ext>
+            </a:extLst>
+          </p:cNvPr>
+          <p:cNvCxnSpPr>
+            <a:cxnSpLocks/>
+          </p:cNvCxnSpPr>
+          <p:nvPr/>
+        </p:nvCxnSpPr>
+        <p:spPr>
+          <a:xfrm>
+            <a:off x="569235" y="1153485"/>
+            <a:ext cx="11053530" cy="0"/>
+          </a:xfrm>
+          <a:prstGeom prst="line">
+            <a:avLst/>
+          </a:prstGeom>
+        </p:spPr>
+        <p:style>
+          <a:lnRef idx="3">
+            <a:schemeClr val="accent1"/>
+          </a:lnRef>
+          <a:fillRef idx="0">
+            <a:schemeClr val="accent1"/>
+          </a:fillRef>
+          <a:effectRef idx="2">
+            <a:schemeClr val="accent1"/>
+          </a:effectRef>
+          <a:fontRef idx="minor">
+            <a:schemeClr val="tx1"/>
+          </a:fontRef>
+        </p:style>
+      </p:cxnSp>
+    </p:spTree>
+    <p:extLst>
+      <p:ext uri="{BB962C8B-B14F-4D97-AF65-F5344CB8AC3E}">
+        <p14:creationId xmlns:p14="http://schemas.microsoft.com/office/powerpoint/2010/main" val="151399329"/>
+      </p:ext>
+    </p:extLst>
+  </p:cSld>
+  <p:clrMapOvr>
+    <a:masterClrMapping/>
+  </p:clrMapOvr>
+</p:sld>
+</file>
+
+<file path=ppt/slides/slide15.xml><?xml version="1.0" encoding="utf-8"?>
+<p:sld xmlns:a="http://schemas.openxmlformats.org/drawingml/2006/main" xmlns:r="http://schemas.openxmlformats.org/officeDocument/2006/relationships" xmlns:p="http://schemas.openxmlformats.org/presentationml/2006/main">
+  <p:cSld>
+    <p:spTree>
+      <p:nvGrpSpPr>
+        <p:cNvPr id="1" name=""/>
+        <p:cNvGrpSpPr/>
+        <p:nvPr/>
+      </p:nvGrpSpPr>
+      <p:grpSpPr>
+        <a:xfrm>
+          <a:off x="0" y="0"/>
+          <a:ext cx="0" cy="0"/>
+          <a:chOff x="0" y="0"/>
+          <a:chExt cx="0" cy="0"/>
+        </a:xfrm>
+      </p:grpSpPr>
+      <p:sp>
+        <p:nvSpPr>
+          <p:cNvPr id="2" name="Title 1">
+            <a:extLst>
+              <a:ext uri="{FF2B5EF4-FFF2-40B4-BE49-F238E27FC236}">
+                <a16:creationId xmlns:a16="http://schemas.microsoft.com/office/drawing/2014/main" id="{F7542268-9A65-4530-9D4D-9367AB177E03}"/>
+              </a:ext>
+            </a:extLst>
+          </p:cNvPr>
+          <p:cNvSpPr>
+            <a:spLocks noGrp="1"/>
+          </p:cNvSpPr>
+          <p:nvPr>
+            <p:ph type="title"/>
+          </p:nvPr>
+        </p:nvSpPr>
+        <p:spPr>
+          <a:xfrm>
+            <a:off x="838200" y="0"/>
+            <a:ext cx="10515600" cy="1325563"/>
+          </a:xfrm>
+        </p:spPr>
+        <p:txBody>
+          <a:bodyPr/>
+          <a:lstStyle/>
+          <a:p>
+            <a:pPr algn="ctr"/>
+            <a:r>
+              <a:rPr lang="en-US" dirty="0">
+                <a:latin typeface="Sylfaen" panose="010A0502050306030303" pitchFamily="18" charset="0"/>
+              </a:rPr>
+              <a:t>Transaction Management</a:t>
+            </a:r>
+            <a:endParaRPr lang="en-US" dirty="0"/>
+          </a:p>
+        </p:txBody>
+      </p:sp>
+      <p:sp>
+        <p:nvSpPr>
+          <p:cNvPr id="3" name="Content Placeholder 2">
+            <a:extLst>
+              <a:ext uri="{FF2B5EF4-FFF2-40B4-BE49-F238E27FC236}">
+                <a16:creationId xmlns:a16="http://schemas.microsoft.com/office/drawing/2014/main" id="{14FE06FA-17DC-4FFE-8E36-B4762287B5AF}"/>
+              </a:ext>
+            </a:extLst>
+          </p:cNvPr>
+          <p:cNvSpPr>
+            <a:spLocks noGrp="1"/>
+          </p:cNvSpPr>
+          <p:nvPr>
+            <p:ph idx="1"/>
+          </p:nvPr>
+        </p:nvSpPr>
+        <p:spPr>
+          <a:xfrm>
+            <a:off x="838200" y="1677789"/>
+            <a:ext cx="6264058" cy="2596063"/>
+          </a:xfrm>
+        </p:spPr>
+        <p:txBody>
+          <a:bodyPr/>
+          <a:lstStyle/>
+          <a:p>
+            <a:pPr marL="0" indent="0">
+              <a:lnSpc>
+                <a:spcPct val="150000"/>
+              </a:lnSpc>
+              <a:buNone/>
+            </a:pPr>
+            <a:r>
+              <a:rPr lang="en-US" sz="3000" dirty="0">
+                <a:effectLst>
+                  <a:outerShdw blurRad="38100" dist="38100" dir="2700000" algn="tl">
+                    <a:srgbClr val="000000">
+                      <a:alpha val="43137"/>
+                    </a:srgbClr>
+                  </a:outerShdw>
+                </a:effectLst>
+                <a:latin typeface="Sylfaen" panose="010A0502050306030303" pitchFamily="18" charset="0"/>
+              </a:rPr>
+              <a:t>void </a:t>
+            </a:r>
+            <a:r>
+              <a:rPr lang="en-US" sz="3000" dirty="0" err="1">
+                <a:effectLst>
+                  <a:outerShdw blurRad="38100" dist="38100" dir="2700000" algn="tl">
+                    <a:srgbClr val="000000">
+                      <a:alpha val="43137"/>
+                    </a:srgbClr>
+                  </a:outerShdw>
+                </a:effectLst>
+                <a:latin typeface="Sylfaen" panose="010A0502050306030303" pitchFamily="18" charset="0"/>
+              </a:rPr>
+              <a:t>setAutoCommit</a:t>
+            </a:r>
+            <a:r>
+              <a:rPr lang="en-US" sz="3000" dirty="0">
+                <a:effectLst>
+                  <a:outerShdw blurRad="38100" dist="38100" dir="2700000" algn="tl">
+                    <a:srgbClr val="000000">
+                      <a:alpha val="43137"/>
+                    </a:srgbClr>
+                  </a:outerShdw>
+                </a:effectLst>
+                <a:latin typeface="Sylfaen" panose="010A0502050306030303" pitchFamily="18" charset="0"/>
+              </a:rPr>
+              <a:t>(</a:t>
+            </a:r>
+            <a:r>
+              <a:rPr lang="en-US" sz="3000" dirty="0" err="1">
+                <a:effectLst>
+                  <a:outerShdw blurRad="38100" dist="38100" dir="2700000" algn="tl">
+                    <a:srgbClr val="000000">
+                      <a:alpha val="43137"/>
+                    </a:srgbClr>
+                  </a:outerShdw>
+                </a:effectLst>
+                <a:latin typeface="Sylfaen" panose="010A0502050306030303" pitchFamily="18" charset="0"/>
+              </a:rPr>
+              <a:t>boolean</a:t>
+            </a:r>
+            <a:r>
+              <a:rPr lang="en-US" sz="3000" dirty="0">
+                <a:effectLst>
+                  <a:outerShdw blurRad="38100" dist="38100" dir="2700000" algn="tl">
+                    <a:srgbClr val="000000">
+                      <a:alpha val="43137"/>
+                    </a:srgbClr>
+                  </a:outerShdw>
+                </a:effectLst>
+                <a:latin typeface="Sylfaen" panose="010A0502050306030303" pitchFamily="18" charset="0"/>
+              </a:rPr>
+              <a:t> status)</a:t>
+            </a:r>
+          </a:p>
+          <a:p>
+            <a:pPr marL="0" indent="0">
+              <a:lnSpc>
+                <a:spcPct val="150000"/>
+              </a:lnSpc>
+              <a:buNone/>
+            </a:pPr>
+            <a:r>
+              <a:rPr lang="en-US" sz="3000" dirty="0">
+                <a:effectLst>
+                  <a:outerShdw blurRad="38100" dist="38100" dir="2700000" algn="tl">
+                    <a:srgbClr val="000000">
+                      <a:alpha val="43137"/>
+                    </a:srgbClr>
+                  </a:outerShdw>
+                </a:effectLst>
+                <a:latin typeface="Sylfaen" panose="010A0502050306030303" pitchFamily="18" charset="0"/>
+              </a:rPr>
+              <a:t>void commit()</a:t>
+            </a:r>
+          </a:p>
+          <a:p>
+            <a:pPr marL="0" indent="0">
+              <a:lnSpc>
+                <a:spcPct val="150000"/>
+              </a:lnSpc>
+              <a:buNone/>
+            </a:pPr>
+            <a:r>
+              <a:rPr lang="en-US" sz="3000" dirty="0">
+                <a:effectLst>
+                  <a:outerShdw blurRad="38100" dist="38100" dir="2700000" algn="tl">
+                    <a:srgbClr val="000000">
+                      <a:alpha val="43137"/>
+                    </a:srgbClr>
+                  </a:outerShdw>
+                </a:effectLst>
+                <a:latin typeface="Sylfaen" panose="010A0502050306030303" pitchFamily="18" charset="0"/>
+              </a:rPr>
+              <a:t>void rollback()</a:t>
+            </a:r>
+          </a:p>
+          <a:p>
+            <a:pPr marL="0" indent="0">
+              <a:buNone/>
+            </a:pPr>
+            <a:endParaRPr lang="en-US" sz="3000" dirty="0">
+              <a:effectLst>
+                <a:outerShdw blurRad="38100" dist="38100" dir="2700000" algn="tl">
+                  <a:srgbClr val="000000">
+                    <a:alpha val="43137"/>
+                  </a:srgbClr>
+                </a:outerShdw>
+              </a:effectLst>
+              <a:latin typeface="Sylfaen" panose="010A0502050306030303" pitchFamily="18" charset="0"/>
+            </a:endParaRPr>
+          </a:p>
+        </p:txBody>
+      </p:sp>
+      <p:cxnSp>
+        <p:nvCxnSpPr>
+          <p:cNvPr id="4" name="Straight Connector 3">
+            <a:extLst>
+              <a:ext uri="{FF2B5EF4-FFF2-40B4-BE49-F238E27FC236}">
+                <a16:creationId xmlns:a16="http://schemas.microsoft.com/office/drawing/2014/main" id="{02D6D202-C9D3-4E8C-A0B2-7E4C96623E04}"/>
+              </a:ext>
+            </a:extLst>
+          </p:cNvPr>
+          <p:cNvCxnSpPr>
+            <a:cxnSpLocks/>
+          </p:cNvCxnSpPr>
+          <p:nvPr/>
+        </p:nvCxnSpPr>
+        <p:spPr>
+          <a:xfrm>
+            <a:off x="569235" y="1153485"/>
+            <a:ext cx="11053530" cy="0"/>
+          </a:xfrm>
+          <a:prstGeom prst="line">
+            <a:avLst/>
+          </a:prstGeom>
+        </p:spPr>
+        <p:style>
+          <a:lnRef idx="3">
+            <a:schemeClr val="accent1"/>
+          </a:lnRef>
+          <a:fillRef idx="0">
+            <a:schemeClr val="accent1"/>
+          </a:fillRef>
+          <a:effectRef idx="2">
+            <a:schemeClr val="accent1"/>
+          </a:effectRef>
+          <a:fontRef idx="minor">
+            <a:schemeClr val="tx1"/>
+          </a:fontRef>
+        </p:style>
+      </p:cxnSp>
+      <p:pic>
+        <p:nvPicPr>
+          <p:cNvPr id="7" name="Picture 6">
+            <a:extLst>
+              <a:ext uri="{FF2B5EF4-FFF2-40B4-BE49-F238E27FC236}">
+                <a16:creationId xmlns:a16="http://schemas.microsoft.com/office/drawing/2014/main" id="{0D039016-8FF0-41F6-B531-0451B98FCA5C}"/>
+              </a:ext>
+            </a:extLst>
+          </p:cNvPr>
+          <p:cNvPicPr>
+            <a:picLocks noChangeAspect="1"/>
+          </p:cNvPicPr>
+          <p:nvPr/>
+        </p:nvPicPr>
+        <p:blipFill>
+          <a:blip r:embed="rId2">
+            <a:extLst>
+              <a:ext uri="{28A0092B-C50C-407E-A947-70E740481C1C}">
+                <a14:useLocalDpi xmlns:a14="http://schemas.microsoft.com/office/drawing/2010/main" val="0"/>
+              </a:ext>
+            </a:extLst>
+          </a:blip>
+          <a:stretch>
+            <a:fillRect/>
+          </a:stretch>
+        </p:blipFill>
+        <p:spPr>
+          <a:xfrm>
+            <a:off x="4923095" y="2382703"/>
+            <a:ext cx="6264058" cy="3782297"/>
+          </a:xfrm>
+          <a:prstGeom prst="rect">
+            <a:avLst/>
+          </a:prstGeom>
+        </p:spPr>
+      </p:pic>
+      <p:cxnSp>
+        <p:nvCxnSpPr>
+          <p:cNvPr id="9" name="Straight Arrow Connector 8">
+            <a:extLst>
+              <a:ext uri="{FF2B5EF4-FFF2-40B4-BE49-F238E27FC236}">
+                <a16:creationId xmlns:a16="http://schemas.microsoft.com/office/drawing/2014/main" id="{ECB5A774-067E-46E6-8FCE-0F476C161DE9}"/>
+              </a:ext>
+            </a:extLst>
+          </p:cNvPr>
+          <p:cNvCxnSpPr/>
+          <p:nvPr/>
+        </p:nvCxnSpPr>
+        <p:spPr>
+          <a:xfrm flipH="1">
+            <a:off x="6663847" y="3657600"/>
+            <a:ext cx="663879" cy="1252603"/>
+          </a:xfrm>
+          <a:prstGeom prst="straightConnector1">
+            <a:avLst/>
+          </a:prstGeom>
+          <a:ln>
+            <a:tailEnd type="triangle"/>
+          </a:ln>
+        </p:spPr>
+        <p:style>
+          <a:lnRef idx="3">
+            <a:schemeClr val="dk1"/>
+          </a:lnRef>
+          <a:fillRef idx="0">
+            <a:schemeClr val="dk1"/>
+          </a:fillRef>
+          <a:effectRef idx="2">
+            <a:schemeClr val="dk1"/>
+          </a:effectRef>
+          <a:fontRef idx="minor">
+            <a:schemeClr val="tx1"/>
+          </a:fontRef>
+        </p:style>
+      </p:cxnSp>
+      <p:cxnSp>
+        <p:nvCxnSpPr>
+          <p:cNvPr id="11" name="Straight Arrow Connector 10">
+            <a:extLst>
+              <a:ext uri="{FF2B5EF4-FFF2-40B4-BE49-F238E27FC236}">
+                <a16:creationId xmlns:a16="http://schemas.microsoft.com/office/drawing/2014/main" id="{656EA5A4-7C70-44B8-9F18-9ABEA6C9B669}"/>
+              </a:ext>
+            </a:extLst>
+          </p:cNvPr>
+          <p:cNvCxnSpPr/>
+          <p:nvPr/>
+        </p:nvCxnSpPr>
+        <p:spPr>
+          <a:xfrm>
+            <a:off x="8668011" y="3657600"/>
+            <a:ext cx="751562" cy="1252603"/>
+          </a:xfrm>
+          <a:prstGeom prst="straightConnector1">
+            <a:avLst/>
+          </a:prstGeom>
+          <a:ln>
+            <a:tailEnd type="triangle"/>
+          </a:ln>
+        </p:spPr>
+        <p:style>
+          <a:lnRef idx="3">
+            <a:schemeClr val="dk1"/>
+          </a:lnRef>
+          <a:fillRef idx="0">
+            <a:schemeClr val="dk1"/>
+          </a:fillRef>
+          <a:effectRef idx="2">
+            <a:schemeClr val="dk1"/>
+          </a:effectRef>
+          <a:fontRef idx="minor">
+            <a:schemeClr val="tx1"/>
+          </a:fontRef>
+        </p:style>
+      </p:cxnSp>
+    </p:spTree>
+    <p:extLst>
+      <p:ext uri="{BB962C8B-B14F-4D97-AF65-F5344CB8AC3E}">
+        <p14:creationId xmlns:p14="http://schemas.microsoft.com/office/powerpoint/2010/main" val="1588367138"/>
+      </p:ext>
+    </p:extLst>
+  </p:cSld>
+  <p:clrMapOvr>
+    <a:masterClrMapping/>
+  </p:clrMapOvr>
+</p:sld>
+</file>
+
+<file path=ppt/slides/slide16.xml><?xml version="1.0" encoding="utf-8"?>
+<p:sld xmlns:a="http://schemas.openxmlformats.org/drawingml/2006/main" xmlns:r="http://schemas.openxmlformats.org/officeDocument/2006/relationships" xmlns:p="http://schemas.openxmlformats.org/presentationml/2006/main">
+  <p:cSld>
+    <p:spTree>
+      <p:nvGrpSpPr>
+        <p:cNvPr id="1" name=""/>
+        <p:cNvGrpSpPr/>
+        <p:nvPr/>
+      </p:nvGrpSpPr>
+      <p:grpSpPr>
+        <a:xfrm>
+          <a:off x="0" y="0"/>
+          <a:ext cx="0" cy="0"/>
+          <a:chOff x="0" y="0"/>
+          <a:chExt cx="0" cy="0"/>
+        </a:xfrm>
+      </p:grpSpPr>
+      <p:sp>
+        <p:nvSpPr>
+          <p:cNvPr id="2" name="Title 1">
+            <a:extLst>
+              <a:ext uri="{FF2B5EF4-FFF2-40B4-BE49-F238E27FC236}">
+                <a16:creationId xmlns:a16="http://schemas.microsoft.com/office/drawing/2014/main" id="{6E73199F-0457-44FF-9A97-9C5FE43D8508}"/>
+              </a:ext>
+            </a:extLst>
+          </p:cNvPr>
+          <p:cNvSpPr>
+            <a:spLocks noGrp="1"/>
+          </p:cNvSpPr>
+          <p:nvPr>
+            <p:ph type="title"/>
+          </p:nvPr>
+        </p:nvSpPr>
+        <p:spPr>
+          <a:xfrm>
+            <a:off x="838200" y="18255"/>
+            <a:ext cx="10515600" cy="1325563"/>
+          </a:xfrm>
+        </p:spPr>
+        <p:txBody>
+          <a:bodyPr/>
+          <a:lstStyle/>
+          <a:p>
+            <a:pPr algn="ctr"/>
+            <a:r>
+              <a:rPr lang="en-US" dirty="0" err="1">
+                <a:latin typeface="Sylfaen" panose="010A0502050306030303" pitchFamily="18" charset="0"/>
+              </a:rPr>
+              <a:t>RowSet</a:t>
+            </a:r>
+            <a:r>
+              <a:rPr lang="en-US" dirty="0">
+                <a:latin typeface="Sylfaen" panose="010A0502050306030303" pitchFamily="18" charset="0"/>
+              </a:rPr>
+              <a:t> interface</a:t>
+            </a:r>
+            <a:endParaRPr lang="en-US" dirty="0"/>
+          </a:p>
+        </p:txBody>
+      </p:sp>
+      <p:sp>
+        <p:nvSpPr>
+          <p:cNvPr id="3" name="Content Placeholder 2">
+            <a:extLst>
+              <a:ext uri="{FF2B5EF4-FFF2-40B4-BE49-F238E27FC236}">
+                <a16:creationId xmlns:a16="http://schemas.microsoft.com/office/drawing/2014/main" id="{F74EACD5-0A6A-4130-930D-7337E1C5C8AD}"/>
+              </a:ext>
+            </a:extLst>
+          </p:cNvPr>
+          <p:cNvSpPr>
+            <a:spLocks noGrp="1"/>
+          </p:cNvSpPr>
+          <p:nvPr>
+            <p:ph idx="1"/>
+          </p:nvPr>
+        </p:nvSpPr>
+        <p:spPr/>
+        <p:txBody>
+          <a:bodyPr/>
+          <a:lstStyle/>
+          <a:p>
+            <a:pPr marL="0" indent="0">
+              <a:buNone/>
+            </a:pPr>
+            <a:endParaRPr lang="en-US" dirty="0"/>
+          </a:p>
+        </p:txBody>
+      </p:sp>
+      <p:cxnSp>
+        <p:nvCxnSpPr>
+          <p:cNvPr id="4" name="Straight Connector 3">
+            <a:extLst>
+              <a:ext uri="{FF2B5EF4-FFF2-40B4-BE49-F238E27FC236}">
+                <a16:creationId xmlns:a16="http://schemas.microsoft.com/office/drawing/2014/main" id="{E6E284A0-A630-434A-9921-1634C28FAA6E}"/>
+              </a:ext>
+            </a:extLst>
+          </p:cNvPr>
+          <p:cNvCxnSpPr>
+            <a:cxnSpLocks/>
+          </p:cNvCxnSpPr>
+          <p:nvPr/>
+        </p:nvCxnSpPr>
+        <p:spPr>
+          <a:xfrm>
+            <a:off x="569235" y="1153485"/>
+            <a:ext cx="11053530" cy="0"/>
+          </a:xfrm>
+          <a:prstGeom prst="line">
+            <a:avLst/>
+          </a:prstGeom>
+        </p:spPr>
+        <p:style>
+          <a:lnRef idx="3">
+            <a:schemeClr val="accent1"/>
+          </a:lnRef>
+          <a:fillRef idx="0">
+            <a:schemeClr val="accent1"/>
+          </a:fillRef>
+          <a:effectRef idx="2">
+            <a:schemeClr val="accent1"/>
+          </a:effectRef>
+          <a:fontRef idx="minor">
+            <a:schemeClr val="tx1"/>
+          </a:fontRef>
+        </p:style>
+      </p:cxnSp>
+    </p:spTree>
+    <p:extLst>
+      <p:ext uri="{BB962C8B-B14F-4D97-AF65-F5344CB8AC3E}">
+        <p14:creationId xmlns:p14="http://schemas.microsoft.com/office/powerpoint/2010/main" val="3932390049"/>
       </p:ext>
     </p:extLst>
   </p:cSld>
@@ -5081,17 +7163,20 @@
         </p:nvSpPr>
         <p:spPr>
           <a:xfrm>
-            <a:off x="700315" y="1677628"/>
-            <a:ext cx="10653485" cy="4351338"/>
+            <a:off x="438411" y="1415445"/>
+            <a:ext cx="11315434" cy="5123140"/>
           </a:xfrm>
         </p:spPr>
         <p:txBody>
           <a:bodyPr>
-            <a:normAutofit lnSpcReduction="10000"/>
+            <a:normAutofit/>
           </a:bodyPr>
           <a:lstStyle/>
           <a:p>
             <a:pPr marL="0" indent="0">
+              <a:lnSpc>
+                <a:spcPct val="100000"/>
+              </a:lnSpc>
               <a:buNone/>
             </a:pPr>
             <a:r>
@@ -5136,6 +7221,9 @@
           </a:p>
           <a:p>
             <a:pPr marL="0" indent="0">
+              <a:lnSpc>
+                <a:spcPct val="100000"/>
+              </a:lnSpc>
               <a:buNone/>
             </a:pPr>
             <a:r>
@@ -5180,6 +7268,9 @@
           </a:p>
           <a:p>
             <a:pPr marL="0" indent="0">
+              <a:lnSpc>
+                <a:spcPct val="100000"/>
+              </a:lnSpc>
               <a:buNone/>
             </a:pPr>
             <a:r>
@@ -5250,6 +7341,9 @@
           </a:p>
           <a:p>
             <a:pPr marL="0" indent="0">
+              <a:lnSpc>
+                <a:spcPct val="100000"/>
+              </a:lnSpc>
               <a:buNone/>
             </a:pPr>
             <a:r>
@@ -5320,6 +7414,9 @@
           </a:p>
           <a:p>
             <a:pPr marL="0" indent="0">
+              <a:lnSpc>
+                <a:spcPct val="100000"/>
+              </a:lnSpc>
               <a:buNone/>
             </a:pPr>
             <a:r>
@@ -5390,6 +7487,9 @@
           </a:p>
           <a:p>
             <a:pPr marL="0" indent="0">
+              <a:lnSpc>
+                <a:spcPct val="100000"/>
+              </a:lnSpc>
               <a:buNone/>
             </a:pPr>
             <a:r>
@@ -5434,6 +7534,9 @@
           </a:p>
           <a:p>
             <a:pPr marL="0" indent="0">
+              <a:lnSpc>
+                <a:spcPct val="100000"/>
+              </a:lnSpc>
               <a:buNone/>
             </a:pPr>
             <a:r>
@@ -5478,6 +7581,9 @@
           </a:p>
           <a:p>
             <a:pPr marL="0" indent="0">
+              <a:lnSpc>
+                <a:spcPct val="100000"/>
+              </a:lnSpc>
               <a:buNone/>
             </a:pPr>
             <a:r>
@@ -5517,31 +7623,8 @@
                 </a:effectLst>
                 <a:latin typeface="Sylfaen" panose="010A0502050306030303" pitchFamily="18" charset="0"/>
               </a:rPr>
-              <a:t>(String URL, Properties prop) throws </a:t>
-            </a:r>
-            <a:r>
-              <a:rPr lang="en-US" sz="3000" dirty="0" err="1">
-                <a:effectLst>
-                  <a:outerShdw blurRad="38100" dist="38100" dir="2700000" algn="tl">
-                    <a:srgbClr val="000000">
-                      <a:alpha val="43137"/>
-                    </a:srgbClr>
-                  </a:outerShdw>
-                </a:effectLst>
-                <a:latin typeface="Sylfaen" panose="010A0502050306030303" pitchFamily="18" charset="0"/>
-              </a:rPr>
-              <a:t>SQLException</a:t>
-            </a:r>
-            <a:endParaRPr lang="en-US" sz="3000" dirty="0">
-              <a:effectLst>
-                <a:outerShdw blurRad="38100" dist="38100" dir="2700000" algn="tl">
-                  <a:srgbClr val="000000">
-                    <a:alpha val="43137"/>
-                  </a:srgbClr>
-                </a:outerShdw>
-              </a:effectLst>
-              <a:latin typeface="Sylfaen" panose="010A0502050306030303" pitchFamily="18" charset="0"/>
-            </a:endParaRPr>
+              <a:t>(String URL, Properties prop)</a:t>
+            </a:r>
           </a:p>
         </p:txBody>
       </p:sp>
@@ -6314,8 +8397,8 @@
         </p:nvSpPr>
         <p:spPr>
           <a:xfrm>
-            <a:off x="838200" y="1182389"/>
-            <a:ext cx="7841105" cy="5495924"/>
+            <a:off x="838200" y="1457961"/>
+            <a:ext cx="10784565" cy="4980414"/>
           </a:xfrm>
         </p:spPr>
         <p:txBody>
@@ -6325,6 +8408,9 @@
           <a:lstStyle/>
           <a:p>
             <a:pPr marL="0" indent="0">
+              <a:lnSpc>
+                <a:spcPct val="100000"/>
+              </a:lnSpc>
               <a:buNone/>
             </a:pPr>
             <a:r>
@@ -6369,6 +8455,9 @@
           </a:p>
           <a:p>
             <a:pPr marL="0" indent="0">
+              <a:lnSpc>
+                <a:spcPct val="100000"/>
+              </a:lnSpc>
               <a:buNone/>
             </a:pPr>
             <a:r>
@@ -6413,6 +8502,9 @@
           </a:p>
           <a:p>
             <a:pPr marL="0" indent="0">
+              <a:lnSpc>
+                <a:spcPct val="100000"/>
+              </a:lnSpc>
               <a:buNone/>
             </a:pPr>
             <a:r>
@@ -6457,6 +8549,9 @@
           </a:p>
           <a:p>
             <a:pPr marL="0" indent="0">
+              <a:lnSpc>
+                <a:spcPct val="100000"/>
+              </a:lnSpc>
               <a:buNone/>
             </a:pPr>
             <a:r>
@@ -6501,6 +8596,9 @@
           </a:p>
           <a:p>
             <a:pPr marL="0" indent="0">
+              <a:lnSpc>
+                <a:spcPct val="100000"/>
+              </a:lnSpc>
               <a:buNone/>
             </a:pPr>
             <a:r>
@@ -6545,6 +8643,9 @@
           </a:p>
           <a:p>
             <a:pPr marL="0" indent="0">
+              <a:lnSpc>
+                <a:spcPct val="100000"/>
+              </a:lnSpc>
               <a:buNone/>
             </a:pPr>
             <a:r>
@@ -6589,6 +8690,9 @@
           </a:p>
           <a:p>
             <a:pPr marL="0" indent="0">
+              <a:lnSpc>
+                <a:spcPct val="100000"/>
+              </a:lnSpc>
               <a:buNone/>
             </a:pPr>
             <a:r>
@@ -6654,11 +8758,40 @@
                 </a:effectLst>
                 <a:latin typeface="Sylfaen" panose="010A0502050306030303" pitchFamily="18" charset="0"/>
               </a:rPr>
+              <a:t> / String </a:t>
+            </a:r>
+            <a:r>
+              <a:rPr lang="en-US" sz="3000" dirty="0" err="1">
+                <a:effectLst>
+                  <a:outerShdw blurRad="38100" dist="38100" dir="2700000" algn="tl">
+                    <a:srgbClr val="000000">
+                      <a:alpha val="43137"/>
+                    </a:srgbClr>
+                  </a:outerShdw>
+                </a:effectLst>
+                <a:latin typeface="Sylfaen" panose="010A0502050306030303" pitchFamily="18" charset="0"/>
+              </a:rPr>
+              <a:t>columnName</a:t>
+            </a:r>
+            <a:r>
+              <a:rPr lang="en-US" sz="3000" dirty="0">
+                <a:effectLst>
+                  <a:outerShdw blurRad="38100" dist="38100" dir="2700000" algn="tl">
+                    <a:srgbClr val="000000">
+                      <a:alpha val="43137"/>
+                    </a:srgbClr>
+                  </a:outerShdw>
+                </a:effectLst>
+                <a:latin typeface="Sylfaen" panose="010A0502050306030303" pitchFamily="18" charset="0"/>
+              </a:rPr>
               <a:t>)</a:t>
             </a:r>
           </a:p>
           <a:p>
             <a:pPr marL="0" indent="0">
+              <a:lnSpc>
+                <a:spcPct val="100000"/>
+              </a:lnSpc>
               <a:buNone/>
             </a:pPr>
             <a:r>
@@ -6672,7 +8805,7 @@
                 </a:effectLst>
                 <a:latin typeface="Sylfaen" panose="010A0502050306030303" pitchFamily="18" charset="0"/>
               </a:rPr>
-              <a:t>public int </a:t>
+              <a:t>public String </a:t>
             </a:r>
             <a:r>
               <a:rPr lang="en-US" sz="3000" dirty="0" err="1">
@@ -6685,20 +8818,20 @@
                 </a:effectLst>
                 <a:latin typeface="Sylfaen" panose="010A0502050306030303" pitchFamily="18" charset="0"/>
               </a:rPr>
-              <a:t>getInt</a:t>
-            </a:r>
-            <a:r>
-              <a:rPr lang="en-US" sz="3000" dirty="0">
-                <a:effectLst>
-                  <a:outerShdw blurRad="38100" dist="38100" dir="2700000" algn="tl">
-                    <a:srgbClr val="000000">
-                      <a:alpha val="43137"/>
-                    </a:srgbClr>
-                  </a:outerShdw>
-                </a:effectLst>
-                <a:latin typeface="Sylfaen" panose="010A0502050306030303" pitchFamily="18" charset="0"/>
-              </a:rPr>
-              <a:t> (String </a:t>
+              <a:t>getString</a:t>
+            </a:r>
+            <a:r>
+              <a:rPr lang="en-US" sz="3000" dirty="0">
+                <a:effectLst>
+                  <a:outerShdw blurRad="38100" dist="38100" dir="2700000" algn="tl">
+                    <a:srgbClr val="000000">
+                      <a:alpha val="43137"/>
+                    </a:srgbClr>
+                  </a:outerShdw>
+                </a:effectLst>
+                <a:latin typeface="Sylfaen" panose="010A0502050306030303" pitchFamily="18" charset="0"/>
+              </a:rPr>
+              <a:t> (int </a:t>
             </a:r>
             <a:r>
               <a:rPr lang="en-US" sz="3000" dirty="0" err="1">
@@ -6711,76 +8844,6 @@
                 </a:effectLst>
                 <a:latin typeface="Sylfaen" panose="010A0502050306030303" pitchFamily="18" charset="0"/>
               </a:rPr>
-              <a:t>columnName</a:t>
-            </a:r>
-            <a:r>
-              <a:rPr lang="en-US" sz="3000" dirty="0">
-                <a:effectLst>
-                  <a:outerShdw blurRad="38100" dist="38100" dir="2700000" algn="tl">
-                    <a:srgbClr val="000000">
-                      <a:alpha val="43137"/>
-                    </a:srgbClr>
-                  </a:outerShdw>
-                </a:effectLst>
-                <a:latin typeface="Sylfaen" panose="010A0502050306030303" pitchFamily="18" charset="0"/>
-              </a:rPr>
-              <a:t>)</a:t>
-            </a:r>
-          </a:p>
-          <a:p>
-            <a:pPr marL="0" indent="0">
-              <a:buNone/>
-            </a:pPr>
-            <a:r>
-              <a:rPr lang="en-US" sz="3000" dirty="0">
-                <a:effectLst>
-                  <a:outerShdw blurRad="38100" dist="38100" dir="2700000" algn="tl">
-                    <a:srgbClr val="000000">
-                      <a:alpha val="43137"/>
-                    </a:srgbClr>
-                  </a:outerShdw>
-                </a:effectLst>
-                <a:latin typeface="Sylfaen" panose="010A0502050306030303" pitchFamily="18" charset="0"/>
-              </a:rPr>
-              <a:t>public String </a:t>
-            </a:r>
-            <a:r>
-              <a:rPr lang="en-US" sz="3000" dirty="0" err="1">
-                <a:effectLst>
-                  <a:outerShdw blurRad="38100" dist="38100" dir="2700000" algn="tl">
-                    <a:srgbClr val="000000">
-                      <a:alpha val="43137"/>
-                    </a:srgbClr>
-                  </a:outerShdw>
-                </a:effectLst>
-                <a:latin typeface="Sylfaen" panose="010A0502050306030303" pitchFamily="18" charset="0"/>
-              </a:rPr>
-              <a:t>getString</a:t>
-            </a:r>
-            <a:r>
-              <a:rPr lang="en-US" sz="3000" dirty="0">
-                <a:effectLst>
-                  <a:outerShdw blurRad="38100" dist="38100" dir="2700000" algn="tl">
-                    <a:srgbClr val="000000">
-                      <a:alpha val="43137"/>
-                    </a:srgbClr>
-                  </a:outerShdw>
-                </a:effectLst>
-                <a:latin typeface="Sylfaen" panose="010A0502050306030303" pitchFamily="18" charset="0"/>
-              </a:rPr>
-              <a:t> (int </a:t>
-            </a:r>
-            <a:r>
-              <a:rPr lang="en-US" sz="3000" dirty="0" err="1">
-                <a:effectLst>
-                  <a:outerShdw blurRad="38100" dist="38100" dir="2700000" algn="tl">
-                    <a:srgbClr val="000000">
-                      <a:alpha val="43137"/>
-                    </a:srgbClr>
-                  </a:outerShdw>
-                </a:effectLst>
-                <a:latin typeface="Sylfaen" panose="010A0502050306030303" pitchFamily="18" charset="0"/>
-              </a:rPr>
               <a:t>columnIndex</a:t>
             </a:r>
             <a:r>
@@ -6794,51 +8857,7 @@
                 </a:effectLst>
                 <a:latin typeface="Sylfaen" panose="010A0502050306030303" pitchFamily="18" charset="0"/>
               </a:rPr>
-              <a:t>)</a:t>
-            </a:r>
-          </a:p>
-          <a:p>
-            <a:pPr marL="0" indent="0">
-              <a:buNone/>
-            </a:pPr>
-            <a:r>
-              <a:rPr lang="en-US" sz="3000" dirty="0">
-                <a:effectLst>
-                  <a:outerShdw blurRad="38100" dist="38100" dir="2700000" algn="tl">
-                    <a:srgbClr val="000000">
-                      <a:alpha val="43137"/>
-                    </a:srgbClr>
-                  </a:outerShdw>
-                </a:effectLst>
-                <a:latin typeface="Sylfaen" panose="010A0502050306030303" pitchFamily="18" charset="0"/>
-              </a:rPr>
-              <a:t>public String </a:t>
-            </a:r>
-            <a:r>
-              <a:rPr lang="en-US" sz="3000" dirty="0" err="1">
-                <a:effectLst>
-                  <a:outerShdw blurRad="38100" dist="38100" dir="2700000" algn="tl">
-                    <a:srgbClr val="000000">
-                      <a:alpha val="43137"/>
-                    </a:srgbClr>
-                  </a:outerShdw>
-                </a:effectLst>
-                <a:latin typeface="Sylfaen" panose="010A0502050306030303" pitchFamily="18" charset="0"/>
-              </a:rPr>
-              <a:t>getString</a:t>
-            </a:r>
-            <a:r>
-              <a:rPr lang="en-US" sz="3000" dirty="0">
-                <a:effectLst>
-                  <a:outerShdw blurRad="38100" dist="38100" dir="2700000" algn="tl">
-                    <a:srgbClr val="000000">
-                      <a:alpha val="43137"/>
-                    </a:srgbClr>
-                  </a:outerShdw>
-                </a:effectLst>
-                <a:latin typeface="Sylfaen" panose="010A0502050306030303" pitchFamily="18" charset="0"/>
-              </a:rPr>
-              <a:t> (String </a:t>
+              <a:t> / String </a:t>
             </a:r>
             <a:r>
               <a:rPr lang="en-US" sz="3000" dirty="0" err="1">

--- a/JDBC/JDBC_Presentation.pptx
+++ b/JDBC/JDBC_Presentation.pptx
@@ -5,25 +5,27 @@
     <p:sldMasterId id="2147483684" r:id="rId1"/>
   </p:sldMasterIdLst>
   <p:notesMasterIdLst>
-    <p:notesMasterId r:id="rId18"/>
+    <p:notesMasterId r:id="rId20"/>
   </p:notesMasterIdLst>
   <p:sldIdLst>
     <p:sldId id="257" r:id="rId2"/>
     <p:sldId id="258" r:id="rId3"/>
     <p:sldId id="259" r:id="rId4"/>
-    <p:sldId id="260" r:id="rId5"/>
-    <p:sldId id="261" r:id="rId6"/>
-    <p:sldId id="262" r:id="rId7"/>
-    <p:sldId id="264" r:id="rId8"/>
-    <p:sldId id="265" r:id="rId9"/>
-    <p:sldId id="266" r:id="rId10"/>
-    <p:sldId id="267" r:id="rId11"/>
-    <p:sldId id="269" r:id="rId12"/>
-    <p:sldId id="268" r:id="rId13"/>
-    <p:sldId id="270" r:id="rId14"/>
-    <p:sldId id="271" r:id="rId15"/>
-    <p:sldId id="272" r:id="rId16"/>
-    <p:sldId id="273" r:id="rId17"/>
+    <p:sldId id="274" r:id="rId5"/>
+    <p:sldId id="260" r:id="rId6"/>
+    <p:sldId id="261" r:id="rId7"/>
+    <p:sldId id="262" r:id="rId8"/>
+    <p:sldId id="264" r:id="rId9"/>
+    <p:sldId id="265" r:id="rId10"/>
+    <p:sldId id="266" r:id="rId11"/>
+    <p:sldId id="267" r:id="rId12"/>
+    <p:sldId id="269" r:id="rId13"/>
+    <p:sldId id="268" r:id="rId14"/>
+    <p:sldId id="270" r:id="rId15"/>
+    <p:sldId id="271" r:id="rId16"/>
+    <p:sldId id="272" r:id="rId17"/>
+    <p:sldId id="275" r:id="rId18"/>
+    <p:sldId id="273" r:id="rId19"/>
   </p:sldIdLst>
   <p:sldSz cx="12192000" cy="6858000"/>
   <p:notesSz cx="6858000" cy="9144000"/>
@@ -212,7 +214,7 @@
           <a:p>
             <a:fld id="{F988C94B-7918-458B-9AF1-0DBDD7FC850F}" type="datetimeFigureOut">
               <a:rPr lang="en-US" smtClean="0"/>
-              <a:t>2022-08-19</a:t>
+              <a:t>8/21/2022</a:t>
             </a:fld>
             <a:endParaRPr lang="en-US"/>
           </a:p>
@@ -610,7 +612,7 @@
           <a:p>
             <a:fld id="{0A968979-5CB5-4E5D-B82F-DAC09775BD7D}" type="datetimeFigureOut">
               <a:rPr lang="en-US" smtClean="0"/>
-              <a:t>2022-08-19</a:t>
+              <a:t>8/21/2022</a:t>
             </a:fld>
             <a:endParaRPr lang="en-US"/>
           </a:p>
@@ -780,7 +782,7 @@
           <a:p>
             <a:fld id="{0A968979-5CB5-4E5D-B82F-DAC09775BD7D}" type="datetimeFigureOut">
               <a:rPr lang="en-US" smtClean="0"/>
-              <a:t>2022-08-19</a:t>
+              <a:t>8/21/2022</a:t>
             </a:fld>
             <a:endParaRPr lang="en-US"/>
           </a:p>
@@ -960,7 +962,7 @@
           <a:p>
             <a:fld id="{0A968979-5CB5-4E5D-B82F-DAC09775BD7D}" type="datetimeFigureOut">
               <a:rPr lang="en-US" smtClean="0"/>
-              <a:t>2022-08-19</a:t>
+              <a:t>8/21/2022</a:t>
             </a:fld>
             <a:endParaRPr lang="en-US"/>
           </a:p>
@@ -1130,7 +1132,7 @@
           <a:p>
             <a:fld id="{0A968979-5CB5-4E5D-B82F-DAC09775BD7D}" type="datetimeFigureOut">
               <a:rPr lang="en-US" smtClean="0"/>
-              <a:t>2022-08-19</a:t>
+              <a:t>8/21/2022</a:t>
             </a:fld>
             <a:endParaRPr lang="en-US"/>
           </a:p>
@@ -1376,7 +1378,7 @@
           <a:p>
             <a:fld id="{0A968979-5CB5-4E5D-B82F-DAC09775BD7D}" type="datetimeFigureOut">
               <a:rPr lang="en-US" smtClean="0"/>
-              <a:t>2022-08-19</a:t>
+              <a:t>8/21/2022</a:t>
             </a:fld>
             <a:endParaRPr lang="en-US"/>
           </a:p>
@@ -1608,7 +1610,7 @@
           <a:p>
             <a:fld id="{0A968979-5CB5-4E5D-B82F-DAC09775BD7D}" type="datetimeFigureOut">
               <a:rPr lang="en-US" smtClean="0"/>
-              <a:t>2022-08-19</a:t>
+              <a:t>8/21/2022</a:t>
             </a:fld>
             <a:endParaRPr lang="en-US"/>
           </a:p>
@@ -1975,7 +1977,7 @@
           <a:p>
             <a:fld id="{0A968979-5CB5-4E5D-B82F-DAC09775BD7D}" type="datetimeFigureOut">
               <a:rPr lang="en-US" smtClean="0"/>
-              <a:t>2022-08-19</a:t>
+              <a:t>8/21/2022</a:t>
             </a:fld>
             <a:endParaRPr lang="en-US"/>
           </a:p>
@@ -2093,7 +2095,7 @@
           <a:p>
             <a:fld id="{0A968979-5CB5-4E5D-B82F-DAC09775BD7D}" type="datetimeFigureOut">
               <a:rPr lang="en-US" smtClean="0"/>
-              <a:t>2022-08-19</a:t>
+              <a:t>8/21/2022</a:t>
             </a:fld>
             <a:endParaRPr lang="en-US"/>
           </a:p>
@@ -2188,7 +2190,7 @@
           <a:p>
             <a:fld id="{0A968979-5CB5-4E5D-B82F-DAC09775BD7D}" type="datetimeFigureOut">
               <a:rPr lang="en-US" smtClean="0"/>
-              <a:t>2022-08-19</a:t>
+              <a:t>8/21/2022</a:t>
             </a:fld>
             <a:endParaRPr lang="en-US"/>
           </a:p>
@@ -2465,7 +2467,7 @@
           <a:p>
             <a:fld id="{0A968979-5CB5-4E5D-B82F-DAC09775BD7D}" type="datetimeFigureOut">
               <a:rPr lang="en-US" smtClean="0"/>
-              <a:t>2022-08-19</a:t>
+              <a:t>8/21/2022</a:t>
             </a:fld>
             <a:endParaRPr lang="en-US"/>
           </a:p>
@@ -2722,7 +2724,7 @@
           <a:p>
             <a:fld id="{0A968979-5CB5-4E5D-B82F-DAC09775BD7D}" type="datetimeFigureOut">
               <a:rPr lang="en-US" smtClean="0"/>
-              <a:t>2022-08-19</a:t>
+              <a:t>8/21/2022</a:t>
             </a:fld>
             <a:endParaRPr lang="en-US"/>
           </a:p>
@@ -2935,7 +2937,7 @@
           <a:p>
             <a:fld id="{0A968979-5CB5-4E5D-B82F-DAC09775BD7D}" type="datetimeFigureOut">
               <a:rPr lang="en-US" smtClean="0"/>
-              <a:t>2022-08-19</a:t>
+              <a:t>8/21/2022</a:t>
             </a:fld>
             <a:endParaRPr lang="en-US"/>
           </a:p>
@@ -3446,7 +3448,7 @@
         </p:blipFill>
         <p:spPr>
           <a:xfrm>
-            <a:off x="1514283" y="1540812"/>
+            <a:off x="1514283" y="1405346"/>
             <a:ext cx="9163434" cy="4448638"/>
           </a:xfrm>
         </p:spPr>
@@ -3465,6 +3467,558 @@
 </file>
 
 <file path=ppt/slides/slide10.xml><?xml version="1.0" encoding="utf-8"?>
+<p:sld xmlns:a="http://schemas.openxmlformats.org/drawingml/2006/main" xmlns:r="http://schemas.openxmlformats.org/officeDocument/2006/relationships" xmlns:p="http://schemas.openxmlformats.org/presentationml/2006/main">
+  <p:cSld>
+    <p:spTree>
+      <p:nvGrpSpPr>
+        <p:cNvPr id="1" name=""/>
+        <p:cNvGrpSpPr/>
+        <p:nvPr/>
+      </p:nvGrpSpPr>
+      <p:grpSpPr>
+        <a:xfrm>
+          <a:off x="0" y="0"/>
+          <a:ext cx="0" cy="0"/>
+          <a:chOff x="0" y="0"/>
+          <a:chExt cx="0" cy="0"/>
+        </a:xfrm>
+      </p:grpSpPr>
+      <p:sp>
+        <p:nvSpPr>
+          <p:cNvPr id="2" name="Title 1">
+            <a:extLst>
+              <a:ext uri="{FF2B5EF4-FFF2-40B4-BE49-F238E27FC236}">
+                <a16:creationId xmlns:a16="http://schemas.microsoft.com/office/drawing/2014/main" id="{01EEE7D7-6934-40A0-A6EA-4300B8AF3E80}"/>
+              </a:ext>
+            </a:extLst>
+          </p:cNvPr>
+          <p:cNvSpPr>
+            <a:spLocks noGrp="1"/>
+          </p:cNvSpPr>
+          <p:nvPr>
+            <p:ph type="title"/>
+          </p:nvPr>
+        </p:nvSpPr>
+        <p:spPr>
+          <a:xfrm>
+            <a:off x="838200" y="18255"/>
+            <a:ext cx="10515600" cy="1325563"/>
+          </a:xfrm>
+        </p:spPr>
+        <p:txBody>
+          <a:bodyPr/>
+          <a:lstStyle/>
+          <a:p>
+            <a:pPr algn="ctr"/>
+            <a:r>
+              <a:rPr lang="en-US" dirty="0" err="1">
+                <a:latin typeface="Sylfaen" panose="010A0502050306030303" pitchFamily="18" charset="0"/>
+              </a:rPr>
+              <a:t>PreparedStatement</a:t>
+            </a:r>
+            <a:r>
+              <a:rPr lang="en-US" dirty="0">
+                <a:latin typeface="Sylfaen" panose="010A0502050306030303" pitchFamily="18" charset="0"/>
+              </a:rPr>
+              <a:t> interface</a:t>
+            </a:r>
+            <a:endParaRPr lang="en-US" dirty="0"/>
+          </a:p>
+        </p:txBody>
+      </p:sp>
+      <p:sp>
+        <p:nvSpPr>
+          <p:cNvPr id="3" name="Content Placeholder 2">
+            <a:extLst>
+              <a:ext uri="{FF2B5EF4-FFF2-40B4-BE49-F238E27FC236}">
+                <a16:creationId xmlns:a16="http://schemas.microsoft.com/office/drawing/2014/main" id="{61885F84-5C21-4B45-AFC4-043EDF7698F4}"/>
+              </a:ext>
+            </a:extLst>
+          </p:cNvPr>
+          <p:cNvSpPr>
+            <a:spLocks noGrp="1"/>
+          </p:cNvSpPr>
+          <p:nvPr>
+            <p:ph idx="1"/>
+          </p:nvPr>
+        </p:nvSpPr>
+        <p:spPr>
+          <a:xfrm>
+            <a:off x="838199" y="1343817"/>
+            <a:ext cx="10784566" cy="5027004"/>
+          </a:xfrm>
+        </p:spPr>
+        <p:txBody>
+          <a:bodyPr>
+            <a:normAutofit/>
+          </a:bodyPr>
+          <a:lstStyle/>
+          <a:p>
+            <a:pPr marL="0" indent="0">
+              <a:lnSpc>
+                <a:spcPct val="150000"/>
+              </a:lnSpc>
+              <a:buNone/>
+            </a:pPr>
+            <a:r>
+              <a:rPr lang="en-US" sz="3000" dirty="0">
+                <a:effectLst>
+                  <a:outerShdw blurRad="38100" dist="38100" dir="2700000" algn="tl">
+                    <a:srgbClr val="000000">
+                      <a:alpha val="43137"/>
+                    </a:srgbClr>
+                  </a:outerShdw>
+                </a:effectLst>
+                <a:latin typeface="Sylfaen" panose="010A0502050306030303" pitchFamily="18" charset="0"/>
+              </a:rPr>
+              <a:t>public void </a:t>
+            </a:r>
+            <a:r>
+              <a:rPr lang="en-US" sz="3000" dirty="0" err="1">
+                <a:effectLst>
+                  <a:outerShdw blurRad="38100" dist="38100" dir="2700000" algn="tl">
+                    <a:srgbClr val="000000">
+                      <a:alpha val="43137"/>
+                    </a:srgbClr>
+                  </a:outerShdw>
+                </a:effectLst>
+                <a:latin typeface="Sylfaen" panose="010A0502050306030303" pitchFamily="18" charset="0"/>
+              </a:rPr>
+              <a:t>setInt</a:t>
+            </a:r>
+            <a:r>
+              <a:rPr lang="en-US" sz="3000" dirty="0">
+                <a:effectLst>
+                  <a:outerShdw blurRad="38100" dist="38100" dir="2700000" algn="tl">
+                    <a:srgbClr val="000000">
+                      <a:alpha val="43137"/>
+                    </a:srgbClr>
+                  </a:outerShdw>
+                </a:effectLst>
+                <a:latin typeface="Sylfaen" panose="010A0502050306030303" pitchFamily="18" charset="0"/>
+              </a:rPr>
+              <a:t>(int </a:t>
+            </a:r>
+            <a:r>
+              <a:rPr lang="en-US" sz="3000" dirty="0" err="1">
+                <a:effectLst>
+                  <a:outerShdw blurRad="38100" dist="38100" dir="2700000" algn="tl">
+                    <a:srgbClr val="000000">
+                      <a:alpha val="43137"/>
+                    </a:srgbClr>
+                  </a:outerShdw>
+                </a:effectLst>
+                <a:latin typeface="Sylfaen" panose="010A0502050306030303" pitchFamily="18" charset="0"/>
+              </a:rPr>
+              <a:t>paramIndex</a:t>
+            </a:r>
+            <a:r>
+              <a:rPr lang="en-US" sz="3000" dirty="0">
+                <a:effectLst>
+                  <a:outerShdw blurRad="38100" dist="38100" dir="2700000" algn="tl">
+                    <a:srgbClr val="000000">
+                      <a:alpha val="43137"/>
+                    </a:srgbClr>
+                  </a:outerShdw>
+                </a:effectLst>
+                <a:latin typeface="Sylfaen" panose="010A0502050306030303" pitchFamily="18" charset="0"/>
+              </a:rPr>
+              <a:t>, int value)</a:t>
+            </a:r>
+          </a:p>
+          <a:p>
+            <a:pPr marL="0" indent="0">
+              <a:lnSpc>
+                <a:spcPct val="150000"/>
+              </a:lnSpc>
+              <a:buNone/>
+            </a:pPr>
+            <a:r>
+              <a:rPr lang="en-US" sz="3000" dirty="0">
+                <a:effectLst>
+                  <a:outerShdw blurRad="38100" dist="38100" dir="2700000" algn="tl">
+                    <a:srgbClr val="000000">
+                      <a:alpha val="43137"/>
+                    </a:srgbClr>
+                  </a:outerShdw>
+                </a:effectLst>
+                <a:latin typeface="Sylfaen" panose="010A0502050306030303" pitchFamily="18" charset="0"/>
+              </a:rPr>
+              <a:t>public void </a:t>
+            </a:r>
+            <a:r>
+              <a:rPr lang="en-US" sz="3000" dirty="0" err="1">
+                <a:effectLst>
+                  <a:outerShdw blurRad="38100" dist="38100" dir="2700000" algn="tl">
+                    <a:srgbClr val="000000">
+                      <a:alpha val="43137"/>
+                    </a:srgbClr>
+                  </a:outerShdw>
+                </a:effectLst>
+                <a:latin typeface="Sylfaen" panose="010A0502050306030303" pitchFamily="18" charset="0"/>
+              </a:rPr>
+              <a:t>setString</a:t>
+            </a:r>
+            <a:r>
+              <a:rPr lang="en-US" sz="3000" dirty="0">
+                <a:effectLst>
+                  <a:outerShdw blurRad="38100" dist="38100" dir="2700000" algn="tl">
+                    <a:srgbClr val="000000">
+                      <a:alpha val="43137"/>
+                    </a:srgbClr>
+                  </a:outerShdw>
+                </a:effectLst>
+                <a:latin typeface="Sylfaen" panose="010A0502050306030303" pitchFamily="18" charset="0"/>
+              </a:rPr>
+              <a:t>(int </a:t>
+            </a:r>
+            <a:r>
+              <a:rPr lang="en-US" sz="3000" dirty="0" err="1">
+                <a:effectLst>
+                  <a:outerShdw blurRad="38100" dist="38100" dir="2700000" algn="tl">
+                    <a:srgbClr val="000000">
+                      <a:alpha val="43137"/>
+                    </a:srgbClr>
+                  </a:outerShdw>
+                </a:effectLst>
+                <a:latin typeface="Sylfaen" panose="010A0502050306030303" pitchFamily="18" charset="0"/>
+              </a:rPr>
+              <a:t>paramIndex</a:t>
+            </a:r>
+            <a:r>
+              <a:rPr lang="en-US" sz="3000" dirty="0">
+                <a:effectLst>
+                  <a:outerShdw blurRad="38100" dist="38100" dir="2700000" algn="tl">
+                    <a:srgbClr val="000000">
+                      <a:alpha val="43137"/>
+                    </a:srgbClr>
+                  </a:outerShdw>
+                </a:effectLst>
+                <a:latin typeface="Sylfaen" panose="010A0502050306030303" pitchFamily="18" charset="0"/>
+              </a:rPr>
+              <a:t>, String value)</a:t>
+            </a:r>
+          </a:p>
+          <a:p>
+            <a:pPr marL="0" indent="0">
+              <a:lnSpc>
+                <a:spcPct val="150000"/>
+              </a:lnSpc>
+              <a:buNone/>
+            </a:pPr>
+            <a:r>
+              <a:rPr lang="en-US" sz="3000" dirty="0">
+                <a:effectLst>
+                  <a:outerShdw blurRad="38100" dist="38100" dir="2700000" algn="tl">
+                    <a:srgbClr val="000000">
+                      <a:alpha val="43137"/>
+                    </a:srgbClr>
+                  </a:outerShdw>
+                </a:effectLst>
+                <a:latin typeface="Sylfaen" panose="010A0502050306030303" pitchFamily="18" charset="0"/>
+              </a:rPr>
+              <a:t>public void </a:t>
+            </a:r>
+            <a:r>
+              <a:rPr lang="en-US" sz="3000" dirty="0" err="1">
+                <a:effectLst>
+                  <a:outerShdw blurRad="38100" dist="38100" dir="2700000" algn="tl">
+                    <a:srgbClr val="000000">
+                      <a:alpha val="43137"/>
+                    </a:srgbClr>
+                  </a:outerShdw>
+                </a:effectLst>
+                <a:latin typeface="Sylfaen" panose="010A0502050306030303" pitchFamily="18" charset="0"/>
+              </a:rPr>
+              <a:t>setFloat</a:t>
+            </a:r>
+            <a:r>
+              <a:rPr lang="en-US" sz="3000" dirty="0">
+                <a:effectLst>
+                  <a:outerShdw blurRad="38100" dist="38100" dir="2700000" algn="tl">
+                    <a:srgbClr val="000000">
+                      <a:alpha val="43137"/>
+                    </a:srgbClr>
+                  </a:outerShdw>
+                </a:effectLst>
+                <a:latin typeface="Sylfaen" panose="010A0502050306030303" pitchFamily="18" charset="0"/>
+              </a:rPr>
+              <a:t>(int </a:t>
+            </a:r>
+            <a:r>
+              <a:rPr lang="en-US" sz="3000" dirty="0" err="1">
+                <a:effectLst>
+                  <a:outerShdw blurRad="38100" dist="38100" dir="2700000" algn="tl">
+                    <a:srgbClr val="000000">
+                      <a:alpha val="43137"/>
+                    </a:srgbClr>
+                  </a:outerShdw>
+                </a:effectLst>
+                <a:latin typeface="Sylfaen" panose="010A0502050306030303" pitchFamily="18" charset="0"/>
+              </a:rPr>
+              <a:t>paramIndex</a:t>
+            </a:r>
+            <a:r>
+              <a:rPr lang="en-US" sz="3000" dirty="0">
+                <a:effectLst>
+                  <a:outerShdw blurRad="38100" dist="38100" dir="2700000" algn="tl">
+                    <a:srgbClr val="000000">
+                      <a:alpha val="43137"/>
+                    </a:srgbClr>
+                  </a:outerShdw>
+                </a:effectLst>
+                <a:latin typeface="Sylfaen" panose="010A0502050306030303" pitchFamily="18" charset="0"/>
+              </a:rPr>
+              <a:t>, float value)</a:t>
+            </a:r>
+          </a:p>
+          <a:p>
+            <a:pPr marL="0" indent="0">
+              <a:lnSpc>
+                <a:spcPct val="150000"/>
+              </a:lnSpc>
+              <a:buNone/>
+            </a:pPr>
+            <a:r>
+              <a:rPr lang="en-US" sz="3000" dirty="0">
+                <a:effectLst>
+                  <a:outerShdw blurRad="38100" dist="38100" dir="2700000" algn="tl">
+                    <a:srgbClr val="000000">
+                      <a:alpha val="43137"/>
+                    </a:srgbClr>
+                  </a:outerShdw>
+                </a:effectLst>
+                <a:latin typeface="Sylfaen" panose="010A0502050306030303" pitchFamily="18" charset="0"/>
+              </a:rPr>
+              <a:t>public void </a:t>
+            </a:r>
+            <a:r>
+              <a:rPr lang="en-US" sz="3000" dirty="0" err="1">
+                <a:effectLst>
+                  <a:outerShdw blurRad="38100" dist="38100" dir="2700000" algn="tl">
+                    <a:srgbClr val="000000">
+                      <a:alpha val="43137"/>
+                    </a:srgbClr>
+                  </a:outerShdw>
+                </a:effectLst>
+                <a:latin typeface="Sylfaen" panose="010A0502050306030303" pitchFamily="18" charset="0"/>
+              </a:rPr>
+              <a:t>setDouble</a:t>
+            </a:r>
+            <a:r>
+              <a:rPr lang="en-US" sz="3000" dirty="0">
+                <a:effectLst>
+                  <a:outerShdw blurRad="38100" dist="38100" dir="2700000" algn="tl">
+                    <a:srgbClr val="000000">
+                      <a:alpha val="43137"/>
+                    </a:srgbClr>
+                  </a:outerShdw>
+                </a:effectLst>
+                <a:latin typeface="Sylfaen" panose="010A0502050306030303" pitchFamily="18" charset="0"/>
+              </a:rPr>
+              <a:t>(int </a:t>
+            </a:r>
+            <a:r>
+              <a:rPr lang="en-US" sz="3000" dirty="0" err="1">
+                <a:effectLst>
+                  <a:outerShdw blurRad="38100" dist="38100" dir="2700000" algn="tl">
+                    <a:srgbClr val="000000">
+                      <a:alpha val="43137"/>
+                    </a:srgbClr>
+                  </a:outerShdw>
+                </a:effectLst>
+                <a:latin typeface="Sylfaen" panose="010A0502050306030303" pitchFamily="18" charset="0"/>
+              </a:rPr>
+              <a:t>paramIndex</a:t>
+            </a:r>
+            <a:r>
+              <a:rPr lang="en-US" sz="3000" dirty="0">
+                <a:effectLst>
+                  <a:outerShdw blurRad="38100" dist="38100" dir="2700000" algn="tl">
+                    <a:srgbClr val="000000">
+                      <a:alpha val="43137"/>
+                    </a:srgbClr>
+                  </a:outerShdw>
+                </a:effectLst>
+                <a:latin typeface="Sylfaen" panose="010A0502050306030303" pitchFamily="18" charset="0"/>
+              </a:rPr>
+              <a:t>, double value)</a:t>
+            </a:r>
+          </a:p>
+          <a:p>
+            <a:pPr marL="0" indent="0">
+              <a:lnSpc>
+                <a:spcPct val="150000"/>
+              </a:lnSpc>
+              <a:buNone/>
+            </a:pPr>
+            <a:r>
+              <a:rPr lang="en-US" sz="3000" dirty="0">
+                <a:effectLst>
+                  <a:outerShdw blurRad="38100" dist="38100" dir="2700000" algn="tl">
+                    <a:srgbClr val="000000">
+                      <a:alpha val="43137"/>
+                    </a:srgbClr>
+                  </a:outerShdw>
+                </a:effectLst>
+                <a:latin typeface="Sylfaen" panose="010A0502050306030303" pitchFamily="18" charset="0"/>
+              </a:rPr>
+              <a:t>public int </a:t>
+            </a:r>
+            <a:r>
+              <a:rPr lang="en-US" sz="3000" dirty="0" err="1">
+                <a:effectLst>
+                  <a:outerShdw blurRad="38100" dist="38100" dir="2700000" algn="tl">
+                    <a:srgbClr val="000000">
+                      <a:alpha val="43137"/>
+                    </a:srgbClr>
+                  </a:outerShdw>
+                </a:effectLst>
+                <a:latin typeface="Sylfaen" panose="010A0502050306030303" pitchFamily="18" charset="0"/>
+              </a:rPr>
+              <a:t>executeUpdate</a:t>
+            </a:r>
+            <a:r>
+              <a:rPr lang="en-US" sz="3000" dirty="0">
+                <a:effectLst>
+                  <a:outerShdw blurRad="38100" dist="38100" dir="2700000" algn="tl">
+                    <a:srgbClr val="000000">
+                      <a:alpha val="43137"/>
+                    </a:srgbClr>
+                  </a:outerShdw>
+                </a:effectLst>
+                <a:latin typeface="Sylfaen" panose="010A0502050306030303" pitchFamily="18" charset="0"/>
+              </a:rPr>
+              <a:t>()</a:t>
+            </a:r>
+          </a:p>
+          <a:p>
+            <a:pPr marL="0" indent="0">
+              <a:lnSpc>
+                <a:spcPct val="150000"/>
+              </a:lnSpc>
+              <a:buNone/>
+            </a:pPr>
+            <a:r>
+              <a:rPr lang="en-US" sz="3000" dirty="0">
+                <a:effectLst>
+                  <a:outerShdw blurRad="38100" dist="38100" dir="2700000" algn="tl">
+                    <a:srgbClr val="000000">
+                      <a:alpha val="43137"/>
+                    </a:srgbClr>
+                  </a:outerShdw>
+                </a:effectLst>
+                <a:latin typeface="Sylfaen" panose="010A0502050306030303" pitchFamily="18" charset="0"/>
+              </a:rPr>
+              <a:t>public </a:t>
+            </a:r>
+            <a:r>
+              <a:rPr lang="en-US" sz="3000" dirty="0" err="1">
+                <a:effectLst>
+                  <a:outerShdw blurRad="38100" dist="38100" dir="2700000" algn="tl">
+                    <a:srgbClr val="000000">
+                      <a:alpha val="43137"/>
+                    </a:srgbClr>
+                  </a:outerShdw>
+                </a:effectLst>
+                <a:latin typeface="Sylfaen" panose="010A0502050306030303" pitchFamily="18" charset="0"/>
+              </a:rPr>
+              <a:t>ResultSet</a:t>
+            </a:r>
+            <a:r>
+              <a:rPr lang="en-US" sz="3000" dirty="0">
+                <a:effectLst>
+                  <a:outerShdw blurRad="38100" dist="38100" dir="2700000" algn="tl">
+                    <a:srgbClr val="000000">
+                      <a:alpha val="43137"/>
+                    </a:srgbClr>
+                  </a:outerShdw>
+                </a:effectLst>
+                <a:latin typeface="Sylfaen" panose="010A0502050306030303" pitchFamily="18" charset="0"/>
+              </a:rPr>
+              <a:t> </a:t>
+            </a:r>
+            <a:r>
+              <a:rPr lang="en-US" sz="3000" dirty="0" err="1">
+                <a:effectLst>
+                  <a:outerShdw blurRad="38100" dist="38100" dir="2700000" algn="tl">
+                    <a:srgbClr val="000000">
+                      <a:alpha val="43137"/>
+                    </a:srgbClr>
+                  </a:outerShdw>
+                </a:effectLst>
+                <a:latin typeface="Sylfaen" panose="010A0502050306030303" pitchFamily="18" charset="0"/>
+              </a:rPr>
+              <a:t>executeQuery</a:t>
+            </a:r>
+            <a:r>
+              <a:rPr lang="en-US" sz="3000" dirty="0">
+                <a:effectLst>
+                  <a:outerShdw blurRad="38100" dist="38100" dir="2700000" algn="tl">
+                    <a:srgbClr val="000000">
+                      <a:alpha val="43137"/>
+                    </a:srgbClr>
+                  </a:outerShdw>
+                </a:effectLst>
+                <a:latin typeface="Sylfaen" panose="010A0502050306030303" pitchFamily="18" charset="0"/>
+              </a:rPr>
+              <a:t>()</a:t>
+            </a:r>
+          </a:p>
+        </p:txBody>
+      </p:sp>
+      <p:cxnSp>
+        <p:nvCxnSpPr>
+          <p:cNvPr id="4" name="Straight Connector 3">
+            <a:extLst>
+              <a:ext uri="{FF2B5EF4-FFF2-40B4-BE49-F238E27FC236}">
+                <a16:creationId xmlns:a16="http://schemas.microsoft.com/office/drawing/2014/main" id="{64BEDF21-2142-4A0D-AF6B-ECC5A512655F}"/>
+              </a:ext>
+            </a:extLst>
+          </p:cNvPr>
+          <p:cNvCxnSpPr>
+            <a:cxnSpLocks/>
+          </p:cNvCxnSpPr>
+          <p:nvPr/>
+        </p:nvCxnSpPr>
+        <p:spPr>
+          <a:xfrm>
+            <a:off x="569235" y="1156156"/>
+            <a:ext cx="11053530" cy="0"/>
+          </a:xfrm>
+          <a:prstGeom prst="line">
+            <a:avLst/>
+          </a:prstGeom>
+        </p:spPr>
+        <p:style>
+          <a:lnRef idx="3">
+            <a:schemeClr val="accent1"/>
+          </a:lnRef>
+          <a:fillRef idx="0">
+            <a:schemeClr val="accent1"/>
+          </a:fillRef>
+          <a:effectRef idx="2">
+            <a:schemeClr val="accent1"/>
+          </a:effectRef>
+          <a:fontRef idx="minor">
+            <a:schemeClr val="tx1"/>
+          </a:fontRef>
+        </p:style>
+      </p:cxnSp>
+    </p:spTree>
+    <p:extLst>
+      <p:ext uri="{BB962C8B-B14F-4D97-AF65-F5344CB8AC3E}">
+        <p14:creationId xmlns:p14="http://schemas.microsoft.com/office/powerpoint/2010/main" val="2164032351"/>
+      </p:ext>
+    </p:extLst>
+  </p:cSld>
+  <p:clrMapOvr>
+    <a:masterClrMapping/>
+  </p:clrMapOvr>
+</p:sld>
+</file>
+
+<file path=ppt/slides/slide11.xml><?xml version="1.0" encoding="utf-8"?>
 <p:sld xmlns:a="http://schemas.openxmlformats.org/drawingml/2006/main" xmlns:r="http://schemas.openxmlformats.org/officeDocument/2006/relationships" xmlns:p="http://schemas.openxmlformats.org/presentationml/2006/main">
   <p:cSld>
     <p:spTree>
@@ -3542,7 +4096,7 @@
         </p:nvSpPr>
         <p:spPr>
           <a:xfrm>
-            <a:off x="759577" y="1577811"/>
+            <a:off x="838200" y="2029366"/>
             <a:ext cx="11243872" cy="4522364"/>
           </a:xfrm>
         </p:spPr>
@@ -3595,7 +4149,7 @@
                 </a:effectLst>
                 <a:latin typeface="Sylfaen" panose="010A0502050306030303" pitchFamily="18" charset="0"/>
               </a:rPr>
-              <a:t>() </a:t>
+              <a:t>()</a:t>
             </a:r>
           </a:p>
           <a:p>
@@ -3642,7 +4196,7 @@
                 </a:effectLst>
                 <a:latin typeface="Sylfaen" panose="010A0502050306030303" pitchFamily="18" charset="0"/>
               </a:rPr>
-              <a:t>(int index) </a:t>
+              <a:t>(int index)</a:t>
             </a:r>
           </a:p>
           <a:p>
@@ -3677,53 +4231,6 @@
                 <a:latin typeface="Sylfaen" panose="010A0502050306030303" pitchFamily="18" charset="0"/>
               </a:rPr>
               <a:t>getColumnTypeName</a:t>
-            </a:r>
-            <a:r>
-              <a:rPr lang="en-US" sz="3000" dirty="0">
-                <a:effectLst>
-                  <a:outerShdw blurRad="38100" dist="38100" dir="2700000" algn="tl">
-                    <a:srgbClr val="000000">
-                      <a:alpha val="43137"/>
-                    </a:srgbClr>
-                  </a:outerShdw>
-                </a:effectLst>
-                <a:latin typeface="Sylfaen" panose="010A0502050306030303" pitchFamily="18" charset="0"/>
-              </a:rPr>
-              <a:t>(int index) </a:t>
-            </a:r>
-          </a:p>
-          <a:p>
-            <a:pPr marL="0" indent="0">
-              <a:lnSpc>
-                <a:spcPct val="200000"/>
-              </a:lnSpc>
-              <a:buNone/>
-            </a:pPr>
-            <a:r>
-              <a:rPr lang="en-US" sz="3000" dirty="0">
-                <a:effectLst>
-                  <a:outerShdw blurRad="38100" dist="38100" dir="2700000" algn="tl">
-                    <a:srgbClr val="000000">
-                      <a:alpha val="43137"/>
-                    </a:srgbClr>
-                  </a:outerShdw>
-                </a:effectLst>
-                <a:latin typeface="Sylfaen" panose="010A0502050306030303" pitchFamily="18" charset="0"/>
-              </a:rPr>
-              <a:t>public String </a:t>
-            </a:r>
-            <a:r>
-              <a:rPr lang="en-US" sz="3000" dirty="0" err="1">
-                <a:effectLst>
-                  <a:outerShdw blurRad="38100" dist="38100" dir="2700000" algn="tl">
-                    <a:srgbClr val="000000">
-                      <a:alpha val="43137"/>
-                    </a:srgbClr>
-                  </a:outerShdw>
-                </a:effectLst>
-                <a:latin typeface="Sylfaen" panose="010A0502050306030303" pitchFamily="18" charset="0"/>
-              </a:rPr>
-              <a:t>getTableName</a:t>
             </a:r>
             <a:r>
               <a:rPr lang="en-US" sz="3000" dirty="0">
@@ -3792,7 +4299,7 @@
 </p:sld>
 </file>
 
-<file path=ppt/slides/slide11.xml><?xml version="1.0" encoding="utf-8"?>
+<file path=ppt/slides/slide12.xml><?xml version="1.0" encoding="utf-8"?>
 <p:sld xmlns:a="http://schemas.openxmlformats.org/drawingml/2006/main" xmlns:r="http://schemas.openxmlformats.org/officeDocument/2006/relationships" xmlns:p="http://schemas.openxmlformats.org/presentationml/2006/main">
   <p:cSld>
     <p:spTree>
@@ -3870,7 +4377,7 @@
         </p:nvSpPr>
         <p:spPr>
           <a:xfrm>
-            <a:off x="1163877" y="1216117"/>
+            <a:off x="1276766" y="1645095"/>
             <a:ext cx="9069887" cy="5297413"/>
           </a:xfrm>
         </p:spPr>
@@ -3882,7 +4389,7 @@
           <a:p>
             <a:pPr marL="0" indent="0" algn="just">
               <a:lnSpc>
-                <a:spcPct val="200000"/>
+                <a:spcPct val="150000"/>
               </a:lnSpc>
               <a:buNone/>
             </a:pPr>
@@ -3929,7 +4436,7 @@
           <a:p>
             <a:pPr marL="0" indent="0" algn="just">
               <a:lnSpc>
-                <a:spcPct val="200000"/>
+                <a:spcPct val="150000"/>
               </a:lnSpc>
               <a:buNone/>
             </a:pPr>
@@ -3976,7 +4483,7 @@
           <a:p>
             <a:pPr marL="0" indent="0" algn="just">
               <a:lnSpc>
-                <a:spcPct val="200000"/>
+                <a:spcPct val="150000"/>
               </a:lnSpc>
               <a:buNone/>
             </a:pPr>
@@ -4023,7 +4530,7 @@
           <a:p>
             <a:pPr marL="0" indent="0" algn="just">
               <a:lnSpc>
-                <a:spcPct val="200000"/>
+                <a:spcPct val="150000"/>
               </a:lnSpc>
               <a:buNone/>
             </a:pPr>
@@ -4070,7 +4577,7 @@
           <a:p>
             <a:pPr marL="0" indent="0" algn="just">
               <a:lnSpc>
-                <a:spcPct val="200000"/>
+                <a:spcPct val="150000"/>
               </a:lnSpc>
               <a:buNone/>
             </a:pPr>
@@ -4168,7 +4675,7 @@
 </p:sld>
 </file>
 
-<file path=ppt/slides/slide12.xml><?xml version="1.0" encoding="utf-8"?>
+<file path=ppt/slides/slide13.xml><?xml version="1.0" encoding="utf-8"?>
 <p:sld xmlns:a="http://schemas.openxmlformats.org/drawingml/2006/main" xmlns:r="http://schemas.openxmlformats.org/officeDocument/2006/relationships" xmlns:p="http://schemas.openxmlformats.org/presentationml/2006/main">
   <p:cSld>
     <p:spTree>
@@ -4240,8 +4747,8 @@
         </p:nvSpPr>
         <p:spPr>
           <a:xfrm>
-            <a:off x="414752" y="1153486"/>
-            <a:ext cx="11362496" cy="5481774"/>
+            <a:off x="414752" y="1458286"/>
+            <a:ext cx="11362496" cy="4468379"/>
           </a:xfrm>
         </p:spPr>
         <p:txBody>
@@ -4555,197 +5062,6 @@
               </a:rPr>
               <a:t>(2);</a:t>
             </a:r>
-          </a:p>
-          <a:p>
-            <a:pPr marL="0" indent="0">
-              <a:lnSpc>
-                <a:spcPct val="150000"/>
-              </a:lnSpc>
-              <a:buNone/>
-            </a:pPr>
-            <a:r>
-              <a:rPr lang="en-US" sz="3000" dirty="0">
-                <a:solidFill>
-                  <a:srgbClr val="FF0000"/>
-                </a:solidFill>
-                <a:effectLst>
-                  <a:outerShdw blurRad="38100" dist="38100" dir="2700000" algn="tl">
-                    <a:srgbClr val="000000">
-                      <a:alpha val="43137"/>
-                    </a:srgbClr>
-                  </a:outerShdw>
-                </a:effectLst>
-                <a:latin typeface="Sylfaen" panose="010A0502050306030303" pitchFamily="18" charset="0"/>
-              </a:rPr>
-              <a:t>Byte [] bytes = </a:t>
-            </a:r>
-            <a:r>
-              <a:rPr lang="en-US" sz="3000" dirty="0" err="1">
-                <a:solidFill>
-                  <a:srgbClr val="FF0000"/>
-                </a:solidFill>
-                <a:effectLst>
-                  <a:outerShdw blurRad="38100" dist="38100" dir="2700000" algn="tl">
-                    <a:srgbClr val="000000">
-                      <a:alpha val="43137"/>
-                    </a:srgbClr>
-                  </a:outerShdw>
-                </a:effectLst>
-                <a:latin typeface="Sylfaen" panose="010A0502050306030303" pitchFamily="18" charset="0"/>
-              </a:rPr>
-              <a:t>blob.getBytes</a:t>
-            </a:r>
-            <a:r>
-              <a:rPr lang="en-US" sz="3000" dirty="0">
-                <a:solidFill>
-                  <a:srgbClr val="FF0000"/>
-                </a:solidFill>
-                <a:effectLst>
-                  <a:outerShdw blurRad="38100" dist="38100" dir="2700000" algn="tl">
-                    <a:srgbClr val="000000">
-                      <a:alpha val="43137"/>
-                    </a:srgbClr>
-                  </a:outerShdw>
-                </a:effectLst>
-                <a:latin typeface="Sylfaen" panose="010A0502050306030303" pitchFamily="18" charset="0"/>
-              </a:rPr>
-              <a:t>(1, </a:t>
-            </a:r>
-            <a:r>
-              <a:rPr lang="en-US" sz="3000" dirty="0" err="1">
-                <a:solidFill>
-                  <a:srgbClr val="FF0000"/>
-                </a:solidFill>
-                <a:effectLst>
-                  <a:outerShdw blurRad="38100" dist="38100" dir="2700000" algn="tl">
-                    <a:srgbClr val="000000">
-                      <a:alpha val="43137"/>
-                    </a:srgbClr>
-                  </a:outerShdw>
-                </a:effectLst>
-                <a:latin typeface="Sylfaen" panose="010A0502050306030303" pitchFamily="18" charset="0"/>
-              </a:rPr>
-              <a:t>blob.length</a:t>
-            </a:r>
-            <a:r>
-              <a:rPr lang="en-US" sz="3000" dirty="0">
-                <a:solidFill>
-                  <a:srgbClr val="FF0000"/>
-                </a:solidFill>
-                <a:effectLst>
-                  <a:outerShdw blurRad="38100" dist="38100" dir="2700000" algn="tl">
-                    <a:srgbClr val="000000">
-                      <a:alpha val="43137"/>
-                    </a:srgbClr>
-                  </a:outerShdw>
-                </a:effectLst>
-                <a:latin typeface="Sylfaen" panose="010A0502050306030303" pitchFamily="18" charset="0"/>
-              </a:rPr>
-              <a:t>());</a:t>
-            </a:r>
-          </a:p>
-          <a:p>
-            <a:pPr marL="0" indent="0">
-              <a:lnSpc>
-                <a:spcPct val="150000"/>
-              </a:lnSpc>
-              <a:buNone/>
-            </a:pPr>
-            <a:r>
-              <a:rPr lang="en-US" sz="3000" dirty="0">
-                <a:solidFill>
-                  <a:srgbClr val="FF0000"/>
-                </a:solidFill>
-                <a:effectLst>
-                  <a:outerShdw blurRad="38100" dist="38100" dir="2700000" algn="tl">
-                    <a:srgbClr val="000000">
-                      <a:alpha val="43137"/>
-                    </a:srgbClr>
-                  </a:outerShdw>
-                </a:effectLst>
-                <a:latin typeface="Sylfaen" panose="010A0502050306030303" pitchFamily="18" charset="0"/>
-              </a:rPr>
-              <a:t>new </a:t>
-            </a:r>
-            <a:r>
-              <a:rPr lang="en-US" sz="3000" dirty="0" err="1">
-                <a:solidFill>
-                  <a:srgbClr val="FF0000"/>
-                </a:solidFill>
-                <a:effectLst>
-                  <a:outerShdw blurRad="38100" dist="38100" dir="2700000" algn="tl">
-                    <a:srgbClr val="000000">
-                      <a:alpha val="43137"/>
-                    </a:srgbClr>
-                  </a:outerShdw>
-                </a:effectLst>
-                <a:latin typeface="Sylfaen" panose="010A0502050306030303" pitchFamily="18" charset="0"/>
-              </a:rPr>
-              <a:t>FileOutputStream</a:t>
-            </a:r>
-            <a:r>
-              <a:rPr lang="en-US" sz="3000" dirty="0">
-                <a:solidFill>
-                  <a:srgbClr val="FF0000"/>
-                </a:solidFill>
-                <a:effectLst>
-                  <a:outerShdw blurRad="38100" dist="38100" dir="2700000" algn="tl">
-                    <a:srgbClr val="000000">
-                      <a:alpha val="43137"/>
-                    </a:srgbClr>
-                  </a:outerShdw>
-                </a:effectLst>
-                <a:latin typeface="Sylfaen" panose="010A0502050306030303" pitchFamily="18" charset="0"/>
-              </a:rPr>
-              <a:t>(</a:t>
-            </a:r>
-            <a:r>
-              <a:rPr lang="en-US" sz="3000" dirty="0" err="1">
-                <a:solidFill>
-                  <a:srgbClr val="FF0000"/>
-                </a:solidFill>
-                <a:effectLst>
-                  <a:outerShdw blurRad="38100" dist="38100" dir="2700000" algn="tl">
-                    <a:srgbClr val="000000">
-                      <a:alpha val="43137"/>
-                    </a:srgbClr>
-                  </a:outerShdw>
-                </a:effectLst>
-                <a:latin typeface="Sylfaen" panose="010A0502050306030303" pitchFamily="18" charset="0"/>
-              </a:rPr>
-              <a:t>filePath</a:t>
-            </a:r>
-            <a:r>
-              <a:rPr lang="en-US" sz="3000" dirty="0">
-                <a:solidFill>
-                  <a:srgbClr val="FF0000"/>
-                </a:solidFill>
-                <a:effectLst>
-                  <a:outerShdw blurRad="38100" dist="38100" dir="2700000" algn="tl">
-                    <a:srgbClr val="000000">
-                      <a:alpha val="43137"/>
-                    </a:srgbClr>
-                  </a:outerShdw>
-                </a:effectLst>
-                <a:latin typeface="Sylfaen" panose="010A0502050306030303" pitchFamily="18" charset="0"/>
-              </a:rPr>
-              <a:t>).write(bytes);</a:t>
-            </a:r>
-          </a:p>
-          <a:p>
-            <a:pPr marL="0" indent="0">
-              <a:buNone/>
-            </a:pPr>
-            <a:endParaRPr lang="en-US" sz="3000" dirty="0">
-              <a:effectLst>
-                <a:outerShdw blurRad="38100" dist="38100" dir="2700000" algn="tl">
-                  <a:srgbClr val="000000">
-                    <a:alpha val="43137"/>
-                  </a:srgbClr>
-                </a:outerShdw>
-              </a:effectLst>
-              <a:latin typeface="Sylfaen" panose="010A0502050306030303" pitchFamily="18" charset="0"/>
-            </a:endParaRPr>
           </a:p>
           <a:p>
             <a:pPr marL="0" indent="0">
@@ -4830,7 +5146,7 @@
 </p:sld>
 </file>
 
-<file path=ppt/slides/slide13.xml><?xml version="1.0" encoding="utf-8"?>
+<file path=ppt/slides/slide14.xml><?xml version="1.0" encoding="utf-8"?>
 <p:sld xmlns:a="http://schemas.openxmlformats.org/drawingml/2006/main" xmlns:r="http://schemas.openxmlformats.org/officeDocument/2006/relationships" xmlns:p="http://schemas.openxmlformats.org/presentationml/2006/main">
   <p:cSld>
     <p:spTree>
@@ -4902,7 +5218,7 @@
         </p:nvSpPr>
         <p:spPr>
           <a:xfrm>
-            <a:off x="569235" y="1227224"/>
+            <a:off x="838200" y="1227225"/>
             <a:ext cx="11330491" cy="5399035"/>
           </a:xfrm>
         </p:spPr>
@@ -5174,33 +5490,7 @@
                 </a:effectLst>
                 <a:latin typeface="Sylfaen" panose="010A0502050306030303" pitchFamily="18" charset="0"/>
               </a:rPr>
-              <a:t>preparedStatement</a:t>
-            </a:r>
-            <a:r>
-              <a:rPr lang="en-US" sz="3000" dirty="0">
-                <a:effectLst>
-                  <a:outerShdw blurRad="38100" dist="38100" dir="2700000" algn="tl">
-                    <a:srgbClr val="000000">
-                      <a:alpha val="43137"/>
-                    </a:srgbClr>
-                  </a:outerShdw>
-                </a:effectLst>
-                <a:latin typeface="Sylfaen" panose="010A0502050306030303" pitchFamily="18" charset="0"/>
-              </a:rPr>
-              <a:t>. </a:t>
-            </a:r>
-            <a:r>
-              <a:rPr lang="en-US" sz="3000" dirty="0" err="1">
-                <a:effectLst>
-                  <a:outerShdw blurRad="38100" dist="38100" dir="2700000" algn="tl">
-                    <a:srgbClr val="000000">
-                      <a:alpha val="43137"/>
-                    </a:srgbClr>
-                  </a:outerShdw>
-                </a:effectLst>
-                <a:latin typeface="Sylfaen" panose="010A0502050306030303" pitchFamily="18" charset="0"/>
-              </a:rPr>
-              <a:t>setCharacterStream</a:t>
+              <a:t>preparedStatement.setCharacterStream</a:t>
             </a:r>
             <a:r>
               <a:rPr lang="en-US" sz="3000" dirty="0">
@@ -5279,7 +5569,33 @@
                 </a:effectLst>
                 <a:latin typeface="Sylfaen" panose="010A0502050306030303" pitchFamily="18" charset="0"/>
               </a:rPr>
-              <a:t> blob = </a:t>
+              <a:t> </a:t>
+            </a:r>
+            <a:r>
+              <a:rPr lang="en-US" sz="2800" dirty="0" err="1">
+                <a:effectLst>
+                  <a:outerShdw blurRad="38100" dist="38100" dir="2700000" algn="tl">
+                    <a:srgbClr val="000000">
+                      <a:alpha val="43137"/>
+                    </a:srgbClr>
+                  </a:outerShdw>
+                </a:effectLst>
+                <a:latin typeface="Sylfaen" panose="010A0502050306030303" pitchFamily="18" charset="0"/>
+              </a:rPr>
+              <a:t>clob</a:t>
+            </a:r>
+            <a:r>
+              <a:rPr lang="en-US" sz="2800" dirty="0">
+                <a:effectLst>
+                  <a:outerShdw blurRad="38100" dist="38100" dir="2700000" algn="tl">
+                    <a:srgbClr val="000000">
+                      <a:alpha val="43137"/>
+                    </a:srgbClr>
+                  </a:outerShdw>
+                </a:effectLst>
+                <a:latin typeface="Sylfaen" panose="010A0502050306030303" pitchFamily="18" charset="0"/>
+              </a:rPr>
+              <a:t> = </a:t>
             </a:r>
             <a:r>
               <a:rPr lang="en-US" sz="2800" dirty="0" err="1">
@@ -5367,7 +5683,7 @@
 </p:sld>
 </file>
 
-<file path=ppt/slides/slide14.xml><?xml version="1.0" encoding="utf-8"?>
+<file path=ppt/slides/slide15.xml><?xml version="1.0" encoding="utf-8"?>
 <p:sld xmlns:a="http://schemas.openxmlformats.org/drawingml/2006/main" xmlns:r="http://schemas.openxmlformats.org/officeDocument/2006/relationships" xmlns:p="http://schemas.openxmlformats.org/presentationml/2006/main">
   <p:cSld>
     <p:spTree>
@@ -5754,7 +6070,7 @@
 </p:sld>
 </file>
 
-<file path=ppt/slides/slide15.xml><?xml version="1.0" encoding="utf-8"?>
+<file path=ppt/slides/slide16.xml><?xml version="1.0" encoding="utf-8"?>
 <p:sld xmlns:a="http://schemas.openxmlformats.org/drawingml/2006/main" xmlns:r="http://schemas.openxmlformats.org/officeDocument/2006/relationships" xmlns:p="http://schemas.openxmlformats.org/presentationml/2006/main">
   <p:cSld>
     <p:spTree>
@@ -6130,7 +6446,339 @@
 </p:sld>
 </file>
 
-<file path=ppt/slides/slide16.xml><?xml version="1.0" encoding="utf-8"?>
+<file path=ppt/slides/slide17.xml><?xml version="1.0" encoding="utf-8"?>
+<p:sld xmlns:a="http://schemas.openxmlformats.org/drawingml/2006/main" xmlns:r="http://schemas.openxmlformats.org/officeDocument/2006/relationships" xmlns:p="http://schemas.openxmlformats.org/presentationml/2006/main">
+  <p:cSld>
+    <p:spTree>
+      <p:nvGrpSpPr>
+        <p:cNvPr id="1" name=""/>
+        <p:cNvGrpSpPr/>
+        <p:nvPr/>
+      </p:nvGrpSpPr>
+      <p:grpSpPr>
+        <a:xfrm>
+          <a:off x="0" y="0"/>
+          <a:ext cx="0" cy="0"/>
+          <a:chOff x="0" y="0"/>
+          <a:chExt cx="0" cy="0"/>
+        </a:xfrm>
+      </p:grpSpPr>
+      <p:sp>
+        <p:nvSpPr>
+          <p:cNvPr id="2" name="Заголовок 1">
+            <a:extLst>
+              <a:ext uri="{FF2B5EF4-FFF2-40B4-BE49-F238E27FC236}">
+                <a16:creationId xmlns:a16="http://schemas.microsoft.com/office/drawing/2014/main" id="{225FDA21-0736-45B2-A2CB-3172CD7C0C4D}"/>
+              </a:ext>
+            </a:extLst>
+          </p:cNvPr>
+          <p:cNvSpPr>
+            <a:spLocks noGrp="1"/>
+          </p:cNvSpPr>
+          <p:nvPr>
+            <p:ph type="title"/>
+          </p:nvPr>
+        </p:nvSpPr>
+        <p:spPr>
+          <a:xfrm>
+            <a:off x="838200" y="0"/>
+            <a:ext cx="10515600" cy="1325563"/>
+          </a:xfrm>
+        </p:spPr>
+        <p:txBody>
+          <a:bodyPr/>
+          <a:lstStyle/>
+          <a:p>
+            <a:pPr algn="ctr"/>
+            <a:r>
+              <a:rPr lang="en-US" dirty="0">
+                <a:latin typeface="Sylfaen" panose="010A0502050306030303" pitchFamily="18" charset="0"/>
+              </a:rPr>
+              <a:t>Batch Processing</a:t>
+            </a:r>
+            <a:endParaRPr lang="ru-RU" dirty="0">
+              <a:latin typeface="Sylfaen" panose="010A0502050306030303" pitchFamily="18" charset="0"/>
+            </a:endParaRPr>
+          </a:p>
+        </p:txBody>
+      </p:sp>
+      <p:sp>
+        <p:nvSpPr>
+          <p:cNvPr id="3" name="Объект 2">
+            <a:extLst>
+              <a:ext uri="{FF2B5EF4-FFF2-40B4-BE49-F238E27FC236}">
+                <a16:creationId xmlns:a16="http://schemas.microsoft.com/office/drawing/2014/main" id="{50D315F4-7C59-44B1-B197-63FC3425904B}"/>
+              </a:ext>
+            </a:extLst>
+          </p:cNvPr>
+          <p:cNvSpPr>
+            <a:spLocks noGrp="1"/>
+          </p:cNvSpPr>
+          <p:nvPr>
+            <p:ph idx="1"/>
+          </p:nvPr>
+        </p:nvSpPr>
+        <p:spPr>
+          <a:xfrm>
+            <a:off x="838200" y="1701447"/>
+            <a:ext cx="10515600" cy="4351338"/>
+          </a:xfrm>
+        </p:spPr>
+        <p:txBody>
+          <a:bodyPr/>
+          <a:lstStyle/>
+          <a:p>
+            <a:pPr marL="0" indent="0">
+              <a:buNone/>
+            </a:pPr>
+            <a:endParaRPr lang="en-US" dirty="0"/>
+          </a:p>
+          <a:p>
+            <a:pPr marL="0" indent="0">
+              <a:buNone/>
+            </a:pPr>
+            <a:r>
+              <a:rPr lang="en-US" sz="3000" dirty="0">
+                <a:effectLst>
+                  <a:outerShdw blurRad="38100" dist="38100" dir="2700000" algn="tl">
+                    <a:srgbClr val="000000">
+                      <a:alpha val="43137"/>
+                    </a:srgbClr>
+                  </a:outerShdw>
+                </a:effectLst>
+                <a:latin typeface="Sylfaen" panose="010A0502050306030303" pitchFamily="18" charset="0"/>
+              </a:rPr>
+              <a:t>void </a:t>
+            </a:r>
+            <a:r>
+              <a:rPr lang="en-US" sz="3000" dirty="0" err="1">
+                <a:effectLst>
+                  <a:outerShdw blurRad="38100" dist="38100" dir="2700000" algn="tl">
+                    <a:srgbClr val="000000">
+                      <a:alpha val="43137"/>
+                    </a:srgbClr>
+                  </a:outerShdw>
+                </a:effectLst>
+                <a:latin typeface="Sylfaen" panose="010A0502050306030303" pitchFamily="18" charset="0"/>
+              </a:rPr>
+              <a:t>addBatch</a:t>
+            </a:r>
+            <a:r>
+              <a:rPr lang="en-US" sz="3000" dirty="0">
+                <a:effectLst>
+                  <a:outerShdw blurRad="38100" dist="38100" dir="2700000" algn="tl">
+                    <a:srgbClr val="000000">
+                      <a:alpha val="43137"/>
+                    </a:srgbClr>
+                  </a:outerShdw>
+                </a:effectLst>
+                <a:latin typeface="Sylfaen" panose="010A0502050306030303" pitchFamily="18" charset="0"/>
+              </a:rPr>
+              <a:t>(String query)</a:t>
+            </a:r>
+            <a:endParaRPr lang="ru-RU" sz="3000" dirty="0">
+              <a:effectLst>
+                <a:outerShdw blurRad="38100" dist="38100" dir="2700000" algn="tl">
+                  <a:srgbClr val="000000">
+                    <a:alpha val="43137"/>
+                  </a:srgbClr>
+                </a:outerShdw>
+              </a:effectLst>
+              <a:latin typeface="Sylfaen" panose="010A0502050306030303" pitchFamily="18" charset="0"/>
+            </a:endParaRPr>
+          </a:p>
+          <a:p>
+            <a:pPr marL="0" indent="0">
+              <a:buNone/>
+            </a:pPr>
+            <a:endParaRPr lang="ru-RU" sz="3000" dirty="0">
+              <a:effectLst>
+                <a:outerShdw blurRad="38100" dist="38100" dir="2700000" algn="tl">
+                  <a:srgbClr val="000000">
+                    <a:alpha val="43137"/>
+                  </a:srgbClr>
+                </a:outerShdw>
+              </a:effectLst>
+              <a:latin typeface="Sylfaen" panose="010A0502050306030303" pitchFamily="18" charset="0"/>
+            </a:endParaRPr>
+          </a:p>
+          <a:p>
+            <a:pPr marL="0" indent="0">
+              <a:buNone/>
+            </a:pPr>
+            <a:r>
+              <a:rPr lang="en-US" sz="3000" dirty="0">
+                <a:effectLst>
+                  <a:outerShdw blurRad="38100" dist="38100" dir="2700000" algn="tl">
+                    <a:srgbClr val="000000">
+                      <a:alpha val="43137"/>
+                    </a:srgbClr>
+                  </a:outerShdw>
+                </a:effectLst>
+                <a:latin typeface="Sylfaen" panose="010A0502050306030303" pitchFamily="18" charset="0"/>
+              </a:rPr>
+              <a:t>int[] </a:t>
+            </a:r>
+            <a:r>
+              <a:rPr lang="en-US" sz="3000" dirty="0" err="1">
+                <a:effectLst>
+                  <a:outerShdw blurRad="38100" dist="38100" dir="2700000" algn="tl">
+                    <a:srgbClr val="000000">
+                      <a:alpha val="43137"/>
+                    </a:srgbClr>
+                  </a:outerShdw>
+                </a:effectLst>
+                <a:latin typeface="Sylfaen" panose="010A0502050306030303" pitchFamily="18" charset="0"/>
+              </a:rPr>
+              <a:t>executeBatch</a:t>
+            </a:r>
+            <a:r>
+              <a:rPr lang="en-US" sz="3000" dirty="0">
+                <a:effectLst>
+                  <a:outerShdw blurRad="38100" dist="38100" dir="2700000" algn="tl">
+                    <a:srgbClr val="000000">
+                      <a:alpha val="43137"/>
+                    </a:srgbClr>
+                  </a:outerShdw>
+                </a:effectLst>
+                <a:latin typeface="Sylfaen" panose="010A0502050306030303" pitchFamily="18" charset="0"/>
+              </a:rPr>
+              <a:t>()</a:t>
+            </a:r>
+            <a:endParaRPr lang="ru-RU" sz="3000" dirty="0">
+              <a:effectLst>
+                <a:outerShdw blurRad="38100" dist="38100" dir="2700000" algn="tl">
+                  <a:srgbClr val="000000">
+                    <a:alpha val="43137"/>
+                  </a:srgbClr>
+                </a:outerShdw>
+              </a:effectLst>
+              <a:latin typeface="Sylfaen" panose="010A0502050306030303" pitchFamily="18" charset="0"/>
+            </a:endParaRPr>
+          </a:p>
+          <a:p>
+            <a:pPr marL="0" indent="0">
+              <a:buNone/>
+            </a:pPr>
+            <a:endParaRPr lang="ru-RU" sz="3000" dirty="0">
+              <a:effectLst>
+                <a:outerShdw blurRad="38100" dist="38100" dir="2700000" algn="tl">
+                  <a:srgbClr val="000000">
+                    <a:alpha val="43137"/>
+                  </a:srgbClr>
+                </a:outerShdw>
+              </a:effectLst>
+              <a:latin typeface="Sylfaen" panose="010A0502050306030303" pitchFamily="18" charset="0"/>
+            </a:endParaRPr>
+          </a:p>
+          <a:p>
+            <a:pPr marL="0" indent="0">
+              <a:buNone/>
+            </a:pPr>
+            <a:r>
+              <a:rPr lang="en-US" sz="3000" dirty="0">
+                <a:effectLst>
+                  <a:outerShdw blurRad="38100" dist="38100" dir="2700000" algn="tl">
+                    <a:srgbClr val="000000">
+                      <a:alpha val="43137"/>
+                    </a:srgbClr>
+                  </a:outerShdw>
+                </a:effectLst>
+                <a:latin typeface="Sylfaen" panose="010A0502050306030303" pitchFamily="18" charset="0"/>
+              </a:rPr>
+              <a:t>void </a:t>
+            </a:r>
+            <a:r>
+              <a:rPr lang="en-US" sz="3000" dirty="0" err="1">
+                <a:effectLst>
+                  <a:outerShdw blurRad="38100" dist="38100" dir="2700000" algn="tl">
+                    <a:srgbClr val="000000">
+                      <a:alpha val="43137"/>
+                    </a:srgbClr>
+                  </a:outerShdw>
+                </a:effectLst>
+                <a:latin typeface="Sylfaen" panose="010A0502050306030303" pitchFamily="18" charset="0"/>
+              </a:rPr>
+              <a:t>clearBatch</a:t>
+            </a:r>
+            <a:r>
+              <a:rPr lang="en-US" sz="3000" dirty="0">
+                <a:effectLst>
+                  <a:outerShdw blurRad="38100" dist="38100" dir="2700000" algn="tl">
+                    <a:srgbClr val="000000">
+                      <a:alpha val="43137"/>
+                    </a:srgbClr>
+                  </a:outerShdw>
+                </a:effectLst>
+                <a:latin typeface="Sylfaen" panose="010A0502050306030303" pitchFamily="18" charset="0"/>
+              </a:rPr>
+              <a:t>()</a:t>
+            </a:r>
+            <a:endParaRPr lang="ru-RU" sz="3000" dirty="0">
+              <a:effectLst>
+                <a:outerShdw blurRad="38100" dist="38100" dir="2700000" algn="tl">
+                  <a:srgbClr val="000000">
+                    <a:alpha val="43137"/>
+                  </a:srgbClr>
+                </a:outerShdw>
+              </a:effectLst>
+              <a:latin typeface="Sylfaen" panose="010A0502050306030303" pitchFamily="18" charset="0"/>
+            </a:endParaRPr>
+          </a:p>
+        </p:txBody>
+      </p:sp>
+      <p:cxnSp>
+        <p:nvCxnSpPr>
+          <p:cNvPr id="4" name="Straight Connector 3">
+            <a:extLst>
+              <a:ext uri="{FF2B5EF4-FFF2-40B4-BE49-F238E27FC236}">
+                <a16:creationId xmlns:a16="http://schemas.microsoft.com/office/drawing/2014/main" id="{A27B3283-1C9F-4B91-920F-32E672121116}"/>
+              </a:ext>
+            </a:extLst>
+          </p:cNvPr>
+          <p:cNvCxnSpPr>
+            <a:cxnSpLocks/>
+          </p:cNvCxnSpPr>
+          <p:nvPr/>
+        </p:nvCxnSpPr>
+        <p:spPr>
+          <a:xfrm>
+            <a:off x="569235" y="1153485"/>
+            <a:ext cx="11053530" cy="0"/>
+          </a:xfrm>
+          <a:prstGeom prst="line">
+            <a:avLst/>
+          </a:prstGeom>
+        </p:spPr>
+        <p:style>
+          <a:lnRef idx="3">
+            <a:schemeClr val="accent1"/>
+          </a:lnRef>
+          <a:fillRef idx="0">
+            <a:schemeClr val="accent1"/>
+          </a:fillRef>
+          <a:effectRef idx="2">
+            <a:schemeClr val="accent1"/>
+          </a:effectRef>
+          <a:fontRef idx="minor">
+            <a:schemeClr val="tx1"/>
+          </a:fontRef>
+        </p:style>
+      </p:cxnSp>
+    </p:spTree>
+    <p:extLst>
+      <p:ext uri="{BB962C8B-B14F-4D97-AF65-F5344CB8AC3E}">
+        <p14:creationId xmlns:p14="http://schemas.microsoft.com/office/powerpoint/2010/main" val="4190906221"/>
+      </p:ext>
+    </p:extLst>
+  </p:cSld>
+  <p:clrMapOvr>
+    <a:masterClrMapping/>
+  </p:clrMapOvr>
+</p:sld>
+</file>
+
+<file path=ppt/slides/slide18.xml><?xml version="1.0" encoding="utf-8"?>
 <p:sld xmlns:a="http://schemas.openxmlformats.org/drawingml/2006/main" xmlns:r="http://schemas.openxmlformats.org/officeDocument/2006/relationships" xmlns:p="http://schemas.openxmlformats.org/presentationml/2006/main">
   <p:cSld>
     <p:spTree>
@@ -6206,10 +6854,232 @@
             <p:ph idx="1"/>
           </p:nvPr>
         </p:nvSpPr>
-        <p:spPr/>
+        <p:spPr>
+          <a:xfrm>
+            <a:off x="838199" y="1353176"/>
+            <a:ext cx="10784565" cy="4844419"/>
+          </a:xfrm>
+        </p:spPr>
         <p:txBody>
-          <a:bodyPr/>
+          <a:bodyPr>
+            <a:normAutofit/>
+          </a:bodyPr>
           <a:lstStyle/>
+          <a:p>
+            <a:pPr>
+              <a:lnSpc>
+                <a:spcPct val="150000"/>
+              </a:lnSpc>
+            </a:pPr>
+            <a:r>
+              <a:rPr lang="ru-RU" sz="3600" dirty="0">
+                <a:effectLst>
+                  <a:outerShdw blurRad="38100" dist="38100" dir="2700000" algn="tl">
+                    <a:srgbClr val="000000">
+                      <a:alpha val="43137"/>
+                    </a:srgbClr>
+                  </a:outerShdw>
+                </a:effectLst>
+                <a:latin typeface="Sylfaen" panose="010A0502050306030303" pitchFamily="18" charset="0"/>
+              </a:rPr>
+              <a:t> </a:t>
+            </a:r>
+            <a:r>
+              <a:rPr lang="en-US" sz="3600" dirty="0" err="1">
+                <a:effectLst>
+                  <a:outerShdw blurRad="38100" dist="38100" dir="2700000" algn="tl">
+                    <a:srgbClr val="000000">
+                      <a:alpha val="43137"/>
+                    </a:srgbClr>
+                  </a:outerShdw>
+                </a:effectLst>
+                <a:latin typeface="Sylfaen" panose="010A0502050306030303" pitchFamily="18" charset="0"/>
+              </a:rPr>
+              <a:t>JdbcRowSet</a:t>
+            </a:r>
+            <a:endParaRPr lang="en-US" sz="3600" dirty="0">
+              <a:effectLst>
+                <a:outerShdw blurRad="38100" dist="38100" dir="2700000" algn="tl">
+                  <a:srgbClr val="000000">
+                    <a:alpha val="43137"/>
+                  </a:srgbClr>
+                </a:outerShdw>
+              </a:effectLst>
+              <a:latin typeface="Sylfaen" panose="010A0502050306030303" pitchFamily="18" charset="0"/>
+            </a:endParaRPr>
+          </a:p>
+          <a:p>
+            <a:pPr>
+              <a:lnSpc>
+                <a:spcPct val="150000"/>
+              </a:lnSpc>
+            </a:pPr>
+            <a:r>
+              <a:rPr lang="ru-RU" sz="3600" dirty="0">
+                <a:effectLst>
+                  <a:outerShdw blurRad="38100" dist="38100" dir="2700000" algn="tl">
+                    <a:srgbClr val="000000">
+                      <a:alpha val="43137"/>
+                    </a:srgbClr>
+                  </a:outerShdw>
+                </a:effectLst>
+                <a:latin typeface="Sylfaen" panose="010A0502050306030303" pitchFamily="18" charset="0"/>
+              </a:rPr>
+              <a:t> </a:t>
+            </a:r>
+            <a:r>
+              <a:rPr lang="en-US" sz="3600" dirty="0" err="1">
+                <a:effectLst>
+                  <a:outerShdw blurRad="38100" dist="38100" dir="2700000" algn="tl">
+                    <a:srgbClr val="000000">
+                      <a:alpha val="43137"/>
+                    </a:srgbClr>
+                  </a:outerShdw>
+                </a:effectLst>
+                <a:latin typeface="Sylfaen" panose="010A0502050306030303" pitchFamily="18" charset="0"/>
+              </a:rPr>
+              <a:t>CachedRowSet</a:t>
+            </a:r>
+            <a:endParaRPr lang="en-US" sz="3600" dirty="0">
+              <a:effectLst>
+                <a:outerShdw blurRad="38100" dist="38100" dir="2700000" algn="tl">
+                  <a:srgbClr val="000000">
+                    <a:alpha val="43137"/>
+                  </a:srgbClr>
+                </a:outerShdw>
+              </a:effectLst>
+              <a:latin typeface="Sylfaen" panose="010A0502050306030303" pitchFamily="18" charset="0"/>
+            </a:endParaRPr>
+          </a:p>
+          <a:p>
+            <a:pPr>
+              <a:lnSpc>
+                <a:spcPct val="150000"/>
+              </a:lnSpc>
+            </a:pPr>
+            <a:r>
+              <a:rPr lang="ru-RU" sz="3600" dirty="0">
+                <a:effectLst>
+                  <a:outerShdw blurRad="38100" dist="38100" dir="2700000" algn="tl">
+                    <a:srgbClr val="000000">
+                      <a:alpha val="43137"/>
+                    </a:srgbClr>
+                  </a:outerShdw>
+                </a:effectLst>
+                <a:latin typeface="Sylfaen" panose="010A0502050306030303" pitchFamily="18" charset="0"/>
+              </a:rPr>
+              <a:t> </a:t>
+            </a:r>
+            <a:r>
+              <a:rPr lang="en-US" sz="3600" dirty="0" err="1">
+                <a:effectLst>
+                  <a:outerShdw blurRad="38100" dist="38100" dir="2700000" algn="tl">
+                    <a:srgbClr val="000000">
+                      <a:alpha val="43137"/>
+                    </a:srgbClr>
+                  </a:outerShdw>
+                </a:effectLst>
+                <a:latin typeface="Sylfaen" panose="010A0502050306030303" pitchFamily="18" charset="0"/>
+              </a:rPr>
+              <a:t>WebRowSet</a:t>
+            </a:r>
+            <a:endParaRPr lang="en-US" sz="3600" dirty="0">
+              <a:effectLst>
+                <a:outerShdw blurRad="38100" dist="38100" dir="2700000" algn="tl">
+                  <a:srgbClr val="000000">
+                    <a:alpha val="43137"/>
+                  </a:srgbClr>
+                </a:outerShdw>
+              </a:effectLst>
+              <a:latin typeface="Sylfaen" panose="010A0502050306030303" pitchFamily="18" charset="0"/>
+            </a:endParaRPr>
+          </a:p>
+          <a:p>
+            <a:pPr>
+              <a:lnSpc>
+                <a:spcPct val="150000"/>
+              </a:lnSpc>
+            </a:pPr>
+            <a:r>
+              <a:rPr lang="ru-RU" sz="3600" dirty="0">
+                <a:effectLst>
+                  <a:outerShdw blurRad="38100" dist="38100" dir="2700000" algn="tl">
+                    <a:srgbClr val="000000">
+                      <a:alpha val="43137"/>
+                    </a:srgbClr>
+                  </a:outerShdw>
+                </a:effectLst>
+                <a:latin typeface="Sylfaen" panose="010A0502050306030303" pitchFamily="18" charset="0"/>
+              </a:rPr>
+              <a:t> </a:t>
+            </a:r>
+            <a:r>
+              <a:rPr lang="en-US" sz="3600" dirty="0" err="1">
+                <a:effectLst>
+                  <a:outerShdw blurRad="38100" dist="38100" dir="2700000" algn="tl">
+                    <a:srgbClr val="000000">
+                      <a:alpha val="43137"/>
+                    </a:srgbClr>
+                  </a:outerShdw>
+                </a:effectLst>
+                <a:latin typeface="Sylfaen" panose="010A0502050306030303" pitchFamily="18" charset="0"/>
+              </a:rPr>
+              <a:t>JoinRowSet</a:t>
+            </a:r>
+            <a:endParaRPr lang="en-US" sz="3600" dirty="0">
+              <a:effectLst>
+                <a:outerShdw blurRad="38100" dist="38100" dir="2700000" algn="tl">
+                  <a:srgbClr val="000000">
+                    <a:alpha val="43137"/>
+                  </a:srgbClr>
+                </a:outerShdw>
+              </a:effectLst>
+              <a:latin typeface="Sylfaen" panose="010A0502050306030303" pitchFamily="18" charset="0"/>
+            </a:endParaRPr>
+          </a:p>
+          <a:p>
+            <a:pPr>
+              <a:lnSpc>
+                <a:spcPct val="150000"/>
+              </a:lnSpc>
+            </a:pPr>
+            <a:r>
+              <a:rPr lang="ru-RU" sz="3600" dirty="0">
+                <a:effectLst>
+                  <a:outerShdw blurRad="38100" dist="38100" dir="2700000" algn="tl">
+                    <a:srgbClr val="000000">
+                      <a:alpha val="43137"/>
+                    </a:srgbClr>
+                  </a:outerShdw>
+                </a:effectLst>
+                <a:latin typeface="Sylfaen" panose="010A0502050306030303" pitchFamily="18" charset="0"/>
+              </a:rPr>
+              <a:t> </a:t>
+            </a:r>
+            <a:r>
+              <a:rPr lang="en-US" sz="3600" dirty="0" err="1">
+                <a:effectLst>
+                  <a:outerShdw blurRad="38100" dist="38100" dir="2700000" algn="tl">
+                    <a:srgbClr val="000000">
+                      <a:alpha val="43137"/>
+                    </a:srgbClr>
+                  </a:outerShdw>
+                </a:effectLst>
+                <a:latin typeface="Sylfaen" panose="010A0502050306030303" pitchFamily="18" charset="0"/>
+              </a:rPr>
+              <a:t>FilteredRowSet</a:t>
+            </a:r>
+            <a:endParaRPr lang="en-US" sz="3600" dirty="0">
+              <a:effectLst>
+                <a:outerShdw blurRad="38100" dist="38100" dir="2700000" algn="tl">
+                  <a:srgbClr val="000000">
+                    <a:alpha val="43137"/>
+                  </a:srgbClr>
+                </a:outerShdw>
+              </a:effectLst>
+              <a:latin typeface="Sylfaen" panose="010A0502050306030303" pitchFamily="18" charset="0"/>
+            </a:endParaRPr>
+          </a:p>
           <a:p>
             <a:pPr marL="0" indent="0">
               <a:buNone/>
@@ -6352,7 +7222,7 @@
         </p:blipFill>
         <p:spPr>
           <a:xfrm>
-            <a:off x="1061009" y="2107039"/>
+            <a:off x="1061009" y="1847395"/>
             <a:ext cx="10068915" cy="3846066"/>
           </a:xfrm>
         </p:spPr>
@@ -6492,7 +7362,7 @@
         </p:nvSpPr>
         <p:spPr>
           <a:xfrm>
-            <a:off x="3074857" y="1840615"/>
+            <a:off x="838200" y="1711285"/>
             <a:ext cx="6042285" cy="3930598"/>
           </a:xfrm>
         </p:spPr>
@@ -6633,6 +7503,71 @@
 </file>
 
 <file path=ppt/slides/slide4.xml><?xml version="1.0" encoding="utf-8"?>
+<p:sld xmlns:a="http://schemas.openxmlformats.org/drawingml/2006/main" xmlns:r="http://schemas.openxmlformats.org/officeDocument/2006/relationships" xmlns:p="http://schemas.openxmlformats.org/presentationml/2006/main">
+  <p:cSld>
+    <p:spTree>
+      <p:nvGrpSpPr>
+        <p:cNvPr id="1" name=""/>
+        <p:cNvGrpSpPr/>
+        <p:nvPr/>
+      </p:nvGrpSpPr>
+      <p:grpSpPr>
+        <a:xfrm>
+          <a:off x="0" y="0"/>
+          <a:ext cx="0" cy="0"/>
+          <a:chOff x="0" y="0"/>
+          <a:chExt cx="0" cy="0"/>
+        </a:xfrm>
+      </p:grpSpPr>
+      <p:pic>
+        <p:nvPicPr>
+          <p:cNvPr id="5" name="Объект 4">
+            <a:extLst>
+              <a:ext uri="{FF2B5EF4-FFF2-40B4-BE49-F238E27FC236}">
+                <a16:creationId xmlns:a16="http://schemas.microsoft.com/office/drawing/2014/main" id="{FD4BE4B0-6630-4FA5-B245-45AA3A688107}"/>
+              </a:ext>
+            </a:extLst>
+          </p:cNvPr>
+          <p:cNvPicPr>
+            <a:picLocks noGrp="1" noChangeAspect="1"/>
+          </p:cNvPicPr>
+          <p:nvPr>
+            <p:ph idx="1"/>
+          </p:nvPr>
+        </p:nvPicPr>
+        <p:blipFill>
+          <a:blip r:embed="rId2">
+            <a:extLst>
+              <a:ext uri="{28A0092B-C50C-407E-A947-70E740481C1C}">
+                <a14:useLocalDpi xmlns:a14="http://schemas.microsoft.com/office/drawing/2010/main" val="0"/>
+              </a:ext>
+            </a:extLst>
+          </a:blip>
+          <a:stretch>
+            <a:fillRect/>
+          </a:stretch>
+        </p:blipFill>
+        <p:spPr>
+          <a:xfrm>
+            <a:off x="858663" y="0"/>
+            <a:ext cx="10474673" cy="7040121"/>
+          </a:xfrm>
+        </p:spPr>
+      </p:pic>
+    </p:spTree>
+    <p:extLst>
+      <p:ext uri="{BB962C8B-B14F-4D97-AF65-F5344CB8AC3E}">
+        <p14:creationId xmlns:p14="http://schemas.microsoft.com/office/powerpoint/2010/main" val="1553738307"/>
+      </p:ext>
+    </p:extLst>
+  </p:cSld>
+  <p:clrMapOvr>
+    <a:masterClrMapping/>
+  </p:clrMapOvr>
+</p:sld>
+</file>
+
+<file path=ppt/slides/slide5.xml><?xml version="1.0" encoding="utf-8"?>
 <p:sld xmlns:a="http://schemas.openxmlformats.org/drawingml/2006/main" xmlns:r="http://schemas.openxmlformats.org/officeDocument/2006/relationships" xmlns:p="http://schemas.openxmlformats.org/presentationml/2006/main">
   <p:cSld>
     <p:spTree>
@@ -6952,7 +7887,7 @@
         </p:nvSpPr>
         <p:spPr>
           <a:xfrm>
-            <a:off x="3674460" y="1567451"/>
+            <a:off x="1252924" y="1488428"/>
             <a:ext cx="4843072" cy="5032375"/>
           </a:xfrm>
         </p:spPr>
@@ -7086,7 +8021,7 @@
 </p:sld>
 </file>
 
-<file path=ppt/slides/slide5.xml><?xml version="1.0" encoding="utf-8"?>
+<file path=ppt/slides/slide6.xml><?xml version="1.0" encoding="utf-8"?>
 <p:sld xmlns:a="http://schemas.openxmlformats.org/drawingml/2006/main" xmlns:r="http://schemas.openxmlformats.org/officeDocument/2006/relationships" xmlns:p="http://schemas.openxmlformats.org/presentationml/2006/main">
   <p:cSld>
     <p:spTree>
@@ -7163,7 +8098,7 @@
         </p:nvSpPr>
         <p:spPr>
           <a:xfrm>
-            <a:off x="438411" y="1415445"/>
+            <a:off x="569235" y="1415445"/>
             <a:ext cx="11315434" cy="5123140"/>
           </a:xfrm>
         </p:spPr>
@@ -7175,7 +8110,7 @@
           <a:p>
             <a:pPr marL="0" indent="0">
               <a:lnSpc>
-                <a:spcPct val="100000"/>
+                <a:spcPct val="150000"/>
               </a:lnSpc>
               <a:buNone/>
             </a:pPr>
@@ -7222,7 +8157,7 @@
           <a:p>
             <a:pPr marL="0" indent="0">
               <a:lnSpc>
-                <a:spcPct val="100000"/>
+                <a:spcPct val="150000"/>
               </a:lnSpc>
               <a:buNone/>
             </a:pPr>
@@ -7269,7 +8204,7 @@
           <a:p>
             <a:pPr marL="0" indent="0">
               <a:lnSpc>
-                <a:spcPct val="100000"/>
+                <a:spcPct val="150000"/>
               </a:lnSpc>
               <a:buNone/>
             </a:pPr>
@@ -7336,13 +8271,13 @@
                 </a:effectLst>
                 <a:latin typeface="Sylfaen" panose="010A0502050306030303" pitchFamily="18" charset="0"/>
               </a:rPr>
-              <a:t>)</a:t>
+              <a:t>) </a:t>
             </a:r>
           </a:p>
           <a:p>
             <a:pPr marL="0" indent="0">
               <a:lnSpc>
-                <a:spcPct val="100000"/>
+                <a:spcPct val="150000"/>
               </a:lnSpc>
               <a:buNone/>
             </a:pPr>
@@ -7357,7 +8292,7 @@
                 </a:effectLst>
                 <a:latin typeface="Sylfaen" panose="010A0502050306030303" pitchFamily="18" charset="0"/>
               </a:rPr>
-              <a:t>public static Connection </a:t>
+              <a:t>public static Driver </a:t>
             </a:r>
             <a:r>
               <a:rPr lang="en-US" sz="3000" dirty="0" err="1">
@@ -7370,20 +8305,20 @@
                 </a:effectLst>
                 <a:latin typeface="Sylfaen" panose="010A0502050306030303" pitchFamily="18" charset="0"/>
               </a:rPr>
-              <a:t>getConnection</a:t>
-            </a:r>
-            <a:r>
-              <a:rPr lang="en-US" sz="3000" dirty="0">
-                <a:effectLst>
-                  <a:outerShdw blurRad="38100" dist="38100" dir="2700000" algn="tl">
-                    <a:srgbClr val="000000">
-                      <a:alpha val="43137"/>
-                    </a:srgbClr>
-                  </a:outerShdw>
-                </a:effectLst>
-                <a:latin typeface="Sylfaen" panose="010A0502050306030303" pitchFamily="18" charset="0"/>
-              </a:rPr>
-              <a:t>(</a:t>
+              <a:t>getDriver</a:t>
+            </a:r>
+            <a:r>
+              <a:rPr lang="en-US" sz="3000" dirty="0">
+                <a:effectLst>
+                  <a:outerShdw blurRad="38100" dist="38100" dir="2700000" algn="tl">
+                    <a:srgbClr val="000000">
+                      <a:alpha val="43137"/>
+                    </a:srgbClr>
+                  </a:outerShdw>
+                </a:effectLst>
+                <a:latin typeface="Sylfaen" panose="010A0502050306030303" pitchFamily="18" charset="0"/>
+              </a:rPr>
+              <a:t>(String </a:t>
             </a:r>
             <a:r>
               <a:rPr lang="en-US" sz="3000" dirty="0" err="1">
@@ -7409,13 +8344,13 @@
                 </a:effectLst>
                 <a:latin typeface="Sylfaen" panose="010A0502050306030303" pitchFamily="18" charset="0"/>
               </a:rPr>
-              <a:t>, user, password)</a:t>
+              <a:t>)</a:t>
             </a:r>
           </a:p>
           <a:p>
             <a:pPr marL="0" indent="0">
               <a:lnSpc>
-                <a:spcPct val="100000"/>
+                <a:spcPct val="150000"/>
               </a:lnSpc>
               <a:buNone/>
             </a:pPr>
@@ -7430,7 +8365,7 @@
                 </a:effectLst>
                 <a:latin typeface="Sylfaen" panose="010A0502050306030303" pitchFamily="18" charset="0"/>
               </a:rPr>
-              <a:t>public static Driver </a:t>
+              <a:t>pubic static int </a:t>
             </a:r>
             <a:r>
               <a:rPr lang="en-US" sz="3000" dirty="0" err="1">
@@ -7443,52 +8378,26 @@
                 </a:effectLst>
                 <a:latin typeface="Sylfaen" panose="010A0502050306030303" pitchFamily="18" charset="0"/>
               </a:rPr>
-              <a:t>getDriver</a:t>
-            </a:r>
-            <a:r>
-              <a:rPr lang="en-US" sz="3000" dirty="0">
-                <a:effectLst>
-                  <a:outerShdw blurRad="38100" dist="38100" dir="2700000" algn="tl">
-                    <a:srgbClr val="000000">
-                      <a:alpha val="43137"/>
-                    </a:srgbClr>
-                  </a:outerShdw>
-                </a:effectLst>
-                <a:latin typeface="Sylfaen" panose="010A0502050306030303" pitchFamily="18" charset="0"/>
-              </a:rPr>
-              <a:t>(String </a:t>
-            </a:r>
-            <a:r>
-              <a:rPr lang="en-US" sz="3000" dirty="0" err="1">
-                <a:effectLst>
-                  <a:outerShdw blurRad="38100" dist="38100" dir="2700000" algn="tl">
-                    <a:srgbClr val="000000">
-                      <a:alpha val="43137"/>
-                    </a:srgbClr>
-                  </a:outerShdw>
-                </a:effectLst>
-                <a:latin typeface="Sylfaen" panose="010A0502050306030303" pitchFamily="18" charset="0"/>
-              </a:rPr>
-              <a:t>url</a:t>
-            </a:r>
-            <a:r>
-              <a:rPr lang="en-US" sz="3000" dirty="0">
-                <a:effectLst>
-                  <a:outerShdw blurRad="38100" dist="38100" dir="2700000" algn="tl">
-                    <a:srgbClr val="000000">
-                      <a:alpha val="43137"/>
-                    </a:srgbClr>
-                  </a:outerShdw>
-                </a:effectLst>
-                <a:latin typeface="Sylfaen" panose="010A0502050306030303" pitchFamily="18" charset="0"/>
-              </a:rPr>
-              <a:t>)</a:t>
+              <a:t>getLoginTimeout</a:t>
+            </a:r>
+            <a:r>
+              <a:rPr lang="en-US" sz="3000" dirty="0">
+                <a:effectLst>
+                  <a:outerShdw blurRad="38100" dist="38100" dir="2700000" algn="tl">
+                    <a:srgbClr val="000000">
+                      <a:alpha val="43137"/>
+                    </a:srgbClr>
+                  </a:outerShdw>
+                </a:effectLst>
+                <a:latin typeface="Sylfaen" panose="010A0502050306030303" pitchFamily="18" charset="0"/>
+              </a:rPr>
+              <a:t>()</a:t>
             </a:r>
           </a:p>
           <a:p>
             <a:pPr marL="0" indent="0">
               <a:lnSpc>
-                <a:spcPct val="100000"/>
+                <a:spcPct val="150000"/>
               </a:lnSpc>
               <a:buNone/>
             </a:pPr>
@@ -7503,7 +8412,7 @@
                 </a:effectLst>
                 <a:latin typeface="Sylfaen" panose="010A0502050306030303" pitchFamily="18" charset="0"/>
               </a:rPr>
-              <a:t>pubic static int </a:t>
+              <a:t>pubic static void </a:t>
             </a:r>
             <a:r>
               <a:rPr lang="en-US" sz="3000" dirty="0" err="1">
@@ -7516,53 +8425,6 @@
                 </a:effectLst>
                 <a:latin typeface="Sylfaen" panose="010A0502050306030303" pitchFamily="18" charset="0"/>
               </a:rPr>
-              <a:t>getLoginTimeout</a:t>
-            </a:r>
-            <a:r>
-              <a:rPr lang="en-US" sz="3000" dirty="0">
-                <a:effectLst>
-                  <a:outerShdw blurRad="38100" dist="38100" dir="2700000" algn="tl">
-                    <a:srgbClr val="000000">
-                      <a:alpha val="43137"/>
-                    </a:srgbClr>
-                  </a:outerShdw>
-                </a:effectLst>
-                <a:latin typeface="Sylfaen" panose="010A0502050306030303" pitchFamily="18" charset="0"/>
-              </a:rPr>
-              <a:t>()</a:t>
-            </a:r>
-          </a:p>
-          <a:p>
-            <a:pPr marL="0" indent="0">
-              <a:lnSpc>
-                <a:spcPct val="100000"/>
-              </a:lnSpc>
-              <a:buNone/>
-            </a:pPr>
-            <a:r>
-              <a:rPr lang="en-US" sz="3000" dirty="0">
-                <a:effectLst>
-                  <a:outerShdw blurRad="38100" dist="38100" dir="2700000" algn="tl">
-                    <a:srgbClr val="000000">
-                      <a:alpha val="43137"/>
-                    </a:srgbClr>
-                  </a:outerShdw>
-                </a:effectLst>
-                <a:latin typeface="Sylfaen" panose="010A0502050306030303" pitchFamily="18" charset="0"/>
-              </a:rPr>
-              <a:t>pubic static void </a:t>
-            </a:r>
-            <a:r>
-              <a:rPr lang="en-US" sz="3000" dirty="0" err="1">
-                <a:effectLst>
-                  <a:outerShdw blurRad="38100" dist="38100" dir="2700000" algn="tl">
-                    <a:srgbClr val="000000">
-                      <a:alpha val="43137"/>
-                    </a:srgbClr>
-                  </a:outerShdw>
-                </a:effectLst>
-                <a:latin typeface="Sylfaen" panose="010A0502050306030303" pitchFamily="18" charset="0"/>
-              </a:rPr>
               <a:t>setLoginTimeout</a:t>
             </a:r>
             <a:r>
@@ -7577,53 +8439,6 @@
                 <a:latin typeface="Sylfaen" panose="010A0502050306030303" pitchFamily="18" charset="0"/>
               </a:rPr>
               <a:t>(int sec)</a:t>
-            </a:r>
-          </a:p>
-          <a:p>
-            <a:pPr marL="0" indent="0">
-              <a:lnSpc>
-                <a:spcPct val="100000"/>
-              </a:lnSpc>
-              <a:buNone/>
-            </a:pPr>
-            <a:r>
-              <a:rPr lang="en-US" sz="3000" dirty="0">
-                <a:effectLst>
-                  <a:outerShdw blurRad="38100" dist="38100" dir="2700000" algn="tl">
-                    <a:srgbClr val="000000">
-                      <a:alpha val="43137"/>
-                    </a:srgbClr>
-                  </a:outerShdw>
-                </a:effectLst>
-                <a:latin typeface="Sylfaen" panose="010A0502050306030303" pitchFamily="18" charset="0"/>
-              </a:rPr>
-              <a:t>public static Connection </a:t>
-            </a:r>
-            <a:r>
-              <a:rPr lang="en-US" sz="3000" dirty="0" err="1">
-                <a:effectLst>
-                  <a:outerShdw blurRad="38100" dist="38100" dir="2700000" algn="tl">
-                    <a:srgbClr val="000000">
-                      <a:alpha val="43137"/>
-                    </a:srgbClr>
-                  </a:outerShdw>
-                </a:effectLst>
-                <a:latin typeface="Sylfaen" panose="010A0502050306030303" pitchFamily="18" charset="0"/>
-              </a:rPr>
-              <a:t>getConnection</a:t>
-            </a:r>
-            <a:r>
-              <a:rPr lang="en-US" sz="3000" dirty="0">
-                <a:effectLst>
-                  <a:outerShdw blurRad="38100" dist="38100" dir="2700000" algn="tl">
-                    <a:srgbClr val="000000">
-                      <a:alpha val="43137"/>
-                    </a:srgbClr>
-                  </a:outerShdw>
-                </a:effectLst>
-                <a:latin typeface="Sylfaen" panose="010A0502050306030303" pitchFamily="18" charset="0"/>
-              </a:rPr>
-              <a:t>(String URL, Properties prop)</a:t>
             </a:r>
           </a:p>
         </p:txBody>
@@ -7679,7 +8494,7 @@
 </p:sld>
 </file>
 
-<file path=ppt/slides/slide6.xml><?xml version="1.0" encoding="utf-8"?>
+<file path=ppt/slides/slide7.xml><?xml version="1.0" encoding="utf-8"?>
 <p:sld xmlns:a="http://schemas.openxmlformats.org/drawingml/2006/main" xmlns:r="http://schemas.openxmlformats.org/officeDocument/2006/relationships" xmlns:p="http://schemas.openxmlformats.org/presentationml/2006/main">
   <p:cSld>
     <p:spTree>
@@ -7749,26 +8564,371 @@
             <p:ph idx="1"/>
           </p:nvPr>
         </p:nvSpPr>
-        <p:spPr/>
+        <p:spPr>
+          <a:xfrm>
+            <a:off x="838200" y="1498248"/>
+            <a:ext cx="10515600" cy="4947708"/>
+          </a:xfrm>
+        </p:spPr>
         <p:txBody>
-          <a:bodyPr/>
+          <a:bodyPr>
+            <a:normAutofit fontScale="92500" lnSpcReduction="20000"/>
+          </a:bodyPr>
           <a:lstStyle/>
           <a:p>
             <a:pPr marL="0" indent="0">
+              <a:lnSpc>
+                <a:spcPct val="150000"/>
+              </a:lnSpc>
               <a:buNone/>
             </a:pPr>
             <a:r>
-              <a:rPr lang="en-US" dirty="0"/>
+              <a:rPr lang="en-US" sz="3000" dirty="0">
+                <a:effectLst>
+                  <a:outerShdw blurRad="38100" dist="38100" dir="2700000" algn="tl">
+                    <a:srgbClr val="000000">
+                      <a:alpha val="43137"/>
+                    </a:srgbClr>
+                  </a:outerShdw>
+                </a:effectLst>
+                <a:latin typeface="Sylfaen" panose="010A0502050306030303" pitchFamily="18" charset="0"/>
+              </a:rPr>
               <a:t>public Statement </a:t>
             </a:r>
             <a:r>
-              <a:rPr lang="en-US" dirty="0" err="1"/>
+              <a:rPr lang="en-US" sz="3000" dirty="0" err="1">
+                <a:effectLst>
+                  <a:outerShdw blurRad="38100" dist="38100" dir="2700000" algn="tl">
+                    <a:srgbClr val="000000">
+                      <a:alpha val="43137"/>
+                    </a:srgbClr>
+                  </a:outerShdw>
+                </a:effectLst>
+                <a:latin typeface="Sylfaen" panose="010A0502050306030303" pitchFamily="18" charset="0"/>
+              </a:rPr>
               <a:t>createStatement</a:t>
             </a:r>
             <a:r>
-              <a:rPr lang="en-US" dirty="0"/>
+              <a:rPr lang="en-US" sz="3000" dirty="0">
+                <a:effectLst>
+                  <a:outerShdw blurRad="38100" dist="38100" dir="2700000" algn="tl">
+                    <a:srgbClr val="000000">
+                      <a:alpha val="43137"/>
+                    </a:srgbClr>
+                  </a:outerShdw>
+                </a:effectLst>
+                <a:latin typeface="Sylfaen" panose="010A0502050306030303" pitchFamily="18" charset="0"/>
+              </a:rPr>
               <a:t>()</a:t>
             </a:r>
+            <a:endParaRPr lang="hy-AM" sz="3000" dirty="0">
+              <a:effectLst>
+                <a:outerShdw blurRad="38100" dist="38100" dir="2700000" algn="tl">
+                  <a:srgbClr val="000000">
+                    <a:alpha val="43137"/>
+                  </a:srgbClr>
+                </a:outerShdw>
+              </a:effectLst>
+              <a:latin typeface="Sylfaen" panose="010A0502050306030303" pitchFamily="18" charset="0"/>
+            </a:endParaRPr>
+          </a:p>
+          <a:p>
+            <a:pPr marL="0" indent="0">
+              <a:lnSpc>
+                <a:spcPct val="150000"/>
+              </a:lnSpc>
+              <a:buNone/>
+            </a:pPr>
+            <a:r>
+              <a:rPr lang="en-US" sz="3000" dirty="0">
+                <a:effectLst>
+                  <a:outerShdw blurRad="38100" dist="38100" dir="2700000" algn="tl">
+                    <a:srgbClr val="000000">
+                      <a:alpha val="43137"/>
+                    </a:srgbClr>
+                  </a:outerShdw>
+                </a:effectLst>
+                <a:latin typeface="Sylfaen" panose="010A0502050306030303" pitchFamily="18" charset="0"/>
+              </a:rPr>
+              <a:t>public </a:t>
+            </a:r>
+            <a:r>
+              <a:rPr lang="en-US" sz="3000" dirty="0" err="1">
+                <a:effectLst>
+                  <a:outerShdw blurRad="38100" dist="38100" dir="2700000" algn="tl">
+                    <a:srgbClr val="000000">
+                      <a:alpha val="43137"/>
+                    </a:srgbClr>
+                  </a:outerShdw>
+                </a:effectLst>
+                <a:latin typeface="Sylfaen" panose="010A0502050306030303" pitchFamily="18" charset="0"/>
+              </a:rPr>
+              <a:t>PreparedStatement</a:t>
+            </a:r>
+            <a:r>
+              <a:rPr lang="en-US" sz="3000" dirty="0">
+                <a:effectLst>
+                  <a:outerShdw blurRad="38100" dist="38100" dir="2700000" algn="tl">
+                    <a:srgbClr val="000000">
+                      <a:alpha val="43137"/>
+                    </a:srgbClr>
+                  </a:outerShdw>
+                </a:effectLst>
+                <a:latin typeface="Sylfaen" panose="010A0502050306030303" pitchFamily="18" charset="0"/>
+              </a:rPr>
+              <a:t> </a:t>
+            </a:r>
+            <a:r>
+              <a:rPr lang="en-US" sz="3000" dirty="0" err="1">
+                <a:effectLst>
+                  <a:outerShdw blurRad="38100" dist="38100" dir="2700000" algn="tl">
+                    <a:srgbClr val="000000">
+                      <a:alpha val="43137"/>
+                    </a:srgbClr>
+                  </a:outerShdw>
+                </a:effectLst>
+                <a:latin typeface="Sylfaen" panose="010A0502050306030303" pitchFamily="18" charset="0"/>
+              </a:rPr>
+              <a:t>preparedStatement</a:t>
+            </a:r>
+            <a:r>
+              <a:rPr lang="en-US" sz="3000" dirty="0">
+                <a:effectLst>
+                  <a:outerShdw blurRad="38100" dist="38100" dir="2700000" algn="tl">
+                    <a:srgbClr val="000000">
+                      <a:alpha val="43137"/>
+                    </a:srgbClr>
+                  </a:outerShdw>
+                </a:effectLst>
+                <a:latin typeface="Sylfaen" panose="010A0502050306030303" pitchFamily="18" charset="0"/>
+              </a:rPr>
+              <a:t>(String query)</a:t>
+            </a:r>
+          </a:p>
+          <a:p>
+            <a:pPr marL="0" indent="0">
+              <a:lnSpc>
+                <a:spcPct val="150000"/>
+              </a:lnSpc>
+              <a:buNone/>
+            </a:pPr>
+            <a:r>
+              <a:rPr lang="en-US" sz="3000" dirty="0">
+                <a:effectLst>
+                  <a:outerShdw blurRad="38100" dist="38100" dir="2700000" algn="tl">
+                    <a:srgbClr val="000000">
+                      <a:alpha val="43137"/>
+                    </a:srgbClr>
+                  </a:outerShdw>
+                </a:effectLst>
+                <a:latin typeface="Sylfaen" panose="010A0502050306030303" pitchFamily="18" charset="0"/>
+              </a:rPr>
+              <a:t>public </a:t>
+            </a:r>
+            <a:r>
+              <a:rPr lang="en-US" sz="3000" dirty="0" err="1">
+                <a:effectLst>
+                  <a:outerShdw blurRad="38100" dist="38100" dir="2700000" algn="tl">
+                    <a:srgbClr val="000000">
+                      <a:alpha val="43137"/>
+                    </a:srgbClr>
+                  </a:outerShdw>
+                </a:effectLst>
+                <a:latin typeface="Sylfaen" panose="010A0502050306030303" pitchFamily="18" charset="0"/>
+              </a:rPr>
+              <a:t>DatabaseMetadata</a:t>
+            </a:r>
+            <a:r>
+              <a:rPr lang="en-US" sz="3000" dirty="0">
+                <a:effectLst>
+                  <a:outerShdw blurRad="38100" dist="38100" dir="2700000" algn="tl">
+                    <a:srgbClr val="000000">
+                      <a:alpha val="43137"/>
+                    </a:srgbClr>
+                  </a:outerShdw>
+                </a:effectLst>
+                <a:latin typeface="Sylfaen" panose="010A0502050306030303" pitchFamily="18" charset="0"/>
+              </a:rPr>
+              <a:t> </a:t>
+            </a:r>
+            <a:r>
+              <a:rPr lang="en-US" sz="3000" dirty="0" err="1">
+                <a:effectLst>
+                  <a:outerShdw blurRad="38100" dist="38100" dir="2700000" algn="tl">
+                    <a:srgbClr val="000000">
+                      <a:alpha val="43137"/>
+                    </a:srgbClr>
+                  </a:outerShdw>
+                </a:effectLst>
+                <a:latin typeface="Sylfaen" panose="010A0502050306030303" pitchFamily="18" charset="0"/>
+              </a:rPr>
+              <a:t>getMetadata</a:t>
+            </a:r>
+            <a:r>
+              <a:rPr lang="en-US" sz="3000" dirty="0">
+                <a:effectLst>
+                  <a:outerShdw blurRad="38100" dist="38100" dir="2700000" algn="tl">
+                    <a:srgbClr val="000000">
+                      <a:alpha val="43137"/>
+                    </a:srgbClr>
+                  </a:outerShdw>
+                </a:effectLst>
+                <a:latin typeface="Sylfaen" panose="010A0502050306030303" pitchFamily="18" charset="0"/>
+              </a:rPr>
+              <a:t>()</a:t>
+            </a:r>
+            <a:endParaRPr lang="ru-RU" sz="3000" dirty="0">
+              <a:effectLst>
+                <a:outerShdw blurRad="38100" dist="38100" dir="2700000" algn="tl">
+                  <a:srgbClr val="000000">
+                    <a:alpha val="43137"/>
+                  </a:srgbClr>
+                </a:outerShdw>
+              </a:effectLst>
+              <a:latin typeface="Sylfaen" panose="010A0502050306030303" pitchFamily="18" charset="0"/>
+            </a:endParaRPr>
+          </a:p>
+          <a:p>
+            <a:pPr marL="0" indent="0">
+              <a:lnSpc>
+                <a:spcPct val="150000"/>
+              </a:lnSpc>
+              <a:buNone/>
+            </a:pPr>
+            <a:r>
+              <a:rPr lang="en-US" sz="3000" dirty="0">
+                <a:effectLst>
+                  <a:outerShdw blurRad="38100" dist="38100" dir="2700000" algn="tl">
+                    <a:srgbClr val="000000">
+                      <a:alpha val="43137"/>
+                    </a:srgbClr>
+                  </a:outerShdw>
+                </a:effectLst>
+                <a:latin typeface="Sylfaen" panose="010A0502050306030303" pitchFamily="18" charset="0"/>
+              </a:rPr>
+              <a:t>public void close()</a:t>
+            </a:r>
+          </a:p>
+          <a:p>
+            <a:pPr marL="0" indent="0">
+              <a:lnSpc>
+                <a:spcPct val="150000"/>
+              </a:lnSpc>
+              <a:buNone/>
+            </a:pPr>
+            <a:r>
+              <a:rPr lang="en-US" sz="3000" dirty="0">
+                <a:effectLst>
+                  <a:outerShdw blurRad="38100" dist="38100" dir="2700000" algn="tl">
+                    <a:srgbClr val="000000">
+                      <a:alpha val="43137"/>
+                    </a:srgbClr>
+                  </a:outerShdw>
+                </a:effectLst>
+                <a:latin typeface="Sylfaen" panose="010A0502050306030303" pitchFamily="18" charset="0"/>
+              </a:rPr>
+              <a:t>public void </a:t>
+            </a:r>
+            <a:r>
+              <a:rPr lang="en-US" sz="3000" dirty="0" err="1">
+                <a:effectLst>
+                  <a:outerShdw blurRad="38100" dist="38100" dir="2700000" algn="tl">
+                    <a:srgbClr val="000000">
+                      <a:alpha val="43137"/>
+                    </a:srgbClr>
+                  </a:outerShdw>
+                </a:effectLst>
+                <a:latin typeface="Sylfaen" panose="010A0502050306030303" pitchFamily="18" charset="0"/>
+              </a:rPr>
+              <a:t>setAutoCommit</a:t>
+            </a:r>
+            <a:r>
+              <a:rPr lang="en-US" sz="3000" dirty="0">
+                <a:effectLst>
+                  <a:outerShdw blurRad="38100" dist="38100" dir="2700000" algn="tl">
+                    <a:srgbClr val="000000">
+                      <a:alpha val="43137"/>
+                    </a:srgbClr>
+                  </a:outerShdw>
+                </a:effectLst>
+                <a:latin typeface="Sylfaen" panose="010A0502050306030303" pitchFamily="18" charset="0"/>
+              </a:rPr>
+              <a:t>(</a:t>
+            </a:r>
+            <a:r>
+              <a:rPr lang="en-US" sz="3000" dirty="0" err="1">
+                <a:effectLst>
+                  <a:outerShdw blurRad="38100" dist="38100" dir="2700000" algn="tl">
+                    <a:srgbClr val="000000">
+                      <a:alpha val="43137"/>
+                    </a:srgbClr>
+                  </a:outerShdw>
+                </a:effectLst>
+                <a:latin typeface="Sylfaen" panose="010A0502050306030303" pitchFamily="18" charset="0"/>
+              </a:rPr>
+              <a:t>boolean</a:t>
+            </a:r>
+            <a:r>
+              <a:rPr lang="en-US" sz="3000" dirty="0">
+                <a:effectLst>
+                  <a:outerShdw blurRad="38100" dist="38100" dir="2700000" algn="tl">
+                    <a:srgbClr val="000000">
+                      <a:alpha val="43137"/>
+                    </a:srgbClr>
+                  </a:outerShdw>
+                </a:effectLst>
+                <a:latin typeface="Sylfaen" panose="010A0502050306030303" pitchFamily="18" charset="0"/>
+              </a:rPr>
+              <a:t> status) </a:t>
+            </a:r>
+          </a:p>
+          <a:p>
+            <a:pPr marL="0" indent="0">
+              <a:lnSpc>
+                <a:spcPct val="150000"/>
+              </a:lnSpc>
+              <a:buNone/>
+            </a:pPr>
+            <a:r>
+              <a:rPr lang="en-US" sz="3000" dirty="0">
+                <a:effectLst>
+                  <a:outerShdw blurRad="38100" dist="38100" dir="2700000" algn="tl">
+                    <a:srgbClr val="000000">
+                      <a:alpha val="43137"/>
+                    </a:srgbClr>
+                  </a:outerShdw>
+                </a:effectLst>
+                <a:latin typeface="Sylfaen" panose="010A0502050306030303" pitchFamily="18" charset="0"/>
+              </a:rPr>
+              <a:t>public void commit()</a:t>
+            </a:r>
+          </a:p>
+          <a:p>
+            <a:pPr marL="0" indent="0">
+              <a:lnSpc>
+                <a:spcPct val="150000"/>
+              </a:lnSpc>
+              <a:buNone/>
+            </a:pPr>
+            <a:r>
+              <a:rPr lang="en-US" sz="3000" dirty="0">
+                <a:effectLst>
+                  <a:outerShdw blurRad="38100" dist="38100" dir="2700000" algn="tl">
+                    <a:srgbClr val="000000">
+                      <a:alpha val="43137"/>
+                    </a:srgbClr>
+                  </a:outerShdw>
+                </a:effectLst>
+                <a:latin typeface="Sylfaen" panose="010A0502050306030303" pitchFamily="18" charset="0"/>
+              </a:rPr>
+              <a:t>public void rollback()</a:t>
+            </a:r>
+          </a:p>
+          <a:p>
+            <a:pPr marL="0" indent="0">
+              <a:buNone/>
+            </a:pPr>
+            <a:endParaRPr lang="en-US" dirty="0"/>
           </a:p>
         </p:txBody>
       </p:sp>
@@ -7823,7 +8983,7 @@
 </p:sld>
 </file>
 
-<file path=ppt/slides/slide7.xml><?xml version="1.0" encoding="utf-8"?>
+<file path=ppt/slides/slide8.xml><?xml version="1.0" encoding="utf-8"?>
 <p:sld xmlns:a="http://schemas.openxmlformats.org/drawingml/2006/main" xmlns:r="http://schemas.openxmlformats.org/officeDocument/2006/relationships" xmlns:p="http://schemas.openxmlformats.org/presentationml/2006/main">
   <p:cSld>
     <p:spTree>
@@ -7895,7 +9055,7 @@
         </p:nvSpPr>
         <p:spPr>
           <a:xfrm>
-            <a:off x="2667936" y="2065468"/>
+            <a:off x="838200" y="1873557"/>
             <a:ext cx="6856127" cy="3405942"/>
           </a:xfrm>
         </p:spPr>
@@ -7905,7 +9065,7 @@
           <a:p>
             <a:pPr marL="0" marR="0" lvl="0" indent="0" algn="just" defTabSz="914400" rtl="0" eaLnBrk="1" fontAlgn="auto" latinLnBrk="0" hangingPunct="1">
               <a:lnSpc>
-                <a:spcPct val="150000"/>
+                <a:spcPct val="200000"/>
               </a:lnSpc>
               <a:spcBef>
                 <a:spcPts val="0"/>
@@ -8050,7 +9210,7 @@
           <a:p>
             <a:pPr marL="0" marR="0" lvl="0" indent="0" algn="just" defTabSz="914400" rtl="0" eaLnBrk="1" fontAlgn="auto" latinLnBrk="0" hangingPunct="1">
               <a:lnSpc>
-                <a:spcPct val="150000"/>
+                <a:spcPct val="200000"/>
               </a:lnSpc>
               <a:spcBef>
                 <a:spcPts val="0"/>
@@ -8159,7 +9319,7 @@
           <a:p>
             <a:pPr marL="0" marR="0" lvl="0" indent="0" algn="just" defTabSz="914400" rtl="0" eaLnBrk="1" fontAlgn="auto" latinLnBrk="0" hangingPunct="1">
               <a:lnSpc>
-                <a:spcPct val="150000"/>
+                <a:spcPct val="200000"/>
               </a:lnSpc>
               <a:spcBef>
                 <a:spcPts val="0"/>
@@ -8319,7 +9479,7 @@
 </p:sld>
 </file>
 
-<file path=ppt/slides/slide8.xml><?xml version="1.0" encoding="utf-8"?>
+<file path=ppt/slides/slide9.xml><?xml version="1.0" encoding="utf-8"?>
 <p:sld xmlns:a="http://schemas.openxmlformats.org/drawingml/2006/main" xmlns:r="http://schemas.openxmlformats.org/officeDocument/2006/relationships" xmlns:p="http://schemas.openxmlformats.org/presentationml/2006/main">
   <p:cSld>
     <p:spTree>
@@ -8930,558 +10090,6 @@
     <p:extLst>
       <p:ext uri="{BB962C8B-B14F-4D97-AF65-F5344CB8AC3E}">
         <p14:creationId xmlns:p14="http://schemas.microsoft.com/office/powerpoint/2010/main" val="3419287248"/>
-      </p:ext>
-    </p:extLst>
-  </p:cSld>
-  <p:clrMapOvr>
-    <a:masterClrMapping/>
-  </p:clrMapOvr>
-</p:sld>
-</file>
-
-<file path=ppt/slides/slide9.xml><?xml version="1.0" encoding="utf-8"?>
-<p:sld xmlns:a="http://schemas.openxmlformats.org/drawingml/2006/main" xmlns:r="http://schemas.openxmlformats.org/officeDocument/2006/relationships" xmlns:p="http://schemas.openxmlformats.org/presentationml/2006/main">
-  <p:cSld>
-    <p:spTree>
-      <p:nvGrpSpPr>
-        <p:cNvPr id="1" name=""/>
-        <p:cNvGrpSpPr/>
-        <p:nvPr/>
-      </p:nvGrpSpPr>
-      <p:grpSpPr>
-        <a:xfrm>
-          <a:off x="0" y="0"/>
-          <a:ext cx="0" cy="0"/>
-          <a:chOff x="0" y="0"/>
-          <a:chExt cx="0" cy="0"/>
-        </a:xfrm>
-      </p:grpSpPr>
-      <p:sp>
-        <p:nvSpPr>
-          <p:cNvPr id="2" name="Title 1">
-            <a:extLst>
-              <a:ext uri="{FF2B5EF4-FFF2-40B4-BE49-F238E27FC236}">
-                <a16:creationId xmlns:a16="http://schemas.microsoft.com/office/drawing/2014/main" id="{01EEE7D7-6934-40A0-A6EA-4300B8AF3E80}"/>
-              </a:ext>
-            </a:extLst>
-          </p:cNvPr>
-          <p:cNvSpPr>
-            <a:spLocks noGrp="1"/>
-          </p:cNvSpPr>
-          <p:nvPr>
-            <p:ph type="title"/>
-          </p:nvPr>
-        </p:nvSpPr>
-        <p:spPr>
-          <a:xfrm>
-            <a:off x="838200" y="18255"/>
-            <a:ext cx="10515600" cy="1325563"/>
-          </a:xfrm>
-        </p:spPr>
-        <p:txBody>
-          <a:bodyPr/>
-          <a:lstStyle/>
-          <a:p>
-            <a:pPr algn="ctr"/>
-            <a:r>
-              <a:rPr lang="en-US" dirty="0" err="1">
-                <a:latin typeface="Sylfaen" panose="010A0502050306030303" pitchFamily="18" charset="0"/>
-              </a:rPr>
-              <a:t>PreparedStatement</a:t>
-            </a:r>
-            <a:r>
-              <a:rPr lang="en-US" dirty="0">
-                <a:latin typeface="Sylfaen" panose="010A0502050306030303" pitchFamily="18" charset="0"/>
-              </a:rPr>
-              <a:t> interface</a:t>
-            </a:r>
-            <a:endParaRPr lang="en-US" dirty="0"/>
-          </a:p>
-        </p:txBody>
-      </p:sp>
-      <p:sp>
-        <p:nvSpPr>
-          <p:cNvPr id="3" name="Content Placeholder 2">
-            <a:extLst>
-              <a:ext uri="{FF2B5EF4-FFF2-40B4-BE49-F238E27FC236}">
-                <a16:creationId xmlns:a16="http://schemas.microsoft.com/office/drawing/2014/main" id="{61885F84-5C21-4B45-AFC4-043EDF7698F4}"/>
-              </a:ext>
-            </a:extLst>
-          </p:cNvPr>
-          <p:cNvSpPr>
-            <a:spLocks noGrp="1"/>
-          </p:cNvSpPr>
-          <p:nvPr>
-            <p:ph idx="1"/>
-          </p:nvPr>
-        </p:nvSpPr>
-        <p:spPr>
-          <a:xfrm>
-            <a:off x="838199" y="1343817"/>
-            <a:ext cx="10784566" cy="5027004"/>
-          </a:xfrm>
-        </p:spPr>
-        <p:txBody>
-          <a:bodyPr>
-            <a:normAutofit/>
-          </a:bodyPr>
-          <a:lstStyle/>
-          <a:p>
-            <a:pPr marL="0" indent="0">
-              <a:lnSpc>
-                <a:spcPct val="150000"/>
-              </a:lnSpc>
-              <a:buNone/>
-            </a:pPr>
-            <a:r>
-              <a:rPr lang="en-US" sz="3000" dirty="0">
-                <a:effectLst>
-                  <a:outerShdw blurRad="38100" dist="38100" dir="2700000" algn="tl">
-                    <a:srgbClr val="000000">
-                      <a:alpha val="43137"/>
-                    </a:srgbClr>
-                  </a:outerShdw>
-                </a:effectLst>
-                <a:latin typeface="Sylfaen" panose="010A0502050306030303" pitchFamily="18" charset="0"/>
-              </a:rPr>
-              <a:t>public void </a:t>
-            </a:r>
-            <a:r>
-              <a:rPr lang="en-US" sz="3000" dirty="0" err="1">
-                <a:effectLst>
-                  <a:outerShdw blurRad="38100" dist="38100" dir="2700000" algn="tl">
-                    <a:srgbClr val="000000">
-                      <a:alpha val="43137"/>
-                    </a:srgbClr>
-                  </a:outerShdw>
-                </a:effectLst>
-                <a:latin typeface="Sylfaen" panose="010A0502050306030303" pitchFamily="18" charset="0"/>
-              </a:rPr>
-              <a:t>setInt</a:t>
-            </a:r>
-            <a:r>
-              <a:rPr lang="en-US" sz="3000" dirty="0">
-                <a:effectLst>
-                  <a:outerShdw blurRad="38100" dist="38100" dir="2700000" algn="tl">
-                    <a:srgbClr val="000000">
-                      <a:alpha val="43137"/>
-                    </a:srgbClr>
-                  </a:outerShdw>
-                </a:effectLst>
-                <a:latin typeface="Sylfaen" panose="010A0502050306030303" pitchFamily="18" charset="0"/>
-              </a:rPr>
-              <a:t>(int </a:t>
-            </a:r>
-            <a:r>
-              <a:rPr lang="en-US" sz="3000" dirty="0" err="1">
-                <a:effectLst>
-                  <a:outerShdw blurRad="38100" dist="38100" dir="2700000" algn="tl">
-                    <a:srgbClr val="000000">
-                      <a:alpha val="43137"/>
-                    </a:srgbClr>
-                  </a:outerShdw>
-                </a:effectLst>
-                <a:latin typeface="Sylfaen" panose="010A0502050306030303" pitchFamily="18" charset="0"/>
-              </a:rPr>
-              <a:t>paramIndex</a:t>
-            </a:r>
-            <a:r>
-              <a:rPr lang="en-US" sz="3000" dirty="0">
-                <a:effectLst>
-                  <a:outerShdw blurRad="38100" dist="38100" dir="2700000" algn="tl">
-                    <a:srgbClr val="000000">
-                      <a:alpha val="43137"/>
-                    </a:srgbClr>
-                  </a:outerShdw>
-                </a:effectLst>
-                <a:latin typeface="Sylfaen" panose="010A0502050306030303" pitchFamily="18" charset="0"/>
-              </a:rPr>
-              <a:t>, int value)</a:t>
-            </a:r>
-          </a:p>
-          <a:p>
-            <a:pPr marL="0" indent="0">
-              <a:lnSpc>
-                <a:spcPct val="150000"/>
-              </a:lnSpc>
-              <a:buNone/>
-            </a:pPr>
-            <a:r>
-              <a:rPr lang="en-US" sz="3000" dirty="0">
-                <a:effectLst>
-                  <a:outerShdw blurRad="38100" dist="38100" dir="2700000" algn="tl">
-                    <a:srgbClr val="000000">
-                      <a:alpha val="43137"/>
-                    </a:srgbClr>
-                  </a:outerShdw>
-                </a:effectLst>
-                <a:latin typeface="Sylfaen" panose="010A0502050306030303" pitchFamily="18" charset="0"/>
-              </a:rPr>
-              <a:t>public void </a:t>
-            </a:r>
-            <a:r>
-              <a:rPr lang="en-US" sz="3000" dirty="0" err="1">
-                <a:effectLst>
-                  <a:outerShdw blurRad="38100" dist="38100" dir="2700000" algn="tl">
-                    <a:srgbClr val="000000">
-                      <a:alpha val="43137"/>
-                    </a:srgbClr>
-                  </a:outerShdw>
-                </a:effectLst>
-                <a:latin typeface="Sylfaen" panose="010A0502050306030303" pitchFamily="18" charset="0"/>
-              </a:rPr>
-              <a:t>setString</a:t>
-            </a:r>
-            <a:r>
-              <a:rPr lang="en-US" sz="3000" dirty="0">
-                <a:effectLst>
-                  <a:outerShdw blurRad="38100" dist="38100" dir="2700000" algn="tl">
-                    <a:srgbClr val="000000">
-                      <a:alpha val="43137"/>
-                    </a:srgbClr>
-                  </a:outerShdw>
-                </a:effectLst>
-                <a:latin typeface="Sylfaen" panose="010A0502050306030303" pitchFamily="18" charset="0"/>
-              </a:rPr>
-              <a:t>(int </a:t>
-            </a:r>
-            <a:r>
-              <a:rPr lang="en-US" sz="3000" dirty="0" err="1">
-                <a:effectLst>
-                  <a:outerShdw blurRad="38100" dist="38100" dir="2700000" algn="tl">
-                    <a:srgbClr val="000000">
-                      <a:alpha val="43137"/>
-                    </a:srgbClr>
-                  </a:outerShdw>
-                </a:effectLst>
-                <a:latin typeface="Sylfaen" panose="010A0502050306030303" pitchFamily="18" charset="0"/>
-              </a:rPr>
-              <a:t>paramIndex</a:t>
-            </a:r>
-            <a:r>
-              <a:rPr lang="en-US" sz="3000" dirty="0">
-                <a:effectLst>
-                  <a:outerShdw blurRad="38100" dist="38100" dir="2700000" algn="tl">
-                    <a:srgbClr val="000000">
-                      <a:alpha val="43137"/>
-                    </a:srgbClr>
-                  </a:outerShdw>
-                </a:effectLst>
-                <a:latin typeface="Sylfaen" panose="010A0502050306030303" pitchFamily="18" charset="0"/>
-              </a:rPr>
-              <a:t>, String value)</a:t>
-            </a:r>
-          </a:p>
-          <a:p>
-            <a:pPr marL="0" indent="0">
-              <a:lnSpc>
-                <a:spcPct val="150000"/>
-              </a:lnSpc>
-              <a:buNone/>
-            </a:pPr>
-            <a:r>
-              <a:rPr lang="en-US" sz="3000" dirty="0">
-                <a:effectLst>
-                  <a:outerShdw blurRad="38100" dist="38100" dir="2700000" algn="tl">
-                    <a:srgbClr val="000000">
-                      <a:alpha val="43137"/>
-                    </a:srgbClr>
-                  </a:outerShdw>
-                </a:effectLst>
-                <a:latin typeface="Sylfaen" panose="010A0502050306030303" pitchFamily="18" charset="0"/>
-              </a:rPr>
-              <a:t>public void </a:t>
-            </a:r>
-            <a:r>
-              <a:rPr lang="en-US" sz="3000" dirty="0" err="1">
-                <a:effectLst>
-                  <a:outerShdw blurRad="38100" dist="38100" dir="2700000" algn="tl">
-                    <a:srgbClr val="000000">
-                      <a:alpha val="43137"/>
-                    </a:srgbClr>
-                  </a:outerShdw>
-                </a:effectLst>
-                <a:latin typeface="Sylfaen" panose="010A0502050306030303" pitchFamily="18" charset="0"/>
-              </a:rPr>
-              <a:t>setFloat</a:t>
-            </a:r>
-            <a:r>
-              <a:rPr lang="en-US" sz="3000" dirty="0">
-                <a:effectLst>
-                  <a:outerShdw blurRad="38100" dist="38100" dir="2700000" algn="tl">
-                    <a:srgbClr val="000000">
-                      <a:alpha val="43137"/>
-                    </a:srgbClr>
-                  </a:outerShdw>
-                </a:effectLst>
-                <a:latin typeface="Sylfaen" panose="010A0502050306030303" pitchFamily="18" charset="0"/>
-              </a:rPr>
-              <a:t>(int </a:t>
-            </a:r>
-            <a:r>
-              <a:rPr lang="en-US" sz="3000" dirty="0" err="1">
-                <a:effectLst>
-                  <a:outerShdw blurRad="38100" dist="38100" dir="2700000" algn="tl">
-                    <a:srgbClr val="000000">
-                      <a:alpha val="43137"/>
-                    </a:srgbClr>
-                  </a:outerShdw>
-                </a:effectLst>
-                <a:latin typeface="Sylfaen" panose="010A0502050306030303" pitchFamily="18" charset="0"/>
-              </a:rPr>
-              <a:t>paramIndex</a:t>
-            </a:r>
-            <a:r>
-              <a:rPr lang="en-US" sz="3000" dirty="0">
-                <a:effectLst>
-                  <a:outerShdw blurRad="38100" dist="38100" dir="2700000" algn="tl">
-                    <a:srgbClr val="000000">
-                      <a:alpha val="43137"/>
-                    </a:srgbClr>
-                  </a:outerShdw>
-                </a:effectLst>
-                <a:latin typeface="Sylfaen" panose="010A0502050306030303" pitchFamily="18" charset="0"/>
-              </a:rPr>
-              <a:t>, float value)</a:t>
-            </a:r>
-          </a:p>
-          <a:p>
-            <a:pPr marL="0" indent="0">
-              <a:lnSpc>
-                <a:spcPct val="150000"/>
-              </a:lnSpc>
-              <a:buNone/>
-            </a:pPr>
-            <a:r>
-              <a:rPr lang="en-US" sz="3000" dirty="0">
-                <a:effectLst>
-                  <a:outerShdw blurRad="38100" dist="38100" dir="2700000" algn="tl">
-                    <a:srgbClr val="000000">
-                      <a:alpha val="43137"/>
-                    </a:srgbClr>
-                  </a:outerShdw>
-                </a:effectLst>
-                <a:latin typeface="Sylfaen" panose="010A0502050306030303" pitchFamily="18" charset="0"/>
-              </a:rPr>
-              <a:t>public void </a:t>
-            </a:r>
-            <a:r>
-              <a:rPr lang="en-US" sz="3000" dirty="0" err="1">
-                <a:effectLst>
-                  <a:outerShdw blurRad="38100" dist="38100" dir="2700000" algn="tl">
-                    <a:srgbClr val="000000">
-                      <a:alpha val="43137"/>
-                    </a:srgbClr>
-                  </a:outerShdw>
-                </a:effectLst>
-                <a:latin typeface="Sylfaen" panose="010A0502050306030303" pitchFamily="18" charset="0"/>
-              </a:rPr>
-              <a:t>setDouble</a:t>
-            </a:r>
-            <a:r>
-              <a:rPr lang="en-US" sz="3000" dirty="0">
-                <a:effectLst>
-                  <a:outerShdw blurRad="38100" dist="38100" dir="2700000" algn="tl">
-                    <a:srgbClr val="000000">
-                      <a:alpha val="43137"/>
-                    </a:srgbClr>
-                  </a:outerShdw>
-                </a:effectLst>
-                <a:latin typeface="Sylfaen" panose="010A0502050306030303" pitchFamily="18" charset="0"/>
-              </a:rPr>
-              <a:t>(int </a:t>
-            </a:r>
-            <a:r>
-              <a:rPr lang="en-US" sz="3000" dirty="0" err="1">
-                <a:effectLst>
-                  <a:outerShdw blurRad="38100" dist="38100" dir="2700000" algn="tl">
-                    <a:srgbClr val="000000">
-                      <a:alpha val="43137"/>
-                    </a:srgbClr>
-                  </a:outerShdw>
-                </a:effectLst>
-                <a:latin typeface="Sylfaen" panose="010A0502050306030303" pitchFamily="18" charset="0"/>
-              </a:rPr>
-              <a:t>paramIndex</a:t>
-            </a:r>
-            <a:r>
-              <a:rPr lang="en-US" sz="3000" dirty="0">
-                <a:effectLst>
-                  <a:outerShdw blurRad="38100" dist="38100" dir="2700000" algn="tl">
-                    <a:srgbClr val="000000">
-                      <a:alpha val="43137"/>
-                    </a:srgbClr>
-                  </a:outerShdw>
-                </a:effectLst>
-                <a:latin typeface="Sylfaen" panose="010A0502050306030303" pitchFamily="18" charset="0"/>
-              </a:rPr>
-              <a:t>, double value)</a:t>
-            </a:r>
-          </a:p>
-          <a:p>
-            <a:pPr marL="0" indent="0">
-              <a:lnSpc>
-                <a:spcPct val="150000"/>
-              </a:lnSpc>
-              <a:buNone/>
-            </a:pPr>
-            <a:r>
-              <a:rPr lang="en-US" sz="3000" dirty="0">
-                <a:effectLst>
-                  <a:outerShdw blurRad="38100" dist="38100" dir="2700000" algn="tl">
-                    <a:srgbClr val="000000">
-                      <a:alpha val="43137"/>
-                    </a:srgbClr>
-                  </a:outerShdw>
-                </a:effectLst>
-                <a:latin typeface="Sylfaen" panose="010A0502050306030303" pitchFamily="18" charset="0"/>
-              </a:rPr>
-              <a:t>public int </a:t>
-            </a:r>
-            <a:r>
-              <a:rPr lang="en-US" sz="3000" dirty="0" err="1">
-                <a:effectLst>
-                  <a:outerShdw blurRad="38100" dist="38100" dir="2700000" algn="tl">
-                    <a:srgbClr val="000000">
-                      <a:alpha val="43137"/>
-                    </a:srgbClr>
-                  </a:outerShdw>
-                </a:effectLst>
-                <a:latin typeface="Sylfaen" panose="010A0502050306030303" pitchFamily="18" charset="0"/>
-              </a:rPr>
-              <a:t>executeUpdate</a:t>
-            </a:r>
-            <a:r>
-              <a:rPr lang="en-US" sz="3000" dirty="0">
-                <a:effectLst>
-                  <a:outerShdw blurRad="38100" dist="38100" dir="2700000" algn="tl">
-                    <a:srgbClr val="000000">
-                      <a:alpha val="43137"/>
-                    </a:srgbClr>
-                  </a:outerShdw>
-                </a:effectLst>
-                <a:latin typeface="Sylfaen" panose="010A0502050306030303" pitchFamily="18" charset="0"/>
-              </a:rPr>
-              <a:t>()</a:t>
-            </a:r>
-          </a:p>
-          <a:p>
-            <a:pPr marL="0" indent="0">
-              <a:lnSpc>
-                <a:spcPct val="150000"/>
-              </a:lnSpc>
-              <a:buNone/>
-            </a:pPr>
-            <a:r>
-              <a:rPr lang="en-US" sz="3000" dirty="0">
-                <a:effectLst>
-                  <a:outerShdw blurRad="38100" dist="38100" dir="2700000" algn="tl">
-                    <a:srgbClr val="000000">
-                      <a:alpha val="43137"/>
-                    </a:srgbClr>
-                  </a:outerShdw>
-                </a:effectLst>
-                <a:latin typeface="Sylfaen" panose="010A0502050306030303" pitchFamily="18" charset="0"/>
-              </a:rPr>
-              <a:t>public </a:t>
-            </a:r>
-            <a:r>
-              <a:rPr lang="en-US" sz="3000" dirty="0" err="1">
-                <a:effectLst>
-                  <a:outerShdw blurRad="38100" dist="38100" dir="2700000" algn="tl">
-                    <a:srgbClr val="000000">
-                      <a:alpha val="43137"/>
-                    </a:srgbClr>
-                  </a:outerShdw>
-                </a:effectLst>
-                <a:latin typeface="Sylfaen" panose="010A0502050306030303" pitchFamily="18" charset="0"/>
-              </a:rPr>
-              <a:t>ResultSet</a:t>
-            </a:r>
-            <a:r>
-              <a:rPr lang="en-US" sz="3000" dirty="0">
-                <a:effectLst>
-                  <a:outerShdw blurRad="38100" dist="38100" dir="2700000" algn="tl">
-                    <a:srgbClr val="000000">
-                      <a:alpha val="43137"/>
-                    </a:srgbClr>
-                  </a:outerShdw>
-                </a:effectLst>
-                <a:latin typeface="Sylfaen" panose="010A0502050306030303" pitchFamily="18" charset="0"/>
-              </a:rPr>
-              <a:t> </a:t>
-            </a:r>
-            <a:r>
-              <a:rPr lang="en-US" sz="3000" dirty="0" err="1">
-                <a:effectLst>
-                  <a:outerShdw blurRad="38100" dist="38100" dir="2700000" algn="tl">
-                    <a:srgbClr val="000000">
-                      <a:alpha val="43137"/>
-                    </a:srgbClr>
-                  </a:outerShdw>
-                </a:effectLst>
-                <a:latin typeface="Sylfaen" panose="010A0502050306030303" pitchFamily="18" charset="0"/>
-              </a:rPr>
-              <a:t>executeQuery</a:t>
-            </a:r>
-            <a:r>
-              <a:rPr lang="en-US" sz="3000" dirty="0">
-                <a:effectLst>
-                  <a:outerShdw blurRad="38100" dist="38100" dir="2700000" algn="tl">
-                    <a:srgbClr val="000000">
-                      <a:alpha val="43137"/>
-                    </a:srgbClr>
-                  </a:outerShdw>
-                </a:effectLst>
-                <a:latin typeface="Sylfaen" panose="010A0502050306030303" pitchFamily="18" charset="0"/>
-              </a:rPr>
-              <a:t>()</a:t>
-            </a:r>
-          </a:p>
-        </p:txBody>
-      </p:sp>
-      <p:cxnSp>
-        <p:nvCxnSpPr>
-          <p:cNvPr id="4" name="Straight Connector 3">
-            <a:extLst>
-              <a:ext uri="{FF2B5EF4-FFF2-40B4-BE49-F238E27FC236}">
-                <a16:creationId xmlns:a16="http://schemas.microsoft.com/office/drawing/2014/main" id="{64BEDF21-2142-4A0D-AF6B-ECC5A512655F}"/>
-              </a:ext>
-            </a:extLst>
-          </p:cNvPr>
-          <p:cNvCxnSpPr>
-            <a:cxnSpLocks/>
-          </p:cNvCxnSpPr>
-          <p:nvPr/>
-        </p:nvCxnSpPr>
-        <p:spPr>
-          <a:xfrm>
-            <a:off x="569235" y="1156156"/>
-            <a:ext cx="11053530" cy="0"/>
-          </a:xfrm>
-          <a:prstGeom prst="line">
-            <a:avLst/>
-          </a:prstGeom>
-        </p:spPr>
-        <p:style>
-          <a:lnRef idx="3">
-            <a:schemeClr val="accent1"/>
-          </a:lnRef>
-          <a:fillRef idx="0">
-            <a:schemeClr val="accent1"/>
-          </a:fillRef>
-          <a:effectRef idx="2">
-            <a:schemeClr val="accent1"/>
-          </a:effectRef>
-          <a:fontRef idx="minor">
-            <a:schemeClr val="tx1"/>
-          </a:fontRef>
-        </p:style>
-      </p:cxnSp>
-    </p:spTree>
-    <p:extLst>
-      <p:ext uri="{BB962C8B-B14F-4D97-AF65-F5344CB8AC3E}">
-        <p14:creationId xmlns:p14="http://schemas.microsoft.com/office/powerpoint/2010/main" val="2164032351"/>
       </p:ext>
     </p:extLst>
   </p:cSld>

--- a/JDBC/JDBC_Presentation.pptx
+++ b/JDBC/JDBC_Presentation.pptx
@@ -214,7 +214,7 @@
           <a:p>
             <a:fld id="{F988C94B-7918-458B-9AF1-0DBDD7FC850F}" type="datetimeFigureOut">
               <a:rPr lang="en-US" smtClean="0"/>
-              <a:t>8/21/2022</a:t>
+              <a:t>2022-08-22</a:t>
             </a:fld>
             <a:endParaRPr lang="en-US"/>
           </a:p>
@@ -612,7 +612,7 @@
           <a:p>
             <a:fld id="{0A968979-5CB5-4E5D-B82F-DAC09775BD7D}" type="datetimeFigureOut">
               <a:rPr lang="en-US" smtClean="0"/>
-              <a:t>8/21/2022</a:t>
+              <a:t>2022-08-22</a:t>
             </a:fld>
             <a:endParaRPr lang="en-US"/>
           </a:p>
@@ -782,7 +782,7 @@
           <a:p>
             <a:fld id="{0A968979-5CB5-4E5D-B82F-DAC09775BD7D}" type="datetimeFigureOut">
               <a:rPr lang="en-US" smtClean="0"/>
-              <a:t>8/21/2022</a:t>
+              <a:t>2022-08-22</a:t>
             </a:fld>
             <a:endParaRPr lang="en-US"/>
           </a:p>
@@ -962,7 +962,7 @@
           <a:p>
             <a:fld id="{0A968979-5CB5-4E5D-B82F-DAC09775BD7D}" type="datetimeFigureOut">
               <a:rPr lang="en-US" smtClean="0"/>
-              <a:t>8/21/2022</a:t>
+              <a:t>2022-08-22</a:t>
             </a:fld>
             <a:endParaRPr lang="en-US"/>
           </a:p>
@@ -1132,7 +1132,7 @@
           <a:p>
             <a:fld id="{0A968979-5CB5-4E5D-B82F-DAC09775BD7D}" type="datetimeFigureOut">
               <a:rPr lang="en-US" smtClean="0"/>
-              <a:t>8/21/2022</a:t>
+              <a:t>2022-08-22</a:t>
             </a:fld>
             <a:endParaRPr lang="en-US"/>
           </a:p>
@@ -1378,7 +1378,7 @@
           <a:p>
             <a:fld id="{0A968979-5CB5-4E5D-B82F-DAC09775BD7D}" type="datetimeFigureOut">
               <a:rPr lang="en-US" smtClean="0"/>
-              <a:t>8/21/2022</a:t>
+              <a:t>2022-08-22</a:t>
             </a:fld>
             <a:endParaRPr lang="en-US"/>
           </a:p>
@@ -1610,7 +1610,7 @@
           <a:p>
             <a:fld id="{0A968979-5CB5-4E5D-B82F-DAC09775BD7D}" type="datetimeFigureOut">
               <a:rPr lang="en-US" smtClean="0"/>
-              <a:t>8/21/2022</a:t>
+              <a:t>2022-08-22</a:t>
             </a:fld>
             <a:endParaRPr lang="en-US"/>
           </a:p>
@@ -1977,7 +1977,7 @@
           <a:p>
             <a:fld id="{0A968979-5CB5-4E5D-B82F-DAC09775BD7D}" type="datetimeFigureOut">
               <a:rPr lang="en-US" smtClean="0"/>
-              <a:t>8/21/2022</a:t>
+              <a:t>2022-08-22</a:t>
             </a:fld>
             <a:endParaRPr lang="en-US"/>
           </a:p>
@@ -2095,7 +2095,7 @@
           <a:p>
             <a:fld id="{0A968979-5CB5-4E5D-B82F-DAC09775BD7D}" type="datetimeFigureOut">
               <a:rPr lang="en-US" smtClean="0"/>
-              <a:t>8/21/2022</a:t>
+              <a:t>2022-08-22</a:t>
             </a:fld>
             <a:endParaRPr lang="en-US"/>
           </a:p>
@@ -2190,7 +2190,7 @@
           <a:p>
             <a:fld id="{0A968979-5CB5-4E5D-B82F-DAC09775BD7D}" type="datetimeFigureOut">
               <a:rPr lang="en-US" smtClean="0"/>
-              <a:t>8/21/2022</a:t>
+              <a:t>2022-08-22</a:t>
             </a:fld>
             <a:endParaRPr lang="en-US"/>
           </a:p>
@@ -2467,7 +2467,7 @@
           <a:p>
             <a:fld id="{0A968979-5CB5-4E5D-B82F-DAC09775BD7D}" type="datetimeFigureOut">
               <a:rPr lang="en-US" smtClean="0"/>
-              <a:t>8/21/2022</a:t>
+              <a:t>2022-08-22</a:t>
             </a:fld>
             <a:endParaRPr lang="en-US"/>
           </a:p>
@@ -2724,7 +2724,7 @@
           <a:p>
             <a:fld id="{0A968979-5CB5-4E5D-B82F-DAC09775BD7D}" type="datetimeFigureOut">
               <a:rPr lang="en-US" smtClean="0"/>
-              <a:t>8/21/2022</a:t>
+              <a:t>2022-08-22</a:t>
             </a:fld>
             <a:endParaRPr lang="en-US"/>
           </a:p>
@@ -2937,7 +2937,7 @@
           <a:p>
             <a:fld id="{0A968979-5CB5-4E5D-B82F-DAC09775BD7D}" type="datetimeFigureOut">
               <a:rPr lang="en-US" smtClean="0"/>
-              <a:t>8/21/2022</a:t>
+              <a:t>2022-08-22</a:t>
             </a:fld>
             <a:endParaRPr lang="en-US"/>
           </a:p>
@@ -3863,7 +3863,7 @@
                 </a:effectLst>
                 <a:latin typeface="Sylfaen" panose="010A0502050306030303" pitchFamily="18" charset="0"/>
               </a:rPr>
-              <a:t>public int </a:t>
+              <a:t>public </a:t>
             </a:r>
             <a:r>
               <a:rPr lang="en-US" sz="3000" dirty="0" err="1">
@@ -3876,7 +3876,33 @@
                 </a:effectLst>
                 <a:latin typeface="Sylfaen" panose="010A0502050306030303" pitchFamily="18" charset="0"/>
               </a:rPr>
-              <a:t>executeUpdate</a:t>
+              <a:t>ResultSet</a:t>
+            </a:r>
+            <a:r>
+              <a:rPr lang="en-US" sz="3000" dirty="0">
+                <a:effectLst>
+                  <a:outerShdw blurRad="38100" dist="38100" dir="2700000" algn="tl">
+                    <a:srgbClr val="000000">
+                      <a:alpha val="43137"/>
+                    </a:srgbClr>
+                  </a:outerShdw>
+                </a:effectLst>
+                <a:latin typeface="Sylfaen" panose="010A0502050306030303" pitchFamily="18" charset="0"/>
+              </a:rPr>
+              <a:t> </a:t>
+            </a:r>
+            <a:r>
+              <a:rPr lang="en-US" sz="3000" dirty="0" err="1">
+                <a:effectLst>
+                  <a:outerShdw blurRad="38100" dist="38100" dir="2700000" algn="tl">
+                    <a:srgbClr val="000000">
+                      <a:alpha val="43137"/>
+                    </a:srgbClr>
+                  </a:outerShdw>
+                </a:effectLst>
+                <a:latin typeface="Sylfaen" panose="010A0502050306030303" pitchFamily="18" charset="0"/>
+              </a:rPr>
+              <a:t>executeQuery</a:t>
             </a:r>
             <a:r>
               <a:rPr lang="en-US" sz="3000" dirty="0">
@@ -3910,7 +3936,7 @@
                 </a:effectLst>
                 <a:latin typeface="Sylfaen" panose="010A0502050306030303" pitchFamily="18" charset="0"/>
               </a:rPr>
-              <a:t>public </a:t>
+              <a:t>public int </a:t>
             </a:r>
             <a:r>
               <a:rPr lang="en-US" sz="3000" dirty="0" err="1">
@@ -3923,33 +3949,7 @@
                 </a:effectLst>
                 <a:latin typeface="Sylfaen" panose="010A0502050306030303" pitchFamily="18" charset="0"/>
               </a:rPr>
-              <a:t>ResultSet</a:t>
-            </a:r>
-            <a:r>
-              <a:rPr lang="en-US" sz="3000" dirty="0">
-                <a:effectLst>
-                  <a:outerShdw blurRad="38100" dist="38100" dir="2700000" algn="tl">
-                    <a:srgbClr val="000000">
-                      <a:alpha val="43137"/>
-                    </a:srgbClr>
-                  </a:outerShdw>
-                </a:effectLst>
-                <a:latin typeface="Sylfaen" panose="010A0502050306030303" pitchFamily="18" charset="0"/>
-              </a:rPr>
-              <a:t> </a:t>
-            </a:r>
-            <a:r>
-              <a:rPr lang="en-US" sz="3000" dirty="0" err="1">
-                <a:effectLst>
-                  <a:outerShdw blurRad="38100" dist="38100" dir="2700000" algn="tl">
-                    <a:srgbClr val="000000">
-                      <a:alpha val="43137"/>
-                    </a:srgbClr>
-                  </a:outerShdw>
-                </a:effectLst>
-                <a:latin typeface="Sylfaen" panose="010A0502050306030303" pitchFamily="18" charset="0"/>
-              </a:rPr>
-              <a:t>executeQuery</a:t>
+              <a:t>executeUpdate</a:t>
             </a:r>
             <a:r>
               <a:rPr lang="en-US" sz="3000" dirty="0">
@@ -6856,8 +6856,8 @@
         </p:nvSpPr>
         <p:spPr>
           <a:xfrm>
-            <a:off x="838199" y="1353176"/>
-            <a:ext cx="10784565" cy="4844419"/>
+            <a:off x="838200" y="1353176"/>
+            <a:ext cx="3772990" cy="4844419"/>
           </a:xfrm>
         </p:spPr>
         <p:txBody>
@@ -7126,6 +7126,486 @@
           </a:fontRef>
         </p:style>
       </p:cxnSp>
+      <p:sp>
+        <p:nvSpPr>
+          <p:cNvPr id="7" name="Content Placeholder 2">
+            <a:extLst>
+              <a:ext uri="{FF2B5EF4-FFF2-40B4-BE49-F238E27FC236}">
+                <a16:creationId xmlns:a16="http://schemas.microsoft.com/office/drawing/2014/main" id="{5A2110C9-4CF1-4724-A8D6-4C04F4A6DCEE}"/>
+              </a:ext>
+            </a:extLst>
+          </p:cNvPr>
+          <p:cNvSpPr txBox="1">
+            <a:spLocks/>
+          </p:cNvSpPr>
+          <p:nvPr/>
+        </p:nvSpPr>
+        <p:spPr>
+          <a:xfrm>
+            <a:off x="4924698" y="1457444"/>
+            <a:ext cx="6429102" cy="4844419"/>
+          </a:xfrm>
+          <a:prstGeom prst="rect">
+            <a:avLst/>
+          </a:prstGeom>
+        </p:spPr>
+        <p:txBody>
+          <a:bodyPr vert="horz" lIns="91440" tIns="45720" rIns="91440" bIns="45720" rtlCol="0">
+            <a:normAutofit lnSpcReduction="10000"/>
+          </a:bodyPr>
+          <a:lstStyle>
+            <a:lvl1pPr marL="228600" indent="-228600" algn="l" defTabSz="914400" rtl="0" eaLnBrk="1" latinLnBrk="0" hangingPunct="1">
+              <a:lnSpc>
+                <a:spcPct val="90000"/>
+              </a:lnSpc>
+              <a:spcBef>
+                <a:spcPts val="1000"/>
+              </a:spcBef>
+              <a:buFont typeface="Arial" panose="020B0604020202020204" pitchFamily="34" charset="0"/>
+              <a:buChar char="•"/>
+              <a:defRPr sz="2800" kern="1200">
+                <a:solidFill>
+                  <a:schemeClr val="tx1"/>
+                </a:solidFill>
+                <a:latin typeface="+mn-lt"/>
+                <a:ea typeface="+mn-ea"/>
+                <a:cs typeface="+mn-cs"/>
+              </a:defRPr>
+            </a:lvl1pPr>
+            <a:lvl2pPr marL="685800" indent="-228600" algn="l" defTabSz="914400" rtl="0" eaLnBrk="1" latinLnBrk="0" hangingPunct="1">
+              <a:lnSpc>
+                <a:spcPct val="90000"/>
+              </a:lnSpc>
+              <a:spcBef>
+                <a:spcPts val="500"/>
+              </a:spcBef>
+              <a:buFont typeface="Arial" panose="020B0604020202020204" pitchFamily="34" charset="0"/>
+              <a:buChar char="•"/>
+              <a:defRPr sz="2400" kern="1200">
+                <a:solidFill>
+                  <a:schemeClr val="tx1"/>
+                </a:solidFill>
+                <a:latin typeface="+mn-lt"/>
+                <a:ea typeface="+mn-ea"/>
+                <a:cs typeface="+mn-cs"/>
+              </a:defRPr>
+            </a:lvl2pPr>
+            <a:lvl3pPr marL="1143000" indent="-228600" algn="l" defTabSz="914400" rtl="0" eaLnBrk="1" latinLnBrk="0" hangingPunct="1">
+              <a:lnSpc>
+                <a:spcPct val="90000"/>
+              </a:lnSpc>
+              <a:spcBef>
+                <a:spcPts val="500"/>
+              </a:spcBef>
+              <a:buFont typeface="Arial" panose="020B0604020202020204" pitchFamily="34" charset="0"/>
+              <a:buChar char="•"/>
+              <a:defRPr sz="2000" kern="1200">
+                <a:solidFill>
+                  <a:schemeClr val="tx1"/>
+                </a:solidFill>
+                <a:latin typeface="+mn-lt"/>
+                <a:ea typeface="+mn-ea"/>
+                <a:cs typeface="+mn-cs"/>
+              </a:defRPr>
+            </a:lvl3pPr>
+            <a:lvl4pPr marL="1600200" indent="-228600" algn="l" defTabSz="914400" rtl="0" eaLnBrk="1" latinLnBrk="0" hangingPunct="1">
+              <a:lnSpc>
+                <a:spcPct val="90000"/>
+              </a:lnSpc>
+              <a:spcBef>
+                <a:spcPts val="500"/>
+              </a:spcBef>
+              <a:buFont typeface="Arial" panose="020B0604020202020204" pitchFamily="34" charset="0"/>
+              <a:buChar char="•"/>
+              <a:defRPr sz="1800" kern="1200">
+                <a:solidFill>
+                  <a:schemeClr val="tx1"/>
+                </a:solidFill>
+                <a:latin typeface="+mn-lt"/>
+                <a:ea typeface="+mn-ea"/>
+                <a:cs typeface="+mn-cs"/>
+              </a:defRPr>
+            </a:lvl4pPr>
+            <a:lvl5pPr marL="2057400" indent="-228600" algn="l" defTabSz="914400" rtl="0" eaLnBrk="1" latinLnBrk="0" hangingPunct="1">
+              <a:lnSpc>
+                <a:spcPct val="90000"/>
+              </a:lnSpc>
+              <a:spcBef>
+                <a:spcPts val="500"/>
+              </a:spcBef>
+              <a:buFont typeface="Arial" panose="020B0604020202020204" pitchFamily="34" charset="0"/>
+              <a:buChar char="•"/>
+              <a:defRPr sz="1800" kern="1200">
+                <a:solidFill>
+                  <a:schemeClr val="tx1"/>
+                </a:solidFill>
+                <a:latin typeface="+mn-lt"/>
+                <a:ea typeface="+mn-ea"/>
+                <a:cs typeface="+mn-cs"/>
+              </a:defRPr>
+            </a:lvl5pPr>
+            <a:lvl6pPr marL="2514600" indent="-228600" algn="l" defTabSz="914400" rtl="0" eaLnBrk="1" latinLnBrk="0" hangingPunct="1">
+              <a:lnSpc>
+                <a:spcPct val="90000"/>
+              </a:lnSpc>
+              <a:spcBef>
+                <a:spcPts val="500"/>
+              </a:spcBef>
+              <a:buFont typeface="Arial" panose="020B0604020202020204" pitchFamily="34" charset="0"/>
+              <a:buChar char="•"/>
+              <a:defRPr sz="1800" kern="1200">
+                <a:solidFill>
+                  <a:schemeClr val="tx1"/>
+                </a:solidFill>
+                <a:latin typeface="+mn-lt"/>
+                <a:ea typeface="+mn-ea"/>
+                <a:cs typeface="+mn-cs"/>
+              </a:defRPr>
+            </a:lvl6pPr>
+            <a:lvl7pPr marL="2971800" indent="-228600" algn="l" defTabSz="914400" rtl="0" eaLnBrk="1" latinLnBrk="0" hangingPunct="1">
+              <a:lnSpc>
+                <a:spcPct val="90000"/>
+              </a:lnSpc>
+              <a:spcBef>
+                <a:spcPts val="500"/>
+              </a:spcBef>
+              <a:buFont typeface="Arial" panose="020B0604020202020204" pitchFamily="34" charset="0"/>
+              <a:buChar char="•"/>
+              <a:defRPr sz="1800" kern="1200">
+                <a:solidFill>
+                  <a:schemeClr val="tx1"/>
+                </a:solidFill>
+                <a:latin typeface="+mn-lt"/>
+                <a:ea typeface="+mn-ea"/>
+                <a:cs typeface="+mn-cs"/>
+              </a:defRPr>
+            </a:lvl7pPr>
+            <a:lvl8pPr marL="3429000" indent="-228600" algn="l" defTabSz="914400" rtl="0" eaLnBrk="1" latinLnBrk="0" hangingPunct="1">
+              <a:lnSpc>
+                <a:spcPct val="90000"/>
+              </a:lnSpc>
+              <a:spcBef>
+                <a:spcPts val="500"/>
+              </a:spcBef>
+              <a:buFont typeface="Arial" panose="020B0604020202020204" pitchFamily="34" charset="0"/>
+              <a:buChar char="•"/>
+              <a:defRPr sz="1800" kern="1200">
+                <a:solidFill>
+                  <a:schemeClr val="tx1"/>
+                </a:solidFill>
+                <a:latin typeface="+mn-lt"/>
+                <a:ea typeface="+mn-ea"/>
+                <a:cs typeface="+mn-cs"/>
+              </a:defRPr>
+            </a:lvl8pPr>
+            <a:lvl9pPr marL="3886200" indent="-228600" algn="l" defTabSz="914400" rtl="0" eaLnBrk="1" latinLnBrk="0" hangingPunct="1">
+              <a:lnSpc>
+                <a:spcPct val="90000"/>
+              </a:lnSpc>
+              <a:spcBef>
+                <a:spcPts val="500"/>
+              </a:spcBef>
+              <a:buFont typeface="Arial" panose="020B0604020202020204" pitchFamily="34" charset="0"/>
+              <a:buChar char="•"/>
+              <a:defRPr sz="1800" kern="1200">
+                <a:solidFill>
+                  <a:schemeClr val="tx1"/>
+                </a:solidFill>
+                <a:latin typeface="+mn-lt"/>
+                <a:ea typeface="+mn-ea"/>
+                <a:cs typeface="+mn-cs"/>
+              </a:defRPr>
+            </a:lvl9pPr>
+          </a:lstStyle>
+          <a:p>
+            <a:pPr marL="0" indent="0">
+              <a:buFont typeface="Arial" panose="020B0604020202020204" pitchFamily="34" charset="0"/>
+              <a:buNone/>
+            </a:pPr>
+            <a:r>
+              <a:rPr lang="en-US" sz="3600" dirty="0" err="1">
+                <a:effectLst>
+                  <a:outerShdw blurRad="38100" dist="38100" dir="2700000" algn="tl">
+                    <a:srgbClr val="000000">
+                      <a:alpha val="43137"/>
+                    </a:srgbClr>
+                  </a:outerShdw>
+                </a:effectLst>
+                <a:latin typeface="Sylfaen" panose="010A0502050306030303" pitchFamily="18" charset="0"/>
+              </a:rPr>
+              <a:t>RowsetProvider</a:t>
+            </a:r>
+            <a:endParaRPr lang="en-US" sz="3600" dirty="0">
+              <a:effectLst>
+                <a:outerShdw blurRad="38100" dist="38100" dir="2700000" algn="tl">
+                  <a:srgbClr val="000000">
+                    <a:alpha val="43137"/>
+                  </a:srgbClr>
+                </a:outerShdw>
+              </a:effectLst>
+              <a:latin typeface="Sylfaen" panose="010A0502050306030303" pitchFamily="18" charset="0"/>
+            </a:endParaRPr>
+          </a:p>
+          <a:p>
+            <a:pPr marL="0" indent="0">
+              <a:buFont typeface="Arial" panose="020B0604020202020204" pitchFamily="34" charset="0"/>
+              <a:buNone/>
+            </a:pPr>
+            <a:r>
+              <a:rPr lang="en-US" sz="3600" dirty="0" err="1">
+                <a:effectLst>
+                  <a:outerShdw blurRad="38100" dist="38100" dir="2700000" algn="tl">
+                    <a:srgbClr val="000000">
+                      <a:alpha val="43137"/>
+                    </a:srgbClr>
+                  </a:outerShdw>
+                </a:effectLst>
+                <a:latin typeface="Sylfaen" panose="010A0502050306030303" pitchFamily="18" charset="0"/>
+              </a:rPr>
+              <a:t>newFactory</a:t>
+            </a:r>
+            <a:r>
+              <a:rPr lang="en-US" sz="3600" dirty="0">
+                <a:effectLst>
+                  <a:outerShdw blurRad="38100" dist="38100" dir="2700000" algn="tl">
+                    <a:srgbClr val="000000">
+                      <a:alpha val="43137"/>
+                    </a:srgbClr>
+                  </a:outerShdw>
+                </a:effectLst>
+                <a:latin typeface="Sylfaen" panose="010A0502050306030303" pitchFamily="18" charset="0"/>
+              </a:rPr>
+              <a:t>().</a:t>
+            </a:r>
+            <a:r>
+              <a:rPr lang="en-US" sz="3600" dirty="0" err="1">
+                <a:effectLst>
+                  <a:outerShdw blurRad="38100" dist="38100" dir="2700000" algn="tl">
+                    <a:srgbClr val="000000">
+                      <a:alpha val="43137"/>
+                    </a:srgbClr>
+                  </a:outerShdw>
+                </a:effectLst>
+                <a:latin typeface="Sylfaen" panose="010A0502050306030303" pitchFamily="18" charset="0"/>
+              </a:rPr>
+              <a:t>createJdbcRowSet</a:t>
+            </a:r>
+            <a:endParaRPr lang="en-US" sz="3600" dirty="0">
+              <a:effectLst>
+                <a:outerShdw blurRad="38100" dist="38100" dir="2700000" algn="tl">
+                  <a:srgbClr val="000000">
+                    <a:alpha val="43137"/>
+                  </a:srgbClr>
+                </a:outerShdw>
+              </a:effectLst>
+              <a:latin typeface="Sylfaen" panose="010A0502050306030303" pitchFamily="18" charset="0"/>
+            </a:endParaRPr>
+          </a:p>
+          <a:p>
+            <a:pPr marL="0" indent="0">
+              <a:buFont typeface="Arial" panose="020B0604020202020204" pitchFamily="34" charset="0"/>
+              <a:buNone/>
+            </a:pPr>
+            <a:endParaRPr lang="en-US" sz="3600" dirty="0">
+              <a:effectLst>
+                <a:outerShdw blurRad="38100" dist="38100" dir="2700000" algn="tl">
+                  <a:srgbClr val="000000">
+                    <a:alpha val="43137"/>
+                  </a:srgbClr>
+                </a:outerShdw>
+              </a:effectLst>
+              <a:latin typeface="Sylfaen" panose="010A0502050306030303" pitchFamily="18" charset="0"/>
+            </a:endParaRPr>
+          </a:p>
+          <a:p>
+            <a:pPr marL="0" indent="0">
+              <a:buFont typeface="Arial" panose="020B0604020202020204" pitchFamily="34" charset="0"/>
+              <a:buNone/>
+            </a:pPr>
+            <a:r>
+              <a:rPr lang="en-US" sz="3600" dirty="0" err="1">
+                <a:effectLst>
+                  <a:outerShdw blurRad="38100" dist="38100" dir="2700000" algn="tl">
+                    <a:srgbClr val="000000">
+                      <a:alpha val="43137"/>
+                    </a:srgbClr>
+                  </a:outerShdw>
+                </a:effectLst>
+                <a:latin typeface="Sylfaen" panose="010A0502050306030303" pitchFamily="18" charset="0"/>
+              </a:rPr>
+              <a:t>RowSetListener</a:t>
+            </a:r>
+            <a:endParaRPr lang="en-US" sz="3600" dirty="0">
+              <a:effectLst>
+                <a:outerShdw blurRad="38100" dist="38100" dir="2700000" algn="tl">
+                  <a:srgbClr val="000000">
+                    <a:alpha val="43137"/>
+                  </a:srgbClr>
+                </a:outerShdw>
+              </a:effectLst>
+              <a:latin typeface="Sylfaen" panose="010A0502050306030303" pitchFamily="18" charset="0"/>
+            </a:endParaRPr>
+          </a:p>
+          <a:p>
+            <a:pPr marL="0" indent="0">
+              <a:buFont typeface="Arial" panose="020B0604020202020204" pitchFamily="34" charset="0"/>
+              <a:buNone/>
+            </a:pPr>
+            <a:r>
+              <a:rPr lang="en-US" sz="3600" dirty="0" err="1">
+                <a:effectLst>
+                  <a:outerShdw blurRad="38100" dist="38100" dir="2700000" algn="tl">
+                    <a:srgbClr val="000000">
+                      <a:alpha val="43137"/>
+                    </a:srgbClr>
+                  </a:outerShdw>
+                </a:effectLst>
+                <a:latin typeface="Sylfaen" panose="010A0502050306030303" pitchFamily="18" charset="0"/>
+              </a:rPr>
+              <a:t>rowSet.addRowSetListener</a:t>
+            </a:r>
+            <a:r>
+              <a:rPr lang="en-US" sz="3600" dirty="0">
+                <a:effectLst>
+                  <a:outerShdw blurRad="38100" dist="38100" dir="2700000" algn="tl">
+                    <a:srgbClr val="000000">
+                      <a:alpha val="43137"/>
+                    </a:srgbClr>
+                  </a:outerShdw>
+                </a:effectLst>
+                <a:latin typeface="Sylfaen" panose="010A0502050306030303" pitchFamily="18" charset="0"/>
+              </a:rPr>
+              <a:t>()</a:t>
+            </a:r>
+          </a:p>
+          <a:p>
+            <a:pPr marL="0" indent="0">
+              <a:buFont typeface="Arial" panose="020B0604020202020204" pitchFamily="34" charset="0"/>
+              <a:buNone/>
+            </a:pPr>
+            <a:r>
+              <a:rPr lang="en-US" sz="3600" dirty="0">
+                <a:effectLst>
+                  <a:outerShdw blurRad="38100" dist="38100" dir="2700000" algn="tl">
+                    <a:srgbClr val="000000">
+                      <a:alpha val="43137"/>
+                    </a:srgbClr>
+                  </a:outerShdw>
+                </a:effectLst>
+                <a:latin typeface="Sylfaen" panose="010A0502050306030303" pitchFamily="18" charset="0"/>
+              </a:rPr>
+              <a:t>public void </a:t>
+            </a:r>
+            <a:r>
+              <a:rPr lang="en-US" sz="3600" dirty="0" err="1">
+                <a:effectLst>
+                  <a:outerShdw blurRad="38100" dist="38100" dir="2700000" algn="tl">
+                    <a:srgbClr val="000000">
+                      <a:alpha val="43137"/>
+                    </a:srgbClr>
+                  </a:outerShdw>
+                </a:effectLst>
+                <a:latin typeface="Sylfaen" panose="010A0502050306030303" pitchFamily="18" charset="0"/>
+              </a:rPr>
+              <a:t>cursorMoved</a:t>
+            </a:r>
+            <a:endParaRPr lang="en-US" sz="3600" dirty="0">
+              <a:effectLst>
+                <a:outerShdw blurRad="38100" dist="38100" dir="2700000" algn="tl">
+                  <a:srgbClr val="000000">
+                    <a:alpha val="43137"/>
+                  </a:srgbClr>
+                </a:outerShdw>
+              </a:effectLst>
+              <a:latin typeface="Sylfaen" panose="010A0502050306030303" pitchFamily="18" charset="0"/>
+            </a:endParaRPr>
+          </a:p>
+          <a:p>
+            <a:pPr marL="0" indent="0">
+              <a:buFont typeface="Arial" panose="020B0604020202020204" pitchFamily="34" charset="0"/>
+              <a:buNone/>
+            </a:pPr>
+            <a:r>
+              <a:rPr lang="en-US" sz="3600" dirty="0">
+                <a:effectLst>
+                  <a:outerShdw blurRad="38100" dist="38100" dir="2700000" algn="tl">
+                    <a:srgbClr val="000000">
+                      <a:alpha val="43137"/>
+                    </a:srgbClr>
+                  </a:outerShdw>
+                </a:effectLst>
+                <a:latin typeface="Sylfaen" panose="010A0502050306030303" pitchFamily="18" charset="0"/>
+              </a:rPr>
+              <a:t>public void </a:t>
+            </a:r>
+            <a:r>
+              <a:rPr lang="en-US" sz="3600" dirty="0" err="1">
+                <a:effectLst>
+                  <a:outerShdw blurRad="38100" dist="38100" dir="2700000" algn="tl">
+                    <a:srgbClr val="000000">
+                      <a:alpha val="43137"/>
+                    </a:srgbClr>
+                  </a:outerShdw>
+                </a:effectLst>
+                <a:latin typeface="Sylfaen" panose="010A0502050306030303" pitchFamily="18" charset="0"/>
+              </a:rPr>
+              <a:t>rowChanged</a:t>
+            </a:r>
+            <a:endParaRPr lang="en-US" sz="3600" dirty="0">
+              <a:effectLst>
+                <a:outerShdw blurRad="38100" dist="38100" dir="2700000" algn="tl">
+                  <a:srgbClr val="000000">
+                    <a:alpha val="43137"/>
+                  </a:srgbClr>
+                </a:outerShdw>
+              </a:effectLst>
+              <a:latin typeface="Sylfaen" panose="010A0502050306030303" pitchFamily="18" charset="0"/>
+            </a:endParaRPr>
+          </a:p>
+          <a:p>
+            <a:pPr marL="0" indent="0">
+              <a:buFont typeface="Arial" panose="020B0604020202020204" pitchFamily="34" charset="0"/>
+              <a:buNone/>
+            </a:pPr>
+            <a:r>
+              <a:rPr lang="en-US" sz="3600" dirty="0">
+                <a:effectLst>
+                  <a:outerShdw blurRad="38100" dist="38100" dir="2700000" algn="tl">
+                    <a:srgbClr val="000000">
+                      <a:alpha val="43137"/>
+                    </a:srgbClr>
+                  </a:outerShdw>
+                </a:effectLst>
+                <a:latin typeface="Sylfaen" panose="010A0502050306030303" pitchFamily="18" charset="0"/>
+              </a:rPr>
+              <a:t>public void </a:t>
+            </a:r>
+            <a:r>
+              <a:rPr lang="en-US" sz="3600" dirty="0" err="1">
+                <a:effectLst>
+                  <a:outerShdw blurRad="38100" dist="38100" dir="2700000" algn="tl">
+                    <a:srgbClr val="000000">
+                      <a:alpha val="43137"/>
+                    </a:srgbClr>
+                  </a:outerShdw>
+                </a:effectLst>
+                <a:latin typeface="Sylfaen" panose="010A0502050306030303" pitchFamily="18" charset="0"/>
+              </a:rPr>
+              <a:t>rowSetChanged</a:t>
+            </a:r>
+            <a:endParaRPr lang="en-US" sz="3600" dirty="0">
+              <a:effectLst>
+                <a:outerShdw blurRad="38100" dist="38100" dir="2700000" algn="tl">
+                  <a:srgbClr val="000000">
+                    <a:alpha val="43137"/>
+                  </a:srgbClr>
+                </a:outerShdw>
+              </a:effectLst>
+              <a:latin typeface="Sylfaen" panose="010A0502050306030303" pitchFamily="18" charset="0"/>
+            </a:endParaRPr>
+          </a:p>
+        </p:txBody>
+      </p:sp>
     </p:spTree>
     <p:extLst>
       <p:ext uri="{BB962C8B-B14F-4D97-AF65-F5344CB8AC3E}">

--- a/JDBC/JDBC_Presentation.pptx
+++ b/JDBC/JDBC_Presentation.pptx
@@ -214,7 +214,7 @@
           <a:p>
             <a:fld id="{F988C94B-7918-458B-9AF1-0DBDD7FC850F}" type="datetimeFigureOut">
               <a:rPr lang="en-US" smtClean="0"/>
-              <a:t>2022-08-22</a:t>
+              <a:t>8/23/2022</a:t>
             </a:fld>
             <a:endParaRPr lang="en-US"/>
           </a:p>
@@ -612,7 +612,7 @@
           <a:p>
             <a:fld id="{0A968979-5CB5-4E5D-B82F-DAC09775BD7D}" type="datetimeFigureOut">
               <a:rPr lang="en-US" smtClean="0"/>
-              <a:t>2022-08-22</a:t>
+              <a:t>8/23/2022</a:t>
             </a:fld>
             <a:endParaRPr lang="en-US"/>
           </a:p>
@@ -782,7 +782,7 @@
           <a:p>
             <a:fld id="{0A968979-5CB5-4E5D-B82F-DAC09775BD7D}" type="datetimeFigureOut">
               <a:rPr lang="en-US" smtClean="0"/>
-              <a:t>2022-08-22</a:t>
+              <a:t>8/23/2022</a:t>
             </a:fld>
             <a:endParaRPr lang="en-US"/>
           </a:p>
@@ -962,7 +962,7 @@
           <a:p>
             <a:fld id="{0A968979-5CB5-4E5D-B82F-DAC09775BD7D}" type="datetimeFigureOut">
               <a:rPr lang="en-US" smtClean="0"/>
-              <a:t>2022-08-22</a:t>
+              <a:t>8/23/2022</a:t>
             </a:fld>
             <a:endParaRPr lang="en-US"/>
           </a:p>
@@ -1132,7 +1132,7 @@
           <a:p>
             <a:fld id="{0A968979-5CB5-4E5D-B82F-DAC09775BD7D}" type="datetimeFigureOut">
               <a:rPr lang="en-US" smtClean="0"/>
-              <a:t>2022-08-22</a:t>
+              <a:t>8/23/2022</a:t>
             </a:fld>
             <a:endParaRPr lang="en-US"/>
           </a:p>
@@ -1378,7 +1378,7 @@
           <a:p>
             <a:fld id="{0A968979-5CB5-4E5D-B82F-DAC09775BD7D}" type="datetimeFigureOut">
               <a:rPr lang="en-US" smtClean="0"/>
-              <a:t>2022-08-22</a:t>
+              <a:t>8/23/2022</a:t>
             </a:fld>
             <a:endParaRPr lang="en-US"/>
           </a:p>
@@ -1610,7 +1610,7 @@
           <a:p>
             <a:fld id="{0A968979-5CB5-4E5D-B82F-DAC09775BD7D}" type="datetimeFigureOut">
               <a:rPr lang="en-US" smtClean="0"/>
-              <a:t>2022-08-22</a:t>
+              <a:t>8/23/2022</a:t>
             </a:fld>
             <a:endParaRPr lang="en-US"/>
           </a:p>
@@ -1977,7 +1977,7 @@
           <a:p>
             <a:fld id="{0A968979-5CB5-4E5D-B82F-DAC09775BD7D}" type="datetimeFigureOut">
               <a:rPr lang="en-US" smtClean="0"/>
-              <a:t>2022-08-22</a:t>
+              <a:t>8/23/2022</a:t>
             </a:fld>
             <a:endParaRPr lang="en-US"/>
           </a:p>
@@ -2095,7 +2095,7 @@
           <a:p>
             <a:fld id="{0A968979-5CB5-4E5D-B82F-DAC09775BD7D}" type="datetimeFigureOut">
               <a:rPr lang="en-US" smtClean="0"/>
-              <a:t>2022-08-22</a:t>
+              <a:t>8/23/2022</a:t>
             </a:fld>
             <a:endParaRPr lang="en-US"/>
           </a:p>
@@ -2190,7 +2190,7 @@
           <a:p>
             <a:fld id="{0A968979-5CB5-4E5D-B82F-DAC09775BD7D}" type="datetimeFigureOut">
               <a:rPr lang="en-US" smtClean="0"/>
-              <a:t>2022-08-22</a:t>
+              <a:t>8/23/2022</a:t>
             </a:fld>
             <a:endParaRPr lang="en-US"/>
           </a:p>
@@ -2467,7 +2467,7 @@
           <a:p>
             <a:fld id="{0A968979-5CB5-4E5D-B82F-DAC09775BD7D}" type="datetimeFigureOut">
               <a:rPr lang="en-US" smtClean="0"/>
-              <a:t>2022-08-22</a:t>
+              <a:t>8/23/2022</a:t>
             </a:fld>
             <a:endParaRPr lang="en-US"/>
           </a:p>
@@ -2724,7 +2724,7 @@
           <a:p>
             <a:fld id="{0A968979-5CB5-4E5D-B82F-DAC09775BD7D}" type="datetimeFigureOut">
               <a:rPr lang="en-US" smtClean="0"/>
-              <a:t>2022-08-22</a:t>
+              <a:t>8/23/2022</a:t>
             </a:fld>
             <a:endParaRPr lang="en-US"/>
           </a:p>
@@ -2937,7 +2937,7 @@
           <a:p>
             <a:fld id="{0A968979-5CB5-4E5D-B82F-DAC09775BD7D}" type="datetimeFigureOut">
               <a:rPr lang="en-US" smtClean="0"/>
-              <a:t>2022-08-22</a:t>
+              <a:t>8/23/2022</a:t>
             </a:fld>
             <a:endParaRPr lang="en-US"/>
           </a:p>
@@ -3842,7 +3842,33 @@
                 </a:effectLst>
                 <a:latin typeface="Sylfaen" panose="010A0502050306030303" pitchFamily="18" charset="0"/>
               </a:rPr>
-              <a:t>, double value)</a:t>
+              <a:t>, </a:t>
+            </a:r>
+            <a:r>
+              <a:rPr lang="en-US" sz="3000" dirty="0" err="1">
+                <a:effectLst>
+                  <a:outerShdw blurRad="38100" dist="38100" dir="2700000" algn="tl">
+                    <a:srgbClr val="000000">
+                      <a:alpha val="43137"/>
+                    </a:srgbClr>
+                  </a:outerShdw>
+                </a:effectLst>
+                <a:latin typeface="Sylfaen" panose="010A0502050306030303" pitchFamily="18" charset="0"/>
+              </a:rPr>
+              <a:t>fouble</a:t>
+            </a:r>
+            <a:r>
+              <a:rPr lang="en-US" sz="3000" dirty="0">
+                <a:effectLst>
+                  <a:outerShdw blurRad="38100" dist="38100" dir="2700000" algn="tl">
+                    <a:srgbClr val="000000">
+                      <a:alpha val="43137"/>
+                    </a:srgbClr>
+                  </a:outerShdw>
+                </a:effectLst>
+                <a:latin typeface="Sylfaen" panose="010A0502050306030303" pitchFamily="18" charset="0"/>
+              </a:rPr>
+              <a:t> value)</a:t>
             </a:r>
           </a:p>
           <a:p>
@@ -5060,7 +5086,33 @@
                 </a:effectLst>
                 <a:latin typeface="Sylfaen" panose="010A0502050306030303" pitchFamily="18" charset="0"/>
               </a:rPr>
-              <a:t>(2);</a:t>
+              <a:t>(</a:t>
+            </a:r>
+            <a:r>
+              <a:rPr lang="en-US" sz="3000" dirty="0" err="1">
+                <a:effectLst>
+                  <a:outerShdw blurRad="38100" dist="38100" dir="2700000" algn="tl">
+                    <a:srgbClr val="000000">
+                      <a:alpha val="43137"/>
+                    </a:srgbClr>
+                  </a:outerShdw>
+                </a:effectLst>
+                <a:latin typeface="Sylfaen" panose="010A0502050306030303" pitchFamily="18" charset="0"/>
+              </a:rPr>
+              <a:t>columnName</a:t>
+            </a:r>
+            <a:r>
+              <a:rPr lang="en-US" sz="3000" dirty="0">
+                <a:effectLst>
+                  <a:outerShdw blurRad="38100" dist="38100" dir="2700000" algn="tl">
+                    <a:srgbClr val="000000">
+                      <a:alpha val="43137"/>
+                    </a:srgbClr>
+                  </a:outerShdw>
+                </a:effectLst>
+                <a:latin typeface="Sylfaen" panose="010A0502050306030303" pitchFamily="18" charset="0"/>
+              </a:rPr>
+              <a:t>);</a:t>
             </a:r>
           </a:p>
           <a:p>
@@ -5611,18 +5663,54 @@
               <a:t>resultSet.getClob</a:t>
             </a:r>
             <a:r>
-              <a:rPr lang="en-US" sz="2800" dirty="0">
-                <a:effectLst>
-                  <a:outerShdw blurRad="38100" dist="38100" dir="2700000" algn="tl">
-                    <a:srgbClr val="000000">
-                      <a:alpha val="43137"/>
-                    </a:srgbClr>
-                  </a:outerShdw>
-                </a:effectLst>
-                <a:latin typeface="Sylfaen" panose="010A0502050306030303" pitchFamily="18" charset="0"/>
-              </a:rPr>
-              <a:t>(1);</a:t>
-            </a:r>
+              <a:rPr lang="en-US" dirty="0">
+                <a:effectLst>
+                  <a:outerShdw blurRad="38100" dist="38100" dir="2700000" algn="tl">
+                    <a:srgbClr val="000000">
+                      <a:alpha val="43137"/>
+                    </a:srgbClr>
+                  </a:outerShdw>
+                </a:effectLst>
+                <a:latin typeface="Sylfaen" panose="010A0502050306030303" pitchFamily="18" charset="0"/>
+              </a:rPr>
+              <a:t>(</a:t>
+            </a:r>
+            <a:r>
+              <a:rPr lang="en-US" dirty="0" err="1">
+                <a:effectLst>
+                  <a:outerShdw blurRad="38100" dist="38100" dir="2700000" algn="tl">
+                    <a:srgbClr val="000000">
+                      <a:alpha val="43137"/>
+                    </a:srgbClr>
+                  </a:outerShdw>
+                </a:effectLst>
+                <a:latin typeface="Sylfaen" panose="010A0502050306030303" pitchFamily="18" charset="0"/>
+              </a:rPr>
+              <a:t>columnName</a:t>
+            </a:r>
+            <a:r>
+              <a:rPr lang="en-US" dirty="0">
+                <a:effectLst>
+                  <a:outerShdw blurRad="38100" dist="38100" dir="2700000" algn="tl">
+                    <a:srgbClr val="000000">
+                      <a:alpha val="43137"/>
+                    </a:srgbClr>
+                  </a:outerShdw>
+                </a:effectLst>
+                <a:latin typeface="Sylfaen" panose="010A0502050306030303" pitchFamily="18" charset="0"/>
+              </a:rPr>
+              <a:t>);</a:t>
+            </a:r>
+            <a:endParaRPr lang="en-US" sz="2800" dirty="0">
+              <a:effectLst>
+                <a:outerShdw blurRad="38100" dist="38100" dir="2700000" algn="tl">
+                  <a:srgbClr val="000000">
+                    <a:alpha val="43137"/>
+                  </a:srgbClr>
+                </a:outerShdw>
+              </a:effectLst>
+              <a:latin typeface="Sylfaen" panose="010A0502050306030303" pitchFamily="18" charset="0"/>
+            </a:endParaRPr>
           </a:p>
           <a:p>
             <a:pPr marL="0" indent="0">

--- a/JDBC/JDBC_Presentation.pptx
+++ b/JDBC/JDBC_Presentation.pptx
@@ -214,7 +214,7 @@
           <a:p>
             <a:fld id="{F988C94B-7918-458B-9AF1-0DBDD7FC850F}" type="datetimeFigureOut">
               <a:rPr lang="en-US" smtClean="0"/>
-              <a:t>8/23/2022</a:t>
+              <a:t>2022-08-23</a:t>
             </a:fld>
             <a:endParaRPr lang="en-US"/>
           </a:p>
@@ -612,7 +612,7 @@
           <a:p>
             <a:fld id="{0A968979-5CB5-4E5D-B82F-DAC09775BD7D}" type="datetimeFigureOut">
               <a:rPr lang="en-US" smtClean="0"/>
-              <a:t>8/23/2022</a:t>
+              <a:t>2022-08-23</a:t>
             </a:fld>
             <a:endParaRPr lang="en-US"/>
           </a:p>
@@ -782,7 +782,7 @@
           <a:p>
             <a:fld id="{0A968979-5CB5-4E5D-B82F-DAC09775BD7D}" type="datetimeFigureOut">
               <a:rPr lang="en-US" smtClean="0"/>
-              <a:t>8/23/2022</a:t>
+              <a:t>2022-08-23</a:t>
             </a:fld>
             <a:endParaRPr lang="en-US"/>
           </a:p>
@@ -962,7 +962,7 @@
           <a:p>
             <a:fld id="{0A968979-5CB5-4E5D-B82F-DAC09775BD7D}" type="datetimeFigureOut">
               <a:rPr lang="en-US" smtClean="0"/>
-              <a:t>8/23/2022</a:t>
+              <a:t>2022-08-23</a:t>
             </a:fld>
             <a:endParaRPr lang="en-US"/>
           </a:p>
@@ -1132,7 +1132,7 @@
           <a:p>
             <a:fld id="{0A968979-5CB5-4E5D-B82F-DAC09775BD7D}" type="datetimeFigureOut">
               <a:rPr lang="en-US" smtClean="0"/>
-              <a:t>8/23/2022</a:t>
+              <a:t>2022-08-23</a:t>
             </a:fld>
             <a:endParaRPr lang="en-US"/>
           </a:p>
@@ -1378,7 +1378,7 @@
           <a:p>
             <a:fld id="{0A968979-5CB5-4E5D-B82F-DAC09775BD7D}" type="datetimeFigureOut">
               <a:rPr lang="en-US" smtClean="0"/>
-              <a:t>8/23/2022</a:t>
+              <a:t>2022-08-23</a:t>
             </a:fld>
             <a:endParaRPr lang="en-US"/>
           </a:p>
@@ -1610,7 +1610,7 @@
           <a:p>
             <a:fld id="{0A968979-5CB5-4E5D-B82F-DAC09775BD7D}" type="datetimeFigureOut">
               <a:rPr lang="en-US" smtClean="0"/>
-              <a:t>8/23/2022</a:t>
+              <a:t>2022-08-23</a:t>
             </a:fld>
             <a:endParaRPr lang="en-US"/>
           </a:p>
@@ -1977,7 +1977,7 @@
           <a:p>
             <a:fld id="{0A968979-5CB5-4E5D-B82F-DAC09775BD7D}" type="datetimeFigureOut">
               <a:rPr lang="en-US" smtClean="0"/>
-              <a:t>8/23/2022</a:t>
+              <a:t>2022-08-23</a:t>
             </a:fld>
             <a:endParaRPr lang="en-US"/>
           </a:p>
@@ -2095,7 +2095,7 @@
           <a:p>
             <a:fld id="{0A968979-5CB5-4E5D-B82F-DAC09775BD7D}" type="datetimeFigureOut">
               <a:rPr lang="en-US" smtClean="0"/>
-              <a:t>8/23/2022</a:t>
+              <a:t>2022-08-23</a:t>
             </a:fld>
             <a:endParaRPr lang="en-US"/>
           </a:p>
@@ -2190,7 +2190,7 @@
           <a:p>
             <a:fld id="{0A968979-5CB5-4E5D-B82F-DAC09775BD7D}" type="datetimeFigureOut">
               <a:rPr lang="en-US" smtClean="0"/>
-              <a:t>8/23/2022</a:t>
+              <a:t>2022-08-23</a:t>
             </a:fld>
             <a:endParaRPr lang="en-US"/>
           </a:p>
@@ -2467,7 +2467,7 @@
           <a:p>
             <a:fld id="{0A968979-5CB5-4E5D-B82F-DAC09775BD7D}" type="datetimeFigureOut">
               <a:rPr lang="en-US" smtClean="0"/>
-              <a:t>8/23/2022</a:t>
+              <a:t>2022-08-23</a:t>
             </a:fld>
             <a:endParaRPr lang="en-US"/>
           </a:p>
@@ -2638,7 +2638,6 @@
               <a:rPr lang="en-US"/>
               <a:t>Click icon to add picture</a:t>
             </a:r>
-            <a:endParaRPr lang="en-US" dirty="0"/>
           </a:p>
         </p:txBody>
       </p:sp>
@@ -2724,7 +2723,7 @@
           <a:p>
             <a:fld id="{0A968979-5CB5-4E5D-B82F-DAC09775BD7D}" type="datetimeFigureOut">
               <a:rPr lang="en-US" smtClean="0"/>
-              <a:t>8/23/2022</a:t>
+              <a:t>2022-08-23</a:t>
             </a:fld>
             <a:endParaRPr lang="en-US"/>
           </a:p>
@@ -2937,7 +2936,7 @@
           <a:p>
             <a:fld id="{0A968979-5CB5-4E5D-B82F-DAC09775BD7D}" type="datetimeFigureOut">
               <a:rPr lang="en-US" smtClean="0"/>
-              <a:t>8/23/2022</a:t>
+              <a:t>2022-08-23</a:t>
             </a:fld>
             <a:endParaRPr lang="en-US"/>
           </a:p>
@@ -3372,7 +3371,7 @@
           <a:p>
             <a:pPr algn="ctr"/>
             <a:r>
-              <a:rPr lang="en-US" sz="5000" dirty="0">
+              <a:rPr lang="en-US" sz="5000">
                 <a:latin typeface="Sylfaen" panose="010A0502050306030303" pitchFamily="18" charset="0"/>
               </a:rPr>
               <a:t>What is JDBC</a:t>
@@ -3511,18 +3510,18 @@
           <a:p>
             <a:pPr algn="ctr"/>
             <a:r>
-              <a:rPr lang="en-US" dirty="0" err="1">
+              <a:rPr lang="en-US" err="1">
                 <a:latin typeface="Sylfaen" panose="010A0502050306030303" pitchFamily="18" charset="0"/>
               </a:rPr>
               <a:t>PreparedStatement</a:t>
             </a:r>
             <a:r>
-              <a:rPr lang="en-US" dirty="0">
+              <a:rPr lang="en-US">
                 <a:latin typeface="Sylfaen" panose="010A0502050306030303" pitchFamily="18" charset="0"/>
               </a:rPr>
               <a:t> interface</a:t>
             </a:r>
-            <a:endParaRPr lang="en-US" dirty="0"/>
+            <a:endParaRPr lang="en-US"/>
           </a:p>
         </p:txBody>
       </p:sp>
@@ -3561,7 +3560,7 @@
               <a:buNone/>
             </a:pPr>
             <a:r>
-              <a:rPr lang="en-US" sz="3000" dirty="0">
+              <a:rPr lang="en-US" sz="3000">
                 <a:effectLst>
                   <a:outerShdw blurRad="38100" dist="38100" dir="2700000" algn="tl">
                     <a:srgbClr val="000000">
@@ -3574,7 +3573,7 @@
               <a:t>public void </a:t>
             </a:r>
             <a:r>
-              <a:rPr lang="en-US" sz="3000" dirty="0" err="1">
+              <a:rPr lang="en-US" sz="3000" err="1">
                 <a:effectLst>
                   <a:outerShdw blurRad="38100" dist="38100" dir="2700000" algn="tl">
                     <a:srgbClr val="000000">
@@ -3587,7 +3586,7 @@
               <a:t>setInt</a:t>
             </a:r>
             <a:r>
-              <a:rPr lang="en-US" sz="3000" dirty="0">
+              <a:rPr lang="en-US" sz="3000">
                 <a:effectLst>
                   <a:outerShdw blurRad="38100" dist="38100" dir="2700000" algn="tl">
                     <a:srgbClr val="000000">
@@ -3600,7 +3599,7 @@
               <a:t>(int </a:t>
             </a:r>
             <a:r>
-              <a:rPr lang="en-US" sz="3000" dirty="0" err="1">
+              <a:rPr lang="en-US" sz="3000" err="1">
                 <a:effectLst>
                   <a:outerShdw blurRad="38100" dist="38100" dir="2700000" algn="tl">
                     <a:srgbClr val="000000">
@@ -3613,7 +3612,7 @@
               <a:t>paramIndex</a:t>
             </a:r>
             <a:r>
-              <a:rPr lang="en-US" sz="3000" dirty="0">
+              <a:rPr lang="en-US" sz="3000">
                 <a:effectLst>
                   <a:outerShdw blurRad="38100" dist="38100" dir="2700000" algn="tl">
                     <a:srgbClr val="000000">
@@ -3634,7 +3633,7 @@
               <a:buNone/>
             </a:pPr>
             <a:r>
-              <a:rPr lang="en-US" sz="3000" dirty="0">
+              <a:rPr lang="en-US" sz="3000">
                 <a:effectLst>
                   <a:outerShdw blurRad="38100" dist="38100" dir="2700000" algn="tl">
                     <a:srgbClr val="000000">
@@ -3647,7 +3646,7 @@
               <a:t>public void </a:t>
             </a:r>
             <a:r>
-              <a:rPr lang="en-US" sz="3000" dirty="0" err="1">
+              <a:rPr lang="en-US" sz="3000" err="1">
                 <a:effectLst>
                   <a:outerShdw blurRad="38100" dist="38100" dir="2700000" algn="tl">
                     <a:srgbClr val="000000">
@@ -3660,7 +3659,7 @@
               <a:t>setString</a:t>
             </a:r>
             <a:r>
-              <a:rPr lang="en-US" sz="3000" dirty="0">
+              <a:rPr lang="en-US" sz="3000">
                 <a:effectLst>
                   <a:outerShdw blurRad="38100" dist="38100" dir="2700000" algn="tl">
                     <a:srgbClr val="000000">
@@ -3673,7 +3672,7 @@
               <a:t>(int </a:t>
             </a:r>
             <a:r>
-              <a:rPr lang="en-US" sz="3000" dirty="0" err="1">
+              <a:rPr lang="en-US" sz="3000" err="1">
                 <a:effectLst>
                   <a:outerShdw blurRad="38100" dist="38100" dir="2700000" algn="tl">
                     <a:srgbClr val="000000">
@@ -3686,7 +3685,7 @@
               <a:t>paramIndex</a:t>
             </a:r>
             <a:r>
-              <a:rPr lang="en-US" sz="3000" dirty="0">
+              <a:rPr lang="en-US" sz="3000">
                 <a:effectLst>
                   <a:outerShdw blurRad="38100" dist="38100" dir="2700000" algn="tl">
                     <a:srgbClr val="000000">
@@ -3707,7 +3706,7 @@
               <a:buNone/>
             </a:pPr>
             <a:r>
-              <a:rPr lang="en-US" sz="3000" dirty="0">
+              <a:rPr lang="en-US" sz="3000">
                 <a:effectLst>
                   <a:outerShdw blurRad="38100" dist="38100" dir="2700000" algn="tl">
                     <a:srgbClr val="000000">
@@ -3720,7 +3719,7 @@
               <a:t>public void </a:t>
             </a:r>
             <a:r>
-              <a:rPr lang="en-US" sz="3000" dirty="0" err="1">
+              <a:rPr lang="en-US" sz="3000" err="1">
                 <a:effectLst>
                   <a:outerShdw blurRad="38100" dist="38100" dir="2700000" algn="tl">
                     <a:srgbClr val="000000">
@@ -3733,7 +3732,7 @@
               <a:t>setFloat</a:t>
             </a:r>
             <a:r>
-              <a:rPr lang="en-US" sz="3000" dirty="0">
+              <a:rPr lang="en-US" sz="3000">
                 <a:effectLst>
                   <a:outerShdw blurRad="38100" dist="38100" dir="2700000" algn="tl">
                     <a:srgbClr val="000000">
@@ -3746,7 +3745,7 @@
               <a:t>(int </a:t>
             </a:r>
             <a:r>
-              <a:rPr lang="en-US" sz="3000" dirty="0" err="1">
+              <a:rPr lang="en-US" sz="3000" err="1">
                 <a:effectLst>
                   <a:outerShdw blurRad="38100" dist="38100" dir="2700000" algn="tl">
                     <a:srgbClr val="000000">
@@ -3759,7 +3758,7 @@
               <a:t>paramIndex</a:t>
             </a:r>
             <a:r>
-              <a:rPr lang="en-US" sz="3000" dirty="0">
+              <a:rPr lang="en-US" sz="3000">
                 <a:effectLst>
                   <a:outerShdw blurRad="38100" dist="38100" dir="2700000" algn="tl">
                     <a:srgbClr val="000000">
@@ -3780,7 +3779,7 @@
               <a:buNone/>
             </a:pPr>
             <a:r>
-              <a:rPr lang="en-US" sz="3000" dirty="0">
+              <a:rPr lang="en-US" sz="3000">
                 <a:effectLst>
                   <a:outerShdw blurRad="38100" dist="38100" dir="2700000" algn="tl">
                     <a:srgbClr val="000000">
@@ -3793,7 +3792,7 @@
               <a:t>public void </a:t>
             </a:r>
             <a:r>
-              <a:rPr lang="en-US" sz="3000" dirty="0" err="1">
+              <a:rPr lang="en-US" sz="3000" err="1">
                 <a:effectLst>
                   <a:outerShdw blurRad="38100" dist="38100" dir="2700000" algn="tl">
                     <a:srgbClr val="000000">
@@ -3806,7 +3805,7 @@
               <a:t>setDouble</a:t>
             </a:r>
             <a:r>
-              <a:rPr lang="en-US" sz="3000" dirty="0">
+              <a:rPr lang="en-US" sz="3000">
                 <a:effectLst>
                   <a:outerShdw blurRad="38100" dist="38100" dir="2700000" algn="tl">
                     <a:srgbClr val="000000">
@@ -3819,7 +3818,7 @@
               <a:t>(int </a:t>
             </a:r>
             <a:r>
-              <a:rPr lang="en-US" sz="3000" dirty="0" err="1">
+              <a:rPr lang="en-US" sz="3000" err="1">
                 <a:effectLst>
                   <a:outerShdw blurRad="38100" dist="38100" dir="2700000" algn="tl">
                     <a:srgbClr val="000000">
@@ -3832,7 +3831,7 @@
               <a:t>paramIndex</a:t>
             </a:r>
             <a:r>
-              <a:rPr lang="en-US" sz="3000" dirty="0">
+              <a:rPr lang="en-US" sz="3000">
                 <a:effectLst>
                   <a:outerShdw blurRad="38100" dist="38100" dir="2700000" algn="tl">
                     <a:srgbClr val="000000">
@@ -3845,7 +3844,7 @@
               <a:t>, </a:t>
             </a:r>
             <a:r>
-              <a:rPr lang="en-US" sz="3000" dirty="0" err="1">
+              <a:rPr lang="en-US" sz="3000" err="1">
                 <a:effectLst>
                   <a:outerShdw blurRad="38100" dist="38100" dir="2700000" algn="tl">
                     <a:srgbClr val="000000">
@@ -3858,7 +3857,7 @@
               <a:t>fouble</a:t>
             </a:r>
             <a:r>
-              <a:rPr lang="en-US" sz="3000" dirty="0">
+              <a:rPr lang="en-US" sz="3000">
                 <a:effectLst>
                   <a:outerShdw blurRad="38100" dist="38100" dir="2700000" algn="tl">
                     <a:srgbClr val="000000">
@@ -3879,7 +3878,7 @@
               <a:buNone/>
             </a:pPr>
             <a:r>
-              <a:rPr lang="en-US" sz="3000" dirty="0">
+              <a:rPr lang="en-US" sz="3000">
                 <a:effectLst>
                   <a:outerShdw blurRad="38100" dist="38100" dir="2700000" algn="tl">
                     <a:srgbClr val="000000">
@@ -3892,7 +3891,7 @@
               <a:t>public </a:t>
             </a:r>
             <a:r>
-              <a:rPr lang="en-US" sz="3000" dirty="0" err="1">
+              <a:rPr lang="en-US" sz="3000" err="1">
                 <a:effectLst>
                   <a:outerShdw blurRad="38100" dist="38100" dir="2700000" algn="tl">
                     <a:srgbClr val="000000">
@@ -3905,7 +3904,7 @@
               <a:t>ResultSet</a:t>
             </a:r>
             <a:r>
-              <a:rPr lang="en-US" sz="3000" dirty="0">
+              <a:rPr lang="en-US" sz="3000">
                 <a:effectLst>
                   <a:outerShdw blurRad="38100" dist="38100" dir="2700000" algn="tl">
                     <a:srgbClr val="000000">
@@ -3918,7 +3917,7 @@
               <a:t> </a:t>
             </a:r>
             <a:r>
-              <a:rPr lang="en-US" sz="3000" dirty="0" err="1">
+              <a:rPr lang="en-US" sz="3000" err="1">
                 <a:effectLst>
                   <a:outerShdw blurRad="38100" dist="38100" dir="2700000" algn="tl">
                     <a:srgbClr val="000000">
@@ -3931,7 +3930,7 @@
               <a:t>executeQuery</a:t>
             </a:r>
             <a:r>
-              <a:rPr lang="en-US" sz="3000" dirty="0">
+              <a:rPr lang="en-US" sz="3000">
                 <a:effectLst>
                   <a:outerShdw blurRad="38100" dist="38100" dir="2700000" algn="tl">
                     <a:srgbClr val="000000">
@@ -3952,7 +3951,7 @@
               <a:buNone/>
             </a:pPr>
             <a:r>
-              <a:rPr lang="en-US" sz="3000" dirty="0">
+              <a:rPr lang="en-US" sz="3000">
                 <a:effectLst>
                   <a:outerShdw blurRad="38100" dist="38100" dir="2700000" algn="tl">
                     <a:srgbClr val="000000">
@@ -3965,7 +3964,7 @@
               <a:t>public int </a:t>
             </a:r>
             <a:r>
-              <a:rPr lang="en-US" sz="3000" dirty="0" err="1">
+              <a:rPr lang="en-US" sz="3000" err="1">
                 <a:effectLst>
                   <a:outerShdw blurRad="38100" dist="38100" dir="2700000" algn="tl">
                     <a:srgbClr val="000000">
@@ -3978,7 +3977,7 @@
               <a:t>executeUpdate</a:t>
             </a:r>
             <a:r>
-              <a:rPr lang="en-US" sz="3000" dirty="0">
+              <a:rPr lang="en-US" sz="3000">
                 <a:effectLst>
                   <a:outerShdw blurRad="38100" dist="38100" dir="2700000" algn="tl">
                     <a:srgbClr val="000000">
@@ -4089,18 +4088,18 @@
           <a:p>
             <a:pPr algn="ctr"/>
             <a:r>
-              <a:rPr lang="en-US" dirty="0" err="1">
+              <a:rPr lang="en-US" err="1">
                 <a:latin typeface="Sylfaen" panose="010A0502050306030303" pitchFamily="18" charset="0"/>
               </a:rPr>
               <a:t>RsultSetMetadata</a:t>
             </a:r>
             <a:r>
-              <a:rPr lang="en-US" dirty="0">
+              <a:rPr lang="en-US">
                 <a:latin typeface="Sylfaen" panose="010A0502050306030303" pitchFamily="18" charset="0"/>
               </a:rPr>
               <a:t> interface</a:t>
             </a:r>
-            <a:endParaRPr lang="en-US" dirty="0"/>
+            <a:endParaRPr lang="en-US"/>
           </a:p>
         </p:txBody>
       </p:sp>
@@ -4139,7 +4138,7 @@
               <a:buNone/>
             </a:pPr>
             <a:r>
-              <a:rPr lang="en-US" sz="3000" dirty="0">
+              <a:rPr lang="en-US" sz="3000">
                 <a:effectLst>
                   <a:outerShdw blurRad="38100" dist="38100" dir="2700000" algn="tl">
                     <a:srgbClr val="000000">
@@ -4152,7 +4151,7 @@
               <a:t>public int </a:t>
             </a:r>
             <a:r>
-              <a:rPr lang="en-US" sz="3000" dirty="0" err="1">
+              <a:rPr lang="en-US" sz="3000" err="1">
                 <a:effectLst>
                   <a:outerShdw blurRad="38100" dist="38100" dir="2700000" algn="tl">
                     <a:srgbClr val="000000">
@@ -4165,7 +4164,7 @@
               <a:t>getColumnCount</a:t>
             </a:r>
             <a:r>
-              <a:rPr lang="en-US" sz="3000" dirty="0">
+              <a:rPr lang="en-US" sz="3000">
                 <a:effectLst>
                   <a:outerShdw blurRad="38100" dist="38100" dir="2700000" algn="tl">
                     <a:srgbClr val="000000">
@@ -4186,7 +4185,7 @@
               <a:buNone/>
             </a:pPr>
             <a:r>
-              <a:rPr lang="en-US" sz="3000" dirty="0">
+              <a:rPr lang="en-US" sz="3000">
                 <a:effectLst>
                   <a:outerShdw blurRad="38100" dist="38100" dir="2700000" algn="tl">
                     <a:srgbClr val="000000">
@@ -4199,7 +4198,7 @@
               <a:t>public String </a:t>
             </a:r>
             <a:r>
-              <a:rPr lang="en-US" sz="3000" dirty="0" err="1">
+              <a:rPr lang="en-US" sz="3000" err="1">
                 <a:effectLst>
                   <a:outerShdw blurRad="38100" dist="38100" dir="2700000" algn="tl">
                     <a:srgbClr val="000000">
@@ -4212,7 +4211,7 @@
               <a:t>getColumnName</a:t>
             </a:r>
             <a:r>
-              <a:rPr lang="en-US" sz="3000" dirty="0">
+              <a:rPr lang="en-US" sz="3000">
                 <a:effectLst>
                   <a:outerShdw blurRad="38100" dist="38100" dir="2700000" algn="tl">
                     <a:srgbClr val="000000">
@@ -4233,7 +4232,7 @@
               <a:buNone/>
             </a:pPr>
             <a:r>
-              <a:rPr lang="en-US" sz="3000" dirty="0">
+              <a:rPr lang="en-US" sz="3000">
                 <a:effectLst>
                   <a:outerShdw blurRad="38100" dist="38100" dir="2700000" algn="tl">
                     <a:srgbClr val="000000">
@@ -4246,7 +4245,7 @@
               <a:t>public String </a:t>
             </a:r>
             <a:r>
-              <a:rPr lang="en-US" sz="3000" dirty="0" err="1">
+              <a:rPr lang="en-US" sz="3000" err="1">
                 <a:effectLst>
                   <a:outerShdw blurRad="38100" dist="38100" dir="2700000" algn="tl">
                     <a:srgbClr val="000000">
@@ -4259,7 +4258,7 @@
               <a:t>getColumnTypeName</a:t>
             </a:r>
             <a:r>
-              <a:rPr lang="en-US" sz="3000" dirty="0">
+              <a:rPr lang="en-US" sz="3000">
                 <a:effectLst>
                   <a:outerShdw blurRad="38100" dist="38100" dir="2700000" algn="tl">
                     <a:srgbClr val="000000">
@@ -4370,18 +4369,18 @@
           <a:p>
             <a:pPr algn="ctr"/>
             <a:r>
-              <a:rPr lang="en-US" dirty="0" err="1">
+              <a:rPr lang="en-US" err="1">
                 <a:latin typeface="Sylfaen" panose="010A0502050306030303" pitchFamily="18" charset="0"/>
               </a:rPr>
               <a:t>DatabaseMetadata</a:t>
             </a:r>
             <a:r>
-              <a:rPr lang="en-US" dirty="0">
+              <a:rPr lang="en-US">
                 <a:latin typeface="Sylfaen" panose="010A0502050306030303" pitchFamily="18" charset="0"/>
               </a:rPr>
               <a:t> interface</a:t>
             </a:r>
-            <a:endParaRPr lang="en-US" dirty="0"/>
+            <a:endParaRPr lang="en-US"/>
           </a:p>
         </p:txBody>
       </p:sp>
@@ -4420,7 +4419,7 @@
               <a:buNone/>
             </a:pPr>
             <a:r>
-              <a:rPr lang="en-US" sz="3000" dirty="0">
+              <a:rPr lang="en-US" sz="3000">
                 <a:effectLst>
                   <a:outerShdw blurRad="38100" dist="38100" dir="2700000" algn="tl">
                     <a:srgbClr val="000000">
@@ -4433,7 +4432,7 @@
               <a:t>public String </a:t>
             </a:r>
             <a:r>
-              <a:rPr lang="en-US" sz="3000" dirty="0" err="1">
+              <a:rPr lang="en-US" sz="3000" err="1">
                 <a:effectLst>
                   <a:outerShdw blurRad="38100" dist="38100" dir="2700000" algn="tl">
                     <a:srgbClr val="000000">
@@ -4446,7 +4445,7 @@
               <a:t>getDriverName</a:t>
             </a:r>
             <a:r>
-              <a:rPr lang="en-US" sz="3000" dirty="0">
+              <a:rPr lang="en-US" sz="3000">
                 <a:effectLst>
                   <a:outerShdw blurRad="38100" dist="38100" dir="2700000" algn="tl">
                     <a:srgbClr val="000000">
@@ -4467,7 +4466,7 @@
               <a:buNone/>
             </a:pPr>
             <a:r>
-              <a:rPr lang="en-US" sz="3000" dirty="0">
+              <a:rPr lang="en-US" sz="3000">
                 <a:effectLst>
                   <a:outerShdw blurRad="38100" dist="38100" dir="2700000" algn="tl">
                     <a:srgbClr val="000000">
@@ -4480,7 +4479,7 @@
               <a:t>public String </a:t>
             </a:r>
             <a:r>
-              <a:rPr lang="en-US" sz="3000" dirty="0" err="1">
+              <a:rPr lang="en-US" sz="3000" err="1">
                 <a:effectLst>
                   <a:outerShdw blurRad="38100" dist="38100" dir="2700000" algn="tl">
                     <a:srgbClr val="000000">
@@ -4493,7 +4492,7 @@
               <a:t>getDriverVersion</a:t>
             </a:r>
             <a:r>
-              <a:rPr lang="en-US" sz="3000" dirty="0">
+              <a:rPr lang="en-US" sz="3000">
                 <a:effectLst>
                   <a:outerShdw blurRad="38100" dist="38100" dir="2700000" algn="tl">
                     <a:srgbClr val="000000">
@@ -4514,7 +4513,7 @@
               <a:buNone/>
             </a:pPr>
             <a:r>
-              <a:rPr lang="en-US" sz="3000" dirty="0">
+              <a:rPr lang="en-US" sz="3000">
                 <a:effectLst>
                   <a:outerShdw blurRad="38100" dist="38100" dir="2700000" algn="tl">
                     <a:srgbClr val="000000">
@@ -4527,7 +4526,7 @@
               <a:t>public String </a:t>
             </a:r>
             <a:r>
-              <a:rPr lang="en-US" sz="3000" dirty="0" err="1">
+              <a:rPr lang="en-US" sz="3000" err="1">
                 <a:effectLst>
                   <a:outerShdw blurRad="38100" dist="38100" dir="2700000" algn="tl">
                     <a:srgbClr val="000000">
@@ -4540,7 +4539,7 @@
               <a:t>getUserName</a:t>
             </a:r>
             <a:r>
-              <a:rPr lang="en-US" sz="3000" dirty="0">
+              <a:rPr lang="en-US" sz="3000">
                 <a:effectLst>
                   <a:outerShdw blurRad="38100" dist="38100" dir="2700000" algn="tl">
                     <a:srgbClr val="000000">
@@ -4561,7 +4560,7 @@
               <a:buNone/>
             </a:pPr>
             <a:r>
-              <a:rPr lang="en-US" sz="3000" dirty="0">
+              <a:rPr lang="en-US" sz="3000">
                 <a:effectLst>
                   <a:outerShdw blurRad="38100" dist="38100" dir="2700000" algn="tl">
                     <a:srgbClr val="000000">
@@ -4574,7 +4573,7 @@
               <a:t>public String </a:t>
             </a:r>
             <a:r>
-              <a:rPr lang="en-US" sz="3000" dirty="0" err="1">
+              <a:rPr lang="en-US" sz="3000" err="1">
                 <a:effectLst>
                   <a:outerShdw blurRad="38100" dist="38100" dir="2700000" algn="tl">
                     <a:srgbClr val="000000">
@@ -4587,7 +4586,7 @@
               <a:t>getDatabaseProductName</a:t>
             </a:r>
             <a:r>
-              <a:rPr lang="en-US" sz="3000" dirty="0">
+              <a:rPr lang="en-US" sz="3000">
                 <a:effectLst>
                   <a:outerShdw blurRad="38100" dist="38100" dir="2700000" algn="tl">
                     <a:srgbClr val="000000">
@@ -4608,7 +4607,7 @@
               <a:buNone/>
             </a:pPr>
             <a:r>
-              <a:rPr lang="en-US" sz="3000" dirty="0">
+              <a:rPr lang="en-US" sz="3000">
                 <a:effectLst>
                   <a:outerShdw blurRad="38100" dist="38100" dir="2700000" algn="tl">
                     <a:srgbClr val="000000">
@@ -4621,7 +4620,7 @@
               <a:t>public String </a:t>
             </a:r>
             <a:r>
-              <a:rPr lang="en-US" sz="3000" dirty="0" err="1">
+              <a:rPr lang="en-US" sz="3000" err="1">
                 <a:effectLst>
                   <a:outerShdw blurRad="38100" dist="38100" dir="2700000" algn="tl">
                     <a:srgbClr val="000000">
@@ -4634,7 +4633,7 @@
               <a:t>getDatabaseProductVersion</a:t>
             </a:r>
             <a:r>
-              <a:rPr lang="en-US" sz="3000" dirty="0">
+              <a:rPr lang="en-US" sz="3000">
                 <a:effectLst>
                   <a:outerShdw blurRad="38100" dist="38100" dir="2700000" algn="tl">
                     <a:srgbClr val="000000">
@@ -4646,7 +4645,7 @@
               </a:rPr>
               <a:t>()</a:t>
             </a:r>
-            <a:endParaRPr lang="en-US" dirty="0"/>
+            <a:endParaRPr lang="en-US"/>
           </a:p>
         </p:txBody>
       </p:sp>
@@ -4746,12 +4745,12 @@
           <a:p>
             <a:pPr algn="ctr"/>
             <a:r>
-              <a:rPr lang="en-US" dirty="0">
+              <a:rPr lang="en-US">
                 <a:latin typeface="Sylfaen" panose="010A0502050306030303" pitchFamily="18" charset="0"/>
               </a:rPr>
               <a:t>Binary information store and retrieve</a:t>
             </a:r>
-            <a:endParaRPr lang="en-US" dirty="0"/>
+            <a:endParaRPr lang="en-US"/>
           </a:p>
         </p:txBody>
       </p:sp>
@@ -4790,7 +4789,7 @@
               <a:buNone/>
             </a:pPr>
             <a:r>
-              <a:rPr lang="en-US" sz="3000" dirty="0" err="1">
+              <a:rPr lang="en-US" sz="3000" err="1">
                 <a:effectLst>
                   <a:outerShdw blurRad="38100" dist="38100" dir="2700000" algn="tl">
                     <a:srgbClr val="000000">
@@ -4803,7 +4802,7 @@
               <a:t>PreparedStatement</a:t>
             </a:r>
             <a:r>
-              <a:rPr lang="en-US" sz="3000" dirty="0">
+              <a:rPr lang="en-US" sz="3000">
                 <a:effectLst>
                   <a:outerShdw blurRad="38100" dist="38100" dir="2700000" algn="tl">
                     <a:srgbClr val="000000">
@@ -4824,7 +4823,7 @@
               <a:buNone/>
             </a:pPr>
             <a:r>
-              <a:rPr lang="en-US" sz="3000" dirty="0" err="1">
+              <a:rPr lang="en-US" sz="3000" err="1">
                 <a:effectLst>
                   <a:outerShdw blurRad="38100" dist="38100" dir="2700000" algn="tl">
                     <a:srgbClr val="000000">
@@ -4837,7 +4836,7 @@
               <a:t>setBinaryStream</a:t>
             </a:r>
             <a:r>
-              <a:rPr lang="en-US" sz="3000" dirty="0">
+              <a:rPr lang="en-US" sz="3000">
                 <a:effectLst>
                   <a:outerShdw blurRad="38100" dist="38100" dir="2700000" algn="tl">
                     <a:srgbClr val="000000">
@@ -4850,7 +4849,7 @@
               <a:t>(int </a:t>
             </a:r>
             <a:r>
-              <a:rPr lang="en-US" sz="3000" dirty="0" err="1">
+              <a:rPr lang="en-US" sz="3000" err="1">
                 <a:effectLst>
                   <a:outerShdw blurRad="38100" dist="38100" dir="2700000" algn="tl">
                     <a:srgbClr val="000000">
@@ -4863,7 +4862,7 @@
               <a:t>paramIndex</a:t>
             </a:r>
             <a:r>
-              <a:rPr lang="en-US" sz="3000" dirty="0">
+              <a:rPr lang="en-US" sz="3000">
                 <a:effectLst>
                   <a:outerShdw blurRad="38100" dist="38100" dir="2700000" algn="tl">
                     <a:srgbClr val="000000">
@@ -4876,7 +4875,7 @@
               <a:t>, </a:t>
             </a:r>
             <a:r>
-              <a:rPr lang="en-US" sz="3000" dirty="0" err="1">
+              <a:rPr lang="en-US" sz="3000" err="1">
                 <a:effectLst>
                   <a:outerShdw blurRad="38100" dist="38100" dir="2700000" algn="tl">
                     <a:srgbClr val="000000">
@@ -4889,7 +4888,7 @@
               <a:t>InputStream</a:t>
             </a:r>
             <a:r>
-              <a:rPr lang="ru-RU" sz="3000" dirty="0">
+              <a:rPr lang="ru-RU" sz="3000">
                 <a:effectLst>
                   <a:outerShdw blurRad="38100" dist="38100" dir="2700000" algn="tl">
                     <a:srgbClr val="000000">
@@ -4902,7 +4901,7 @@
               <a:t> </a:t>
             </a:r>
             <a:r>
-              <a:rPr lang="en-US" sz="3000" dirty="0">
+              <a:rPr lang="en-US" sz="3000">
                 <a:effectLst>
                   <a:outerShdw blurRad="38100" dist="38100" dir="2700000" algn="tl">
                     <a:srgbClr val="000000">
@@ -4923,7 +4922,7 @@
               <a:buNone/>
             </a:pPr>
             <a:r>
-              <a:rPr lang="en-US" sz="3000" dirty="0" err="1">
+              <a:rPr lang="en-US" sz="3000" err="1">
                 <a:effectLst>
                   <a:outerShdw blurRad="38100" dist="38100" dir="2700000" algn="tl">
                     <a:srgbClr val="000000">
@@ -4936,7 +4935,7 @@
               <a:t>preparedStatement.setBinaryStream</a:t>
             </a:r>
             <a:r>
-              <a:rPr lang="en-US" sz="3000" dirty="0">
+              <a:rPr lang="en-US" sz="3000">
                 <a:effectLst>
                   <a:outerShdw blurRad="38100" dist="38100" dir="2700000" algn="tl">
                     <a:srgbClr val="000000">
@@ -4949,7 +4948,7 @@
               <a:t>(1, new </a:t>
             </a:r>
             <a:r>
-              <a:rPr lang="en-US" sz="3000" dirty="0" err="1">
+              <a:rPr lang="en-US" sz="3000" err="1">
                 <a:effectLst>
                   <a:outerShdw blurRad="38100" dist="38100" dir="2700000" algn="tl">
                     <a:srgbClr val="000000">
@@ -4962,7 +4961,7 @@
               <a:t>FileInpuStream</a:t>
             </a:r>
             <a:r>
-              <a:rPr lang="en-US" sz="3000" dirty="0">
+              <a:rPr lang="en-US" sz="3000">
                 <a:effectLst>
                   <a:outerShdw blurRad="38100" dist="38100" dir="2700000" algn="tl">
                     <a:srgbClr val="000000">
@@ -4975,7 +4974,7 @@
               <a:t>(</a:t>
             </a:r>
             <a:r>
-              <a:rPr lang="en-US" sz="3000" dirty="0" err="1">
+              <a:rPr lang="en-US" sz="3000" err="1">
                 <a:effectLst>
                   <a:outerShdw blurRad="38100" dist="38100" dir="2700000" algn="tl">
                     <a:srgbClr val="000000">
@@ -4988,7 +4987,7 @@
               <a:t>filePath</a:t>
             </a:r>
             <a:r>
-              <a:rPr lang="en-US" sz="3000" dirty="0">
+              <a:rPr lang="en-US" sz="3000">
                 <a:effectLst>
                   <a:outerShdw blurRad="38100" dist="38100" dir="2700000" algn="tl">
                     <a:srgbClr val="000000">
@@ -5005,7 +5004,7 @@
             <a:pPr marL="0" indent="0">
               <a:buNone/>
             </a:pPr>
-            <a:endParaRPr lang="en-US" sz="3000" dirty="0">
+            <a:endParaRPr lang="en-US" sz="3000">
               <a:effectLst>
                 <a:outerShdw blurRad="38100" dist="38100" dir="2700000" algn="tl">
                   <a:srgbClr val="000000">
@@ -5024,7 +5023,7 @@
               <a:buNone/>
             </a:pPr>
             <a:r>
-              <a:rPr lang="en-US" sz="3000" dirty="0">
+              <a:rPr lang="en-US" sz="3000">
                 <a:effectLst>
                   <a:outerShdw blurRad="38100" dist="38100" dir="2700000" algn="tl">
                     <a:srgbClr val="000000">
@@ -5037,7 +5036,7 @@
               <a:t>Blob </a:t>
             </a:r>
             <a:r>
-              <a:rPr lang="en-US" sz="3000" dirty="0" err="1">
+              <a:rPr lang="en-US" sz="3000" err="1">
                 <a:effectLst>
                   <a:outerShdw blurRad="38100" dist="38100" dir="2700000" algn="tl">
                     <a:srgbClr val="000000">
@@ -5050,7 +5049,7 @@
               <a:t>blob</a:t>
             </a:r>
             <a:r>
-              <a:rPr lang="en-US" sz="3000" dirty="0">
+              <a:rPr lang="en-US" sz="3000">
                 <a:effectLst>
                   <a:outerShdw blurRad="38100" dist="38100" dir="2700000" algn="tl">
                     <a:srgbClr val="000000">
@@ -5063,7 +5062,7 @@
               <a:t> = </a:t>
             </a:r>
             <a:r>
-              <a:rPr lang="en-US" sz="3000" dirty="0" err="1">
+              <a:rPr lang="en-US" sz="3000" err="1">
                 <a:effectLst>
                   <a:outerShdw blurRad="38100" dist="38100" dir="2700000" algn="tl">
                     <a:srgbClr val="000000">
@@ -5076,7 +5075,7 @@
               <a:t>resultSet.getBlob</a:t>
             </a:r>
             <a:r>
-              <a:rPr lang="en-US" sz="3000" dirty="0">
+              <a:rPr lang="en-US" sz="3000">
                 <a:effectLst>
                   <a:outerShdw blurRad="38100" dist="38100" dir="2700000" algn="tl">
                     <a:srgbClr val="000000">
@@ -5089,7 +5088,7 @@
               <a:t>(</a:t>
             </a:r>
             <a:r>
-              <a:rPr lang="en-US" sz="3000" dirty="0" err="1">
+              <a:rPr lang="en-US" sz="3000" err="1">
                 <a:effectLst>
                   <a:outerShdw blurRad="38100" dist="38100" dir="2700000" algn="tl">
                     <a:srgbClr val="000000">
@@ -5102,7 +5101,7 @@
               <a:t>columnName</a:t>
             </a:r>
             <a:r>
-              <a:rPr lang="en-US" sz="3000" dirty="0">
+              <a:rPr lang="en-US" sz="3000">
                 <a:effectLst>
                   <a:outerShdw blurRad="38100" dist="38100" dir="2700000" algn="tl">
                     <a:srgbClr val="000000">
@@ -5119,7 +5118,7 @@
             <a:pPr marL="0" indent="0">
               <a:buNone/>
             </a:pPr>
-            <a:endParaRPr lang="en-US" sz="3000" dirty="0">
+            <a:endParaRPr lang="en-US" sz="3000">
               <a:effectLst>
                 <a:outerShdw blurRad="38100" dist="38100" dir="2700000" algn="tl">
                   <a:srgbClr val="000000">
@@ -5134,7 +5133,7 @@
             <a:pPr marL="0" indent="0">
               <a:buNone/>
             </a:pPr>
-            <a:endParaRPr lang="en-US" sz="3000" dirty="0">
+            <a:endParaRPr lang="en-US" sz="3000">
               <a:effectLst>
                 <a:outerShdw blurRad="38100" dist="38100" dir="2700000" algn="tl">
                   <a:srgbClr val="000000">
@@ -5243,12 +5242,12 @@
           <a:p>
             <a:pPr algn="ctr"/>
             <a:r>
-              <a:rPr lang="en-US" dirty="0">
+              <a:rPr lang="en-US">
                 <a:latin typeface="Sylfaen" panose="010A0502050306030303" pitchFamily="18" charset="0"/>
               </a:rPr>
               <a:t>File store and retrieve</a:t>
             </a:r>
-            <a:endParaRPr lang="en-US" dirty="0"/>
+            <a:endParaRPr lang="en-US"/>
           </a:p>
         </p:txBody>
       </p:sp>
@@ -5287,7 +5286,7 @@
               <a:buNone/>
             </a:pPr>
             <a:r>
-              <a:rPr lang="en-US" sz="3000" dirty="0" err="1">
+              <a:rPr lang="en-US" sz="3000" err="1">
                 <a:effectLst>
                   <a:outerShdw blurRad="38100" dist="38100" dir="2700000" algn="tl">
                     <a:srgbClr val="000000">
@@ -5300,7 +5299,7 @@
               <a:t>PreparedStatement</a:t>
             </a:r>
             <a:r>
-              <a:rPr lang="en-US" sz="3000" dirty="0">
+              <a:rPr lang="en-US" sz="3000">
                 <a:effectLst>
                   <a:outerShdw blurRad="38100" dist="38100" dir="2700000" algn="tl">
                     <a:srgbClr val="000000">
@@ -5321,7 +5320,7 @@
               <a:buNone/>
             </a:pPr>
             <a:r>
-              <a:rPr lang="en-US" sz="3000" dirty="0" err="1">
+              <a:rPr lang="en-US" sz="3000" err="1">
                 <a:effectLst>
                   <a:outerShdw blurRad="38100" dist="38100" dir="2700000" algn="tl">
                     <a:srgbClr val="000000">
@@ -5334,7 +5333,7 @@
               <a:t>setCharacterStream</a:t>
             </a:r>
             <a:r>
-              <a:rPr lang="en-US" sz="3000" dirty="0">
+              <a:rPr lang="en-US" sz="3000">
                 <a:effectLst>
                   <a:outerShdw blurRad="38100" dist="38100" dir="2700000" algn="tl">
                     <a:srgbClr val="000000">
@@ -5347,7 +5346,7 @@
               <a:t>(int </a:t>
             </a:r>
             <a:r>
-              <a:rPr lang="en-US" sz="3000" dirty="0" err="1">
+              <a:rPr lang="en-US" sz="3000" err="1">
                 <a:effectLst>
                   <a:outerShdw blurRad="38100" dist="38100" dir="2700000" algn="tl">
                     <a:srgbClr val="000000">
@@ -5360,7 +5359,7 @@
               <a:t>paramIndex</a:t>
             </a:r>
             <a:r>
-              <a:rPr lang="en-US" sz="3000" dirty="0">
+              <a:rPr lang="en-US" sz="3000">
                 <a:effectLst>
                   <a:outerShdw blurRad="38100" dist="38100" dir="2700000" algn="tl">
                     <a:srgbClr val="000000">
@@ -5373,7 +5372,7 @@
               <a:t>, </a:t>
             </a:r>
             <a:r>
-              <a:rPr lang="en-US" sz="3000" dirty="0" err="1">
+              <a:rPr lang="en-US" sz="3000" err="1">
                 <a:effectLst>
                   <a:outerShdw blurRad="38100" dist="38100" dir="2700000" algn="tl">
                     <a:srgbClr val="000000">
@@ -5386,7 +5385,7 @@
               <a:t>InputStream</a:t>
             </a:r>
             <a:r>
-              <a:rPr lang="ru-RU" sz="3000" dirty="0">
+              <a:rPr lang="ru-RU" sz="3000">
                 <a:effectLst>
                   <a:outerShdw blurRad="38100" dist="38100" dir="2700000" algn="tl">
                     <a:srgbClr val="000000">
@@ -5399,7 +5398,7 @@
               <a:t> </a:t>
             </a:r>
             <a:r>
-              <a:rPr lang="en-US" sz="3000" dirty="0">
+              <a:rPr lang="en-US" sz="3000">
                 <a:effectLst>
                   <a:outerShdw blurRad="38100" dist="38100" dir="2700000" algn="tl">
                     <a:srgbClr val="000000">
@@ -5420,7 +5419,7 @@
               <a:buNone/>
             </a:pPr>
             <a:r>
-              <a:rPr lang="en-US" sz="3000" dirty="0" err="1">
+              <a:rPr lang="en-US" sz="3000" err="1">
                 <a:effectLst>
                   <a:outerShdw blurRad="38100" dist="38100" dir="2700000" algn="tl">
                     <a:srgbClr val="000000">
@@ -5433,7 +5432,7 @@
               <a:t>FileReader</a:t>
             </a:r>
             <a:r>
-              <a:rPr lang="en-US" sz="3000" dirty="0">
+              <a:rPr lang="en-US" sz="3000">
                 <a:effectLst>
                   <a:outerShdw blurRad="38100" dist="38100" dir="2700000" algn="tl">
                     <a:srgbClr val="000000">
@@ -5446,7 +5445,7 @@
               <a:t> </a:t>
             </a:r>
             <a:r>
-              <a:rPr lang="en-US" sz="3000" dirty="0" err="1">
+              <a:rPr lang="en-US" sz="3000" err="1">
                 <a:effectLst>
                   <a:outerShdw blurRad="38100" dist="38100" dir="2700000" algn="tl">
                     <a:srgbClr val="000000">
@@ -5459,7 +5458,7 @@
               <a:t>fileReader</a:t>
             </a:r>
             <a:r>
-              <a:rPr lang="en-US" sz="3000" dirty="0">
+              <a:rPr lang="en-US" sz="3000">
                 <a:effectLst>
                   <a:outerShdw blurRad="38100" dist="38100" dir="2700000" algn="tl">
                     <a:srgbClr val="000000">
@@ -5472,7 +5471,7 @@
               <a:t> = new </a:t>
             </a:r>
             <a:r>
-              <a:rPr lang="en-US" sz="3000" dirty="0" err="1">
+              <a:rPr lang="en-US" sz="3000" err="1">
                 <a:effectLst>
                   <a:outerShdw blurRad="38100" dist="38100" dir="2700000" algn="tl">
                     <a:srgbClr val="000000">
@@ -5485,7 +5484,7 @@
               <a:t>FileReader</a:t>
             </a:r>
             <a:r>
-              <a:rPr lang="en-US" sz="3000" dirty="0">
+              <a:rPr lang="en-US" sz="3000">
                 <a:effectLst>
                   <a:outerShdw blurRad="38100" dist="38100" dir="2700000" algn="tl">
                     <a:srgbClr val="000000">
@@ -5498,7 +5497,7 @@
               <a:t>(new File(</a:t>
             </a:r>
             <a:r>
-              <a:rPr lang="en-US" sz="3000" dirty="0" err="1">
+              <a:rPr lang="en-US" sz="3000" err="1">
                 <a:effectLst>
                   <a:outerShdw blurRad="38100" dist="38100" dir="2700000" algn="tl">
                     <a:srgbClr val="000000">
@@ -5511,7 +5510,7 @@
               <a:t>filePath</a:t>
             </a:r>
             <a:r>
-              <a:rPr lang="en-US" sz="3000" dirty="0">
+              <a:rPr lang="en-US" sz="3000">
                 <a:effectLst>
                   <a:outerShdw blurRad="38100" dist="38100" dir="2700000" algn="tl">
                     <a:srgbClr val="000000">
@@ -5532,7 +5531,7 @@
               <a:buNone/>
             </a:pPr>
             <a:r>
-              <a:rPr lang="en-US" sz="3000" dirty="0" err="1">
+              <a:rPr lang="en-US" sz="3000" err="1">
                 <a:effectLst>
                   <a:outerShdw blurRad="38100" dist="38100" dir="2700000" algn="tl">
                     <a:srgbClr val="000000">
@@ -5545,7 +5544,7 @@
               <a:t>preparedStatement.setCharacterStream</a:t>
             </a:r>
             <a:r>
-              <a:rPr lang="en-US" sz="3000" dirty="0">
+              <a:rPr lang="en-US" sz="3000">
                 <a:effectLst>
                   <a:outerShdw blurRad="38100" dist="38100" dir="2700000" algn="tl">
                     <a:srgbClr val="000000">
@@ -5558,7 +5557,7 @@
               <a:t>(1, </a:t>
             </a:r>
             <a:r>
-              <a:rPr lang="en-US" sz="3000" dirty="0" err="1">
+              <a:rPr lang="en-US" sz="3000" err="1">
                 <a:effectLst>
                   <a:outerShdw blurRad="38100" dist="38100" dir="2700000" algn="tl">
                     <a:srgbClr val="000000">
@@ -5571,7 +5570,7 @@
               <a:t>fileReader</a:t>
             </a:r>
             <a:r>
-              <a:rPr lang="en-US" sz="3000" dirty="0">
+              <a:rPr lang="en-US" sz="3000">
                 <a:effectLst>
                   <a:outerShdw blurRad="38100" dist="38100" dir="2700000" algn="tl">
                     <a:srgbClr val="000000">
@@ -5588,7 +5587,7 @@
             <a:pPr marL="0" indent="0">
               <a:buNone/>
             </a:pPr>
-            <a:endParaRPr lang="en-US" dirty="0"/>
+            <a:endParaRPr lang="en-US"/>
           </a:p>
           <a:p>
             <a:pPr marL="0" indent="0">
@@ -5598,7 +5597,7 @@
               <a:buNone/>
             </a:pPr>
             <a:r>
-              <a:rPr lang="en-US" sz="2800" dirty="0" err="1">
+              <a:rPr lang="en-US" sz="2800" err="1">
                 <a:effectLst>
                   <a:outerShdw blurRad="38100" dist="38100" dir="2700000" algn="tl">
                     <a:srgbClr val="000000">
@@ -5611,7 +5610,7 @@
               <a:t>Clob</a:t>
             </a:r>
             <a:r>
-              <a:rPr lang="en-US" sz="2800" dirty="0">
+              <a:rPr lang="en-US" sz="2800">
                 <a:effectLst>
                   <a:outerShdw blurRad="38100" dist="38100" dir="2700000" algn="tl">
                     <a:srgbClr val="000000">
@@ -5624,7 +5623,7 @@
               <a:t> </a:t>
             </a:r>
             <a:r>
-              <a:rPr lang="en-US" sz="2800" dirty="0" err="1">
+              <a:rPr lang="en-US" sz="2800" err="1">
                 <a:effectLst>
                   <a:outerShdw blurRad="38100" dist="38100" dir="2700000" algn="tl">
                     <a:srgbClr val="000000">
@@ -5637,7 +5636,7 @@
               <a:t>clob</a:t>
             </a:r>
             <a:r>
-              <a:rPr lang="en-US" sz="2800" dirty="0">
+              <a:rPr lang="en-US" sz="2800">
                 <a:effectLst>
                   <a:outerShdw blurRad="38100" dist="38100" dir="2700000" algn="tl">
                     <a:srgbClr val="000000">
@@ -5650,7 +5649,7 @@
               <a:t> = </a:t>
             </a:r>
             <a:r>
-              <a:rPr lang="en-US" sz="2800" dirty="0" err="1">
+              <a:rPr lang="en-US" sz="2800" err="1">
                 <a:effectLst>
                   <a:outerShdw blurRad="38100" dist="38100" dir="2700000" algn="tl">
                     <a:srgbClr val="000000">
@@ -5663,7 +5662,7 @@
               <a:t>resultSet.getClob</a:t>
             </a:r>
             <a:r>
-              <a:rPr lang="en-US" dirty="0">
+              <a:rPr lang="en-US">
                 <a:effectLst>
                   <a:outerShdw blurRad="38100" dist="38100" dir="2700000" algn="tl">
                     <a:srgbClr val="000000">
@@ -5676,7 +5675,7 @@
               <a:t>(</a:t>
             </a:r>
             <a:r>
-              <a:rPr lang="en-US" dirty="0" err="1">
+              <a:rPr lang="en-US" err="1">
                 <a:effectLst>
                   <a:outerShdw blurRad="38100" dist="38100" dir="2700000" algn="tl">
                     <a:srgbClr val="000000">
@@ -5689,7 +5688,7 @@
               <a:t>columnName</a:t>
             </a:r>
             <a:r>
-              <a:rPr lang="en-US" dirty="0">
+              <a:rPr lang="en-US">
                 <a:effectLst>
                   <a:outerShdw blurRad="38100" dist="38100" dir="2700000" algn="tl">
                     <a:srgbClr val="000000">
@@ -5701,7 +5700,7 @@
               </a:rPr>
               <a:t>);</a:t>
             </a:r>
-            <a:endParaRPr lang="en-US" sz="2800" dirty="0">
+            <a:endParaRPr lang="en-US" sz="2800">
               <a:effectLst>
                 <a:outerShdw blurRad="38100" dist="38100" dir="2700000" algn="tl">
                   <a:srgbClr val="000000">
@@ -5716,7 +5715,7 @@
             <a:pPr marL="0" indent="0">
               <a:buNone/>
             </a:pPr>
-            <a:endParaRPr lang="en-US" dirty="0"/>
+            <a:endParaRPr lang="en-US"/>
           </a:p>
         </p:txBody>
       </p:sp>
@@ -5816,18 +5815,18 @@
           <a:p>
             <a:pPr algn="ctr"/>
             <a:r>
-              <a:rPr lang="en-US" dirty="0" err="1">
+              <a:rPr lang="en-US" err="1">
                 <a:latin typeface="Sylfaen" panose="010A0502050306030303" pitchFamily="18" charset="0"/>
               </a:rPr>
               <a:t>CallableStatement</a:t>
             </a:r>
             <a:r>
-              <a:rPr lang="en-US" dirty="0">
+              <a:rPr lang="en-US">
                 <a:latin typeface="Sylfaen" panose="010A0502050306030303" pitchFamily="18" charset="0"/>
               </a:rPr>
               <a:t> interface</a:t>
             </a:r>
-            <a:endParaRPr lang="en-US" dirty="0"/>
+            <a:endParaRPr lang="en-US"/>
           </a:p>
         </p:txBody>
       </p:sp>
@@ -5861,7 +5860,7 @@
               <a:buNone/>
             </a:pPr>
             <a:r>
-              <a:rPr lang="en-US" sz="3000" dirty="0">
+              <a:rPr lang="en-US" sz="3000">
                 <a:effectLst>
                   <a:outerShdw blurRad="38100" dist="38100" dir="2700000" algn="tl">
                     <a:srgbClr val="000000">
@@ -5874,7 +5873,7 @@
               <a:t>public </a:t>
             </a:r>
             <a:r>
-              <a:rPr lang="en-US" sz="3000" dirty="0" err="1">
+              <a:rPr lang="en-US" sz="3000" err="1">
                 <a:effectLst>
                   <a:outerShdw blurRad="38100" dist="38100" dir="2700000" algn="tl">
                     <a:srgbClr val="000000">
@@ -5887,7 +5886,7 @@
               <a:t>CallableStatement</a:t>
             </a:r>
             <a:r>
-              <a:rPr lang="en-US" sz="3000" dirty="0">
+              <a:rPr lang="en-US" sz="3000">
                 <a:effectLst>
                   <a:outerShdw blurRad="38100" dist="38100" dir="2700000" algn="tl">
                     <a:srgbClr val="000000">
@@ -5900,7 +5899,7 @@
               <a:t> </a:t>
             </a:r>
             <a:r>
-              <a:rPr lang="en-US" sz="3000" dirty="0" err="1">
+              <a:rPr lang="en-US" sz="3000" err="1">
                 <a:effectLst>
                   <a:outerShdw blurRad="38100" dist="38100" dir="2700000" algn="tl">
                     <a:srgbClr val="000000">
@@ -5913,7 +5912,7 @@
               <a:t>prepareCall</a:t>
             </a:r>
             <a:r>
-              <a:rPr lang="en-US" sz="3000" dirty="0">
+              <a:rPr lang="en-US" sz="3000">
                 <a:effectLst>
                   <a:outerShdw blurRad="38100" dist="38100" dir="2700000" algn="tl">
                     <a:srgbClr val="000000">
@@ -5926,7 +5925,7 @@
               <a:t>("{ call </a:t>
             </a:r>
             <a:r>
-              <a:rPr lang="en-US" sz="3000" dirty="0" err="1">
+              <a:rPr lang="en-US" sz="3000" err="1">
                 <a:effectLst>
                   <a:outerShdw blurRad="38100" dist="38100" dir="2700000" algn="tl">
                     <a:srgbClr val="000000">
@@ -5939,7 +5938,7 @@
               <a:t>procedurename</a:t>
             </a:r>
             <a:r>
-              <a:rPr lang="en-US" sz="3000" dirty="0">
+              <a:rPr lang="en-US" sz="3000">
                 <a:effectLst>
                   <a:outerShdw blurRad="38100" dist="38100" dir="2700000" algn="tl">
                     <a:srgbClr val="000000">
@@ -5956,7 +5955,7 @@
             <a:pPr marL="0" indent="0">
               <a:buNone/>
             </a:pPr>
-            <a:endParaRPr lang="en-US" sz="3000" dirty="0">
+            <a:endParaRPr lang="en-US" sz="3000">
               <a:effectLst>
                 <a:outerShdw blurRad="38100" dist="38100" dir="2700000" algn="tl">
                   <a:srgbClr val="000000">
@@ -5972,7 +5971,7 @@
               <a:buNone/>
             </a:pPr>
             <a:r>
-              <a:rPr lang="en-US" sz="3000" dirty="0" err="1">
+              <a:rPr lang="en-US" sz="3000" err="1">
                 <a:effectLst>
                   <a:outerShdw blurRad="38100" dist="38100" dir="2700000" algn="tl">
                     <a:srgbClr val="000000">
@@ -5985,7 +5984,7 @@
               <a:t>callableStatement.setInt</a:t>
             </a:r>
             <a:r>
-              <a:rPr lang="en-US" sz="3000" dirty="0">
+              <a:rPr lang="en-US" sz="3000">
                 <a:effectLst>
                   <a:outerShdw blurRad="38100" dist="38100" dir="2700000" algn="tl">
                     <a:srgbClr val="000000">
@@ -6002,7 +6001,7 @@
             <a:pPr marL="0" indent="0">
               <a:buNone/>
             </a:pPr>
-            <a:endParaRPr lang="en-US" sz="3000" dirty="0">
+            <a:endParaRPr lang="en-US" sz="3000">
               <a:effectLst>
                 <a:outerShdw blurRad="38100" dist="38100" dir="2700000" algn="tl">
                   <a:srgbClr val="000000">
@@ -6018,7 +6017,7 @@
               <a:buNone/>
             </a:pPr>
             <a:r>
-              <a:rPr lang="en-US" sz="3000" dirty="0" err="1">
+              <a:rPr lang="en-US" sz="3000" err="1">
                 <a:effectLst>
                   <a:outerShdw blurRad="38100" dist="38100" dir="2700000" algn="tl">
                     <a:srgbClr val="000000">
@@ -6031,7 +6030,7 @@
               <a:t>callableStatement.setString</a:t>
             </a:r>
             <a:r>
-              <a:rPr lang="en-US" sz="3000" dirty="0">
+              <a:rPr lang="en-US" sz="3000">
                 <a:effectLst>
                   <a:outerShdw blurRad="38100" dist="38100" dir="2700000" algn="tl">
                     <a:srgbClr val="000000">
@@ -6048,7 +6047,7 @@
             <a:pPr marL="0" indent="0">
               <a:buNone/>
             </a:pPr>
-            <a:endParaRPr lang="en-US" sz="3000" dirty="0">
+            <a:endParaRPr lang="en-US" sz="3000">
               <a:effectLst>
                 <a:outerShdw blurRad="38100" dist="38100" dir="2700000" algn="tl">
                   <a:srgbClr val="000000">
@@ -6064,7 +6063,7 @@
               <a:buNone/>
             </a:pPr>
             <a:r>
-              <a:rPr lang="en-US" sz="3000" dirty="0" err="1">
+              <a:rPr lang="en-US" sz="3000" err="1">
                 <a:effectLst>
                   <a:outerShdw blurRad="38100" dist="38100" dir="2700000" algn="tl">
                     <a:srgbClr val="000000">
@@ -6077,7 +6076,7 @@
               <a:t>callableStatement.execute</a:t>
             </a:r>
             <a:r>
-              <a:rPr lang="en-US" sz="3000" dirty="0">
+              <a:rPr lang="en-US" sz="3000">
                 <a:effectLst>
                   <a:outerShdw blurRad="38100" dist="38100" dir="2700000" algn="tl">
                     <a:srgbClr val="000000">
@@ -6094,7 +6093,7 @@
             <a:pPr marL="0" indent="0">
               <a:buNone/>
             </a:pPr>
-            <a:endParaRPr lang="en-US" sz="3000" dirty="0">
+            <a:endParaRPr lang="en-US" sz="3000">
               <a:effectLst>
                 <a:outerShdw blurRad="38100" dist="38100" dir="2700000" algn="tl">
                   <a:srgbClr val="000000">
@@ -6203,12 +6202,12 @@
           <a:p>
             <a:pPr algn="ctr"/>
             <a:r>
-              <a:rPr lang="en-US" dirty="0">
+              <a:rPr lang="en-US">
                 <a:latin typeface="Sylfaen" panose="010A0502050306030303" pitchFamily="18" charset="0"/>
               </a:rPr>
               <a:t>Transaction Management</a:t>
             </a:r>
-            <a:endParaRPr lang="en-US" dirty="0"/>
+            <a:endParaRPr lang="en-US"/>
           </a:p>
         </p:txBody>
       </p:sp>
@@ -6245,7 +6244,7 @@
               <a:buNone/>
             </a:pPr>
             <a:r>
-              <a:rPr lang="en-US" sz="3000" dirty="0">
+              <a:rPr lang="en-US" sz="3000">
                 <a:effectLst>
                   <a:outerShdw blurRad="38100" dist="38100" dir="2700000" algn="tl">
                     <a:srgbClr val="000000">
@@ -6258,7 +6257,7 @@
               <a:t>void </a:t>
             </a:r>
             <a:r>
-              <a:rPr lang="en-US" sz="3000" dirty="0" err="1">
+              <a:rPr lang="en-US" sz="3000" err="1">
                 <a:effectLst>
                   <a:outerShdw blurRad="38100" dist="38100" dir="2700000" algn="tl">
                     <a:srgbClr val="000000">
@@ -6271,7 +6270,7 @@
               <a:t>setAutoCommit</a:t>
             </a:r>
             <a:r>
-              <a:rPr lang="en-US" sz="3000" dirty="0">
+              <a:rPr lang="en-US" sz="3000">
                 <a:effectLst>
                   <a:outerShdw blurRad="38100" dist="38100" dir="2700000" algn="tl">
                     <a:srgbClr val="000000">
@@ -6284,7 +6283,7 @@
               <a:t>(</a:t>
             </a:r>
             <a:r>
-              <a:rPr lang="en-US" sz="3000" dirty="0" err="1">
+              <a:rPr lang="en-US" sz="3000" err="1">
                 <a:effectLst>
                   <a:outerShdw blurRad="38100" dist="38100" dir="2700000" algn="tl">
                     <a:srgbClr val="000000">
@@ -6297,7 +6296,7 @@
               <a:t>boolean</a:t>
             </a:r>
             <a:r>
-              <a:rPr lang="en-US" sz="3000" dirty="0">
+              <a:rPr lang="en-US" sz="3000">
                 <a:effectLst>
                   <a:outerShdw blurRad="38100" dist="38100" dir="2700000" algn="tl">
                     <a:srgbClr val="000000">
@@ -6318,7 +6317,7 @@
               <a:buNone/>
             </a:pPr>
             <a:r>
-              <a:rPr lang="en-US" sz="3000" dirty="0">
+              <a:rPr lang="en-US" sz="3000">
                 <a:effectLst>
                   <a:outerShdw blurRad="38100" dist="38100" dir="2700000" algn="tl">
                     <a:srgbClr val="000000">
@@ -6339,7 +6338,7 @@
               <a:buNone/>
             </a:pPr>
             <a:r>
-              <a:rPr lang="en-US" sz="3000" dirty="0">
+              <a:rPr lang="en-US" sz="3000">
                 <a:effectLst>
                   <a:outerShdw blurRad="38100" dist="38100" dir="2700000" algn="tl">
                     <a:srgbClr val="000000">
@@ -6356,7 +6355,7 @@
             <a:pPr marL="0" indent="0">
               <a:buNone/>
             </a:pPr>
-            <a:endParaRPr lang="en-US" sz="3000" dirty="0">
+            <a:endParaRPr lang="en-US" sz="3000">
               <a:effectLst>
                 <a:outerShdw blurRad="38100" dist="38100" dir="2700000" algn="tl">
                   <a:srgbClr val="000000">
@@ -6579,12 +6578,12 @@
           <a:p>
             <a:pPr algn="ctr"/>
             <a:r>
-              <a:rPr lang="en-US" dirty="0">
+              <a:rPr lang="en-US">
                 <a:latin typeface="Sylfaen" panose="010A0502050306030303" pitchFamily="18" charset="0"/>
               </a:rPr>
               <a:t>Batch Processing</a:t>
             </a:r>
-            <a:endParaRPr lang="ru-RU" dirty="0">
+            <a:endParaRPr lang="ru-RU">
               <a:latin typeface="Sylfaen" panose="010A0502050306030303" pitchFamily="18" charset="0"/>
             </a:endParaRPr>
           </a:p>
@@ -6608,8 +6607,8 @@
         </p:nvSpPr>
         <p:spPr>
           <a:xfrm>
-            <a:off x="838200" y="1701447"/>
-            <a:ext cx="10515600" cy="4351338"/>
+            <a:off x="944880" y="1701447"/>
+            <a:ext cx="10408920" cy="4351338"/>
           </a:xfrm>
         </p:spPr>
         <p:txBody>
@@ -6619,14 +6618,14 @@
             <a:pPr marL="0" indent="0">
               <a:buNone/>
             </a:pPr>
-            <a:endParaRPr lang="en-US" dirty="0"/>
+            <a:endParaRPr lang="en-US"/>
           </a:p>
           <a:p>
             <a:pPr marL="0" indent="0">
               <a:buNone/>
             </a:pPr>
             <a:r>
-              <a:rPr lang="en-US" sz="3000" dirty="0">
+              <a:rPr lang="en-US" sz="3000">
                 <a:effectLst>
                   <a:outerShdw blurRad="38100" dist="38100" dir="2700000" algn="tl">
                     <a:srgbClr val="000000">
@@ -6639,7 +6638,7 @@
               <a:t>void </a:t>
             </a:r>
             <a:r>
-              <a:rPr lang="en-US" sz="3000" dirty="0" err="1">
+              <a:rPr lang="en-US" sz="3000" err="1">
                 <a:effectLst>
                   <a:outerShdw blurRad="38100" dist="38100" dir="2700000" algn="tl">
                     <a:srgbClr val="000000">
@@ -6652,7 +6651,7 @@
               <a:t>addBatch</a:t>
             </a:r>
             <a:r>
-              <a:rPr lang="en-US" sz="3000" dirty="0">
+              <a:rPr lang="en-US" sz="3000">
                 <a:effectLst>
                   <a:outerShdw blurRad="38100" dist="38100" dir="2700000" algn="tl">
                     <a:srgbClr val="000000">
@@ -6664,7 +6663,7 @@
               </a:rPr>
               <a:t>(String query)</a:t>
             </a:r>
-            <a:endParaRPr lang="ru-RU" sz="3000" dirty="0">
+            <a:endParaRPr lang="ru-RU" sz="3000">
               <a:effectLst>
                 <a:outerShdw blurRad="38100" dist="38100" dir="2700000" algn="tl">
                   <a:srgbClr val="000000">
@@ -6679,7 +6678,7 @@
             <a:pPr marL="0" indent="0">
               <a:buNone/>
             </a:pPr>
-            <a:endParaRPr lang="ru-RU" sz="3000" dirty="0">
+            <a:endParaRPr lang="ru-RU" sz="3000">
               <a:effectLst>
                 <a:outerShdw blurRad="38100" dist="38100" dir="2700000" algn="tl">
                   <a:srgbClr val="000000">
@@ -6695,7 +6694,7 @@
               <a:buNone/>
             </a:pPr>
             <a:r>
-              <a:rPr lang="en-US" sz="3000" dirty="0">
+              <a:rPr lang="en-US" sz="3000">
                 <a:effectLst>
                   <a:outerShdw blurRad="38100" dist="38100" dir="2700000" algn="tl">
                     <a:srgbClr val="000000">
@@ -6708,7 +6707,7 @@
               <a:t>int[] </a:t>
             </a:r>
             <a:r>
-              <a:rPr lang="en-US" sz="3000" dirty="0" err="1">
+              <a:rPr lang="en-US" sz="3000" err="1">
                 <a:effectLst>
                   <a:outerShdw blurRad="38100" dist="38100" dir="2700000" algn="tl">
                     <a:srgbClr val="000000">
@@ -6721,7 +6720,7 @@
               <a:t>executeBatch</a:t>
             </a:r>
             <a:r>
-              <a:rPr lang="en-US" sz="3000" dirty="0">
+              <a:rPr lang="en-US" sz="3000">
                 <a:effectLst>
                   <a:outerShdw blurRad="38100" dist="38100" dir="2700000" algn="tl">
                     <a:srgbClr val="000000">
@@ -6733,7 +6732,7 @@
               </a:rPr>
               <a:t>()</a:t>
             </a:r>
-            <a:endParaRPr lang="ru-RU" sz="3000" dirty="0">
+            <a:endParaRPr lang="ru-RU" sz="3000">
               <a:effectLst>
                 <a:outerShdw blurRad="38100" dist="38100" dir="2700000" algn="tl">
                   <a:srgbClr val="000000">
@@ -6748,7 +6747,7 @@
             <a:pPr marL="0" indent="0">
               <a:buNone/>
             </a:pPr>
-            <a:endParaRPr lang="ru-RU" sz="3000" dirty="0">
+            <a:endParaRPr lang="ru-RU" sz="3000">
               <a:effectLst>
                 <a:outerShdw blurRad="38100" dist="38100" dir="2700000" algn="tl">
                   <a:srgbClr val="000000">
@@ -6764,7 +6763,7 @@
               <a:buNone/>
             </a:pPr>
             <a:r>
-              <a:rPr lang="en-US" sz="3000" dirty="0">
+              <a:rPr lang="en-US" sz="3000">
                 <a:effectLst>
                   <a:outerShdw blurRad="38100" dist="38100" dir="2700000" algn="tl">
                     <a:srgbClr val="000000">
@@ -6777,7 +6776,7 @@
               <a:t>void </a:t>
             </a:r>
             <a:r>
-              <a:rPr lang="en-US" sz="3000" dirty="0" err="1">
+              <a:rPr lang="en-US" sz="3000" err="1">
                 <a:effectLst>
                   <a:outerShdw blurRad="38100" dist="38100" dir="2700000" algn="tl">
                     <a:srgbClr val="000000">
@@ -6790,7 +6789,7 @@
               <a:t>clearBatch</a:t>
             </a:r>
             <a:r>
-              <a:rPr lang="en-US" sz="3000" dirty="0">
+              <a:rPr lang="en-US" sz="3000">
                 <a:effectLst>
                   <a:outerShdw blurRad="38100" dist="38100" dir="2700000" algn="tl">
                     <a:srgbClr val="000000">
@@ -6802,7 +6801,7 @@
               </a:rPr>
               <a:t>()</a:t>
             </a:r>
-            <a:endParaRPr lang="ru-RU" sz="3000" dirty="0">
+            <a:endParaRPr lang="ru-RU" sz="3000">
               <a:effectLst>
                 <a:outerShdw blurRad="38100" dist="38100" dir="2700000" algn="tl">
                   <a:srgbClr val="000000">
@@ -6911,18 +6910,18 @@
           <a:p>
             <a:pPr algn="ctr"/>
             <a:r>
-              <a:rPr lang="en-US" dirty="0" err="1">
+              <a:rPr lang="en-US" err="1">
                 <a:latin typeface="Sylfaen" panose="010A0502050306030303" pitchFamily="18" charset="0"/>
               </a:rPr>
               <a:t>RowSet</a:t>
             </a:r>
             <a:r>
-              <a:rPr lang="en-US" dirty="0">
+              <a:rPr lang="en-US">
                 <a:latin typeface="Sylfaen" panose="010A0502050306030303" pitchFamily="18" charset="0"/>
               </a:rPr>
               <a:t> interface</a:t>
             </a:r>
-            <a:endParaRPr lang="en-US" dirty="0"/>
+            <a:endParaRPr lang="en-US"/>
           </a:p>
         </p:txBody>
       </p:sp>
@@ -6960,7 +6959,7 @@
               </a:lnSpc>
             </a:pPr>
             <a:r>
-              <a:rPr lang="ru-RU" sz="3600" dirty="0">
+              <a:rPr lang="ru-RU" sz="3600">
                 <a:effectLst>
                   <a:outerShdw blurRad="38100" dist="38100" dir="2700000" algn="tl">
                     <a:srgbClr val="000000">
@@ -6973,7 +6972,7 @@
               <a:t> </a:t>
             </a:r>
             <a:r>
-              <a:rPr lang="en-US" sz="3600" dirty="0" err="1">
+              <a:rPr lang="en-US" sz="3600" err="1">
                 <a:effectLst>
                   <a:outerShdw blurRad="38100" dist="38100" dir="2700000" algn="tl">
                     <a:srgbClr val="000000">
@@ -6985,7 +6984,7 @@
               </a:rPr>
               <a:t>JdbcRowSet</a:t>
             </a:r>
-            <a:endParaRPr lang="en-US" sz="3600" dirty="0">
+            <a:endParaRPr lang="en-US" sz="3600">
               <a:effectLst>
                 <a:outerShdw blurRad="38100" dist="38100" dir="2700000" algn="tl">
                   <a:srgbClr val="000000">
@@ -7003,7 +7002,7 @@
               </a:lnSpc>
             </a:pPr>
             <a:r>
-              <a:rPr lang="ru-RU" sz="3600" dirty="0">
+              <a:rPr lang="ru-RU" sz="3600">
                 <a:effectLst>
                   <a:outerShdw blurRad="38100" dist="38100" dir="2700000" algn="tl">
                     <a:srgbClr val="000000">
@@ -7016,7 +7015,7 @@
               <a:t> </a:t>
             </a:r>
             <a:r>
-              <a:rPr lang="en-US" sz="3600" dirty="0" err="1">
+              <a:rPr lang="en-US" sz="3600" err="1">
                 <a:effectLst>
                   <a:outerShdw blurRad="38100" dist="38100" dir="2700000" algn="tl">
                     <a:srgbClr val="000000">
@@ -7028,7 +7027,7 @@
               </a:rPr>
               <a:t>CachedRowSet</a:t>
             </a:r>
-            <a:endParaRPr lang="en-US" sz="3600" dirty="0">
+            <a:endParaRPr lang="en-US" sz="3600">
               <a:effectLst>
                 <a:outerShdw blurRad="38100" dist="38100" dir="2700000" algn="tl">
                   <a:srgbClr val="000000">
@@ -7046,7 +7045,7 @@
               </a:lnSpc>
             </a:pPr>
             <a:r>
-              <a:rPr lang="ru-RU" sz="3600" dirty="0">
+              <a:rPr lang="ru-RU" sz="3600">
                 <a:effectLst>
                   <a:outerShdw blurRad="38100" dist="38100" dir="2700000" algn="tl">
                     <a:srgbClr val="000000">
@@ -7059,7 +7058,7 @@
               <a:t> </a:t>
             </a:r>
             <a:r>
-              <a:rPr lang="en-US" sz="3600" dirty="0" err="1">
+              <a:rPr lang="en-US" sz="3600" err="1">
                 <a:effectLst>
                   <a:outerShdw blurRad="38100" dist="38100" dir="2700000" algn="tl">
                     <a:srgbClr val="000000">
@@ -7071,7 +7070,7 @@
               </a:rPr>
               <a:t>WebRowSet</a:t>
             </a:r>
-            <a:endParaRPr lang="en-US" sz="3600" dirty="0">
+            <a:endParaRPr lang="en-US" sz="3600">
               <a:effectLst>
                 <a:outerShdw blurRad="38100" dist="38100" dir="2700000" algn="tl">
                   <a:srgbClr val="000000">
@@ -7089,7 +7088,7 @@
               </a:lnSpc>
             </a:pPr>
             <a:r>
-              <a:rPr lang="ru-RU" sz="3600" dirty="0">
+              <a:rPr lang="ru-RU" sz="3600">
                 <a:effectLst>
                   <a:outerShdw blurRad="38100" dist="38100" dir="2700000" algn="tl">
                     <a:srgbClr val="000000">
@@ -7102,7 +7101,7 @@
               <a:t> </a:t>
             </a:r>
             <a:r>
-              <a:rPr lang="en-US" sz="3600" dirty="0" err="1">
+              <a:rPr lang="en-US" sz="3600" err="1">
                 <a:effectLst>
                   <a:outerShdw blurRad="38100" dist="38100" dir="2700000" algn="tl">
                     <a:srgbClr val="000000">
@@ -7114,7 +7113,7 @@
               </a:rPr>
               <a:t>JoinRowSet</a:t>
             </a:r>
-            <a:endParaRPr lang="en-US" sz="3600" dirty="0">
+            <a:endParaRPr lang="en-US" sz="3600">
               <a:effectLst>
                 <a:outerShdw blurRad="38100" dist="38100" dir="2700000" algn="tl">
                   <a:srgbClr val="000000">
@@ -7132,7 +7131,7 @@
               </a:lnSpc>
             </a:pPr>
             <a:r>
-              <a:rPr lang="ru-RU" sz="3600" dirty="0">
+              <a:rPr lang="ru-RU" sz="3600">
                 <a:effectLst>
                   <a:outerShdw blurRad="38100" dist="38100" dir="2700000" algn="tl">
                     <a:srgbClr val="000000">
@@ -7145,7 +7144,7 @@
               <a:t> </a:t>
             </a:r>
             <a:r>
-              <a:rPr lang="en-US" sz="3600" dirty="0" err="1">
+              <a:rPr lang="en-US" sz="3600" err="1">
                 <a:effectLst>
                   <a:outerShdw blurRad="38100" dist="38100" dir="2700000" algn="tl">
                     <a:srgbClr val="000000">
@@ -7157,7 +7156,7 @@
               </a:rPr>
               <a:t>FilteredRowSet</a:t>
             </a:r>
-            <a:endParaRPr lang="en-US" sz="3600" dirty="0">
+            <a:endParaRPr lang="en-US" sz="3600">
               <a:effectLst>
                 <a:outerShdw blurRad="38100" dist="38100" dir="2700000" algn="tl">
                   <a:srgbClr val="000000">
@@ -7172,7 +7171,7 @@
             <a:pPr marL="0" indent="0">
               <a:buNone/>
             </a:pPr>
-            <a:endParaRPr lang="en-US" dirty="0"/>
+            <a:endParaRPr lang="en-US"/>
           </a:p>
         </p:txBody>
       </p:sp>
@@ -7230,8 +7229,8 @@
         </p:nvSpPr>
         <p:spPr>
           <a:xfrm>
-            <a:off x="4924698" y="1457444"/>
-            <a:ext cx="6429102" cy="4844419"/>
+            <a:off x="4872446" y="1920240"/>
+            <a:ext cx="6481354" cy="4454434"/>
           </a:xfrm>
           <a:prstGeom prst="rect">
             <a:avLst/>
@@ -7239,7 +7238,7 @@
         </p:spPr>
         <p:txBody>
           <a:bodyPr vert="horz" lIns="91440" tIns="45720" rIns="91440" bIns="45720" rtlCol="0">
-            <a:normAutofit lnSpcReduction="10000"/>
+            <a:normAutofit fontScale="92500" lnSpcReduction="10000"/>
           </a:bodyPr>
           <a:lstStyle>
             <a:lvl1pPr marL="228600" indent="-228600" algn="l" defTabSz="914400" rtl="0" eaLnBrk="1" latinLnBrk="0" hangingPunct="1">
@@ -7411,7 +7410,7 @@
               <a:buNone/>
             </a:pPr>
             <a:r>
-              <a:rPr lang="en-US" sz="3600" dirty="0" err="1">
+              <a:rPr lang="en-US" sz="3600" err="1">
                 <a:effectLst>
                   <a:outerShdw blurRad="38100" dist="38100" dir="2700000" algn="tl">
                     <a:srgbClr val="000000">
@@ -7423,7 +7422,7 @@
               </a:rPr>
               <a:t>RowsetProvider</a:t>
             </a:r>
-            <a:endParaRPr lang="en-US" sz="3600" dirty="0">
+            <a:endParaRPr lang="en-US" sz="3600">
               <a:effectLst>
                 <a:outerShdw blurRad="38100" dist="38100" dir="2700000" algn="tl">
                   <a:srgbClr val="000000">
@@ -7440,7 +7439,7 @@
               <a:buNone/>
             </a:pPr>
             <a:r>
-              <a:rPr lang="en-US" sz="3600" dirty="0" err="1">
+              <a:rPr lang="en-US" sz="3600" err="1">
                 <a:effectLst>
                   <a:outerShdw blurRad="38100" dist="38100" dir="2700000" algn="tl">
                     <a:srgbClr val="000000">
@@ -7453,7 +7452,7 @@
               <a:t>newFactory</a:t>
             </a:r>
             <a:r>
-              <a:rPr lang="en-US" sz="3600" dirty="0">
+              <a:rPr lang="en-US" sz="3600">
                 <a:effectLst>
                   <a:outerShdw blurRad="38100" dist="38100" dir="2700000" algn="tl">
                     <a:srgbClr val="000000">
@@ -7466,7 +7465,7 @@
               <a:t>().</a:t>
             </a:r>
             <a:r>
-              <a:rPr lang="en-US" sz="3600" dirty="0" err="1">
+              <a:rPr lang="en-US" sz="3600" err="1">
                 <a:effectLst>
                   <a:outerShdw blurRad="38100" dist="38100" dir="2700000" algn="tl">
                     <a:srgbClr val="000000">
@@ -7478,7 +7477,7 @@
               </a:rPr>
               <a:t>createJdbcRowSet</a:t>
             </a:r>
-            <a:endParaRPr lang="en-US" sz="3600" dirty="0">
+            <a:endParaRPr lang="en-US" sz="3600">
               <a:effectLst>
                 <a:outerShdw blurRad="38100" dist="38100" dir="2700000" algn="tl">
                   <a:srgbClr val="000000">
@@ -7494,7 +7493,7 @@
               <a:buFont typeface="Arial" panose="020B0604020202020204" pitchFamily="34" charset="0"/>
               <a:buNone/>
             </a:pPr>
-            <a:endParaRPr lang="en-US" sz="3600" dirty="0">
+            <a:endParaRPr lang="en-US" sz="3600">
               <a:effectLst>
                 <a:outerShdw blurRad="38100" dist="38100" dir="2700000" algn="tl">
                   <a:srgbClr val="000000">
@@ -7511,7 +7510,7 @@
               <a:buNone/>
             </a:pPr>
             <a:r>
-              <a:rPr lang="en-US" sz="3600" dirty="0" err="1">
+              <a:rPr lang="en-US" sz="3600" err="1">
                 <a:effectLst>
                   <a:outerShdw blurRad="38100" dist="38100" dir="2700000" algn="tl">
                     <a:srgbClr val="000000">
@@ -7523,7 +7522,7 @@
               </a:rPr>
               <a:t>RowSetListener</a:t>
             </a:r>
-            <a:endParaRPr lang="en-US" sz="3600" dirty="0">
+            <a:endParaRPr lang="en-US" sz="3600">
               <a:effectLst>
                 <a:outerShdw blurRad="38100" dist="38100" dir="2700000" algn="tl">
                   <a:srgbClr val="000000">
@@ -7540,7 +7539,7 @@
               <a:buNone/>
             </a:pPr>
             <a:r>
-              <a:rPr lang="en-US" sz="3600" dirty="0" err="1">
+              <a:rPr lang="en-US" sz="3600" err="1">
                 <a:effectLst>
                   <a:outerShdw blurRad="38100" dist="38100" dir="2700000" algn="tl">
                     <a:srgbClr val="000000">
@@ -7553,7 +7552,7 @@
               <a:t>rowSet.addRowSetListener</a:t>
             </a:r>
             <a:r>
-              <a:rPr lang="en-US" sz="3600" dirty="0">
+              <a:rPr lang="en-US" sz="3600">
                 <a:effectLst>
                   <a:outerShdw blurRad="38100" dist="38100" dir="2700000" algn="tl">
                     <a:srgbClr val="000000">
@@ -7572,7 +7571,7 @@
               <a:buNone/>
             </a:pPr>
             <a:r>
-              <a:rPr lang="en-US" sz="3600" dirty="0">
+              <a:rPr lang="en-US" sz="3600">
                 <a:effectLst>
                   <a:outerShdw blurRad="38100" dist="38100" dir="2700000" algn="tl">
                     <a:srgbClr val="000000">
@@ -7585,7 +7584,7 @@
               <a:t>public void </a:t>
             </a:r>
             <a:r>
-              <a:rPr lang="en-US" sz="3600" dirty="0" err="1">
+              <a:rPr lang="en-US" sz="3600" err="1">
                 <a:effectLst>
                   <a:outerShdw blurRad="38100" dist="38100" dir="2700000" algn="tl">
                     <a:srgbClr val="000000">
@@ -7597,7 +7596,7 @@
               </a:rPr>
               <a:t>cursorMoved</a:t>
             </a:r>
-            <a:endParaRPr lang="en-US" sz="3600" dirty="0">
+            <a:endParaRPr lang="en-US" sz="3600">
               <a:effectLst>
                 <a:outerShdw blurRad="38100" dist="38100" dir="2700000" algn="tl">
                   <a:srgbClr val="000000">
@@ -7614,7 +7613,7 @@
               <a:buNone/>
             </a:pPr>
             <a:r>
-              <a:rPr lang="en-US" sz="3600" dirty="0">
+              <a:rPr lang="en-US" sz="3600">
                 <a:effectLst>
                   <a:outerShdw blurRad="38100" dist="38100" dir="2700000" algn="tl">
                     <a:srgbClr val="000000">
@@ -7627,7 +7626,7 @@
               <a:t>public void </a:t>
             </a:r>
             <a:r>
-              <a:rPr lang="en-US" sz="3600" dirty="0" err="1">
+              <a:rPr lang="en-US" sz="3600" err="1">
                 <a:effectLst>
                   <a:outerShdw blurRad="38100" dist="38100" dir="2700000" algn="tl">
                     <a:srgbClr val="000000">
@@ -7639,7 +7638,7 @@
               </a:rPr>
               <a:t>rowChanged</a:t>
             </a:r>
-            <a:endParaRPr lang="en-US" sz="3600" dirty="0">
+            <a:endParaRPr lang="en-US" sz="3600">
               <a:effectLst>
                 <a:outerShdw blurRad="38100" dist="38100" dir="2700000" algn="tl">
                   <a:srgbClr val="000000">
@@ -7656,7 +7655,7 @@
               <a:buNone/>
             </a:pPr>
             <a:r>
-              <a:rPr lang="en-US" sz="3600" dirty="0">
+              <a:rPr lang="en-US" sz="3600">
                 <a:effectLst>
                   <a:outerShdw blurRad="38100" dist="38100" dir="2700000" algn="tl">
                     <a:srgbClr val="000000">
@@ -7669,7 +7668,7 @@
               <a:t>public void </a:t>
             </a:r>
             <a:r>
-              <a:rPr lang="en-US" sz="3600" dirty="0" err="1">
+              <a:rPr lang="en-US" sz="3600" err="1">
                 <a:effectLst>
                   <a:outerShdw blurRad="38100" dist="38100" dir="2700000" algn="tl">
                     <a:srgbClr val="000000">
@@ -7681,7 +7680,7 @@
               </a:rPr>
               <a:t>rowSetChanged</a:t>
             </a:r>
-            <a:endParaRPr lang="en-US" sz="3600" dirty="0">
+            <a:endParaRPr lang="en-US" sz="3600">
               <a:effectLst>
                 <a:outerShdw blurRad="38100" dist="38100" dir="2700000" algn="tl">
                   <a:srgbClr val="000000">
@@ -7752,7 +7751,7 @@
           <a:p>
             <a:pPr algn="ctr"/>
             <a:r>
-              <a:rPr lang="en-US" sz="5000" dirty="0">
+              <a:rPr lang="en-US" sz="5000">
                 <a:latin typeface="Sylfaen" panose="010A0502050306030303" pitchFamily="18" charset="0"/>
               </a:rPr>
               <a:t>JDBC Driver</a:t>
@@ -7891,24 +7890,24 @@
           <a:p>
             <a:pPr algn="ctr"/>
             <a:r>
-              <a:rPr lang="en-US" sz="4400" dirty="0">
+              <a:rPr lang="en-US" sz="4400">
                 <a:latin typeface="Sylfaen" panose="010A0502050306030303" pitchFamily="18" charset="0"/>
               </a:rPr>
               <a:t>Types of</a:t>
             </a:r>
             <a:r>
-              <a:rPr lang="hy-AM" sz="4400" dirty="0">
+              <a:rPr lang="hy-AM" sz="4400">
                 <a:latin typeface="Sylfaen" panose="010A0502050306030303" pitchFamily="18" charset="0"/>
               </a:rPr>
               <a:t> </a:t>
             </a:r>
             <a:r>
-              <a:rPr lang="en-US" sz="4400" dirty="0">
+              <a:rPr lang="en-US" sz="4400">
                 <a:latin typeface="Sylfaen" panose="010A0502050306030303" pitchFamily="18" charset="0"/>
               </a:rPr>
               <a:t>JDBC drivers</a:t>
             </a:r>
-            <a:endParaRPr lang="en-US" dirty="0"/>
+            <a:endParaRPr lang="en-US"/>
           </a:p>
         </p:txBody>
       </p:sp>
@@ -7944,7 +7943,7 @@
               </a:lnSpc>
             </a:pPr>
             <a:r>
-              <a:rPr lang="en-US" sz="3600" dirty="0">
+              <a:rPr lang="en-US" sz="3600">
                 <a:effectLst>
                   <a:outerShdw blurRad="38100" dist="38100" dir="2700000" algn="tl">
                     <a:srgbClr val="000000">
@@ -7964,7 +7963,7 @@
               </a:lnSpc>
             </a:pPr>
             <a:r>
-              <a:rPr lang="en-US" sz="3600" dirty="0">
+              <a:rPr lang="en-US" sz="3600">
                 <a:effectLst>
                   <a:outerShdw blurRad="38100" dist="38100" dir="2700000" algn="tl">
                     <a:srgbClr val="000000">
@@ -7984,7 +7983,7 @@
               </a:lnSpc>
             </a:pPr>
             <a:r>
-              <a:rPr lang="en-US" sz="3600" dirty="0">
+              <a:rPr lang="en-US" sz="3600">
                 <a:effectLst>
                   <a:outerShdw blurRad="38100" dist="38100" dir="2700000" algn="tl">
                     <a:srgbClr val="000000">
@@ -8004,7 +8003,7 @@
               </a:lnSpc>
             </a:pPr>
             <a:r>
-              <a:rPr lang="en-US" sz="3600" dirty="0">
+              <a:rPr lang="en-US" sz="3600">
                 <a:effectLst>
                   <a:outerShdw blurRad="38100" dist="38100" dir="2700000" algn="tl">
                     <a:srgbClr val="000000">
@@ -8180,7 +8179,7 @@
           <a:p>
             <a:pPr algn="ctr"/>
             <a:r>
-              <a:rPr lang="en-US" dirty="0">
+              <a:rPr lang="en-US">
                 <a:latin typeface="Sylfaen" panose="010A0502050306030303" pitchFamily="18" charset="0"/>
               </a:rPr>
               <a:t>Java Database Connectivity Steps</a:t>
@@ -8424,7 +8423,7 @@
               </a:lnSpc>
               <a:buNone/>
             </a:pPr>
-            <a:endParaRPr lang="en-US" sz="3600" dirty="0">
+            <a:endParaRPr lang="en-US" sz="3600">
               <a:effectLst>
                 <a:outerShdw blurRad="38100" dist="38100" dir="2700000" algn="tl">
                   <a:srgbClr val="000000">
@@ -8473,7 +8472,7 @@
               <a:buAutoNum type="arabicPeriod"/>
             </a:pPr>
             <a:r>
-              <a:rPr lang="en-US" sz="3600" dirty="0">
+              <a:rPr lang="en-US" sz="3600">
                 <a:effectLst>
                   <a:outerShdw blurRad="38100" dist="38100" dir="2700000" algn="tl">
                     <a:srgbClr val="000000">
@@ -8495,7 +8494,7 @@
               <a:buAutoNum type="arabicPeriod"/>
             </a:pPr>
             <a:r>
-              <a:rPr lang="en-US" sz="3600" dirty="0">
+              <a:rPr lang="en-US" sz="3600">
                 <a:effectLst>
                   <a:outerShdw blurRad="38100" dist="38100" dir="2700000" algn="tl">
                     <a:srgbClr val="000000">
@@ -8517,7 +8516,7 @@
               <a:buAutoNum type="arabicPeriod"/>
             </a:pPr>
             <a:r>
-              <a:rPr lang="en-US" sz="3600" dirty="0">
+              <a:rPr lang="en-US" sz="3600">
                 <a:effectLst>
                   <a:outerShdw blurRad="38100" dist="38100" dir="2700000" algn="tl">
                     <a:srgbClr val="000000">
@@ -8539,7 +8538,7 @@
               <a:buAutoNum type="arabicPeriod"/>
             </a:pPr>
             <a:r>
-              <a:rPr lang="en-US" sz="3600" dirty="0">
+              <a:rPr lang="en-US" sz="3600">
                 <a:effectLst>
                   <a:outerShdw blurRad="38100" dist="38100" dir="2700000" algn="tl">
                     <a:srgbClr val="000000">
@@ -8561,7 +8560,7 @@
               <a:buAutoNum type="arabicPeriod"/>
             </a:pPr>
             <a:r>
-              <a:rPr lang="en-US" sz="3600" dirty="0">
+              <a:rPr lang="en-US" sz="3600">
                 <a:effectLst>
                   <a:outerShdw blurRad="38100" dist="38100" dir="2700000" algn="tl">
                     <a:srgbClr val="000000">
@@ -8634,13 +8633,13 @@
           <a:p>
             <a:pPr algn="ctr"/>
             <a:r>
-              <a:rPr lang="en-US" dirty="0" err="1">
+              <a:rPr lang="en-US" err="1">
                 <a:latin typeface="Sylfaen" panose="010A0502050306030303" pitchFamily="18" charset="0"/>
               </a:rPr>
               <a:t>DriverManager</a:t>
             </a:r>
             <a:r>
-              <a:rPr lang="en-US" dirty="0">
+              <a:rPr lang="en-US">
                 <a:latin typeface="Sylfaen" panose="010A0502050306030303" pitchFamily="18" charset="0"/>
               </a:rPr>
               <a:t> class</a:t>
@@ -8683,7 +8682,7 @@
               <a:buNone/>
             </a:pPr>
             <a:r>
-              <a:rPr lang="en-US" sz="3000" dirty="0">
+              <a:rPr lang="en-US" sz="3000">
                 <a:effectLst>
                   <a:outerShdw blurRad="38100" dist="38100" dir="2700000" algn="tl">
                     <a:srgbClr val="000000">
@@ -8696,7 +8695,7 @@
               <a:t>public static synchronized void </a:t>
             </a:r>
             <a:r>
-              <a:rPr lang="en-US" sz="3000" dirty="0" err="1">
+              <a:rPr lang="en-US" sz="3000" err="1">
                 <a:effectLst>
                   <a:outerShdw blurRad="38100" dist="38100" dir="2700000" algn="tl">
                     <a:srgbClr val="000000">
@@ -8709,7 +8708,7 @@
               <a:t>registerDriver</a:t>
             </a:r>
             <a:r>
-              <a:rPr lang="en-US" sz="3000" dirty="0">
+              <a:rPr lang="en-US" sz="3000">
                 <a:effectLst>
                   <a:outerShdw blurRad="38100" dist="38100" dir="2700000" algn="tl">
                     <a:srgbClr val="000000">
@@ -8730,7 +8729,7 @@
               <a:buNone/>
             </a:pPr>
             <a:r>
-              <a:rPr lang="en-US" sz="3000" dirty="0">
+              <a:rPr lang="en-US" sz="3000">
                 <a:effectLst>
                   <a:outerShdw blurRad="38100" dist="38100" dir="2700000" algn="tl">
                     <a:srgbClr val="000000">
@@ -8743,7 +8742,7 @@
               <a:t>public static synchronized void </a:t>
             </a:r>
             <a:r>
-              <a:rPr lang="en-US" sz="3000" dirty="0" err="1">
+              <a:rPr lang="en-US" sz="3000" err="1">
                 <a:effectLst>
                   <a:outerShdw blurRad="38100" dist="38100" dir="2700000" algn="tl">
                     <a:srgbClr val="000000">
@@ -8756,7 +8755,7 @@
               <a:t>deRegisterDriver</a:t>
             </a:r>
             <a:r>
-              <a:rPr lang="en-US" sz="3000" dirty="0">
+              <a:rPr lang="en-US" sz="3000">
                 <a:effectLst>
                   <a:outerShdw blurRad="38100" dist="38100" dir="2700000" algn="tl">
                     <a:srgbClr val="000000">
@@ -8777,7 +8776,7 @@
               <a:buNone/>
             </a:pPr>
             <a:r>
-              <a:rPr lang="en-US" sz="3000" dirty="0">
+              <a:rPr lang="en-US" sz="3000">
                 <a:effectLst>
                   <a:outerShdw blurRad="38100" dist="38100" dir="2700000" algn="tl">
                     <a:srgbClr val="000000">
@@ -8790,7 +8789,7 @@
               <a:t>public static Connection </a:t>
             </a:r>
             <a:r>
-              <a:rPr lang="en-US" sz="3000" dirty="0" err="1">
+              <a:rPr lang="en-US" sz="3000" err="1">
                 <a:effectLst>
                   <a:outerShdw blurRad="38100" dist="38100" dir="2700000" algn="tl">
                     <a:srgbClr val="000000">
@@ -8803,7 +8802,7 @@
               <a:t>getConnection</a:t>
             </a:r>
             <a:r>
-              <a:rPr lang="en-US" sz="3000" dirty="0">
+              <a:rPr lang="en-US" sz="3000">
                 <a:effectLst>
                   <a:outerShdw blurRad="38100" dist="38100" dir="2700000" algn="tl">
                     <a:srgbClr val="000000">
@@ -8816,7 +8815,7 @@
               <a:t>(String </a:t>
             </a:r>
             <a:r>
-              <a:rPr lang="en-US" sz="3000" dirty="0" err="1">
+              <a:rPr lang="en-US" sz="3000" err="1">
                 <a:effectLst>
                   <a:outerShdw blurRad="38100" dist="38100" dir="2700000" algn="tl">
                     <a:srgbClr val="000000">
@@ -8829,7 +8828,7 @@
               <a:t>url</a:t>
             </a:r>
             <a:r>
-              <a:rPr lang="en-US" sz="3000" dirty="0">
+              <a:rPr lang="en-US" sz="3000">
                 <a:effectLst>
                   <a:outerShdw blurRad="38100" dist="38100" dir="2700000" algn="tl">
                     <a:srgbClr val="000000">
@@ -8850,7 +8849,7 @@
               <a:buNone/>
             </a:pPr>
             <a:r>
-              <a:rPr lang="en-US" sz="3000" dirty="0">
+              <a:rPr lang="en-US" sz="3000">
                 <a:effectLst>
                   <a:outerShdw blurRad="38100" dist="38100" dir="2700000" algn="tl">
                     <a:srgbClr val="000000">
@@ -8863,7 +8862,7 @@
               <a:t>public static Driver </a:t>
             </a:r>
             <a:r>
-              <a:rPr lang="en-US" sz="3000" dirty="0" err="1">
+              <a:rPr lang="en-US" sz="3000" err="1">
                 <a:effectLst>
                   <a:outerShdw blurRad="38100" dist="38100" dir="2700000" algn="tl">
                     <a:srgbClr val="000000">
@@ -8876,7 +8875,7 @@
               <a:t>getDriver</a:t>
             </a:r>
             <a:r>
-              <a:rPr lang="en-US" sz="3000" dirty="0">
+              <a:rPr lang="en-US" sz="3000">
                 <a:effectLst>
                   <a:outerShdw blurRad="38100" dist="38100" dir="2700000" algn="tl">
                     <a:srgbClr val="000000">
@@ -8889,7 +8888,7 @@
               <a:t>(String </a:t>
             </a:r>
             <a:r>
-              <a:rPr lang="en-US" sz="3000" dirty="0" err="1">
+              <a:rPr lang="en-US" sz="3000" err="1">
                 <a:effectLst>
                   <a:outerShdw blurRad="38100" dist="38100" dir="2700000" algn="tl">
                     <a:srgbClr val="000000">
@@ -8902,7 +8901,7 @@
               <a:t>url</a:t>
             </a:r>
             <a:r>
-              <a:rPr lang="en-US" sz="3000" dirty="0">
+              <a:rPr lang="en-US" sz="3000">
                 <a:effectLst>
                   <a:outerShdw blurRad="38100" dist="38100" dir="2700000" algn="tl">
                     <a:srgbClr val="000000">
@@ -8923,7 +8922,7 @@
               <a:buNone/>
             </a:pPr>
             <a:r>
-              <a:rPr lang="en-US" sz="3000" dirty="0">
+              <a:rPr lang="en-US" sz="3000">
                 <a:effectLst>
                   <a:outerShdw blurRad="38100" dist="38100" dir="2700000" algn="tl">
                     <a:srgbClr val="000000">
@@ -8936,7 +8935,7 @@
               <a:t>pubic static int </a:t>
             </a:r>
             <a:r>
-              <a:rPr lang="en-US" sz="3000" dirty="0" err="1">
+              <a:rPr lang="en-US" sz="3000" err="1">
                 <a:effectLst>
                   <a:outerShdw blurRad="38100" dist="38100" dir="2700000" algn="tl">
                     <a:srgbClr val="000000">
@@ -8949,7 +8948,7 @@
               <a:t>getLoginTimeout</a:t>
             </a:r>
             <a:r>
-              <a:rPr lang="en-US" sz="3000" dirty="0">
+              <a:rPr lang="en-US" sz="3000">
                 <a:effectLst>
                   <a:outerShdw blurRad="38100" dist="38100" dir="2700000" algn="tl">
                     <a:srgbClr val="000000">
@@ -8970,7 +8969,7 @@
               <a:buNone/>
             </a:pPr>
             <a:r>
-              <a:rPr lang="en-US" sz="3000" dirty="0">
+              <a:rPr lang="en-US" sz="3000">
                 <a:effectLst>
                   <a:outerShdw blurRad="38100" dist="38100" dir="2700000" algn="tl">
                     <a:srgbClr val="000000">
@@ -8983,7 +8982,7 @@
               <a:t>pubic static void </a:t>
             </a:r>
             <a:r>
-              <a:rPr lang="en-US" sz="3000" dirty="0" err="1">
+              <a:rPr lang="en-US" sz="3000" err="1">
                 <a:effectLst>
                   <a:outerShdw blurRad="38100" dist="38100" dir="2700000" algn="tl">
                     <a:srgbClr val="000000">
@@ -8996,7 +8995,7 @@
               <a:t>setLoginTimeout</a:t>
             </a:r>
             <a:r>
-              <a:rPr lang="en-US" sz="3000" dirty="0">
+              <a:rPr lang="en-US" sz="3000">
                 <a:effectLst>
                   <a:outerShdw blurRad="38100" dist="38100" dir="2700000" algn="tl">
                     <a:srgbClr val="000000">
@@ -9107,12 +9106,12 @@
           <a:p>
             <a:pPr algn="ctr"/>
             <a:r>
-              <a:rPr lang="en-US" dirty="0">
+              <a:rPr lang="en-US">
                 <a:latin typeface="Sylfaen" panose="010A0502050306030303" pitchFamily="18" charset="0"/>
               </a:rPr>
               <a:t>Connection interface</a:t>
             </a:r>
-            <a:endParaRPr lang="en-US" dirty="0"/>
+            <a:endParaRPr lang="en-US"/>
           </a:p>
         </p:txBody>
       </p:sp>
@@ -9151,7 +9150,7 @@
               <a:buNone/>
             </a:pPr>
             <a:r>
-              <a:rPr lang="en-US" sz="3000" dirty="0">
+              <a:rPr lang="en-US" sz="3000">
                 <a:effectLst>
                   <a:outerShdw blurRad="38100" dist="38100" dir="2700000" algn="tl">
                     <a:srgbClr val="000000">
@@ -9164,7 +9163,7 @@
               <a:t>public Statement </a:t>
             </a:r>
             <a:r>
-              <a:rPr lang="en-US" sz="3000" dirty="0" err="1">
+              <a:rPr lang="en-US" sz="3000" err="1">
                 <a:effectLst>
                   <a:outerShdw blurRad="38100" dist="38100" dir="2700000" algn="tl">
                     <a:srgbClr val="000000">
@@ -9177,7 +9176,7 @@
               <a:t>createStatement</a:t>
             </a:r>
             <a:r>
-              <a:rPr lang="en-US" sz="3000" dirty="0">
+              <a:rPr lang="en-US" sz="3000">
                 <a:effectLst>
                   <a:outerShdw blurRad="38100" dist="38100" dir="2700000" algn="tl">
                     <a:srgbClr val="000000">
@@ -9189,7 +9188,7 @@
               </a:rPr>
               <a:t>()</a:t>
             </a:r>
-            <a:endParaRPr lang="hy-AM" sz="3000" dirty="0">
+            <a:endParaRPr lang="hy-AM" sz="3000">
               <a:effectLst>
                 <a:outerShdw blurRad="38100" dist="38100" dir="2700000" algn="tl">
                   <a:srgbClr val="000000">
@@ -9208,7 +9207,7 @@
               <a:buNone/>
             </a:pPr>
             <a:r>
-              <a:rPr lang="en-US" sz="3000" dirty="0">
+              <a:rPr lang="en-US" sz="3000">
                 <a:effectLst>
                   <a:outerShdw blurRad="38100" dist="38100" dir="2700000" algn="tl">
                     <a:srgbClr val="000000">
@@ -9221,7 +9220,7 @@
               <a:t>public </a:t>
             </a:r>
             <a:r>
-              <a:rPr lang="en-US" sz="3000" dirty="0" err="1">
+              <a:rPr lang="en-US" sz="3000" err="1">
                 <a:effectLst>
                   <a:outerShdw blurRad="38100" dist="38100" dir="2700000" algn="tl">
                     <a:srgbClr val="000000">
@@ -9234,7 +9233,7 @@
               <a:t>PreparedStatement</a:t>
             </a:r>
             <a:r>
-              <a:rPr lang="en-US" sz="3000" dirty="0">
+              <a:rPr lang="en-US" sz="3000">
                 <a:effectLst>
                   <a:outerShdw blurRad="38100" dist="38100" dir="2700000" algn="tl">
                     <a:srgbClr val="000000">
@@ -9247,7 +9246,7 @@
               <a:t> </a:t>
             </a:r>
             <a:r>
-              <a:rPr lang="en-US" sz="3000" dirty="0" err="1">
+              <a:rPr lang="en-US" sz="3000" err="1">
                 <a:effectLst>
                   <a:outerShdw blurRad="38100" dist="38100" dir="2700000" algn="tl">
                     <a:srgbClr val="000000">
@@ -9260,7 +9259,7 @@
               <a:t>preparedStatement</a:t>
             </a:r>
             <a:r>
-              <a:rPr lang="en-US" sz="3000" dirty="0">
+              <a:rPr lang="en-US" sz="3000">
                 <a:effectLst>
                   <a:outerShdw blurRad="38100" dist="38100" dir="2700000" algn="tl">
                     <a:srgbClr val="000000">
@@ -9281,7 +9280,7 @@
               <a:buNone/>
             </a:pPr>
             <a:r>
-              <a:rPr lang="en-US" sz="3000" dirty="0">
+              <a:rPr lang="en-US" sz="3000">
                 <a:effectLst>
                   <a:outerShdw blurRad="38100" dist="38100" dir="2700000" algn="tl">
                     <a:srgbClr val="000000">
@@ -9294,7 +9293,7 @@
               <a:t>public </a:t>
             </a:r>
             <a:r>
-              <a:rPr lang="en-US" sz="3000" dirty="0" err="1">
+              <a:rPr lang="en-US" sz="3000" err="1">
                 <a:effectLst>
                   <a:outerShdw blurRad="38100" dist="38100" dir="2700000" algn="tl">
                     <a:srgbClr val="000000">
@@ -9307,7 +9306,7 @@
               <a:t>DatabaseMetadata</a:t>
             </a:r>
             <a:r>
-              <a:rPr lang="en-US" sz="3000" dirty="0">
+              <a:rPr lang="en-US" sz="3000">
                 <a:effectLst>
                   <a:outerShdw blurRad="38100" dist="38100" dir="2700000" algn="tl">
                     <a:srgbClr val="000000">
@@ -9320,7 +9319,7 @@
               <a:t> </a:t>
             </a:r>
             <a:r>
-              <a:rPr lang="en-US" sz="3000" dirty="0" err="1">
+              <a:rPr lang="en-US" sz="3000" err="1">
                 <a:effectLst>
                   <a:outerShdw blurRad="38100" dist="38100" dir="2700000" algn="tl">
                     <a:srgbClr val="000000">
@@ -9333,7 +9332,7 @@
               <a:t>getMetadata</a:t>
             </a:r>
             <a:r>
-              <a:rPr lang="en-US" sz="3000" dirty="0">
+              <a:rPr lang="en-US" sz="3000">
                 <a:effectLst>
                   <a:outerShdw blurRad="38100" dist="38100" dir="2700000" algn="tl">
                     <a:srgbClr val="000000">
@@ -9345,7 +9344,7 @@
               </a:rPr>
               <a:t>()</a:t>
             </a:r>
-            <a:endParaRPr lang="ru-RU" sz="3000" dirty="0">
+            <a:endParaRPr lang="ru-RU" sz="3000">
               <a:effectLst>
                 <a:outerShdw blurRad="38100" dist="38100" dir="2700000" algn="tl">
                   <a:srgbClr val="000000">
@@ -9364,7 +9363,7 @@
               <a:buNone/>
             </a:pPr>
             <a:r>
-              <a:rPr lang="en-US" sz="3000" dirty="0">
+              <a:rPr lang="en-US" sz="3000">
                 <a:effectLst>
                   <a:outerShdw blurRad="38100" dist="38100" dir="2700000" algn="tl">
                     <a:srgbClr val="000000">
@@ -9385,7 +9384,7 @@
               <a:buNone/>
             </a:pPr>
             <a:r>
-              <a:rPr lang="en-US" sz="3000" dirty="0">
+              <a:rPr lang="en-US" sz="3000">
                 <a:effectLst>
                   <a:outerShdw blurRad="38100" dist="38100" dir="2700000" algn="tl">
                     <a:srgbClr val="000000">
@@ -9398,7 +9397,7 @@
               <a:t>public void </a:t>
             </a:r>
             <a:r>
-              <a:rPr lang="en-US" sz="3000" dirty="0" err="1">
+              <a:rPr lang="en-US" sz="3000" err="1">
                 <a:effectLst>
                   <a:outerShdw blurRad="38100" dist="38100" dir="2700000" algn="tl">
                     <a:srgbClr val="000000">
@@ -9411,7 +9410,7 @@
               <a:t>setAutoCommit</a:t>
             </a:r>
             <a:r>
-              <a:rPr lang="en-US" sz="3000" dirty="0">
+              <a:rPr lang="en-US" sz="3000">
                 <a:effectLst>
                   <a:outerShdw blurRad="38100" dist="38100" dir="2700000" algn="tl">
                     <a:srgbClr val="000000">
@@ -9424,7 +9423,7 @@
               <a:t>(</a:t>
             </a:r>
             <a:r>
-              <a:rPr lang="en-US" sz="3000" dirty="0" err="1">
+              <a:rPr lang="en-US" sz="3000" err="1">
                 <a:effectLst>
                   <a:outerShdw blurRad="38100" dist="38100" dir="2700000" algn="tl">
                     <a:srgbClr val="000000">
@@ -9437,7 +9436,7 @@
               <a:t>boolean</a:t>
             </a:r>
             <a:r>
-              <a:rPr lang="en-US" sz="3000" dirty="0">
+              <a:rPr lang="en-US" sz="3000">
                 <a:effectLst>
                   <a:outerShdw blurRad="38100" dist="38100" dir="2700000" algn="tl">
                     <a:srgbClr val="000000">
@@ -9458,7 +9457,7 @@
               <a:buNone/>
             </a:pPr>
             <a:r>
-              <a:rPr lang="en-US" sz="3000" dirty="0">
+              <a:rPr lang="en-US" sz="3000">
                 <a:effectLst>
                   <a:outerShdw blurRad="38100" dist="38100" dir="2700000" algn="tl">
                     <a:srgbClr val="000000">
@@ -9479,7 +9478,7 @@
               <a:buNone/>
             </a:pPr>
             <a:r>
-              <a:rPr lang="en-US" sz="3000" dirty="0">
+              <a:rPr lang="en-US" sz="3000">
                 <a:effectLst>
                   <a:outerShdw blurRad="38100" dist="38100" dir="2700000" algn="tl">
                     <a:srgbClr val="000000">
@@ -9496,7 +9495,7 @@
             <a:pPr marL="0" indent="0">
               <a:buNone/>
             </a:pPr>
-            <a:endParaRPr lang="en-US" dirty="0"/>
+            <a:endParaRPr lang="en-US"/>
           </a:p>
         </p:txBody>
       </p:sp>
@@ -9596,12 +9595,12 @@
           <a:p>
             <a:pPr algn="ctr"/>
             <a:r>
-              <a:rPr lang="en-US" dirty="0">
+              <a:rPr lang="en-US">
                 <a:latin typeface="Sylfaen" panose="010A0502050306030303" pitchFamily="18" charset="0"/>
               </a:rPr>
               <a:t>Statement interface</a:t>
             </a:r>
-            <a:endParaRPr lang="en-US" dirty="0"/>
+            <a:endParaRPr lang="en-US"/>
           </a:p>
         </p:txBody>
       </p:sp>
@@ -9649,7 +9648,7 @@
               <a:defRPr/>
             </a:pPr>
             <a:r>
-              <a:rPr lang="en-US" sz="3000" kern="1200" dirty="0">
+              <a:rPr lang="en-US" sz="3000" kern="1200">
                 <a:solidFill>
                   <a:schemeClr val="tx1"/>
                 </a:solidFill>
@@ -9667,7 +9666,7 @@
               <a:t>public </a:t>
             </a:r>
             <a:r>
-              <a:rPr lang="en-US" sz="3000" kern="1200" dirty="0" err="1">
+              <a:rPr lang="en-US" sz="3000" kern="1200" err="1">
                 <a:solidFill>
                   <a:schemeClr val="tx1"/>
                 </a:solidFill>
@@ -9685,7 +9684,7 @@
               <a:t>ResultSet</a:t>
             </a:r>
             <a:r>
-              <a:rPr lang="en-US" sz="3000" kern="1200" dirty="0">
+              <a:rPr lang="en-US" sz="3000" kern="1200">
                 <a:solidFill>
                   <a:schemeClr val="tx1"/>
                 </a:solidFill>
@@ -9703,7 +9702,7 @@
               <a:t> </a:t>
             </a:r>
             <a:r>
-              <a:rPr lang="en-US" sz="3000" kern="1200" dirty="0" err="1">
+              <a:rPr lang="en-US" sz="3000" kern="1200" err="1">
                 <a:solidFill>
                   <a:schemeClr val="tx1"/>
                 </a:solidFill>
@@ -9721,7 +9720,7 @@
               <a:t>executeQuery</a:t>
             </a:r>
             <a:r>
-              <a:rPr lang="en-US" sz="3000" kern="1200" dirty="0">
+              <a:rPr lang="en-US" sz="3000" kern="1200">
                 <a:solidFill>
                   <a:schemeClr val="tx1"/>
                 </a:solidFill>
@@ -9739,7 +9738,7 @@
               <a:t>(String </a:t>
             </a:r>
             <a:r>
-              <a:rPr lang="en-US" sz="3000" kern="1200" dirty="0" err="1">
+              <a:rPr lang="en-US" sz="3000" kern="1200" err="1">
                 <a:solidFill>
                   <a:schemeClr val="tx1"/>
                 </a:solidFill>
@@ -9757,7 +9756,7 @@
               <a:t>sql</a:t>
             </a:r>
             <a:r>
-              <a:rPr lang="en-US" sz="3000" kern="1200" dirty="0">
+              <a:rPr lang="en-US" sz="3000" kern="1200">
                 <a:solidFill>
                   <a:schemeClr val="tx1"/>
                 </a:solidFill>
@@ -9794,7 +9793,7 @@
               <a:defRPr/>
             </a:pPr>
             <a:r>
-              <a:rPr lang="en-US" sz="3000" kern="1200" dirty="0">
+              <a:rPr lang="en-US" sz="3000" kern="1200">
                 <a:solidFill>
                   <a:schemeClr val="tx1"/>
                 </a:solidFill>
@@ -9812,7 +9811,7 @@
               <a:t>public int </a:t>
             </a:r>
             <a:r>
-              <a:rPr lang="en-US" sz="3000" kern="1200" dirty="0" err="1">
+              <a:rPr lang="en-US" sz="3000" kern="1200" err="1">
                 <a:solidFill>
                   <a:schemeClr val="tx1"/>
                 </a:solidFill>
@@ -9830,7 +9829,7 @@
               <a:t>executeUpdate</a:t>
             </a:r>
             <a:r>
-              <a:rPr lang="en-US" sz="3000" kern="1200" dirty="0">
+              <a:rPr lang="en-US" sz="3000" kern="1200">
                 <a:solidFill>
                   <a:schemeClr val="tx1"/>
                 </a:solidFill>
@@ -9848,7 +9847,7 @@
               <a:t>(String </a:t>
             </a:r>
             <a:r>
-              <a:rPr lang="en-US" sz="3000" kern="1200" dirty="0" err="1">
+              <a:rPr lang="en-US" sz="3000" kern="1200" err="1">
                 <a:solidFill>
                   <a:schemeClr val="tx1"/>
                 </a:solidFill>
@@ -9866,7 +9865,7 @@
               <a:t>sql</a:t>
             </a:r>
             <a:r>
-              <a:rPr lang="en-US" sz="3000" kern="1200" dirty="0">
+              <a:rPr lang="en-US" sz="3000" kern="1200">
                 <a:solidFill>
                   <a:schemeClr val="tx1"/>
                 </a:solidFill>
@@ -9903,7 +9902,7 @@
               <a:defRPr/>
             </a:pPr>
             <a:r>
-              <a:rPr lang="en-US" sz="3000" kern="1200" dirty="0">
+              <a:rPr lang="en-US" sz="3000" kern="1200">
                 <a:solidFill>
                   <a:schemeClr val="tx1"/>
                 </a:solidFill>
@@ -9921,7 +9920,7 @@
               <a:t>public </a:t>
             </a:r>
             <a:r>
-              <a:rPr lang="en-US" sz="3000" kern="1200" dirty="0" err="1">
+              <a:rPr lang="en-US" sz="3000" kern="1200" err="1">
                 <a:solidFill>
                   <a:schemeClr val="tx1"/>
                 </a:solidFill>
@@ -9939,7 +9938,7 @@
               <a:t>boolean</a:t>
             </a:r>
             <a:r>
-              <a:rPr lang="en-US" sz="3000" kern="1200" dirty="0">
+              <a:rPr lang="en-US" sz="3000" kern="1200">
                 <a:solidFill>
                   <a:schemeClr val="tx1"/>
                 </a:solidFill>
@@ -9957,7 +9956,7 @@
               <a:t> execute(String </a:t>
             </a:r>
             <a:r>
-              <a:rPr lang="en-US" sz="3000" kern="1200" dirty="0" err="1">
+              <a:rPr lang="en-US" sz="3000" kern="1200" err="1">
                 <a:solidFill>
                   <a:schemeClr val="tx1"/>
                 </a:solidFill>
@@ -9975,7 +9974,7 @@
               <a:t>sql</a:t>
             </a:r>
             <a:r>
-              <a:rPr lang="en-US" sz="3000" kern="1200" dirty="0">
+              <a:rPr lang="en-US" sz="3000" kern="1200">
                 <a:solidFill>
                   <a:schemeClr val="tx1"/>
                 </a:solidFill>
@@ -9992,7 +9991,7 @@
               </a:rPr>
               <a:t>)</a:t>
             </a:r>
-            <a:endParaRPr lang="en-US" dirty="0"/>
+            <a:endParaRPr lang="en-US"/>
           </a:p>
         </p:txBody>
       </p:sp>
@@ -10092,18 +10091,18 @@
           <a:p>
             <a:pPr algn="ctr"/>
             <a:r>
-              <a:rPr lang="en-US" dirty="0" err="1">
+              <a:rPr lang="en-US" err="1">
                 <a:latin typeface="Sylfaen" panose="010A0502050306030303" pitchFamily="18" charset="0"/>
               </a:rPr>
               <a:t>ResultSet</a:t>
             </a:r>
             <a:r>
-              <a:rPr lang="en-US" dirty="0">
+              <a:rPr lang="en-US">
                 <a:latin typeface="Sylfaen" panose="010A0502050306030303" pitchFamily="18" charset="0"/>
               </a:rPr>
               <a:t> interface</a:t>
             </a:r>
-            <a:endParaRPr lang="en-US" dirty="0"/>
+            <a:endParaRPr lang="en-US"/>
           </a:p>
         </p:txBody>
       </p:sp>
@@ -10142,7 +10141,7 @@
               <a:buNone/>
             </a:pPr>
             <a:r>
-              <a:rPr lang="en-US" sz="3000" dirty="0">
+              <a:rPr lang="en-US" sz="3000">
                 <a:effectLst>
                   <a:outerShdw blurRad="38100" dist="38100" dir="2700000" algn="tl">
                     <a:srgbClr val="000000">
@@ -10155,7 +10154,7 @@
               <a:t>public </a:t>
             </a:r>
             <a:r>
-              <a:rPr lang="en-US" sz="3000" dirty="0" err="1">
+              <a:rPr lang="en-US" sz="3000" err="1">
                 <a:effectLst>
                   <a:outerShdw blurRad="38100" dist="38100" dir="2700000" algn="tl">
                     <a:srgbClr val="000000">
@@ -10168,7 +10167,7 @@
               <a:t>boolean</a:t>
             </a:r>
             <a:r>
-              <a:rPr lang="en-US" sz="3000" dirty="0">
+              <a:rPr lang="en-US" sz="3000">
                 <a:effectLst>
                   <a:outerShdw blurRad="38100" dist="38100" dir="2700000" algn="tl">
                     <a:srgbClr val="000000">
@@ -10189,7 +10188,7 @@
               <a:buNone/>
             </a:pPr>
             <a:r>
-              <a:rPr lang="en-US" sz="3000" dirty="0">
+              <a:rPr lang="en-US" sz="3000">
                 <a:effectLst>
                   <a:outerShdw blurRad="38100" dist="38100" dir="2700000" algn="tl">
                     <a:srgbClr val="000000">
@@ -10202,7 +10201,7 @@
               <a:t>public </a:t>
             </a:r>
             <a:r>
-              <a:rPr lang="en-US" sz="3000" dirty="0" err="1">
+              <a:rPr lang="en-US" sz="3000" err="1">
                 <a:effectLst>
                   <a:outerShdw blurRad="38100" dist="38100" dir="2700000" algn="tl">
                     <a:srgbClr val="000000">
@@ -10215,7 +10214,7 @@
               <a:t>boolean</a:t>
             </a:r>
             <a:r>
-              <a:rPr lang="en-US" sz="3000" dirty="0">
+              <a:rPr lang="en-US" sz="3000">
                 <a:effectLst>
                   <a:outerShdw blurRad="38100" dist="38100" dir="2700000" algn="tl">
                     <a:srgbClr val="000000">
@@ -10236,7 +10235,7 @@
               <a:buNone/>
             </a:pPr>
             <a:r>
-              <a:rPr lang="en-US" sz="3000" dirty="0">
+              <a:rPr lang="en-US" sz="3000">
                 <a:effectLst>
                   <a:outerShdw blurRad="38100" dist="38100" dir="2700000" algn="tl">
                     <a:srgbClr val="000000">
@@ -10249,7 +10248,7 @@
               <a:t>public </a:t>
             </a:r>
             <a:r>
-              <a:rPr lang="en-US" sz="3000" dirty="0" err="1">
+              <a:rPr lang="en-US" sz="3000" err="1">
                 <a:effectLst>
                   <a:outerShdw blurRad="38100" dist="38100" dir="2700000" algn="tl">
                     <a:srgbClr val="000000">
@@ -10262,7 +10261,7 @@
               <a:t>boolean</a:t>
             </a:r>
             <a:r>
-              <a:rPr lang="en-US" sz="3000" dirty="0">
+              <a:rPr lang="en-US" sz="3000">
                 <a:effectLst>
                   <a:outerShdw blurRad="38100" dist="38100" dir="2700000" algn="tl">
                     <a:srgbClr val="000000">
@@ -10283,7 +10282,7 @@
               <a:buNone/>
             </a:pPr>
             <a:r>
-              <a:rPr lang="en-US" sz="3000" dirty="0">
+              <a:rPr lang="en-US" sz="3000">
                 <a:effectLst>
                   <a:outerShdw blurRad="38100" dist="38100" dir="2700000" algn="tl">
                     <a:srgbClr val="000000">
@@ -10296,7 +10295,7 @@
               <a:t>public </a:t>
             </a:r>
             <a:r>
-              <a:rPr lang="en-US" sz="3000" dirty="0" err="1">
+              <a:rPr lang="en-US" sz="3000" err="1">
                 <a:effectLst>
                   <a:outerShdw blurRad="38100" dist="38100" dir="2700000" algn="tl">
                     <a:srgbClr val="000000">
@@ -10309,7 +10308,7 @@
               <a:t>boolean</a:t>
             </a:r>
             <a:r>
-              <a:rPr lang="en-US" sz="3000" dirty="0">
+              <a:rPr lang="en-US" sz="3000">
                 <a:effectLst>
                   <a:outerShdw blurRad="38100" dist="38100" dir="2700000" algn="tl">
                     <a:srgbClr val="000000">
@@ -10330,7 +10329,7 @@
               <a:buNone/>
             </a:pPr>
             <a:r>
-              <a:rPr lang="en-US" sz="3000" dirty="0">
+              <a:rPr lang="en-US" sz="3000">
                 <a:effectLst>
                   <a:outerShdw blurRad="38100" dist="38100" dir="2700000" algn="tl">
                     <a:srgbClr val="000000">
@@ -10343,7 +10342,7 @@
               <a:t>public </a:t>
             </a:r>
             <a:r>
-              <a:rPr lang="en-US" sz="3000" dirty="0" err="1">
+              <a:rPr lang="en-US" sz="3000" err="1">
                 <a:effectLst>
                   <a:outerShdw blurRad="38100" dist="38100" dir="2700000" algn="tl">
                     <a:srgbClr val="000000">
@@ -10356,7 +10355,7 @@
               <a:t>boolean</a:t>
             </a:r>
             <a:r>
-              <a:rPr lang="en-US" sz="3000" dirty="0">
+              <a:rPr lang="en-US" sz="3000">
                 <a:effectLst>
                   <a:outerShdw blurRad="38100" dist="38100" dir="2700000" algn="tl">
                     <a:srgbClr val="000000">
@@ -10377,7 +10376,7 @@
               <a:buNone/>
             </a:pPr>
             <a:r>
-              <a:rPr lang="en-US" sz="3000" dirty="0">
+              <a:rPr lang="en-US" sz="3000">
                 <a:effectLst>
                   <a:outerShdw blurRad="38100" dist="38100" dir="2700000" algn="tl">
                     <a:srgbClr val="000000">
@@ -10390,7 +10389,7 @@
               <a:t>public </a:t>
             </a:r>
             <a:r>
-              <a:rPr lang="en-US" sz="3000" dirty="0" err="1">
+              <a:rPr lang="en-US" sz="3000" err="1">
                 <a:effectLst>
                   <a:outerShdw blurRad="38100" dist="38100" dir="2700000" algn="tl">
                     <a:srgbClr val="000000">
@@ -10403,7 +10402,7 @@
               <a:t>boolean</a:t>
             </a:r>
             <a:r>
-              <a:rPr lang="en-US" sz="3000" dirty="0">
+              <a:rPr lang="en-US" sz="3000">
                 <a:effectLst>
                   <a:outerShdw blurRad="38100" dist="38100" dir="2700000" algn="tl">
                     <a:srgbClr val="000000">
@@ -10424,7 +10423,7 @@
               <a:buNone/>
             </a:pPr>
             <a:r>
-              <a:rPr lang="en-US" sz="3000" dirty="0">
+              <a:rPr lang="en-US" sz="3000">
                 <a:effectLst>
                   <a:outerShdw blurRad="38100" dist="38100" dir="2700000" algn="tl">
                     <a:srgbClr val="000000">
@@ -10437,7 +10436,7 @@
               <a:t>public int </a:t>
             </a:r>
             <a:r>
-              <a:rPr lang="en-US" sz="3000" dirty="0" err="1">
+              <a:rPr lang="en-US" sz="3000" err="1">
                 <a:effectLst>
                   <a:outerShdw blurRad="38100" dist="38100" dir="2700000" algn="tl">
                     <a:srgbClr val="000000">
@@ -10450,7 +10449,7 @@
               <a:t>getInt</a:t>
             </a:r>
             <a:r>
-              <a:rPr lang="en-US" sz="3000" dirty="0">
+              <a:rPr lang="en-US" sz="3000">
                 <a:effectLst>
                   <a:outerShdw blurRad="38100" dist="38100" dir="2700000" algn="tl">
                     <a:srgbClr val="000000">
@@ -10463,7 +10462,7 @@
               <a:t> (int </a:t>
             </a:r>
             <a:r>
-              <a:rPr lang="en-US" sz="3000" dirty="0" err="1">
+              <a:rPr lang="en-US" sz="3000" err="1">
                 <a:effectLst>
                   <a:outerShdw blurRad="38100" dist="38100" dir="2700000" algn="tl">
                     <a:srgbClr val="000000">
@@ -10476,7 +10475,7 @@
               <a:t>columnIndex</a:t>
             </a:r>
             <a:r>
-              <a:rPr lang="en-US" sz="3000" dirty="0">
+              <a:rPr lang="en-US" sz="3000">
                 <a:effectLst>
                   <a:outerShdw blurRad="38100" dist="38100" dir="2700000" algn="tl">
                     <a:srgbClr val="000000">
@@ -10489,7 +10488,7 @@
               <a:t> / String </a:t>
             </a:r>
             <a:r>
-              <a:rPr lang="en-US" sz="3000" dirty="0" err="1">
+              <a:rPr lang="en-US" sz="3000" err="1">
                 <a:effectLst>
                   <a:outerShdw blurRad="38100" dist="38100" dir="2700000" algn="tl">
                     <a:srgbClr val="000000">
@@ -10502,7 +10501,7 @@
               <a:t>columnName</a:t>
             </a:r>
             <a:r>
-              <a:rPr lang="en-US" sz="3000" dirty="0">
+              <a:rPr lang="en-US" sz="3000">
                 <a:effectLst>
                   <a:outerShdw blurRad="38100" dist="38100" dir="2700000" algn="tl">
                     <a:srgbClr val="000000">
@@ -10523,7 +10522,7 @@
               <a:buNone/>
             </a:pPr>
             <a:r>
-              <a:rPr lang="en-US" sz="3000" dirty="0">
+              <a:rPr lang="en-US" sz="3000">
                 <a:effectLst>
                   <a:outerShdw blurRad="38100" dist="38100" dir="2700000" algn="tl">
                     <a:srgbClr val="000000">
@@ -10536,7 +10535,7 @@
               <a:t>public String </a:t>
             </a:r>
             <a:r>
-              <a:rPr lang="en-US" sz="3000" dirty="0" err="1">
+              <a:rPr lang="en-US" sz="3000" err="1">
                 <a:effectLst>
                   <a:outerShdw blurRad="38100" dist="38100" dir="2700000" algn="tl">
                     <a:srgbClr val="000000">
@@ -10549,7 +10548,7 @@
               <a:t>getString</a:t>
             </a:r>
             <a:r>
-              <a:rPr lang="en-US" sz="3000" dirty="0">
+              <a:rPr lang="en-US" sz="3000">
                 <a:effectLst>
                   <a:outerShdw blurRad="38100" dist="38100" dir="2700000" algn="tl">
                     <a:srgbClr val="000000">
@@ -10562,7 +10561,7 @@
               <a:t> (int </a:t>
             </a:r>
             <a:r>
-              <a:rPr lang="en-US" sz="3000" dirty="0" err="1">
+              <a:rPr lang="en-US" sz="3000" err="1">
                 <a:effectLst>
                   <a:outerShdw blurRad="38100" dist="38100" dir="2700000" algn="tl">
                     <a:srgbClr val="000000">
@@ -10575,7 +10574,7 @@
               <a:t>columnIndex</a:t>
             </a:r>
             <a:r>
-              <a:rPr lang="en-US" sz="3000" dirty="0">
+              <a:rPr lang="en-US" sz="3000">
                 <a:effectLst>
                   <a:outerShdw blurRad="38100" dist="38100" dir="2700000" algn="tl">
                     <a:srgbClr val="000000">
@@ -10588,7 +10587,7 @@
               <a:t> / String </a:t>
             </a:r>
             <a:r>
-              <a:rPr lang="en-US" sz="3000" dirty="0" err="1">
+              <a:rPr lang="en-US" sz="3000" err="1">
                 <a:effectLst>
                   <a:outerShdw blurRad="38100" dist="38100" dir="2700000" algn="tl">
                     <a:srgbClr val="000000">
@@ -10601,7 +10600,7 @@
               <a:t>columnName</a:t>
             </a:r>
             <a:r>
-              <a:rPr lang="en-US" sz="3000" dirty="0">
+              <a:rPr lang="en-US" sz="3000">
                 <a:effectLst>
                   <a:outerShdw blurRad="38100" dist="38100" dir="2700000" algn="tl">
                     <a:srgbClr val="000000">

--- a/JDBC/JDBC_Presentation.pptx
+++ b/JDBC/JDBC_Presentation.pptx
@@ -214,7 +214,7 @@
           <a:p>
             <a:fld id="{F988C94B-7918-458B-9AF1-0DBDD7FC850F}" type="datetimeFigureOut">
               <a:rPr lang="en-US" smtClean="0"/>
-              <a:t>2022-08-23</a:t>
+              <a:t>2022-08-26</a:t>
             </a:fld>
             <a:endParaRPr lang="en-US"/>
           </a:p>
@@ -612,7 +612,7 @@
           <a:p>
             <a:fld id="{0A968979-5CB5-4E5D-B82F-DAC09775BD7D}" type="datetimeFigureOut">
               <a:rPr lang="en-US" smtClean="0"/>
-              <a:t>2022-08-23</a:t>
+              <a:t>2022-08-26</a:t>
             </a:fld>
             <a:endParaRPr lang="en-US"/>
           </a:p>
@@ -782,7 +782,7 @@
           <a:p>
             <a:fld id="{0A968979-5CB5-4E5D-B82F-DAC09775BD7D}" type="datetimeFigureOut">
               <a:rPr lang="en-US" smtClean="0"/>
-              <a:t>2022-08-23</a:t>
+              <a:t>2022-08-26</a:t>
             </a:fld>
             <a:endParaRPr lang="en-US"/>
           </a:p>
@@ -962,7 +962,7 @@
           <a:p>
             <a:fld id="{0A968979-5CB5-4E5D-B82F-DAC09775BD7D}" type="datetimeFigureOut">
               <a:rPr lang="en-US" smtClean="0"/>
-              <a:t>2022-08-23</a:t>
+              <a:t>2022-08-26</a:t>
             </a:fld>
             <a:endParaRPr lang="en-US"/>
           </a:p>
@@ -1132,7 +1132,7 @@
           <a:p>
             <a:fld id="{0A968979-5CB5-4E5D-B82F-DAC09775BD7D}" type="datetimeFigureOut">
               <a:rPr lang="en-US" smtClean="0"/>
-              <a:t>2022-08-23</a:t>
+              <a:t>2022-08-26</a:t>
             </a:fld>
             <a:endParaRPr lang="en-US"/>
           </a:p>
@@ -1378,7 +1378,7 @@
           <a:p>
             <a:fld id="{0A968979-5CB5-4E5D-B82F-DAC09775BD7D}" type="datetimeFigureOut">
               <a:rPr lang="en-US" smtClean="0"/>
-              <a:t>2022-08-23</a:t>
+              <a:t>2022-08-26</a:t>
             </a:fld>
             <a:endParaRPr lang="en-US"/>
           </a:p>
@@ -1610,7 +1610,7 @@
           <a:p>
             <a:fld id="{0A968979-5CB5-4E5D-B82F-DAC09775BD7D}" type="datetimeFigureOut">
               <a:rPr lang="en-US" smtClean="0"/>
-              <a:t>2022-08-23</a:t>
+              <a:t>2022-08-26</a:t>
             </a:fld>
             <a:endParaRPr lang="en-US"/>
           </a:p>
@@ -1977,7 +1977,7 @@
           <a:p>
             <a:fld id="{0A968979-5CB5-4E5D-B82F-DAC09775BD7D}" type="datetimeFigureOut">
               <a:rPr lang="en-US" smtClean="0"/>
-              <a:t>2022-08-23</a:t>
+              <a:t>2022-08-26</a:t>
             </a:fld>
             <a:endParaRPr lang="en-US"/>
           </a:p>
@@ -2095,7 +2095,7 @@
           <a:p>
             <a:fld id="{0A968979-5CB5-4E5D-B82F-DAC09775BD7D}" type="datetimeFigureOut">
               <a:rPr lang="en-US" smtClean="0"/>
-              <a:t>2022-08-23</a:t>
+              <a:t>2022-08-26</a:t>
             </a:fld>
             <a:endParaRPr lang="en-US"/>
           </a:p>
@@ -2190,7 +2190,7 @@
           <a:p>
             <a:fld id="{0A968979-5CB5-4E5D-B82F-DAC09775BD7D}" type="datetimeFigureOut">
               <a:rPr lang="en-US" smtClean="0"/>
-              <a:t>2022-08-23</a:t>
+              <a:t>2022-08-26</a:t>
             </a:fld>
             <a:endParaRPr lang="en-US"/>
           </a:p>
@@ -2467,7 +2467,7 @@
           <a:p>
             <a:fld id="{0A968979-5CB5-4E5D-B82F-DAC09775BD7D}" type="datetimeFigureOut">
               <a:rPr lang="en-US" smtClean="0"/>
-              <a:t>2022-08-23</a:t>
+              <a:t>2022-08-26</a:t>
             </a:fld>
             <a:endParaRPr lang="en-US"/>
           </a:p>
@@ -2723,7 +2723,7 @@
           <a:p>
             <a:fld id="{0A968979-5CB5-4E5D-B82F-DAC09775BD7D}" type="datetimeFigureOut">
               <a:rPr lang="en-US" smtClean="0"/>
-              <a:t>2022-08-23</a:t>
+              <a:t>2022-08-26</a:t>
             </a:fld>
             <a:endParaRPr lang="en-US"/>
           </a:p>
@@ -2936,7 +2936,7 @@
           <a:p>
             <a:fld id="{0A968979-5CB5-4E5D-B82F-DAC09775BD7D}" type="datetimeFigureOut">
               <a:rPr lang="en-US" smtClean="0"/>
-              <a:t>2022-08-23</a:t>
+              <a:t>2022-08-26</a:t>
             </a:fld>
             <a:endParaRPr lang="en-US"/>
           </a:p>
@@ -10124,13 +10124,13 @@
         </p:nvSpPr>
         <p:spPr>
           <a:xfrm>
-            <a:off x="838200" y="1457961"/>
-            <a:ext cx="10784565" cy="4980414"/>
+            <a:off x="718458" y="1457961"/>
+            <a:ext cx="10904308" cy="4980414"/>
           </a:xfrm>
         </p:spPr>
         <p:txBody>
           <a:bodyPr>
-            <a:normAutofit/>
+            <a:normAutofit fontScale="92500" lnSpcReduction="10000"/>
           </a:bodyPr>
           <a:lstStyle/>
           <a:p>
@@ -10612,6 +10612,42 @@
               </a:rPr>
               <a:t>)</a:t>
             </a:r>
+          </a:p>
+          <a:p>
+            <a:pPr marL="0" indent="0" algn="l">
+              <a:buNone/>
+            </a:pPr>
+            <a:r>
+              <a:rPr lang="en-US" sz="3000">
+                <a:effectLst>
+                  <a:outerShdw blurRad="38100" dist="38100" dir="2700000" algn="tl">
+                    <a:srgbClr val="000000">
+                      <a:alpha val="43137"/>
+                    </a:srgbClr>
+                  </a:outerShdw>
+                </a:effectLst>
+                <a:latin typeface="Sylfaen" panose="010A0502050306030303" pitchFamily="18" charset="0"/>
+              </a:rPr>
+              <a:t>ResultSet.TYPE_SCROLL_INSENSITIVE ResultSet.CONCUR_UPDATABLE);</a:t>
+            </a:r>
+          </a:p>
+          <a:p>
+            <a:pPr marL="0" indent="0">
+              <a:lnSpc>
+                <a:spcPct val="100000"/>
+              </a:lnSpc>
+              <a:buNone/>
+            </a:pPr>
+            <a:endParaRPr lang="en-US" sz="3000">
+              <a:effectLst>
+                <a:outerShdw blurRad="38100" dist="38100" dir="2700000" algn="tl">
+                  <a:srgbClr val="000000">
+                    <a:alpha val="43137"/>
+                  </a:srgbClr>
+                </a:outerShdw>
+              </a:effectLst>
+              <a:latin typeface="Sylfaen" panose="010A0502050306030303" pitchFamily="18" charset="0"/>
+            </a:endParaRPr>
           </a:p>
         </p:txBody>
       </p:sp>

--- a/JDBC/JDBC_Presentation.pptx
+++ b/JDBC/JDBC_Presentation.pptx
@@ -214,7 +214,7 @@
           <a:p>
             <a:fld id="{F988C94B-7918-458B-9AF1-0DBDD7FC850F}" type="datetimeFigureOut">
               <a:rPr lang="en-US" smtClean="0"/>
-              <a:t>2022-08-26</a:t>
+              <a:t>8/28/2022</a:t>
             </a:fld>
             <a:endParaRPr lang="en-US"/>
           </a:p>
@@ -612,7 +612,7 @@
           <a:p>
             <a:fld id="{0A968979-5CB5-4E5D-B82F-DAC09775BD7D}" type="datetimeFigureOut">
               <a:rPr lang="en-US" smtClean="0"/>
-              <a:t>2022-08-26</a:t>
+              <a:t>8/28/2022</a:t>
             </a:fld>
             <a:endParaRPr lang="en-US"/>
           </a:p>
@@ -782,7 +782,7 @@
           <a:p>
             <a:fld id="{0A968979-5CB5-4E5D-B82F-DAC09775BD7D}" type="datetimeFigureOut">
               <a:rPr lang="en-US" smtClean="0"/>
-              <a:t>2022-08-26</a:t>
+              <a:t>8/28/2022</a:t>
             </a:fld>
             <a:endParaRPr lang="en-US"/>
           </a:p>
@@ -962,7 +962,7 @@
           <a:p>
             <a:fld id="{0A968979-5CB5-4E5D-B82F-DAC09775BD7D}" type="datetimeFigureOut">
               <a:rPr lang="en-US" smtClean="0"/>
-              <a:t>2022-08-26</a:t>
+              <a:t>8/28/2022</a:t>
             </a:fld>
             <a:endParaRPr lang="en-US"/>
           </a:p>
@@ -1132,7 +1132,7 @@
           <a:p>
             <a:fld id="{0A968979-5CB5-4E5D-B82F-DAC09775BD7D}" type="datetimeFigureOut">
               <a:rPr lang="en-US" smtClean="0"/>
-              <a:t>2022-08-26</a:t>
+              <a:t>8/28/2022</a:t>
             </a:fld>
             <a:endParaRPr lang="en-US"/>
           </a:p>
@@ -1378,7 +1378,7 @@
           <a:p>
             <a:fld id="{0A968979-5CB5-4E5D-B82F-DAC09775BD7D}" type="datetimeFigureOut">
               <a:rPr lang="en-US" smtClean="0"/>
-              <a:t>2022-08-26</a:t>
+              <a:t>8/28/2022</a:t>
             </a:fld>
             <a:endParaRPr lang="en-US"/>
           </a:p>
@@ -1610,7 +1610,7 @@
           <a:p>
             <a:fld id="{0A968979-5CB5-4E5D-B82F-DAC09775BD7D}" type="datetimeFigureOut">
               <a:rPr lang="en-US" smtClean="0"/>
-              <a:t>2022-08-26</a:t>
+              <a:t>8/28/2022</a:t>
             </a:fld>
             <a:endParaRPr lang="en-US"/>
           </a:p>
@@ -1977,7 +1977,7 @@
           <a:p>
             <a:fld id="{0A968979-5CB5-4E5D-B82F-DAC09775BD7D}" type="datetimeFigureOut">
               <a:rPr lang="en-US" smtClean="0"/>
-              <a:t>2022-08-26</a:t>
+              <a:t>8/28/2022</a:t>
             </a:fld>
             <a:endParaRPr lang="en-US"/>
           </a:p>
@@ -2095,7 +2095,7 @@
           <a:p>
             <a:fld id="{0A968979-5CB5-4E5D-B82F-DAC09775BD7D}" type="datetimeFigureOut">
               <a:rPr lang="en-US" smtClean="0"/>
-              <a:t>2022-08-26</a:t>
+              <a:t>8/28/2022</a:t>
             </a:fld>
             <a:endParaRPr lang="en-US"/>
           </a:p>
@@ -2190,7 +2190,7 @@
           <a:p>
             <a:fld id="{0A968979-5CB5-4E5D-B82F-DAC09775BD7D}" type="datetimeFigureOut">
               <a:rPr lang="en-US" smtClean="0"/>
-              <a:t>2022-08-26</a:t>
+              <a:t>8/28/2022</a:t>
             </a:fld>
             <a:endParaRPr lang="en-US"/>
           </a:p>
@@ -2467,7 +2467,7 @@
           <a:p>
             <a:fld id="{0A968979-5CB5-4E5D-B82F-DAC09775BD7D}" type="datetimeFigureOut">
               <a:rPr lang="en-US" smtClean="0"/>
-              <a:t>2022-08-26</a:t>
+              <a:t>8/28/2022</a:t>
             </a:fld>
             <a:endParaRPr lang="en-US"/>
           </a:p>
@@ -2723,7 +2723,7 @@
           <a:p>
             <a:fld id="{0A968979-5CB5-4E5D-B82F-DAC09775BD7D}" type="datetimeFigureOut">
               <a:rPr lang="en-US" smtClean="0"/>
-              <a:t>2022-08-26</a:t>
+              <a:t>8/28/2022</a:t>
             </a:fld>
             <a:endParaRPr lang="en-US"/>
           </a:p>
@@ -2936,7 +2936,7 @@
           <a:p>
             <a:fld id="{0A968979-5CB5-4E5D-B82F-DAC09775BD7D}" type="datetimeFigureOut">
               <a:rPr lang="en-US" smtClean="0"/>
-              <a:t>2022-08-26</a:t>
+              <a:t>8/28/2022</a:t>
             </a:fld>
             <a:endParaRPr lang="en-US"/>
           </a:p>
@@ -3543,8 +3543,8 @@
         </p:nvSpPr>
         <p:spPr>
           <a:xfrm>
-            <a:off x="838199" y="1343817"/>
-            <a:ext cx="10784566" cy="5027004"/>
+            <a:off x="838199" y="1580884"/>
+            <a:ext cx="10784566" cy="4560268"/>
           </a:xfrm>
         </p:spPr>
         <p:txBody>
@@ -3555,85 +3555,46 @@
           <a:p>
             <a:pPr marL="0" indent="0">
               <a:lnSpc>
-                <a:spcPct val="150000"/>
+                <a:spcPct val="200000"/>
               </a:lnSpc>
               <a:buNone/>
             </a:pPr>
             <a:r>
-              <a:rPr lang="en-US" sz="3000">
-                <a:effectLst>
-                  <a:outerShdw blurRad="38100" dist="38100" dir="2700000" algn="tl">
-                    <a:srgbClr val="000000">
-                      <a:alpha val="43137"/>
-                    </a:srgbClr>
-                  </a:outerShdw>
-                </a:effectLst>
-                <a:latin typeface="Sylfaen" panose="010A0502050306030303" pitchFamily="18" charset="0"/>
-              </a:rPr>
-              <a:t>public void </a:t>
-            </a:r>
-            <a:r>
-              <a:rPr lang="en-US" sz="3000" err="1">
-                <a:effectLst>
-                  <a:outerShdw blurRad="38100" dist="38100" dir="2700000" algn="tl">
-                    <a:srgbClr val="000000">
-                      <a:alpha val="43137"/>
-                    </a:srgbClr>
-                  </a:outerShdw>
-                </a:effectLst>
-                <a:latin typeface="Sylfaen" panose="010A0502050306030303" pitchFamily="18" charset="0"/>
-              </a:rPr>
-              <a:t>setInt</a:t>
-            </a:r>
-            <a:r>
-              <a:rPr lang="en-US" sz="3000">
-                <a:effectLst>
-                  <a:outerShdw blurRad="38100" dist="38100" dir="2700000" algn="tl">
-                    <a:srgbClr val="000000">
-                      <a:alpha val="43137"/>
-                    </a:srgbClr>
-                  </a:outerShdw>
-                </a:effectLst>
-                <a:latin typeface="Sylfaen" panose="010A0502050306030303" pitchFamily="18" charset="0"/>
-              </a:rPr>
-              <a:t>(int </a:t>
-            </a:r>
-            <a:r>
-              <a:rPr lang="en-US" sz="3000" err="1">
-                <a:effectLst>
-                  <a:outerShdw blurRad="38100" dist="38100" dir="2700000" algn="tl">
-                    <a:srgbClr val="000000">
-                      <a:alpha val="43137"/>
-                    </a:srgbClr>
-                  </a:outerShdw>
-                </a:effectLst>
-                <a:latin typeface="Sylfaen" panose="010A0502050306030303" pitchFamily="18" charset="0"/>
-              </a:rPr>
-              <a:t>paramIndex</a:t>
-            </a:r>
-            <a:r>
-              <a:rPr lang="en-US" sz="3000">
-                <a:effectLst>
-                  <a:outerShdw blurRad="38100" dist="38100" dir="2700000" algn="tl">
-                    <a:srgbClr val="000000">
-                      <a:alpha val="43137"/>
-                    </a:srgbClr>
-                  </a:outerShdw>
-                </a:effectLst>
-                <a:latin typeface="Sylfaen" panose="010A0502050306030303" pitchFamily="18" charset="0"/>
-              </a:rPr>
-              <a:t>, int value)</a:t>
+              <a:rPr lang="en-US" dirty="0" err="1">
+                <a:effectLst>
+                  <a:outerShdw blurRad="38100" dist="38100" dir="2700000" algn="tl">
+                    <a:srgbClr val="000000">
+                      <a:alpha val="43137"/>
+                    </a:srgbClr>
+                  </a:outerShdw>
+                </a:effectLst>
+                <a:latin typeface="Sylfaen" panose="010A0502050306030303" pitchFamily="18" charset="0"/>
+              </a:rPr>
+              <a:t>PreparedStatement</a:t>
+            </a:r>
+            <a:r>
+              <a:rPr lang="en-US" dirty="0">
+                <a:effectLst>
+                  <a:outerShdw blurRad="38100" dist="38100" dir="2700000" algn="tl">
+                    <a:srgbClr val="000000">
+                      <a:alpha val="43137"/>
+                    </a:srgbClr>
+                  </a:outerShdw>
+                </a:effectLst>
+                <a:latin typeface="Sylfaen" panose="010A0502050306030303" pitchFamily="18" charset="0"/>
+              </a:rPr>
+              <a:t> extends Statement</a:t>
             </a:r>
           </a:p>
           <a:p>
             <a:pPr marL="0" indent="0">
               <a:lnSpc>
-                <a:spcPct val="150000"/>
+                <a:spcPct val="200000"/>
               </a:lnSpc>
               <a:buNone/>
             </a:pPr>
             <a:r>
-              <a:rPr lang="en-US" sz="3000">
+              <a:rPr lang="en-US" dirty="0">
                 <a:effectLst>
                   <a:outerShdw blurRad="38100" dist="38100" dir="2700000" algn="tl">
                     <a:srgbClr val="000000">
@@ -3646,7 +3607,33 @@
               <a:t>public void </a:t>
             </a:r>
             <a:r>
-              <a:rPr lang="en-US" sz="3000" err="1">
+              <a:rPr lang="en-US" dirty="0" err="1">
+                <a:effectLst>
+                  <a:outerShdw blurRad="38100" dist="38100" dir="2700000" algn="tl">
+                    <a:srgbClr val="000000">
+                      <a:alpha val="43137"/>
+                    </a:srgbClr>
+                  </a:outerShdw>
+                </a:effectLst>
+                <a:latin typeface="Sylfaen" panose="010A0502050306030303" pitchFamily="18" charset="0"/>
+              </a:rPr>
+              <a:t>setInt</a:t>
+            </a:r>
+            <a:r>
+              <a:rPr lang="en-US" dirty="0">
+                <a:effectLst>
+                  <a:outerShdw blurRad="38100" dist="38100" dir="2700000" algn="tl">
+                    <a:srgbClr val="000000">
+                      <a:alpha val="43137"/>
+                    </a:srgbClr>
+                  </a:outerShdw>
+                </a:effectLst>
+                <a:latin typeface="Sylfaen" panose="010A0502050306030303" pitchFamily="18" charset="0"/>
+              </a:rPr>
+              <a:t> / </a:t>
+            </a:r>
+            <a:r>
+              <a:rPr lang="en-US" dirty="0" err="1">
                 <a:effectLst>
                   <a:outerShdw blurRad="38100" dist="38100" dir="2700000" algn="tl">
                     <a:srgbClr val="000000">
@@ -3659,20 +3646,46 @@
               <a:t>setString</a:t>
             </a:r>
             <a:r>
-              <a:rPr lang="en-US" sz="3000">
-                <a:effectLst>
-                  <a:outerShdw blurRad="38100" dist="38100" dir="2700000" algn="tl">
-                    <a:srgbClr val="000000">
-                      <a:alpha val="43137"/>
-                    </a:srgbClr>
-                  </a:outerShdw>
-                </a:effectLst>
-                <a:latin typeface="Sylfaen" panose="010A0502050306030303" pitchFamily="18" charset="0"/>
-              </a:rPr>
-              <a:t>(int </a:t>
-            </a:r>
-            <a:r>
-              <a:rPr lang="en-US" sz="3000" err="1">
+              <a:rPr lang="en-US" dirty="0">
+                <a:effectLst>
+                  <a:outerShdw blurRad="38100" dist="38100" dir="2700000" algn="tl">
+                    <a:srgbClr val="000000">
+                      <a:alpha val="43137"/>
+                    </a:srgbClr>
+                  </a:outerShdw>
+                </a:effectLst>
+                <a:latin typeface="Sylfaen" panose="010A0502050306030303" pitchFamily="18" charset="0"/>
+              </a:rPr>
+              <a:t> / </a:t>
+            </a:r>
+            <a:r>
+              <a:rPr lang="en-US" dirty="0" err="1">
+                <a:effectLst>
+                  <a:outerShdw blurRad="38100" dist="38100" dir="2700000" algn="tl">
+                    <a:srgbClr val="000000">
+                      <a:alpha val="43137"/>
+                    </a:srgbClr>
+                  </a:outerShdw>
+                </a:effectLst>
+                <a:latin typeface="Sylfaen" panose="010A0502050306030303" pitchFamily="18" charset="0"/>
+              </a:rPr>
+              <a:t>setFloat</a:t>
+            </a:r>
+            <a:r>
+              <a:rPr lang="en-US" dirty="0">
+                <a:effectLst>
+                  <a:outerShdw blurRad="38100" dist="38100" dir="2700000" algn="tl">
+                    <a:srgbClr val="000000">
+                      <a:alpha val="43137"/>
+                    </a:srgbClr>
+                  </a:outerShdw>
+                </a:effectLst>
+                <a:latin typeface="Sylfaen" panose="010A0502050306030303" pitchFamily="18" charset="0"/>
+              </a:rPr>
+              <a:t> … (int </a:t>
+            </a:r>
+            <a:r>
+              <a:rPr lang="en-US" dirty="0" err="1">
                 <a:effectLst>
                   <a:outerShdw blurRad="38100" dist="38100" dir="2700000" algn="tl">
                     <a:srgbClr val="000000">
@@ -3685,273 +3698,101 @@
               <a:t>paramIndex</a:t>
             </a:r>
             <a:r>
-              <a:rPr lang="en-US" sz="3000">
-                <a:effectLst>
-                  <a:outerShdw blurRad="38100" dist="38100" dir="2700000" algn="tl">
-                    <a:srgbClr val="000000">
-                      <a:alpha val="43137"/>
-                    </a:srgbClr>
-                  </a:outerShdw>
-                </a:effectLst>
-                <a:latin typeface="Sylfaen" panose="010A0502050306030303" pitchFamily="18" charset="0"/>
-              </a:rPr>
-              <a:t>, String value)</a:t>
+              <a:rPr lang="en-US" dirty="0">
+                <a:effectLst>
+                  <a:outerShdw blurRad="38100" dist="38100" dir="2700000" algn="tl">
+                    <a:srgbClr val="000000">
+                      <a:alpha val="43137"/>
+                    </a:srgbClr>
+                  </a:outerShdw>
+                </a:effectLst>
+                <a:latin typeface="Sylfaen" panose="010A0502050306030303" pitchFamily="18" charset="0"/>
+              </a:rPr>
+              <a:t>, int value)</a:t>
             </a:r>
           </a:p>
           <a:p>
             <a:pPr marL="0" indent="0">
               <a:lnSpc>
-                <a:spcPct val="150000"/>
+                <a:spcPct val="200000"/>
               </a:lnSpc>
               <a:buNone/>
             </a:pPr>
             <a:r>
-              <a:rPr lang="en-US" sz="3000">
-                <a:effectLst>
-                  <a:outerShdw blurRad="38100" dist="38100" dir="2700000" algn="tl">
-                    <a:srgbClr val="000000">
-                      <a:alpha val="43137"/>
-                    </a:srgbClr>
-                  </a:outerShdw>
-                </a:effectLst>
-                <a:latin typeface="Sylfaen" panose="010A0502050306030303" pitchFamily="18" charset="0"/>
-              </a:rPr>
-              <a:t>public void </a:t>
-            </a:r>
-            <a:r>
-              <a:rPr lang="en-US" sz="3000" err="1">
-                <a:effectLst>
-                  <a:outerShdw blurRad="38100" dist="38100" dir="2700000" algn="tl">
-                    <a:srgbClr val="000000">
-                      <a:alpha val="43137"/>
-                    </a:srgbClr>
-                  </a:outerShdw>
-                </a:effectLst>
-                <a:latin typeface="Sylfaen" panose="010A0502050306030303" pitchFamily="18" charset="0"/>
-              </a:rPr>
-              <a:t>setFloat</a:t>
-            </a:r>
-            <a:r>
-              <a:rPr lang="en-US" sz="3000">
-                <a:effectLst>
-                  <a:outerShdw blurRad="38100" dist="38100" dir="2700000" algn="tl">
-                    <a:srgbClr val="000000">
-                      <a:alpha val="43137"/>
-                    </a:srgbClr>
-                  </a:outerShdw>
-                </a:effectLst>
-                <a:latin typeface="Sylfaen" panose="010A0502050306030303" pitchFamily="18" charset="0"/>
-              </a:rPr>
-              <a:t>(int </a:t>
-            </a:r>
-            <a:r>
-              <a:rPr lang="en-US" sz="3000" err="1">
-                <a:effectLst>
-                  <a:outerShdw blurRad="38100" dist="38100" dir="2700000" algn="tl">
-                    <a:srgbClr val="000000">
-                      <a:alpha val="43137"/>
-                    </a:srgbClr>
-                  </a:outerShdw>
-                </a:effectLst>
-                <a:latin typeface="Sylfaen" panose="010A0502050306030303" pitchFamily="18" charset="0"/>
-              </a:rPr>
-              <a:t>paramIndex</a:t>
-            </a:r>
-            <a:r>
-              <a:rPr lang="en-US" sz="3000">
-                <a:effectLst>
-                  <a:outerShdw blurRad="38100" dist="38100" dir="2700000" algn="tl">
-                    <a:srgbClr val="000000">
-                      <a:alpha val="43137"/>
-                    </a:srgbClr>
-                  </a:outerShdw>
-                </a:effectLst>
-                <a:latin typeface="Sylfaen" panose="010A0502050306030303" pitchFamily="18" charset="0"/>
-              </a:rPr>
-              <a:t>, float value)</a:t>
+              <a:rPr lang="en-US" dirty="0">
+                <a:effectLst>
+                  <a:outerShdw blurRad="38100" dist="38100" dir="2700000" algn="tl">
+                    <a:srgbClr val="000000">
+                      <a:alpha val="43137"/>
+                    </a:srgbClr>
+                  </a:outerShdw>
+                </a:effectLst>
+                <a:latin typeface="Sylfaen" panose="010A0502050306030303" pitchFamily="18" charset="0"/>
+              </a:rPr>
+              <a:t>public </a:t>
+            </a:r>
+            <a:r>
+              <a:rPr lang="en-US" dirty="0" err="1">
+                <a:effectLst>
+                  <a:outerShdw blurRad="38100" dist="38100" dir="2700000" algn="tl">
+                    <a:srgbClr val="000000">
+                      <a:alpha val="43137"/>
+                    </a:srgbClr>
+                  </a:outerShdw>
+                </a:effectLst>
+                <a:latin typeface="Sylfaen" panose="010A0502050306030303" pitchFamily="18" charset="0"/>
+              </a:rPr>
+              <a:t>ResultSet</a:t>
+            </a:r>
+            <a:r>
+              <a:rPr lang="en-US" dirty="0">
+                <a:effectLst>
+                  <a:outerShdw blurRad="38100" dist="38100" dir="2700000" algn="tl">
+                    <a:srgbClr val="000000">
+                      <a:alpha val="43137"/>
+                    </a:srgbClr>
+                  </a:outerShdw>
+                </a:effectLst>
+                <a:latin typeface="Sylfaen" panose="010A0502050306030303" pitchFamily="18" charset="0"/>
+              </a:rPr>
+              <a:t> </a:t>
+            </a:r>
+            <a:r>
+              <a:rPr lang="en-US" dirty="0" err="1">
+                <a:effectLst>
+                  <a:outerShdw blurRad="38100" dist="38100" dir="2700000" algn="tl">
+                    <a:srgbClr val="000000">
+                      <a:alpha val="43137"/>
+                    </a:srgbClr>
+                  </a:outerShdw>
+                </a:effectLst>
+                <a:latin typeface="Sylfaen" panose="010A0502050306030303" pitchFamily="18" charset="0"/>
+              </a:rPr>
+              <a:t>executeQuery</a:t>
+            </a:r>
+            <a:r>
+              <a:rPr lang="en-US" dirty="0">
+                <a:effectLst>
+                  <a:outerShdw blurRad="38100" dist="38100" dir="2700000" algn="tl">
+                    <a:srgbClr val="000000">
+                      <a:alpha val="43137"/>
+                    </a:srgbClr>
+                  </a:outerShdw>
+                </a:effectLst>
+                <a:latin typeface="Sylfaen" panose="010A0502050306030303" pitchFamily="18" charset="0"/>
+              </a:rPr>
+              <a:t>()</a:t>
             </a:r>
           </a:p>
           <a:p>
             <a:pPr marL="0" indent="0">
               <a:lnSpc>
-                <a:spcPct val="150000"/>
+                <a:spcPct val="200000"/>
               </a:lnSpc>
               <a:buNone/>
             </a:pPr>
             <a:r>
-              <a:rPr lang="en-US" sz="3000">
-                <a:effectLst>
-                  <a:outerShdw blurRad="38100" dist="38100" dir="2700000" algn="tl">
-                    <a:srgbClr val="000000">
-                      <a:alpha val="43137"/>
-                    </a:srgbClr>
-                  </a:outerShdw>
-                </a:effectLst>
-                <a:latin typeface="Sylfaen" panose="010A0502050306030303" pitchFamily="18" charset="0"/>
-              </a:rPr>
-              <a:t>public void </a:t>
-            </a:r>
-            <a:r>
-              <a:rPr lang="en-US" sz="3000" err="1">
-                <a:effectLst>
-                  <a:outerShdw blurRad="38100" dist="38100" dir="2700000" algn="tl">
-                    <a:srgbClr val="000000">
-                      <a:alpha val="43137"/>
-                    </a:srgbClr>
-                  </a:outerShdw>
-                </a:effectLst>
-                <a:latin typeface="Sylfaen" panose="010A0502050306030303" pitchFamily="18" charset="0"/>
-              </a:rPr>
-              <a:t>setDouble</a:t>
-            </a:r>
-            <a:r>
-              <a:rPr lang="en-US" sz="3000">
-                <a:effectLst>
-                  <a:outerShdw blurRad="38100" dist="38100" dir="2700000" algn="tl">
-                    <a:srgbClr val="000000">
-                      <a:alpha val="43137"/>
-                    </a:srgbClr>
-                  </a:outerShdw>
-                </a:effectLst>
-                <a:latin typeface="Sylfaen" panose="010A0502050306030303" pitchFamily="18" charset="0"/>
-              </a:rPr>
-              <a:t>(int </a:t>
-            </a:r>
-            <a:r>
-              <a:rPr lang="en-US" sz="3000" err="1">
-                <a:effectLst>
-                  <a:outerShdw blurRad="38100" dist="38100" dir="2700000" algn="tl">
-                    <a:srgbClr val="000000">
-                      <a:alpha val="43137"/>
-                    </a:srgbClr>
-                  </a:outerShdw>
-                </a:effectLst>
-                <a:latin typeface="Sylfaen" panose="010A0502050306030303" pitchFamily="18" charset="0"/>
-              </a:rPr>
-              <a:t>paramIndex</a:t>
-            </a:r>
-            <a:r>
-              <a:rPr lang="en-US" sz="3000">
-                <a:effectLst>
-                  <a:outerShdw blurRad="38100" dist="38100" dir="2700000" algn="tl">
-                    <a:srgbClr val="000000">
-                      <a:alpha val="43137"/>
-                    </a:srgbClr>
-                  </a:outerShdw>
-                </a:effectLst>
-                <a:latin typeface="Sylfaen" panose="010A0502050306030303" pitchFamily="18" charset="0"/>
-              </a:rPr>
-              <a:t>, </a:t>
-            </a:r>
-            <a:r>
-              <a:rPr lang="en-US" sz="3000" err="1">
-                <a:effectLst>
-                  <a:outerShdw blurRad="38100" dist="38100" dir="2700000" algn="tl">
-                    <a:srgbClr val="000000">
-                      <a:alpha val="43137"/>
-                    </a:srgbClr>
-                  </a:outerShdw>
-                </a:effectLst>
-                <a:latin typeface="Sylfaen" panose="010A0502050306030303" pitchFamily="18" charset="0"/>
-              </a:rPr>
-              <a:t>fouble</a:t>
-            </a:r>
-            <a:r>
-              <a:rPr lang="en-US" sz="3000">
-                <a:effectLst>
-                  <a:outerShdw blurRad="38100" dist="38100" dir="2700000" algn="tl">
-                    <a:srgbClr val="000000">
-                      <a:alpha val="43137"/>
-                    </a:srgbClr>
-                  </a:outerShdw>
-                </a:effectLst>
-                <a:latin typeface="Sylfaen" panose="010A0502050306030303" pitchFamily="18" charset="0"/>
-              </a:rPr>
-              <a:t> value)</a:t>
-            </a:r>
-          </a:p>
-          <a:p>
-            <a:pPr marL="0" indent="0">
-              <a:lnSpc>
-                <a:spcPct val="150000"/>
-              </a:lnSpc>
-              <a:buNone/>
-            </a:pPr>
-            <a:r>
-              <a:rPr lang="en-US" sz="3000">
-                <a:effectLst>
-                  <a:outerShdw blurRad="38100" dist="38100" dir="2700000" algn="tl">
-                    <a:srgbClr val="000000">
-                      <a:alpha val="43137"/>
-                    </a:srgbClr>
-                  </a:outerShdw>
-                </a:effectLst>
-                <a:latin typeface="Sylfaen" panose="010A0502050306030303" pitchFamily="18" charset="0"/>
-              </a:rPr>
-              <a:t>public </a:t>
-            </a:r>
-            <a:r>
-              <a:rPr lang="en-US" sz="3000" err="1">
-                <a:effectLst>
-                  <a:outerShdw blurRad="38100" dist="38100" dir="2700000" algn="tl">
-                    <a:srgbClr val="000000">
-                      <a:alpha val="43137"/>
-                    </a:srgbClr>
-                  </a:outerShdw>
-                </a:effectLst>
-                <a:latin typeface="Sylfaen" panose="010A0502050306030303" pitchFamily="18" charset="0"/>
-              </a:rPr>
-              <a:t>ResultSet</a:t>
-            </a:r>
-            <a:r>
-              <a:rPr lang="en-US" sz="3000">
-                <a:effectLst>
-                  <a:outerShdw blurRad="38100" dist="38100" dir="2700000" algn="tl">
-                    <a:srgbClr val="000000">
-                      <a:alpha val="43137"/>
-                    </a:srgbClr>
-                  </a:outerShdw>
-                </a:effectLst>
-                <a:latin typeface="Sylfaen" panose="010A0502050306030303" pitchFamily="18" charset="0"/>
-              </a:rPr>
-              <a:t> </a:t>
-            </a:r>
-            <a:r>
-              <a:rPr lang="en-US" sz="3000" err="1">
-                <a:effectLst>
-                  <a:outerShdw blurRad="38100" dist="38100" dir="2700000" algn="tl">
-                    <a:srgbClr val="000000">
-                      <a:alpha val="43137"/>
-                    </a:srgbClr>
-                  </a:outerShdw>
-                </a:effectLst>
-                <a:latin typeface="Sylfaen" panose="010A0502050306030303" pitchFamily="18" charset="0"/>
-              </a:rPr>
-              <a:t>executeQuery</a:t>
-            </a:r>
-            <a:r>
-              <a:rPr lang="en-US" sz="3000">
-                <a:effectLst>
-                  <a:outerShdw blurRad="38100" dist="38100" dir="2700000" algn="tl">
-                    <a:srgbClr val="000000">
-                      <a:alpha val="43137"/>
-                    </a:srgbClr>
-                  </a:outerShdw>
-                </a:effectLst>
-                <a:latin typeface="Sylfaen" panose="010A0502050306030303" pitchFamily="18" charset="0"/>
-              </a:rPr>
-              <a:t>()</a:t>
-            </a:r>
-          </a:p>
-          <a:p>
-            <a:pPr marL="0" indent="0">
-              <a:lnSpc>
-                <a:spcPct val="150000"/>
-              </a:lnSpc>
-              <a:buNone/>
-            </a:pPr>
-            <a:r>
-              <a:rPr lang="en-US" sz="3000">
+              <a:rPr lang="en-US" dirty="0">
                 <a:effectLst>
                   <a:outerShdw blurRad="38100" dist="38100" dir="2700000" algn="tl">
                     <a:srgbClr val="000000">
@@ -3964,7 +3805,7 @@
               <a:t>public int </a:t>
             </a:r>
             <a:r>
-              <a:rPr lang="en-US" sz="3000" err="1">
+              <a:rPr lang="en-US" dirty="0" err="1">
                 <a:effectLst>
                   <a:outerShdw blurRad="38100" dist="38100" dir="2700000" algn="tl">
                     <a:srgbClr val="000000">
@@ -3977,7 +3818,7 @@
               <a:t>executeUpdate</a:t>
             </a:r>
             <a:r>
-              <a:rPr lang="en-US" sz="3000">
+              <a:rPr lang="en-US" dirty="0">
                 <a:effectLst>
                   <a:outerShdw blurRad="38100" dist="38100" dir="2700000" algn="tl">
                     <a:srgbClr val="000000">
@@ -5848,8 +5689,8 @@
         </p:nvSpPr>
         <p:spPr>
           <a:xfrm>
-            <a:off x="838200" y="1825625"/>
-            <a:ext cx="10961318" cy="4351338"/>
+            <a:off x="838200" y="1483608"/>
+            <a:ext cx="10961318" cy="4851400"/>
           </a:xfrm>
         </p:spPr>
         <p:txBody>
@@ -5860,20 +5701,7 @@
               <a:buNone/>
             </a:pPr>
             <a:r>
-              <a:rPr lang="en-US" sz="3000">
-                <a:effectLst>
-                  <a:outerShdw blurRad="38100" dist="38100" dir="2700000" algn="tl">
-                    <a:srgbClr val="000000">
-                      <a:alpha val="43137"/>
-                    </a:srgbClr>
-                  </a:outerShdw>
-                </a:effectLst>
-                <a:latin typeface="Sylfaen" panose="010A0502050306030303" pitchFamily="18" charset="0"/>
-              </a:rPr>
-              <a:t>public </a:t>
-            </a:r>
-            <a:r>
-              <a:rPr lang="en-US" sz="3000" err="1">
+              <a:rPr lang="en-US" sz="3000" dirty="0" err="1">
                 <a:effectLst>
                   <a:outerShdw blurRad="38100" dist="38100" dir="2700000" algn="tl">
                     <a:srgbClr val="000000">
@@ -5886,76 +5714,32 @@
               <a:t>CallableStatement</a:t>
             </a:r>
             <a:r>
-              <a:rPr lang="en-US" sz="3000">
-                <a:effectLst>
-                  <a:outerShdw blurRad="38100" dist="38100" dir="2700000" algn="tl">
-                    <a:srgbClr val="000000">
-                      <a:alpha val="43137"/>
-                    </a:srgbClr>
-                  </a:outerShdw>
-                </a:effectLst>
-                <a:latin typeface="Sylfaen" panose="010A0502050306030303" pitchFamily="18" charset="0"/>
-              </a:rPr>
-              <a:t> </a:t>
-            </a:r>
-            <a:r>
-              <a:rPr lang="en-US" sz="3000" err="1">
-                <a:effectLst>
-                  <a:outerShdw blurRad="38100" dist="38100" dir="2700000" algn="tl">
-                    <a:srgbClr val="000000">
-                      <a:alpha val="43137"/>
-                    </a:srgbClr>
-                  </a:outerShdw>
-                </a:effectLst>
-                <a:latin typeface="Sylfaen" panose="010A0502050306030303" pitchFamily="18" charset="0"/>
-              </a:rPr>
-              <a:t>prepareCall</a:t>
-            </a:r>
-            <a:r>
-              <a:rPr lang="en-US" sz="3000">
-                <a:effectLst>
-                  <a:outerShdw blurRad="38100" dist="38100" dir="2700000" algn="tl">
-                    <a:srgbClr val="000000">
-                      <a:alpha val="43137"/>
-                    </a:srgbClr>
-                  </a:outerShdw>
-                </a:effectLst>
-                <a:latin typeface="Sylfaen" panose="010A0502050306030303" pitchFamily="18" charset="0"/>
-              </a:rPr>
-              <a:t>("{ call </a:t>
-            </a:r>
-            <a:r>
-              <a:rPr lang="en-US" sz="3000" err="1">
-                <a:effectLst>
-                  <a:outerShdw blurRad="38100" dist="38100" dir="2700000" algn="tl">
-                    <a:srgbClr val="000000">
-                      <a:alpha val="43137"/>
-                    </a:srgbClr>
-                  </a:outerShdw>
-                </a:effectLst>
-                <a:latin typeface="Sylfaen" panose="010A0502050306030303" pitchFamily="18" charset="0"/>
-              </a:rPr>
-              <a:t>procedurename</a:t>
-            </a:r>
-            <a:r>
-              <a:rPr lang="en-US" sz="3000">
-                <a:effectLst>
-                  <a:outerShdw blurRad="38100" dist="38100" dir="2700000" algn="tl">
-                    <a:srgbClr val="000000">
-                      <a:alpha val="43137"/>
-                    </a:srgbClr>
-                  </a:outerShdw>
-                </a:effectLst>
-                <a:latin typeface="Sylfaen" panose="010A0502050306030303" pitchFamily="18" charset="0"/>
-              </a:rPr>
-              <a:t>(?,?)}");</a:t>
-            </a:r>
-          </a:p>
-          <a:p>
-            <a:pPr marL="0" indent="0">
-              <a:buNone/>
-            </a:pPr>
-            <a:endParaRPr lang="en-US" sz="3000">
+              <a:rPr lang="en-US" sz="3000" dirty="0">
+                <a:effectLst>
+                  <a:outerShdw blurRad="38100" dist="38100" dir="2700000" algn="tl">
+                    <a:srgbClr val="000000">
+                      <a:alpha val="43137"/>
+                    </a:srgbClr>
+                  </a:outerShdw>
+                </a:effectLst>
+                <a:latin typeface="Sylfaen" panose="010A0502050306030303" pitchFamily="18" charset="0"/>
+              </a:rPr>
+              <a:t> extends </a:t>
+            </a:r>
+            <a:r>
+              <a:rPr lang="en-US" sz="3000" dirty="0" err="1">
+                <a:effectLst>
+                  <a:outerShdw blurRad="38100" dist="38100" dir="2700000" algn="tl">
+                    <a:srgbClr val="000000">
+                      <a:alpha val="43137"/>
+                    </a:srgbClr>
+                  </a:outerShdw>
+                </a:effectLst>
+                <a:latin typeface="Sylfaen" panose="010A0502050306030303" pitchFamily="18" charset="0"/>
+              </a:rPr>
+              <a:t>PreparedStatement</a:t>
+            </a:r>
+            <a:endParaRPr lang="en-US" sz="3000" dirty="0">
               <a:effectLst>
                 <a:outerShdw blurRad="38100" dist="38100" dir="2700000" algn="tl">
                   <a:srgbClr val="000000">
@@ -5970,38 +5754,7 @@
             <a:pPr marL="0" indent="0">
               <a:buNone/>
             </a:pPr>
-            <a:r>
-              <a:rPr lang="en-US" sz="3000" err="1">
-                <a:effectLst>
-                  <a:outerShdw blurRad="38100" dist="38100" dir="2700000" algn="tl">
-                    <a:srgbClr val="000000">
-                      <a:alpha val="43137"/>
-                    </a:srgbClr>
-                  </a:outerShdw>
-                </a:effectLst>
-                <a:latin typeface="Sylfaen" panose="010A0502050306030303" pitchFamily="18" charset="0"/>
-              </a:rPr>
-              <a:t>callableStatement.setInt</a:t>
-            </a:r>
-            <a:r>
-              <a:rPr lang="en-US" sz="3000">
-                <a:effectLst>
-                  <a:outerShdw blurRad="38100" dist="38100" dir="2700000" algn="tl">
-                    <a:srgbClr val="000000">
-                      <a:alpha val="43137"/>
-                    </a:srgbClr>
-                  </a:outerShdw>
-                </a:effectLst>
-                <a:latin typeface="Sylfaen" panose="010A0502050306030303" pitchFamily="18" charset="0"/>
-              </a:rPr>
-              <a:t>(1, 25);</a:t>
-            </a:r>
-          </a:p>
-          <a:p>
-            <a:pPr marL="0" indent="0">
-              <a:buNone/>
-            </a:pPr>
-            <a:endParaRPr lang="en-US" sz="3000">
+            <a:endParaRPr lang="en-US" sz="3000" dirty="0">
               <a:effectLst>
                 <a:outerShdw blurRad="38100" dist="38100" dir="2700000" algn="tl">
                   <a:srgbClr val="000000">
@@ -6017,37 +5770,102 @@
               <a:buNone/>
             </a:pPr>
             <a:r>
-              <a:rPr lang="en-US" sz="3000" err="1">
-                <a:effectLst>
-                  <a:outerShdw blurRad="38100" dist="38100" dir="2700000" algn="tl">
-                    <a:srgbClr val="000000">
-                      <a:alpha val="43137"/>
-                    </a:srgbClr>
-                  </a:outerShdw>
-                </a:effectLst>
-                <a:latin typeface="Sylfaen" panose="010A0502050306030303" pitchFamily="18" charset="0"/>
-              </a:rPr>
-              <a:t>callableStatement.setString</a:t>
-            </a:r>
-            <a:r>
-              <a:rPr lang="en-US" sz="3000">
-                <a:effectLst>
-                  <a:outerShdw blurRad="38100" dist="38100" dir="2700000" algn="tl">
-                    <a:srgbClr val="000000">
-                      <a:alpha val="43137"/>
-                    </a:srgbClr>
-                  </a:outerShdw>
-                </a:effectLst>
-                <a:latin typeface="Sylfaen" panose="010A0502050306030303" pitchFamily="18" charset="0"/>
-              </a:rPr>
-              <a:t>(2, “value”);</a:t>
+              <a:rPr lang="en-US" sz="3000" dirty="0">
+                <a:effectLst>
+                  <a:outerShdw blurRad="38100" dist="38100" dir="2700000" algn="tl">
+                    <a:srgbClr val="000000">
+                      <a:alpha val="43137"/>
+                    </a:srgbClr>
+                  </a:outerShdw>
+                </a:effectLst>
+                <a:latin typeface="Sylfaen" panose="010A0502050306030303" pitchFamily="18" charset="0"/>
+              </a:rPr>
+              <a:t>public </a:t>
+            </a:r>
+            <a:r>
+              <a:rPr lang="en-US" sz="3000" dirty="0" err="1">
+                <a:effectLst>
+                  <a:outerShdw blurRad="38100" dist="38100" dir="2700000" algn="tl">
+                    <a:srgbClr val="000000">
+                      <a:alpha val="43137"/>
+                    </a:srgbClr>
+                  </a:outerShdw>
+                </a:effectLst>
+                <a:latin typeface="Sylfaen" panose="010A0502050306030303" pitchFamily="18" charset="0"/>
+              </a:rPr>
+              <a:t>CallableStatement</a:t>
+            </a:r>
+            <a:r>
+              <a:rPr lang="en-US" sz="3000" dirty="0">
+                <a:effectLst>
+                  <a:outerShdw blurRad="38100" dist="38100" dir="2700000" algn="tl">
+                    <a:srgbClr val="000000">
+                      <a:alpha val="43137"/>
+                    </a:srgbClr>
+                  </a:outerShdw>
+                </a:effectLst>
+                <a:latin typeface="Sylfaen" panose="010A0502050306030303" pitchFamily="18" charset="0"/>
+              </a:rPr>
+              <a:t> </a:t>
+            </a:r>
+            <a:r>
+              <a:rPr lang="en-US" sz="3000" dirty="0" err="1">
+                <a:effectLst>
+                  <a:outerShdw blurRad="38100" dist="38100" dir="2700000" algn="tl">
+                    <a:srgbClr val="000000">
+                      <a:alpha val="43137"/>
+                    </a:srgbClr>
+                  </a:outerShdw>
+                </a:effectLst>
+                <a:latin typeface="Sylfaen" panose="010A0502050306030303" pitchFamily="18" charset="0"/>
+              </a:rPr>
+              <a:t>prepareCall</a:t>
+            </a:r>
+            <a:r>
+              <a:rPr lang="en-US" sz="3000" dirty="0">
+                <a:effectLst>
+                  <a:outerShdw blurRad="38100" dist="38100" dir="2700000" algn="tl">
+                    <a:srgbClr val="000000">
+                      <a:alpha val="43137"/>
+                    </a:srgbClr>
+                  </a:outerShdw>
+                </a:effectLst>
+                <a:latin typeface="Sylfaen" panose="010A0502050306030303" pitchFamily="18" charset="0"/>
+              </a:rPr>
+              <a:t>("{ call </a:t>
+            </a:r>
+            <a:r>
+              <a:rPr lang="en-US" sz="3000" dirty="0" err="1">
+                <a:effectLst>
+                  <a:outerShdw blurRad="38100" dist="38100" dir="2700000" algn="tl">
+                    <a:srgbClr val="000000">
+                      <a:alpha val="43137"/>
+                    </a:srgbClr>
+                  </a:outerShdw>
+                </a:effectLst>
+                <a:latin typeface="Sylfaen" panose="010A0502050306030303" pitchFamily="18" charset="0"/>
+              </a:rPr>
+              <a:t>procedurename</a:t>
+            </a:r>
+            <a:r>
+              <a:rPr lang="en-US" sz="3000" dirty="0">
+                <a:effectLst>
+                  <a:outerShdw blurRad="38100" dist="38100" dir="2700000" algn="tl">
+                    <a:srgbClr val="000000">
+                      <a:alpha val="43137"/>
+                    </a:srgbClr>
+                  </a:outerShdw>
+                </a:effectLst>
+                <a:latin typeface="Sylfaen" panose="010A0502050306030303" pitchFamily="18" charset="0"/>
+              </a:rPr>
+              <a:t>(?,?)}");</a:t>
             </a:r>
           </a:p>
           <a:p>
             <a:pPr marL="0" indent="0">
               <a:buNone/>
             </a:pPr>
-            <a:endParaRPr lang="en-US" sz="3000">
+            <a:endParaRPr lang="en-US" sz="3000" dirty="0">
               <a:effectLst>
                 <a:outerShdw blurRad="38100" dist="38100" dir="2700000" algn="tl">
                   <a:srgbClr val="000000">
@@ -6063,7 +5881,99 @@
               <a:buNone/>
             </a:pPr>
             <a:r>
-              <a:rPr lang="en-US" sz="3000" err="1">
+              <a:rPr lang="en-US" sz="3000" dirty="0" err="1">
+                <a:effectLst>
+                  <a:outerShdw blurRad="38100" dist="38100" dir="2700000" algn="tl">
+                    <a:srgbClr val="000000">
+                      <a:alpha val="43137"/>
+                    </a:srgbClr>
+                  </a:outerShdw>
+                </a:effectLst>
+                <a:latin typeface="Sylfaen" panose="010A0502050306030303" pitchFamily="18" charset="0"/>
+              </a:rPr>
+              <a:t>callableStatement.setInt</a:t>
+            </a:r>
+            <a:r>
+              <a:rPr lang="en-US" sz="3000" dirty="0">
+                <a:effectLst>
+                  <a:outerShdw blurRad="38100" dist="38100" dir="2700000" algn="tl">
+                    <a:srgbClr val="000000">
+                      <a:alpha val="43137"/>
+                    </a:srgbClr>
+                  </a:outerShdw>
+                </a:effectLst>
+                <a:latin typeface="Sylfaen" panose="010A0502050306030303" pitchFamily="18" charset="0"/>
+              </a:rPr>
+              <a:t>(1, 25);</a:t>
+            </a:r>
+          </a:p>
+          <a:p>
+            <a:pPr marL="0" indent="0">
+              <a:buNone/>
+            </a:pPr>
+            <a:endParaRPr lang="en-US" sz="3000" dirty="0">
+              <a:effectLst>
+                <a:outerShdw blurRad="38100" dist="38100" dir="2700000" algn="tl">
+                  <a:srgbClr val="000000">
+                    <a:alpha val="43137"/>
+                  </a:srgbClr>
+                </a:outerShdw>
+              </a:effectLst>
+              <a:latin typeface="Sylfaen" panose="010A0502050306030303" pitchFamily="18" charset="0"/>
+            </a:endParaRPr>
+          </a:p>
+          <a:p>
+            <a:pPr marL="0" indent="0">
+              <a:buNone/>
+            </a:pPr>
+            <a:r>
+              <a:rPr lang="en-US" sz="3000" dirty="0" err="1">
+                <a:effectLst>
+                  <a:outerShdw blurRad="38100" dist="38100" dir="2700000" algn="tl">
+                    <a:srgbClr val="000000">
+                      <a:alpha val="43137"/>
+                    </a:srgbClr>
+                  </a:outerShdw>
+                </a:effectLst>
+                <a:latin typeface="Sylfaen" panose="010A0502050306030303" pitchFamily="18" charset="0"/>
+              </a:rPr>
+              <a:t>callableStatement.setString</a:t>
+            </a:r>
+            <a:r>
+              <a:rPr lang="en-US" sz="3000" dirty="0">
+                <a:effectLst>
+                  <a:outerShdw blurRad="38100" dist="38100" dir="2700000" algn="tl">
+                    <a:srgbClr val="000000">
+                      <a:alpha val="43137"/>
+                    </a:srgbClr>
+                  </a:outerShdw>
+                </a:effectLst>
+                <a:latin typeface="Sylfaen" panose="010A0502050306030303" pitchFamily="18" charset="0"/>
+              </a:rPr>
+              <a:t>(2, “value”);</a:t>
+            </a:r>
+          </a:p>
+          <a:p>
+            <a:pPr marL="0" indent="0">
+              <a:buNone/>
+            </a:pPr>
+            <a:endParaRPr lang="en-US" sz="3000" dirty="0">
+              <a:effectLst>
+                <a:outerShdw blurRad="38100" dist="38100" dir="2700000" algn="tl">
+                  <a:srgbClr val="000000">
+                    <a:alpha val="43137"/>
+                  </a:srgbClr>
+                </a:outerShdw>
+              </a:effectLst>
+              <a:latin typeface="Sylfaen" panose="010A0502050306030303" pitchFamily="18" charset="0"/>
+            </a:endParaRPr>
+          </a:p>
+          <a:p>
+            <a:pPr marL="0" indent="0">
+              <a:buNone/>
+            </a:pPr>
+            <a:r>
+              <a:rPr lang="en-US" sz="3000" dirty="0" err="1">
                 <a:effectLst>
                   <a:outerShdw blurRad="38100" dist="38100" dir="2700000" algn="tl">
                     <a:srgbClr val="000000">
@@ -6076,7 +5986,7 @@
               <a:t>callableStatement.execute</a:t>
             </a:r>
             <a:r>
-              <a:rPr lang="en-US" sz="3000">
+              <a:rPr lang="en-US" sz="3000" dirty="0">
                 <a:effectLst>
                   <a:outerShdw blurRad="38100" dist="38100" dir="2700000" algn="tl">
                     <a:srgbClr val="000000">
@@ -6093,7 +6003,7 @@
             <a:pPr marL="0" indent="0">
               <a:buNone/>
             </a:pPr>
-            <a:endParaRPr lang="en-US" sz="3000">
+            <a:endParaRPr lang="en-US" sz="3000" dirty="0">
               <a:effectLst>
                 <a:outerShdw blurRad="38100" dist="38100" dir="2700000" algn="tl">
                   <a:srgbClr val="000000">
@@ -6230,11 +6140,13 @@
         <p:spPr>
           <a:xfrm>
             <a:off x="838200" y="1677789"/>
-            <a:ext cx="6264058" cy="2596063"/>
+            <a:ext cx="6264058" cy="3865055"/>
           </a:xfrm>
         </p:spPr>
         <p:txBody>
-          <a:bodyPr/>
+          <a:bodyPr>
+            <a:normAutofit lnSpcReduction="10000"/>
+          </a:bodyPr>
           <a:lstStyle/>
           <a:p>
             <a:pPr marL="0" indent="0">
@@ -6244,7 +6156,7 @@
               <a:buNone/>
             </a:pPr>
             <a:r>
-              <a:rPr lang="en-US" sz="3000">
+              <a:rPr lang="en-US" sz="3000" dirty="0">
                 <a:effectLst>
                   <a:outerShdw blurRad="38100" dist="38100" dir="2700000" algn="tl">
                     <a:srgbClr val="000000">
@@ -6257,7 +6169,7 @@
               <a:t>void </a:t>
             </a:r>
             <a:r>
-              <a:rPr lang="en-US" sz="3000" err="1">
+              <a:rPr lang="en-US" sz="3000" dirty="0" err="1">
                 <a:effectLst>
                   <a:outerShdw blurRad="38100" dist="38100" dir="2700000" algn="tl">
                     <a:srgbClr val="000000">
@@ -6270,7 +6182,7 @@
               <a:t>setAutoCommit</a:t>
             </a:r>
             <a:r>
-              <a:rPr lang="en-US" sz="3000">
+              <a:rPr lang="en-US" sz="3000" dirty="0">
                 <a:effectLst>
                   <a:outerShdw blurRad="38100" dist="38100" dir="2700000" algn="tl">
                     <a:srgbClr val="000000">
@@ -6283,7 +6195,7 @@
               <a:t>(</a:t>
             </a:r>
             <a:r>
-              <a:rPr lang="en-US" sz="3000" err="1">
+              <a:rPr lang="en-US" sz="3000" dirty="0" err="1">
                 <a:effectLst>
                   <a:outerShdw blurRad="38100" dist="38100" dir="2700000" algn="tl">
                     <a:srgbClr val="000000">
@@ -6296,7 +6208,7 @@
               <a:t>boolean</a:t>
             </a:r>
             <a:r>
-              <a:rPr lang="en-US" sz="3000">
+              <a:rPr lang="en-US" sz="3000" dirty="0">
                 <a:effectLst>
                   <a:outerShdw blurRad="38100" dist="38100" dir="2700000" algn="tl">
                     <a:srgbClr val="000000">
@@ -6317,7 +6229,7 @@
               <a:buNone/>
             </a:pPr>
             <a:r>
-              <a:rPr lang="en-US" sz="3000">
+              <a:rPr lang="en-US" sz="3000" dirty="0">
                 <a:effectLst>
                   <a:outerShdw blurRad="38100" dist="38100" dir="2700000" algn="tl">
                     <a:srgbClr val="000000">
@@ -6338,7 +6250,7 @@
               <a:buNone/>
             </a:pPr>
             <a:r>
-              <a:rPr lang="en-US" sz="3000">
+              <a:rPr lang="en-US" sz="3000" dirty="0">
                 <a:effectLst>
                   <a:outerShdw blurRad="38100" dist="38100" dir="2700000" algn="tl">
                     <a:srgbClr val="000000">
@@ -6350,12 +6262,100 @@
               </a:rPr>
               <a:t>void rollback()</a:t>
             </a:r>
+            <a:endParaRPr lang="hy-AM" sz="3000" dirty="0">
+              <a:effectLst>
+                <a:outerShdw blurRad="38100" dist="38100" dir="2700000" algn="tl">
+                  <a:srgbClr val="000000">
+                    <a:alpha val="43137"/>
+                  </a:srgbClr>
+                </a:outerShdw>
+              </a:effectLst>
+              <a:latin typeface="Sylfaen" panose="010A0502050306030303" pitchFamily="18" charset="0"/>
+            </a:endParaRPr>
           </a:p>
           <a:p>
             <a:pPr marL="0" indent="0">
+              <a:lnSpc>
+                <a:spcPct val="150000"/>
+              </a:lnSpc>
               <a:buNone/>
             </a:pPr>
-            <a:endParaRPr lang="en-US" sz="3000">
+            <a:r>
+              <a:rPr lang="en-US" sz="3000" dirty="0">
+                <a:effectLst>
+                  <a:outerShdw blurRad="38100" dist="38100" dir="2700000" algn="tl">
+                    <a:srgbClr val="000000">
+                      <a:alpha val="43137"/>
+                    </a:srgbClr>
+                  </a:outerShdw>
+                </a:effectLst>
+                <a:latin typeface="Sylfaen" panose="010A0502050306030303" pitchFamily="18" charset="0"/>
+              </a:rPr>
+              <a:t>Connection </a:t>
+            </a:r>
+            <a:r>
+              <a:rPr lang="en-US" sz="3000" dirty="0" err="1">
+                <a:effectLst>
+                  <a:outerShdw blurRad="38100" dist="38100" dir="2700000" algn="tl">
+                    <a:srgbClr val="000000">
+                      <a:alpha val="43137"/>
+                    </a:srgbClr>
+                  </a:outerShdw>
+                </a:effectLst>
+                <a:latin typeface="Sylfaen" panose="010A0502050306030303" pitchFamily="18" charset="0"/>
+              </a:rPr>
+              <a:t>savepoints</a:t>
+            </a:r>
+            <a:endParaRPr lang="en-US" sz="3000" dirty="0">
+              <a:effectLst>
+                <a:outerShdw blurRad="38100" dist="38100" dir="2700000" algn="tl">
+                  <a:srgbClr val="000000">
+                    <a:alpha val="43137"/>
+                  </a:srgbClr>
+                </a:outerShdw>
+              </a:effectLst>
+              <a:latin typeface="Sylfaen" panose="010A0502050306030303" pitchFamily="18" charset="0"/>
+            </a:endParaRPr>
+          </a:p>
+          <a:p>
+            <a:pPr marL="0" indent="0">
+              <a:lnSpc>
+                <a:spcPct val="150000"/>
+              </a:lnSpc>
+              <a:buNone/>
+            </a:pPr>
+            <a:r>
+              <a:rPr lang="en-US" sz="3000" dirty="0" err="1">
+                <a:effectLst>
+                  <a:outerShdw blurRad="38100" dist="38100" dir="2700000" algn="tl">
+                    <a:srgbClr val="000000">
+                      <a:alpha val="43137"/>
+                    </a:srgbClr>
+                  </a:outerShdw>
+                </a:effectLst>
+                <a:latin typeface="Sylfaen" panose="010A0502050306030303" pitchFamily="18" charset="0"/>
+              </a:rPr>
+              <a:t>setSavePoint</a:t>
+            </a:r>
+            <a:r>
+              <a:rPr lang="en-US" sz="3000" dirty="0">
+                <a:effectLst>
+                  <a:outerShdw blurRad="38100" dist="38100" dir="2700000" algn="tl">
+                    <a:srgbClr val="000000">
+                      <a:alpha val="43137"/>
+                    </a:srgbClr>
+                  </a:outerShdw>
+                </a:effectLst>
+                <a:latin typeface="Sylfaen" panose="010A0502050306030303" pitchFamily="18" charset="0"/>
+              </a:rPr>
+              <a:t>()</a:t>
+            </a:r>
+          </a:p>
+          <a:p>
+            <a:pPr marL="0" indent="0">
+              <a:buNone/>
+            </a:pPr>
+            <a:endParaRPr lang="en-US" sz="3000" dirty="0">
               <a:effectLst>
                 <a:outerShdw blurRad="38100" dist="38100" dir="2700000" algn="tl">
                   <a:srgbClr val="000000">
@@ -6910,268 +6910,18 @@
           <a:p>
             <a:pPr algn="ctr"/>
             <a:r>
-              <a:rPr lang="en-US" err="1">
+              <a:rPr lang="en-US" dirty="0" err="1">
                 <a:latin typeface="Sylfaen" panose="010A0502050306030303" pitchFamily="18" charset="0"/>
               </a:rPr>
               <a:t>RowSet</a:t>
             </a:r>
             <a:r>
-              <a:rPr lang="en-US">
+              <a:rPr lang="en-US" dirty="0">
                 <a:latin typeface="Sylfaen" panose="010A0502050306030303" pitchFamily="18" charset="0"/>
               </a:rPr>
               <a:t> interface</a:t>
             </a:r>
-            <a:endParaRPr lang="en-US"/>
-          </a:p>
-        </p:txBody>
-      </p:sp>
-      <p:sp>
-        <p:nvSpPr>
-          <p:cNvPr id="3" name="Content Placeholder 2">
-            <a:extLst>
-              <a:ext uri="{FF2B5EF4-FFF2-40B4-BE49-F238E27FC236}">
-                <a16:creationId xmlns:a16="http://schemas.microsoft.com/office/drawing/2014/main" id="{F74EACD5-0A6A-4130-930D-7337E1C5C8AD}"/>
-              </a:ext>
-            </a:extLst>
-          </p:cNvPr>
-          <p:cNvSpPr>
-            <a:spLocks noGrp="1"/>
-          </p:cNvSpPr>
-          <p:nvPr>
-            <p:ph idx="1"/>
-          </p:nvPr>
-        </p:nvSpPr>
-        <p:spPr>
-          <a:xfrm>
-            <a:off x="838200" y="1353176"/>
-            <a:ext cx="3772990" cy="4844419"/>
-          </a:xfrm>
-        </p:spPr>
-        <p:txBody>
-          <a:bodyPr>
-            <a:normAutofit/>
-          </a:bodyPr>
-          <a:lstStyle/>
-          <a:p>
-            <a:pPr>
-              <a:lnSpc>
-                <a:spcPct val="150000"/>
-              </a:lnSpc>
-            </a:pPr>
-            <a:r>
-              <a:rPr lang="ru-RU" sz="3600">
-                <a:effectLst>
-                  <a:outerShdw blurRad="38100" dist="38100" dir="2700000" algn="tl">
-                    <a:srgbClr val="000000">
-                      <a:alpha val="43137"/>
-                    </a:srgbClr>
-                  </a:outerShdw>
-                </a:effectLst>
-                <a:latin typeface="Sylfaen" panose="010A0502050306030303" pitchFamily="18" charset="0"/>
-              </a:rPr>
-              <a:t> </a:t>
-            </a:r>
-            <a:r>
-              <a:rPr lang="en-US" sz="3600" err="1">
-                <a:effectLst>
-                  <a:outerShdw blurRad="38100" dist="38100" dir="2700000" algn="tl">
-                    <a:srgbClr val="000000">
-                      <a:alpha val="43137"/>
-                    </a:srgbClr>
-                  </a:outerShdw>
-                </a:effectLst>
-                <a:latin typeface="Sylfaen" panose="010A0502050306030303" pitchFamily="18" charset="0"/>
-              </a:rPr>
-              <a:t>JdbcRowSet</a:t>
-            </a:r>
-            <a:endParaRPr lang="en-US" sz="3600">
-              <a:effectLst>
-                <a:outerShdw blurRad="38100" dist="38100" dir="2700000" algn="tl">
-                  <a:srgbClr val="000000">
-                    <a:alpha val="43137"/>
-                  </a:srgbClr>
-                </a:outerShdw>
-              </a:effectLst>
-              <a:latin typeface="Sylfaen" panose="010A0502050306030303" pitchFamily="18" charset="0"/>
-            </a:endParaRPr>
-          </a:p>
-          <a:p>
-            <a:pPr>
-              <a:lnSpc>
-                <a:spcPct val="150000"/>
-              </a:lnSpc>
-            </a:pPr>
-            <a:r>
-              <a:rPr lang="ru-RU" sz="3600">
-                <a:effectLst>
-                  <a:outerShdw blurRad="38100" dist="38100" dir="2700000" algn="tl">
-                    <a:srgbClr val="000000">
-                      <a:alpha val="43137"/>
-                    </a:srgbClr>
-                  </a:outerShdw>
-                </a:effectLst>
-                <a:latin typeface="Sylfaen" panose="010A0502050306030303" pitchFamily="18" charset="0"/>
-              </a:rPr>
-              <a:t> </a:t>
-            </a:r>
-            <a:r>
-              <a:rPr lang="en-US" sz="3600" err="1">
-                <a:effectLst>
-                  <a:outerShdw blurRad="38100" dist="38100" dir="2700000" algn="tl">
-                    <a:srgbClr val="000000">
-                      <a:alpha val="43137"/>
-                    </a:srgbClr>
-                  </a:outerShdw>
-                </a:effectLst>
-                <a:latin typeface="Sylfaen" panose="010A0502050306030303" pitchFamily="18" charset="0"/>
-              </a:rPr>
-              <a:t>CachedRowSet</a:t>
-            </a:r>
-            <a:endParaRPr lang="en-US" sz="3600">
-              <a:effectLst>
-                <a:outerShdw blurRad="38100" dist="38100" dir="2700000" algn="tl">
-                  <a:srgbClr val="000000">
-                    <a:alpha val="43137"/>
-                  </a:srgbClr>
-                </a:outerShdw>
-              </a:effectLst>
-              <a:latin typeface="Sylfaen" panose="010A0502050306030303" pitchFamily="18" charset="0"/>
-            </a:endParaRPr>
-          </a:p>
-          <a:p>
-            <a:pPr>
-              <a:lnSpc>
-                <a:spcPct val="150000"/>
-              </a:lnSpc>
-            </a:pPr>
-            <a:r>
-              <a:rPr lang="ru-RU" sz="3600">
-                <a:effectLst>
-                  <a:outerShdw blurRad="38100" dist="38100" dir="2700000" algn="tl">
-                    <a:srgbClr val="000000">
-                      <a:alpha val="43137"/>
-                    </a:srgbClr>
-                  </a:outerShdw>
-                </a:effectLst>
-                <a:latin typeface="Sylfaen" panose="010A0502050306030303" pitchFamily="18" charset="0"/>
-              </a:rPr>
-              <a:t> </a:t>
-            </a:r>
-            <a:r>
-              <a:rPr lang="en-US" sz="3600" err="1">
-                <a:effectLst>
-                  <a:outerShdw blurRad="38100" dist="38100" dir="2700000" algn="tl">
-                    <a:srgbClr val="000000">
-                      <a:alpha val="43137"/>
-                    </a:srgbClr>
-                  </a:outerShdw>
-                </a:effectLst>
-                <a:latin typeface="Sylfaen" panose="010A0502050306030303" pitchFamily="18" charset="0"/>
-              </a:rPr>
-              <a:t>WebRowSet</a:t>
-            </a:r>
-            <a:endParaRPr lang="en-US" sz="3600">
-              <a:effectLst>
-                <a:outerShdw blurRad="38100" dist="38100" dir="2700000" algn="tl">
-                  <a:srgbClr val="000000">
-                    <a:alpha val="43137"/>
-                  </a:srgbClr>
-                </a:outerShdw>
-              </a:effectLst>
-              <a:latin typeface="Sylfaen" panose="010A0502050306030303" pitchFamily="18" charset="0"/>
-            </a:endParaRPr>
-          </a:p>
-          <a:p>
-            <a:pPr>
-              <a:lnSpc>
-                <a:spcPct val="150000"/>
-              </a:lnSpc>
-            </a:pPr>
-            <a:r>
-              <a:rPr lang="ru-RU" sz="3600">
-                <a:effectLst>
-                  <a:outerShdw blurRad="38100" dist="38100" dir="2700000" algn="tl">
-                    <a:srgbClr val="000000">
-                      <a:alpha val="43137"/>
-                    </a:srgbClr>
-                  </a:outerShdw>
-                </a:effectLst>
-                <a:latin typeface="Sylfaen" panose="010A0502050306030303" pitchFamily="18" charset="0"/>
-              </a:rPr>
-              <a:t> </a:t>
-            </a:r>
-            <a:r>
-              <a:rPr lang="en-US" sz="3600" err="1">
-                <a:effectLst>
-                  <a:outerShdw blurRad="38100" dist="38100" dir="2700000" algn="tl">
-                    <a:srgbClr val="000000">
-                      <a:alpha val="43137"/>
-                    </a:srgbClr>
-                  </a:outerShdw>
-                </a:effectLst>
-                <a:latin typeface="Sylfaen" panose="010A0502050306030303" pitchFamily="18" charset="0"/>
-              </a:rPr>
-              <a:t>JoinRowSet</a:t>
-            </a:r>
-            <a:endParaRPr lang="en-US" sz="3600">
-              <a:effectLst>
-                <a:outerShdw blurRad="38100" dist="38100" dir="2700000" algn="tl">
-                  <a:srgbClr val="000000">
-                    <a:alpha val="43137"/>
-                  </a:srgbClr>
-                </a:outerShdw>
-              </a:effectLst>
-              <a:latin typeface="Sylfaen" panose="010A0502050306030303" pitchFamily="18" charset="0"/>
-            </a:endParaRPr>
-          </a:p>
-          <a:p>
-            <a:pPr>
-              <a:lnSpc>
-                <a:spcPct val="150000"/>
-              </a:lnSpc>
-            </a:pPr>
-            <a:r>
-              <a:rPr lang="ru-RU" sz="3600">
-                <a:effectLst>
-                  <a:outerShdw blurRad="38100" dist="38100" dir="2700000" algn="tl">
-                    <a:srgbClr val="000000">
-                      <a:alpha val="43137"/>
-                    </a:srgbClr>
-                  </a:outerShdw>
-                </a:effectLst>
-                <a:latin typeface="Sylfaen" panose="010A0502050306030303" pitchFamily="18" charset="0"/>
-              </a:rPr>
-              <a:t> </a:t>
-            </a:r>
-            <a:r>
-              <a:rPr lang="en-US" sz="3600" err="1">
-                <a:effectLst>
-                  <a:outerShdw blurRad="38100" dist="38100" dir="2700000" algn="tl">
-                    <a:srgbClr val="000000">
-                      <a:alpha val="43137"/>
-                    </a:srgbClr>
-                  </a:outerShdw>
-                </a:effectLst>
-                <a:latin typeface="Sylfaen" panose="010A0502050306030303" pitchFamily="18" charset="0"/>
-              </a:rPr>
-              <a:t>FilteredRowSet</a:t>
-            </a:r>
-            <a:endParaRPr lang="en-US" sz="3600">
-              <a:effectLst>
-                <a:outerShdw blurRad="38100" dist="38100" dir="2700000" algn="tl">
-                  <a:srgbClr val="000000">
-                    <a:alpha val="43137"/>
-                  </a:srgbClr>
-                </a:outerShdw>
-              </a:effectLst>
-              <a:latin typeface="Sylfaen" panose="010A0502050306030303" pitchFamily="18" charset="0"/>
-            </a:endParaRPr>
-          </a:p>
-          <a:p>
-            <a:pPr marL="0" indent="0">
-              <a:buNone/>
-            </a:pPr>
-            <a:endParaRPr lang="en-US"/>
+            <a:endParaRPr lang="en-US" dirty="0"/>
           </a:p>
         </p:txBody>
       </p:sp>
@@ -7229,8 +6979,8 @@
         </p:nvSpPr>
         <p:spPr>
           <a:xfrm>
-            <a:off x="4872446" y="1920240"/>
-            <a:ext cx="6481354" cy="4454434"/>
+            <a:off x="6573456" y="1343818"/>
+            <a:ext cx="4780344" cy="4999474"/>
           </a:xfrm>
           <a:prstGeom prst="rect">
             <a:avLst/>
@@ -7238,7 +6988,7 @@
         </p:spPr>
         <p:txBody>
           <a:bodyPr vert="horz" lIns="91440" tIns="45720" rIns="91440" bIns="45720" rtlCol="0">
-            <a:normAutofit fontScale="92500" lnSpcReduction="10000"/>
+            <a:noAutofit/>
           </a:bodyPr>
           <a:lstStyle>
             <a:lvl1pPr marL="228600" indent="-228600" algn="l" defTabSz="914400" rtl="0" eaLnBrk="1" latinLnBrk="0" hangingPunct="1">
@@ -7410,19 +7160,70 @@
               <a:buNone/>
             </a:pPr>
             <a:r>
-              <a:rPr lang="en-US" sz="3600" err="1">
-                <a:effectLst>
-                  <a:outerShdw blurRad="38100" dist="38100" dir="2700000" algn="tl">
-                    <a:srgbClr val="000000">
-                      <a:alpha val="43137"/>
-                    </a:srgbClr>
-                  </a:outerShdw>
-                </a:effectLst>
-                <a:latin typeface="Sylfaen" panose="010A0502050306030303" pitchFamily="18" charset="0"/>
-              </a:rPr>
-              <a:t>RowsetProvider</a:t>
-            </a:r>
-            <a:endParaRPr lang="en-US" sz="3600">
+              <a:rPr lang="en-US" sz="2400" dirty="0" err="1">
+                <a:effectLst>
+                  <a:outerShdw blurRad="38100" dist="38100" dir="2700000" algn="tl">
+                    <a:srgbClr val="000000">
+                      <a:alpha val="43137"/>
+                    </a:srgbClr>
+                  </a:outerShdw>
+                </a:effectLst>
+                <a:latin typeface="Sylfaen" panose="010A0502050306030303" pitchFamily="18" charset="0"/>
+              </a:rPr>
+              <a:t>RowsetFactory</a:t>
+            </a:r>
+            <a:r>
+              <a:rPr lang="en-US" sz="2400" dirty="0">
+                <a:effectLst>
+                  <a:outerShdw blurRad="38100" dist="38100" dir="2700000" algn="tl">
+                    <a:srgbClr val="000000">
+                      <a:alpha val="43137"/>
+                    </a:srgbClr>
+                  </a:outerShdw>
+                </a:effectLst>
+                <a:latin typeface="Sylfaen" panose="010A0502050306030303" pitchFamily="18" charset="0"/>
+              </a:rPr>
+              <a:t> factory = </a:t>
+            </a:r>
+          </a:p>
+          <a:p>
+            <a:pPr marL="0" indent="0">
+              <a:buFont typeface="Arial" panose="020B0604020202020204" pitchFamily="34" charset="0"/>
+              <a:buNone/>
+            </a:pPr>
+            <a:r>
+              <a:rPr lang="en-US" sz="2400" dirty="0" err="1">
+                <a:effectLst>
+                  <a:outerShdw blurRad="38100" dist="38100" dir="2700000" algn="tl">
+                    <a:srgbClr val="000000">
+                      <a:alpha val="43137"/>
+                    </a:srgbClr>
+                  </a:outerShdw>
+                </a:effectLst>
+                <a:latin typeface="Sylfaen" panose="010A0502050306030303" pitchFamily="18" charset="0"/>
+              </a:rPr>
+              <a:t>RowsetProvider.newFactory</a:t>
+            </a:r>
+            <a:r>
+              <a:rPr lang="en-US" sz="2400" dirty="0">
+                <a:effectLst>
+                  <a:outerShdw blurRad="38100" dist="38100" dir="2700000" algn="tl">
+                    <a:srgbClr val="000000">
+                      <a:alpha val="43137"/>
+                    </a:srgbClr>
+                  </a:outerShdw>
+                </a:effectLst>
+                <a:latin typeface="Sylfaen" panose="010A0502050306030303" pitchFamily="18" charset="0"/>
+              </a:rPr>
+              <a:t>();</a:t>
+            </a:r>
+          </a:p>
+          <a:p>
+            <a:pPr marL="0" indent="0">
+              <a:buFont typeface="Arial" panose="020B0604020202020204" pitchFamily="34" charset="0"/>
+              <a:buNone/>
+            </a:pPr>
+            <a:endParaRPr lang="en-US" sz="2400" dirty="0">
               <a:effectLst>
                 <a:outerShdw blurRad="38100" dist="38100" dir="2700000" algn="tl">
                   <a:srgbClr val="000000">
@@ -7435,49 +7236,98 @@
           </a:p>
           <a:p>
             <a:pPr marL="0" indent="0">
+              <a:buNone/>
+            </a:pPr>
+            <a:r>
+              <a:rPr lang="en-US" sz="2400" dirty="0" err="1">
+                <a:effectLst>
+                  <a:outerShdw blurRad="38100" dist="38100" dir="2700000" algn="tl">
+                    <a:srgbClr val="000000">
+                      <a:alpha val="43137"/>
+                    </a:srgbClr>
+                  </a:outerShdw>
+                </a:effectLst>
+                <a:latin typeface="Sylfaen" panose="010A0502050306030303" pitchFamily="18" charset="0"/>
+              </a:rPr>
+              <a:t>RowSet</a:t>
+            </a:r>
+            <a:r>
+              <a:rPr lang="en-US" sz="2400" dirty="0">
+                <a:effectLst>
+                  <a:outerShdw blurRad="38100" dist="38100" dir="2700000" algn="tl">
+                    <a:srgbClr val="000000">
+                      <a:alpha val="43137"/>
+                    </a:srgbClr>
+                  </a:outerShdw>
+                </a:effectLst>
+                <a:latin typeface="Sylfaen" panose="010A0502050306030303" pitchFamily="18" charset="0"/>
+              </a:rPr>
+              <a:t> </a:t>
+            </a:r>
+            <a:r>
+              <a:rPr lang="en-US" sz="2400" dirty="0" err="1">
+                <a:effectLst>
+                  <a:outerShdw blurRad="38100" dist="38100" dir="2700000" algn="tl">
+                    <a:srgbClr val="000000">
+                      <a:alpha val="43137"/>
+                    </a:srgbClr>
+                  </a:outerShdw>
+                </a:effectLst>
+                <a:latin typeface="Sylfaen" panose="010A0502050306030303" pitchFamily="18" charset="0"/>
+              </a:rPr>
+              <a:t>rowSet</a:t>
+            </a:r>
+            <a:r>
+              <a:rPr lang="en-US" sz="2400" dirty="0">
+                <a:effectLst>
+                  <a:outerShdw blurRad="38100" dist="38100" dir="2700000" algn="tl">
+                    <a:srgbClr val="000000">
+                      <a:alpha val="43137"/>
+                    </a:srgbClr>
+                  </a:outerShdw>
+                </a:effectLst>
+                <a:latin typeface="Sylfaen" panose="010A0502050306030303" pitchFamily="18" charset="0"/>
+              </a:rPr>
+              <a:t> = </a:t>
+            </a:r>
+          </a:p>
+          <a:p>
+            <a:pPr marL="0" indent="0">
+              <a:buNone/>
+            </a:pPr>
+            <a:r>
+              <a:rPr lang="en-US" sz="2400" dirty="0" err="1">
+                <a:effectLst>
+                  <a:outerShdw blurRad="38100" dist="38100" dir="2700000" algn="tl">
+                    <a:srgbClr val="000000">
+                      <a:alpha val="43137"/>
+                    </a:srgbClr>
+                  </a:outerShdw>
+                </a:effectLst>
+                <a:latin typeface="Sylfaen" panose="010A0502050306030303" pitchFamily="18" charset="0"/>
+              </a:rPr>
+              <a:t>factory.createJdbcRowSet</a:t>
+            </a:r>
+            <a:r>
+              <a:rPr lang="en-US" sz="2400" dirty="0">
+                <a:effectLst>
+                  <a:outerShdw blurRad="38100" dist="38100" dir="2700000" algn="tl">
+                    <a:srgbClr val="000000">
+                      <a:alpha val="43137"/>
+                    </a:srgbClr>
+                  </a:outerShdw>
+                </a:effectLst>
+                <a:latin typeface="Sylfaen" panose="010A0502050306030303" pitchFamily="18" charset="0"/>
+              </a:rPr>
+              <a:t>();</a:t>
+            </a:r>
+          </a:p>
+          <a:p>
+            <a:pPr marL="0" indent="0">
               <a:buFont typeface="Arial" panose="020B0604020202020204" pitchFamily="34" charset="0"/>
               <a:buNone/>
             </a:pPr>
-            <a:r>
-              <a:rPr lang="en-US" sz="3600" err="1">
-                <a:effectLst>
-                  <a:outerShdw blurRad="38100" dist="38100" dir="2700000" algn="tl">
-                    <a:srgbClr val="000000">
-                      <a:alpha val="43137"/>
-                    </a:srgbClr>
-                  </a:outerShdw>
-                </a:effectLst>
-                <a:latin typeface="Sylfaen" panose="010A0502050306030303" pitchFamily="18" charset="0"/>
-              </a:rPr>
-              <a:t>newFactory</a:t>
-            </a:r>
-            <a:r>
-              <a:rPr lang="en-US" sz="3600">
-                <a:effectLst>
-                  <a:outerShdw blurRad="38100" dist="38100" dir="2700000" algn="tl">
-                    <a:srgbClr val="000000">
-                      <a:alpha val="43137"/>
-                    </a:srgbClr>
-                  </a:outerShdw>
-                </a:effectLst>
-                <a:latin typeface="Sylfaen" panose="010A0502050306030303" pitchFamily="18" charset="0"/>
-              </a:rPr>
-              <a:t>().</a:t>
-            </a:r>
-            <a:r>
-              <a:rPr lang="en-US" sz="3600" err="1">
-                <a:effectLst>
-                  <a:outerShdw blurRad="38100" dist="38100" dir="2700000" algn="tl">
-                    <a:srgbClr val="000000">
-                      <a:alpha val="43137"/>
-                    </a:srgbClr>
-                  </a:outerShdw>
-                </a:effectLst>
-                <a:latin typeface="Sylfaen" panose="010A0502050306030303" pitchFamily="18" charset="0"/>
-              </a:rPr>
-              <a:t>createJdbcRowSet</a:t>
-            </a:r>
-            <a:endParaRPr lang="en-US" sz="3600">
+            <a:endParaRPr lang="en-US" sz="2400" dirty="0">
               <a:effectLst>
                 <a:outerShdw blurRad="38100" dist="38100" dir="2700000" algn="tl">
                   <a:srgbClr val="000000">
@@ -7493,7 +7343,20 @@
               <a:buFont typeface="Arial" panose="020B0604020202020204" pitchFamily="34" charset="0"/>
               <a:buNone/>
             </a:pPr>
-            <a:endParaRPr lang="en-US" sz="3600">
+            <a:r>
+              <a:rPr lang="en-US" sz="2400" dirty="0" err="1">
+                <a:effectLst>
+                  <a:outerShdw blurRad="38100" dist="38100" dir="2700000" algn="tl">
+                    <a:srgbClr val="000000">
+                      <a:alpha val="43137"/>
+                    </a:srgbClr>
+                  </a:outerShdw>
+                </a:effectLst>
+                <a:latin typeface="Sylfaen" panose="010A0502050306030303" pitchFamily="18" charset="0"/>
+              </a:rPr>
+              <a:t>RowSetListener</a:t>
+            </a:r>
+            <a:endParaRPr lang="en-US" sz="2400" dirty="0">
               <a:effectLst>
                 <a:outerShdw blurRad="38100" dist="38100" dir="2700000" algn="tl">
                   <a:srgbClr val="000000">
@@ -7510,28 +7373,31 @@
               <a:buNone/>
             </a:pPr>
             <a:r>
-              <a:rPr lang="en-US" sz="3600" err="1">
-                <a:effectLst>
-                  <a:outerShdw blurRad="38100" dist="38100" dir="2700000" algn="tl">
-                    <a:srgbClr val="000000">
-                      <a:alpha val="43137"/>
-                    </a:srgbClr>
-                  </a:outerShdw>
-                </a:effectLst>
-                <a:latin typeface="Sylfaen" panose="010A0502050306030303" pitchFamily="18" charset="0"/>
-              </a:rPr>
-              <a:t>RowSetListener</a:t>
-            </a:r>
-            <a:endParaRPr lang="en-US" sz="3600">
-              <a:effectLst>
-                <a:outerShdw blurRad="38100" dist="38100" dir="2700000" algn="tl">
-                  <a:srgbClr val="000000">
-                    <a:alpha val="43137"/>
-                  </a:srgbClr>
-                </a:outerShdw>
-              </a:effectLst>
-              <a:latin typeface="Sylfaen" panose="010A0502050306030303" pitchFamily="18" charset="0"/>
-            </a:endParaRPr>
+              <a:rPr lang="en-US" sz="2400" dirty="0" err="1">
+                <a:effectLst>
+                  <a:outerShdw blurRad="38100" dist="38100" dir="2700000" algn="tl">
+                    <a:srgbClr val="000000">
+                      <a:alpha val="43137"/>
+                    </a:srgbClr>
+                  </a:outerShdw>
+                </a:effectLst>
+                <a:latin typeface="Sylfaen" panose="010A0502050306030303" pitchFamily="18" charset="0"/>
+              </a:rPr>
+              <a:t>rowSet.addRowSetListener</a:t>
+            </a:r>
+            <a:r>
+              <a:rPr lang="en-US" sz="2400" dirty="0">
+                <a:effectLst>
+                  <a:outerShdw blurRad="38100" dist="38100" dir="2700000" algn="tl">
+                    <a:srgbClr val="000000">
+                      <a:alpha val="43137"/>
+                    </a:srgbClr>
+                  </a:outerShdw>
+                </a:effectLst>
+                <a:latin typeface="Sylfaen" panose="010A0502050306030303" pitchFamily="18" charset="0"/>
+              </a:rPr>
+              <a:t>();</a:t>
+            </a:r>
           </a:p>
           <a:p>
             <a:pPr marL="0" indent="0">
@@ -7539,30 +7405,43 @@
               <a:buNone/>
             </a:pPr>
             <a:r>
-              <a:rPr lang="en-US" sz="3600" err="1">
-                <a:effectLst>
-                  <a:outerShdw blurRad="38100" dist="38100" dir="2700000" algn="tl">
-                    <a:srgbClr val="000000">
-                      <a:alpha val="43137"/>
-                    </a:srgbClr>
-                  </a:outerShdw>
-                </a:effectLst>
-                <a:latin typeface="Sylfaen" panose="010A0502050306030303" pitchFamily="18" charset="0"/>
-              </a:rPr>
-              <a:t>rowSet.addRowSetListener</a:t>
-            </a:r>
-            <a:r>
-              <a:rPr lang="en-US" sz="3600">
-                <a:effectLst>
-                  <a:outerShdw blurRad="38100" dist="38100" dir="2700000" algn="tl">
-                    <a:srgbClr val="000000">
-                      <a:alpha val="43137"/>
-                    </a:srgbClr>
-                  </a:outerShdw>
-                </a:effectLst>
-                <a:latin typeface="Sylfaen" panose="010A0502050306030303" pitchFamily="18" charset="0"/>
-              </a:rPr>
-              <a:t>()</a:t>
+              <a:rPr lang="en-US" sz="2400" dirty="0">
+                <a:effectLst>
+                  <a:outerShdw blurRad="38100" dist="38100" dir="2700000" algn="tl">
+                    <a:srgbClr val="000000">
+                      <a:alpha val="43137"/>
+                    </a:srgbClr>
+                  </a:outerShdw>
+                </a:effectLst>
+                <a:latin typeface="Sylfaen" panose="010A0502050306030303" pitchFamily="18" charset="0"/>
+              </a:rPr>
+              <a:t>public void </a:t>
+            </a:r>
+            <a:r>
+              <a:rPr lang="en-US" sz="2400" dirty="0" err="1">
+                <a:effectLst>
+                  <a:outerShdw blurRad="38100" dist="38100" dir="2700000" algn="tl">
+                    <a:srgbClr val="000000">
+                      <a:alpha val="43137"/>
+                    </a:srgbClr>
+                  </a:outerShdw>
+                </a:effectLst>
+                <a:latin typeface="Sylfaen" panose="010A0502050306030303" pitchFamily="18" charset="0"/>
+              </a:rPr>
+              <a:t>cursorMoved</a:t>
+            </a:r>
+            <a:r>
+              <a:rPr lang="en-US" sz="2400" dirty="0">
+                <a:effectLst>
+                  <a:outerShdw blurRad="38100" dist="38100" dir="2700000" algn="tl">
+                    <a:srgbClr val="000000">
+                      <a:alpha val="43137"/>
+                    </a:srgbClr>
+                  </a:outerShdw>
+                </a:effectLst>
+                <a:latin typeface="Sylfaen" panose="010A0502050306030303" pitchFamily="18" charset="0"/>
+              </a:rPr>
+              <a:t>();</a:t>
             </a:r>
           </a:p>
           <a:p>
@@ -7571,7 +7450,7 @@
               <a:buNone/>
             </a:pPr>
             <a:r>
-              <a:rPr lang="en-US" sz="3600">
+              <a:rPr lang="en-US" sz="2400" dirty="0">
                 <a:effectLst>
                   <a:outerShdw blurRad="38100" dist="38100" dir="2700000" algn="tl">
                     <a:srgbClr val="000000">
@@ -7584,28 +7463,31 @@
               <a:t>public void </a:t>
             </a:r>
             <a:r>
-              <a:rPr lang="en-US" sz="3600" err="1">
-                <a:effectLst>
-                  <a:outerShdw blurRad="38100" dist="38100" dir="2700000" algn="tl">
-                    <a:srgbClr val="000000">
-                      <a:alpha val="43137"/>
-                    </a:srgbClr>
-                  </a:outerShdw>
-                </a:effectLst>
-                <a:latin typeface="Sylfaen" panose="010A0502050306030303" pitchFamily="18" charset="0"/>
-              </a:rPr>
-              <a:t>cursorMoved</a:t>
-            </a:r>
-            <a:endParaRPr lang="en-US" sz="3600">
-              <a:effectLst>
-                <a:outerShdw blurRad="38100" dist="38100" dir="2700000" algn="tl">
-                  <a:srgbClr val="000000">
-                    <a:alpha val="43137"/>
-                  </a:srgbClr>
-                </a:outerShdw>
-              </a:effectLst>
-              <a:latin typeface="Sylfaen" panose="010A0502050306030303" pitchFamily="18" charset="0"/>
-            </a:endParaRPr>
+              <a:rPr lang="en-US" sz="2400" dirty="0" err="1">
+                <a:effectLst>
+                  <a:outerShdw blurRad="38100" dist="38100" dir="2700000" algn="tl">
+                    <a:srgbClr val="000000">
+                      <a:alpha val="43137"/>
+                    </a:srgbClr>
+                  </a:outerShdw>
+                </a:effectLst>
+                <a:latin typeface="Sylfaen" panose="010A0502050306030303" pitchFamily="18" charset="0"/>
+              </a:rPr>
+              <a:t>rowChanged</a:t>
+            </a:r>
+            <a:r>
+              <a:rPr lang="en-US" sz="2400" dirty="0">
+                <a:effectLst>
+                  <a:outerShdw blurRad="38100" dist="38100" dir="2700000" algn="tl">
+                    <a:srgbClr val="000000">
+                      <a:alpha val="43137"/>
+                    </a:srgbClr>
+                  </a:outerShdw>
+                </a:effectLst>
+                <a:latin typeface="Sylfaen" panose="010A0502050306030303" pitchFamily="18" charset="0"/>
+              </a:rPr>
+              <a:t>();</a:t>
+            </a:r>
           </a:p>
           <a:p>
             <a:pPr marL="0" indent="0">
@@ -7613,7 +7495,7 @@
               <a:buNone/>
             </a:pPr>
             <a:r>
-              <a:rPr lang="en-US" sz="3600">
+              <a:rPr lang="en-US" sz="2400" dirty="0">
                 <a:effectLst>
                   <a:outerShdw blurRad="38100" dist="38100" dir="2700000" algn="tl">
                     <a:srgbClr val="000000">
@@ -7626,49 +7508,7 @@
               <a:t>public void </a:t>
             </a:r>
             <a:r>
-              <a:rPr lang="en-US" sz="3600" err="1">
-                <a:effectLst>
-                  <a:outerShdw blurRad="38100" dist="38100" dir="2700000" algn="tl">
-                    <a:srgbClr val="000000">
-                      <a:alpha val="43137"/>
-                    </a:srgbClr>
-                  </a:outerShdw>
-                </a:effectLst>
-                <a:latin typeface="Sylfaen" panose="010A0502050306030303" pitchFamily="18" charset="0"/>
-              </a:rPr>
-              <a:t>rowChanged</a:t>
-            </a:r>
-            <a:endParaRPr lang="en-US" sz="3600">
-              <a:effectLst>
-                <a:outerShdw blurRad="38100" dist="38100" dir="2700000" algn="tl">
-                  <a:srgbClr val="000000">
-                    <a:alpha val="43137"/>
-                  </a:srgbClr>
-                </a:outerShdw>
-              </a:effectLst>
-              <a:latin typeface="Sylfaen" panose="010A0502050306030303" pitchFamily="18" charset="0"/>
-            </a:endParaRPr>
-          </a:p>
-          <a:p>
-            <a:pPr marL="0" indent="0">
-              <a:buFont typeface="Arial" panose="020B0604020202020204" pitchFamily="34" charset="0"/>
-              <a:buNone/>
-            </a:pPr>
-            <a:r>
-              <a:rPr lang="en-US" sz="3600">
-                <a:effectLst>
-                  <a:outerShdw blurRad="38100" dist="38100" dir="2700000" algn="tl">
-                    <a:srgbClr val="000000">
-                      <a:alpha val="43137"/>
-                    </a:srgbClr>
-                  </a:outerShdw>
-                </a:effectLst>
-                <a:latin typeface="Sylfaen" panose="010A0502050306030303" pitchFamily="18" charset="0"/>
-              </a:rPr>
-              <a:t>public void </a:t>
-            </a:r>
-            <a:r>
-              <a:rPr lang="en-US" sz="3600" err="1">
+              <a:rPr lang="en-US" sz="2400" dirty="0" err="1">
                 <a:effectLst>
                   <a:outerShdw blurRad="38100" dist="38100" dir="2700000" algn="tl">
                     <a:srgbClr val="000000">
@@ -7680,19 +7520,58 @@
               </a:rPr>
               <a:t>rowSetChanged</a:t>
             </a:r>
-            <a:endParaRPr lang="en-US" sz="3600">
-              <a:effectLst>
-                <a:outerShdw blurRad="38100" dist="38100" dir="2700000" algn="tl">
-                  <a:srgbClr val="000000">
-                    <a:alpha val="43137"/>
-                  </a:srgbClr>
-                </a:outerShdw>
-              </a:effectLst>
-              <a:latin typeface="Sylfaen" panose="010A0502050306030303" pitchFamily="18" charset="0"/>
-            </a:endParaRPr>
+            <a:r>
+              <a:rPr lang="en-US" sz="2400" dirty="0">
+                <a:effectLst>
+                  <a:outerShdw blurRad="38100" dist="38100" dir="2700000" algn="tl">
+                    <a:srgbClr val="000000">
+                      <a:alpha val="43137"/>
+                    </a:srgbClr>
+                  </a:outerShdw>
+                </a:effectLst>
+                <a:latin typeface="Sylfaen" panose="010A0502050306030303" pitchFamily="18" charset="0"/>
+              </a:rPr>
+              <a:t>();</a:t>
+            </a:r>
           </a:p>
         </p:txBody>
       </p:sp>
+      <p:pic>
+        <p:nvPicPr>
+          <p:cNvPr id="11" name="Рисунок 10">
+            <a:extLst>
+              <a:ext uri="{FF2B5EF4-FFF2-40B4-BE49-F238E27FC236}">
+                <a16:creationId xmlns:a16="http://schemas.microsoft.com/office/drawing/2014/main" id="{8E22BA53-82CD-430B-AC39-52670C08B1F0}"/>
+              </a:ext>
+            </a:extLst>
+          </p:cNvPr>
+          <p:cNvPicPr>
+            <a:picLocks noChangeAspect="1"/>
+          </p:cNvPicPr>
+          <p:nvPr/>
+        </p:nvPicPr>
+        <p:blipFill>
+          <a:blip r:embed="rId2">
+            <a:extLst>
+              <a:ext uri="{28A0092B-C50C-407E-A947-70E740481C1C}">
+                <a14:useLocalDpi xmlns:a14="http://schemas.microsoft.com/office/drawing/2010/main" val="0"/>
+              </a:ext>
+            </a:extLst>
+          </a:blip>
+          <a:stretch>
+            <a:fillRect/>
+          </a:stretch>
+        </p:blipFill>
+        <p:spPr>
+          <a:xfrm>
+            <a:off x="1046545" y="1343818"/>
+            <a:ext cx="4944534" cy="5250833"/>
+          </a:xfrm>
+          <a:prstGeom prst="rect">
+            <a:avLst/>
+          </a:prstGeom>
+        </p:spPr>
+      </p:pic>
     </p:spTree>
     <p:extLst>
       <p:ext uri="{BB962C8B-B14F-4D97-AF65-F5344CB8AC3E}">
@@ -9622,12 +9501,14 @@
         </p:nvSpPr>
         <p:spPr>
           <a:xfrm>
-            <a:off x="838200" y="1873557"/>
-            <a:ext cx="6856127" cy="3405942"/>
+            <a:off x="838200" y="1622640"/>
+            <a:ext cx="9254067" cy="4019243"/>
           </a:xfrm>
         </p:spPr>
         <p:txBody>
-          <a:bodyPr/>
+          <a:bodyPr>
+            <a:normAutofit/>
+          </a:bodyPr>
           <a:lstStyle/>
           <a:p>
             <a:pPr marL="0" marR="0" lvl="0" indent="0" algn="just" defTabSz="914400" rtl="0" eaLnBrk="1" fontAlgn="auto" latinLnBrk="0" hangingPunct="1">
@@ -9648,7 +9529,7 @@
               <a:defRPr/>
             </a:pPr>
             <a:r>
-              <a:rPr lang="en-US" sz="3000" kern="1200">
+              <a:rPr lang="en-US" sz="3000" kern="1200" dirty="0">
                 <a:solidFill>
                   <a:schemeClr val="tx1"/>
                 </a:solidFill>
@@ -9663,10 +9544,10 @@
                 <a:ea typeface="+mn-ea"/>
                 <a:cs typeface="+mn-cs"/>
               </a:rPr>
-              <a:t>public </a:t>
-            </a:r>
-            <a:r>
-              <a:rPr lang="en-US" sz="3000" kern="1200" err="1">
+              <a:t>Statement </a:t>
+            </a:r>
+            <a:r>
+              <a:rPr lang="en-US" sz="3000" kern="1200" dirty="0" err="1">
                 <a:solidFill>
                   <a:schemeClr val="tx1"/>
                 </a:solidFill>
@@ -9681,10 +9562,10 @@
                 <a:ea typeface="+mn-ea"/>
                 <a:cs typeface="+mn-cs"/>
               </a:rPr>
-              <a:t>ResultSet</a:t>
-            </a:r>
-            <a:r>
-              <a:rPr lang="en-US" sz="3000" kern="1200">
+              <a:t>statement</a:t>
+            </a:r>
+            <a:r>
+              <a:rPr lang="en-US" sz="3000" kern="1200" dirty="0">
                 <a:solidFill>
                   <a:schemeClr val="tx1"/>
                 </a:solidFill>
@@ -9699,10 +9580,10 @@
                 <a:ea typeface="+mn-ea"/>
                 <a:cs typeface="+mn-cs"/>
               </a:rPr>
-              <a:t> </a:t>
-            </a:r>
-            <a:r>
-              <a:rPr lang="en-US" sz="3000" kern="1200" err="1">
+              <a:t> = </a:t>
+            </a:r>
+            <a:r>
+              <a:rPr lang="en-US" sz="3000" kern="1200" dirty="0" err="1">
                 <a:solidFill>
                   <a:schemeClr val="tx1"/>
                 </a:solidFill>
@@ -9717,10 +9598,10 @@
                 <a:ea typeface="+mn-ea"/>
                 <a:cs typeface="+mn-cs"/>
               </a:rPr>
-              <a:t>executeQuery</a:t>
-            </a:r>
-            <a:r>
-              <a:rPr lang="en-US" sz="3000" kern="1200">
+              <a:t>connection.create.Statement</a:t>
+            </a:r>
+            <a:r>
+              <a:rPr lang="en-US" sz="3000" kern="1200" dirty="0">
                 <a:solidFill>
                   <a:schemeClr val="tx1"/>
                 </a:solidFill>
@@ -9735,43 +9616,7 @@
                 <a:ea typeface="+mn-ea"/>
                 <a:cs typeface="+mn-cs"/>
               </a:rPr>
-              <a:t>(String </a:t>
-            </a:r>
-            <a:r>
-              <a:rPr lang="en-US" sz="3000" kern="1200" err="1">
-                <a:solidFill>
-                  <a:schemeClr val="tx1"/>
-                </a:solidFill>
-                <a:effectLst>
-                  <a:outerShdw blurRad="38100" dist="38100" dir="2700000" algn="tl">
-                    <a:srgbClr val="000000">
-                      <a:alpha val="43137"/>
-                    </a:srgbClr>
-                  </a:outerShdw>
-                </a:effectLst>
-                <a:latin typeface="Sylfaen" panose="010A0502050306030303" pitchFamily="18" charset="0"/>
-                <a:ea typeface="+mn-ea"/>
-                <a:cs typeface="+mn-cs"/>
-              </a:rPr>
-              <a:t>sql</a:t>
-            </a:r>
-            <a:r>
-              <a:rPr lang="en-US" sz="3000" kern="1200">
-                <a:solidFill>
-                  <a:schemeClr val="tx1"/>
-                </a:solidFill>
-                <a:effectLst>
-                  <a:outerShdw blurRad="38100" dist="38100" dir="2700000" algn="tl">
-                    <a:srgbClr val="000000">
-                      <a:alpha val="43137"/>
-                    </a:srgbClr>
-                  </a:outerShdw>
-                </a:effectLst>
-                <a:latin typeface="Sylfaen" panose="010A0502050306030303" pitchFamily="18" charset="0"/>
-                <a:ea typeface="+mn-ea"/>
-                <a:cs typeface="+mn-cs"/>
-              </a:rPr>
-              <a:t>)</a:t>
+              <a:t>()</a:t>
             </a:r>
           </a:p>
           <a:p>
@@ -9793,7 +9638,7 @@
               <a:defRPr/>
             </a:pPr>
             <a:r>
-              <a:rPr lang="en-US" sz="3000" kern="1200">
+              <a:rPr lang="en-US" sz="3000" kern="1200" dirty="0">
                 <a:solidFill>
                   <a:schemeClr val="tx1"/>
                 </a:solidFill>
@@ -9808,10 +9653,10 @@
                 <a:ea typeface="+mn-ea"/>
                 <a:cs typeface="+mn-cs"/>
               </a:rPr>
-              <a:t>public int </a:t>
-            </a:r>
-            <a:r>
-              <a:rPr lang="en-US" sz="3000" kern="1200" err="1">
+              <a:t>public </a:t>
+            </a:r>
+            <a:r>
+              <a:rPr lang="en-US" sz="3000" kern="1200" dirty="0" err="1">
                 <a:solidFill>
                   <a:schemeClr val="tx1"/>
                 </a:solidFill>
@@ -9826,10 +9671,10 @@
                 <a:ea typeface="+mn-ea"/>
                 <a:cs typeface="+mn-cs"/>
               </a:rPr>
-              <a:t>executeUpdate</a:t>
-            </a:r>
-            <a:r>
-              <a:rPr lang="en-US" sz="3000" kern="1200">
+              <a:t>ResultSet</a:t>
+            </a:r>
+            <a:r>
+              <a:rPr lang="en-US" sz="3000" kern="1200" dirty="0">
                 <a:solidFill>
                   <a:schemeClr val="tx1"/>
                 </a:solidFill>
@@ -9844,10 +9689,10 @@
                 <a:ea typeface="+mn-ea"/>
                 <a:cs typeface="+mn-cs"/>
               </a:rPr>
-              <a:t>(String </a:t>
-            </a:r>
-            <a:r>
-              <a:rPr lang="en-US" sz="3000" kern="1200" err="1">
+              <a:t> </a:t>
+            </a:r>
+            <a:r>
+              <a:rPr lang="en-US" sz="3000" kern="1200" dirty="0" err="1">
                 <a:solidFill>
                   <a:schemeClr val="tx1"/>
                 </a:solidFill>
@@ -9862,10 +9707,46 @@
                 <a:ea typeface="+mn-ea"/>
                 <a:cs typeface="+mn-cs"/>
               </a:rPr>
+              <a:t>executeQuery</a:t>
+            </a:r>
+            <a:r>
+              <a:rPr lang="en-US" sz="3000" kern="1200" dirty="0">
+                <a:solidFill>
+                  <a:schemeClr val="tx1"/>
+                </a:solidFill>
+                <a:effectLst>
+                  <a:outerShdw blurRad="38100" dist="38100" dir="2700000" algn="tl">
+                    <a:srgbClr val="000000">
+                      <a:alpha val="43137"/>
+                    </a:srgbClr>
+                  </a:outerShdw>
+                </a:effectLst>
+                <a:latin typeface="Sylfaen" panose="010A0502050306030303" pitchFamily="18" charset="0"/>
+                <a:ea typeface="+mn-ea"/>
+                <a:cs typeface="+mn-cs"/>
+              </a:rPr>
+              <a:t>(String </a:t>
+            </a:r>
+            <a:r>
+              <a:rPr lang="en-US" sz="3000" kern="1200" dirty="0" err="1">
+                <a:solidFill>
+                  <a:schemeClr val="tx1"/>
+                </a:solidFill>
+                <a:effectLst>
+                  <a:outerShdw blurRad="38100" dist="38100" dir="2700000" algn="tl">
+                    <a:srgbClr val="000000">
+                      <a:alpha val="43137"/>
+                    </a:srgbClr>
+                  </a:outerShdw>
+                </a:effectLst>
+                <a:latin typeface="Sylfaen" panose="010A0502050306030303" pitchFamily="18" charset="0"/>
+                <a:ea typeface="+mn-ea"/>
+                <a:cs typeface="+mn-cs"/>
+              </a:rPr>
               <a:t>sql</a:t>
             </a:r>
             <a:r>
-              <a:rPr lang="en-US" sz="3000" kern="1200">
+              <a:rPr lang="en-US" sz="3000" kern="1200" dirty="0">
                 <a:solidFill>
                   <a:schemeClr val="tx1"/>
                 </a:solidFill>
@@ -9902,7 +9783,7 @@
               <a:defRPr/>
             </a:pPr>
             <a:r>
-              <a:rPr lang="en-US" sz="3000" kern="1200">
+              <a:rPr lang="en-US" sz="3000" kern="1200" dirty="0">
                 <a:solidFill>
                   <a:schemeClr val="tx1"/>
                 </a:solidFill>
@@ -9917,10 +9798,10 @@
                 <a:ea typeface="+mn-ea"/>
                 <a:cs typeface="+mn-cs"/>
               </a:rPr>
-              <a:t>public </a:t>
-            </a:r>
-            <a:r>
-              <a:rPr lang="en-US" sz="3000" kern="1200" err="1">
+              <a:t>public int </a:t>
+            </a:r>
+            <a:r>
+              <a:rPr lang="en-US" sz="3000" kern="1200" dirty="0" err="1">
                 <a:solidFill>
                   <a:schemeClr val="tx1"/>
                 </a:solidFill>
@@ -9935,10 +9816,10 @@
                 <a:ea typeface="+mn-ea"/>
                 <a:cs typeface="+mn-cs"/>
               </a:rPr>
-              <a:t>boolean</a:t>
-            </a:r>
-            <a:r>
-              <a:rPr lang="en-US" sz="3000" kern="1200">
+              <a:t>executeUpdate</a:t>
+            </a:r>
+            <a:r>
+              <a:rPr lang="en-US" sz="3000" kern="1200" dirty="0">
                 <a:solidFill>
                   <a:schemeClr val="tx1"/>
                 </a:solidFill>
@@ -9953,10 +9834,10 @@
                 <a:ea typeface="+mn-ea"/>
                 <a:cs typeface="+mn-cs"/>
               </a:rPr>
-              <a:t> execute(String </a:t>
-            </a:r>
-            <a:r>
-              <a:rPr lang="en-US" sz="3000" kern="1200" err="1">
+              <a:t>(String </a:t>
+            </a:r>
+            <a:r>
+              <a:rPr lang="en-US" sz="3000" kern="1200" dirty="0" err="1">
                 <a:solidFill>
                   <a:schemeClr val="tx1"/>
                 </a:solidFill>
@@ -9974,7 +9855,7 @@
               <a:t>sql</a:t>
             </a:r>
             <a:r>
-              <a:rPr lang="en-US" sz="3000" kern="1200">
+              <a:rPr lang="en-US" sz="3000" kern="1200" dirty="0">
                 <a:solidFill>
                   <a:schemeClr val="tx1"/>
                 </a:solidFill>
@@ -9991,7 +9872,116 @@
               </a:rPr>
               <a:t>)</a:t>
             </a:r>
-            <a:endParaRPr lang="en-US"/>
+          </a:p>
+          <a:p>
+            <a:pPr marL="0" marR="0" lvl="0" indent="0" algn="just" defTabSz="914400" rtl="0" eaLnBrk="1" fontAlgn="auto" latinLnBrk="0" hangingPunct="1">
+              <a:lnSpc>
+                <a:spcPct val="200000"/>
+              </a:lnSpc>
+              <a:spcBef>
+                <a:spcPts val="0"/>
+              </a:spcBef>
+              <a:spcAft>
+                <a:spcPts val="0"/>
+              </a:spcAft>
+              <a:buClrTx/>
+              <a:buSzTx/>
+              <a:buFontTx/>
+              <a:buNone/>
+              <a:tabLst/>
+              <a:defRPr/>
+            </a:pPr>
+            <a:r>
+              <a:rPr lang="en-US" sz="3000" kern="1200" dirty="0">
+                <a:solidFill>
+                  <a:schemeClr val="tx1"/>
+                </a:solidFill>
+                <a:effectLst>
+                  <a:outerShdw blurRad="38100" dist="38100" dir="2700000" algn="tl">
+                    <a:srgbClr val="000000">
+                      <a:alpha val="43137"/>
+                    </a:srgbClr>
+                  </a:outerShdw>
+                </a:effectLst>
+                <a:latin typeface="Sylfaen" panose="010A0502050306030303" pitchFamily="18" charset="0"/>
+                <a:ea typeface="+mn-ea"/>
+                <a:cs typeface="+mn-cs"/>
+              </a:rPr>
+              <a:t>public </a:t>
+            </a:r>
+            <a:r>
+              <a:rPr lang="en-US" sz="3000" kern="1200" dirty="0" err="1">
+                <a:solidFill>
+                  <a:schemeClr val="tx1"/>
+                </a:solidFill>
+                <a:effectLst>
+                  <a:outerShdw blurRad="38100" dist="38100" dir="2700000" algn="tl">
+                    <a:srgbClr val="000000">
+                      <a:alpha val="43137"/>
+                    </a:srgbClr>
+                  </a:outerShdw>
+                </a:effectLst>
+                <a:latin typeface="Sylfaen" panose="010A0502050306030303" pitchFamily="18" charset="0"/>
+                <a:ea typeface="+mn-ea"/>
+                <a:cs typeface="+mn-cs"/>
+              </a:rPr>
+              <a:t>boolean</a:t>
+            </a:r>
+            <a:r>
+              <a:rPr lang="en-US" sz="3000" kern="1200" dirty="0">
+                <a:solidFill>
+                  <a:schemeClr val="tx1"/>
+                </a:solidFill>
+                <a:effectLst>
+                  <a:outerShdw blurRad="38100" dist="38100" dir="2700000" algn="tl">
+                    <a:srgbClr val="000000">
+                      <a:alpha val="43137"/>
+                    </a:srgbClr>
+                  </a:outerShdw>
+                </a:effectLst>
+                <a:latin typeface="Sylfaen" panose="010A0502050306030303" pitchFamily="18" charset="0"/>
+                <a:ea typeface="+mn-ea"/>
+                <a:cs typeface="+mn-cs"/>
+              </a:rPr>
+              <a:t> execute(String </a:t>
+            </a:r>
+            <a:r>
+              <a:rPr lang="en-US" sz="3000" kern="1200" dirty="0" err="1">
+                <a:solidFill>
+                  <a:schemeClr val="tx1"/>
+                </a:solidFill>
+                <a:effectLst>
+                  <a:outerShdw blurRad="38100" dist="38100" dir="2700000" algn="tl">
+                    <a:srgbClr val="000000">
+                      <a:alpha val="43137"/>
+                    </a:srgbClr>
+                  </a:outerShdw>
+                </a:effectLst>
+                <a:latin typeface="Sylfaen" panose="010A0502050306030303" pitchFamily="18" charset="0"/>
+                <a:ea typeface="+mn-ea"/>
+                <a:cs typeface="+mn-cs"/>
+              </a:rPr>
+              <a:t>sql</a:t>
+            </a:r>
+            <a:r>
+              <a:rPr lang="en-US" sz="3000" kern="1200" dirty="0">
+                <a:solidFill>
+                  <a:schemeClr val="tx1"/>
+                </a:solidFill>
+                <a:effectLst>
+                  <a:outerShdw blurRad="38100" dist="38100" dir="2700000" algn="tl">
+                    <a:srgbClr val="000000">
+                      <a:alpha val="43137"/>
+                    </a:srgbClr>
+                  </a:outerShdw>
+                </a:effectLst>
+                <a:latin typeface="Sylfaen" panose="010A0502050306030303" pitchFamily="18" charset="0"/>
+                <a:ea typeface="+mn-ea"/>
+                <a:cs typeface="+mn-cs"/>
+              </a:rPr>
+              <a:t>)</a:t>
+            </a:r>
+            <a:endParaRPr lang="en-US" dirty="0"/>
           </a:p>
         </p:txBody>
       </p:sp>
@@ -10124,15 +10114,346 @@
         </p:nvSpPr>
         <p:spPr>
           <a:xfrm>
-            <a:off x="718458" y="1457961"/>
-            <a:ext cx="10904308" cy="4980414"/>
+            <a:off x="569235" y="1435382"/>
+            <a:ext cx="11808178" cy="5281505"/>
           </a:xfrm>
         </p:spPr>
         <p:txBody>
           <a:bodyPr>
-            <a:normAutofit fontScale="92500" lnSpcReduction="10000"/>
+            <a:normAutofit/>
           </a:bodyPr>
           <a:lstStyle/>
+          <a:p>
+            <a:pPr marL="0" indent="0">
+              <a:lnSpc>
+                <a:spcPct val="150000"/>
+              </a:lnSpc>
+              <a:buNone/>
+            </a:pPr>
+            <a:r>
+              <a:rPr lang="en-US" dirty="0">
+                <a:effectLst>
+                  <a:outerShdw blurRad="38100" dist="38100" dir="2700000" algn="tl">
+                    <a:srgbClr val="000000">
+                      <a:alpha val="43137"/>
+                    </a:srgbClr>
+                  </a:outerShdw>
+                </a:effectLst>
+                <a:latin typeface="Sylfaen" panose="010A0502050306030303" pitchFamily="18" charset="0"/>
+              </a:rPr>
+              <a:t>public </a:t>
+            </a:r>
+            <a:r>
+              <a:rPr lang="en-US" dirty="0" err="1">
+                <a:effectLst>
+                  <a:outerShdw blurRad="38100" dist="38100" dir="2700000" algn="tl">
+                    <a:srgbClr val="000000">
+                      <a:alpha val="43137"/>
+                    </a:srgbClr>
+                  </a:outerShdw>
+                </a:effectLst>
+                <a:latin typeface="Sylfaen" panose="010A0502050306030303" pitchFamily="18" charset="0"/>
+              </a:rPr>
+              <a:t>boolean</a:t>
+            </a:r>
+            <a:r>
+              <a:rPr lang="en-US" dirty="0">
+                <a:effectLst>
+                  <a:outerShdw blurRad="38100" dist="38100" dir="2700000" algn="tl">
+                    <a:srgbClr val="000000">
+                      <a:alpha val="43137"/>
+                    </a:srgbClr>
+                  </a:outerShdw>
+                </a:effectLst>
+                <a:latin typeface="Sylfaen" panose="010A0502050306030303" pitchFamily="18" charset="0"/>
+              </a:rPr>
+              <a:t> next () / previous () / first () / last ()</a:t>
+            </a:r>
+          </a:p>
+          <a:p>
+            <a:pPr marL="0" indent="0">
+              <a:lnSpc>
+                <a:spcPct val="150000"/>
+              </a:lnSpc>
+              <a:buNone/>
+            </a:pPr>
+            <a:r>
+              <a:rPr lang="en-US" dirty="0">
+                <a:effectLst>
+                  <a:outerShdw blurRad="38100" dist="38100" dir="2700000" algn="tl">
+                    <a:srgbClr val="000000">
+                      <a:alpha val="43137"/>
+                    </a:srgbClr>
+                  </a:outerShdw>
+                </a:effectLst>
+                <a:latin typeface="Sylfaen" panose="010A0502050306030303" pitchFamily="18" charset="0"/>
+              </a:rPr>
+              <a:t>public </a:t>
+            </a:r>
+            <a:r>
+              <a:rPr lang="en-US" dirty="0" err="1">
+                <a:effectLst>
+                  <a:outerShdw blurRad="38100" dist="38100" dir="2700000" algn="tl">
+                    <a:srgbClr val="000000">
+                      <a:alpha val="43137"/>
+                    </a:srgbClr>
+                  </a:outerShdw>
+                </a:effectLst>
+                <a:latin typeface="Sylfaen" panose="010A0502050306030303" pitchFamily="18" charset="0"/>
+              </a:rPr>
+              <a:t>boolean</a:t>
+            </a:r>
+            <a:r>
+              <a:rPr lang="en-US" dirty="0">
+                <a:effectLst>
+                  <a:outerShdw blurRad="38100" dist="38100" dir="2700000" algn="tl">
+                    <a:srgbClr val="000000">
+                      <a:alpha val="43137"/>
+                    </a:srgbClr>
+                  </a:outerShdw>
+                </a:effectLst>
+                <a:latin typeface="Sylfaen" panose="010A0502050306030303" pitchFamily="18" charset="0"/>
+              </a:rPr>
+              <a:t> absolute (int row)</a:t>
+            </a:r>
+          </a:p>
+          <a:p>
+            <a:pPr marL="0" indent="0">
+              <a:lnSpc>
+                <a:spcPct val="150000"/>
+              </a:lnSpc>
+              <a:buNone/>
+            </a:pPr>
+            <a:r>
+              <a:rPr lang="en-US" dirty="0">
+                <a:effectLst>
+                  <a:outerShdw blurRad="38100" dist="38100" dir="2700000" algn="tl">
+                    <a:srgbClr val="000000">
+                      <a:alpha val="43137"/>
+                    </a:srgbClr>
+                  </a:outerShdw>
+                </a:effectLst>
+                <a:latin typeface="Sylfaen" panose="010A0502050306030303" pitchFamily="18" charset="0"/>
+              </a:rPr>
+              <a:t>public </a:t>
+            </a:r>
+            <a:r>
+              <a:rPr lang="en-US" dirty="0" err="1">
+                <a:effectLst>
+                  <a:outerShdw blurRad="38100" dist="38100" dir="2700000" algn="tl">
+                    <a:srgbClr val="000000">
+                      <a:alpha val="43137"/>
+                    </a:srgbClr>
+                  </a:outerShdw>
+                </a:effectLst>
+                <a:latin typeface="Sylfaen" panose="010A0502050306030303" pitchFamily="18" charset="0"/>
+              </a:rPr>
+              <a:t>boolean</a:t>
+            </a:r>
+            <a:r>
+              <a:rPr lang="en-US" dirty="0">
+                <a:effectLst>
+                  <a:outerShdw blurRad="38100" dist="38100" dir="2700000" algn="tl">
+                    <a:srgbClr val="000000">
+                      <a:alpha val="43137"/>
+                    </a:srgbClr>
+                  </a:outerShdw>
+                </a:effectLst>
+                <a:latin typeface="Sylfaen" panose="010A0502050306030303" pitchFamily="18" charset="0"/>
+              </a:rPr>
+              <a:t> relative (int row)</a:t>
+            </a:r>
+          </a:p>
+          <a:p>
+            <a:pPr marL="0" indent="0">
+              <a:lnSpc>
+                <a:spcPct val="150000"/>
+              </a:lnSpc>
+              <a:buNone/>
+            </a:pPr>
+            <a:r>
+              <a:rPr lang="en-US" dirty="0">
+                <a:effectLst>
+                  <a:outerShdw blurRad="38100" dist="38100" dir="2700000" algn="tl">
+                    <a:srgbClr val="000000">
+                      <a:alpha val="43137"/>
+                    </a:srgbClr>
+                  </a:outerShdw>
+                </a:effectLst>
+                <a:latin typeface="Sylfaen" panose="010A0502050306030303" pitchFamily="18" charset="0"/>
+              </a:rPr>
+              <a:t>public int </a:t>
+            </a:r>
+            <a:r>
+              <a:rPr lang="en-US" dirty="0" err="1">
+                <a:effectLst>
+                  <a:outerShdw blurRad="38100" dist="38100" dir="2700000" algn="tl">
+                    <a:srgbClr val="000000">
+                      <a:alpha val="43137"/>
+                    </a:srgbClr>
+                  </a:outerShdw>
+                </a:effectLst>
+                <a:latin typeface="Sylfaen" panose="010A0502050306030303" pitchFamily="18" charset="0"/>
+              </a:rPr>
+              <a:t>getInt</a:t>
+            </a:r>
+            <a:r>
+              <a:rPr lang="en-US" dirty="0">
+                <a:effectLst>
+                  <a:outerShdw blurRad="38100" dist="38100" dir="2700000" algn="tl">
+                    <a:srgbClr val="000000">
+                      <a:alpha val="43137"/>
+                    </a:srgbClr>
+                  </a:outerShdw>
+                </a:effectLst>
+                <a:latin typeface="Sylfaen" panose="010A0502050306030303" pitchFamily="18" charset="0"/>
+              </a:rPr>
+              <a:t> / </a:t>
+            </a:r>
+            <a:r>
+              <a:rPr lang="en-US" dirty="0" err="1">
+                <a:effectLst>
+                  <a:outerShdw blurRad="38100" dist="38100" dir="2700000" algn="tl">
+                    <a:srgbClr val="000000">
+                      <a:alpha val="43137"/>
+                    </a:srgbClr>
+                  </a:outerShdw>
+                </a:effectLst>
+                <a:latin typeface="Sylfaen" panose="010A0502050306030303" pitchFamily="18" charset="0"/>
+              </a:rPr>
+              <a:t>getString</a:t>
+            </a:r>
+            <a:r>
+              <a:rPr lang="en-US" dirty="0">
+                <a:effectLst>
+                  <a:outerShdw blurRad="38100" dist="38100" dir="2700000" algn="tl">
+                    <a:srgbClr val="000000">
+                      <a:alpha val="43137"/>
+                    </a:srgbClr>
+                  </a:outerShdw>
+                </a:effectLst>
+                <a:latin typeface="Sylfaen" panose="010A0502050306030303" pitchFamily="18" charset="0"/>
+              </a:rPr>
+              <a:t> / … (int </a:t>
+            </a:r>
+            <a:r>
+              <a:rPr lang="en-US" dirty="0" err="1">
+                <a:effectLst>
+                  <a:outerShdw blurRad="38100" dist="38100" dir="2700000" algn="tl">
+                    <a:srgbClr val="000000">
+                      <a:alpha val="43137"/>
+                    </a:srgbClr>
+                  </a:outerShdw>
+                </a:effectLst>
+                <a:latin typeface="Sylfaen" panose="010A0502050306030303" pitchFamily="18" charset="0"/>
+              </a:rPr>
+              <a:t>columnIndex</a:t>
+            </a:r>
+            <a:r>
+              <a:rPr lang="en-US" dirty="0">
+                <a:effectLst>
+                  <a:outerShdw blurRad="38100" dist="38100" dir="2700000" algn="tl">
+                    <a:srgbClr val="000000">
+                      <a:alpha val="43137"/>
+                    </a:srgbClr>
+                  </a:outerShdw>
+                </a:effectLst>
+                <a:latin typeface="Sylfaen" panose="010A0502050306030303" pitchFamily="18" charset="0"/>
+              </a:rPr>
+              <a:t> / String </a:t>
+            </a:r>
+            <a:r>
+              <a:rPr lang="en-US" dirty="0" err="1">
+                <a:effectLst>
+                  <a:outerShdw blurRad="38100" dist="38100" dir="2700000" algn="tl">
+                    <a:srgbClr val="000000">
+                      <a:alpha val="43137"/>
+                    </a:srgbClr>
+                  </a:outerShdw>
+                </a:effectLst>
+                <a:latin typeface="Sylfaen" panose="010A0502050306030303" pitchFamily="18" charset="0"/>
+              </a:rPr>
+              <a:t>columnName</a:t>
+            </a:r>
+            <a:r>
+              <a:rPr lang="en-US" dirty="0">
+                <a:effectLst>
+                  <a:outerShdw blurRad="38100" dist="38100" dir="2700000" algn="tl">
+                    <a:srgbClr val="000000">
+                      <a:alpha val="43137"/>
+                    </a:srgbClr>
+                  </a:outerShdw>
+                </a:effectLst>
+                <a:latin typeface="Sylfaen" panose="010A0502050306030303" pitchFamily="18" charset="0"/>
+              </a:rPr>
+              <a:t>)</a:t>
+            </a:r>
+          </a:p>
+          <a:p>
+            <a:pPr marL="0" indent="0" algn="l">
+              <a:lnSpc>
+                <a:spcPct val="150000"/>
+              </a:lnSpc>
+              <a:buNone/>
+            </a:pPr>
+            <a:r>
+              <a:rPr lang="en-US" dirty="0" err="1">
+                <a:effectLst>
+                  <a:outerShdw blurRad="38100" dist="38100" dir="2700000" algn="tl">
+                    <a:srgbClr val="000000">
+                      <a:alpha val="43137"/>
+                    </a:srgbClr>
+                  </a:outerShdw>
+                </a:effectLst>
+                <a:latin typeface="Sylfaen" panose="010A0502050306030303" pitchFamily="18" charset="0"/>
+              </a:rPr>
+              <a:t>ResultSet.TYPE_SCROLL_INSENSITIVE</a:t>
+            </a:r>
+            <a:endParaRPr lang="en-US" dirty="0">
+              <a:effectLst>
+                <a:outerShdw blurRad="38100" dist="38100" dir="2700000" algn="tl">
+                  <a:srgbClr val="000000">
+                    <a:alpha val="43137"/>
+                  </a:srgbClr>
+                </a:outerShdw>
+              </a:effectLst>
+              <a:latin typeface="Sylfaen" panose="010A0502050306030303" pitchFamily="18" charset="0"/>
+            </a:endParaRPr>
+          </a:p>
+          <a:p>
+            <a:pPr marL="0" indent="0" algn="l">
+              <a:lnSpc>
+                <a:spcPct val="150000"/>
+              </a:lnSpc>
+              <a:buNone/>
+            </a:pPr>
+            <a:r>
+              <a:rPr lang="en-US" dirty="0" err="1">
+                <a:effectLst>
+                  <a:outerShdw blurRad="38100" dist="38100" dir="2700000" algn="tl">
+                    <a:srgbClr val="000000">
+                      <a:alpha val="43137"/>
+                    </a:srgbClr>
+                  </a:outerShdw>
+                </a:effectLst>
+                <a:latin typeface="Sylfaen" panose="010A0502050306030303" pitchFamily="18" charset="0"/>
+              </a:rPr>
+              <a:t>ResultSet.CONCUR_UPDATABLE</a:t>
+            </a:r>
+            <a:r>
+              <a:rPr lang="en-US" dirty="0">
+                <a:effectLst>
+                  <a:outerShdw blurRad="38100" dist="38100" dir="2700000" algn="tl">
+                    <a:srgbClr val="000000">
+                      <a:alpha val="43137"/>
+                    </a:srgbClr>
+                  </a:outerShdw>
+                </a:effectLst>
+                <a:latin typeface="Sylfaen" panose="010A0502050306030303" pitchFamily="18" charset="0"/>
+              </a:rPr>
+              <a:t>);</a:t>
+            </a:r>
+          </a:p>
           <a:p>
             <a:pPr marL="0" indent="0">
               <a:lnSpc>
@@ -10140,505 +10461,7 @@
               </a:lnSpc>
               <a:buNone/>
             </a:pPr>
-            <a:r>
-              <a:rPr lang="en-US" sz="3000">
-                <a:effectLst>
-                  <a:outerShdw blurRad="38100" dist="38100" dir="2700000" algn="tl">
-                    <a:srgbClr val="000000">
-                      <a:alpha val="43137"/>
-                    </a:srgbClr>
-                  </a:outerShdw>
-                </a:effectLst>
-                <a:latin typeface="Sylfaen" panose="010A0502050306030303" pitchFamily="18" charset="0"/>
-              </a:rPr>
-              <a:t>public </a:t>
-            </a:r>
-            <a:r>
-              <a:rPr lang="en-US" sz="3000" err="1">
-                <a:effectLst>
-                  <a:outerShdw blurRad="38100" dist="38100" dir="2700000" algn="tl">
-                    <a:srgbClr val="000000">
-                      <a:alpha val="43137"/>
-                    </a:srgbClr>
-                  </a:outerShdw>
-                </a:effectLst>
-                <a:latin typeface="Sylfaen" panose="010A0502050306030303" pitchFamily="18" charset="0"/>
-              </a:rPr>
-              <a:t>boolean</a:t>
-            </a:r>
-            <a:r>
-              <a:rPr lang="en-US" sz="3000">
-                <a:effectLst>
-                  <a:outerShdw blurRad="38100" dist="38100" dir="2700000" algn="tl">
-                    <a:srgbClr val="000000">
-                      <a:alpha val="43137"/>
-                    </a:srgbClr>
-                  </a:outerShdw>
-                </a:effectLst>
-                <a:latin typeface="Sylfaen" panose="010A0502050306030303" pitchFamily="18" charset="0"/>
-              </a:rPr>
-              <a:t> next ()</a:t>
-            </a:r>
-          </a:p>
-          <a:p>
-            <a:pPr marL="0" indent="0">
-              <a:lnSpc>
-                <a:spcPct val="100000"/>
-              </a:lnSpc>
-              <a:buNone/>
-            </a:pPr>
-            <a:r>
-              <a:rPr lang="en-US" sz="3000">
-                <a:effectLst>
-                  <a:outerShdw blurRad="38100" dist="38100" dir="2700000" algn="tl">
-                    <a:srgbClr val="000000">
-                      <a:alpha val="43137"/>
-                    </a:srgbClr>
-                  </a:outerShdw>
-                </a:effectLst>
-                <a:latin typeface="Sylfaen" panose="010A0502050306030303" pitchFamily="18" charset="0"/>
-              </a:rPr>
-              <a:t>public </a:t>
-            </a:r>
-            <a:r>
-              <a:rPr lang="en-US" sz="3000" err="1">
-                <a:effectLst>
-                  <a:outerShdw blurRad="38100" dist="38100" dir="2700000" algn="tl">
-                    <a:srgbClr val="000000">
-                      <a:alpha val="43137"/>
-                    </a:srgbClr>
-                  </a:outerShdw>
-                </a:effectLst>
-                <a:latin typeface="Sylfaen" panose="010A0502050306030303" pitchFamily="18" charset="0"/>
-              </a:rPr>
-              <a:t>boolean</a:t>
-            </a:r>
-            <a:r>
-              <a:rPr lang="en-US" sz="3000">
-                <a:effectLst>
-                  <a:outerShdw blurRad="38100" dist="38100" dir="2700000" algn="tl">
-                    <a:srgbClr val="000000">
-                      <a:alpha val="43137"/>
-                    </a:srgbClr>
-                  </a:outerShdw>
-                </a:effectLst>
-                <a:latin typeface="Sylfaen" panose="010A0502050306030303" pitchFamily="18" charset="0"/>
-              </a:rPr>
-              <a:t> previous ():</a:t>
-            </a:r>
-          </a:p>
-          <a:p>
-            <a:pPr marL="0" indent="0">
-              <a:lnSpc>
-                <a:spcPct val="100000"/>
-              </a:lnSpc>
-              <a:buNone/>
-            </a:pPr>
-            <a:r>
-              <a:rPr lang="en-US" sz="3000">
-                <a:effectLst>
-                  <a:outerShdw blurRad="38100" dist="38100" dir="2700000" algn="tl">
-                    <a:srgbClr val="000000">
-                      <a:alpha val="43137"/>
-                    </a:srgbClr>
-                  </a:outerShdw>
-                </a:effectLst>
-                <a:latin typeface="Sylfaen" panose="010A0502050306030303" pitchFamily="18" charset="0"/>
-              </a:rPr>
-              <a:t>public </a:t>
-            </a:r>
-            <a:r>
-              <a:rPr lang="en-US" sz="3000" err="1">
-                <a:effectLst>
-                  <a:outerShdw blurRad="38100" dist="38100" dir="2700000" algn="tl">
-                    <a:srgbClr val="000000">
-                      <a:alpha val="43137"/>
-                    </a:srgbClr>
-                  </a:outerShdw>
-                </a:effectLst>
-                <a:latin typeface="Sylfaen" panose="010A0502050306030303" pitchFamily="18" charset="0"/>
-              </a:rPr>
-              <a:t>boolean</a:t>
-            </a:r>
-            <a:r>
-              <a:rPr lang="en-US" sz="3000">
-                <a:effectLst>
-                  <a:outerShdw blurRad="38100" dist="38100" dir="2700000" algn="tl">
-                    <a:srgbClr val="000000">
-                      <a:alpha val="43137"/>
-                    </a:srgbClr>
-                  </a:outerShdw>
-                </a:effectLst>
-                <a:latin typeface="Sylfaen" panose="010A0502050306030303" pitchFamily="18" charset="0"/>
-              </a:rPr>
-              <a:t> first ()</a:t>
-            </a:r>
-          </a:p>
-          <a:p>
-            <a:pPr marL="0" indent="0">
-              <a:lnSpc>
-                <a:spcPct val="100000"/>
-              </a:lnSpc>
-              <a:buNone/>
-            </a:pPr>
-            <a:r>
-              <a:rPr lang="en-US" sz="3000">
-                <a:effectLst>
-                  <a:outerShdw blurRad="38100" dist="38100" dir="2700000" algn="tl">
-                    <a:srgbClr val="000000">
-                      <a:alpha val="43137"/>
-                    </a:srgbClr>
-                  </a:outerShdw>
-                </a:effectLst>
-                <a:latin typeface="Sylfaen" panose="010A0502050306030303" pitchFamily="18" charset="0"/>
-              </a:rPr>
-              <a:t>public </a:t>
-            </a:r>
-            <a:r>
-              <a:rPr lang="en-US" sz="3000" err="1">
-                <a:effectLst>
-                  <a:outerShdw blurRad="38100" dist="38100" dir="2700000" algn="tl">
-                    <a:srgbClr val="000000">
-                      <a:alpha val="43137"/>
-                    </a:srgbClr>
-                  </a:outerShdw>
-                </a:effectLst>
-                <a:latin typeface="Sylfaen" panose="010A0502050306030303" pitchFamily="18" charset="0"/>
-              </a:rPr>
-              <a:t>boolean</a:t>
-            </a:r>
-            <a:r>
-              <a:rPr lang="en-US" sz="3000">
-                <a:effectLst>
-                  <a:outerShdw blurRad="38100" dist="38100" dir="2700000" algn="tl">
-                    <a:srgbClr val="000000">
-                      <a:alpha val="43137"/>
-                    </a:srgbClr>
-                  </a:outerShdw>
-                </a:effectLst>
-                <a:latin typeface="Sylfaen" panose="010A0502050306030303" pitchFamily="18" charset="0"/>
-              </a:rPr>
-              <a:t> last ()</a:t>
-            </a:r>
-          </a:p>
-          <a:p>
-            <a:pPr marL="0" indent="0">
-              <a:lnSpc>
-                <a:spcPct val="100000"/>
-              </a:lnSpc>
-              <a:buNone/>
-            </a:pPr>
-            <a:r>
-              <a:rPr lang="en-US" sz="3000">
-                <a:effectLst>
-                  <a:outerShdw blurRad="38100" dist="38100" dir="2700000" algn="tl">
-                    <a:srgbClr val="000000">
-                      <a:alpha val="43137"/>
-                    </a:srgbClr>
-                  </a:outerShdw>
-                </a:effectLst>
-                <a:latin typeface="Sylfaen" panose="010A0502050306030303" pitchFamily="18" charset="0"/>
-              </a:rPr>
-              <a:t>public </a:t>
-            </a:r>
-            <a:r>
-              <a:rPr lang="en-US" sz="3000" err="1">
-                <a:effectLst>
-                  <a:outerShdw blurRad="38100" dist="38100" dir="2700000" algn="tl">
-                    <a:srgbClr val="000000">
-                      <a:alpha val="43137"/>
-                    </a:srgbClr>
-                  </a:outerShdw>
-                </a:effectLst>
-                <a:latin typeface="Sylfaen" panose="010A0502050306030303" pitchFamily="18" charset="0"/>
-              </a:rPr>
-              <a:t>boolean</a:t>
-            </a:r>
-            <a:r>
-              <a:rPr lang="en-US" sz="3000">
-                <a:effectLst>
-                  <a:outerShdw blurRad="38100" dist="38100" dir="2700000" algn="tl">
-                    <a:srgbClr val="000000">
-                      <a:alpha val="43137"/>
-                    </a:srgbClr>
-                  </a:outerShdw>
-                </a:effectLst>
-                <a:latin typeface="Sylfaen" panose="010A0502050306030303" pitchFamily="18" charset="0"/>
-              </a:rPr>
-              <a:t> absolute (int row)</a:t>
-            </a:r>
-          </a:p>
-          <a:p>
-            <a:pPr marL="0" indent="0">
-              <a:lnSpc>
-                <a:spcPct val="100000"/>
-              </a:lnSpc>
-              <a:buNone/>
-            </a:pPr>
-            <a:r>
-              <a:rPr lang="en-US" sz="3000">
-                <a:effectLst>
-                  <a:outerShdw blurRad="38100" dist="38100" dir="2700000" algn="tl">
-                    <a:srgbClr val="000000">
-                      <a:alpha val="43137"/>
-                    </a:srgbClr>
-                  </a:outerShdw>
-                </a:effectLst>
-                <a:latin typeface="Sylfaen" panose="010A0502050306030303" pitchFamily="18" charset="0"/>
-              </a:rPr>
-              <a:t>public </a:t>
-            </a:r>
-            <a:r>
-              <a:rPr lang="en-US" sz="3000" err="1">
-                <a:effectLst>
-                  <a:outerShdw blurRad="38100" dist="38100" dir="2700000" algn="tl">
-                    <a:srgbClr val="000000">
-                      <a:alpha val="43137"/>
-                    </a:srgbClr>
-                  </a:outerShdw>
-                </a:effectLst>
-                <a:latin typeface="Sylfaen" panose="010A0502050306030303" pitchFamily="18" charset="0"/>
-              </a:rPr>
-              <a:t>boolean</a:t>
-            </a:r>
-            <a:r>
-              <a:rPr lang="en-US" sz="3000">
-                <a:effectLst>
-                  <a:outerShdw blurRad="38100" dist="38100" dir="2700000" algn="tl">
-                    <a:srgbClr val="000000">
-                      <a:alpha val="43137"/>
-                    </a:srgbClr>
-                  </a:outerShdw>
-                </a:effectLst>
-                <a:latin typeface="Sylfaen" panose="010A0502050306030303" pitchFamily="18" charset="0"/>
-              </a:rPr>
-              <a:t> relative (int row)</a:t>
-            </a:r>
-          </a:p>
-          <a:p>
-            <a:pPr marL="0" indent="0">
-              <a:lnSpc>
-                <a:spcPct val="100000"/>
-              </a:lnSpc>
-              <a:buNone/>
-            </a:pPr>
-            <a:r>
-              <a:rPr lang="en-US" sz="3000">
-                <a:effectLst>
-                  <a:outerShdw blurRad="38100" dist="38100" dir="2700000" algn="tl">
-                    <a:srgbClr val="000000">
-                      <a:alpha val="43137"/>
-                    </a:srgbClr>
-                  </a:outerShdw>
-                </a:effectLst>
-                <a:latin typeface="Sylfaen" panose="010A0502050306030303" pitchFamily="18" charset="0"/>
-              </a:rPr>
-              <a:t>public int </a:t>
-            </a:r>
-            <a:r>
-              <a:rPr lang="en-US" sz="3000" err="1">
-                <a:effectLst>
-                  <a:outerShdw blurRad="38100" dist="38100" dir="2700000" algn="tl">
-                    <a:srgbClr val="000000">
-                      <a:alpha val="43137"/>
-                    </a:srgbClr>
-                  </a:outerShdw>
-                </a:effectLst>
-                <a:latin typeface="Sylfaen" panose="010A0502050306030303" pitchFamily="18" charset="0"/>
-              </a:rPr>
-              <a:t>getInt</a:t>
-            </a:r>
-            <a:r>
-              <a:rPr lang="en-US" sz="3000">
-                <a:effectLst>
-                  <a:outerShdw blurRad="38100" dist="38100" dir="2700000" algn="tl">
-                    <a:srgbClr val="000000">
-                      <a:alpha val="43137"/>
-                    </a:srgbClr>
-                  </a:outerShdw>
-                </a:effectLst>
-                <a:latin typeface="Sylfaen" panose="010A0502050306030303" pitchFamily="18" charset="0"/>
-              </a:rPr>
-              <a:t> (int </a:t>
-            </a:r>
-            <a:r>
-              <a:rPr lang="en-US" sz="3000" err="1">
-                <a:effectLst>
-                  <a:outerShdw blurRad="38100" dist="38100" dir="2700000" algn="tl">
-                    <a:srgbClr val="000000">
-                      <a:alpha val="43137"/>
-                    </a:srgbClr>
-                  </a:outerShdw>
-                </a:effectLst>
-                <a:latin typeface="Sylfaen" panose="010A0502050306030303" pitchFamily="18" charset="0"/>
-              </a:rPr>
-              <a:t>columnIndex</a:t>
-            </a:r>
-            <a:r>
-              <a:rPr lang="en-US" sz="3000">
-                <a:effectLst>
-                  <a:outerShdw blurRad="38100" dist="38100" dir="2700000" algn="tl">
-                    <a:srgbClr val="000000">
-                      <a:alpha val="43137"/>
-                    </a:srgbClr>
-                  </a:outerShdw>
-                </a:effectLst>
-                <a:latin typeface="Sylfaen" panose="010A0502050306030303" pitchFamily="18" charset="0"/>
-              </a:rPr>
-              <a:t> / String </a:t>
-            </a:r>
-            <a:r>
-              <a:rPr lang="en-US" sz="3000" err="1">
-                <a:effectLst>
-                  <a:outerShdw blurRad="38100" dist="38100" dir="2700000" algn="tl">
-                    <a:srgbClr val="000000">
-                      <a:alpha val="43137"/>
-                    </a:srgbClr>
-                  </a:outerShdw>
-                </a:effectLst>
-                <a:latin typeface="Sylfaen" panose="010A0502050306030303" pitchFamily="18" charset="0"/>
-              </a:rPr>
-              <a:t>columnName</a:t>
-            </a:r>
-            <a:r>
-              <a:rPr lang="en-US" sz="3000">
-                <a:effectLst>
-                  <a:outerShdw blurRad="38100" dist="38100" dir="2700000" algn="tl">
-                    <a:srgbClr val="000000">
-                      <a:alpha val="43137"/>
-                    </a:srgbClr>
-                  </a:outerShdw>
-                </a:effectLst>
-                <a:latin typeface="Sylfaen" panose="010A0502050306030303" pitchFamily="18" charset="0"/>
-              </a:rPr>
-              <a:t>)</a:t>
-            </a:r>
-          </a:p>
-          <a:p>
-            <a:pPr marL="0" indent="0">
-              <a:lnSpc>
-                <a:spcPct val="100000"/>
-              </a:lnSpc>
-              <a:buNone/>
-            </a:pPr>
-            <a:r>
-              <a:rPr lang="en-US" sz="3000">
-                <a:effectLst>
-                  <a:outerShdw blurRad="38100" dist="38100" dir="2700000" algn="tl">
-                    <a:srgbClr val="000000">
-                      <a:alpha val="43137"/>
-                    </a:srgbClr>
-                  </a:outerShdw>
-                </a:effectLst>
-                <a:latin typeface="Sylfaen" panose="010A0502050306030303" pitchFamily="18" charset="0"/>
-              </a:rPr>
-              <a:t>public String </a:t>
-            </a:r>
-            <a:r>
-              <a:rPr lang="en-US" sz="3000" err="1">
-                <a:effectLst>
-                  <a:outerShdw blurRad="38100" dist="38100" dir="2700000" algn="tl">
-                    <a:srgbClr val="000000">
-                      <a:alpha val="43137"/>
-                    </a:srgbClr>
-                  </a:outerShdw>
-                </a:effectLst>
-                <a:latin typeface="Sylfaen" panose="010A0502050306030303" pitchFamily="18" charset="0"/>
-              </a:rPr>
-              <a:t>getString</a:t>
-            </a:r>
-            <a:r>
-              <a:rPr lang="en-US" sz="3000">
-                <a:effectLst>
-                  <a:outerShdw blurRad="38100" dist="38100" dir="2700000" algn="tl">
-                    <a:srgbClr val="000000">
-                      <a:alpha val="43137"/>
-                    </a:srgbClr>
-                  </a:outerShdw>
-                </a:effectLst>
-                <a:latin typeface="Sylfaen" panose="010A0502050306030303" pitchFamily="18" charset="0"/>
-              </a:rPr>
-              <a:t> (int </a:t>
-            </a:r>
-            <a:r>
-              <a:rPr lang="en-US" sz="3000" err="1">
-                <a:effectLst>
-                  <a:outerShdw blurRad="38100" dist="38100" dir="2700000" algn="tl">
-                    <a:srgbClr val="000000">
-                      <a:alpha val="43137"/>
-                    </a:srgbClr>
-                  </a:outerShdw>
-                </a:effectLst>
-                <a:latin typeface="Sylfaen" panose="010A0502050306030303" pitchFamily="18" charset="0"/>
-              </a:rPr>
-              <a:t>columnIndex</a:t>
-            </a:r>
-            <a:r>
-              <a:rPr lang="en-US" sz="3000">
-                <a:effectLst>
-                  <a:outerShdw blurRad="38100" dist="38100" dir="2700000" algn="tl">
-                    <a:srgbClr val="000000">
-                      <a:alpha val="43137"/>
-                    </a:srgbClr>
-                  </a:outerShdw>
-                </a:effectLst>
-                <a:latin typeface="Sylfaen" panose="010A0502050306030303" pitchFamily="18" charset="0"/>
-              </a:rPr>
-              <a:t> / String </a:t>
-            </a:r>
-            <a:r>
-              <a:rPr lang="en-US" sz="3000" err="1">
-                <a:effectLst>
-                  <a:outerShdw blurRad="38100" dist="38100" dir="2700000" algn="tl">
-                    <a:srgbClr val="000000">
-                      <a:alpha val="43137"/>
-                    </a:srgbClr>
-                  </a:outerShdw>
-                </a:effectLst>
-                <a:latin typeface="Sylfaen" panose="010A0502050306030303" pitchFamily="18" charset="0"/>
-              </a:rPr>
-              <a:t>columnName</a:t>
-            </a:r>
-            <a:r>
-              <a:rPr lang="en-US" sz="3000">
-                <a:effectLst>
-                  <a:outerShdw blurRad="38100" dist="38100" dir="2700000" algn="tl">
-                    <a:srgbClr val="000000">
-                      <a:alpha val="43137"/>
-                    </a:srgbClr>
-                  </a:outerShdw>
-                </a:effectLst>
-                <a:latin typeface="Sylfaen" panose="010A0502050306030303" pitchFamily="18" charset="0"/>
-              </a:rPr>
-              <a:t>)</a:t>
-            </a:r>
-          </a:p>
-          <a:p>
-            <a:pPr marL="0" indent="0" algn="l">
-              <a:buNone/>
-            </a:pPr>
-            <a:r>
-              <a:rPr lang="en-US" sz="3000">
-                <a:effectLst>
-                  <a:outerShdw blurRad="38100" dist="38100" dir="2700000" algn="tl">
-                    <a:srgbClr val="000000">
-                      <a:alpha val="43137"/>
-                    </a:srgbClr>
-                  </a:outerShdw>
-                </a:effectLst>
-                <a:latin typeface="Sylfaen" panose="010A0502050306030303" pitchFamily="18" charset="0"/>
-              </a:rPr>
-              <a:t>ResultSet.TYPE_SCROLL_INSENSITIVE ResultSet.CONCUR_UPDATABLE);</a:t>
-            </a:r>
-          </a:p>
-          <a:p>
-            <a:pPr marL="0" indent="0">
-              <a:lnSpc>
-                <a:spcPct val="100000"/>
-              </a:lnSpc>
-              <a:buNone/>
-            </a:pPr>
-            <a:endParaRPr lang="en-US" sz="3000">
+            <a:endParaRPr lang="en-US" sz="3000" dirty="0">
               <a:effectLst>
                 <a:outerShdw blurRad="38100" dist="38100" dir="2700000" algn="tl">
                   <a:srgbClr val="000000">

--- a/JDBC/JDBC_Presentation.pptx
+++ b/JDBC/JDBC_Presentation.pptx
@@ -7306,7 +7306,7 @@
                 </a:effectLst>
                 <a:latin typeface="Sylfaen" panose="010A0502050306030303" pitchFamily="18" charset="0"/>
               </a:rPr>
-              <a:t>factory.createJdbcRowSet</a:t>
+              <a:t>factory.createCachedRowSet</a:t>
             </a:r>
             <a:r>
               <a:rPr lang="en-US" sz="2400" dirty="0">
@@ -10115,7 +10115,7 @@
         <p:spPr>
           <a:xfrm>
             <a:off x="569235" y="1435382"/>
-            <a:ext cx="11808178" cy="5281505"/>
+            <a:ext cx="11053530" cy="5281505"/>
           </a:xfrm>
         </p:spPr>
         <p:txBody>
@@ -10440,19 +10440,16 @@
               </a:rPr>
               <a:t>ResultSet.CONCUR_UPDATABLE</a:t>
             </a:r>
-            <a:r>
-              <a:rPr lang="en-US" dirty="0">
-                <a:effectLst>
-                  <a:outerShdw blurRad="38100" dist="38100" dir="2700000" algn="tl">
-                    <a:srgbClr val="000000">
-                      <a:alpha val="43137"/>
-                    </a:srgbClr>
-                  </a:outerShdw>
-                </a:effectLst>
-                <a:latin typeface="Sylfaen" panose="010A0502050306030303" pitchFamily="18" charset="0"/>
-              </a:rPr>
-              <a:t>);</a:t>
-            </a:r>
+            <a:endParaRPr lang="en-US" dirty="0">
+              <a:effectLst>
+                <a:outerShdw blurRad="38100" dist="38100" dir="2700000" algn="tl">
+                  <a:srgbClr val="000000">
+                    <a:alpha val="43137"/>
+                  </a:srgbClr>
+                </a:outerShdw>
+              </a:effectLst>
+              <a:latin typeface="Sylfaen" panose="010A0502050306030303" pitchFamily="18" charset="0"/>
+            </a:endParaRPr>
           </a:p>
           <a:p>
             <a:pPr marL="0" indent="0">

--- a/JDBC/JDBC_Presentation.pptx
+++ b/JDBC/JDBC_Presentation.pptx
@@ -214,7 +214,7 @@
           <a:p>
             <a:fld id="{F988C94B-7918-458B-9AF1-0DBDD7FC850F}" type="datetimeFigureOut">
               <a:rPr lang="en-US" smtClean="0"/>
-              <a:t>8/28/2022</a:t>
+              <a:t>2022-08-29</a:t>
             </a:fld>
             <a:endParaRPr lang="en-US"/>
           </a:p>
@@ -612,7 +612,7 @@
           <a:p>
             <a:fld id="{0A968979-5CB5-4E5D-B82F-DAC09775BD7D}" type="datetimeFigureOut">
               <a:rPr lang="en-US" smtClean="0"/>
-              <a:t>8/28/2022</a:t>
+              <a:t>2022-08-29</a:t>
             </a:fld>
             <a:endParaRPr lang="en-US"/>
           </a:p>
@@ -782,7 +782,7 @@
           <a:p>
             <a:fld id="{0A968979-5CB5-4E5D-B82F-DAC09775BD7D}" type="datetimeFigureOut">
               <a:rPr lang="en-US" smtClean="0"/>
-              <a:t>8/28/2022</a:t>
+              <a:t>2022-08-29</a:t>
             </a:fld>
             <a:endParaRPr lang="en-US"/>
           </a:p>
@@ -962,7 +962,7 @@
           <a:p>
             <a:fld id="{0A968979-5CB5-4E5D-B82F-DAC09775BD7D}" type="datetimeFigureOut">
               <a:rPr lang="en-US" smtClean="0"/>
-              <a:t>8/28/2022</a:t>
+              <a:t>2022-08-29</a:t>
             </a:fld>
             <a:endParaRPr lang="en-US"/>
           </a:p>
@@ -1132,7 +1132,7 @@
           <a:p>
             <a:fld id="{0A968979-5CB5-4E5D-B82F-DAC09775BD7D}" type="datetimeFigureOut">
               <a:rPr lang="en-US" smtClean="0"/>
-              <a:t>8/28/2022</a:t>
+              <a:t>2022-08-29</a:t>
             </a:fld>
             <a:endParaRPr lang="en-US"/>
           </a:p>
@@ -1378,7 +1378,7 @@
           <a:p>
             <a:fld id="{0A968979-5CB5-4E5D-B82F-DAC09775BD7D}" type="datetimeFigureOut">
               <a:rPr lang="en-US" smtClean="0"/>
-              <a:t>8/28/2022</a:t>
+              <a:t>2022-08-29</a:t>
             </a:fld>
             <a:endParaRPr lang="en-US"/>
           </a:p>
@@ -1610,7 +1610,7 @@
           <a:p>
             <a:fld id="{0A968979-5CB5-4E5D-B82F-DAC09775BD7D}" type="datetimeFigureOut">
               <a:rPr lang="en-US" smtClean="0"/>
-              <a:t>8/28/2022</a:t>
+              <a:t>2022-08-29</a:t>
             </a:fld>
             <a:endParaRPr lang="en-US"/>
           </a:p>
@@ -1977,7 +1977,7 @@
           <a:p>
             <a:fld id="{0A968979-5CB5-4E5D-B82F-DAC09775BD7D}" type="datetimeFigureOut">
               <a:rPr lang="en-US" smtClean="0"/>
-              <a:t>8/28/2022</a:t>
+              <a:t>2022-08-29</a:t>
             </a:fld>
             <a:endParaRPr lang="en-US"/>
           </a:p>
@@ -2095,7 +2095,7 @@
           <a:p>
             <a:fld id="{0A968979-5CB5-4E5D-B82F-DAC09775BD7D}" type="datetimeFigureOut">
               <a:rPr lang="en-US" smtClean="0"/>
-              <a:t>8/28/2022</a:t>
+              <a:t>2022-08-29</a:t>
             </a:fld>
             <a:endParaRPr lang="en-US"/>
           </a:p>
@@ -2190,7 +2190,7 @@
           <a:p>
             <a:fld id="{0A968979-5CB5-4E5D-B82F-DAC09775BD7D}" type="datetimeFigureOut">
               <a:rPr lang="en-US" smtClean="0"/>
-              <a:t>8/28/2022</a:t>
+              <a:t>2022-08-29</a:t>
             </a:fld>
             <a:endParaRPr lang="en-US"/>
           </a:p>
@@ -2467,7 +2467,7 @@
           <a:p>
             <a:fld id="{0A968979-5CB5-4E5D-B82F-DAC09775BD7D}" type="datetimeFigureOut">
               <a:rPr lang="en-US" smtClean="0"/>
-              <a:t>8/28/2022</a:t>
+              <a:t>2022-08-29</a:t>
             </a:fld>
             <a:endParaRPr lang="en-US"/>
           </a:p>
@@ -2723,7 +2723,7 @@
           <a:p>
             <a:fld id="{0A968979-5CB5-4E5D-B82F-DAC09775BD7D}" type="datetimeFigureOut">
               <a:rPr lang="en-US" smtClean="0"/>
-              <a:t>8/28/2022</a:t>
+              <a:t>2022-08-29</a:t>
             </a:fld>
             <a:endParaRPr lang="en-US"/>
           </a:p>
@@ -2936,7 +2936,7 @@
           <a:p>
             <a:fld id="{0A968979-5CB5-4E5D-B82F-DAC09775BD7D}" type="datetimeFigureOut">
               <a:rPr lang="en-US" smtClean="0"/>
-              <a:t>8/28/2022</a:t>
+              <a:t>2022-08-29</a:t>
             </a:fld>
             <a:endParaRPr lang="en-US"/>
           </a:p>
@@ -3962,7 +3962,7 @@
         </p:nvSpPr>
         <p:spPr>
           <a:xfrm>
-            <a:off x="838200" y="2029366"/>
+            <a:off x="838200" y="1918530"/>
             <a:ext cx="11243872" cy="4522364"/>
           </a:xfrm>
         </p:spPr>
@@ -10131,43 +10131,17 @@
               <a:buNone/>
             </a:pPr>
             <a:r>
-              <a:rPr lang="en-US" dirty="0">
-                <a:effectLst>
-                  <a:outerShdw blurRad="38100" dist="38100" dir="2700000" algn="tl">
-                    <a:srgbClr val="000000">
-                      <a:alpha val="43137"/>
-                    </a:srgbClr>
-                  </a:outerShdw>
-                </a:effectLst>
-                <a:latin typeface="Sylfaen" panose="010A0502050306030303" pitchFamily="18" charset="0"/>
-              </a:rPr>
-              <a:t>public </a:t>
-            </a:r>
-            <a:r>
-              <a:rPr lang="en-US" dirty="0" err="1">
-                <a:effectLst>
-                  <a:outerShdw blurRad="38100" dist="38100" dir="2700000" algn="tl">
-                    <a:srgbClr val="000000">
-                      <a:alpha val="43137"/>
-                    </a:srgbClr>
-                  </a:outerShdw>
-                </a:effectLst>
-                <a:latin typeface="Sylfaen" panose="010A0502050306030303" pitchFamily="18" charset="0"/>
-              </a:rPr>
-              <a:t>boolean</a:t>
-            </a:r>
-            <a:r>
-              <a:rPr lang="en-US" dirty="0">
-                <a:effectLst>
-                  <a:outerShdw blurRad="38100" dist="38100" dir="2700000" algn="tl">
-                    <a:srgbClr val="000000">
-                      <a:alpha val="43137"/>
-                    </a:srgbClr>
-                  </a:outerShdw>
-                </a:effectLst>
-                <a:latin typeface="Sylfaen" panose="010A0502050306030303" pitchFamily="18" charset="0"/>
-              </a:rPr>
-              <a:t> next () / previous () / first () / last ()</a:t>
+              <a:rPr lang="en-US">
+                <a:effectLst>
+                  <a:outerShdw blurRad="38100" dist="38100" dir="2700000" algn="tl">
+                    <a:srgbClr val="000000">
+                      <a:alpha val="43137"/>
+                    </a:srgbClr>
+                  </a:outerShdw>
+                </a:effectLst>
+                <a:latin typeface="Sylfaen" panose="010A0502050306030303" pitchFamily="18" charset="0"/>
+              </a:rPr>
+              <a:t>ResultSet.TYPE_SCROLL_INSENSITIVE</a:t>
             </a:r>
           </a:p>
           <a:p>
@@ -10178,43 +10152,17 @@
               <a:buNone/>
             </a:pPr>
             <a:r>
-              <a:rPr lang="en-US" dirty="0">
-                <a:effectLst>
-                  <a:outerShdw blurRad="38100" dist="38100" dir="2700000" algn="tl">
-                    <a:srgbClr val="000000">
-                      <a:alpha val="43137"/>
-                    </a:srgbClr>
-                  </a:outerShdw>
-                </a:effectLst>
-                <a:latin typeface="Sylfaen" panose="010A0502050306030303" pitchFamily="18" charset="0"/>
-              </a:rPr>
-              <a:t>public </a:t>
-            </a:r>
-            <a:r>
-              <a:rPr lang="en-US" dirty="0" err="1">
-                <a:effectLst>
-                  <a:outerShdw blurRad="38100" dist="38100" dir="2700000" algn="tl">
-                    <a:srgbClr val="000000">
-                      <a:alpha val="43137"/>
-                    </a:srgbClr>
-                  </a:outerShdw>
-                </a:effectLst>
-                <a:latin typeface="Sylfaen" panose="010A0502050306030303" pitchFamily="18" charset="0"/>
-              </a:rPr>
-              <a:t>boolean</a:t>
-            </a:r>
-            <a:r>
-              <a:rPr lang="en-US" dirty="0">
-                <a:effectLst>
-                  <a:outerShdw blurRad="38100" dist="38100" dir="2700000" algn="tl">
-                    <a:srgbClr val="000000">
-                      <a:alpha val="43137"/>
-                    </a:srgbClr>
-                  </a:outerShdw>
-                </a:effectLst>
-                <a:latin typeface="Sylfaen" panose="010A0502050306030303" pitchFamily="18" charset="0"/>
-              </a:rPr>
-              <a:t> absolute (int row)</a:t>
+              <a:rPr lang="en-US">
+                <a:effectLst>
+                  <a:outerShdw blurRad="38100" dist="38100" dir="2700000" algn="tl">
+                    <a:srgbClr val="000000">
+                      <a:alpha val="43137"/>
+                    </a:srgbClr>
+                  </a:outerShdw>
+                </a:effectLst>
+                <a:latin typeface="Sylfaen" panose="010A0502050306030303" pitchFamily="18" charset="0"/>
+              </a:rPr>
+              <a:t>ResultSet.CONCUR_UPDATABLE</a:t>
             </a:r>
           </a:p>
           <a:p>
@@ -10225,6 +10173,32 @@
               <a:buNone/>
             </a:pPr>
             <a:r>
+              <a:rPr lang="en-US">
+                <a:effectLst>
+                  <a:outerShdw blurRad="38100" dist="38100" dir="2700000" algn="tl">
+                    <a:srgbClr val="000000">
+                      <a:alpha val="43137"/>
+                    </a:srgbClr>
+                  </a:outerShdw>
+                </a:effectLst>
+                <a:latin typeface="Sylfaen" panose="010A0502050306030303" pitchFamily="18" charset="0"/>
+              </a:rPr>
+              <a:t>public </a:t>
+            </a:r>
+            <a:r>
+              <a:rPr lang="en-US" dirty="0" err="1">
+                <a:effectLst>
+                  <a:outerShdw blurRad="38100" dist="38100" dir="2700000" algn="tl">
+                    <a:srgbClr val="000000">
+                      <a:alpha val="43137"/>
+                    </a:srgbClr>
+                  </a:outerShdw>
+                </a:effectLst>
+                <a:latin typeface="Sylfaen" panose="010A0502050306030303" pitchFamily="18" charset="0"/>
+              </a:rPr>
+              <a:t>boolean</a:t>
+            </a:r>
+            <a:r>
               <a:rPr lang="en-US" dirty="0">
                 <a:effectLst>
                   <a:outerShdw blurRad="38100" dist="38100" dir="2700000" algn="tl">
@@ -10235,33 +10209,7 @@
                 </a:effectLst>
                 <a:latin typeface="Sylfaen" panose="010A0502050306030303" pitchFamily="18" charset="0"/>
               </a:rPr>
-              <a:t>public </a:t>
-            </a:r>
-            <a:r>
-              <a:rPr lang="en-US" dirty="0" err="1">
-                <a:effectLst>
-                  <a:outerShdw blurRad="38100" dist="38100" dir="2700000" algn="tl">
-                    <a:srgbClr val="000000">
-                      <a:alpha val="43137"/>
-                    </a:srgbClr>
-                  </a:outerShdw>
-                </a:effectLst>
-                <a:latin typeface="Sylfaen" panose="010A0502050306030303" pitchFamily="18" charset="0"/>
-              </a:rPr>
-              <a:t>boolean</a:t>
-            </a:r>
-            <a:r>
-              <a:rPr lang="en-US" dirty="0">
-                <a:effectLst>
-                  <a:outerShdw blurRad="38100" dist="38100" dir="2700000" algn="tl">
-                    <a:srgbClr val="000000">
-                      <a:alpha val="43137"/>
-                    </a:srgbClr>
-                  </a:outerShdw>
-                </a:effectLst>
-                <a:latin typeface="Sylfaen" panose="010A0502050306030303" pitchFamily="18" charset="0"/>
-              </a:rPr>
-              <a:t> relative (int row)</a:t>
+              <a:t> next () / previous () / first () / last ()</a:t>
             </a:r>
           </a:p>
           <a:p>
@@ -10282,7 +10230,7 @@
                 </a:effectLst>
                 <a:latin typeface="Sylfaen" panose="010A0502050306030303" pitchFamily="18" charset="0"/>
               </a:rPr>
-              <a:t>public int </a:t>
+              <a:t>public </a:t>
             </a:r>
             <a:r>
               <a:rPr lang="en-US" dirty="0" err="1">
@@ -10295,7 +10243,7 @@
                 </a:effectLst>
                 <a:latin typeface="Sylfaen" panose="010A0502050306030303" pitchFamily="18" charset="0"/>
               </a:rPr>
-              <a:t>getInt</a:t>
+              <a:t>boolean</a:t>
             </a:r>
             <a:r>
               <a:rPr lang="en-US" dirty="0">
@@ -10308,95 +10256,30 @@
                 </a:effectLst>
                 <a:latin typeface="Sylfaen" panose="010A0502050306030303" pitchFamily="18" charset="0"/>
               </a:rPr>
-              <a:t> / </a:t>
-            </a:r>
-            <a:r>
-              <a:rPr lang="en-US" dirty="0" err="1">
-                <a:effectLst>
-                  <a:outerShdw blurRad="38100" dist="38100" dir="2700000" algn="tl">
-                    <a:srgbClr val="000000">
-                      <a:alpha val="43137"/>
-                    </a:srgbClr>
-                  </a:outerShdw>
-                </a:effectLst>
-                <a:latin typeface="Sylfaen" panose="010A0502050306030303" pitchFamily="18" charset="0"/>
-              </a:rPr>
-              <a:t>getString</a:t>
-            </a:r>
-            <a:r>
-              <a:rPr lang="en-US" dirty="0">
-                <a:effectLst>
-                  <a:outerShdw blurRad="38100" dist="38100" dir="2700000" algn="tl">
-                    <a:srgbClr val="000000">
-                      <a:alpha val="43137"/>
-                    </a:srgbClr>
-                  </a:outerShdw>
-                </a:effectLst>
-                <a:latin typeface="Sylfaen" panose="010A0502050306030303" pitchFamily="18" charset="0"/>
-              </a:rPr>
-              <a:t> / … (int </a:t>
-            </a:r>
-            <a:r>
-              <a:rPr lang="en-US" dirty="0" err="1">
-                <a:effectLst>
-                  <a:outerShdw blurRad="38100" dist="38100" dir="2700000" algn="tl">
-                    <a:srgbClr val="000000">
-                      <a:alpha val="43137"/>
-                    </a:srgbClr>
-                  </a:outerShdw>
-                </a:effectLst>
-                <a:latin typeface="Sylfaen" panose="010A0502050306030303" pitchFamily="18" charset="0"/>
-              </a:rPr>
-              <a:t>columnIndex</a:t>
-            </a:r>
-            <a:r>
-              <a:rPr lang="en-US" dirty="0">
-                <a:effectLst>
-                  <a:outerShdw blurRad="38100" dist="38100" dir="2700000" algn="tl">
-                    <a:srgbClr val="000000">
-                      <a:alpha val="43137"/>
-                    </a:srgbClr>
-                  </a:outerShdw>
-                </a:effectLst>
-                <a:latin typeface="Sylfaen" panose="010A0502050306030303" pitchFamily="18" charset="0"/>
-              </a:rPr>
-              <a:t> / String </a:t>
-            </a:r>
-            <a:r>
-              <a:rPr lang="en-US" dirty="0" err="1">
-                <a:effectLst>
-                  <a:outerShdw blurRad="38100" dist="38100" dir="2700000" algn="tl">
-                    <a:srgbClr val="000000">
-                      <a:alpha val="43137"/>
-                    </a:srgbClr>
-                  </a:outerShdw>
-                </a:effectLst>
-                <a:latin typeface="Sylfaen" panose="010A0502050306030303" pitchFamily="18" charset="0"/>
-              </a:rPr>
-              <a:t>columnName</a:t>
-            </a:r>
-            <a:r>
-              <a:rPr lang="en-US" dirty="0">
-                <a:effectLst>
-                  <a:outerShdw blurRad="38100" dist="38100" dir="2700000" algn="tl">
-                    <a:srgbClr val="000000">
-                      <a:alpha val="43137"/>
-                    </a:srgbClr>
-                  </a:outerShdw>
-                </a:effectLst>
-                <a:latin typeface="Sylfaen" panose="010A0502050306030303" pitchFamily="18" charset="0"/>
-              </a:rPr>
-              <a:t>)</a:t>
-            </a:r>
-          </a:p>
-          <a:p>
-            <a:pPr marL="0" indent="0" algn="l">
+              <a:t> absolute (int row)</a:t>
+            </a:r>
+          </a:p>
+          <a:p>
+            <a:pPr marL="0" indent="0">
               <a:lnSpc>
                 <a:spcPct val="150000"/>
               </a:lnSpc>
               <a:buNone/>
             </a:pPr>
             <a:r>
+              <a:rPr lang="en-US" dirty="0">
+                <a:effectLst>
+                  <a:outerShdw blurRad="38100" dist="38100" dir="2700000" algn="tl">
+                    <a:srgbClr val="000000">
+                      <a:alpha val="43137"/>
+                    </a:srgbClr>
+                  </a:outerShdw>
+                </a:effectLst>
+                <a:latin typeface="Sylfaen" panose="010A0502050306030303" pitchFamily="18" charset="0"/>
+              </a:rPr>
+              <a:t>public </a:t>
+            </a:r>
+            <a:r>
               <a:rPr lang="en-US" dirty="0" err="1">
                 <a:effectLst>
                   <a:outerShdw blurRad="38100" dist="38100" dir="2700000" algn="tl">
@@ -10407,27 +10290,43 @@
                 </a:effectLst>
                 <a:latin typeface="Sylfaen" panose="010A0502050306030303" pitchFamily="18" charset="0"/>
               </a:rPr>
-              <a:t>ResultSet.TYPE_SCROLL_INSENSITIVE</a:t>
-            </a:r>
-            <a:endParaRPr lang="en-US" dirty="0">
-              <a:effectLst>
-                <a:outerShdw blurRad="38100" dist="38100" dir="2700000" algn="tl">
-                  <a:srgbClr val="000000">
-                    <a:alpha val="43137"/>
-                  </a:srgbClr>
-                </a:outerShdw>
-              </a:effectLst>
-              <a:latin typeface="Sylfaen" panose="010A0502050306030303" pitchFamily="18" charset="0"/>
-            </a:endParaRPr>
-          </a:p>
-          <a:p>
-            <a:pPr marL="0" indent="0" algn="l">
+              <a:t>boolean</a:t>
+            </a:r>
+            <a:r>
+              <a:rPr lang="en-US" dirty="0">
+                <a:effectLst>
+                  <a:outerShdw blurRad="38100" dist="38100" dir="2700000" algn="tl">
+                    <a:srgbClr val="000000">
+                      <a:alpha val="43137"/>
+                    </a:srgbClr>
+                  </a:outerShdw>
+                </a:effectLst>
+                <a:latin typeface="Sylfaen" panose="010A0502050306030303" pitchFamily="18" charset="0"/>
+              </a:rPr>
+              <a:t> relative (int row)</a:t>
+            </a:r>
+          </a:p>
+          <a:p>
+            <a:pPr marL="0" indent="0">
               <a:lnSpc>
                 <a:spcPct val="150000"/>
               </a:lnSpc>
               <a:buNone/>
             </a:pPr>
             <a:r>
+              <a:rPr lang="en-US" dirty="0">
+                <a:effectLst>
+                  <a:outerShdw blurRad="38100" dist="38100" dir="2700000" algn="tl">
+                    <a:srgbClr val="000000">
+                      <a:alpha val="43137"/>
+                    </a:srgbClr>
+                  </a:outerShdw>
+                </a:effectLst>
+                <a:latin typeface="Sylfaen" panose="010A0502050306030303" pitchFamily="18" charset="0"/>
+              </a:rPr>
+              <a:t>public int </a:t>
+            </a:r>
+            <a:r>
               <a:rPr lang="en-US" dirty="0" err="1">
                 <a:effectLst>
                   <a:outerShdw blurRad="38100" dist="38100" dir="2700000" algn="tl">
@@ -10438,18 +10337,99 @@
                 </a:effectLst>
                 <a:latin typeface="Sylfaen" panose="010A0502050306030303" pitchFamily="18" charset="0"/>
               </a:rPr>
-              <a:t>ResultSet.CONCUR_UPDATABLE</a:t>
-            </a:r>
-            <a:endParaRPr lang="en-US" dirty="0">
-              <a:effectLst>
-                <a:outerShdw blurRad="38100" dist="38100" dir="2700000" algn="tl">
-                  <a:srgbClr val="000000">
-                    <a:alpha val="43137"/>
-                  </a:srgbClr>
-                </a:outerShdw>
-              </a:effectLst>
-              <a:latin typeface="Sylfaen" panose="010A0502050306030303" pitchFamily="18" charset="0"/>
-            </a:endParaRPr>
+              <a:t>getInt</a:t>
+            </a:r>
+            <a:r>
+              <a:rPr lang="en-US" dirty="0">
+                <a:effectLst>
+                  <a:outerShdw blurRad="38100" dist="38100" dir="2700000" algn="tl">
+                    <a:srgbClr val="000000">
+                      <a:alpha val="43137"/>
+                    </a:srgbClr>
+                  </a:outerShdw>
+                </a:effectLst>
+                <a:latin typeface="Sylfaen" panose="010A0502050306030303" pitchFamily="18" charset="0"/>
+              </a:rPr>
+              <a:t> / </a:t>
+            </a:r>
+            <a:r>
+              <a:rPr lang="en-US" dirty="0" err="1">
+                <a:effectLst>
+                  <a:outerShdw blurRad="38100" dist="38100" dir="2700000" algn="tl">
+                    <a:srgbClr val="000000">
+                      <a:alpha val="43137"/>
+                    </a:srgbClr>
+                  </a:outerShdw>
+                </a:effectLst>
+                <a:latin typeface="Sylfaen" panose="010A0502050306030303" pitchFamily="18" charset="0"/>
+              </a:rPr>
+              <a:t>getString</a:t>
+            </a:r>
+            <a:r>
+              <a:rPr lang="en-US" dirty="0">
+                <a:effectLst>
+                  <a:outerShdw blurRad="38100" dist="38100" dir="2700000" algn="tl">
+                    <a:srgbClr val="000000">
+                      <a:alpha val="43137"/>
+                    </a:srgbClr>
+                  </a:outerShdw>
+                </a:effectLst>
+                <a:latin typeface="Sylfaen" panose="010A0502050306030303" pitchFamily="18" charset="0"/>
+              </a:rPr>
+              <a:t> / … (int </a:t>
+            </a:r>
+            <a:r>
+              <a:rPr lang="en-US" dirty="0" err="1">
+                <a:effectLst>
+                  <a:outerShdw blurRad="38100" dist="38100" dir="2700000" algn="tl">
+                    <a:srgbClr val="000000">
+                      <a:alpha val="43137"/>
+                    </a:srgbClr>
+                  </a:outerShdw>
+                </a:effectLst>
+                <a:latin typeface="Sylfaen" panose="010A0502050306030303" pitchFamily="18" charset="0"/>
+              </a:rPr>
+              <a:t>columnIndex</a:t>
+            </a:r>
+            <a:r>
+              <a:rPr lang="en-US" dirty="0">
+                <a:effectLst>
+                  <a:outerShdw blurRad="38100" dist="38100" dir="2700000" algn="tl">
+                    <a:srgbClr val="000000">
+                      <a:alpha val="43137"/>
+                    </a:srgbClr>
+                  </a:outerShdw>
+                </a:effectLst>
+                <a:latin typeface="Sylfaen" panose="010A0502050306030303" pitchFamily="18" charset="0"/>
+              </a:rPr>
+              <a:t> / String </a:t>
+            </a:r>
+            <a:r>
+              <a:rPr lang="en-US" dirty="0" err="1">
+                <a:effectLst>
+                  <a:outerShdw blurRad="38100" dist="38100" dir="2700000" algn="tl">
+                    <a:srgbClr val="000000">
+                      <a:alpha val="43137"/>
+                    </a:srgbClr>
+                  </a:outerShdw>
+                </a:effectLst>
+                <a:latin typeface="Sylfaen" panose="010A0502050306030303" pitchFamily="18" charset="0"/>
+              </a:rPr>
+              <a:t>columnName</a:t>
+            </a:r>
+            <a:r>
+              <a:rPr lang="en-US" dirty="0">
+                <a:effectLst>
+                  <a:outerShdw blurRad="38100" dist="38100" dir="2700000" algn="tl">
+                    <a:srgbClr val="000000">
+                      <a:alpha val="43137"/>
+                    </a:srgbClr>
+                  </a:outerShdw>
+                </a:effectLst>
+                <a:latin typeface="Sylfaen" panose="010A0502050306030303" pitchFamily="18" charset="0"/>
+              </a:rPr>
+              <a:t>)</a:t>
+            </a:r>
           </a:p>
           <a:p>
             <a:pPr marL="0" indent="0">

--- a/JDBC/JDBC_Presentation.pptx
+++ b/JDBC/JDBC_Presentation.pptx
@@ -214,7 +214,7 @@
           <a:p>
             <a:fld id="{F988C94B-7918-458B-9AF1-0DBDD7FC850F}" type="datetimeFigureOut">
               <a:rPr lang="en-US" smtClean="0"/>
-              <a:t>2022-08-29</a:t>
+              <a:t>8/30/2022</a:t>
             </a:fld>
             <a:endParaRPr lang="en-US"/>
           </a:p>
@@ -612,7 +612,7 @@
           <a:p>
             <a:fld id="{0A968979-5CB5-4E5D-B82F-DAC09775BD7D}" type="datetimeFigureOut">
               <a:rPr lang="en-US" smtClean="0"/>
-              <a:t>2022-08-29</a:t>
+              <a:t>8/30/2022</a:t>
             </a:fld>
             <a:endParaRPr lang="en-US"/>
           </a:p>
@@ -782,7 +782,7 @@
           <a:p>
             <a:fld id="{0A968979-5CB5-4E5D-B82F-DAC09775BD7D}" type="datetimeFigureOut">
               <a:rPr lang="en-US" smtClean="0"/>
-              <a:t>2022-08-29</a:t>
+              <a:t>8/30/2022</a:t>
             </a:fld>
             <a:endParaRPr lang="en-US"/>
           </a:p>
@@ -962,7 +962,7 @@
           <a:p>
             <a:fld id="{0A968979-5CB5-4E5D-B82F-DAC09775BD7D}" type="datetimeFigureOut">
               <a:rPr lang="en-US" smtClean="0"/>
-              <a:t>2022-08-29</a:t>
+              <a:t>8/30/2022</a:t>
             </a:fld>
             <a:endParaRPr lang="en-US"/>
           </a:p>
@@ -1132,7 +1132,7 @@
           <a:p>
             <a:fld id="{0A968979-5CB5-4E5D-B82F-DAC09775BD7D}" type="datetimeFigureOut">
               <a:rPr lang="en-US" smtClean="0"/>
-              <a:t>2022-08-29</a:t>
+              <a:t>8/30/2022</a:t>
             </a:fld>
             <a:endParaRPr lang="en-US"/>
           </a:p>
@@ -1378,7 +1378,7 @@
           <a:p>
             <a:fld id="{0A968979-5CB5-4E5D-B82F-DAC09775BD7D}" type="datetimeFigureOut">
               <a:rPr lang="en-US" smtClean="0"/>
-              <a:t>2022-08-29</a:t>
+              <a:t>8/30/2022</a:t>
             </a:fld>
             <a:endParaRPr lang="en-US"/>
           </a:p>
@@ -1610,7 +1610,7 @@
           <a:p>
             <a:fld id="{0A968979-5CB5-4E5D-B82F-DAC09775BD7D}" type="datetimeFigureOut">
               <a:rPr lang="en-US" smtClean="0"/>
-              <a:t>2022-08-29</a:t>
+              <a:t>8/30/2022</a:t>
             </a:fld>
             <a:endParaRPr lang="en-US"/>
           </a:p>
@@ -1977,7 +1977,7 @@
           <a:p>
             <a:fld id="{0A968979-5CB5-4E5D-B82F-DAC09775BD7D}" type="datetimeFigureOut">
               <a:rPr lang="en-US" smtClean="0"/>
-              <a:t>2022-08-29</a:t>
+              <a:t>8/30/2022</a:t>
             </a:fld>
             <a:endParaRPr lang="en-US"/>
           </a:p>
@@ -2095,7 +2095,7 @@
           <a:p>
             <a:fld id="{0A968979-5CB5-4E5D-B82F-DAC09775BD7D}" type="datetimeFigureOut">
               <a:rPr lang="en-US" smtClean="0"/>
-              <a:t>2022-08-29</a:t>
+              <a:t>8/30/2022</a:t>
             </a:fld>
             <a:endParaRPr lang="en-US"/>
           </a:p>
@@ -2190,7 +2190,7 @@
           <a:p>
             <a:fld id="{0A968979-5CB5-4E5D-B82F-DAC09775BD7D}" type="datetimeFigureOut">
               <a:rPr lang="en-US" smtClean="0"/>
-              <a:t>2022-08-29</a:t>
+              <a:t>8/30/2022</a:t>
             </a:fld>
             <a:endParaRPr lang="en-US"/>
           </a:p>
@@ -2467,7 +2467,7 @@
           <a:p>
             <a:fld id="{0A968979-5CB5-4E5D-B82F-DAC09775BD7D}" type="datetimeFigureOut">
               <a:rPr lang="en-US" smtClean="0"/>
-              <a:t>2022-08-29</a:t>
+              <a:t>8/30/2022</a:t>
             </a:fld>
             <a:endParaRPr lang="en-US"/>
           </a:p>
@@ -2723,7 +2723,7 @@
           <a:p>
             <a:fld id="{0A968979-5CB5-4E5D-B82F-DAC09775BD7D}" type="datetimeFigureOut">
               <a:rPr lang="en-US" smtClean="0"/>
-              <a:t>2022-08-29</a:t>
+              <a:t>8/30/2022</a:t>
             </a:fld>
             <a:endParaRPr lang="en-US"/>
           </a:p>
@@ -2936,7 +2936,7 @@
           <a:p>
             <a:fld id="{0A968979-5CB5-4E5D-B82F-DAC09775BD7D}" type="datetimeFigureOut">
               <a:rPr lang="en-US" smtClean="0"/>
-              <a:t>2022-08-29</a:t>
+              <a:t>8/30/2022</a:t>
             </a:fld>
             <a:endParaRPr lang="en-US"/>
           </a:p>
@@ -3929,18 +3929,18 @@
           <a:p>
             <a:pPr algn="ctr"/>
             <a:r>
-              <a:rPr lang="en-US" err="1">
+              <a:rPr lang="en-US" dirty="0" err="1">
                 <a:latin typeface="Sylfaen" panose="010A0502050306030303" pitchFamily="18" charset="0"/>
               </a:rPr>
               <a:t>RsultSetMetadata</a:t>
             </a:r>
             <a:r>
-              <a:rPr lang="en-US">
+              <a:rPr lang="en-US" dirty="0">
                 <a:latin typeface="Sylfaen" panose="010A0502050306030303" pitchFamily="18" charset="0"/>
               </a:rPr>
               <a:t> interface</a:t>
             </a:r>
-            <a:endParaRPr lang="en-US"/>
+            <a:endParaRPr lang="en-US" dirty="0"/>
           </a:p>
         </p:txBody>
       </p:sp>
@@ -3979,7 +3979,7 @@
               <a:buNone/>
             </a:pPr>
             <a:r>
-              <a:rPr lang="en-US" sz="3000">
+              <a:rPr lang="en-US" sz="3000" dirty="0">
                 <a:effectLst>
                   <a:outerShdw blurRad="38100" dist="38100" dir="2700000" algn="tl">
                     <a:srgbClr val="000000">
@@ -3992,7 +3992,7 @@
               <a:t>public int </a:t>
             </a:r>
             <a:r>
-              <a:rPr lang="en-US" sz="3000" err="1">
+              <a:rPr lang="en-US" sz="3000" dirty="0" err="1">
                 <a:effectLst>
                   <a:outerShdw blurRad="38100" dist="38100" dir="2700000" algn="tl">
                     <a:srgbClr val="000000">
@@ -4005,7 +4005,7 @@
               <a:t>getColumnCount</a:t>
             </a:r>
             <a:r>
-              <a:rPr lang="en-US" sz="3000">
+              <a:rPr lang="en-US" sz="3000" dirty="0">
                 <a:effectLst>
                   <a:outerShdw blurRad="38100" dist="38100" dir="2700000" algn="tl">
                     <a:srgbClr val="000000">
@@ -4026,7 +4026,7 @@
               <a:buNone/>
             </a:pPr>
             <a:r>
-              <a:rPr lang="en-US" sz="3000">
+              <a:rPr lang="en-US" sz="3000" dirty="0">
                 <a:effectLst>
                   <a:outerShdw blurRad="38100" dist="38100" dir="2700000" algn="tl">
                     <a:srgbClr val="000000">
@@ -4039,7 +4039,7 @@
               <a:t>public String </a:t>
             </a:r>
             <a:r>
-              <a:rPr lang="en-US" sz="3000" err="1">
+              <a:rPr lang="en-US" sz="3000" dirty="0" err="1">
                 <a:effectLst>
                   <a:outerShdw blurRad="38100" dist="38100" dir="2700000" algn="tl">
                     <a:srgbClr val="000000">
@@ -4052,7 +4052,7 @@
               <a:t>getColumnName</a:t>
             </a:r>
             <a:r>
-              <a:rPr lang="en-US" sz="3000">
+              <a:rPr lang="en-US" sz="3000" dirty="0">
                 <a:effectLst>
                   <a:outerShdw blurRad="38100" dist="38100" dir="2700000" algn="tl">
                     <a:srgbClr val="000000">
@@ -4073,7 +4073,7 @@
               <a:buNone/>
             </a:pPr>
             <a:r>
-              <a:rPr lang="en-US" sz="3000">
+              <a:rPr lang="en-US" sz="3000" dirty="0">
                 <a:effectLst>
                   <a:outerShdw blurRad="38100" dist="38100" dir="2700000" algn="tl">
                     <a:srgbClr val="000000">
@@ -4086,7 +4086,7 @@
               <a:t>public String </a:t>
             </a:r>
             <a:r>
-              <a:rPr lang="en-US" sz="3000" err="1">
+              <a:rPr lang="en-US" sz="3000" dirty="0" err="1">
                 <a:effectLst>
                   <a:outerShdw blurRad="38100" dist="38100" dir="2700000" algn="tl">
                     <a:srgbClr val="000000">
@@ -4099,7 +4099,7 @@
               <a:t>getColumnTypeName</a:t>
             </a:r>
             <a:r>
-              <a:rPr lang="en-US" sz="3000">
+              <a:rPr lang="en-US" sz="3000" dirty="0">
                 <a:effectLst>
                   <a:outerShdw blurRad="38100" dist="38100" dir="2700000" algn="tl">
                     <a:srgbClr val="000000">
@@ -5127,7 +5127,7 @@
               <a:buNone/>
             </a:pPr>
             <a:r>
-              <a:rPr lang="en-US" sz="3000" err="1">
+              <a:rPr lang="en-US" sz="3000" dirty="0" err="1">
                 <a:effectLst>
                   <a:outerShdw blurRad="38100" dist="38100" dir="2700000" algn="tl">
                     <a:srgbClr val="000000">
@@ -5140,7 +5140,7 @@
               <a:t>PreparedStatement</a:t>
             </a:r>
             <a:r>
-              <a:rPr lang="en-US" sz="3000">
+              <a:rPr lang="en-US" sz="3000" dirty="0">
                 <a:effectLst>
                   <a:outerShdw blurRad="38100" dist="38100" dir="2700000" algn="tl">
                     <a:srgbClr val="000000">
@@ -5161,7 +5161,7 @@
               <a:buNone/>
             </a:pPr>
             <a:r>
-              <a:rPr lang="en-US" sz="3000" err="1">
+              <a:rPr lang="en-US" sz="3000" dirty="0" err="1">
                 <a:effectLst>
                   <a:outerShdw blurRad="38100" dist="38100" dir="2700000" algn="tl">
                     <a:srgbClr val="000000">
@@ -5174,7 +5174,7 @@
               <a:t>setCharacterStream</a:t>
             </a:r>
             <a:r>
-              <a:rPr lang="en-US" sz="3000">
+              <a:rPr lang="en-US" sz="3000" dirty="0">
                 <a:effectLst>
                   <a:outerShdw blurRad="38100" dist="38100" dir="2700000" algn="tl">
                     <a:srgbClr val="000000">
@@ -5187,7 +5187,7 @@
               <a:t>(int </a:t>
             </a:r>
             <a:r>
-              <a:rPr lang="en-US" sz="3000" err="1">
+              <a:rPr lang="en-US" sz="3000" dirty="0" err="1">
                 <a:effectLst>
                   <a:outerShdw blurRad="38100" dist="38100" dir="2700000" algn="tl">
                     <a:srgbClr val="000000">
@@ -5200,7 +5200,7 @@
               <a:t>paramIndex</a:t>
             </a:r>
             <a:r>
-              <a:rPr lang="en-US" sz="3000">
+              <a:rPr lang="en-US" sz="3000" dirty="0">
                 <a:effectLst>
                   <a:outerShdw blurRad="38100" dist="38100" dir="2700000" algn="tl">
                     <a:srgbClr val="000000">
@@ -5213,7 +5213,7 @@
               <a:t>, </a:t>
             </a:r>
             <a:r>
-              <a:rPr lang="en-US" sz="3000" err="1">
+              <a:rPr lang="en-US" sz="3000" dirty="0" err="1">
                 <a:effectLst>
                   <a:outerShdw blurRad="38100" dist="38100" dir="2700000" algn="tl">
                     <a:srgbClr val="000000">
@@ -5226,7 +5226,7 @@
               <a:t>InputStream</a:t>
             </a:r>
             <a:r>
-              <a:rPr lang="ru-RU" sz="3000">
+              <a:rPr lang="ru-RU" sz="3000" dirty="0">
                 <a:effectLst>
                   <a:outerShdw blurRad="38100" dist="38100" dir="2700000" algn="tl">
                     <a:srgbClr val="000000">
@@ -5239,7 +5239,7 @@
               <a:t> </a:t>
             </a:r>
             <a:r>
-              <a:rPr lang="en-US" sz="3000">
+              <a:rPr lang="en-US" sz="3000" dirty="0">
                 <a:effectLst>
                   <a:outerShdw blurRad="38100" dist="38100" dir="2700000" algn="tl">
                     <a:srgbClr val="000000">
@@ -5260,7 +5260,7 @@
               <a:buNone/>
             </a:pPr>
             <a:r>
-              <a:rPr lang="en-US" sz="3000" err="1">
+              <a:rPr lang="en-US" sz="3000" dirty="0" err="1">
                 <a:effectLst>
                   <a:outerShdw blurRad="38100" dist="38100" dir="2700000" algn="tl">
                     <a:srgbClr val="000000">
@@ -5273,7 +5273,7 @@
               <a:t>FileReader</a:t>
             </a:r>
             <a:r>
-              <a:rPr lang="en-US" sz="3000">
+              <a:rPr lang="en-US" sz="3000" dirty="0">
                 <a:effectLst>
                   <a:outerShdw blurRad="38100" dist="38100" dir="2700000" algn="tl">
                     <a:srgbClr val="000000">
@@ -5286,7 +5286,7 @@
               <a:t> </a:t>
             </a:r>
             <a:r>
-              <a:rPr lang="en-US" sz="3000" err="1">
+              <a:rPr lang="en-US" sz="3000" dirty="0" err="1">
                 <a:effectLst>
                   <a:outerShdw blurRad="38100" dist="38100" dir="2700000" algn="tl">
                     <a:srgbClr val="000000">
@@ -5299,7 +5299,7 @@
               <a:t>fileReader</a:t>
             </a:r>
             <a:r>
-              <a:rPr lang="en-US" sz="3000">
+              <a:rPr lang="en-US" sz="3000" dirty="0">
                 <a:effectLst>
                   <a:outerShdw blurRad="38100" dist="38100" dir="2700000" algn="tl">
                     <a:srgbClr val="000000">
@@ -5312,7 +5312,7 @@
               <a:t> = new </a:t>
             </a:r>
             <a:r>
-              <a:rPr lang="en-US" sz="3000" err="1">
+              <a:rPr lang="en-US" sz="3000" dirty="0" err="1">
                 <a:effectLst>
                   <a:outerShdw blurRad="38100" dist="38100" dir="2700000" algn="tl">
                     <a:srgbClr val="000000">
@@ -5325,7 +5325,7 @@
               <a:t>FileReader</a:t>
             </a:r>
             <a:r>
-              <a:rPr lang="en-US" sz="3000">
+              <a:rPr lang="en-US" sz="3000" dirty="0">
                 <a:effectLst>
                   <a:outerShdw blurRad="38100" dist="38100" dir="2700000" algn="tl">
                     <a:srgbClr val="000000">
@@ -5338,7 +5338,7 @@
               <a:t>(new File(</a:t>
             </a:r>
             <a:r>
-              <a:rPr lang="en-US" sz="3000" err="1">
+              <a:rPr lang="en-US" sz="3000" dirty="0" err="1">
                 <a:effectLst>
                   <a:outerShdw blurRad="38100" dist="38100" dir="2700000" algn="tl">
                     <a:srgbClr val="000000">
@@ -5351,7 +5351,7 @@
               <a:t>filePath</a:t>
             </a:r>
             <a:r>
-              <a:rPr lang="en-US" sz="3000">
+              <a:rPr lang="en-US" sz="3000" dirty="0">
                 <a:effectLst>
                   <a:outerShdw blurRad="38100" dist="38100" dir="2700000" algn="tl">
                     <a:srgbClr val="000000">
@@ -5372,7 +5372,7 @@
               <a:buNone/>
             </a:pPr>
             <a:r>
-              <a:rPr lang="en-US" sz="3000" err="1">
+              <a:rPr lang="en-US" sz="3000" dirty="0" err="1">
                 <a:effectLst>
                   <a:outerShdw blurRad="38100" dist="38100" dir="2700000" algn="tl">
                     <a:srgbClr val="000000">
@@ -5385,7 +5385,7 @@
               <a:t>preparedStatement.setCharacterStream</a:t>
             </a:r>
             <a:r>
-              <a:rPr lang="en-US" sz="3000">
+              <a:rPr lang="en-US" sz="3000" dirty="0">
                 <a:effectLst>
                   <a:outerShdw blurRad="38100" dist="38100" dir="2700000" algn="tl">
                     <a:srgbClr val="000000">
@@ -5398,7 +5398,7 @@
               <a:t>(1, </a:t>
             </a:r>
             <a:r>
-              <a:rPr lang="en-US" sz="3000" err="1">
+              <a:rPr lang="en-US" sz="3000" dirty="0" err="1">
                 <a:effectLst>
                   <a:outerShdw blurRad="38100" dist="38100" dir="2700000" algn="tl">
                     <a:srgbClr val="000000">
@@ -5411,7 +5411,7 @@
               <a:t>fileReader</a:t>
             </a:r>
             <a:r>
-              <a:rPr lang="en-US" sz="3000">
+              <a:rPr lang="en-US" sz="3000" dirty="0">
                 <a:effectLst>
                   <a:outerShdw blurRad="38100" dist="38100" dir="2700000" algn="tl">
                     <a:srgbClr val="000000">
@@ -5428,7 +5428,7 @@
             <a:pPr marL="0" indent="0">
               <a:buNone/>
             </a:pPr>
-            <a:endParaRPr lang="en-US"/>
+            <a:endParaRPr lang="en-US" dirty="0"/>
           </a:p>
           <a:p>
             <a:pPr marL="0" indent="0">
@@ -5438,7 +5438,7 @@
               <a:buNone/>
             </a:pPr>
             <a:r>
-              <a:rPr lang="en-US" sz="2800" err="1">
+              <a:rPr lang="en-US" sz="2800" dirty="0" err="1">
                 <a:effectLst>
                   <a:outerShdw blurRad="38100" dist="38100" dir="2700000" algn="tl">
                     <a:srgbClr val="000000">
@@ -5451,7 +5451,7 @@
               <a:t>Clob</a:t>
             </a:r>
             <a:r>
-              <a:rPr lang="en-US" sz="2800">
+              <a:rPr lang="en-US" sz="2800" dirty="0">
                 <a:effectLst>
                   <a:outerShdw blurRad="38100" dist="38100" dir="2700000" algn="tl">
                     <a:srgbClr val="000000">
@@ -5464,7 +5464,7 @@
               <a:t> </a:t>
             </a:r>
             <a:r>
-              <a:rPr lang="en-US" sz="2800" err="1">
+              <a:rPr lang="en-US" sz="2800" dirty="0" err="1">
                 <a:effectLst>
                   <a:outerShdw blurRad="38100" dist="38100" dir="2700000" algn="tl">
                     <a:srgbClr val="000000">
@@ -5477,7 +5477,7 @@
               <a:t>clob</a:t>
             </a:r>
             <a:r>
-              <a:rPr lang="en-US" sz="2800">
+              <a:rPr lang="en-US" sz="2800" dirty="0">
                 <a:effectLst>
                   <a:outerShdw blurRad="38100" dist="38100" dir="2700000" algn="tl">
                     <a:srgbClr val="000000">
@@ -5490,7 +5490,7 @@
               <a:t> = </a:t>
             </a:r>
             <a:r>
-              <a:rPr lang="en-US" sz="2800" err="1">
+              <a:rPr lang="en-US" sz="2800" dirty="0" err="1">
                 <a:effectLst>
                   <a:outerShdw blurRad="38100" dist="38100" dir="2700000" algn="tl">
                     <a:srgbClr val="000000">
@@ -5503,7 +5503,7 @@
               <a:t>resultSet.getClob</a:t>
             </a:r>
             <a:r>
-              <a:rPr lang="en-US">
+              <a:rPr lang="en-US" dirty="0">
                 <a:effectLst>
                   <a:outerShdw blurRad="38100" dist="38100" dir="2700000" algn="tl">
                     <a:srgbClr val="000000">
@@ -5516,7 +5516,7 @@
               <a:t>(</a:t>
             </a:r>
             <a:r>
-              <a:rPr lang="en-US" err="1">
+              <a:rPr lang="en-US" dirty="0" err="1">
                 <a:effectLst>
                   <a:outerShdw blurRad="38100" dist="38100" dir="2700000" algn="tl">
                     <a:srgbClr val="000000">
@@ -5529,7 +5529,7 @@
               <a:t>columnName</a:t>
             </a:r>
             <a:r>
-              <a:rPr lang="en-US">
+              <a:rPr lang="en-US" dirty="0">
                 <a:effectLst>
                   <a:outerShdw blurRad="38100" dist="38100" dir="2700000" algn="tl">
                     <a:srgbClr val="000000">
@@ -5541,7 +5541,7 @@
               </a:rPr>
               <a:t>);</a:t>
             </a:r>
-            <a:endParaRPr lang="en-US" sz="2800">
+            <a:endParaRPr lang="en-US" sz="2800" dirty="0">
               <a:effectLst>
                 <a:outerShdw blurRad="38100" dist="38100" dir="2700000" algn="tl">
                   <a:srgbClr val="000000">
@@ -5556,7 +5556,7 @@
             <a:pPr marL="0" indent="0">
               <a:buNone/>
             </a:pPr>
-            <a:endParaRPr lang="en-US"/>
+            <a:endParaRPr lang="en-US" dirty="0"/>
           </a:p>
         </p:txBody>
       </p:sp>
@@ -6618,14 +6618,14 @@
             <a:pPr marL="0" indent="0">
               <a:buNone/>
             </a:pPr>
-            <a:endParaRPr lang="en-US"/>
+            <a:endParaRPr lang="en-US" dirty="0"/>
           </a:p>
           <a:p>
             <a:pPr marL="0" indent="0">
               <a:buNone/>
             </a:pPr>
             <a:r>
-              <a:rPr lang="en-US" sz="3000">
+              <a:rPr lang="en-US" sz="3000" dirty="0">
                 <a:effectLst>
                   <a:outerShdw blurRad="38100" dist="38100" dir="2700000" algn="tl">
                     <a:srgbClr val="000000">
@@ -6638,7 +6638,7 @@
               <a:t>void </a:t>
             </a:r>
             <a:r>
-              <a:rPr lang="en-US" sz="3000" err="1">
+              <a:rPr lang="en-US" sz="3000" dirty="0" err="1">
                 <a:effectLst>
                   <a:outerShdw blurRad="38100" dist="38100" dir="2700000" algn="tl">
                     <a:srgbClr val="000000">
@@ -6651,7 +6651,7 @@
               <a:t>addBatch</a:t>
             </a:r>
             <a:r>
-              <a:rPr lang="en-US" sz="3000">
+              <a:rPr lang="en-US" sz="3000" dirty="0">
                 <a:effectLst>
                   <a:outerShdw blurRad="38100" dist="38100" dir="2700000" algn="tl">
                     <a:srgbClr val="000000">
@@ -6663,7 +6663,7 @@
               </a:rPr>
               <a:t>(String query)</a:t>
             </a:r>
-            <a:endParaRPr lang="ru-RU" sz="3000">
+            <a:endParaRPr lang="ru-RU" sz="3000" dirty="0">
               <a:effectLst>
                 <a:outerShdw blurRad="38100" dist="38100" dir="2700000" algn="tl">
                   <a:srgbClr val="000000">
@@ -6678,7 +6678,7 @@
             <a:pPr marL="0" indent="0">
               <a:buNone/>
             </a:pPr>
-            <a:endParaRPr lang="ru-RU" sz="3000">
+            <a:endParaRPr lang="ru-RU" sz="3000" dirty="0">
               <a:effectLst>
                 <a:outerShdw blurRad="38100" dist="38100" dir="2700000" algn="tl">
                   <a:srgbClr val="000000">
@@ -6694,7 +6694,7 @@
               <a:buNone/>
             </a:pPr>
             <a:r>
-              <a:rPr lang="en-US" sz="3000">
+              <a:rPr lang="en-US" sz="3000" dirty="0">
                 <a:effectLst>
                   <a:outerShdw blurRad="38100" dist="38100" dir="2700000" algn="tl">
                     <a:srgbClr val="000000">
@@ -6707,7 +6707,7 @@
               <a:t>int[] </a:t>
             </a:r>
             <a:r>
-              <a:rPr lang="en-US" sz="3000" err="1">
+              <a:rPr lang="en-US" sz="3000" dirty="0" err="1">
                 <a:effectLst>
                   <a:outerShdw blurRad="38100" dist="38100" dir="2700000" algn="tl">
                     <a:srgbClr val="000000">
@@ -6720,7 +6720,7 @@
               <a:t>executeBatch</a:t>
             </a:r>
             <a:r>
-              <a:rPr lang="en-US" sz="3000">
+              <a:rPr lang="en-US" sz="3000" dirty="0">
                 <a:effectLst>
                   <a:outerShdw blurRad="38100" dist="38100" dir="2700000" algn="tl">
                     <a:srgbClr val="000000">
@@ -6732,7 +6732,7 @@
               </a:rPr>
               <a:t>()</a:t>
             </a:r>
-            <a:endParaRPr lang="ru-RU" sz="3000">
+            <a:endParaRPr lang="ru-RU" sz="3000" dirty="0">
               <a:effectLst>
                 <a:outerShdw blurRad="38100" dist="38100" dir="2700000" algn="tl">
                   <a:srgbClr val="000000">
@@ -6747,7 +6747,7 @@
             <a:pPr marL="0" indent="0">
               <a:buNone/>
             </a:pPr>
-            <a:endParaRPr lang="ru-RU" sz="3000">
+            <a:endParaRPr lang="ru-RU" sz="3000" dirty="0">
               <a:effectLst>
                 <a:outerShdw blurRad="38100" dist="38100" dir="2700000" algn="tl">
                   <a:srgbClr val="000000">
@@ -6763,7 +6763,7 @@
               <a:buNone/>
             </a:pPr>
             <a:r>
-              <a:rPr lang="en-US" sz="3000">
+              <a:rPr lang="en-US" sz="3000" dirty="0">
                 <a:effectLst>
                   <a:outerShdw blurRad="38100" dist="38100" dir="2700000" algn="tl">
                     <a:srgbClr val="000000">
@@ -6776,7 +6776,7 @@
               <a:t>void </a:t>
             </a:r>
             <a:r>
-              <a:rPr lang="en-US" sz="3000" err="1">
+              <a:rPr lang="en-US" sz="3000" dirty="0" err="1">
                 <a:effectLst>
                   <a:outerShdw blurRad="38100" dist="38100" dir="2700000" algn="tl">
                     <a:srgbClr val="000000">
@@ -6789,7 +6789,7 @@
               <a:t>clearBatch</a:t>
             </a:r>
             <a:r>
-              <a:rPr lang="en-US" sz="3000">
+              <a:rPr lang="en-US" sz="3000" dirty="0">
                 <a:effectLst>
                   <a:outerShdw blurRad="38100" dist="38100" dir="2700000" algn="tl">
                     <a:srgbClr val="000000">
@@ -6801,7 +6801,7 @@
               </a:rPr>
               <a:t>()</a:t>
             </a:r>
-            <a:endParaRPr lang="ru-RU" sz="3000">
+            <a:endParaRPr lang="ru-RU" sz="3000" dirty="0">
               <a:effectLst>
                 <a:outerShdw blurRad="38100" dist="38100" dir="2700000" algn="tl">
                   <a:srgbClr val="000000">
@@ -7159,64 +7159,16 @@
               <a:buFont typeface="Arial" panose="020B0604020202020204" pitchFamily="34" charset="0"/>
               <a:buNone/>
             </a:pPr>
-            <a:r>
-              <a:rPr lang="en-US" sz="2400" dirty="0" err="1">
-                <a:effectLst>
-                  <a:outerShdw blurRad="38100" dist="38100" dir="2700000" algn="tl">
-                    <a:srgbClr val="000000">
-                      <a:alpha val="43137"/>
-                    </a:srgbClr>
-                  </a:outerShdw>
-                </a:effectLst>
-                <a:latin typeface="Sylfaen" panose="010A0502050306030303" pitchFamily="18" charset="0"/>
-              </a:rPr>
-              <a:t>RowsetFactory</a:t>
-            </a:r>
-            <a:r>
-              <a:rPr lang="en-US" sz="2400" dirty="0">
-                <a:effectLst>
-                  <a:outerShdw blurRad="38100" dist="38100" dir="2700000" algn="tl">
-                    <a:srgbClr val="000000">
-                      <a:alpha val="43137"/>
-                    </a:srgbClr>
-                  </a:outerShdw>
-                </a:effectLst>
-                <a:latin typeface="Sylfaen" panose="010A0502050306030303" pitchFamily="18" charset="0"/>
-              </a:rPr>
-              <a:t> factory = </a:t>
-            </a:r>
-          </a:p>
-          <a:p>
-            <a:pPr marL="0" indent="0">
-              <a:buFont typeface="Arial" panose="020B0604020202020204" pitchFamily="34" charset="0"/>
-              <a:buNone/>
-            </a:pPr>
-            <a:r>
-              <a:rPr lang="en-US" sz="2400" dirty="0" err="1">
-                <a:effectLst>
-                  <a:outerShdw blurRad="38100" dist="38100" dir="2700000" algn="tl">
-                    <a:srgbClr val="000000">
-                      <a:alpha val="43137"/>
-                    </a:srgbClr>
-                  </a:outerShdw>
-                </a:effectLst>
-                <a:latin typeface="Sylfaen" panose="010A0502050306030303" pitchFamily="18" charset="0"/>
-              </a:rPr>
-              <a:t>RowsetProvider.newFactory</a:t>
-            </a:r>
-            <a:r>
-              <a:rPr lang="en-US" sz="2400" dirty="0">
-                <a:effectLst>
-                  <a:outerShdw blurRad="38100" dist="38100" dir="2700000" algn="tl">
-                    <a:srgbClr val="000000">
-                      <a:alpha val="43137"/>
-                    </a:srgbClr>
-                  </a:outerShdw>
-                </a:effectLst>
-                <a:latin typeface="Sylfaen" panose="010A0502050306030303" pitchFamily="18" charset="0"/>
-              </a:rPr>
-              <a:t>();</a:t>
-            </a:r>
+            <a:endParaRPr lang="en-US" sz="2400" dirty="0">
+              <a:effectLst>
+                <a:outerShdw blurRad="38100" dist="38100" dir="2700000" algn="tl">
+                  <a:srgbClr val="000000">
+                    <a:alpha val="43137"/>
+                  </a:srgbClr>
+                </a:outerShdw>
+              </a:effectLst>
+              <a:latin typeface="Sylfaen" panose="010A0502050306030303" pitchFamily="18" charset="0"/>
+            </a:endParaRPr>
           </a:p>
           <a:p>
             <a:pPr marL="0" indent="0">
@@ -7236,94 +7188,6 @@
           </a:p>
           <a:p>
             <a:pPr marL="0" indent="0">
-              <a:buNone/>
-            </a:pPr>
-            <a:r>
-              <a:rPr lang="en-US" sz="2400" dirty="0" err="1">
-                <a:effectLst>
-                  <a:outerShdw blurRad="38100" dist="38100" dir="2700000" algn="tl">
-                    <a:srgbClr val="000000">
-                      <a:alpha val="43137"/>
-                    </a:srgbClr>
-                  </a:outerShdw>
-                </a:effectLst>
-                <a:latin typeface="Sylfaen" panose="010A0502050306030303" pitchFamily="18" charset="0"/>
-              </a:rPr>
-              <a:t>RowSet</a:t>
-            </a:r>
-            <a:r>
-              <a:rPr lang="en-US" sz="2400" dirty="0">
-                <a:effectLst>
-                  <a:outerShdw blurRad="38100" dist="38100" dir="2700000" algn="tl">
-                    <a:srgbClr val="000000">
-                      <a:alpha val="43137"/>
-                    </a:srgbClr>
-                  </a:outerShdw>
-                </a:effectLst>
-                <a:latin typeface="Sylfaen" panose="010A0502050306030303" pitchFamily="18" charset="0"/>
-              </a:rPr>
-              <a:t> </a:t>
-            </a:r>
-            <a:r>
-              <a:rPr lang="en-US" sz="2400" dirty="0" err="1">
-                <a:effectLst>
-                  <a:outerShdw blurRad="38100" dist="38100" dir="2700000" algn="tl">
-                    <a:srgbClr val="000000">
-                      <a:alpha val="43137"/>
-                    </a:srgbClr>
-                  </a:outerShdw>
-                </a:effectLst>
-                <a:latin typeface="Sylfaen" panose="010A0502050306030303" pitchFamily="18" charset="0"/>
-              </a:rPr>
-              <a:t>rowSet</a:t>
-            </a:r>
-            <a:r>
-              <a:rPr lang="en-US" sz="2400" dirty="0">
-                <a:effectLst>
-                  <a:outerShdw blurRad="38100" dist="38100" dir="2700000" algn="tl">
-                    <a:srgbClr val="000000">
-                      <a:alpha val="43137"/>
-                    </a:srgbClr>
-                  </a:outerShdw>
-                </a:effectLst>
-                <a:latin typeface="Sylfaen" panose="010A0502050306030303" pitchFamily="18" charset="0"/>
-              </a:rPr>
-              <a:t> = </a:t>
-            </a:r>
-          </a:p>
-          <a:p>
-            <a:pPr marL="0" indent="0">
-              <a:buNone/>
-            </a:pPr>
-            <a:r>
-              <a:rPr lang="en-US" sz="2400" dirty="0" err="1">
-                <a:effectLst>
-                  <a:outerShdw blurRad="38100" dist="38100" dir="2700000" algn="tl">
-                    <a:srgbClr val="000000">
-                      <a:alpha val="43137"/>
-                    </a:srgbClr>
-                  </a:outerShdw>
-                </a:effectLst>
-                <a:latin typeface="Sylfaen" panose="010A0502050306030303" pitchFamily="18" charset="0"/>
-              </a:rPr>
-              <a:t>factory.createCachedRowSet</a:t>
-            </a:r>
-            <a:r>
-              <a:rPr lang="en-US" sz="2400" dirty="0">
-                <a:effectLst>
-                  <a:outerShdw blurRad="38100" dist="38100" dir="2700000" algn="tl">
-                    <a:srgbClr val="000000">
-                      <a:alpha val="43137"/>
-                    </a:srgbClr>
-                  </a:outerShdw>
-                </a:effectLst>
-                <a:latin typeface="Sylfaen" panose="010A0502050306030303" pitchFamily="18" charset="0"/>
-              </a:rPr>
-              <a:t>();</a:t>
-            </a:r>
-          </a:p>
-          <a:p>
-            <a:pPr marL="0" indent="0">
               <a:buFont typeface="Arial" panose="020B0604020202020204" pitchFamily="34" charset="0"/>
               <a:buNone/>
             </a:pPr>
@@ -7354,8 +7218,59 @@
                 </a:effectLst>
                 <a:latin typeface="Sylfaen" panose="010A0502050306030303" pitchFamily="18" charset="0"/>
               </a:rPr>
-              <a:t>RowSetListener</a:t>
-            </a:r>
+              <a:t>RowsetFactory</a:t>
+            </a:r>
+            <a:r>
+              <a:rPr lang="en-US" sz="2400" dirty="0">
+                <a:effectLst>
+                  <a:outerShdw blurRad="38100" dist="38100" dir="2700000" algn="tl">
+                    <a:srgbClr val="000000">
+                      <a:alpha val="43137"/>
+                    </a:srgbClr>
+                  </a:outerShdw>
+                </a:effectLst>
+                <a:latin typeface="Sylfaen" panose="010A0502050306030303" pitchFamily="18" charset="0"/>
+              </a:rPr>
+              <a:t> factory = </a:t>
+            </a:r>
+          </a:p>
+          <a:p>
+            <a:pPr marL="0" indent="0">
+              <a:buFont typeface="Arial" panose="020B0604020202020204" pitchFamily="34" charset="0"/>
+              <a:buNone/>
+            </a:pPr>
+            <a:r>
+              <a:rPr lang="en-US" sz="2400" dirty="0" err="1">
+                <a:effectLst>
+                  <a:outerShdw blurRad="38100" dist="38100" dir="2700000" algn="tl">
+                    <a:srgbClr val="000000">
+                      <a:alpha val="43137"/>
+                    </a:srgbClr>
+                  </a:outerShdw>
+                </a:effectLst>
+                <a:latin typeface="Sylfaen" panose="010A0502050306030303" pitchFamily="18" charset="0"/>
+              </a:rPr>
+              <a:t>RowsetProvider.newFactory</a:t>
+            </a:r>
+            <a:r>
+              <a:rPr lang="en-US" sz="2400" dirty="0">
+                <a:effectLst>
+                  <a:outerShdw blurRad="38100" dist="38100" dir="2700000" algn="tl">
+                    <a:srgbClr val="000000">
+                      <a:alpha val="43137"/>
+                    </a:srgbClr>
+                  </a:outerShdw>
+                </a:effectLst>
+                <a:latin typeface="Sylfaen" panose="010A0502050306030303" pitchFamily="18" charset="0"/>
+              </a:rPr>
+              <a:t>();</a:t>
+            </a:r>
+          </a:p>
+          <a:p>
+            <a:pPr marL="0" indent="0">
+              <a:buFont typeface="Arial" panose="020B0604020202020204" pitchFamily="34" charset="0"/>
+              <a:buNone/>
+            </a:pPr>
             <a:endParaRPr lang="en-US" sz="2400" dirty="0">
               <a:effectLst>
                 <a:outerShdw blurRad="38100" dist="38100" dir="2700000" algn="tl">
@@ -7369,7 +7284,6 @@
           </a:p>
           <a:p>
             <a:pPr marL="0" indent="0">
-              <a:buFont typeface="Arial" panose="020B0604020202020204" pitchFamily="34" charset="0"/>
               <a:buNone/>
             </a:pPr>
             <a:r>
@@ -7383,7 +7297,64 @@
                 </a:effectLst>
                 <a:latin typeface="Sylfaen" panose="010A0502050306030303" pitchFamily="18" charset="0"/>
               </a:rPr>
-              <a:t>rowSet.addRowSetListener</a:t>
+              <a:t>RowSet</a:t>
+            </a:r>
+            <a:r>
+              <a:rPr lang="en-US" sz="2400" dirty="0">
+                <a:effectLst>
+                  <a:outerShdw blurRad="38100" dist="38100" dir="2700000" algn="tl">
+                    <a:srgbClr val="000000">
+                      <a:alpha val="43137"/>
+                    </a:srgbClr>
+                  </a:outerShdw>
+                </a:effectLst>
+                <a:latin typeface="Sylfaen" panose="010A0502050306030303" pitchFamily="18" charset="0"/>
+              </a:rPr>
+              <a:t> </a:t>
+            </a:r>
+            <a:r>
+              <a:rPr lang="en-US" sz="2400" dirty="0" err="1">
+                <a:effectLst>
+                  <a:outerShdw blurRad="38100" dist="38100" dir="2700000" algn="tl">
+                    <a:srgbClr val="000000">
+                      <a:alpha val="43137"/>
+                    </a:srgbClr>
+                  </a:outerShdw>
+                </a:effectLst>
+                <a:latin typeface="Sylfaen" panose="010A0502050306030303" pitchFamily="18" charset="0"/>
+              </a:rPr>
+              <a:t>rowSet</a:t>
+            </a:r>
+            <a:r>
+              <a:rPr lang="en-US" sz="2400" dirty="0">
+                <a:effectLst>
+                  <a:outerShdw blurRad="38100" dist="38100" dir="2700000" algn="tl">
+                    <a:srgbClr val="000000">
+                      <a:alpha val="43137"/>
+                    </a:srgbClr>
+                  </a:outerShdw>
+                </a:effectLst>
+                <a:latin typeface="Sylfaen" panose="010A0502050306030303" pitchFamily="18" charset="0"/>
+              </a:rPr>
+              <a:t> = </a:t>
+            </a:r>
+          </a:p>
+          <a:p>
+            <a:pPr marL="0" indent="0">
+              <a:buNone/>
+            </a:pPr>
+            <a:r>
+              <a:rPr lang="en-US" sz="2400" dirty="0" err="1">
+                <a:effectLst>
+                  <a:outerShdw blurRad="38100" dist="38100" dir="2700000" algn="tl">
+                    <a:srgbClr val="000000">
+                      <a:alpha val="43137"/>
+                    </a:srgbClr>
+                  </a:outerShdw>
+                </a:effectLst>
+                <a:latin typeface="Sylfaen" panose="010A0502050306030303" pitchFamily="18" charset="0"/>
+              </a:rPr>
+              <a:t>factory.createCachedRowSet</a:t>
             </a:r>
             <a:r>
               <a:rPr lang="en-US" sz="2400" dirty="0">
@@ -7404,135 +7375,16 @@
               <a:buFont typeface="Arial" panose="020B0604020202020204" pitchFamily="34" charset="0"/>
               <a:buNone/>
             </a:pPr>
-            <a:r>
-              <a:rPr lang="en-US" sz="2400" dirty="0">
-                <a:effectLst>
-                  <a:outerShdw blurRad="38100" dist="38100" dir="2700000" algn="tl">
-                    <a:srgbClr val="000000">
-                      <a:alpha val="43137"/>
-                    </a:srgbClr>
-                  </a:outerShdw>
-                </a:effectLst>
-                <a:latin typeface="Sylfaen" panose="010A0502050306030303" pitchFamily="18" charset="0"/>
-              </a:rPr>
-              <a:t>public void </a:t>
-            </a:r>
-            <a:r>
-              <a:rPr lang="en-US" sz="2400" dirty="0" err="1">
-                <a:effectLst>
-                  <a:outerShdw blurRad="38100" dist="38100" dir="2700000" algn="tl">
-                    <a:srgbClr val="000000">
-                      <a:alpha val="43137"/>
-                    </a:srgbClr>
-                  </a:outerShdw>
-                </a:effectLst>
-                <a:latin typeface="Sylfaen" panose="010A0502050306030303" pitchFamily="18" charset="0"/>
-              </a:rPr>
-              <a:t>cursorMoved</a:t>
-            </a:r>
-            <a:r>
-              <a:rPr lang="en-US" sz="2400" dirty="0">
-                <a:effectLst>
-                  <a:outerShdw blurRad="38100" dist="38100" dir="2700000" algn="tl">
-                    <a:srgbClr val="000000">
-                      <a:alpha val="43137"/>
-                    </a:srgbClr>
-                  </a:outerShdw>
-                </a:effectLst>
-                <a:latin typeface="Sylfaen" panose="010A0502050306030303" pitchFamily="18" charset="0"/>
-              </a:rPr>
-              <a:t>();</a:t>
-            </a:r>
-          </a:p>
-          <a:p>
-            <a:pPr marL="0" indent="0">
-              <a:buFont typeface="Arial" panose="020B0604020202020204" pitchFamily="34" charset="0"/>
-              <a:buNone/>
-            </a:pPr>
-            <a:r>
-              <a:rPr lang="en-US" sz="2400" dirty="0">
-                <a:effectLst>
-                  <a:outerShdw blurRad="38100" dist="38100" dir="2700000" algn="tl">
-                    <a:srgbClr val="000000">
-                      <a:alpha val="43137"/>
-                    </a:srgbClr>
-                  </a:outerShdw>
-                </a:effectLst>
-                <a:latin typeface="Sylfaen" panose="010A0502050306030303" pitchFamily="18" charset="0"/>
-              </a:rPr>
-              <a:t>public void </a:t>
-            </a:r>
-            <a:r>
-              <a:rPr lang="en-US" sz="2400" dirty="0" err="1">
-                <a:effectLst>
-                  <a:outerShdw blurRad="38100" dist="38100" dir="2700000" algn="tl">
-                    <a:srgbClr val="000000">
-                      <a:alpha val="43137"/>
-                    </a:srgbClr>
-                  </a:outerShdw>
-                </a:effectLst>
-                <a:latin typeface="Sylfaen" panose="010A0502050306030303" pitchFamily="18" charset="0"/>
-              </a:rPr>
-              <a:t>rowChanged</a:t>
-            </a:r>
-            <a:r>
-              <a:rPr lang="en-US" sz="2400" dirty="0">
-                <a:effectLst>
-                  <a:outerShdw blurRad="38100" dist="38100" dir="2700000" algn="tl">
-                    <a:srgbClr val="000000">
-                      <a:alpha val="43137"/>
-                    </a:srgbClr>
-                  </a:outerShdw>
-                </a:effectLst>
-                <a:latin typeface="Sylfaen" panose="010A0502050306030303" pitchFamily="18" charset="0"/>
-              </a:rPr>
-              <a:t>();</a:t>
-            </a:r>
-          </a:p>
-          <a:p>
-            <a:pPr marL="0" indent="0">
-              <a:buFont typeface="Arial" panose="020B0604020202020204" pitchFamily="34" charset="0"/>
-              <a:buNone/>
-            </a:pPr>
-            <a:r>
-              <a:rPr lang="en-US" sz="2400" dirty="0">
-                <a:effectLst>
-                  <a:outerShdw blurRad="38100" dist="38100" dir="2700000" algn="tl">
-                    <a:srgbClr val="000000">
-                      <a:alpha val="43137"/>
-                    </a:srgbClr>
-                  </a:outerShdw>
-                </a:effectLst>
-                <a:latin typeface="Sylfaen" panose="010A0502050306030303" pitchFamily="18" charset="0"/>
-              </a:rPr>
-              <a:t>public void </a:t>
-            </a:r>
-            <a:r>
-              <a:rPr lang="en-US" sz="2400" dirty="0" err="1">
-                <a:effectLst>
-                  <a:outerShdw blurRad="38100" dist="38100" dir="2700000" algn="tl">
-                    <a:srgbClr val="000000">
-                      <a:alpha val="43137"/>
-                    </a:srgbClr>
-                  </a:outerShdw>
-                </a:effectLst>
-                <a:latin typeface="Sylfaen" panose="010A0502050306030303" pitchFamily="18" charset="0"/>
-              </a:rPr>
-              <a:t>rowSetChanged</a:t>
-            </a:r>
-            <a:r>
-              <a:rPr lang="en-US" sz="2400" dirty="0">
-                <a:effectLst>
-                  <a:outerShdw blurRad="38100" dist="38100" dir="2700000" algn="tl">
-                    <a:srgbClr val="000000">
-                      <a:alpha val="43137"/>
-                    </a:srgbClr>
-                  </a:outerShdw>
-                </a:effectLst>
-                <a:latin typeface="Sylfaen" panose="010A0502050306030303" pitchFamily="18" charset="0"/>
-              </a:rPr>
-              <a:t>();</a:t>
-            </a:r>
+            <a:endParaRPr lang="en-US" sz="2400" dirty="0">
+              <a:effectLst>
+                <a:outerShdw blurRad="38100" dist="38100" dir="2700000" algn="tl">
+                  <a:srgbClr val="000000">
+                    <a:alpha val="43137"/>
+                  </a:srgbClr>
+                </a:outerShdw>
+              </a:effectLst>
+              <a:latin typeface="Sylfaen" panose="010A0502050306030303" pitchFamily="18" charset="0"/>
+            </a:endParaRPr>
           </a:p>
         </p:txBody>
       </p:sp>
@@ -8561,7 +8413,7 @@
               <a:buNone/>
             </a:pPr>
             <a:r>
-              <a:rPr lang="en-US" sz="3000">
+              <a:rPr lang="en-US" sz="3000" dirty="0">
                 <a:effectLst>
                   <a:outerShdw blurRad="38100" dist="38100" dir="2700000" algn="tl">
                     <a:srgbClr val="000000">
@@ -8574,7 +8426,7 @@
               <a:t>public static synchronized void </a:t>
             </a:r>
             <a:r>
-              <a:rPr lang="en-US" sz="3000" err="1">
+              <a:rPr lang="en-US" sz="3000" dirty="0" err="1">
                 <a:effectLst>
                   <a:outerShdw blurRad="38100" dist="38100" dir="2700000" algn="tl">
                     <a:srgbClr val="000000">
@@ -8587,7 +8439,7 @@
               <a:t>registerDriver</a:t>
             </a:r>
             <a:r>
-              <a:rPr lang="en-US" sz="3000">
+              <a:rPr lang="en-US" sz="3000" dirty="0">
                 <a:effectLst>
                   <a:outerShdw blurRad="38100" dist="38100" dir="2700000" algn="tl">
                     <a:srgbClr val="000000">
@@ -8608,7 +8460,7 @@
               <a:buNone/>
             </a:pPr>
             <a:r>
-              <a:rPr lang="en-US" sz="3000">
+              <a:rPr lang="en-US" sz="3000" dirty="0">
                 <a:effectLst>
                   <a:outerShdw blurRad="38100" dist="38100" dir="2700000" algn="tl">
                     <a:srgbClr val="000000">
@@ -8621,7 +8473,7 @@
               <a:t>public static synchronized void </a:t>
             </a:r>
             <a:r>
-              <a:rPr lang="en-US" sz="3000" err="1">
+              <a:rPr lang="en-US" sz="3000" dirty="0" err="1">
                 <a:effectLst>
                   <a:outerShdw blurRad="38100" dist="38100" dir="2700000" algn="tl">
                     <a:srgbClr val="000000">
@@ -8634,7 +8486,7 @@
               <a:t>deRegisterDriver</a:t>
             </a:r>
             <a:r>
-              <a:rPr lang="en-US" sz="3000">
+              <a:rPr lang="en-US" sz="3000" dirty="0">
                 <a:effectLst>
                   <a:outerShdw blurRad="38100" dist="38100" dir="2700000" algn="tl">
                     <a:srgbClr val="000000">
@@ -8655,7 +8507,7 @@
               <a:buNone/>
             </a:pPr>
             <a:r>
-              <a:rPr lang="en-US" sz="3000">
+              <a:rPr lang="en-US" sz="3000" dirty="0">
                 <a:effectLst>
                   <a:outerShdw blurRad="38100" dist="38100" dir="2700000" algn="tl">
                     <a:srgbClr val="000000">
@@ -8668,7 +8520,7 @@
               <a:t>public static Connection </a:t>
             </a:r>
             <a:r>
-              <a:rPr lang="en-US" sz="3000" err="1">
+              <a:rPr lang="en-US" sz="3000" dirty="0" err="1">
                 <a:effectLst>
                   <a:outerShdw blurRad="38100" dist="38100" dir="2700000" algn="tl">
                     <a:srgbClr val="000000">
@@ -8681,7 +8533,7 @@
               <a:t>getConnection</a:t>
             </a:r>
             <a:r>
-              <a:rPr lang="en-US" sz="3000">
+              <a:rPr lang="en-US" sz="3000" dirty="0">
                 <a:effectLst>
                   <a:outerShdw blurRad="38100" dist="38100" dir="2700000" algn="tl">
                     <a:srgbClr val="000000">
@@ -8694,7 +8546,7 @@
               <a:t>(String </a:t>
             </a:r>
             <a:r>
-              <a:rPr lang="en-US" sz="3000" err="1">
+              <a:rPr lang="en-US" sz="3000" dirty="0" err="1">
                 <a:effectLst>
                   <a:outerShdw blurRad="38100" dist="38100" dir="2700000" algn="tl">
                     <a:srgbClr val="000000">
@@ -8707,7 +8559,7 @@
               <a:t>url</a:t>
             </a:r>
             <a:r>
-              <a:rPr lang="en-US" sz="3000">
+              <a:rPr lang="en-US" sz="3000" dirty="0">
                 <a:effectLst>
                   <a:outerShdw blurRad="38100" dist="38100" dir="2700000" algn="tl">
                     <a:srgbClr val="000000">
@@ -8728,7 +8580,7 @@
               <a:buNone/>
             </a:pPr>
             <a:r>
-              <a:rPr lang="en-US" sz="3000">
+              <a:rPr lang="en-US" sz="3000" dirty="0">
                 <a:effectLst>
                   <a:outerShdw blurRad="38100" dist="38100" dir="2700000" algn="tl">
                     <a:srgbClr val="000000">
@@ -8741,7 +8593,7 @@
               <a:t>public static Driver </a:t>
             </a:r>
             <a:r>
-              <a:rPr lang="en-US" sz="3000" err="1">
+              <a:rPr lang="en-US" sz="3000" dirty="0" err="1">
                 <a:effectLst>
                   <a:outerShdw blurRad="38100" dist="38100" dir="2700000" algn="tl">
                     <a:srgbClr val="000000">
@@ -8754,7 +8606,7 @@
               <a:t>getDriver</a:t>
             </a:r>
             <a:r>
-              <a:rPr lang="en-US" sz="3000">
+              <a:rPr lang="en-US" sz="3000" dirty="0">
                 <a:effectLst>
                   <a:outerShdw blurRad="38100" dist="38100" dir="2700000" algn="tl">
                     <a:srgbClr val="000000">
@@ -8767,7 +8619,7 @@
               <a:t>(String </a:t>
             </a:r>
             <a:r>
-              <a:rPr lang="en-US" sz="3000" err="1">
+              <a:rPr lang="en-US" sz="3000" dirty="0" err="1">
                 <a:effectLst>
                   <a:outerShdw blurRad="38100" dist="38100" dir="2700000" algn="tl">
                     <a:srgbClr val="000000">
@@ -8780,7 +8632,7 @@
               <a:t>url</a:t>
             </a:r>
             <a:r>
-              <a:rPr lang="en-US" sz="3000">
+              <a:rPr lang="en-US" sz="3000" dirty="0">
                 <a:effectLst>
                   <a:outerShdw blurRad="38100" dist="38100" dir="2700000" algn="tl">
                     <a:srgbClr val="000000">
@@ -8801,7 +8653,7 @@
               <a:buNone/>
             </a:pPr>
             <a:r>
-              <a:rPr lang="en-US" sz="3000">
+              <a:rPr lang="en-US" sz="3000" dirty="0">
                 <a:effectLst>
                   <a:outerShdw blurRad="38100" dist="38100" dir="2700000" algn="tl">
                     <a:srgbClr val="000000">
@@ -8814,7 +8666,7 @@
               <a:t>pubic static int </a:t>
             </a:r>
             <a:r>
-              <a:rPr lang="en-US" sz="3000" err="1">
+              <a:rPr lang="en-US" sz="3000" dirty="0" err="1">
                 <a:effectLst>
                   <a:outerShdw blurRad="38100" dist="38100" dir="2700000" algn="tl">
                     <a:srgbClr val="000000">
@@ -8827,7 +8679,7 @@
               <a:t>getLoginTimeout</a:t>
             </a:r>
             <a:r>
-              <a:rPr lang="en-US" sz="3000">
+              <a:rPr lang="en-US" sz="3000" dirty="0">
                 <a:effectLst>
                   <a:outerShdw blurRad="38100" dist="38100" dir="2700000" algn="tl">
                     <a:srgbClr val="000000">
@@ -8848,7 +8700,7 @@
               <a:buNone/>
             </a:pPr>
             <a:r>
-              <a:rPr lang="en-US" sz="3000">
+              <a:rPr lang="en-US" sz="3000" dirty="0">
                 <a:effectLst>
                   <a:outerShdw blurRad="38100" dist="38100" dir="2700000" algn="tl">
                     <a:srgbClr val="000000">
@@ -8861,7 +8713,7 @@
               <a:t>pubic static void </a:t>
             </a:r>
             <a:r>
-              <a:rPr lang="en-US" sz="3000" err="1">
+              <a:rPr lang="en-US" sz="3000" dirty="0" err="1">
                 <a:effectLst>
                   <a:outerShdw blurRad="38100" dist="38100" dir="2700000" algn="tl">
                     <a:srgbClr val="000000">
@@ -8874,7 +8726,7 @@
               <a:t>setLoginTimeout</a:t>
             </a:r>
             <a:r>
-              <a:rPr lang="en-US" sz="3000">
+              <a:rPr lang="en-US" sz="3000" dirty="0">
                 <a:effectLst>
                   <a:outerShdw blurRad="38100" dist="38100" dir="2700000" algn="tl">
                     <a:srgbClr val="000000">
@@ -9598,7 +9450,7 @@
                 <a:ea typeface="+mn-ea"/>
                 <a:cs typeface="+mn-cs"/>
               </a:rPr>
-              <a:t>connection.create.Statement</a:t>
+              <a:t>connection.createStatement</a:t>
             </a:r>
             <a:r>
               <a:rPr lang="en-US" sz="3000" kern="1200" dirty="0">
@@ -10131,7 +9983,7 @@
               <a:buNone/>
             </a:pPr>
             <a:r>
-              <a:rPr lang="en-US">
+              <a:rPr lang="en-US" dirty="0" err="1">
                 <a:effectLst>
                   <a:outerShdw blurRad="38100" dist="38100" dir="2700000" algn="tl">
                     <a:srgbClr val="000000">
@@ -10143,6 +9995,16 @@
               </a:rPr>
               <a:t>ResultSet.TYPE_SCROLL_INSENSITIVE</a:t>
             </a:r>
+            <a:endParaRPr lang="en-US" dirty="0">
+              <a:effectLst>
+                <a:outerShdw blurRad="38100" dist="38100" dir="2700000" algn="tl">
+                  <a:srgbClr val="000000">
+                    <a:alpha val="43137"/>
+                  </a:srgbClr>
+                </a:outerShdw>
+              </a:effectLst>
+              <a:latin typeface="Sylfaen" panose="010A0502050306030303" pitchFamily="18" charset="0"/>
+            </a:endParaRPr>
           </a:p>
           <a:p>
             <a:pPr marL="0" indent="0">
@@ -10152,7 +10014,7 @@
               <a:buNone/>
             </a:pPr>
             <a:r>
-              <a:rPr lang="en-US">
+              <a:rPr lang="en-US" dirty="0" err="1">
                 <a:effectLst>
                   <a:outerShdw blurRad="38100" dist="38100" dir="2700000" algn="tl">
                     <a:srgbClr val="000000">
@@ -10164,6 +10026,16 @@
               </a:rPr>
               <a:t>ResultSet.CONCUR_UPDATABLE</a:t>
             </a:r>
+            <a:endParaRPr lang="en-US" dirty="0">
+              <a:effectLst>
+                <a:outerShdw blurRad="38100" dist="38100" dir="2700000" algn="tl">
+                  <a:srgbClr val="000000">
+                    <a:alpha val="43137"/>
+                  </a:srgbClr>
+                </a:outerShdw>
+              </a:effectLst>
+              <a:latin typeface="Sylfaen" panose="010A0502050306030303" pitchFamily="18" charset="0"/>
+            </a:endParaRPr>
           </a:p>
           <a:p>
             <a:pPr marL="0" indent="0">
@@ -10173,7 +10045,7 @@
               <a:buNone/>
             </a:pPr>
             <a:r>
-              <a:rPr lang="en-US">
+              <a:rPr lang="en-US" dirty="0">
                 <a:effectLst>
                   <a:outerShdw blurRad="38100" dist="38100" dir="2700000" algn="tl">
                     <a:srgbClr val="000000">
